--- a/Presentation_Subword.pptx
+++ b/Presentation_Subword.pptx
@@ -6607,6 +6607,79 @@
           </a:p>
         </p:txBody>
       </p:sp>
+      <p:sp>
+        <p:nvSpPr>
+          <p:cNvPr id="3" name="Rectangle 2">
+            <a:extLst>
+              <a:ext uri="{FF2B5EF4-FFF2-40B4-BE49-F238E27FC236}">
+                <a16:creationId xmlns:a16="http://schemas.microsoft.com/office/drawing/2014/main" id="{72116C31-7C83-E64B-8BA3-871B0907F8ED}"/>
+              </a:ext>
+            </a:extLst>
+          </p:cNvPr>
+          <p:cNvSpPr/>
+          <p:nvPr/>
+        </p:nvSpPr>
+        <p:spPr>
+          <a:xfrm>
+            <a:off x="419622" y="1510750"/>
+            <a:ext cx="4572000" cy="2308324"/>
+          </a:xfrm>
+          <a:prstGeom prst="rect">
+            <a:avLst/>
+          </a:prstGeom>
+        </p:spPr>
+        <p:txBody>
+          <a:bodyPr>
+            <a:spAutoFit/>
+          </a:bodyPr>
+          <a:lstStyle/>
+          <a:p>
+            <a:r>
+              <a:rPr lang="en-US" dirty="0">
+                <a:latin typeface="NimbusRomNo9L"/>
+              </a:rPr>
+              <a:t>We evaluate our model in five experiments: an eval- </a:t>
+            </a:r>
+            <a:r>
+              <a:rPr lang="en-US" dirty="0" err="1">
+                <a:latin typeface="NimbusRomNo9L"/>
+              </a:rPr>
+              <a:t>uation</a:t>
+            </a:r>
+            <a:r>
+              <a:rPr lang="en-US" dirty="0">
+                <a:latin typeface="NimbusRomNo9L"/>
+              </a:rPr>
+              <a:t> of word similarity and word analogies, a com- </a:t>
+            </a:r>
+            <a:r>
+              <a:rPr lang="en-US" dirty="0" err="1">
+                <a:latin typeface="NimbusRomNo9L"/>
+              </a:rPr>
+              <a:t>parison</a:t>
+            </a:r>
+            <a:r>
+              <a:rPr lang="en-US" dirty="0">
+                <a:latin typeface="NimbusRomNo9L"/>
+              </a:rPr>
+              <a:t> to state-of-the-art methods, an analysis of the effect of the size of training data and of the size of character </a:t>
+            </a:r>
+            <a:r>
+              <a:rPr lang="en-US" dirty="0">
+                <a:latin typeface="CMMI10"/>
+              </a:rPr>
+              <a:t>n</a:t>
+            </a:r>
+            <a:r>
+              <a:rPr lang="en-US" dirty="0">
+                <a:latin typeface="NimbusRomNo9L"/>
+              </a:rPr>
+              <a:t>-grams that we consider. We will de- scribe these experiments in detail in the following sections. </a:t>
+            </a:r>
+            <a:endParaRPr lang="en-US" dirty="0"/>
+          </a:p>
+        </p:txBody>
+      </p:sp>
     </p:spTree>
     <p:extLst>
       <p:ext uri="{BB962C8B-B14F-4D97-AF65-F5344CB8AC3E}">
@@ -6893,6 +6966,41 @@
           </a:p>
         </p:txBody>
       </p:sp>
+      <p:sp>
+        <p:nvSpPr>
+          <p:cNvPr id="3" name="TextBox 2">
+            <a:extLst>
+              <a:ext uri="{FF2B5EF4-FFF2-40B4-BE49-F238E27FC236}">
+                <a16:creationId xmlns:a16="http://schemas.microsoft.com/office/drawing/2014/main" id="{9E362691-9CBA-9441-ABD2-D534EED432F1}"/>
+              </a:ext>
+            </a:extLst>
+          </p:cNvPr>
+          <p:cNvSpPr txBox="1"/>
+          <p:nvPr/>
+        </p:nvSpPr>
+        <p:spPr>
+          <a:xfrm>
+            <a:off x="2079321" y="2555310"/>
+            <a:ext cx="3056350" cy="369332"/>
+          </a:xfrm>
+          <a:prstGeom prst="rect">
+            <a:avLst/>
+          </a:prstGeom>
+          <a:noFill/>
+        </p:spPr>
+        <p:txBody>
+          <a:bodyPr wrap="square" rtlCol="0">
+            <a:spAutoFit/>
+          </a:bodyPr>
+          <a:lstStyle/>
+          <a:p>
+            <a:r>
+              <a:rPr lang="en-CO" dirty="0"/>
+              <a:t>NOUP</a:t>
+            </a:r>
+          </a:p>
+        </p:txBody>
+      </p:sp>
     </p:spTree>
     <p:extLst>
       <p:ext uri="{BB962C8B-B14F-4D97-AF65-F5344CB8AC3E}">
@@ -7179,6 +7287,41 @@
           </a:p>
         </p:txBody>
       </p:sp>
+      <p:sp>
+        <p:nvSpPr>
+          <p:cNvPr id="3" name="TextBox 2">
+            <a:extLst>
+              <a:ext uri="{FF2B5EF4-FFF2-40B4-BE49-F238E27FC236}">
+                <a16:creationId xmlns:a16="http://schemas.microsoft.com/office/drawing/2014/main" id="{3BA13246-7BF5-0A43-B453-0F0DABA64717}"/>
+              </a:ext>
+            </a:extLst>
+          </p:cNvPr>
+          <p:cNvSpPr txBox="1"/>
+          <p:nvPr/>
+        </p:nvSpPr>
+        <p:spPr>
+          <a:xfrm>
+            <a:off x="2530415" y="2467627"/>
+            <a:ext cx="5022780" cy="369332"/>
+          </a:xfrm>
+          <a:prstGeom prst="rect">
+            <a:avLst/>
+          </a:prstGeom>
+          <a:noFill/>
+        </p:spPr>
+        <p:txBody>
+          <a:bodyPr wrap="square" rtlCol="0">
+            <a:spAutoFit/>
+          </a:bodyPr>
+          <a:lstStyle/>
+          <a:p>
+            <a:r>
+              <a:rPr lang="en-CO" dirty="0"/>
+              <a:t>YES / there is no error</a:t>
+            </a:r>
+          </a:p>
+        </p:txBody>
+      </p:sp>
     </p:spTree>
     <p:extLst>
       <p:ext uri="{BB962C8B-B14F-4D97-AF65-F5344CB8AC3E}">
@@ -7322,6 +7465,45 @@
           </a:p>
         </p:txBody>
       </p:sp>
+      <p:sp>
+        <p:nvSpPr>
+          <p:cNvPr id="3" name="TextBox 2">
+            <a:extLst>
+              <a:ext uri="{FF2B5EF4-FFF2-40B4-BE49-F238E27FC236}">
+                <a16:creationId xmlns:a16="http://schemas.microsoft.com/office/drawing/2014/main" id="{0C00BCD5-DABD-7343-B578-BE6A980630B4}"/>
+              </a:ext>
+            </a:extLst>
+          </p:cNvPr>
+          <p:cNvSpPr txBox="1"/>
+          <p:nvPr/>
+        </p:nvSpPr>
+        <p:spPr>
+          <a:xfrm>
+            <a:off x="3544866" y="2254685"/>
+            <a:ext cx="4421687" cy="369332"/>
+          </a:xfrm>
+          <a:prstGeom prst="rect">
+            <a:avLst/>
+          </a:prstGeom>
+          <a:noFill/>
+        </p:spPr>
+        <p:txBody>
+          <a:bodyPr wrap="square" rtlCol="0">
+            <a:spAutoFit/>
+          </a:bodyPr>
+          <a:lstStyle/>
+          <a:p>
+            <a:r>
+              <a:rPr lang="en-US" dirty="0"/>
+              <a:t>W</a:t>
+            </a:r>
+            <a:r>
+              <a:rPr lang="en-CO" dirty="0"/>
+              <a:t>ith the error</a:t>
+            </a:r>
+          </a:p>
+        </p:txBody>
+      </p:sp>
     </p:spTree>
     <p:extLst>
       <p:ext uri="{BB962C8B-B14F-4D97-AF65-F5344CB8AC3E}">
@@ -7465,6 +7647,45 @@
           </a:p>
         </p:txBody>
       </p:sp>
+      <p:sp>
+        <p:nvSpPr>
+          <p:cNvPr id="3" name="TextBox 2">
+            <a:extLst>
+              <a:ext uri="{FF2B5EF4-FFF2-40B4-BE49-F238E27FC236}">
+                <a16:creationId xmlns:a16="http://schemas.microsoft.com/office/drawing/2014/main" id="{A10E4C2B-8406-1F4D-873F-BEEFB883E5D7}"/>
+              </a:ext>
+            </a:extLst>
+          </p:cNvPr>
+          <p:cNvSpPr txBox="1"/>
+          <p:nvPr/>
+        </p:nvSpPr>
+        <p:spPr>
+          <a:xfrm>
+            <a:off x="1653436" y="2430049"/>
+            <a:ext cx="5204564" cy="646331"/>
+          </a:xfrm>
+          <a:prstGeom prst="rect">
+            <a:avLst/>
+          </a:prstGeom>
+          <a:noFill/>
+        </p:spPr>
+        <p:txBody>
+          <a:bodyPr wrap="square" rtlCol="0">
+            <a:spAutoFit/>
+          </a:bodyPr>
+          <a:lstStyle/>
+          <a:p>
+            <a:r>
+              <a:rPr lang="en-US" dirty="0"/>
+              <a:t>Y</a:t>
+            </a:r>
+            <a:r>
+              <a:rPr lang="en-CO" dirty="0"/>
+              <a:t>es, in the folder examples. Maybe we can put part of the code here.</a:t>
+            </a:r>
+          </a:p>
+        </p:txBody>
+      </p:sp>
     </p:spTree>
     <p:extLst>
       <p:ext uri="{BB962C8B-B14F-4D97-AF65-F5344CB8AC3E}">
@@ -7751,6 +7972,43 @@
           </a:p>
         </p:txBody>
       </p:sp>
+      <p:sp>
+        <p:nvSpPr>
+          <p:cNvPr id="3" name="Rectangle 2">
+            <a:extLst>
+              <a:ext uri="{FF2B5EF4-FFF2-40B4-BE49-F238E27FC236}">
+                <a16:creationId xmlns:a16="http://schemas.microsoft.com/office/drawing/2014/main" id="{2747BE21-C12E-D24D-9890-F9498B8B6859}"/>
+              </a:ext>
+            </a:extLst>
+          </p:cNvPr>
+          <p:cNvSpPr/>
+          <p:nvPr/>
+        </p:nvSpPr>
+        <p:spPr>
+          <a:xfrm>
+            <a:off x="1380548" y="2267304"/>
+            <a:ext cx="3326552" cy="369332"/>
+          </a:xfrm>
+          <a:prstGeom prst="rect">
+            <a:avLst/>
+          </a:prstGeom>
+        </p:spPr>
+        <p:txBody>
+          <a:bodyPr wrap="none">
+            <a:spAutoFit/>
+          </a:bodyPr>
+          <a:lstStyle/>
+          <a:p>
+            <a:r>
+              <a:rPr lang="en-US" dirty="0">
+                <a:hlinkClick r:id="rId2"/>
+              </a:rPr>
+              <a:t>https://pypi.org/project/fasttext/</a:t>
+            </a:r>
+            <a:endParaRPr lang="en-CO" dirty="0"/>
+          </a:p>
+        </p:txBody>
+      </p:sp>
     </p:spTree>
     <p:extLst>
       <p:ext uri="{BB962C8B-B14F-4D97-AF65-F5344CB8AC3E}">
@@ -8706,6 +8964,110 @@
           </a:p>
         </p:txBody>
       </p:sp>
+      <p:sp>
+        <p:nvSpPr>
+          <p:cNvPr id="2" name="Rectangle 1">
+            <a:extLst>
+              <a:ext uri="{FF2B5EF4-FFF2-40B4-BE49-F238E27FC236}">
+                <a16:creationId xmlns:a16="http://schemas.microsoft.com/office/drawing/2014/main" id="{6F48851F-0535-4349-9CF1-B2E639A3BF33}"/>
+              </a:ext>
+            </a:extLst>
+          </p:cNvPr>
+          <p:cNvSpPr/>
+          <p:nvPr/>
+        </p:nvSpPr>
+        <p:spPr>
+          <a:xfrm>
+            <a:off x="657616" y="1878284"/>
+            <a:ext cx="4572000" cy="646331"/>
+          </a:xfrm>
+          <a:prstGeom prst="rect">
+            <a:avLst/>
+          </a:prstGeom>
+        </p:spPr>
+        <p:txBody>
+          <a:bodyPr>
+            <a:spAutoFit/>
+          </a:bodyPr>
+          <a:lstStyle/>
+          <a:p>
+            <a:r>
+              <a:rPr lang="en-US" dirty="0">
+                <a:hlinkClick r:id="rId2"/>
+              </a:rPr>
+              <a:t>https://www.mitpressjournals.org/doi/abs/10.1162/tacl_a_00051#authorsTabList</a:t>
+            </a:r>
+            <a:endParaRPr lang="en-CO" dirty="0"/>
+          </a:p>
+        </p:txBody>
+      </p:sp>
+      <p:pic>
+        <p:nvPicPr>
+          <p:cNvPr id="3" name="Picture 2">
+            <a:extLst>
+              <a:ext uri="{FF2B5EF4-FFF2-40B4-BE49-F238E27FC236}">
+                <a16:creationId xmlns:a16="http://schemas.microsoft.com/office/drawing/2014/main" id="{FF6BA833-5506-4D40-A5E2-B463F25B9522}"/>
+              </a:ext>
+            </a:extLst>
+          </p:cNvPr>
+          <p:cNvPicPr>
+            <a:picLocks noChangeAspect="1"/>
+          </p:cNvPicPr>
+          <p:nvPr/>
+        </p:nvPicPr>
+        <p:blipFill>
+          <a:blip r:embed="rId3"/>
+          <a:stretch>
+            <a:fillRect/>
+          </a:stretch>
+        </p:blipFill>
+        <p:spPr>
+          <a:xfrm>
+            <a:off x="4309364" y="3231714"/>
+            <a:ext cx="2967736" cy="2229285"/>
+          </a:xfrm>
+          <a:prstGeom prst="rect">
+            <a:avLst/>
+          </a:prstGeom>
+        </p:spPr>
+      </p:pic>
+      <p:sp>
+        <p:nvSpPr>
+          <p:cNvPr id="4" name="Rectangle 3">
+            <a:extLst>
+              <a:ext uri="{FF2B5EF4-FFF2-40B4-BE49-F238E27FC236}">
+                <a16:creationId xmlns:a16="http://schemas.microsoft.com/office/drawing/2014/main" id="{D998F222-6039-174B-BDDD-DC105D3A94EB}"/>
+              </a:ext>
+            </a:extLst>
+          </p:cNvPr>
+          <p:cNvSpPr/>
+          <p:nvPr/>
+        </p:nvSpPr>
+        <p:spPr>
+          <a:xfrm>
+            <a:off x="523025" y="3682745"/>
+            <a:ext cx="3463320" cy="369332"/>
+          </a:xfrm>
+          <a:prstGeom prst="rect">
+            <a:avLst/>
+          </a:prstGeom>
+        </p:spPr>
+        <p:txBody>
+          <a:bodyPr wrap="none">
+            <a:spAutoFit/>
+          </a:bodyPr>
+          <a:lstStyle/>
+          <a:p>
+            <a:r>
+              <a:rPr lang="en-US" dirty="0">
+                <a:hlinkClick r:id="rId4"/>
+              </a:rPr>
+              <a:t>https://arxiv.org/abs/1607.04606</a:t>
+            </a:r>
+            <a:endParaRPr lang="en-CO" dirty="0"/>
+          </a:p>
+        </p:txBody>
+      </p:sp>
     </p:spTree>
     <p:extLst>
       <p:ext uri="{BB962C8B-B14F-4D97-AF65-F5344CB8AC3E}">
@@ -8849,6 +9211,175 @@
           </a:p>
         </p:txBody>
       </p:sp>
+      <p:sp>
+        <p:nvSpPr>
+          <p:cNvPr id="3" name="Rectangle 2">
+            <a:extLst>
+              <a:ext uri="{FF2B5EF4-FFF2-40B4-BE49-F238E27FC236}">
+                <a16:creationId xmlns:a16="http://schemas.microsoft.com/office/drawing/2014/main" id="{E849072D-FFEC-2D42-8362-0EF41FE22F93}"/>
+              </a:ext>
+            </a:extLst>
+          </p:cNvPr>
+          <p:cNvSpPr/>
+          <p:nvPr/>
+        </p:nvSpPr>
+        <p:spPr>
+          <a:xfrm>
+            <a:off x="480959" y="1503122"/>
+            <a:ext cx="8324837" cy="3693319"/>
+          </a:xfrm>
+          <a:prstGeom prst="rect">
+            <a:avLst/>
+          </a:prstGeom>
+        </p:spPr>
+        <p:txBody>
+          <a:bodyPr wrap="square">
+            <a:spAutoFit/>
+          </a:bodyPr>
+          <a:lstStyle/>
+          <a:p>
+            <a:r>
+              <a:rPr lang="en-US" dirty="0">
+                <a:latin typeface="NimbusRomNo9L"/>
+              </a:rPr>
+              <a:t>Continuous word representations, trained on large unlabeled corpora are useful for many natural language processing tasks. Popular models that learn such representations ignore the morphology of words, by assigning a dis- </a:t>
+            </a:r>
+            <a:r>
+              <a:rPr lang="en-US" dirty="0" err="1">
+                <a:latin typeface="NimbusRomNo9L"/>
+              </a:rPr>
+              <a:t>tinct</a:t>
+            </a:r>
+            <a:r>
+              <a:rPr lang="en-US" dirty="0">
+                <a:latin typeface="NimbusRomNo9L"/>
+              </a:rPr>
+              <a:t> vector to each word. This is a limitation, especially for languages with large vocabular- </a:t>
+            </a:r>
+            <a:r>
+              <a:rPr lang="en-US" dirty="0" err="1">
+                <a:latin typeface="NimbusRomNo9L"/>
+              </a:rPr>
+              <a:t>ies</a:t>
+            </a:r>
+            <a:r>
+              <a:rPr lang="en-US" dirty="0">
+                <a:latin typeface="NimbusRomNo9L"/>
+              </a:rPr>
+              <a:t> and many rare words. In this paper, we pro- pose a new approach based on the </a:t>
+            </a:r>
+            <a:r>
+              <a:rPr lang="en-US" dirty="0" err="1">
+                <a:latin typeface="NimbusRomNo9L"/>
+              </a:rPr>
+              <a:t>skipgram</a:t>
+            </a:r>
+            <a:r>
+              <a:rPr lang="en-US" dirty="0">
+                <a:latin typeface="NimbusRomNo9L"/>
+              </a:rPr>
+              <a:t> model, where each word is represented as a bag of character </a:t>
+            </a:r>
+            <a:r>
+              <a:rPr lang="en-US" dirty="0">
+                <a:latin typeface="CMMI10"/>
+              </a:rPr>
+              <a:t>n</a:t>
+            </a:r>
+            <a:r>
+              <a:rPr lang="en-US" dirty="0">
+                <a:latin typeface="NimbusRomNo9L"/>
+              </a:rPr>
+              <a:t>-grams. A vector </a:t>
+            </a:r>
+            <a:r>
+              <a:rPr lang="en-US" dirty="0" err="1">
+                <a:latin typeface="NimbusRomNo9L"/>
+              </a:rPr>
+              <a:t>represen</a:t>
+            </a:r>
+            <a:r>
+              <a:rPr lang="en-US" dirty="0">
+                <a:latin typeface="NimbusRomNo9L"/>
+              </a:rPr>
+              <a:t>- </a:t>
+            </a:r>
+            <a:r>
+              <a:rPr lang="en-US" dirty="0" err="1">
+                <a:latin typeface="NimbusRomNo9L"/>
+              </a:rPr>
+              <a:t>tation</a:t>
+            </a:r>
+            <a:r>
+              <a:rPr lang="en-US" dirty="0">
+                <a:latin typeface="NimbusRomNo9L"/>
+              </a:rPr>
+              <a:t> is associated to each character </a:t>
+            </a:r>
+            <a:r>
+              <a:rPr lang="en-US" dirty="0">
+                <a:latin typeface="CMMI10"/>
+              </a:rPr>
+              <a:t>n</a:t>
+            </a:r>
+            <a:r>
+              <a:rPr lang="en-US" dirty="0">
+                <a:latin typeface="NimbusRomNo9L"/>
+              </a:rPr>
+              <a:t>-gram; words being represented as the sum of these representations. Our method is fast, allow- </a:t>
+            </a:r>
+            <a:r>
+              <a:rPr lang="en-US" dirty="0" err="1">
+                <a:latin typeface="NimbusRomNo9L"/>
+              </a:rPr>
+              <a:t>ing</a:t>
+            </a:r>
+            <a:r>
+              <a:rPr lang="en-US" dirty="0">
+                <a:latin typeface="NimbusRomNo9L"/>
+              </a:rPr>
+              <a:t> to train models on large corpora quickly and allows us to compute word representations for words that did not appear in the training data. We evaluate our word representations on nine different languages, both on word sim- </a:t>
+            </a:r>
+            <a:r>
+              <a:rPr lang="en-US" dirty="0" err="1">
+                <a:latin typeface="NimbusRomNo9L"/>
+              </a:rPr>
+              <a:t>ilarity</a:t>
+            </a:r>
+            <a:r>
+              <a:rPr lang="en-US" dirty="0">
+                <a:latin typeface="NimbusRomNo9L"/>
+              </a:rPr>
+              <a:t> and analogy tasks. By comparing to recently proposed morphological word </a:t>
+            </a:r>
+            <a:r>
+              <a:rPr lang="en-US" dirty="0" err="1">
+                <a:latin typeface="NimbusRomNo9L"/>
+              </a:rPr>
+              <a:t>repre</a:t>
+            </a:r>
+            <a:r>
+              <a:rPr lang="en-US" dirty="0">
+                <a:latin typeface="NimbusRomNo9L"/>
+              </a:rPr>
+              <a:t>- </a:t>
+            </a:r>
+            <a:r>
+              <a:rPr lang="en-US" dirty="0" err="1">
+                <a:latin typeface="NimbusRomNo9L"/>
+              </a:rPr>
+              <a:t>sentations</a:t>
+            </a:r>
+            <a:r>
+              <a:rPr lang="en-US" dirty="0">
+                <a:latin typeface="NimbusRomNo9L"/>
+              </a:rPr>
+              <a:t>, we show that our vectors achieve state-of-the-art performance on these tasks. </a:t>
+            </a:r>
+            <a:endParaRPr lang="en-US" dirty="0"/>
+          </a:p>
+        </p:txBody>
+      </p:sp>
     </p:spTree>
     <p:extLst>
       <p:ext uri="{BB962C8B-B14F-4D97-AF65-F5344CB8AC3E}">
@@ -8992,6 +9523,41 @@
           </a:p>
         </p:txBody>
       </p:sp>
+      <p:sp>
+        <p:nvSpPr>
+          <p:cNvPr id="3" name="TextBox 2">
+            <a:extLst>
+              <a:ext uri="{FF2B5EF4-FFF2-40B4-BE49-F238E27FC236}">
+                <a16:creationId xmlns:a16="http://schemas.microsoft.com/office/drawing/2014/main" id="{14A44E5C-424F-3246-A6C9-0859BF213681}"/>
+              </a:ext>
+            </a:extLst>
+          </p:cNvPr>
+          <p:cNvSpPr txBox="1"/>
+          <p:nvPr/>
+        </p:nvSpPr>
+        <p:spPr>
+          <a:xfrm>
+            <a:off x="2091847" y="2430049"/>
+            <a:ext cx="3858016" cy="369332"/>
+          </a:xfrm>
+          <a:prstGeom prst="rect">
+            <a:avLst/>
+          </a:prstGeom>
+          <a:noFill/>
+        </p:spPr>
+        <p:txBody>
+          <a:bodyPr wrap="square" rtlCol="0">
+            <a:spAutoFit/>
+          </a:bodyPr>
+          <a:lstStyle/>
+          <a:p>
+            <a:r>
+              <a:rPr lang="en-CO" dirty="0"/>
+              <a:t>Morphological languages.</a:t>
+            </a:r>
+          </a:p>
+        </p:txBody>
+      </p:sp>
     </p:spTree>
     <p:extLst>
       <p:ext uri="{BB962C8B-B14F-4D97-AF65-F5344CB8AC3E}">
@@ -9278,6 +9844,126 @@
           </a:p>
         </p:txBody>
       </p:sp>
+      <p:pic>
+        <p:nvPicPr>
+          <p:cNvPr id="3" name="Picture 2">
+            <a:extLst>
+              <a:ext uri="{FF2B5EF4-FFF2-40B4-BE49-F238E27FC236}">
+                <a16:creationId xmlns:a16="http://schemas.microsoft.com/office/drawing/2014/main" id="{FB76B419-07C5-1F48-9515-D01454DBE0CC}"/>
+              </a:ext>
+            </a:extLst>
+          </p:cNvPr>
+          <p:cNvPicPr>
+            <a:picLocks noChangeAspect="1"/>
+          </p:cNvPicPr>
+          <p:nvPr/>
+        </p:nvPicPr>
+        <p:blipFill>
+          <a:blip r:embed="rId2"/>
+          <a:stretch>
+            <a:fillRect/>
+          </a:stretch>
+        </p:blipFill>
+        <p:spPr>
+          <a:xfrm>
+            <a:off x="212943" y="1440186"/>
+            <a:ext cx="3562350" cy="3502550"/>
+          </a:xfrm>
+          <a:prstGeom prst="rect">
+            <a:avLst/>
+          </a:prstGeom>
+        </p:spPr>
+      </p:pic>
+      <p:pic>
+        <p:nvPicPr>
+          <p:cNvPr id="4" name="Picture 3">
+            <a:extLst>
+              <a:ext uri="{FF2B5EF4-FFF2-40B4-BE49-F238E27FC236}">
+                <a16:creationId xmlns:a16="http://schemas.microsoft.com/office/drawing/2014/main" id="{62CFCE26-9C66-2848-982A-854886F6ACF9}"/>
+              </a:ext>
+            </a:extLst>
+          </p:cNvPr>
+          <p:cNvPicPr>
+            <a:picLocks noChangeAspect="1"/>
+          </p:cNvPicPr>
+          <p:nvPr/>
+        </p:nvPicPr>
+        <p:blipFill>
+          <a:blip r:embed="rId3"/>
+          <a:stretch>
+            <a:fillRect/>
+          </a:stretch>
+        </p:blipFill>
+        <p:spPr>
+          <a:xfrm>
+            <a:off x="5813305" y="901967"/>
+            <a:ext cx="3117752" cy="2938571"/>
+          </a:xfrm>
+          <a:prstGeom prst="rect">
+            <a:avLst/>
+          </a:prstGeom>
+        </p:spPr>
+      </p:pic>
+      <p:pic>
+        <p:nvPicPr>
+          <p:cNvPr id="5" name="Picture 4">
+            <a:extLst>
+              <a:ext uri="{FF2B5EF4-FFF2-40B4-BE49-F238E27FC236}">
+                <a16:creationId xmlns:a16="http://schemas.microsoft.com/office/drawing/2014/main" id="{C469FE2E-1E4C-604E-AEF0-1E8899201F80}"/>
+              </a:ext>
+            </a:extLst>
+          </p:cNvPr>
+          <p:cNvPicPr>
+            <a:picLocks noChangeAspect="1"/>
+          </p:cNvPicPr>
+          <p:nvPr/>
+        </p:nvPicPr>
+        <p:blipFill>
+          <a:blip r:embed="rId4"/>
+          <a:stretch>
+            <a:fillRect/>
+          </a:stretch>
+        </p:blipFill>
+        <p:spPr>
+          <a:xfrm>
+            <a:off x="1453720" y="3473450"/>
+            <a:ext cx="2895983" cy="2938571"/>
+          </a:xfrm>
+          <a:prstGeom prst="rect">
+            <a:avLst/>
+          </a:prstGeom>
+        </p:spPr>
+      </p:pic>
+      <p:pic>
+        <p:nvPicPr>
+          <p:cNvPr id="6" name="Picture 5">
+            <a:extLst>
+              <a:ext uri="{FF2B5EF4-FFF2-40B4-BE49-F238E27FC236}">
+                <a16:creationId xmlns:a16="http://schemas.microsoft.com/office/drawing/2014/main" id="{638340C5-893C-7D4D-80B7-7393B8CB1B1E}"/>
+              </a:ext>
+            </a:extLst>
+          </p:cNvPr>
+          <p:cNvPicPr>
+            <a:picLocks noChangeAspect="1"/>
+          </p:cNvPicPr>
+          <p:nvPr/>
+        </p:nvPicPr>
+        <p:blipFill>
+          <a:blip r:embed="rId5"/>
+          <a:stretch>
+            <a:fillRect/>
+          </a:stretch>
+        </p:blipFill>
+        <p:spPr>
+          <a:xfrm>
+            <a:off x="3693139" y="2619258"/>
+            <a:ext cx="3679042" cy="3670112"/>
+          </a:xfrm>
+          <a:prstGeom prst="rect">
+            <a:avLst/>
+          </a:prstGeom>
+        </p:spPr>
+      </p:pic>
     </p:spTree>
     <p:extLst>
       <p:ext uri="{BB962C8B-B14F-4D97-AF65-F5344CB8AC3E}">
@@ -9561,6 +10247,177 @@
               <a:t>Approach, Baselines, Methods</a:t>
             </a:r>
             <a:endParaRPr lang="en-CO" dirty="0"/>
+          </a:p>
+        </p:txBody>
+      </p:sp>
+      <p:sp>
+        <p:nvSpPr>
+          <p:cNvPr id="4" name="Rectangle 3">
+            <a:extLst>
+              <a:ext uri="{FF2B5EF4-FFF2-40B4-BE49-F238E27FC236}">
+                <a16:creationId xmlns:a16="http://schemas.microsoft.com/office/drawing/2014/main" id="{B109DBD3-F8B9-1343-A42D-DD7B4BF0FEEB}"/>
+              </a:ext>
+            </a:extLst>
+          </p:cNvPr>
+          <p:cNvSpPr/>
+          <p:nvPr/>
+        </p:nvSpPr>
+        <p:spPr>
+          <a:xfrm>
+            <a:off x="494778" y="1951672"/>
+            <a:ext cx="4572000" cy="1477328"/>
+          </a:xfrm>
+          <a:prstGeom prst="rect">
+            <a:avLst/>
+          </a:prstGeom>
+        </p:spPr>
+        <p:txBody>
+          <a:bodyPr>
+            <a:spAutoFit/>
+          </a:bodyPr>
+          <a:lstStyle/>
+          <a:p>
+            <a:r>
+              <a:rPr lang="en-US" dirty="0">
+                <a:latin typeface="NimbusRomNo9L"/>
+              </a:rPr>
+              <a:t>In most experiments (except in Sec. 5.3), we compare our model to the C implementation </a:t>
+            </a:r>
+            <a:r>
+              <a:rPr lang="en-US" dirty="0"/>
+              <a:t>of the </a:t>
+            </a:r>
+            <a:r>
+              <a:rPr lang="en-US" dirty="0" err="1"/>
+              <a:t>skipgram</a:t>
+            </a:r>
+            <a:r>
+              <a:rPr lang="en-US" dirty="0"/>
+              <a:t> and </a:t>
+            </a:r>
+            <a:r>
+              <a:rPr lang="en-US" dirty="0" err="1"/>
+              <a:t>cbow</a:t>
+            </a:r>
+            <a:r>
+              <a:rPr lang="en-US" dirty="0"/>
+              <a:t> models from the word2vec2 package. </a:t>
+            </a:r>
+          </a:p>
+          <a:p>
+            <a:endParaRPr lang="en-US" dirty="0"/>
+          </a:p>
+        </p:txBody>
+      </p:sp>
+      <p:sp>
+        <p:nvSpPr>
+          <p:cNvPr id="5" name="Rectangle 4">
+            <a:extLst>
+              <a:ext uri="{FF2B5EF4-FFF2-40B4-BE49-F238E27FC236}">
+                <a16:creationId xmlns:a16="http://schemas.microsoft.com/office/drawing/2014/main" id="{BCF3A86E-3C71-9C4B-AEFD-0B7638FBF589}"/>
+              </a:ext>
+            </a:extLst>
+          </p:cNvPr>
+          <p:cNvSpPr/>
+          <p:nvPr/>
+        </p:nvSpPr>
+        <p:spPr>
+          <a:xfrm>
+            <a:off x="4453003" y="3429000"/>
+            <a:ext cx="4572000" cy="2862322"/>
+          </a:xfrm>
+          <a:prstGeom prst="rect">
+            <a:avLst/>
+          </a:prstGeom>
+        </p:spPr>
+        <p:txBody>
+          <a:bodyPr>
+            <a:spAutoFit/>
+          </a:bodyPr>
+          <a:lstStyle/>
+          <a:p>
+            <a:r>
+              <a:rPr lang="en-US" dirty="0">
+                <a:latin typeface="NimbusRomNo9L"/>
+              </a:rPr>
+              <a:t>5.3 Comparison with morphological representations </a:t>
+            </a:r>
+            <a:endParaRPr lang="en-US" dirty="0"/>
+          </a:p>
+          <a:p>
+            <a:r>
+              <a:rPr lang="en-US" dirty="0">
+                <a:latin typeface="NimbusRomNo9L"/>
+              </a:rPr>
+              <a:t>We also compare our approach to previous work on word vectors incorporating </a:t>
+            </a:r>
+            <a:r>
+              <a:rPr lang="en-US" dirty="0" err="1">
+                <a:latin typeface="NimbusRomNo9L"/>
+              </a:rPr>
+              <a:t>subword</a:t>
+            </a:r>
+            <a:r>
+              <a:rPr lang="en-US" dirty="0">
+                <a:latin typeface="NimbusRomNo9L"/>
+              </a:rPr>
+              <a:t> information on word similarity tasks. The methods used are: the recursive neural network of Luong et al. (2013), the morpheme </a:t>
+            </a:r>
+            <a:r>
+              <a:rPr lang="en-US" dirty="0" err="1">
+                <a:latin typeface="NimbusMonL"/>
+              </a:rPr>
+              <a:t>cbow</a:t>
+            </a:r>
+            <a:r>
+              <a:rPr lang="en-US" dirty="0">
+                <a:latin typeface="NimbusMonL"/>
+              </a:rPr>
+              <a:t> </a:t>
+            </a:r>
+            <a:r>
+              <a:rPr lang="en-US" dirty="0">
+                <a:latin typeface="NimbusRomNo9L"/>
+              </a:rPr>
+              <a:t>of </a:t>
+            </a:r>
+            <a:r>
+              <a:rPr lang="en-US" dirty="0" err="1">
+                <a:latin typeface="NimbusRomNo9L"/>
+              </a:rPr>
+              <a:t>Qiu</a:t>
+            </a:r>
+            <a:r>
+              <a:rPr lang="en-US" dirty="0">
+                <a:latin typeface="NimbusRomNo9L"/>
+              </a:rPr>
+              <a:t> et al. (2014) and the morphological transformations of </a:t>
+            </a:r>
+            <a:r>
+              <a:rPr lang="en-US" dirty="0" err="1">
+                <a:latin typeface="NimbusRomNo9L"/>
+              </a:rPr>
+              <a:t>Soricut</a:t>
+            </a:r>
+            <a:r>
+              <a:rPr lang="en-US" dirty="0">
+                <a:latin typeface="NimbusRomNo9L"/>
+              </a:rPr>
+              <a:t> and </a:t>
+            </a:r>
+            <a:r>
+              <a:rPr lang="en-US" dirty="0" err="1">
+                <a:latin typeface="NimbusRomNo9L"/>
+              </a:rPr>
+              <a:t>Och</a:t>
+            </a:r>
+            <a:r>
+              <a:rPr lang="en-US" dirty="0">
+                <a:latin typeface="NimbusRomNo9L"/>
+              </a:rPr>
+              <a:t> (2015). </a:t>
+            </a:r>
+            <a:endParaRPr lang="en-US" dirty="0"/>
           </a:p>
         </p:txBody>
       </p:sp>

--- a/Presentation_Subword.pptx
+++ b/Presentation_Subword.pptx
@@ -9242,139 +9242,43 @@
               <a:rPr lang="en-US" dirty="0">
                 <a:latin typeface="NimbusRomNo9L"/>
               </a:rPr>
-              <a:t>Continuous word representations, trained on large unlabeled corpora are useful for many natural language processing tasks. Popular models that learn such representations ignore the morphology of words, by assigning a dis- </a:t>
+              <a:t>Continuous word representations, trained on large unlabeled corpora are useful for many natural language processing tasks. Popular models that learn such representations ignore the morphology of words, by assigning a distinct vector to each word. This is a limitation, especially for languages with large vocabularies and many rare words. In this paper, we propose a new approach based on the </a:t>
             </a:r>
             <a:r>
               <a:rPr lang="en-US" dirty="0" err="1">
                 <a:latin typeface="NimbusRomNo9L"/>
               </a:rPr>
-              <a:t>tinct</a:t>
+              <a:t>skipgram</a:t>
             </a:r>
             <a:r>
               <a:rPr lang="en-US" dirty="0">
                 <a:latin typeface="NimbusRomNo9L"/>
               </a:rPr>
-              <a:t> vector to each word. This is a limitation, especially for languages with large vocabular- </a:t>
-            </a:r>
-            <a:r>
-              <a:rPr lang="en-US" dirty="0" err="1">
-                <a:latin typeface="NimbusRomNo9L"/>
-              </a:rPr>
-              <a:t>ies</a:t>
+              <a:t> model, where each word is represented as a bag of character </a:t>
+            </a:r>
+            <a:r>
+              <a:rPr lang="en-US" dirty="0">
+                <a:latin typeface="CMMI10"/>
+              </a:rPr>
+              <a:t>n</a:t>
             </a:r>
             <a:r>
               <a:rPr lang="en-US" dirty="0">
                 <a:latin typeface="NimbusRomNo9L"/>
               </a:rPr>
-              <a:t> and many rare words. In this paper, we pro- pose a new approach based on the </a:t>
-            </a:r>
-            <a:r>
-              <a:rPr lang="en-US" dirty="0" err="1">
-                <a:latin typeface="NimbusRomNo9L"/>
-              </a:rPr>
-              <a:t>skipgram</a:t>
+              <a:t>-grams. A vector representation is associated to each character </a:t>
+            </a:r>
+            <a:r>
+              <a:rPr lang="en-US" dirty="0">
+                <a:latin typeface="CMMI10"/>
+              </a:rPr>
+              <a:t>n</a:t>
             </a:r>
             <a:r>
               <a:rPr lang="en-US" dirty="0">
                 <a:latin typeface="NimbusRomNo9L"/>
               </a:rPr>
-              <a:t> model, where each word is represented as a bag of character </a:t>
-            </a:r>
-            <a:r>
-              <a:rPr lang="en-US" dirty="0">
-                <a:latin typeface="CMMI10"/>
-              </a:rPr>
-              <a:t>n</a:t>
-            </a:r>
-            <a:r>
-              <a:rPr lang="en-US" dirty="0">
-                <a:latin typeface="NimbusRomNo9L"/>
-              </a:rPr>
-              <a:t>-grams. A vector </a:t>
-            </a:r>
-            <a:r>
-              <a:rPr lang="en-US" dirty="0" err="1">
-                <a:latin typeface="NimbusRomNo9L"/>
-              </a:rPr>
-              <a:t>represen</a:t>
-            </a:r>
-            <a:r>
-              <a:rPr lang="en-US" dirty="0">
-                <a:latin typeface="NimbusRomNo9L"/>
-              </a:rPr>
-              <a:t>- </a:t>
-            </a:r>
-            <a:r>
-              <a:rPr lang="en-US" dirty="0" err="1">
-                <a:latin typeface="NimbusRomNo9L"/>
-              </a:rPr>
-              <a:t>tation</a:t>
-            </a:r>
-            <a:r>
-              <a:rPr lang="en-US" dirty="0">
-                <a:latin typeface="NimbusRomNo9L"/>
-              </a:rPr>
-              <a:t> is associated to each character </a:t>
-            </a:r>
-            <a:r>
-              <a:rPr lang="en-US" dirty="0">
-                <a:latin typeface="CMMI10"/>
-              </a:rPr>
-              <a:t>n</a:t>
-            </a:r>
-            <a:r>
-              <a:rPr lang="en-US" dirty="0">
-                <a:latin typeface="NimbusRomNo9L"/>
-              </a:rPr>
-              <a:t>-gram; words being represented as the sum of these representations. Our method is fast, allow- </a:t>
-            </a:r>
-            <a:r>
-              <a:rPr lang="en-US" dirty="0" err="1">
-                <a:latin typeface="NimbusRomNo9L"/>
-              </a:rPr>
-              <a:t>ing</a:t>
-            </a:r>
-            <a:r>
-              <a:rPr lang="en-US" dirty="0">
-                <a:latin typeface="NimbusRomNo9L"/>
-              </a:rPr>
-              <a:t> to train models on large corpora quickly and allows us to compute word representations for words that did not appear in the training data. We evaluate our word representations on nine different languages, both on word sim- </a:t>
-            </a:r>
-            <a:r>
-              <a:rPr lang="en-US" dirty="0" err="1">
-                <a:latin typeface="NimbusRomNo9L"/>
-              </a:rPr>
-              <a:t>ilarity</a:t>
-            </a:r>
-            <a:r>
-              <a:rPr lang="en-US" dirty="0">
-                <a:latin typeface="NimbusRomNo9L"/>
-              </a:rPr>
-              <a:t> and analogy tasks. By comparing to recently proposed morphological word </a:t>
-            </a:r>
-            <a:r>
-              <a:rPr lang="en-US" dirty="0" err="1">
-                <a:latin typeface="NimbusRomNo9L"/>
-              </a:rPr>
-              <a:t>repre</a:t>
-            </a:r>
-            <a:r>
-              <a:rPr lang="en-US" dirty="0">
-                <a:latin typeface="NimbusRomNo9L"/>
-              </a:rPr>
-              <a:t>- </a:t>
-            </a:r>
-            <a:r>
-              <a:rPr lang="en-US" dirty="0" err="1">
-                <a:latin typeface="NimbusRomNo9L"/>
-              </a:rPr>
-              <a:t>sentations</a:t>
-            </a:r>
-            <a:r>
-              <a:rPr lang="en-US" dirty="0">
-                <a:latin typeface="NimbusRomNo9L"/>
-              </a:rPr>
-              <a:t>, we show that our vectors achieve state-of-the-art performance on these tasks. </a:t>
+              <a:t>-gram; words being represented as the sum of these representations. Our method is fast, allowing to train models on large corpora quickly and allows us to compute word representations for words that did not appear in the training data. We evaluate our word representations on nine different languages, both on word similarity and analogy tasks. By comparing to recently proposed morphological word representations, we show that our vectors achieve state-of-the-art performance on these tasks. </a:t>
             </a:r>
             <a:endParaRPr lang="en-US" dirty="0"/>
           </a:p>
@@ -9537,8 +9441,8 @@
         </p:nvSpPr>
         <p:spPr>
           <a:xfrm>
-            <a:off x="2091847" y="2430049"/>
-            <a:ext cx="3858016" cy="369332"/>
+            <a:off x="1957093" y="2505670"/>
+            <a:ext cx="3858016" cy="1200329"/>
           </a:xfrm>
           <a:prstGeom prst="rect">
             <a:avLst/>
@@ -9552,9 +9456,27 @@
           <a:lstStyle/>
           <a:p>
             <a:r>
+              <a:rPr lang="en-US" dirty="0"/>
+              <a:t>-</a:t>
+            </a:r>
+            <a:r>
               <a:rPr lang="en-CO" dirty="0"/>
               <a:t>Morphological languages.</a:t>
             </a:r>
+            <a:endParaRPr lang="en-US" dirty="0"/>
+          </a:p>
+          <a:p>
+            <a:r>
+              <a:rPr lang="en-US" dirty="0"/>
+              <a:t>-Good word representations with smaller datasets (Ref. Sect. 5.4)</a:t>
+            </a:r>
+          </a:p>
+          <a:p>
+            <a:r>
+              <a:rPr lang="en-US" dirty="0"/>
+              <a:t>-Good rare word representations</a:t>
+            </a:r>
+            <a:endParaRPr lang="en-CO" dirty="0"/>
           </a:p>
         </p:txBody>
       </p:sp>
@@ -10102,6 +10024,62 @@
                 <a:latin typeface="Arial" panose="020B0604020202020204" pitchFamily="34" charset="0"/>
               </a:rPr>
               <a:t>Tasks</a:t>
+            </a:r>
+            <a:endParaRPr lang="en-CO" dirty="0"/>
+          </a:p>
+        </p:txBody>
+      </p:sp>
+      <p:sp>
+        <p:nvSpPr>
+          <p:cNvPr id="3" name="TextBox 2">
+            <a:extLst>
+              <a:ext uri="{FF2B5EF4-FFF2-40B4-BE49-F238E27FC236}">
+                <a16:creationId xmlns:a16="http://schemas.microsoft.com/office/drawing/2014/main" id="{B9C335A1-7BF8-41D1-B442-B792D78BA297}"/>
+              </a:ext>
+            </a:extLst>
+          </p:cNvPr>
+          <p:cNvSpPr txBox="1"/>
+          <p:nvPr/>
+        </p:nvSpPr>
+        <p:spPr>
+          <a:xfrm>
+            <a:off x="2091847" y="2430049"/>
+            <a:ext cx="3858016" cy="923330"/>
+          </a:xfrm>
+          <a:prstGeom prst="rect">
+            <a:avLst/>
+          </a:prstGeom>
+          <a:noFill/>
+        </p:spPr>
+        <p:txBody>
+          <a:bodyPr wrap="square" rtlCol="0">
+            <a:spAutoFit/>
+          </a:bodyPr>
+          <a:lstStyle/>
+          <a:p>
+            <a:pPr marL="342900" indent="-342900">
+              <a:buAutoNum type="arabicPeriod"/>
+            </a:pPr>
+            <a:r>
+              <a:rPr lang="en-US" dirty="0"/>
+              <a:t>Word Representation</a:t>
+            </a:r>
+          </a:p>
+          <a:p>
+            <a:pPr marL="342900" indent="-342900">
+              <a:buAutoNum type="arabicPeriod"/>
+            </a:pPr>
+            <a:r>
+              <a:rPr lang="en-US" dirty="0"/>
+              <a:t>Text Classification (hate speech </a:t>
+            </a:r>
+            <a:r>
+              <a:rPr lang="en-US" dirty="0" err="1"/>
+              <a:t>detection,etc</a:t>
+            </a:r>
+            <a:r>
+              <a:rPr lang="en-US" dirty="0"/>
+              <a:t>)</a:t>
             </a:r>
             <a:endParaRPr lang="en-CO" dirty="0"/>
           </a:p>

--- a/Presentation_Subword.pptx
+++ b/Presentation_Subword.pptx
@@ -6,30 +6,24 @@
     <p:sldMasterId id="2147483661" r:id="rId2"/>
   </p:sldMasterIdLst>
   <p:notesMasterIdLst>
-    <p:notesMasterId r:id="rId24"/>
+    <p:notesMasterId r:id="rId18"/>
   </p:notesMasterIdLst>
   <p:sldIdLst>
     <p:sldId id="367" r:id="rId3"/>
     <p:sldId id="257" r:id="rId4"/>
-    <p:sldId id="370" r:id="rId5"/>
-    <p:sldId id="383" r:id="rId6"/>
-    <p:sldId id="384" r:id="rId7"/>
-    <p:sldId id="385" r:id="rId8"/>
+    <p:sldId id="387" r:id="rId5"/>
+    <p:sldId id="385" r:id="rId6"/>
+    <p:sldId id="370" r:id="rId7"/>
+    <p:sldId id="399" r:id="rId8"/>
     <p:sldId id="386" r:id="rId9"/>
-    <p:sldId id="387" r:id="rId10"/>
-    <p:sldId id="388" r:id="rId11"/>
-    <p:sldId id="389" r:id="rId12"/>
-    <p:sldId id="390" r:id="rId13"/>
-    <p:sldId id="391" r:id="rId14"/>
-    <p:sldId id="392" r:id="rId15"/>
+    <p:sldId id="391" r:id="rId10"/>
+    <p:sldId id="383" r:id="rId11"/>
+    <p:sldId id="384" r:id="rId12"/>
+    <p:sldId id="392" r:id="rId13"/>
+    <p:sldId id="396" r:id="rId14"/>
+    <p:sldId id="398" r:id="rId15"/>
     <p:sldId id="393" r:id="rId16"/>
-    <p:sldId id="394" r:id="rId17"/>
-    <p:sldId id="395" r:id="rId18"/>
-    <p:sldId id="396" r:id="rId19"/>
-    <p:sldId id="397" r:id="rId20"/>
-    <p:sldId id="398" r:id="rId21"/>
-    <p:sldId id="399" r:id="rId22"/>
-    <p:sldId id="382" r:id="rId23"/>
+    <p:sldId id="382" r:id="rId17"/>
   </p:sldIdLst>
   <p:sldSz cx="9144000" cy="6858000" type="screen4x3"/>
   <p:notesSz cx="9928225" cy="6797675"/>
@@ -6429,7 +6423,7 @@
           <p:cNvPr id="2" name="Rectangle 1">
             <a:extLst>
               <a:ext uri="{FF2B5EF4-FFF2-40B4-BE49-F238E27FC236}">
-                <a16:creationId xmlns:a16="http://schemas.microsoft.com/office/drawing/2014/main" id="{0BEE3F3F-4BFD-344F-9529-035B3CA209E3}"/>
+                <a16:creationId xmlns:a16="http://schemas.microsoft.com/office/drawing/2014/main" id="{D4B0B71D-F529-7049-9D5F-AFA252194375}"/>
               </a:ext>
             </a:extLst>
           </p:cNvPr>
@@ -6438,8 +6432,8 @@
         </p:nvSpPr>
         <p:spPr>
           <a:xfrm>
-            <a:off x="3748665" y="939545"/>
-            <a:ext cx="1646669" cy="369332"/>
+            <a:off x="3575573" y="989649"/>
+            <a:ext cx="1992853" cy="369332"/>
           </a:xfrm>
           <a:prstGeom prst="rect">
             <a:avLst/>
@@ -6458,7 +6452,60 @@
                 </a:solidFill>
                 <a:latin typeface="Arial" panose="020B0604020202020204" pitchFamily="34" charset="0"/>
               </a:rPr>
-              <a:t>Notable Tricks</a:t>
+              <a:t>Main Contribution</a:t>
+            </a:r>
+            <a:endParaRPr lang="en-CO" dirty="0"/>
+          </a:p>
+        </p:txBody>
+      </p:sp>
+      <p:sp>
+        <p:nvSpPr>
+          <p:cNvPr id="3" name="TextBox 2">
+            <a:extLst>
+              <a:ext uri="{FF2B5EF4-FFF2-40B4-BE49-F238E27FC236}">
+                <a16:creationId xmlns:a16="http://schemas.microsoft.com/office/drawing/2014/main" id="{14A44E5C-424F-3246-A6C9-0859BF213681}"/>
+              </a:ext>
+            </a:extLst>
+          </p:cNvPr>
+          <p:cNvSpPr txBox="1"/>
+          <p:nvPr/>
+        </p:nvSpPr>
+        <p:spPr>
+          <a:xfrm>
+            <a:off x="1957093" y="2505670"/>
+            <a:ext cx="3858016" cy="1200329"/>
+          </a:xfrm>
+          <a:prstGeom prst="rect">
+            <a:avLst/>
+          </a:prstGeom>
+          <a:noFill/>
+        </p:spPr>
+        <p:txBody>
+          <a:bodyPr wrap="square" rtlCol="0">
+            <a:spAutoFit/>
+          </a:bodyPr>
+          <a:lstStyle/>
+          <a:p>
+            <a:r>
+              <a:rPr lang="en-US" dirty="0"/>
+              <a:t>-</a:t>
+            </a:r>
+            <a:r>
+              <a:rPr lang="en-CO" dirty="0"/>
+              <a:t>Morphological languages.</a:t>
+            </a:r>
+            <a:endParaRPr lang="en-US" dirty="0"/>
+          </a:p>
+          <a:p>
+            <a:r>
+              <a:rPr lang="en-US" dirty="0"/>
+              <a:t>-Good word representations with smaller datasets (Ref. Sect. 5.4)</a:t>
+            </a:r>
+          </a:p>
+          <a:p>
+            <a:r>
+              <a:rPr lang="en-US" dirty="0"/>
+              <a:t>-Good rare word representations</a:t>
             </a:r>
             <a:endParaRPr lang="en-CO" dirty="0"/>
           </a:p>
@@ -6467,7 +6514,7 @@
     </p:spTree>
     <p:extLst>
       <p:ext uri="{BB962C8B-B14F-4D97-AF65-F5344CB8AC3E}">
-        <p14:creationId xmlns:p14="http://schemas.microsoft.com/office/powerpoint/2010/main" val="1075481241"/>
+        <p14:creationId xmlns:p14="http://schemas.microsoft.com/office/powerpoint/2010/main" val="2066232038"/>
       </p:ext>
     </p:extLst>
   </p:cSld>
@@ -6572,7 +6619,7 @@
           <p:cNvPr id="2" name="Rectangle 1">
             <a:extLst>
               <a:ext uri="{FF2B5EF4-FFF2-40B4-BE49-F238E27FC236}">
-                <a16:creationId xmlns:a16="http://schemas.microsoft.com/office/drawing/2014/main" id="{D71D5AE2-1335-374C-85D8-5C20CABC85C0}"/>
+                <a16:creationId xmlns:a16="http://schemas.microsoft.com/office/drawing/2014/main" id="{970F4C1E-B101-E249-B27C-F6658E5055B6}"/>
               </a:ext>
             </a:extLst>
           </p:cNvPr>
@@ -6581,8 +6628,8 @@
         </p:nvSpPr>
         <p:spPr>
           <a:xfrm>
-            <a:off x="3799994" y="826811"/>
-            <a:ext cx="1544012" cy="369332"/>
+            <a:off x="3145968" y="952071"/>
+            <a:ext cx="2852063" cy="369332"/>
           </a:xfrm>
           <a:prstGeom prst="rect">
             <a:avLst/>
@@ -6601,7 +6648,7 @@
                 </a:solidFill>
                 <a:latin typeface="Arial" panose="020B0604020202020204" pitchFamily="34" charset="0"/>
               </a:rPr>
-              <a:t>Measurability</a:t>
+              <a:t>Is there an error analysis?</a:t>
             </a:r>
             <a:endParaRPr lang="en-CO" dirty="0"/>
           </a:p>
@@ -6609,10 +6656,45 @@
       </p:sp>
       <p:sp>
         <p:nvSpPr>
-          <p:cNvPr id="3" name="Rectangle 2">
+          <p:cNvPr id="3" name="TextBox 2">
             <a:extLst>
               <a:ext uri="{FF2B5EF4-FFF2-40B4-BE49-F238E27FC236}">
-                <a16:creationId xmlns:a16="http://schemas.microsoft.com/office/drawing/2014/main" id="{72116C31-7C83-E64B-8BA3-871B0907F8ED}"/>
+                <a16:creationId xmlns:a16="http://schemas.microsoft.com/office/drawing/2014/main" id="{9E362691-9CBA-9441-ABD2-D534EED432F1}"/>
+              </a:ext>
+            </a:extLst>
+          </p:cNvPr>
+          <p:cNvSpPr txBox="1"/>
+          <p:nvPr/>
+        </p:nvSpPr>
+        <p:spPr>
+          <a:xfrm>
+            <a:off x="1934942" y="1321403"/>
+            <a:ext cx="3056350" cy="369332"/>
+          </a:xfrm>
+          <a:prstGeom prst="rect">
+            <a:avLst/>
+          </a:prstGeom>
+          <a:noFill/>
+        </p:spPr>
+        <p:txBody>
+          <a:bodyPr wrap="square" rtlCol="0">
+            <a:spAutoFit/>
+          </a:bodyPr>
+          <a:lstStyle/>
+          <a:p>
+            <a:r>
+              <a:rPr lang="en-CO" dirty="0"/>
+              <a:t>NOUP</a:t>
+            </a:r>
+          </a:p>
+        </p:txBody>
+      </p:sp>
+      <p:sp>
+        <p:nvSpPr>
+          <p:cNvPr id="4" name="Rectangle 3">
+            <a:extLst>
+              <a:ext uri="{FF2B5EF4-FFF2-40B4-BE49-F238E27FC236}">
+                <a16:creationId xmlns:a16="http://schemas.microsoft.com/office/drawing/2014/main" id="{DE089639-291C-401D-939D-056AFCEF525D}"/>
               </a:ext>
             </a:extLst>
           </p:cNvPr>
@@ -6621,69 +6703,229 @@
         </p:nvSpPr>
         <p:spPr>
           <a:xfrm>
-            <a:off x="419622" y="1510750"/>
-            <a:ext cx="4572000" cy="2308324"/>
-          </a:xfrm>
-          <a:prstGeom prst="rect">
-            <a:avLst/>
-          </a:prstGeom>
-        </p:spPr>
-        <p:txBody>
-          <a:bodyPr>
+            <a:off x="2530414" y="1802918"/>
+            <a:ext cx="4083169" cy="369332"/>
+          </a:xfrm>
+          <a:prstGeom prst="rect">
+            <a:avLst/>
+          </a:prstGeom>
+        </p:spPr>
+        <p:txBody>
+          <a:bodyPr wrap="none">
             <a:spAutoFit/>
           </a:bodyPr>
           <a:lstStyle/>
           <a:p>
             <a:r>
               <a:rPr lang="en-US" dirty="0">
-                <a:latin typeface="NimbusRomNo9L"/>
-              </a:rPr>
-              <a:t>We evaluate our model in five experiments: an eval- </a:t>
-            </a:r>
-            <a:r>
-              <a:rPr lang="en-US" dirty="0" err="1">
-                <a:latin typeface="NimbusRomNo9L"/>
-              </a:rPr>
-              <a:t>uation</a:t>
-            </a:r>
+                <a:solidFill>
+                  <a:srgbClr val="000000"/>
+                </a:solidFill>
+                <a:latin typeface="Arial" panose="020B0604020202020204" pitchFamily="34" charset="0"/>
+              </a:rPr>
+              <a:t>Do you believe it? Do I see problems?</a:t>
+            </a:r>
+            <a:endParaRPr lang="en-CO" dirty="0"/>
+          </a:p>
+        </p:txBody>
+      </p:sp>
+      <p:sp>
+        <p:nvSpPr>
+          <p:cNvPr id="5" name="TextBox 4">
+            <a:extLst>
+              <a:ext uri="{FF2B5EF4-FFF2-40B4-BE49-F238E27FC236}">
+                <a16:creationId xmlns:a16="http://schemas.microsoft.com/office/drawing/2014/main" id="{6B09CAD0-7D4F-40DA-A9EA-40537C023124}"/>
+              </a:ext>
+            </a:extLst>
+          </p:cNvPr>
+          <p:cNvSpPr txBox="1"/>
+          <p:nvPr/>
+        </p:nvSpPr>
+        <p:spPr>
+          <a:xfrm>
+            <a:off x="1760394" y="2284433"/>
+            <a:ext cx="5022780" cy="369332"/>
+          </a:xfrm>
+          <a:prstGeom prst="rect">
+            <a:avLst/>
+          </a:prstGeom>
+          <a:noFill/>
+        </p:spPr>
+        <p:txBody>
+          <a:bodyPr wrap="square" rtlCol="0">
+            <a:spAutoFit/>
+          </a:bodyPr>
+          <a:lstStyle/>
+          <a:p>
+            <a:r>
+              <a:rPr lang="en-CO" dirty="0"/>
+              <a:t>YES / there is no error</a:t>
+            </a:r>
+          </a:p>
+        </p:txBody>
+      </p:sp>
+      <p:sp>
+        <p:nvSpPr>
+          <p:cNvPr id="7" name="Rectangle 6">
+            <a:extLst>
+              <a:ext uri="{FF2B5EF4-FFF2-40B4-BE49-F238E27FC236}">
+                <a16:creationId xmlns:a16="http://schemas.microsoft.com/office/drawing/2014/main" id="{2F21BB49-9FA5-47DD-9840-D18AF40A5F18}"/>
+              </a:ext>
+            </a:extLst>
+          </p:cNvPr>
+          <p:cNvSpPr/>
+          <p:nvPr/>
+        </p:nvSpPr>
+        <p:spPr>
+          <a:xfrm>
+            <a:off x="3145968" y="2765948"/>
+            <a:ext cx="2441694" cy="369332"/>
+          </a:xfrm>
+          <a:prstGeom prst="rect">
+            <a:avLst/>
+          </a:prstGeom>
+        </p:spPr>
+        <p:txBody>
+          <a:bodyPr wrap="none">
+            <a:spAutoFit/>
+          </a:bodyPr>
+          <a:lstStyle/>
+          <a:p>
             <a:r>
               <a:rPr lang="en-US" dirty="0">
-                <a:latin typeface="NimbusRomNo9L"/>
-              </a:rPr>
-              <a:t> of word similarity and word analogies, a com- </a:t>
-            </a:r>
-            <a:r>
-              <a:rPr lang="en-US" dirty="0" err="1">
-                <a:latin typeface="NimbusRomNo9L"/>
-              </a:rPr>
-              <a:t>parison</a:t>
-            </a:r>
-            <a:r>
-              <a:rPr lang="en-US" dirty="0">
-                <a:latin typeface="NimbusRomNo9L"/>
-              </a:rPr>
-              <a:t> to state-of-the-art methods, an analysis of the effect of the size of training data and of the size of character </a:t>
-            </a:r>
-            <a:r>
-              <a:rPr lang="en-US" dirty="0">
-                <a:latin typeface="CMMI10"/>
-              </a:rPr>
-              <a:t>n</a:t>
-            </a:r>
-            <a:r>
-              <a:rPr lang="en-US" dirty="0">
-                <a:latin typeface="NimbusRomNo9L"/>
-              </a:rPr>
-              <a:t>-grams that we consider. We will de- scribe these experiments in detail in the following sections. </a:t>
+                <a:solidFill>
+                  <a:srgbClr val="000000"/>
+                </a:solidFill>
+                <a:latin typeface="Arial" panose="020B0604020202020204" pitchFamily="34" charset="0"/>
+              </a:rPr>
+              <a:t>Where do they cheat?</a:t>
+            </a:r>
+            <a:endParaRPr lang="en-CO" dirty="0"/>
+          </a:p>
+        </p:txBody>
+      </p:sp>
+      <p:sp>
+        <p:nvSpPr>
+          <p:cNvPr id="9" name="TextBox 8">
+            <a:extLst>
+              <a:ext uri="{FF2B5EF4-FFF2-40B4-BE49-F238E27FC236}">
+                <a16:creationId xmlns:a16="http://schemas.microsoft.com/office/drawing/2014/main" id="{569C0C34-BE50-4200-8B14-F24FC28834D8}"/>
+              </a:ext>
+            </a:extLst>
+          </p:cNvPr>
+          <p:cNvSpPr txBox="1"/>
+          <p:nvPr/>
+        </p:nvSpPr>
+        <p:spPr>
+          <a:xfrm>
+            <a:off x="1934942" y="3247463"/>
+            <a:ext cx="4421687" cy="646331"/>
+          </a:xfrm>
+          <a:prstGeom prst="rect">
+            <a:avLst/>
+          </a:prstGeom>
+          <a:noFill/>
+        </p:spPr>
+        <p:txBody>
+          <a:bodyPr wrap="square" rtlCol="0">
+            <a:spAutoFit/>
+          </a:bodyPr>
+          <a:lstStyle/>
+          <a:p>
+            <a:r>
+              <a:rPr lang="en-US" dirty="0"/>
+              <a:t>W</a:t>
+            </a:r>
+            <a:r>
+              <a:rPr lang="en-CO" dirty="0"/>
+              <a:t>ith the error</a:t>
             </a:r>
             <a:endParaRPr lang="en-US" dirty="0"/>
+          </a:p>
+          <a:p>
+            <a:r>
+              <a:rPr lang="en-US" dirty="0"/>
+              <a:t>“Hand picked examples”</a:t>
+            </a:r>
+            <a:endParaRPr lang="en-CO" dirty="0"/>
+          </a:p>
+        </p:txBody>
+      </p:sp>
+      <p:sp>
+        <p:nvSpPr>
+          <p:cNvPr id="11" name="TextBox 10">
+            <a:extLst>
+              <a:ext uri="{FF2B5EF4-FFF2-40B4-BE49-F238E27FC236}">
+                <a16:creationId xmlns:a16="http://schemas.microsoft.com/office/drawing/2014/main" id="{AD61F5CE-1FBE-4ED9-8F74-F02C38AE36EE}"/>
+              </a:ext>
+            </a:extLst>
+          </p:cNvPr>
+          <p:cNvSpPr txBox="1"/>
+          <p:nvPr/>
+        </p:nvSpPr>
+        <p:spPr>
+          <a:xfrm>
+            <a:off x="1859785" y="4171647"/>
+            <a:ext cx="4572000" cy="923330"/>
+          </a:xfrm>
+          <a:prstGeom prst="rect">
+            <a:avLst/>
+          </a:prstGeom>
+          <a:noFill/>
+        </p:spPr>
+        <p:txBody>
+          <a:bodyPr wrap="square">
+            <a:spAutoFit/>
+          </a:bodyPr>
+          <a:lstStyle/>
+          <a:p>
+            <a:r>
+              <a:rPr lang="en-US" dirty="0"/>
+              <a:t>This method lacks the contextual information gathered in the RNN or Transformer models</a:t>
+            </a:r>
+          </a:p>
+        </p:txBody>
+      </p:sp>
+      <p:sp>
+        <p:nvSpPr>
+          <p:cNvPr id="13" name="TextBox 12">
+            <a:extLst>
+              <a:ext uri="{FF2B5EF4-FFF2-40B4-BE49-F238E27FC236}">
+                <a16:creationId xmlns:a16="http://schemas.microsoft.com/office/drawing/2014/main" id="{BB00BD7D-BE08-465D-A3D5-05930DDDBBDB}"/>
+              </a:ext>
+            </a:extLst>
+          </p:cNvPr>
+          <p:cNvSpPr txBox="1"/>
+          <p:nvPr/>
+        </p:nvSpPr>
+        <p:spPr>
+          <a:xfrm>
+            <a:off x="2530414" y="3854948"/>
+            <a:ext cx="4421687" cy="369332"/>
+          </a:xfrm>
+          <a:prstGeom prst="rect">
+            <a:avLst/>
+          </a:prstGeom>
+          <a:noFill/>
+        </p:spPr>
+        <p:txBody>
+          <a:bodyPr wrap="square" rtlCol="0">
+            <a:spAutoFit/>
+          </a:bodyPr>
+          <a:lstStyle/>
+          <a:p>
+            <a:r>
+              <a:rPr lang="en-US" dirty="0"/>
+              <a:t>What are the weaknesses?</a:t>
+            </a:r>
+            <a:endParaRPr lang="en-CO" dirty="0"/>
           </a:p>
         </p:txBody>
       </p:sp>
     </p:spTree>
     <p:extLst>
       <p:ext uri="{BB962C8B-B14F-4D97-AF65-F5344CB8AC3E}">
-        <p14:creationId xmlns:p14="http://schemas.microsoft.com/office/powerpoint/2010/main" val="3103934064"/>
+        <p14:creationId xmlns:p14="http://schemas.microsoft.com/office/powerpoint/2010/main" val="66866511"/>
       </p:ext>
     </p:extLst>
   </p:cSld>
@@ -6788,7 +7030,7 @@
           <p:cNvPr id="2" name="Rectangle 1">
             <a:extLst>
               <a:ext uri="{FF2B5EF4-FFF2-40B4-BE49-F238E27FC236}">
-                <a16:creationId xmlns:a16="http://schemas.microsoft.com/office/drawing/2014/main" id="{EC068493-07FD-A34E-AF93-B0D83101C167}"/>
+                <a16:creationId xmlns:a16="http://schemas.microsoft.com/office/drawing/2014/main" id="{DF0DC0D4-49B4-1741-8362-B00EFBBC09B5}"/>
               </a:ext>
             </a:extLst>
           </p:cNvPr>
@@ -6797,15 +7039,15 @@
         </p:nvSpPr>
         <p:spPr>
           <a:xfrm>
-            <a:off x="2998304" y="864389"/>
-            <a:ext cx="3531736" cy="369332"/>
-          </a:xfrm>
-          <a:prstGeom prst="rect">
-            <a:avLst/>
-          </a:prstGeom>
-        </p:spPr>
-        <p:txBody>
-          <a:bodyPr wrap="none">
+            <a:off x="2286000" y="1001462"/>
+            <a:ext cx="4572000" cy="646331"/>
+          </a:xfrm>
+          <a:prstGeom prst="rect">
+            <a:avLst/>
+          </a:prstGeom>
+        </p:spPr>
+        <p:txBody>
+          <a:bodyPr>
             <a:spAutoFit/>
           </a:bodyPr>
           <a:lstStyle/>
@@ -6817,7 +7059,65 @@
                 </a:solidFill>
                 <a:latin typeface="Arial" panose="020B0604020202020204" pitchFamily="34" charset="0"/>
               </a:rPr>
-              <a:t>Quantitative / Qualitative Results</a:t>
+              <a:t>Can you apply it? Is code and data available?</a:t>
+            </a:r>
+            <a:endParaRPr lang="en-CO" dirty="0"/>
+          </a:p>
+        </p:txBody>
+      </p:sp>
+      <p:sp>
+        <p:nvSpPr>
+          <p:cNvPr id="3" name="TextBox 2">
+            <a:extLst>
+              <a:ext uri="{FF2B5EF4-FFF2-40B4-BE49-F238E27FC236}">
+                <a16:creationId xmlns:a16="http://schemas.microsoft.com/office/drawing/2014/main" id="{A10E4C2B-8406-1F4D-873F-BEEFB883E5D7}"/>
+              </a:ext>
+            </a:extLst>
+          </p:cNvPr>
+          <p:cNvSpPr txBox="1"/>
+          <p:nvPr/>
+        </p:nvSpPr>
+        <p:spPr>
+          <a:xfrm>
+            <a:off x="1653436" y="2430049"/>
+            <a:ext cx="5204564" cy="1477328"/>
+          </a:xfrm>
+          <a:prstGeom prst="rect">
+            <a:avLst/>
+          </a:prstGeom>
+          <a:noFill/>
+        </p:spPr>
+        <p:txBody>
+          <a:bodyPr wrap="square" rtlCol="0">
+            <a:spAutoFit/>
+          </a:bodyPr>
+          <a:lstStyle/>
+          <a:p>
+            <a:r>
+              <a:rPr lang="en-US" dirty="0"/>
+              <a:t>Y</a:t>
+            </a:r>
+            <a:r>
+              <a:rPr lang="en-CO" dirty="0"/>
+              <a:t>es, in the folder examples. Maybe we can put part of the code here.</a:t>
+            </a:r>
+            <a:endParaRPr lang="en-US" dirty="0"/>
+          </a:p>
+          <a:p>
+            <a:endParaRPr lang="en-US" dirty="0"/>
+          </a:p>
+          <a:p>
+            <a:r>
+              <a:rPr lang="en-US" dirty="0"/>
+              <a:t>[Potentially download and run some simple </a:t>
+            </a:r>
+            <a:r>
+              <a:rPr lang="en-US" dirty="0" err="1"/>
+              <a:t>fasttext</a:t>
+            </a:r>
+            <a:r>
+              <a:rPr lang="en-US" dirty="0"/>
+              <a:t> code and show the results]</a:t>
             </a:r>
             <a:endParaRPr lang="en-CO" dirty="0"/>
           </a:p>
@@ -6826,7 +7126,7 @@
     </p:spTree>
     <p:extLst>
       <p:ext uri="{BB962C8B-B14F-4D97-AF65-F5344CB8AC3E}">
-        <p14:creationId xmlns:p14="http://schemas.microsoft.com/office/powerpoint/2010/main" val="1254982742"/>
+        <p14:creationId xmlns:p14="http://schemas.microsoft.com/office/powerpoint/2010/main" val="2277068510"/>
       </p:ext>
     </p:extLst>
   </p:cSld>
@@ -6931,7 +7231,7 @@
           <p:cNvPr id="2" name="Rectangle 1">
             <a:extLst>
               <a:ext uri="{FF2B5EF4-FFF2-40B4-BE49-F238E27FC236}">
-                <a16:creationId xmlns:a16="http://schemas.microsoft.com/office/drawing/2014/main" id="{970F4C1E-B101-E249-B27C-F6658E5055B6}"/>
+                <a16:creationId xmlns:a16="http://schemas.microsoft.com/office/drawing/2014/main" id="{8B547BF3-553D-C547-A331-7CC4642AB9E9}"/>
               </a:ext>
             </a:extLst>
           </p:cNvPr>
@@ -6940,15 +7240,15 @@
         </p:nvSpPr>
         <p:spPr>
           <a:xfrm>
-            <a:off x="3145968" y="952071"/>
-            <a:ext cx="2852063" cy="369332"/>
-          </a:xfrm>
-          <a:prstGeom prst="rect">
-            <a:avLst/>
-          </a:prstGeom>
-        </p:spPr>
-        <p:txBody>
-          <a:bodyPr wrap="none">
+            <a:off x="2286000" y="888728"/>
+            <a:ext cx="4572000" cy="2031325"/>
+          </a:xfrm>
+          <a:prstGeom prst="rect">
+            <a:avLst/>
+          </a:prstGeom>
+        </p:spPr>
+        <p:txBody>
+          <a:bodyPr>
             <a:spAutoFit/>
           </a:bodyPr>
           <a:lstStyle/>
@@ -6960,51 +7260,93 @@
                 </a:solidFill>
                 <a:latin typeface="Arial" panose="020B0604020202020204" pitchFamily="34" charset="0"/>
               </a:rPr>
-              <a:t>Is there an error analysis?</a:t>
-            </a:r>
+              <a:t>Impactful? Are there any Enterprise solutions that apply it?</a:t>
+            </a:r>
+          </a:p>
+          <a:p>
+            <a:endParaRPr lang="en-US" dirty="0">
+              <a:solidFill>
+                <a:srgbClr val="000000"/>
+              </a:solidFill>
+              <a:latin typeface="Arial" panose="020B0604020202020204" pitchFamily="34" charset="0"/>
+            </a:endParaRPr>
+          </a:p>
+          <a:p>
+            <a:r>
+              <a:rPr lang="en-US" dirty="0">
+                <a:solidFill>
+                  <a:srgbClr val="000000"/>
+                </a:solidFill>
+                <a:latin typeface="Arial" panose="020B0604020202020204" pitchFamily="34" charset="0"/>
+              </a:rPr>
+              <a:t>And</a:t>
+            </a:r>
+          </a:p>
+          <a:p>
+            <a:endParaRPr lang="en-US" dirty="0">
+              <a:solidFill>
+                <a:srgbClr val="000000"/>
+              </a:solidFill>
+              <a:latin typeface="Arial" panose="020B0604020202020204" pitchFamily="34" charset="0"/>
+            </a:endParaRPr>
+          </a:p>
+          <a:p>
+            <a:r>
+              <a:rPr lang="en-US" dirty="0">
+                <a:solidFill>
+                  <a:srgbClr val="000000"/>
+                </a:solidFill>
+                <a:latin typeface="Arial" panose="020B0604020202020204" pitchFamily="34" charset="0"/>
+              </a:rPr>
+              <a:t>Who cited it? Semantic Scholar</a:t>
+            </a:r>
+          </a:p>
+          <a:p>
             <a:endParaRPr lang="en-CO" dirty="0"/>
           </a:p>
         </p:txBody>
       </p:sp>
       <p:sp>
         <p:nvSpPr>
-          <p:cNvPr id="3" name="TextBox 2">
+          <p:cNvPr id="3" name="Rectangle 2">
             <a:extLst>
               <a:ext uri="{FF2B5EF4-FFF2-40B4-BE49-F238E27FC236}">
-                <a16:creationId xmlns:a16="http://schemas.microsoft.com/office/drawing/2014/main" id="{9E362691-9CBA-9441-ABD2-D534EED432F1}"/>
+                <a16:creationId xmlns:a16="http://schemas.microsoft.com/office/drawing/2014/main" id="{2747BE21-C12E-D24D-9890-F9498B8B6859}"/>
               </a:ext>
             </a:extLst>
           </p:cNvPr>
-          <p:cNvSpPr txBox="1"/>
+          <p:cNvSpPr/>
           <p:nvPr/>
         </p:nvSpPr>
         <p:spPr>
           <a:xfrm>
-            <a:off x="2079321" y="2555310"/>
-            <a:ext cx="3056350" cy="369332"/>
-          </a:xfrm>
-          <a:prstGeom prst="rect">
-            <a:avLst/>
-          </a:prstGeom>
-          <a:noFill/>
-        </p:spPr>
-        <p:txBody>
-          <a:bodyPr wrap="square" rtlCol="0">
+            <a:off x="1434163" y="2920053"/>
+            <a:ext cx="3301812" cy="369332"/>
+          </a:xfrm>
+          <a:prstGeom prst="rect">
+            <a:avLst/>
+          </a:prstGeom>
+        </p:spPr>
+        <p:txBody>
+          <a:bodyPr wrap="square">
             <a:spAutoFit/>
           </a:bodyPr>
           <a:lstStyle/>
           <a:p>
             <a:r>
-              <a:rPr lang="en-CO" dirty="0"/>
-              <a:t>NOUP</a:t>
-            </a:r>
+              <a:rPr lang="en-US" dirty="0">
+                <a:hlinkClick r:id="rId2"/>
+              </a:rPr>
+              <a:t>https://pypi.org/project/fasttext/</a:t>
+            </a:r>
+            <a:endParaRPr lang="en-CO" dirty="0"/>
           </a:p>
         </p:txBody>
       </p:sp>
     </p:spTree>
     <p:extLst>
       <p:ext uri="{BB962C8B-B14F-4D97-AF65-F5344CB8AC3E}">
-        <p14:creationId xmlns:p14="http://schemas.microsoft.com/office/powerpoint/2010/main" val="66866511"/>
+        <p14:creationId xmlns:p14="http://schemas.microsoft.com/office/powerpoint/2010/main" val="1515243945"/>
       </p:ext>
     </p:extLst>
   </p:cSld>
@@ -7139,6 +7481,64 @@
                 <a:latin typeface="Arial" panose="020B0604020202020204" pitchFamily="34" charset="0"/>
               </a:rPr>
               <a:t>What’s next?</a:t>
+            </a:r>
+            <a:endParaRPr lang="en-CO" dirty="0"/>
+          </a:p>
+        </p:txBody>
+      </p:sp>
+      <p:sp>
+        <p:nvSpPr>
+          <p:cNvPr id="3" name="Rectangle 2">
+            <a:extLst>
+              <a:ext uri="{FF2B5EF4-FFF2-40B4-BE49-F238E27FC236}">
+                <a16:creationId xmlns:a16="http://schemas.microsoft.com/office/drawing/2014/main" id="{DD2A8007-754E-4F32-9C34-008DE973CF1C}"/>
+              </a:ext>
+            </a:extLst>
+          </p:cNvPr>
+          <p:cNvSpPr/>
+          <p:nvPr/>
+        </p:nvSpPr>
+        <p:spPr>
+          <a:xfrm rot="10800000" flipV="1">
+            <a:off x="2071124" y="2367898"/>
+            <a:ext cx="4968773" cy="1200329"/>
+          </a:xfrm>
+          <a:prstGeom prst="rect">
+            <a:avLst/>
+          </a:prstGeom>
+        </p:spPr>
+        <p:txBody>
+          <a:bodyPr wrap="square">
+            <a:spAutoFit/>
+          </a:bodyPr>
+          <a:lstStyle/>
+          <a:p>
+            <a:r>
+              <a:rPr lang="en-US" dirty="0">
+                <a:solidFill>
+                  <a:srgbClr val="000000"/>
+                </a:solidFill>
+                <a:latin typeface="Arial" panose="020B0604020202020204" pitchFamily="34" charset="0"/>
+              </a:rPr>
+              <a:t>[Figure out what papers followed this, and also make sure we know if </a:t>
+            </a:r>
+            <a:r>
+              <a:rPr lang="en-US" dirty="0" err="1">
+                <a:solidFill>
+                  <a:srgbClr val="000000"/>
+                </a:solidFill>
+                <a:latin typeface="Arial" panose="020B0604020202020204" pitchFamily="34" charset="0"/>
+              </a:rPr>
+              <a:t>fasttext</a:t>
+            </a:r>
+            <a:r>
+              <a:rPr lang="en-US" dirty="0">
+                <a:solidFill>
+                  <a:srgbClr val="000000"/>
+                </a:solidFill>
+                <a:latin typeface="Arial" panose="020B0604020202020204" pitchFamily="34" charset="0"/>
+              </a:rPr>
+              <a:t> is used for the state of the art methods (BERT and ELMO, and other transformer methods]</a:t>
             </a:r>
             <a:endParaRPr lang="en-CO" dirty="0"/>
           </a:p>
@@ -7249,10 +7649,10 @@
       </p:grpSp>
       <p:sp>
         <p:nvSpPr>
-          <p:cNvPr id="2" name="Rectangle 1">
+          <p:cNvPr id="4" name="CustomShape 2">
             <a:extLst>
               <a:ext uri="{FF2B5EF4-FFF2-40B4-BE49-F238E27FC236}">
-                <a16:creationId xmlns:a16="http://schemas.microsoft.com/office/drawing/2014/main" id="{CCDB7F83-B197-9E49-901B-E511CE70E38E}"/>
+                <a16:creationId xmlns:a16="http://schemas.microsoft.com/office/drawing/2014/main" id="{3810E5C2-E654-6A4D-B7E7-8FDE0341184A}"/>
               </a:ext>
             </a:extLst>
           </p:cNvPr>
@@ -7261,113 +7661,14 @@
         </p:nvSpPr>
         <p:spPr>
           <a:xfrm>
-            <a:off x="2530415" y="927019"/>
-            <a:ext cx="4083169" cy="369332"/>
-          </a:xfrm>
-          <a:prstGeom prst="rect">
-            <a:avLst/>
-          </a:prstGeom>
-        </p:spPr>
-        <p:txBody>
-          <a:bodyPr wrap="none">
-            <a:spAutoFit/>
-          </a:bodyPr>
-          <a:lstStyle/>
-          <a:p>
-            <a:r>
-              <a:rPr lang="en-US" dirty="0">
-                <a:solidFill>
-                  <a:srgbClr val="000000"/>
-                </a:solidFill>
-                <a:latin typeface="Arial" panose="020B0604020202020204" pitchFamily="34" charset="0"/>
-              </a:rPr>
-              <a:t>Do you believe it? Do I see problems?</a:t>
-            </a:r>
-            <a:endParaRPr lang="en-CO" dirty="0"/>
-          </a:p>
-        </p:txBody>
-      </p:sp>
-      <p:sp>
-        <p:nvSpPr>
-          <p:cNvPr id="3" name="TextBox 2">
-            <a:extLst>
-              <a:ext uri="{FF2B5EF4-FFF2-40B4-BE49-F238E27FC236}">
-                <a16:creationId xmlns:a16="http://schemas.microsoft.com/office/drawing/2014/main" id="{3BA13246-7BF5-0A43-B453-0F0DABA64717}"/>
-              </a:ext>
-            </a:extLst>
-          </p:cNvPr>
-          <p:cNvSpPr txBox="1"/>
-          <p:nvPr/>
-        </p:nvSpPr>
-        <p:spPr>
-          <a:xfrm>
-            <a:off x="2530415" y="2467627"/>
-            <a:ext cx="5022780" cy="369332"/>
+            <a:off x="375840" y="814689"/>
+            <a:ext cx="8345880" cy="425520"/>
           </a:xfrm>
           <a:prstGeom prst="rect">
             <a:avLst/>
           </a:prstGeom>
           <a:noFill/>
-        </p:spPr>
-        <p:txBody>
-          <a:bodyPr wrap="square" rtlCol="0">
-            <a:spAutoFit/>
-          </a:bodyPr>
-          <a:lstStyle/>
-          <a:p>
-            <a:r>
-              <a:rPr lang="en-CO" dirty="0"/>
-              <a:t>YES / there is no error</a:t>
-            </a:r>
-          </a:p>
-        </p:txBody>
-      </p:sp>
-    </p:spTree>
-    <p:extLst>
-      <p:ext uri="{BB962C8B-B14F-4D97-AF65-F5344CB8AC3E}">
-        <p14:creationId xmlns:p14="http://schemas.microsoft.com/office/powerpoint/2010/main" val="1559668972"/>
-      </p:ext>
-    </p:extLst>
-  </p:cSld>
-  <p:clrMapOvr>
-    <a:masterClrMapping/>
-  </p:clrMapOvr>
-</p:sld>
-</file>
-
-<file path=ppt/slides/slide16.xml><?xml version="1.0" encoding="utf-8"?>
-<p:sld xmlns:a="http://schemas.openxmlformats.org/drawingml/2006/main" xmlns:r="http://schemas.openxmlformats.org/officeDocument/2006/relationships" xmlns:p="http://schemas.openxmlformats.org/presentationml/2006/main">
-  <p:cSld>
-    <p:spTree>
-      <p:nvGrpSpPr>
-        <p:cNvPr id="1" name=""/>
-        <p:cNvGrpSpPr/>
-        <p:nvPr/>
-      </p:nvGrpSpPr>
-      <p:grpSpPr>
-        <a:xfrm>
-          <a:off x="0" y="0"/>
-          <a:ext cx="0" cy="0"/>
-          <a:chOff x="0" y="0"/>
-          <a:chExt cx="0" cy="0"/>
-        </a:xfrm>
-      </p:grpSpPr>
-      <p:sp>
-        <p:nvSpPr>
-          <p:cNvPr id="278" name="CustomShape 3"/>
-          <p:cNvSpPr/>
-          <p:nvPr/>
-        </p:nvSpPr>
-        <p:spPr>
-          <a:xfrm>
-            <a:off x="6530040" y="6540840"/>
-            <a:ext cx="2133000" cy="239040"/>
-          </a:xfrm>
-          <a:prstGeom prst="rect">
-            <a:avLst/>
-          </a:prstGeom>
-          <a:noFill/>
-          <a:ln>
+          <a:ln w="28440">
             <a:noFill/>
           </a:ln>
         </p:spPr>
@@ -7384,635 +7685,39 @@
           <a:fontRef idx="minor"/>
         </p:style>
         <p:txBody>
-          <a:bodyPr lIns="90000" tIns="0" rIns="0" bIns="45000">
+          <a:bodyPr lIns="90000" tIns="45000" rIns="90000" bIns="45000">
             <a:noAutofit/>
           </a:bodyPr>
           <a:lstStyle/>
           <a:p>
-            <a:pPr algn="r">
+            <a:pPr algn="ctr">
               <a:lnSpc>
                 <a:spcPct val="100000"/>
               </a:lnSpc>
+              <a:spcBef>
+                <a:spcPts val="660"/>
+              </a:spcBef>
             </a:pPr>
-            <a:fld id="{2FCB098B-627C-46F3-A25D-3380B6C8E818}" type="slidenum">
-              <a:rPr lang="en-GB" sz="1300" b="1" strike="noStrike" spc="-1">
+            <a:r>
+              <a:rPr lang="en-GB" sz="2200" b="1" spc="-1" dirty="0">
                 <a:solidFill>
-                  <a:srgbClr val="FFFFFF"/>
+                  <a:srgbClr val="EF181E"/>
                 </a:solidFill>
-                <a:latin typeface="Arial Narrow"/>
+                <a:latin typeface="Arial"/>
                 <a:ea typeface="DejaVu Sans"/>
               </a:rPr>
-              <a:t>16</a:t>
-            </a:fld>
-            <a:endParaRPr lang="en-GB" sz="1300" b="0" strike="noStrike" spc="-1" dirty="0">
+              <a:t>References</a:t>
+            </a:r>
+            <a:endParaRPr lang="en-GB" sz="2200" b="0" strike="noStrike" spc="-1" dirty="0">
               <a:latin typeface="Arial"/>
             </a:endParaRPr>
-          </a:p>
-        </p:txBody>
-      </p:sp>
-      <p:grpSp>
-        <p:nvGrpSpPr>
-          <p:cNvPr id="289" name="Group 14"/>
-          <p:cNvGrpSpPr/>
-          <p:nvPr/>
-        </p:nvGrpSpPr>
-        <p:grpSpPr>
-          <a:xfrm>
-            <a:off x="0" y="0"/>
-            <a:ext cx="36000" cy="36000"/>
-            <a:chOff x="0" y="0"/>
-            <a:chExt cx="36000" cy="36000"/>
-          </a:xfrm>
-        </p:grpSpPr>
-      </p:grpSp>
-      <p:sp>
-        <p:nvSpPr>
-          <p:cNvPr id="2" name="Rectangle 1">
-            <a:extLst>
-              <a:ext uri="{FF2B5EF4-FFF2-40B4-BE49-F238E27FC236}">
-                <a16:creationId xmlns:a16="http://schemas.microsoft.com/office/drawing/2014/main" id="{38FE6ACB-B9D3-3647-BC80-88C78C233B7E}"/>
-              </a:ext>
-            </a:extLst>
-          </p:cNvPr>
-          <p:cNvSpPr/>
-          <p:nvPr/>
-        </p:nvSpPr>
-        <p:spPr>
-          <a:xfrm>
-            <a:off x="3351153" y="876915"/>
-            <a:ext cx="2441694" cy="369332"/>
-          </a:xfrm>
-          <a:prstGeom prst="rect">
-            <a:avLst/>
-          </a:prstGeom>
-        </p:spPr>
-        <p:txBody>
-          <a:bodyPr wrap="none">
-            <a:spAutoFit/>
-          </a:bodyPr>
-          <a:lstStyle/>
-          <a:p>
-            <a:r>
-              <a:rPr lang="en-US" dirty="0">
-                <a:solidFill>
-                  <a:srgbClr val="000000"/>
-                </a:solidFill>
-                <a:latin typeface="Arial" panose="020B0604020202020204" pitchFamily="34" charset="0"/>
-              </a:rPr>
-              <a:t>Where do they cheat?</a:t>
-            </a:r>
-            <a:endParaRPr lang="en-CO" dirty="0"/>
-          </a:p>
-        </p:txBody>
-      </p:sp>
-      <p:sp>
-        <p:nvSpPr>
-          <p:cNvPr id="3" name="TextBox 2">
-            <a:extLst>
-              <a:ext uri="{FF2B5EF4-FFF2-40B4-BE49-F238E27FC236}">
-                <a16:creationId xmlns:a16="http://schemas.microsoft.com/office/drawing/2014/main" id="{0C00BCD5-DABD-7343-B578-BE6A980630B4}"/>
-              </a:ext>
-            </a:extLst>
-          </p:cNvPr>
-          <p:cNvSpPr txBox="1"/>
-          <p:nvPr/>
-        </p:nvSpPr>
-        <p:spPr>
-          <a:xfrm>
-            <a:off x="3544866" y="2254685"/>
-            <a:ext cx="4421687" cy="369332"/>
-          </a:xfrm>
-          <a:prstGeom prst="rect">
-            <a:avLst/>
-          </a:prstGeom>
-          <a:noFill/>
-        </p:spPr>
-        <p:txBody>
-          <a:bodyPr wrap="square" rtlCol="0">
-            <a:spAutoFit/>
-          </a:bodyPr>
-          <a:lstStyle/>
-          <a:p>
-            <a:r>
-              <a:rPr lang="en-US" dirty="0"/>
-              <a:t>W</a:t>
-            </a:r>
-            <a:r>
-              <a:rPr lang="en-CO" dirty="0"/>
-              <a:t>ith the error</a:t>
-            </a:r>
           </a:p>
         </p:txBody>
       </p:sp>
     </p:spTree>
     <p:extLst>
       <p:ext uri="{BB962C8B-B14F-4D97-AF65-F5344CB8AC3E}">
-        <p14:creationId xmlns:p14="http://schemas.microsoft.com/office/powerpoint/2010/main" val="294316597"/>
-      </p:ext>
-    </p:extLst>
-  </p:cSld>
-  <p:clrMapOvr>
-    <a:masterClrMapping/>
-  </p:clrMapOvr>
-</p:sld>
-</file>
-
-<file path=ppt/slides/slide17.xml><?xml version="1.0" encoding="utf-8"?>
-<p:sld xmlns:a="http://schemas.openxmlformats.org/drawingml/2006/main" xmlns:r="http://schemas.openxmlformats.org/officeDocument/2006/relationships" xmlns:p="http://schemas.openxmlformats.org/presentationml/2006/main">
-  <p:cSld>
-    <p:spTree>
-      <p:nvGrpSpPr>
-        <p:cNvPr id="1" name=""/>
-        <p:cNvGrpSpPr/>
-        <p:nvPr/>
-      </p:nvGrpSpPr>
-      <p:grpSpPr>
-        <a:xfrm>
-          <a:off x="0" y="0"/>
-          <a:ext cx="0" cy="0"/>
-          <a:chOff x="0" y="0"/>
-          <a:chExt cx="0" cy="0"/>
-        </a:xfrm>
-      </p:grpSpPr>
-      <p:sp>
-        <p:nvSpPr>
-          <p:cNvPr id="278" name="CustomShape 3"/>
-          <p:cNvSpPr/>
-          <p:nvPr/>
-        </p:nvSpPr>
-        <p:spPr>
-          <a:xfrm>
-            <a:off x="6530040" y="6540840"/>
-            <a:ext cx="2133000" cy="239040"/>
-          </a:xfrm>
-          <a:prstGeom prst="rect">
-            <a:avLst/>
-          </a:prstGeom>
-          <a:noFill/>
-          <a:ln>
-            <a:noFill/>
-          </a:ln>
-        </p:spPr>
-        <p:style>
-          <a:lnRef idx="0">
-            <a:scrgbClr r="0" g="0" b="0"/>
-          </a:lnRef>
-          <a:fillRef idx="0">
-            <a:scrgbClr r="0" g="0" b="0"/>
-          </a:fillRef>
-          <a:effectRef idx="0">
-            <a:scrgbClr r="0" g="0" b="0"/>
-          </a:effectRef>
-          <a:fontRef idx="minor"/>
-        </p:style>
-        <p:txBody>
-          <a:bodyPr lIns="90000" tIns="0" rIns="0" bIns="45000">
-            <a:noAutofit/>
-          </a:bodyPr>
-          <a:lstStyle/>
-          <a:p>
-            <a:pPr algn="r">
-              <a:lnSpc>
-                <a:spcPct val="100000"/>
-              </a:lnSpc>
-            </a:pPr>
-            <a:fld id="{2FCB098B-627C-46F3-A25D-3380B6C8E818}" type="slidenum">
-              <a:rPr lang="en-GB" sz="1300" b="1" strike="noStrike" spc="-1">
-                <a:solidFill>
-                  <a:srgbClr val="FFFFFF"/>
-                </a:solidFill>
-                <a:latin typeface="Arial Narrow"/>
-                <a:ea typeface="DejaVu Sans"/>
-              </a:rPr>
-              <a:t>17</a:t>
-            </a:fld>
-            <a:endParaRPr lang="en-GB" sz="1300" b="0" strike="noStrike" spc="-1" dirty="0">
-              <a:latin typeface="Arial"/>
-            </a:endParaRPr>
-          </a:p>
-        </p:txBody>
-      </p:sp>
-      <p:grpSp>
-        <p:nvGrpSpPr>
-          <p:cNvPr id="289" name="Group 14"/>
-          <p:cNvGrpSpPr/>
-          <p:nvPr/>
-        </p:nvGrpSpPr>
-        <p:grpSpPr>
-          <a:xfrm>
-            <a:off x="0" y="0"/>
-            <a:ext cx="36000" cy="36000"/>
-            <a:chOff x="0" y="0"/>
-            <a:chExt cx="36000" cy="36000"/>
-          </a:xfrm>
-        </p:grpSpPr>
-      </p:grpSp>
-      <p:sp>
-        <p:nvSpPr>
-          <p:cNvPr id="2" name="Rectangle 1">
-            <a:extLst>
-              <a:ext uri="{FF2B5EF4-FFF2-40B4-BE49-F238E27FC236}">
-                <a16:creationId xmlns:a16="http://schemas.microsoft.com/office/drawing/2014/main" id="{DF0DC0D4-49B4-1741-8362-B00EFBBC09B5}"/>
-              </a:ext>
-            </a:extLst>
-          </p:cNvPr>
-          <p:cNvSpPr/>
-          <p:nvPr/>
-        </p:nvSpPr>
-        <p:spPr>
-          <a:xfrm>
-            <a:off x="2286000" y="1001462"/>
-            <a:ext cx="4572000" cy="646331"/>
-          </a:xfrm>
-          <a:prstGeom prst="rect">
-            <a:avLst/>
-          </a:prstGeom>
-        </p:spPr>
-        <p:txBody>
-          <a:bodyPr>
-            <a:spAutoFit/>
-          </a:bodyPr>
-          <a:lstStyle/>
-          <a:p>
-            <a:r>
-              <a:rPr lang="en-US" dirty="0">
-                <a:solidFill>
-                  <a:srgbClr val="000000"/>
-                </a:solidFill>
-                <a:latin typeface="Arial" panose="020B0604020202020204" pitchFamily="34" charset="0"/>
-              </a:rPr>
-              <a:t>Can you apply it? Is code and data available?</a:t>
-            </a:r>
-            <a:endParaRPr lang="en-CO" dirty="0"/>
-          </a:p>
-        </p:txBody>
-      </p:sp>
-      <p:sp>
-        <p:nvSpPr>
-          <p:cNvPr id="3" name="TextBox 2">
-            <a:extLst>
-              <a:ext uri="{FF2B5EF4-FFF2-40B4-BE49-F238E27FC236}">
-                <a16:creationId xmlns:a16="http://schemas.microsoft.com/office/drawing/2014/main" id="{A10E4C2B-8406-1F4D-873F-BEEFB883E5D7}"/>
-              </a:ext>
-            </a:extLst>
-          </p:cNvPr>
-          <p:cNvSpPr txBox="1"/>
-          <p:nvPr/>
-        </p:nvSpPr>
-        <p:spPr>
-          <a:xfrm>
-            <a:off x="1653436" y="2430049"/>
-            <a:ext cx="5204564" cy="646331"/>
-          </a:xfrm>
-          <a:prstGeom prst="rect">
-            <a:avLst/>
-          </a:prstGeom>
-          <a:noFill/>
-        </p:spPr>
-        <p:txBody>
-          <a:bodyPr wrap="square" rtlCol="0">
-            <a:spAutoFit/>
-          </a:bodyPr>
-          <a:lstStyle/>
-          <a:p>
-            <a:r>
-              <a:rPr lang="en-US" dirty="0"/>
-              <a:t>Y</a:t>
-            </a:r>
-            <a:r>
-              <a:rPr lang="en-CO" dirty="0"/>
-              <a:t>es, in the folder examples. Maybe we can put part of the code here.</a:t>
-            </a:r>
-          </a:p>
-        </p:txBody>
-      </p:sp>
-    </p:spTree>
-    <p:extLst>
-      <p:ext uri="{BB962C8B-B14F-4D97-AF65-F5344CB8AC3E}">
-        <p14:creationId xmlns:p14="http://schemas.microsoft.com/office/powerpoint/2010/main" val="2277068510"/>
-      </p:ext>
-    </p:extLst>
-  </p:cSld>
-  <p:clrMapOvr>
-    <a:masterClrMapping/>
-  </p:clrMapOvr>
-</p:sld>
-</file>
-
-<file path=ppt/slides/slide18.xml><?xml version="1.0" encoding="utf-8"?>
-<p:sld xmlns:a="http://schemas.openxmlformats.org/drawingml/2006/main" xmlns:r="http://schemas.openxmlformats.org/officeDocument/2006/relationships" xmlns:p="http://schemas.openxmlformats.org/presentationml/2006/main">
-  <p:cSld>
-    <p:spTree>
-      <p:nvGrpSpPr>
-        <p:cNvPr id="1" name=""/>
-        <p:cNvGrpSpPr/>
-        <p:nvPr/>
-      </p:nvGrpSpPr>
-      <p:grpSpPr>
-        <a:xfrm>
-          <a:off x="0" y="0"/>
-          <a:ext cx="0" cy="0"/>
-          <a:chOff x="0" y="0"/>
-          <a:chExt cx="0" cy="0"/>
-        </a:xfrm>
-      </p:grpSpPr>
-      <p:sp>
-        <p:nvSpPr>
-          <p:cNvPr id="278" name="CustomShape 3"/>
-          <p:cNvSpPr/>
-          <p:nvPr/>
-        </p:nvSpPr>
-        <p:spPr>
-          <a:xfrm>
-            <a:off x="6530040" y="6540840"/>
-            <a:ext cx="2133000" cy="239040"/>
-          </a:xfrm>
-          <a:prstGeom prst="rect">
-            <a:avLst/>
-          </a:prstGeom>
-          <a:noFill/>
-          <a:ln>
-            <a:noFill/>
-          </a:ln>
-        </p:spPr>
-        <p:style>
-          <a:lnRef idx="0">
-            <a:scrgbClr r="0" g="0" b="0"/>
-          </a:lnRef>
-          <a:fillRef idx="0">
-            <a:scrgbClr r="0" g="0" b="0"/>
-          </a:fillRef>
-          <a:effectRef idx="0">
-            <a:scrgbClr r="0" g="0" b="0"/>
-          </a:effectRef>
-          <a:fontRef idx="minor"/>
-        </p:style>
-        <p:txBody>
-          <a:bodyPr lIns="90000" tIns="0" rIns="0" bIns="45000">
-            <a:noAutofit/>
-          </a:bodyPr>
-          <a:lstStyle/>
-          <a:p>
-            <a:pPr algn="r">
-              <a:lnSpc>
-                <a:spcPct val="100000"/>
-              </a:lnSpc>
-            </a:pPr>
-            <a:fld id="{2FCB098B-627C-46F3-A25D-3380B6C8E818}" type="slidenum">
-              <a:rPr lang="en-GB" sz="1300" b="1" strike="noStrike" spc="-1">
-                <a:solidFill>
-                  <a:srgbClr val="FFFFFF"/>
-                </a:solidFill>
-                <a:latin typeface="Arial Narrow"/>
-                <a:ea typeface="DejaVu Sans"/>
-              </a:rPr>
-              <a:t>18</a:t>
-            </a:fld>
-            <a:endParaRPr lang="en-GB" sz="1300" b="0" strike="noStrike" spc="-1" dirty="0">
-              <a:latin typeface="Arial"/>
-            </a:endParaRPr>
-          </a:p>
-        </p:txBody>
-      </p:sp>
-      <p:grpSp>
-        <p:nvGrpSpPr>
-          <p:cNvPr id="289" name="Group 14"/>
-          <p:cNvGrpSpPr/>
-          <p:nvPr/>
-        </p:nvGrpSpPr>
-        <p:grpSpPr>
-          <a:xfrm>
-            <a:off x="0" y="0"/>
-            <a:ext cx="36000" cy="36000"/>
-            <a:chOff x="0" y="0"/>
-            <a:chExt cx="36000" cy="36000"/>
-          </a:xfrm>
-        </p:grpSpPr>
-      </p:grpSp>
-      <p:sp>
-        <p:nvSpPr>
-          <p:cNvPr id="2" name="Rectangle 1">
-            <a:extLst>
-              <a:ext uri="{FF2B5EF4-FFF2-40B4-BE49-F238E27FC236}">
-                <a16:creationId xmlns:a16="http://schemas.microsoft.com/office/drawing/2014/main" id="{CE0B3FF8-6154-3242-BDA3-D090D0F266CB}"/>
-              </a:ext>
-            </a:extLst>
-          </p:cNvPr>
-          <p:cNvSpPr/>
-          <p:nvPr/>
-        </p:nvSpPr>
-        <p:spPr>
-          <a:xfrm>
-            <a:off x="3280621" y="801759"/>
-            <a:ext cx="2582758" cy="369332"/>
-          </a:xfrm>
-          <a:prstGeom prst="rect">
-            <a:avLst/>
-          </a:prstGeom>
-        </p:spPr>
-        <p:txBody>
-          <a:bodyPr wrap="none">
-            <a:spAutoFit/>
-          </a:bodyPr>
-          <a:lstStyle/>
-          <a:p>
-            <a:r>
-              <a:rPr lang="en-US" dirty="0">
-                <a:solidFill>
-                  <a:srgbClr val="000000"/>
-                </a:solidFill>
-                <a:latin typeface="Arial" panose="020B0604020202020204" pitchFamily="34" charset="0"/>
-              </a:rPr>
-              <a:t>What are weaknesses?</a:t>
-            </a:r>
-            <a:endParaRPr lang="en-CO" dirty="0"/>
-          </a:p>
-        </p:txBody>
-      </p:sp>
-    </p:spTree>
-    <p:extLst>
-      <p:ext uri="{BB962C8B-B14F-4D97-AF65-F5344CB8AC3E}">
-        <p14:creationId xmlns:p14="http://schemas.microsoft.com/office/powerpoint/2010/main" val="3709088501"/>
-      </p:ext>
-    </p:extLst>
-  </p:cSld>
-  <p:clrMapOvr>
-    <a:masterClrMapping/>
-  </p:clrMapOvr>
-</p:sld>
-</file>
-
-<file path=ppt/slides/slide19.xml><?xml version="1.0" encoding="utf-8"?>
-<p:sld xmlns:a="http://schemas.openxmlformats.org/drawingml/2006/main" xmlns:r="http://schemas.openxmlformats.org/officeDocument/2006/relationships" xmlns:p="http://schemas.openxmlformats.org/presentationml/2006/main">
-  <p:cSld>
-    <p:spTree>
-      <p:nvGrpSpPr>
-        <p:cNvPr id="1" name=""/>
-        <p:cNvGrpSpPr/>
-        <p:nvPr/>
-      </p:nvGrpSpPr>
-      <p:grpSpPr>
-        <a:xfrm>
-          <a:off x="0" y="0"/>
-          <a:ext cx="0" cy="0"/>
-          <a:chOff x="0" y="0"/>
-          <a:chExt cx="0" cy="0"/>
-        </a:xfrm>
-      </p:grpSpPr>
-      <p:sp>
-        <p:nvSpPr>
-          <p:cNvPr id="278" name="CustomShape 3"/>
-          <p:cNvSpPr/>
-          <p:nvPr/>
-        </p:nvSpPr>
-        <p:spPr>
-          <a:xfrm>
-            <a:off x="6530040" y="6540840"/>
-            <a:ext cx="2133000" cy="239040"/>
-          </a:xfrm>
-          <a:prstGeom prst="rect">
-            <a:avLst/>
-          </a:prstGeom>
-          <a:noFill/>
-          <a:ln>
-            <a:noFill/>
-          </a:ln>
-        </p:spPr>
-        <p:style>
-          <a:lnRef idx="0">
-            <a:scrgbClr r="0" g="0" b="0"/>
-          </a:lnRef>
-          <a:fillRef idx="0">
-            <a:scrgbClr r="0" g="0" b="0"/>
-          </a:fillRef>
-          <a:effectRef idx="0">
-            <a:scrgbClr r="0" g="0" b="0"/>
-          </a:effectRef>
-          <a:fontRef idx="minor"/>
-        </p:style>
-        <p:txBody>
-          <a:bodyPr lIns="90000" tIns="0" rIns="0" bIns="45000">
-            <a:noAutofit/>
-          </a:bodyPr>
-          <a:lstStyle/>
-          <a:p>
-            <a:pPr algn="r">
-              <a:lnSpc>
-                <a:spcPct val="100000"/>
-              </a:lnSpc>
-            </a:pPr>
-            <a:fld id="{2FCB098B-627C-46F3-A25D-3380B6C8E818}" type="slidenum">
-              <a:rPr lang="en-GB" sz="1300" b="1" strike="noStrike" spc="-1">
-                <a:solidFill>
-                  <a:srgbClr val="FFFFFF"/>
-                </a:solidFill>
-                <a:latin typeface="Arial Narrow"/>
-                <a:ea typeface="DejaVu Sans"/>
-              </a:rPr>
-              <a:t>19</a:t>
-            </a:fld>
-            <a:endParaRPr lang="en-GB" sz="1300" b="0" strike="noStrike" spc="-1" dirty="0">
-              <a:latin typeface="Arial"/>
-            </a:endParaRPr>
-          </a:p>
-        </p:txBody>
-      </p:sp>
-      <p:grpSp>
-        <p:nvGrpSpPr>
-          <p:cNvPr id="289" name="Group 14"/>
-          <p:cNvGrpSpPr/>
-          <p:nvPr/>
-        </p:nvGrpSpPr>
-        <p:grpSpPr>
-          <a:xfrm>
-            <a:off x="0" y="0"/>
-            <a:ext cx="36000" cy="36000"/>
-            <a:chOff x="0" y="0"/>
-            <a:chExt cx="36000" cy="36000"/>
-          </a:xfrm>
-        </p:grpSpPr>
-      </p:grpSp>
-      <p:sp>
-        <p:nvSpPr>
-          <p:cNvPr id="2" name="Rectangle 1">
-            <a:extLst>
-              <a:ext uri="{FF2B5EF4-FFF2-40B4-BE49-F238E27FC236}">
-                <a16:creationId xmlns:a16="http://schemas.microsoft.com/office/drawing/2014/main" id="{8B547BF3-553D-C547-A331-7CC4642AB9E9}"/>
-              </a:ext>
-            </a:extLst>
-          </p:cNvPr>
-          <p:cNvSpPr/>
-          <p:nvPr/>
-        </p:nvSpPr>
-        <p:spPr>
-          <a:xfrm>
-            <a:off x="2286000" y="888728"/>
-            <a:ext cx="4572000" cy="646331"/>
-          </a:xfrm>
-          <a:prstGeom prst="rect">
-            <a:avLst/>
-          </a:prstGeom>
-        </p:spPr>
-        <p:txBody>
-          <a:bodyPr>
-            <a:spAutoFit/>
-          </a:bodyPr>
-          <a:lstStyle/>
-          <a:p>
-            <a:r>
-              <a:rPr lang="en-US" dirty="0">
-                <a:solidFill>
-                  <a:srgbClr val="000000"/>
-                </a:solidFill>
-                <a:latin typeface="Arial" panose="020B0604020202020204" pitchFamily="34" charset="0"/>
-              </a:rPr>
-              <a:t>Impactful? Are there any Enterprise solutions that apply it?</a:t>
-            </a:r>
-            <a:endParaRPr lang="en-CO" dirty="0"/>
-          </a:p>
-        </p:txBody>
-      </p:sp>
-      <p:sp>
-        <p:nvSpPr>
-          <p:cNvPr id="3" name="Rectangle 2">
-            <a:extLst>
-              <a:ext uri="{FF2B5EF4-FFF2-40B4-BE49-F238E27FC236}">
-                <a16:creationId xmlns:a16="http://schemas.microsoft.com/office/drawing/2014/main" id="{2747BE21-C12E-D24D-9890-F9498B8B6859}"/>
-              </a:ext>
-            </a:extLst>
-          </p:cNvPr>
-          <p:cNvSpPr/>
-          <p:nvPr/>
-        </p:nvSpPr>
-        <p:spPr>
-          <a:xfrm>
-            <a:off x="1380548" y="2267304"/>
-            <a:ext cx="3326552" cy="369332"/>
-          </a:xfrm>
-          <a:prstGeom prst="rect">
-            <a:avLst/>
-          </a:prstGeom>
-        </p:spPr>
-        <p:txBody>
-          <a:bodyPr wrap="none">
-            <a:spAutoFit/>
-          </a:bodyPr>
-          <a:lstStyle/>
-          <a:p>
-            <a:r>
-              <a:rPr lang="en-US" dirty="0">
-                <a:hlinkClick r:id="rId2"/>
-              </a:rPr>
-              <a:t>https://pypi.org/project/fasttext/</a:t>
-            </a:r>
-            <a:endParaRPr lang="en-CO" dirty="0"/>
-          </a:p>
-        </p:txBody>
-      </p:sp>
-    </p:spTree>
-    <p:extLst>
-      <p:ext uri="{BB962C8B-B14F-4D97-AF65-F5344CB8AC3E}">
-        <p14:creationId xmlns:p14="http://schemas.microsoft.com/office/powerpoint/2010/main" val="1515243945"/>
+        <p14:creationId xmlns:p14="http://schemas.microsoft.com/office/powerpoint/2010/main" val="364923165"/>
       </p:ext>
     </p:extLst>
   </p:cSld>
@@ -8521,319 +8226,6 @@
 </p:sld>
 </file>
 
-<file path=ppt/slides/slide20.xml><?xml version="1.0" encoding="utf-8"?>
-<p:sld xmlns:a="http://schemas.openxmlformats.org/drawingml/2006/main" xmlns:r="http://schemas.openxmlformats.org/officeDocument/2006/relationships" xmlns:p="http://schemas.openxmlformats.org/presentationml/2006/main">
-  <p:cSld>
-    <p:spTree>
-      <p:nvGrpSpPr>
-        <p:cNvPr id="1" name=""/>
-        <p:cNvGrpSpPr/>
-        <p:nvPr/>
-      </p:nvGrpSpPr>
-      <p:grpSpPr>
-        <a:xfrm>
-          <a:off x="0" y="0"/>
-          <a:ext cx="0" cy="0"/>
-          <a:chOff x="0" y="0"/>
-          <a:chExt cx="0" cy="0"/>
-        </a:xfrm>
-      </p:grpSpPr>
-      <p:sp>
-        <p:nvSpPr>
-          <p:cNvPr id="278" name="CustomShape 3"/>
-          <p:cNvSpPr/>
-          <p:nvPr/>
-        </p:nvSpPr>
-        <p:spPr>
-          <a:xfrm>
-            <a:off x="6530040" y="6540840"/>
-            <a:ext cx="2133000" cy="239040"/>
-          </a:xfrm>
-          <a:prstGeom prst="rect">
-            <a:avLst/>
-          </a:prstGeom>
-          <a:noFill/>
-          <a:ln>
-            <a:noFill/>
-          </a:ln>
-        </p:spPr>
-        <p:style>
-          <a:lnRef idx="0">
-            <a:scrgbClr r="0" g="0" b="0"/>
-          </a:lnRef>
-          <a:fillRef idx="0">
-            <a:scrgbClr r="0" g="0" b="0"/>
-          </a:fillRef>
-          <a:effectRef idx="0">
-            <a:scrgbClr r="0" g="0" b="0"/>
-          </a:effectRef>
-          <a:fontRef idx="minor"/>
-        </p:style>
-        <p:txBody>
-          <a:bodyPr lIns="90000" tIns="0" rIns="0" bIns="45000">
-            <a:noAutofit/>
-          </a:bodyPr>
-          <a:lstStyle/>
-          <a:p>
-            <a:pPr algn="r">
-              <a:lnSpc>
-                <a:spcPct val="100000"/>
-              </a:lnSpc>
-            </a:pPr>
-            <a:fld id="{2FCB098B-627C-46F3-A25D-3380B6C8E818}" type="slidenum">
-              <a:rPr lang="en-GB" sz="1300" b="1" strike="noStrike" spc="-1">
-                <a:solidFill>
-                  <a:srgbClr val="FFFFFF"/>
-                </a:solidFill>
-                <a:latin typeface="Arial Narrow"/>
-                <a:ea typeface="DejaVu Sans"/>
-              </a:rPr>
-              <a:t>20</a:t>
-            </a:fld>
-            <a:endParaRPr lang="en-GB" sz="1300" b="0" strike="noStrike" spc="-1" dirty="0">
-              <a:latin typeface="Arial"/>
-            </a:endParaRPr>
-          </a:p>
-        </p:txBody>
-      </p:sp>
-      <p:grpSp>
-        <p:nvGrpSpPr>
-          <p:cNvPr id="289" name="Group 14"/>
-          <p:cNvGrpSpPr/>
-          <p:nvPr/>
-        </p:nvGrpSpPr>
-        <p:grpSpPr>
-          <a:xfrm>
-            <a:off x="0" y="0"/>
-            <a:ext cx="36000" cy="36000"/>
-            <a:chOff x="0" y="0"/>
-            <a:chExt cx="36000" cy="36000"/>
-          </a:xfrm>
-        </p:grpSpPr>
-      </p:grpSp>
-      <p:sp>
-        <p:nvSpPr>
-          <p:cNvPr id="2" name="Rectangle 1">
-            <a:extLst>
-              <a:ext uri="{FF2B5EF4-FFF2-40B4-BE49-F238E27FC236}">
-                <a16:creationId xmlns:a16="http://schemas.microsoft.com/office/drawing/2014/main" id="{7F030939-3E0C-DD48-A7F4-99C5128F7E2C}"/>
-              </a:ext>
-            </a:extLst>
-          </p:cNvPr>
-          <p:cNvSpPr/>
-          <p:nvPr/>
-        </p:nvSpPr>
-        <p:spPr>
-          <a:xfrm>
-            <a:off x="2876664" y="839337"/>
-            <a:ext cx="3390672" cy="369332"/>
-          </a:xfrm>
-          <a:prstGeom prst="rect">
-            <a:avLst/>
-          </a:prstGeom>
-        </p:spPr>
-        <p:txBody>
-          <a:bodyPr wrap="none">
-            <a:spAutoFit/>
-          </a:bodyPr>
-          <a:lstStyle/>
-          <a:p>
-            <a:r>
-              <a:rPr lang="en-US" dirty="0">
-                <a:solidFill>
-                  <a:srgbClr val="000000"/>
-                </a:solidFill>
-                <a:latin typeface="Arial" panose="020B0604020202020204" pitchFamily="34" charset="0"/>
-              </a:rPr>
-              <a:t>Who cited it? Semantic Scholar</a:t>
-            </a:r>
-            <a:endParaRPr lang="en-CO" dirty="0"/>
-          </a:p>
-        </p:txBody>
-      </p:sp>
-    </p:spTree>
-    <p:extLst>
-      <p:ext uri="{BB962C8B-B14F-4D97-AF65-F5344CB8AC3E}">
-        <p14:creationId xmlns:p14="http://schemas.microsoft.com/office/powerpoint/2010/main" val="3321389921"/>
-      </p:ext>
-    </p:extLst>
-  </p:cSld>
-  <p:clrMapOvr>
-    <a:masterClrMapping/>
-  </p:clrMapOvr>
-</p:sld>
-</file>
-
-<file path=ppt/slides/slide21.xml><?xml version="1.0" encoding="utf-8"?>
-<p:sld xmlns:a="http://schemas.openxmlformats.org/drawingml/2006/main" xmlns:r="http://schemas.openxmlformats.org/officeDocument/2006/relationships" xmlns:p="http://schemas.openxmlformats.org/presentationml/2006/main">
-  <p:cSld>
-    <p:spTree>
-      <p:nvGrpSpPr>
-        <p:cNvPr id="1" name=""/>
-        <p:cNvGrpSpPr/>
-        <p:nvPr/>
-      </p:nvGrpSpPr>
-      <p:grpSpPr>
-        <a:xfrm>
-          <a:off x="0" y="0"/>
-          <a:ext cx="0" cy="0"/>
-          <a:chOff x="0" y="0"/>
-          <a:chExt cx="0" cy="0"/>
-        </a:xfrm>
-      </p:grpSpPr>
-      <p:sp>
-        <p:nvSpPr>
-          <p:cNvPr id="278" name="CustomShape 3"/>
-          <p:cNvSpPr/>
-          <p:nvPr/>
-        </p:nvSpPr>
-        <p:spPr>
-          <a:xfrm>
-            <a:off x="6530040" y="6540840"/>
-            <a:ext cx="2133000" cy="239040"/>
-          </a:xfrm>
-          <a:prstGeom prst="rect">
-            <a:avLst/>
-          </a:prstGeom>
-          <a:noFill/>
-          <a:ln>
-            <a:noFill/>
-          </a:ln>
-        </p:spPr>
-        <p:style>
-          <a:lnRef idx="0">
-            <a:scrgbClr r="0" g="0" b="0"/>
-          </a:lnRef>
-          <a:fillRef idx="0">
-            <a:scrgbClr r="0" g="0" b="0"/>
-          </a:fillRef>
-          <a:effectRef idx="0">
-            <a:scrgbClr r="0" g="0" b="0"/>
-          </a:effectRef>
-          <a:fontRef idx="minor"/>
-        </p:style>
-        <p:txBody>
-          <a:bodyPr lIns="90000" tIns="0" rIns="0" bIns="45000">
-            <a:noAutofit/>
-          </a:bodyPr>
-          <a:lstStyle/>
-          <a:p>
-            <a:pPr algn="r">
-              <a:lnSpc>
-                <a:spcPct val="100000"/>
-              </a:lnSpc>
-            </a:pPr>
-            <a:fld id="{2FCB098B-627C-46F3-A25D-3380B6C8E818}" type="slidenum">
-              <a:rPr lang="en-GB" sz="1300" b="1" strike="noStrike" spc="-1">
-                <a:solidFill>
-                  <a:srgbClr val="FFFFFF"/>
-                </a:solidFill>
-                <a:latin typeface="Arial Narrow"/>
-                <a:ea typeface="DejaVu Sans"/>
-              </a:rPr>
-              <a:t>21</a:t>
-            </a:fld>
-            <a:endParaRPr lang="en-GB" sz="1300" b="0" strike="noStrike" spc="-1" dirty="0">
-              <a:latin typeface="Arial"/>
-            </a:endParaRPr>
-          </a:p>
-        </p:txBody>
-      </p:sp>
-      <p:grpSp>
-        <p:nvGrpSpPr>
-          <p:cNvPr id="289" name="Group 14"/>
-          <p:cNvGrpSpPr/>
-          <p:nvPr/>
-        </p:nvGrpSpPr>
-        <p:grpSpPr>
-          <a:xfrm>
-            <a:off x="0" y="0"/>
-            <a:ext cx="36000" cy="36000"/>
-            <a:chOff x="0" y="0"/>
-            <a:chExt cx="36000" cy="36000"/>
-          </a:xfrm>
-        </p:grpSpPr>
-      </p:grpSp>
-      <p:sp>
-        <p:nvSpPr>
-          <p:cNvPr id="4" name="CustomShape 2">
-            <a:extLst>
-              <a:ext uri="{FF2B5EF4-FFF2-40B4-BE49-F238E27FC236}">
-                <a16:creationId xmlns:a16="http://schemas.microsoft.com/office/drawing/2014/main" id="{3810E5C2-E654-6A4D-B7E7-8FDE0341184A}"/>
-              </a:ext>
-            </a:extLst>
-          </p:cNvPr>
-          <p:cNvSpPr/>
-          <p:nvPr/>
-        </p:nvSpPr>
-        <p:spPr>
-          <a:xfrm>
-            <a:off x="375840" y="814689"/>
-            <a:ext cx="8345880" cy="425520"/>
-          </a:xfrm>
-          <a:prstGeom prst="rect">
-            <a:avLst/>
-          </a:prstGeom>
-          <a:noFill/>
-          <a:ln w="28440">
-            <a:noFill/>
-          </a:ln>
-        </p:spPr>
-        <p:style>
-          <a:lnRef idx="0">
-            <a:scrgbClr r="0" g="0" b="0"/>
-          </a:lnRef>
-          <a:fillRef idx="0">
-            <a:scrgbClr r="0" g="0" b="0"/>
-          </a:fillRef>
-          <a:effectRef idx="0">
-            <a:scrgbClr r="0" g="0" b="0"/>
-          </a:effectRef>
-          <a:fontRef idx="minor"/>
-        </p:style>
-        <p:txBody>
-          <a:bodyPr lIns="90000" tIns="45000" rIns="90000" bIns="45000">
-            <a:noAutofit/>
-          </a:bodyPr>
-          <a:lstStyle/>
-          <a:p>
-            <a:pPr algn="ctr">
-              <a:lnSpc>
-                <a:spcPct val="100000"/>
-              </a:lnSpc>
-              <a:spcBef>
-                <a:spcPts val="660"/>
-              </a:spcBef>
-            </a:pPr>
-            <a:r>
-              <a:rPr lang="en-GB" sz="2200" b="1" spc="-1" dirty="0">
-                <a:solidFill>
-                  <a:srgbClr val="EF181E"/>
-                </a:solidFill>
-                <a:latin typeface="Arial"/>
-                <a:ea typeface="DejaVu Sans"/>
-              </a:rPr>
-              <a:t>References</a:t>
-            </a:r>
-            <a:endParaRPr lang="en-GB" sz="2200" b="0" strike="noStrike" spc="-1" dirty="0">
-              <a:latin typeface="Arial"/>
-            </a:endParaRPr>
-          </a:p>
-        </p:txBody>
-      </p:sp>
-    </p:spTree>
-    <p:extLst>
-      <p:ext uri="{BB962C8B-B14F-4D97-AF65-F5344CB8AC3E}">
-        <p14:creationId xmlns:p14="http://schemas.microsoft.com/office/powerpoint/2010/main" val="364923165"/>
-      </p:ext>
-    </p:extLst>
-  </p:cSld>
-  <p:clrMapOvr>
-    <a:masterClrMapping/>
-  </p:clrMapOvr>
-</p:sld>
-</file>
-
 <file path=ppt/slides/slide3.xml><?xml version="1.0" encoding="utf-8"?>
 <p:sld xmlns:a="http://schemas.openxmlformats.org/drawingml/2006/main" xmlns:r="http://schemas.openxmlformats.org/officeDocument/2006/relationships" xmlns:p="http://schemas.openxmlformats.org/presentationml/2006/main">
   <p:cSld>
@@ -8926,10 +8318,10 @@
       </p:grpSp>
       <p:sp>
         <p:nvSpPr>
-          <p:cNvPr id="7" name="Rectangle 6">
+          <p:cNvPr id="2" name="Rectangle 1">
             <a:extLst>
               <a:ext uri="{FF2B5EF4-FFF2-40B4-BE49-F238E27FC236}">
-                <a16:creationId xmlns:a16="http://schemas.microsoft.com/office/drawing/2014/main" id="{6C913999-AADA-3D4A-97B1-146FE5AD9C28}"/>
+                <a16:creationId xmlns:a16="http://schemas.microsoft.com/office/drawing/2014/main" id="{4F3835CE-B9AA-9048-8964-D9046F6A0D8F}"/>
               </a:ext>
             </a:extLst>
           </p:cNvPr>
@@ -8938,8 +8330,8 @@
         </p:nvSpPr>
         <p:spPr>
           <a:xfrm>
-            <a:off x="2684303" y="939452"/>
-            <a:ext cx="3775393" cy="369332"/>
+            <a:off x="4184682" y="927019"/>
+            <a:ext cx="774636" cy="369332"/>
           </a:xfrm>
           <a:prstGeom prst="rect">
             <a:avLst/>
@@ -8958,7 +8350,7 @@
                 </a:solidFill>
                 <a:latin typeface="Arial" panose="020B0604020202020204" pitchFamily="34" charset="0"/>
               </a:rPr>
-              <a:t>Who is it? Where was it published?</a:t>
+              <a:t>Tasks</a:t>
             </a:r>
             <a:endParaRPr lang="en-CO" dirty="0"/>
           </a:p>
@@ -8966,10 +8358,66 @@
       </p:sp>
       <p:sp>
         <p:nvSpPr>
-          <p:cNvPr id="2" name="Rectangle 1">
+          <p:cNvPr id="3" name="TextBox 2">
             <a:extLst>
               <a:ext uri="{FF2B5EF4-FFF2-40B4-BE49-F238E27FC236}">
-                <a16:creationId xmlns:a16="http://schemas.microsoft.com/office/drawing/2014/main" id="{6F48851F-0535-4349-9CF1-B2E639A3BF33}"/>
+                <a16:creationId xmlns:a16="http://schemas.microsoft.com/office/drawing/2014/main" id="{B9C335A1-7BF8-41D1-B442-B792D78BA297}"/>
+              </a:ext>
+            </a:extLst>
+          </p:cNvPr>
+          <p:cNvSpPr txBox="1"/>
+          <p:nvPr/>
+        </p:nvSpPr>
+        <p:spPr>
+          <a:xfrm>
+            <a:off x="2130348" y="1296351"/>
+            <a:ext cx="3858016" cy="923330"/>
+          </a:xfrm>
+          <a:prstGeom prst="rect">
+            <a:avLst/>
+          </a:prstGeom>
+          <a:noFill/>
+        </p:spPr>
+        <p:txBody>
+          <a:bodyPr wrap="square" rtlCol="0">
+            <a:spAutoFit/>
+          </a:bodyPr>
+          <a:lstStyle/>
+          <a:p>
+            <a:pPr marL="342900" indent="-342900">
+              <a:buAutoNum type="arabicPeriod"/>
+            </a:pPr>
+            <a:r>
+              <a:rPr lang="en-US" dirty="0"/>
+              <a:t>Word Representation</a:t>
+            </a:r>
+          </a:p>
+          <a:p>
+            <a:pPr marL="342900" indent="-342900">
+              <a:buAutoNum type="arabicPeriod"/>
+            </a:pPr>
+            <a:r>
+              <a:rPr lang="en-US" dirty="0"/>
+              <a:t>Text Classification (hate speech </a:t>
+            </a:r>
+            <a:r>
+              <a:rPr lang="en-US" dirty="0" err="1"/>
+              <a:t>detection,etc</a:t>
+            </a:r>
+            <a:r>
+              <a:rPr lang="en-US" dirty="0"/>
+              <a:t>)</a:t>
+            </a:r>
+            <a:endParaRPr lang="en-CO" dirty="0"/>
+          </a:p>
+        </p:txBody>
+      </p:sp>
+      <p:sp>
+        <p:nvSpPr>
+          <p:cNvPr id="4" name="Rectangle 3">
+            <a:extLst>
+              <a:ext uri="{FF2B5EF4-FFF2-40B4-BE49-F238E27FC236}">
+                <a16:creationId xmlns:a16="http://schemas.microsoft.com/office/drawing/2014/main" id="{2F16C6B4-6DA5-4E0F-8C2B-0BA3A3153BAA}"/>
               </a:ext>
             </a:extLst>
           </p:cNvPr>
@@ -8978,7 +8426,7 @@
         </p:nvSpPr>
         <p:spPr>
           <a:xfrm>
-            <a:off x="657616" y="1878284"/>
+            <a:off x="1898682" y="3105834"/>
             <a:ext cx="4572000" cy="646331"/>
           </a:xfrm>
           <a:prstGeom prst="rect">
@@ -8993,85 +8441,18 @@
           <a:p>
             <a:r>
               <a:rPr lang="en-US" dirty="0">
-                <a:hlinkClick r:id="rId2"/>
-              </a:rPr>
-              <a:t>https://www.mitpressjournals.org/doi/abs/10.1162/tacl_a_00051#authorsTabList</a:t>
-            </a:r>
-            <a:endParaRPr lang="en-CO" dirty="0"/>
-          </a:p>
-        </p:txBody>
-      </p:sp>
-      <p:pic>
-        <p:nvPicPr>
-          <p:cNvPr id="3" name="Picture 2">
-            <a:extLst>
-              <a:ext uri="{FF2B5EF4-FFF2-40B4-BE49-F238E27FC236}">
-                <a16:creationId xmlns:a16="http://schemas.microsoft.com/office/drawing/2014/main" id="{FF6BA833-5506-4D40-A5E2-B463F25B9522}"/>
-              </a:ext>
-            </a:extLst>
-          </p:cNvPr>
-          <p:cNvPicPr>
-            <a:picLocks noChangeAspect="1"/>
-          </p:cNvPicPr>
-          <p:nvPr/>
-        </p:nvPicPr>
-        <p:blipFill>
-          <a:blip r:embed="rId3"/>
-          <a:stretch>
-            <a:fillRect/>
-          </a:stretch>
-        </p:blipFill>
-        <p:spPr>
-          <a:xfrm>
-            <a:off x="4309364" y="3231714"/>
-            <a:ext cx="2967736" cy="2229285"/>
-          </a:xfrm>
-          <a:prstGeom prst="rect">
-            <a:avLst/>
-          </a:prstGeom>
-        </p:spPr>
-      </p:pic>
-      <p:sp>
-        <p:nvSpPr>
-          <p:cNvPr id="4" name="Rectangle 3">
-            <a:extLst>
-              <a:ext uri="{FF2B5EF4-FFF2-40B4-BE49-F238E27FC236}">
-                <a16:creationId xmlns:a16="http://schemas.microsoft.com/office/drawing/2014/main" id="{D998F222-6039-174B-BDDD-DC105D3A94EB}"/>
-              </a:ext>
-            </a:extLst>
-          </p:cNvPr>
-          <p:cNvSpPr/>
-          <p:nvPr/>
-        </p:nvSpPr>
-        <p:spPr>
-          <a:xfrm>
-            <a:off x="523025" y="3682745"/>
-            <a:ext cx="3463320" cy="369332"/>
-          </a:xfrm>
-          <a:prstGeom prst="rect">
-            <a:avLst/>
-          </a:prstGeom>
-        </p:spPr>
-        <p:txBody>
-          <a:bodyPr wrap="none">
-            <a:spAutoFit/>
-          </a:bodyPr>
-          <a:lstStyle/>
-          <a:p>
-            <a:r>
-              <a:rPr lang="en-US" dirty="0">
-                <a:hlinkClick r:id="rId4"/>
-              </a:rPr>
-              <a:t>https://arxiv.org/abs/1607.04606</a:t>
-            </a:r>
-            <a:endParaRPr lang="en-CO" dirty="0"/>
+                <a:latin typeface="NimbusRomNo9L"/>
+              </a:rPr>
+              <a:t>[Pull definitions from class presentations and make sure we understand these tasks.]</a:t>
+            </a:r>
+            <a:endParaRPr lang="en-US" dirty="0"/>
           </a:p>
         </p:txBody>
       </p:sp>
     </p:spTree>
     <p:extLst>
       <p:ext uri="{BB962C8B-B14F-4D97-AF65-F5344CB8AC3E}">
-        <p14:creationId xmlns:p14="http://schemas.microsoft.com/office/powerpoint/2010/main" val="2794149628"/>
+        <p14:creationId xmlns:p14="http://schemas.microsoft.com/office/powerpoint/2010/main" val="1343202356"/>
       </p:ext>
     </p:extLst>
   </p:cSld>
@@ -9176,7 +8557,7 @@
           <p:cNvPr id="2" name="Rectangle 1">
             <a:extLst>
               <a:ext uri="{FF2B5EF4-FFF2-40B4-BE49-F238E27FC236}">
-                <a16:creationId xmlns:a16="http://schemas.microsoft.com/office/drawing/2014/main" id="{B5986EB7-9E4C-084D-9A56-87E64506A958}"/>
+                <a16:creationId xmlns:a16="http://schemas.microsoft.com/office/drawing/2014/main" id="{A898D070-DA9C-694C-A643-84E7053EFB42}"/>
               </a:ext>
             </a:extLst>
           </p:cNvPr>
@@ -9185,8 +8566,8 @@
         </p:nvSpPr>
         <p:spPr>
           <a:xfrm>
-            <a:off x="2408587" y="839337"/>
-            <a:ext cx="4326826" cy="369332"/>
+            <a:off x="3864114" y="1050302"/>
+            <a:ext cx="1415772" cy="369332"/>
           </a:xfrm>
           <a:prstGeom prst="rect">
             <a:avLst/>
@@ -9205,32 +8586,63 @@
                 </a:solidFill>
                 <a:latin typeface="Arial" panose="020B0604020202020204" pitchFamily="34" charset="0"/>
               </a:rPr>
-              <a:t>Why is it relevant? Why did they write it?</a:t>
+              <a:t>Background</a:t>
             </a:r>
             <a:endParaRPr lang="en-CO" dirty="0"/>
           </a:p>
         </p:txBody>
       </p:sp>
-      <p:sp>
-        <p:nvSpPr>
-          <p:cNvPr id="3" name="Rectangle 2">
+      <p:pic>
+        <p:nvPicPr>
+          <p:cNvPr id="5" name="Picture 4">
             <a:extLst>
               <a:ext uri="{FF2B5EF4-FFF2-40B4-BE49-F238E27FC236}">
-                <a16:creationId xmlns:a16="http://schemas.microsoft.com/office/drawing/2014/main" id="{E849072D-FFEC-2D42-8362-0EF41FE22F93}"/>
+                <a16:creationId xmlns:a16="http://schemas.microsoft.com/office/drawing/2014/main" id="{DC1860AB-4359-4914-A37E-09C777DED396}"/>
               </a:ext>
             </a:extLst>
           </p:cNvPr>
-          <p:cNvSpPr/>
+          <p:cNvPicPr>
+            <a:picLocks noChangeAspect="1"/>
+          </p:cNvPicPr>
           <p:nvPr/>
-        </p:nvSpPr>
-        <p:spPr>
-          <a:xfrm>
-            <a:off x="480959" y="1503122"/>
-            <a:ext cx="8324837" cy="3693319"/>
-          </a:xfrm>
-          <a:prstGeom prst="rect">
-            <a:avLst/>
-          </a:prstGeom>
+        </p:nvPicPr>
+        <p:blipFill>
+          <a:blip r:embed="rId2"/>
+          <a:stretch>
+            <a:fillRect/>
+          </a:stretch>
+        </p:blipFill>
+        <p:spPr>
+          <a:xfrm>
+            <a:off x="1306980" y="2486434"/>
+            <a:ext cx="6530040" cy="3940639"/>
+          </a:xfrm>
+          <a:prstGeom prst="rect">
+            <a:avLst/>
+          </a:prstGeom>
+        </p:spPr>
+      </p:pic>
+      <p:sp>
+        <p:nvSpPr>
+          <p:cNvPr id="10" name="TextBox 9">
+            <a:extLst>
+              <a:ext uri="{FF2B5EF4-FFF2-40B4-BE49-F238E27FC236}">
+                <a16:creationId xmlns:a16="http://schemas.microsoft.com/office/drawing/2014/main" id="{1055EF48-8F90-4678-B0F1-32D186024099}"/>
+              </a:ext>
+            </a:extLst>
+          </p:cNvPr>
+          <p:cNvSpPr txBox="1"/>
+          <p:nvPr/>
+        </p:nvSpPr>
+        <p:spPr>
+          <a:xfrm>
+            <a:off x="919212" y="1419634"/>
+            <a:ext cx="4572000" cy="1200329"/>
+          </a:xfrm>
+          <a:prstGeom prst="rect">
+            <a:avLst/>
+          </a:prstGeom>
+          <a:noFill/>
         </p:spPr>
         <p:txBody>
           <a:bodyPr wrap="square">
@@ -9239,55 +8651,24 @@
           <a:lstStyle/>
           <a:p>
             <a:r>
-              <a:rPr lang="en-US" dirty="0">
-                <a:latin typeface="NimbusRomNo9L"/>
-              </a:rPr>
-              <a:t>Continuous word representations, trained on large unlabeled corpora are useful for many natural language processing tasks. Popular models that learn such representations ignore the morphology of words, by assigning a distinct vector to each word. This is a limitation, especially for languages with large vocabularies and many rare words. In this paper, we propose a new approach based on the </a:t>
-            </a:r>
-            <a:r>
-              <a:rPr lang="en-US" dirty="0" err="1">
-                <a:latin typeface="NimbusRomNo9L"/>
-              </a:rPr>
+              <a:rPr lang="en-US" dirty="0"/>
+              <a:t>[Also reference papers here (maybe with timeline?) 3 papers – CBOW, continuous </a:t>
+            </a:r>
+            <a:r>
+              <a:rPr lang="en-US" dirty="0" err="1"/>
               <a:t>skipgram</a:t>
             </a:r>
             <a:r>
-              <a:rPr lang="en-US" dirty="0">
-                <a:latin typeface="NimbusRomNo9L"/>
-              </a:rPr>
-              <a:t> model, where each word is represented as a bag of character </a:t>
-            </a:r>
-            <a:r>
-              <a:rPr lang="en-US" dirty="0">
-                <a:latin typeface="CMMI10"/>
-              </a:rPr>
-              <a:t>n</a:t>
-            </a:r>
-            <a:r>
-              <a:rPr lang="en-US" dirty="0">
-                <a:latin typeface="NimbusRomNo9L"/>
-              </a:rPr>
-              <a:t>-grams. A vector representation is associated to each character </a:t>
-            </a:r>
-            <a:r>
-              <a:rPr lang="en-US" dirty="0">
-                <a:latin typeface="CMMI10"/>
-              </a:rPr>
-              <a:t>n</a:t>
-            </a:r>
-            <a:r>
-              <a:rPr lang="en-US" dirty="0">
-                <a:latin typeface="NimbusRomNo9L"/>
-              </a:rPr>
-              <a:t>-gram; words being represented as the sum of these representations. Our method is fast, allowing to train models on large corpora quickly and allows us to compute word representations for words that did not appear in the training data. We evaluate our word representations on nine different languages, both on word similarity and analogy tasks. By comparing to recently proposed morphological word representations, we show that our vectors achieve state-of-the-art performance on these tasks. </a:t>
-            </a:r>
-            <a:endParaRPr lang="en-US" dirty="0"/>
+              <a:rPr lang="en-US" dirty="0"/>
+              <a:t>, and character-level neural networks (RNN and CNN)]</a:t>
+            </a:r>
           </a:p>
         </p:txBody>
       </p:sp>
     </p:spTree>
     <p:extLst>
       <p:ext uri="{BB962C8B-B14F-4D97-AF65-F5344CB8AC3E}">
-        <p14:creationId xmlns:p14="http://schemas.microsoft.com/office/powerpoint/2010/main" val="4086899568"/>
+        <p14:creationId xmlns:p14="http://schemas.microsoft.com/office/powerpoint/2010/main" val="3847731984"/>
       </p:ext>
     </p:extLst>
   </p:cSld>
@@ -9389,10 +8770,10 @@
       </p:grpSp>
       <p:sp>
         <p:nvSpPr>
-          <p:cNvPr id="2" name="Rectangle 1">
+          <p:cNvPr id="7" name="Rectangle 6">
             <a:extLst>
               <a:ext uri="{FF2B5EF4-FFF2-40B4-BE49-F238E27FC236}">
-                <a16:creationId xmlns:a16="http://schemas.microsoft.com/office/drawing/2014/main" id="{D4B0B71D-F529-7049-9D5F-AFA252194375}"/>
+                <a16:creationId xmlns:a16="http://schemas.microsoft.com/office/drawing/2014/main" id="{6C913999-AADA-3D4A-97B1-146FE5AD9C28}"/>
               </a:ext>
             </a:extLst>
           </p:cNvPr>
@@ -9401,8 +8782,8 @@
         </p:nvSpPr>
         <p:spPr>
           <a:xfrm>
-            <a:off x="3575573" y="989649"/>
-            <a:ext cx="1992853" cy="369332"/>
+            <a:off x="2254685" y="969032"/>
+            <a:ext cx="3339376" cy="369332"/>
           </a:xfrm>
           <a:prstGeom prst="rect">
             <a:avLst/>
@@ -9414,6 +8795,15 @@
           </a:bodyPr>
           <a:lstStyle/>
           <a:p>
+            <a:r>
+              <a:rPr lang="en-US" dirty="0" err="1">
+                <a:solidFill>
+                  <a:srgbClr val="000000"/>
+                </a:solidFill>
+                <a:latin typeface="Arial" panose="020B0604020202020204" pitchFamily="34" charset="0"/>
+              </a:rPr>
+              <a:t>Subword</a:t>
+            </a:r>
             <a:r>
               <a:rPr lang="en-US" dirty="0">
                 <a:solidFill>
@@ -9421,7 +8811,16 @@
                 </a:solidFill>
                 <a:latin typeface="Arial" panose="020B0604020202020204" pitchFamily="34" charset="0"/>
               </a:rPr>
-              <a:t>Main Contribution</a:t>
+              <a:t> information </a:t>
+            </a:r>
+            <a:r>
+              <a:rPr lang="en-US" dirty="0" err="1">
+                <a:solidFill>
+                  <a:srgbClr val="000000"/>
+                </a:solidFill>
+                <a:latin typeface="Arial" panose="020B0604020202020204" pitchFamily="34" charset="0"/>
+              </a:rPr>
+              <a:t>Skipgram</a:t>
             </a:r>
             <a:endParaRPr lang="en-CO" dirty="0"/>
           </a:p>
@@ -9429,61 +8828,160 @@
       </p:sp>
       <p:sp>
         <p:nvSpPr>
-          <p:cNvPr id="3" name="TextBox 2">
+          <p:cNvPr id="2" name="Rectangle 1">
             <a:extLst>
               <a:ext uri="{FF2B5EF4-FFF2-40B4-BE49-F238E27FC236}">
-                <a16:creationId xmlns:a16="http://schemas.microsoft.com/office/drawing/2014/main" id="{14A44E5C-424F-3246-A6C9-0859BF213681}"/>
+                <a16:creationId xmlns:a16="http://schemas.microsoft.com/office/drawing/2014/main" id="{6F48851F-0535-4349-9CF1-B2E639A3BF33}"/>
               </a:ext>
             </a:extLst>
           </p:cNvPr>
-          <p:cNvSpPr txBox="1"/>
+          <p:cNvSpPr/>
           <p:nvPr/>
         </p:nvSpPr>
         <p:spPr>
           <a:xfrm>
-            <a:off x="1957093" y="2505670"/>
-            <a:ext cx="3858016" cy="1200329"/>
-          </a:xfrm>
-          <a:prstGeom prst="rect">
-            <a:avLst/>
-          </a:prstGeom>
-          <a:noFill/>
-        </p:spPr>
-        <p:txBody>
-          <a:bodyPr wrap="square" rtlCol="0">
+            <a:off x="657616" y="1878284"/>
+            <a:ext cx="4572000" cy="646331"/>
+          </a:xfrm>
+          <a:prstGeom prst="rect">
+            <a:avLst/>
+          </a:prstGeom>
+        </p:spPr>
+        <p:txBody>
+          <a:bodyPr>
             <a:spAutoFit/>
           </a:bodyPr>
           <a:lstStyle/>
           <a:p>
             <a:r>
+              <a:rPr lang="en-US" dirty="0">
+                <a:hlinkClick r:id="rId2"/>
+              </a:rPr>
+              <a:t>https://www.mitpressjournals.org/doi/abs/10.1162/tacl_a_00051#authorsTabList</a:t>
+            </a:r>
+            <a:endParaRPr lang="en-CO" dirty="0"/>
+          </a:p>
+        </p:txBody>
+      </p:sp>
+      <p:pic>
+        <p:nvPicPr>
+          <p:cNvPr id="3" name="Picture 2">
+            <a:extLst>
+              <a:ext uri="{FF2B5EF4-FFF2-40B4-BE49-F238E27FC236}">
+                <a16:creationId xmlns:a16="http://schemas.microsoft.com/office/drawing/2014/main" id="{FF6BA833-5506-4D40-A5E2-B463F25B9522}"/>
+              </a:ext>
+            </a:extLst>
+          </p:cNvPr>
+          <p:cNvPicPr>
+            <a:picLocks noChangeAspect="1"/>
+          </p:cNvPicPr>
+          <p:nvPr/>
+        </p:nvPicPr>
+        <p:blipFill>
+          <a:blip r:embed="rId3"/>
+          <a:stretch>
+            <a:fillRect/>
+          </a:stretch>
+        </p:blipFill>
+        <p:spPr>
+          <a:xfrm>
+            <a:off x="4309364" y="3231714"/>
+            <a:ext cx="2967736" cy="2229285"/>
+          </a:xfrm>
+          <a:prstGeom prst="rect">
+            <a:avLst/>
+          </a:prstGeom>
+        </p:spPr>
+      </p:pic>
+      <p:sp>
+        <p:nvSpPr>
+          <p:cNvPr id="4" name="Rectangle 3">
+            <a:extLst>
+              <a:ext uri="{FF2B5EF4-FFF2-40B4-BE49-F238E27FC236}">
+                <a16:creationId xmlns:a16="http://schemas.microsoft.com/office/drawing/2014/main" id="{D998F222-6039-174B-BDDD-DC105D3A94EB}"/>
+              </a:ext>
+            </a:extLst>
+          </p:cNvPr>
+          <p:cNvSpPr/>
+          <p:nvPr/>
+        </p:nvSpPr>
+        <p:spPr>
+          <a:xfrm>
+            <a:off x="523025" y="3682745"/>
+            <a:ext cx="3463320" cy="369332"/>
+          </a:xfrm>
+          <a:prstGeom prst="rect">
+            <a:avLst/>
+          </a:prstGeom>
+        </p:spPr>
+        <p:txBody>
+          <a:bodyPr wrap="none">
+            <a:spAutoFit/>
+          </a:bodyPr>
+          <a:lstStyle/>
+          <a:p>
+            <a:r>
+              <a:rPr lang="en-US" dirty="0">
+                <a:hlinkClick r:id="rId4"/>
+              </a:rPr>
+              <a:t>https://arxiv.org/abs/1607.04606</a:t>
+            </a:r>
+            <a:endParaRPr lang="en-CO" dirty="0"/>
+          </a:p>
+        </p:txBody>
+      </p:sp>
+      <p:sp>
+        <p:nvSpPr>
+          <p:cNvPr id="5" name="Rectangle 4">
+            <a:extLst>
+              <a:ext uri="{FF2B5EF4-FFF2-40B4-BE49-F238E27FC236}">
+                <a16:creationId xmlns:a16="http://schemas.microsoft.com/office/drawing/2014/main" id="{61AA3B81-E730-4AC8-842A-B5C8F5AB862A}"/>
+              </a:ext>
+            </a:extLst>
+          </p:cNvPr>
+          <p:cNvSpPr/>
+          <p:nvPr/>
+        </p:nvSpPr>
+        <p:spPr>
+          <a:xfrm>
+            <a:off x="169365" y="4321743"/>
+            <a:ext cx="2737464" cy="2031325"/>
+          </a:xfrm>
+          <a:prstGeom prst="rect">
+            <a:avLst/>
+          </a:prstGeom>
+        </p:spPr>
+        <p:txBody>
+          <a:bodyPr wrap="square">
+            <a:spAutoFit/>
+          </a:bodyPr>
+          <a:lstStyle/>
+          <a:p>
+            <a:r>
               <a:rPr lang="en-US" dirty="0"/>
-              <a:t>-</a:t>
-            </a:r>
-            <a:r>
-              <a:rPr lang="en-CO" dirty="0"/>
-              <a:t>Morphological languages.</a:t>
-            </a:r>
-            <a:endParaRPr lang="en-US" dirty="0"/>
+              <a:t>[Find graphic showing differences in new model]</a:t>
+            </a:r>
           </a:p>
           <a:p>
             <a:r>
               <a:rPr lang="en-US" dirty="0"/>
-              <a:t>-Good word representations with smaller datasets (Ref. Sect. 5.4)</a:t>
-            </a:r>
-          </a:p>
-          <a:p>
+              <a:t>[Put </a:t>
+            </a:r>
+            <a:r>
+              <a:rPr lang="en-US" dirty="0" err="1"/>
+              <a:t>skipgram</a:t>
+            </a:r>
             <a:r>
               <a:rPr lang="en-US" dirty="0"/>
-              <a:t>-Good rare word representations</a:t>
-            </a:r>
-            <a:endParaRPr lang="en-CO" dirty="0"/>
+              <a:t> eqn. or scoring functions from presentation here, per BW]</a:t>
+            </a:r>
           </a:p>
         </p:txBody>
       </p:sp>
     </p:spTree>
     <p:extLst>
       <p:ext uri="{BB962C8B-B14F-4D97-AF65-F5344CB8AC3E}">
-        <p14:creationId xmlns:p14="http://schemas.microsoft.com/office/powerpoint/2010/main" val="2066232038"/>
+        <p14:creationId xmlns:p14="http://schemas.microsoft.com/office/powerpoint/2010/main" val="2794149628"/>
       </p:ext>
     </p:extLst>
   </p:cSld>
@@ -9588,7 +9086,7 @@
           <p:cNvPr id="2" name="Rectangle 1">
             <a:extLst>
               <a:ext uri="{FF2B5EF4-FFF2-40B4-BE49-F238E27FC236}">
-                <a16:creationId xmlns:a16="http://schemas.microsoft.com/office/drawing/2014/main" id="{A898D070-DA9C-694C-A643-84E7053EFB42}"/>
+                <a16:creationId xmlns:a16="http://schemas.microsoft.com/office/drawing/2014/main" id="{A508D742-D411-CF4E-8CD4-0FBBDE41C8A5}"/>
               </a:ext>
             </a:extLst>
           </p:cNvPr>
@@ -9597,8 +9095,8 @@
         </p:nvSpPr>
         <p:spPr>
           <a:xfrm>
-            <a:off x="2994166" y="1002175"/>
-            <a:ext cx="2980303" cy="369332"/>
+            <a:off x="3973118" y="901967"/>
+            <a:ext cx="1197764" cy="369332"/>
           </a:xfrm>
           <a:prstGeom prst="rect">
             <a:avLst/>
@@ -9617,7 +9115,135 @@
                 </a:solidFill>
                 <a:latin typeface="Arial" panose="020B0604020202020204" pitchFamily="34" charset="0"/>
               </a:rPr>
-              <a:t>Background, why is it novel</a:t>
+              <a:t>Data Sets</a:t>
+            </a:r>
+            <a:endParaRPr lang="en-CO" dirty="0"/>
+          </a:p>
+        </p:txBody>
+      </p:sp>
+      <p:sp>
+        <p:nvSpPr>
+          <p:cNvPr id="7" name="TextBox 6">
+            <a:extLst>
+              <a:ext uri="{FF2B5EF4-FFF2-40B4-BE49-F238E27FC236}">
+                <a16:creationId xmlns:a16="http://schemas.microsoft.com/office/drawing/2014/main" id="{73AA65E9-A262-435F-A9EC-9DA95266E49D}"/>
+              </a:ext>
+            </a:extLst>
+          </p:cNvPr>
+          <p:cNvSpPr txBox="1"/>
+          <p:nvPr/>
+        </p:nvSpPr>
+        <p:spPr>
+          <a:xfrm>
+            <a:off x="494053" y="1272063"/>
+            <a:ext cx="3858016" cy="3139321"/>
+          </a:xfrm>
+          <a:prstGeom prst="rect">
+            <a:avLst/>
+          </a:prstGeom>
+          <a:noFill/>
+        </p:spPr>
+        <p:txBody>
+          <a:bodyPr wrap="square" rtlCol="0">
+            <a:spAutoFit/>
+          </a:bodyPr>
+          <a:lstStyle/>
+          <a:p>
+            <a:pPr marL="342900" indent="-342900">
+              <a:buAutoNum type="arabicPeriod"/>
+            </a:pPr>
+            <a:r>
+              <a:rPr lang="en-US" dirty="0"/>
+              <a:t>Word Representation</a:t>
+            </a:r>
+          </a:p>
+          <a:p>
+            <a:pPr marL="800100" lvl="1" indent="-342900">
+              <a:buAutoNum type="arabicPeriod"/>
+            </a:pPr>
+            <a:r>
+              <a:rPr lang="en-US" dirty="0"/>
+              <a:t>Dataset</a:t>
+            </a:r>
+          </a:p>
+          <a:p>
+            <a:pPr marL="1257300" lvl="2" indent="-342900">
+              <a:buAutoNum type="arabicPeriod"/>
+            </a:pPr>
+            <a:r>
+              <a:rPr lang="en-US" dirty="0"/>
+              <a:t>Structure</a:t>
+            </a:r>
+          </a:p>
+          <a:p>
+            <a:pPr marL="800100" lvl="1" indent="-342900">
+              <a:buAutoNum type="arabicPeriod"/>
+            </a:pPr>
+            <a:r>
+              <a:rPr lang="en-US" dirty="0"/>
+              <a:t>Dataset 2</a:t>
+            </a:r>
+          </a:p>
+          <a:p>
+            <a:pPr marL="1257300" lvl="2" indent="-342900">
+              <a:buAutoNum type="arabicPeriod"/>
+            </a:pPr>
+            <a:r>
+              <a:rPr lang="en-US" dirty="0"/>
+              <a:t>Structure</a:t>
+            </a:r>
+          </a:p>
+          <a:p>
+            <a:pPr marL="342900" indent="-342900">
+              <a:buAutoNum type="arabicPeriod"/>
+            </a:pPr>
+            <a:r>
+              <a:rPr lang="en-US" dirty="0"/>
+              <a:t>Text Classification (hate speech </a:t>
+            </a:r>
+            <a:r>
+              <a:rPr lang="en-US" dirty="0" err="1"/>
+              <a:t>detection,etc</a:t>
+            </a:r>
+            <a:r>
+              <a:rPr lang="en-US" dirty="0"/>
+              <a:t>)</a:t>
+            </a:r>
+          </a:p>
+          <a:p>
+            <a:pPr marL="800100" lvl="1" indent="-342900">
+              <a:buAutoNum type="arabicPeriod"/>
+            </a:pPr>
+            <a:r>
+              <a:rPr lang="en-US" dirty="0"/>
+              <a:t>Dataset</a:t>
+            </a:r>
+          </a:p>
+          <a:p>
+            <a:pPr marL="1257300" lvl="2" indent="-342900">
+              <a:buAutoNum type="arabicPeriod"/>
+            </a:pPr>
+            <a:r>
+              <a:rPr lang="en-US" dirty="0"/>
+              <a:t>Structure</a:t>
+            </a:r>
+          </a:p>
+          <a:p>
+            <a:pPr marL="800100" lvl="1" indent="-342900">
+              <a:buAutoNum type="arabicPeriod"/>
+            </a:pPr>
+            <a:r>
+              <a:rPr lang="en-US" dirty="0"/>
+              <a:t>Dataset 2</a:t>
+            </a:r>
+          </a:p>
+          <a:p>
+            <a:pPr marL="1257300" lvl="2" indent="-342900">
+              <a:buAutoNum type="arabicPeriod"/>
+            </a:pPr>
+            <a:r>
+              <a:rPr lang="en-US" dirty="0"/>
+              <a:t>Structure</a:t>
             </a:r>
             <a:endParaRPr lang="en-CO" dirty="0"/>
           </a:p>
@@ -9626,7 +9252,7 @@
     </p:spTree>
     <p:extLst>
       <p:ext uri="{BB962C8B-B14F-4D97-AF65-F5344CB8AC3E}">
-        <p14:creationId xmlns:p14="http://schemas.microsoft.com/office/powerpoint/2010/main" val="3847731984"/>
+        <p14:creationId xmlns:p14="http://schemas.microsoft.com/office/powerpoint/2010/main" val="8368034"/>
       </p:ext>
     </p:extLst>
   </p:cSld>
@@ -9637,7 +9263,7 @@
 </file>
 
 <file path=ppt/slides/slide7.xml><?xml version="1.0" encoding="utf-8"?>
-<p:sld xmlns:a="http://schemas.openxmlformats.org/drawingml/2006/main" xmlns:r="http://schemas.openxmlformats.org/officeDocument/2006/relationships" xmlns:p="http://schemas.openxmlformats.org/presentationml/2006/main">
+<p:sld xmlns:a="http://schemas.openxmlformats.org/drawingml/2006/main" xmlns:r="http://schemas.openxmlformats.org/officeDocument/2006/relationships" xmlns:p="http://schemas.openxmlformats.org/presentationml/2006/main" show="0">
   <p:cSld>
     <p:spTree>
       <p:nvGrpSpPr>
@@ -9994,7 +9620,7 @@
           <p:cNvPr id="2" name="Rectangle 1">
             <a:extLst>
               <a:ext uri="{FF2B5EF4-FFF2-40B4-BE49-F238E27FC236}">
-                <a16:creationId xmlns:a16="http://schemas.microsoft.com/office/drawing/2014/main" id="{4F3835CE-B9AA-9048-8964-D9046F6A0D8F}"/>
+                <a16:creationId xmlns:a16="http://schemas.microsoft.com/office/drawing/2014/main" id="{EC068493-07FD-A34E-AF93-B0D83101C167}"/>
               </a:ext>
             </a:extLst>
           </p:cNvPr>
@@ -10003,8 +9629,8 @@
         </p:nvSpPr>
         <p:spPr>
           <a:xfrm>
-            <a:off x="4184682" y="927019"/>
-            <a:ext cx="774636" cy="369332"/>
+            <a:off x="2998304" y="864389"/>
+            <a:ext cx="3531736" cy="369332"/>
           </a:xfrm>
           <a:prstGeom prst="rect">
             <a:avLst/>
@@ -10023,7 +9649,7 @@
                 </a:solidFill>
                 <a:latin typeface="Arial" panose="020B0604020202020204" pitchFamily="34" charset="0"/>
               </a:rPr>
-              <a:t>Tasks</a:t>
+              <a:t>Quantitative / Qualitative Results</a:t>
             </a:r>
             <a:endParaRPr lang="en-CO" dirty="0"/>
           </a:p>
@@ -10031,64 +9657,286 @@
       </p:sp>
       <p:sp>
         <p:nvSpPr>
-          <p:cNvPr id="3" name="TextBox 2">
+          <p:cNvPr id="3" name="Rectangle 2">
             <a:extLst>
               <a:ext uri="{FF2B5EF4-FFF2-40B4-BE49-F238E27FC236}">
-                <a16:creationId xmlns:a16="http://schemas.microsoft.com/office/drawing/2014/main" id="{B9C335A1-7BF8-41D1-B442-B792D78BA297}"/>
+                <a16:creationId xmlns:a16="http://schemas.microsoft.com/office/drawing/2014/main" id="{CA3AEA9E-434C-430F-B295-AF44041B0395}"/>
               </a:ext>
             </a:extLst>
           </p:cNvPr>
-          <p:cNvSpPr txBox="1"/>
+          <p:cNvSpPr/>
           <p:nvPr/>
         </p:nvSpPr>
         <p:spPr>
           <a:xfrm>
-            <a:off x="2091847" y="2430049"/>
-            <a:ext cx="3858016" cy="923330"/>
-          </a:xfrm>
-          <a:prstGeom prst="rect">
-            <a:avLst/>
-          </a:prstGeom>
-          <a:noFill/>
-        </p:spPr>
-        <p:txBody>
-          <a:bodyPr wrap="square" rtlCol="0">
+            <a:off x="101494" y="4840312"/>
+            <a:ext cx="4572000" cy="923330"/>
+          </a:xfrm>
+          <a:prstGeom prst="rect">
+            <a:avLst/>
+          </a:prstGeom>
+        </p:spPr>
+        <p:txBody>
+          <a:bodyPr>
             <a:spAutoFit/>
           </a:bodyPr>
           <a:lstStyle/>
           <a:p>
-            <a:pPr marL="342900" indent="-342900">
-              <a:buAutoNum type="arabicPeriod"/>
-            </a:pPr>
-            <a:r>
-              <a:rPr lang="en-US" dirty="0"/>
-              <a:t>Word Representation</a:t>
-            </a:r>
-          </a:p>
-          <a:p>
-            <a:pPr marL="342900" indent="-342900">
-              <a:buAutoNum type="arabicPeriod"/>
-            </a:pPr>
-            <a:r>
-              <a:rPr lang="en-US" dirty="0"/>
-              <a:t>Text Classification (hate speech </a:t>
-            </a:r>
-            <a:r>
-              <a:rPr lang="en-US" dirty="0" err="1"/>
-              <a:t>detection,etc</a:t>
-            </a:r>
-            <a:r>
-              <a:rPr lang="en-US" dirty="0"/>
-              <a:t>)</a:t>
-            </a:r>
-            <a:endParaRPr lang="en-CO" dirty="0"/>
-          </a:p>
-        </p:txBody>
-      </p:sp>
+            <a:r>
+              <a:rPr lang="en-US" sz="1100" dirty="0">
+                <a:latin typeface="NimbusRomNo9L"/>
+              </a:rPr>
+              <a:t>In most experiments (except in Sec. 5.3), we compare our model to the C implementation </a:t>
+            </a:r>
+            <a:r>
+              <a:rPr lang="en-US" sz="1100" dirty="0"/>
+              <a:t>of the </a:t>
+            </a:r>
+            <a:r>
+              <a:rPr lang="en-US" sz="1100" dirty="0" err="1"/>
+              <a:t>skipgram</a:t>
+            </a:r>
+            <a:r>
+              <a:rPr lang="en-US" sz="1100" dirty="0"/>
+              <a:t> and </a:t>
+            </a:r>
+            <a:r>
+              <a:rPr lang="en-US" sz="1100" dirty="0" err="1"/>
+              <a:t>cbow</a:t>
+            </a:r>
+            <a:r>
+              <a:rPr lang="en-US" sz="1100" dirty="0"/>
+              <a:t> models from the word2vec2 package</a:t>
+            </a:r>
+            <a:r>
+              <a:rPr lang="en-US" sz="1200" dirty="0"/>
+              <a:t>. </a:t>
+            </a:r>
+          </a:p>
+          <a:p>
+            <a:endParaRPr lang="en-US" dirty="0"/>
+          </a:p>
+        </p:txBody>
+      </p:sp>
+      <p:sp>
+        <p:nvSpPr>
+          <p:cNvPr id="4" name="Rectangle 3">
+            <a:extLst>
+              <a:ext uri="{FF2B5EF4-FFF2-40B4-BE49-F238E27FC236}">
+                <a16:creationId xmlns:a16="http://schemas.microsoft.com/office/drawing/2014/main" id="{376960B4-2307-4284-BF3A-AC674A3846D7}"/>
+              </a:ext>
+            </a:extLst>
+          </p:cNvPr>
+          <p:cNvSpPr/>
+          <p:nvPr/>
+        </p:nvSpPr>
+        <p:spPr>
+          <a:xfrm>
+            <a:off x="4572000" y="5171172"/>
+            <a:ext cx="4572000" cy="1200329"/>
+          </a:xfrm>
+          <a:prstGeom prst="rect">
+            <a:avLst/>
+          </a:prstGeom>
+        </p:spPr>
+        <p:txBody>
+          <a:bodyPr>
+            <a:spAutoFit/>
+          </a:bodyPr>
+          <a:lstStyle/>
+          <a:p>
+            <a:r>
+              <a:rPr lang="en-US" sz="1200" dirty="0">
+                <a:latin typeface="NimbusRomNo9L"/>
+              </a:rPr>
+              <a:t>5.3 Comparison with morphological representations </a:t>
+            </a:r>
+            <a:endParaRPr lang="en-US" sz="1200" dirty="0"/>
+          </a:p>
+          <a:p>
+            <a:r>
+              <a:rPr lang="en-US" sz="1200" dirty="0">
+                <a:latin typeface="NimbusRomNo9L"/>
+              </a:rPr>
+              <a:t>We also compare our approach to previous work on word vectors incorporating </a:t>
+            </a:r>
+            <a:r>
+              <a:rPr lang="en-US" sz="1200" dirty="0" err="1">
+                <a:latin typeface="NimbusRomNo9L"/>
+              </a:rPr>
+              <a:t>subword</a:t>
+            </a:r>
+            <a:r>
+              <a:rPr lang="en-US" sz="1200" dirty="0">
+                <a:latin typeface="NimbusRomNo9L"/>
+              </a:rPr>
+              <a:t> information on word similarity tasks. The methods used are: the recursive neural network of Luong et al. (2013), the morpheme </a:t>
+            </a:r>
+            <a:r>
+              <a:rPr lang="en-US" sz="1200" dirty="0" err="1">
+                <a:latin typeface="NimbusMonL"/>
+              </a:rPr>
+              <a:t>cbow</a:t>
+            </a:r>
+            <a:r>
+              <a:rPr lang="en-US" sz="1200" dirty="0">
+                <a:latin typeface="NimbusMonL"/>
+              </a:rPr>
+              <a:t> </a:t>
+            </a:r>
+            <a:r>
+              <a:rPr lang="en-US" sz="1200" dirty="0">
+                <a:latin typeface="NimbusRomNo9L"/>
+              </a:rPr>
+              <a:t>of </a:t>
+            </a:r>
+            <a:r>
+              <a:rPr lang="en-US" sz="1200" dirty="0" err="1">
+                <a:latin typeface="NimbusRomNo9L"/>
+              </a:rPr>
+              <a:t>Qiu</a:t>
+            </a:r>
+            <a:r>
+              <a:rPr lang="en-US" sz="1200" dirty="0">
+                <a:latin typeface="NimbusRomNo9L"/>
+              </a:rPr>
+              <a:t> et al. (2014) and the morphological transformations of </a:t>
+            </a:r>
+            <a:r>
+              <a:rPr lang="en-US" sz="1200" dirty="0" err="1">
+                <a:latin typeface="NimbusRomNo9L"/>
+              </a:rPr>
+              <a:t>Soricut</a:t>
+            </a:r>
+            <a:r>
+              <a:rPr lang="en-US" sz="1200" dirty="0">
+                <a:latin typeface="NimbusRomNo9L"/>
+              </a:rPr>
+              <a:t> and </a:t>
+            </a:r>
+            <a:r>
+              <a:rPr lang="en-US" sz="1200" dirty="0" err="1">
+                <a:latin typeface="NimbusRomNo9L"/>
+              </a:rPr>
+              <a:t>Och</a:t>
+            </a:r>
+            <a:r>
+              <a:rPr lang="en-US" sz="1200" dirty="0">
+                <a:latin typeface="NimbusRomNo9L"/>
+              </a:rPr>
+              <a:t> (2015). </a:t>
+            </a:r>
+            <a:endParaRPr lang="en-US" sz="1200" dirty="0"/>
+          </a:p>
+        </p:txBody>
+      </p:sp>
+      <p:sp>
+        <p:nvSpPr>
+          <p:cNvPr id="6" name="Rectangle 5">
+            <a:extLst>
+              <a:ext uri="{FF2B5EF4-FFF2-40B4-BE49-F238E27FC236}">
+                <a16:creationId xmlns:a16="http://schemas.microsoft.com/office/drawing/2014/main" id="{6E763CA1-9686-4321-A3D3-9682AFE5495C}"/>
+              </a:ext>
+            </a:extLst>
+          </p:cNvPr>
+          <p:cNvSpPr/>
+          <p:nvPr/>
+        </p:nvSpPr>
+        <p:spPr>
+          <a:xfrm>
+            <a:off x="90121" y="5432782"/>
+            <a:ext cx="4572000" cy="938719"/>
+          </a:xfrm>
+          <a:prstGeom prst="rect">
+            <a:avLst/>
+          </a:prstGeom>
+        </p:spPr>
+        <p:txBody>
+          <a:bodyPr>
+            <a:spAutoFit/>
+          </a:bodyPr>
+          <a:lstStyle/>
+          <a:p>
+            <a:r>
+              <a:rPr lang="en-US" sz="1100" dirty="0">
+                <a:latin typeface="NimbusRomNo9L"/>
+              </a:rPr>
+              <a:t>We evaluate our model in five experiments: an eval- </a:t>
+            </a:r>
+            <a:r>
+              <a:rPr lang="en-US" sz="1100" dirty="0" err="1">
+                <a:latin typeface="NimbusRomNo9L"/>
+              </a:rPr>
+              <a:t>uation</a:t>
+            </a:r>
+            <a:r>
+              <a:rPr lang="en-US" sz="1100" dirty="0">
+                <a:latin typeface="NimbusRomNo9L"/>
+              </a:rPr>
+              <a:t> of word similarity and word analogies, a com- </a:t>
+            </a:r>
+            <a:r>
+              <a:rPr lang="en-US" sz="1100" dirty="0" err="1">
+                <a:latin typeface="NimbusRomNo9L"/>
+              </a:rPr>
+              <a:t>parison</a:t>
+            </a:r>
+            <a:r>
+              <a:rPr lang="en-US" sz="1100" dirty="0">
+                <a:latin typeface="NimbusRomNo9L"/>
+              </a:rPr>
+              <a:t> to state-of-the-art methods, an analysis of the effect of the size of training data and of the size of character </a:t>
+            </a:r>
+            <a:r>
+              <a:rPr lang="en-US" sz="1100" dirty="0">
+                <a:latin typeface="CMMI10"/>
+              </a:rPr>
+              <a:t>n</a:t>
+            </a:r>
+            <a:r>
+              <a:rPr lang="en-US" sz="1100" dirty="0">
+                <a:latin typeface="NimbusRomNo9L"/>
+              </a:rPr>
+              <a:t>-grams that we consider. We will de- scribe these experiments in detail in the following sections. </a:t>
+            </a:r>
+            <a:endParaRPr lang="en-US" sz="1100" dirty="0"/>
+          </a:p>
+        </p:txBody>
+      </p:sp>
+      <p:pic>
+        <p:nvPicPr>
+          <p:cNvPr id="10" name="Picture 9">
+            <a:extLst>
+              <a:ext uri="{FF2B5EF4-FFF2-40B4-BE49-F238E27FC236}">
+                <a16:creationId xmlns:a16="http://schemas.microsoft.com/office/drawing/2014/main" id="{1D31E707-FBB3-4F42-9BCC-8525933EF56E}"/>
+              </a:ext>
+            </a:extLst>
+          </p:cNvPr>
+          <p:cNvPicPr>
+            <a:picLocks noChangeAspect="1"/>
+          </p:cNvPicPr>
+          <p:nvPr/>
+        </p:nvPicPr>
+        <p:blipFill>
+          <a:blip r:embed="rId2"/>
+          <a:stretch>
+            <a:fillRect/>
+          </a:stretch>
+        </p:blipFill>
+        <p:spPr>
+          <a:xfrm>
+            <a:off x="384703" y="1367086"/>
+            <a:ext cx="2791634" cy="2500614"/>
+          </a:xfrm>
+          <a:prstGeom prst="rect">
+            <a:avLst/>
+          </a:prstGeom>
+        </p:spPr>
+      </p:pic>
     </p:spTree>
     <p:extLst>
       <p:ext uri="{BB962C8B-B14F-4D97-AF65-F5344CB8AC3E}">
-        <p14:creationId xmlns:p14="http://schemas.microsoft.com/office/powerpoint/2010/main" val="1343202356"/>
+        <p14:creationId xmlns:p14="http://schemas.microsoft.com/office/powerpoint/2010/main" val="1254982742"/>
       </p:ext>
     </p:extLst>
   </p:cSld>
@@ -10193,7 +10041,7 @@
           <p:cNvPr id="2" name="Rectangle 1">
             <a:extLst>
               <a:ext uri="{FF2B5EF4-FFF2-40B4-BE49-F238E27FC236}">
-                <a16:creationId xmlns:a16="http://schemas.microsoft.com/office/drawing/2014/main" id="{D9B810AF-7BF5-8448-B0EA-2970A731A7AD}"/>
+                <a16:creationId xmlns:a16="http://schemas.microsoft.com/office/drawing/2014/main" id="{B5986EB7-9E4C-084D-9A56-87E64506A958}"/>
               </a:ext>
             </a:extLst>
           </p:cNvPr>
@@ -10202,8 +10050,8 @@
         </p:nvSpPr>
         <p:spPr>
           <a:xfrm>
-            <a:off x="2915136" y="889441"/>
-            <a:ext cx="3313728" cy="369332"/>
+            <a:off x="2408587" y="839337"/>
+            <a:ext cx="4326826" cy="369332"/>
           </a:xfrm>
           <a:prstGeom prst="rect">
             <a:avLst/>
@@ -10222,7 +10070,7 @@
                 </a:solidFill>
                 <a:latin typeface="Arial" panose="020B0604020202020204" pitchFamily="34" charset="0"/>
               </a:rPr>
-              <a:t>Approach, Baselines, Methods</a:t>
+              <a:t>Why is it relevant? Why did they write it?</a:t>
             </a:r>
             <a:endParaRPr lang="en-CO" dirty="0"/>
           </a:p>
@@ -10230,10 +10078,10 @@
       </p:sp>
       <p:sp>
         <p:nvSpPr>
-          <p:cNvPr id="4" name="Rectangle 3">
+          <p:cNvPr id="3" name="Rectangle 2">
             <a:extLst>
               <a:ext uri="{FF2B5EF4-FFF2-40B4-BE49-F238E27FC236}">
-                <a16:creationId xmlns:a16="http://schemas.microsoft.com/office/drawing/2014/main" id="{B109DBD3-F8B9-1343-A42D-DD7B4BF0FEEB}"/>
+                <a16:creationId xmlns:a16="http://schemas.microsoft.com/office/drawing/2014/main" id="{E849072D-FFEC-2D42-8362-0EF41FE22F93}"/>
               </a:ext>
             </a:extLst>
           </p:cNvPr>
@@ -10242,15 +10090,15 @@
         </p:nvSpPr>
         <p:spPr>
           <a:xfrm>
-            <a:off x="494778" y="1951672"/>
-            <a:ext cx="4572000" cy="1477328"/>
-          </a:xfrm>
-          <a:prstGeom prst="rect">
-            <a:avLst/>
-          </a:prstGeom>
-        </p:spPr>
-        <p:txBody>
-          <a:bodyPr>
+            <a:off x="480959" y="1503122"/>
+            <a:ext cx="8324837" cy="3693319"/>
+          </a:xfrm>
+          <a:prstGeom prst="rect">
+            <a:avLst/>
+          </a:prstGeom>
+        </p:spPr>
+        <p:txBody>
+          <a:bodyPr wrap="square">
             <a:spAutoFit/>
           </a:bodyPr>
           <a:lstStyle/>
@@ -10259,141 +10107,43 @@
               <a:rPr lang="en-US" dirty="0">
                 <a:latin typeface="NimbusRomNo9L"/>
               </a:rPr>
-              <a:t>In most experiments (except in Sec. 5.3), we compare our model to the C implementation </a:t>
-            </a:r>
-            <a:r>
-              <a:rPr lang="en-US" dirty="0"/>
-              <a:t>of the </a:t>
-            </a:r>
-            <a:r>
-              <a:rPr lang="en-US" dirty="0" err="1"/>
+              <a:t>Continuous word representations, trained on large unlabeled corpora are useful for many natural language processing tasks. Popular models that learn such representations ignore the morphology of words, by assigning a distinct vector to each word. This is a limitation, especially for languages with large vocabularies and many rare words. In this paper, we propose a new approach based on the </a:t>
+            </a:r>
+            <a:r>
+              <a:rPr lang="en-US" dirty="0" err="1">
+                <a:latin typeface="NimbusRomNo9L"/>
+              </a:rPr>
               <a:t>skipgram</a:t>
             </a:r>
-            <a:r>
-              <a:rPr lang="en-US" dirty="0"/>
-              <a:t> and </a:t>
-            </a:r>
-            <a:r>
-              <a:rPr lang="en-US" dirty="0" err="1"/>
-              <a:t>cbow</a:t>
-            </a:r>
-            <a:r>
-              <a:rPr lang="en-US" dirty="0"/>
-              <a:t> models from the word2vec2 package. </a:t>
-            </a:r>
-          </a:p>
-          <a:p>
-            <a:endParaRPr lang="en-US" dirty="0"/>
-          </a:p>
-        </p:txBody>
-      </p:sp>
-      <p:sp>
-        <p:nvSpPr>
-          <p:cNvPr id="5" name="Rectangle 4">
-            <a:extLst>
-              <a:ext uri="{FF2B5EF4-FFF2-40B4-BE49-F238E27FC236}">
-                <a16:creationId xmlns:a16="http://schemas.microsoft.com/office/drawing/2014/main" id="{BCF3A86E-3C71-9C4B-AEFD-0B7638FBF589}"/>
-              </a:ext>
-            </a:extLst>
-          </p:cNvPr>
-          <p:cNvSpPr/>
-          <p:nvPr/>
-        </p:nvSpPr>
-        <p:spPr>
-          <a:xfrm>
-            <a:off x="4453003" y="3429000"/>
-            <a:ext cx="4572000" cy="2862322"/>
-          </a:xfrm>
-          <a:prstGeom prst="rect">
-            <a:avLst/>
-          </a:prstGeom>
-        </p:spPr>
-        <p:txBody>
-          <a:bodyPr>
-            <a:spAutoFit/>
-          </a:bodyPr>
-          <a:lstStyle/>
-          <a:p>
             <a:r>
               <a:rPr lang="en-US" dirty="0">
                 <a:latin typeface="NimbusRomNo9L"/>
               </a:rPr>
-              <a:t>5.3 Comparison with morphological representations </a:t>
-            </a:r>
-            <a:endParaRPr lang="en-US" dirty="0"/>
-          </a:p>
-          <a:p>
+              <a:t> model, where each word is represented as a bag of character </a:t>
+            </a:r>
+            <a:r>
+              <a:rPr lang="en-US" dirty="0">
+                <a:latin typeface="CMMI10"/>
+              </a:rPr>
+              <a:t>n</a:t>
+            </a:r>
             <a:r>
               <a:rPr lang="en-US" dirty="0">
                 <a:latin typeface="NimbusRomNo9L"/>
               </a:rPr>
-              <a:t>We also compare our approach to previous work on word vectors incorporating </a:t>
-            </a:r>
-            <a:r>
-              <a:rPr lang="en-US" dirty="0" err="1">
-                <a:latin typeface="NimbusRomNo9L"/>
-              </a:rPr>
-              <a:t>subword</a:t>
+              <a:t>-grams. A vector representation is associated to each character </a:t>
+            </a:r>
+            <a:r>
+              <a:rPr lang="en-US" dirty="0">
+                <a:latin typeface="CMMI10"/>
+              </a:rPr>
+              <a:t>n</a:t>
             </a:r>
             <a:r>
               <a:rPr lang="en-US" dirty="0">
                 <a:latin typeface="NimbusRomNo9L"/>
               </a:rPr>
-              <a:t> information on word similarity tasks. The methods used are: the recursive neural network of Luong et al. (2013), the morpheme </a:t>
-            </a:r>
-            <a:r>
-              <a:rPr lang="en-US" dirty="0" err="1">
-                <a:latin typeface="NimbusMonL"/>
-              </a:rPr>
-              <a:t>cbow</a:t>
-            </a:r>
-            <a:r>
-              <a:rPr lang="en-US" dirty="0">
-                <a:latin typeface="NimbusMonL"/>
-              </a:rPr>
-              <a:t> </a:t>
-            </a:r>
-            <a:r>
-              <a:rPr lang="en-US" dirty="0">
-                <a:latin typeface="NimbusRomNo9L"/>
-              </a:rPr>
-              <a:t>of </a:t>
-            </a:r>
-            <a:r>
-              <a:rPr lang="en-US" dirty="0" err="1">
-                <a:latin typeface="NimbusRomNo9L"/>
-              </a:rPr>
-              <a:t>Qiu</a:t>
-            </a:r>
-            <a:r>
-              <a:rPr lang="en-US" dirty="0">
-                <a:latin typeface="NimbusRomNo9L"/>
-              </a:rPr>
-              <a:t> et al. (2014) and the morphological transformations of </a:t>
-            </a:r>
-            <a:r>
-              <a:rPr lang="en-US" dirty="0" err="1">
-                <a:latin typeface="NimbusRomNo9L"/>
-              </a:rPr>
-              <a:t>Soricut</a:t>
-            </a:r>
-            <a:r>
-              <a:rPr lang="en-US" dirty="0">
-                <a:latin typeface="NimbusRomNo9L"/>
-              </a:rPr>
-              <a:t> and </a:t>
-            </a:r>
-            <a:r>
-              <a:rPr lang="en-US" dirty="0" err="1">
-                <a:latin typeface="NimbusRomNo9L"/>
-              </a:rPr>
-              <a:t>Och</a:t>
-            </a:r>
-            <a:r>
-              <a:rPr lang="en-US" dirty="0">
-                <a:latin typeface="NimbusRomNo9L"/>
-              </a:rPr>
-              <a:t> (2015). </a:t>
+              <a:t>-gram; words being represented as the sum of these representations. Our method is fast, allowing to train models on large corpora quickly and allows us to compute word representations for words that did not appear in the training data. We evaluate our word representations on nine different languages, both on word similarity and analogy tasks. By comparing to recently proposed morphological word representations, we show that our vectors achieve state-of-the-art performance on these tasks. </a:t>
             </a:r>
             <a:endParaRPr lang="en-US" dirty="0"/>
           </a:p>
@@ -10402,7 +10152,7 @@
     </p:spTree>
     <p:extLst>
       <p:ext uri="{BB962C8B-B14F-4D97-AF65-F5344CB8AC3E}">
-        <p14:creationId xmlns:p14="http://schemas.microsoft.com/office/powerpoint/2010/main" val="105550911"/>
+        <p14:creationId xmlns:p14="http://schemas.microsoft.com/office/powerpoint/2010/main" val="4086899568"/>
       </p:ext>
     </p:extLst>
   </p:cSld>

--- a/Presentation_Subword.pptx
+++ b/Presentation_Subword.pptx
@@ -6,24 +6,29 @@
     <p:sldMasterId id="2147483661" r:id="rId2"/>
   </p:sldMasterIdLst>
   <p:notesMasterIdLst>
-    <p:notesMasterId r:id="rId18"/>
+    <p:notesMasterId r:id="rId23"/>
   </p:notesMasterIdLst>
   <p:sldIdLst>
     <p:sldId id="367" r:id="rId3"/>
     <p:sldId id="257" r:id="rId4"/>
     <p:sldId id="387" r:id="rId5"/>
     <p:sldId id="385" r:id="rId6"/>
-    <p:sldId id="370" r:id="rId7"/>
-    <p:sldId id="399" r:id="rId8"/>
-    <p:sldId id="386" r:id="rId9"/>
-    <p:sldId id="391" r:id="rId10"/>
-    <p:sldId id="383" r:id="rId11"/>
-    <p:sldId id="384" r:id="rId12"/>
-    <p:sldId id="392" r:id="rId13"/>
-    <p:sldId id="396" r:id="rId14"/>
-    <p:sldId id="398" r:id="rId15"/>
-    <p:sldId id="393" r:id="rId16"/>
-    <p:sldId id="382" r:id="rId17"/>
+    <p:sldId id="400" r:id="rId7"/>
+    <p:sldId id="401" r:id="rId8"/>
+    <p:sldId id="370" r:id="rId9"/>
+    <p:sldId id="399" r:id="rId10"/>
+    <p:sldId id="386" r:id="rId11"/>
+    <p:sldId id="391" r:id="rId12"/>
+    <p:sldId id="383" r:id="rId13"/>
+    <p:sldId id="384" r:id="rId14"/>
+    <p:sldId id="392" r:id="rId15"/>
+    <p:sldId id="396" r:id="rId16"/>
+    <p:sldId id="402" r:id="rId17"/>
+    <p:sldId id="403" r:id="rId18"/>
+    <p:sldId id="404" r:id="rId19"/>
+    <p:sldId id="398" r:id="rId20"/>
+    <p:sldId id="393" r:id="rId21"/>
+    <p:sldId id="382" r:id="rId22"/>
   </p:sldIdLst>
   <p:sldSz cx="9144000" cy="6858000" type="screen4x3"/>
   <p:notesSz cx="9928225" cy="6797675"/>
@@ -460,6 +465,1288 @@
     </a:lvl9pPr>
   </p:notesStyle>
 </p:notesMaster>
+</file>
+
+<file path=ppt/notesSlides/notesSlide1.xml><?xml version="1.0" encoding="utf-8"?>
+<p:notes xmlns:a="http://schemas.openxmlformats.org/drawingml/2006/main" xmlns:r="http://schemas.openxmlformats.org/officeDocument/2006/relationships" xmlns:p="http://schemas.openxmlformats.org/presentationml/2006/main">
+  <p:cSld>
+    <p:spTree>
+      <p:nvGrpSpPr>
+        <p:cNvPr id="1" name=""/>
+        <p:cNvGrpSpPr/>
+        <p:nvPr/>
+      </p:nvGrpSpPr>
+      <p:grpSpPr>
+        <a:xfrm>
+          <a:off x="0" y="0"/>
+          <a:ext cx="0" cy="0"/>
+          <a:chOff x="0" y="0"/>
+          <a:chExt cx="0" cy="0"/>
+        </a:xfrm>
+      </p:grpSpPr>
+      <p:sp>
+        <p:nvSpPr>
+          <p:cNvPr id="2" name="Slide Image Placeholder 1"/>
+          <p:cNvSpPr>
+            <a:spLocks noGrp="1" noRot="1" noChangeAspect="1"/>
+          </p:cNvSpPr>
+          <p:nvPr>
+            <p:ph type="sldImg"/>
+          </p:nvPr>
+        </p:nvSpPr>
+        <p:spPr>
+          <a:xfrm>
+            <a:off x="1370013" y="763588"/>
+            <a:ext cx="5030787" cy="3771900"/>
+          </a:xfrm>
+        </p:spPr>
+      </p:sp>
+      <p:sp>
+        <p:nvSpPr>
+          <p:cNvPr id="3" name="Notes Placeholder 2"/>
+          <p:cNvSpPr>
+            <a:spLocks noGrp="1"/>
+          </p:cNvSpPr>
+          <p:nvPr>
+            <p:ph type="body" idx="1"/>
+          </p:nvPr>
+        </p:nvSpPr>
+        <p:spPr/>
+        <p:txBody>
+          <a:bodyPr/>
+          <a:lstStyle/>
+          <a:p>
+            <a:pPr marL="0" marR="0" lvl="0" indent="0" algn="l" defTabSz="914400" rtl="0" eaLnBrk="1" fontAlgn="auto" latinLnBrk="0" hangingPunct="1">
+              <a:lnSpc>
+                <a:spcPct val="100000"/>
+              </a:lnSpc>
+              <a:spcBef>
+                <a:spcPts val="0"/>
+              </a:spcBef>
+              <a:spcAft>
+                <a:spcPts val="0"/>
+              </a:spcAft>
+              <a:buClrTx/>
+              <a:buSzTx/>
+              <a:buFontTx/>
+              <a:buNone/>
+              <a:tabLst/>
+              <a:defRPr/>
+            </a:pPr>
+            <a:r>
+              <a:rPr lang="en-US" dirty="0">
+                <a:latin typeface="NimbusRomNo9L"/>
+              </a:rPr>
+              <a:t>[Pull definitions from class presentations and make sure we understand these tasks.]</a:t>
+            </a:r>
+            <a:endParaRPr lang="en-US" dirty="0"/>
+          </a:p>
+          <a:p>
+            <a:endParaRPr lang="en-CO" dirty="0"/>
+          </a:p>
+        </p:txBody>
+      </p:sp>
+      <p:sp>
+        <p:nvSpPr>
+          <p:cNvPr id="4" name="Slide Number Placeholder 3"/>
+          <p:cNvSpPr>
+            <a:spLocks noGrp="1"/>
+          </p:cNvSpPr>
+          <p:nvPr>
+            <p:ph type="sldNum"/>
+          </p:nvPr>
+        </p:nvSpPr>
+        <p:spPr/>
+        <p:txBody>
+          <a:bodyPr/>
+          <a:lstStyle/>
+          <a:p>
+            <a:pPr algn="r"/>
+            <a:fld id="{D10B2105-225F-4FE3-849A-7975E719A850}" type="slidenum">
+              <a:rPr lang="en-GB" sz="1400" b="0" strike="noStrike" spc="-1" smtClean="0">
+                <a:latin typeface="Times New Roman"/>
+              </a:rPr>
+              <a:t>3</a:t>
+            </a:fld>
+            <a:endParaRPr lang="en-GB" sz="1400" b="0" strike="noStrike" spc="-1">
+              <a:latin typeface="Times New Roman"/>
+            </a:endParaRPr>
+          </a:p>
+        </p:txBody>
+      </p:sp>
+    </p:spTree>
+    <p:extLst>
+      <p:ext uri="{BB962C8B-B14F-4D97-AF65-F5344CB8AC3E}">
+        <p14:creationId xmlns:p14="http://schemas.microsoft.com/office/powerpoint/2010/main" val="2334264532"/>
+      </p:ext>
+    </p:extLst>
+  </p:cSld>
+  <p:clrMapOvr>
+    <a:masterClrMapping/>
+  </p:clrMapOvr>
+</p:notes>
+</file>
+
+<file path=ppt/notesSlides/notesSlide2.xml><?xml version="1.0" encoding="utf-8"?>
+<p:notes xmlns:a="http://schemas.openxmlformats.org/drawingml/2006/main" xmlns:r="http://schemas.openxmlformats.org/officeDocument/2006/relationships" xmlns:p="http://schemas.openxmlformats.org/presentationml/2006/main">
+  <p:cSld>
+    <p:spTree>
+      <p:nvGrpSpPr>
+        <p:cNvPr id="1" name=""/>
+        <p:cNvGrpSpPr/>
+        <p:nvPr/>
+      </p:nvGrpSpPr>
+      <p:grpSpPr>
+        <a:xfrm>
+          <a:off x="0" y="0"/>
+          <a:ext cx="0" cy="0"/>
+          <a:chOff x="0" y="0"/>
+          <a:chExt cx="0" cy="0"/>
+        </a:xfrm>
+      </p:grpSpPr>
+      <p:sp>
+        <p:nvSpPr>
+          <p:cNvPr id="2" name="Slide Image Placeholder 1"/>
+          <p:cNvSpPr>
+            <a:spLocks noGrp="1" noRot="1" noChangeAspect="1"/>
+          </p:cNvSpPr>
+          <p:nvPr>
+            <p:ph type="sldImg"/>
+          </p:nvPr>
+        </p:nvSpPr>
+        <p:spPr>
+          <a:xfrm>
+            <a:off x="1370013" y="763588"/>
+            <a:ext cx="5030787" cy="3771900"/>
+          </a:xfrm>
+        </p:spPr>
+      </p:sp>
+      <p:sp>
+        <p:nvSpPr>
+          <p:cNvPr id="3" name="Notes Placeholder 2"/>
+          <p:cNvSpPr>
+            <a:spLocks noGrp="1"/>
+          </p:cNvSpPr>
+          <p:nvPr>
+            <p:ph type="body" idx="1"/>
+          </p:nvPr>
+        </p:nvSpPr>
+        <p:spPr/>
+        <p:txBody>
+          <a:bodyPr/>
+          <a:lstStyle/>
+          <a:p>
+            <a:pPr marL="0" marR="0" lvl="0" indent="0" algn="l" defTabSz="914400" rtl="0" eaLnBrk="1" fontAlgn="auto" latinLnBrk="0" hangingPunct="1">
+              <a:lnSpc>
+                <a:spcPct val="100000"/>
+              </a:lnSpc>
+              <a:spcBef>
+                <a:spcPts val="0"/>
+              </a:spcBef>
+              <a:spcAft>
+                <a:spcPts val="0"/>
+              </a:spcAft>
+              <a:buClrTx/>
+              <a:buSzTx/>
+              <a:buFontTx/>
+              <a:buNone/>
+              <a:tabLst/>
+              <a:defRPr/>
+            </a:pPr>
+            <a:r>
+              <a:rPr lang="en-US" dirty="0"/>
+              <a:t>[Also reference papers here (maybe with timeline?) 3 papers – CBOW, continuous </a:t>
+            </a:r>
+            <a:r>
+              <a:rPr lang="en-US" dirty="0" err="1"/>
+              <a:t>skipgram</a:t>
+            </a:r>
+            <a:r>
+              <a:rPr lang="en-US" dirty="0"/>
+              <a:t>, and character-level neural networks (RNN and CNN)]</a:t>
+            </a:r>
+          </a:p>
+          <a:p>
+            <a:pPr marL="0" marR="0" lvl="0" indent="0" algn="l" defTabSz="914400" rtl="0" eaLnBrk="1" fontAlgn="auto" latinLnBrk="0" hangingPunct="1">
+              <a:lnSpc>
+                <a:spcPct val="100000"/>
+              </a:lnSpc>
+              <a:spcBef>
+                <a:spcPts val="0"/>
+              </a:spcBef>
+              <a:spcAft>
+                <a:spcPts val="0"/>
+              </a:spcAft>
+              <a:buClrTx/>
+              <a:buSzTx/>
+              <a:buFontTx/>
+              <a:buNone/>
+              <a:tabLst/>
+              <a:defRPr/>
+            </a:pPr>
+            <a:endParaRPr lang="en-US" dirty="0"/>
+          </a:p>
+          <a:p>
+            <a:pPr marL="0" marR="0" lvl="0" indent="0" algn="l" defTabSz="914400" rtl="0" eaLnBrk="1" fontAlgn="auto" latinLnBrk="0" hangingPunct="1">
+              <a:lnSpc>
+                <a:spcPct val="100000"/>
+              </a:lnSpc>
+              <a:spcBef>
+                <a:spcPts val="0"/>
+              </a:spcBef>
+              <a:spcAft>
+                <a:spcPts val="0"/>
+              </a:spcAft>
+              <a:buClrTx/>
+              <a:buSzTx/>
+              <a:buFontTx/>
+              <a:buNone/>
+              <a:tabLst/>
+              <a:defRPr/>
+            </a:pPr>
+            <a:r>
+              <a:rPr lang="en-US" sz="1200" b="0" i="0" kern="1200" dirty="0">
+                <a:solidFill>
+                  <a:schemeClr val="tx1"/>
+                </a:solidFill>
+                <a:effectLst/>
+                <a:latin typeface="+mn-lt"/>
+                <a:ea typeface="+mn-ea"/>
+                <a:cs typeface="+mn-cs"/>
+              </a:rPr>
+              <a:t>The CBOW model architecture tries to predict the current target word (the center word) based on the source context words (surrounding words).</a:t>
+            </a:r>
+          </a:p>
+          <a:p>
+            <a:pPr marL="0" marR="0" lvl="0" indent="0" algn="l" defTabSz="914400" rtl="0" eaLnBrk="1" fontAlgn="auto" latinLnBrk="0" hangingPunct="1">
+              <a:lnSpc>
+                <a:spcPct val="100000"/>
+              </a:lnSpc>
+              <a:spcBef>
+                <a:spcPts val="0"/>
+              </a:spcBef>
+              <a:spcAft>
+                <a:spcPts val="0"/>
+              </a:spcAft>
+              <a:buClrTx/>
+              <a:buSzTx/>
+              <a:buFontTx/>
+              <a:buNone/>
+              <a:tabLst/>
+              <a:defRPr/>
+            </a:pPr>
+            <a:endParaRPr lang="en-US" sz="1200" b="0" i="0" kern="1200" dirty="0">
+              <a:solidFill>
+                <a:schemeClr val="tx1"/>
+              </a:solidFill>
+              <a:effectLst/>
+              <a:latin typeface="+mn-lt"/>
+              <a:ea typeface="+mn-ea"/>
+              <a:cs typeface="+mn-cs"/>
+            </a:endParaRPr>
+          </a:p>
+          <a:p>
+            <a:pPr marL="0" marR="0" lvl="0" indent="0" algn="l" defTabSz="914400" rtl="0" eaLnBrk="1" fontAlgn="auto" latinLnBrk="0" hangingPunct="1">
+              <a:lnSpc>
+                <a:spcPct val="100000"/>
+              </a:lnSpc>
+              <a:spcBef>
+                <a:spcPts val="0"/>
+              </a:spcBef>
+              <a:spcAft>
+                <a:spcPts val="0"/>
+              </a:spcAft>
+              <a:buClrTx/>
+              <a:buSzTx/>
+              <a:buFontTx/>
+              <a:buNone/>
+              <a:tabLst/>
+              <a:defRPr/>
+            </a:pPr>
+            <a:endParaRPr lang="en-US" dirty="0"/>
+          </a:p>
+          <a:p>
+            <a:endParaRPr lang="en-CO" dirty="0"/>
+          </a:p>
+        </p:txBody>
+      </p:sp>
+      <p:sp>
+        <p:nvSpPr>
+          <p:cNvPr id="4" name="Slide Number Placeholder 3"/>
+          <p:cNvSpPr>
+            <a:spLocks noGrp="1"/>
+          </p:cNvSpPr>
+          <p:nvPr>
+            <p:ph type="sldNum"/>
+          </p:nvPr>
+        </p:nvSpPr>
+        <p:spPr/>
+        <p:txBody>
+          <a:bodyPr/>
+          <a:lstStyle/>
+          <a:p>
+            <a:pPr algn="r"/>
+            <a:fld id="{D10B2105-225F-4FE3-849A-7975E719A850}" type="slidenum">
+              <a:rPr lang="en-GB" sz="1400" b="0" strike="noStrike" spc="-1" smtClean="0">
+                <a:latin typeface="Times New Roman"/>
+              </a:rPr>
+              <a:t>4</a:t>
+            </a:fld>
+            <a:endParaRPr lang="en-GB" sz="1400" b="0" strike="noStrike" spc="-1">
+              <a:latin typeface="Times New Roman"/>
+            </a:endParaRPr>
+          </a:p>
+        </p:txBody>
+      </p:sp>
+    </p:spTree>
+    <p:extLst>
+      <p:ext uri="{BB962C8B-B14F-4D97-AF65-F5344CB8AC3E}">
+        <p14:creationId xmlns:p14="http://schemas.microsoft.com/office/powerpoint/2010/main" val="735785517"/>
+      </p:ext>
+    </p:extLst>
+  </p:cSld>
+  <p:clrMapOvr>
+    <a:masterClrMapping/>
+  </p:clrMapOvr>
+</p:notes>
+</file>
+
+<file path=ppt/notesSlides/notesSlide3.xml><?xml version="1.0" encoding="utf-8"?>
+<p:notes xmlns:a="http://schemas.openxmlformats.org/drawingml/2006/main" xmlns:r="http://schemas.openxmlformats.org/officeDocument/2006/relationships" xmlns:p="http://schemas.openxmlformats.org/presentationml/2006/main">
+  <p:cSld>
+    <p:spTree>
+      <p:nvGrpSpPr>
+        <p:cNvPr id="1" name=""/>
+        <p:cNvGrpSpPr/>
+        <p:nvPr/>
+      </p:nvGrpSpPr>
+      <p:grpSpPr>
+        <a:xfrm>
+          <a:off x="0" y="0"/>
+          <a:ext cx="0" cy="0"/>
+          <a:chOff x="0" y="0"/>
+          <a:chExt cx="0" cy="0"/>
+        </a:xfrm>
+      </p:grpSpPr>
+      <p:sp>
+        <p:nvSpPr>
+          <p:cNvPr id="2" name="Slide Image Placeholder 1"/>
+          <p:cNvSpPr>
+            <a:spLocks noGrp="1" noRot="1" noChangeAspect="1"/>
+          </p:cNvSpPr>
+          <p:nvPr>
+            <p:ph type="sldImg"/>
+          </p:nvPr>
+        </p:nvSpPr>
+        <p:spPr>
+          <a:xfrm>
+            <a:off x="1370013" y="763588"/>
+            <a:ext cx="5030787" cy="3771900"/>
+          </a:xfrm>
+        </p:spPr>
+      </p:sp>
+      <p:sp>
+        <p:nvSpPr>
+          <p:cNvPr id="3" name="Notes Placeholder 2"/>
+          <p:cNvSpPr>
+            <a:spLocks noGrp="1"/>
+          </p:cNvSpPr>
+          <p:nvPr>
+            <p:ph type="body" idx="1"/>
+          </p:nvPr>
+        </p:nvSpPr>
+        <p:spPr/>
+        <p:txBody>
+          <a:bodyPr/>
+          <a:lstStyle/>
+          <a:p>
+            <a:pPr marL="0" marR="0" lvl="0" indent="0" algn="l" defTabSz="914400" rtl="0" eaLnBrk="1" fontAlgn="auto" latinLnBrk="0" hangingPunct="1">
+              <a:lnSpc>
+                <a:spcPct val="100000"/>
+              </a:lnSpc>
+              <a:spcBef>
+                <a:spcPts val="0"/>
+              </a:spcBef>
+              <a:spcAft>
+                <a:spcPts val="0"/>
+              </a:spcAft>
+              <a:buClrTx/>
+              <a:buSzTx/>
+              <a:buFontTx/>
+              <a:buNone/>
+              <a:tabLst/>
+              <a:defRPr/>
+            </a:pPr>
+            <a:r>
+              <a:rPr lang="en-US" dirty="0"/>
+              <a:t>[Also reference papers here (maybe with timeline?) 3 papers – CBOW, continuous </a:t>
+            </a:r>
+            <a:r>
+              <a:rPr lang="en-US" dirty="0" err="1"/>
+              <a:t>skipgram</a:t>
+            </a:r>
+            <a:r>
+              <a:rPr lang="en-US" dirty="0"/>
+              <a:t>, and character-level neural networks (RNN and CNN)]</a:t>
+            </a:r>
+          </a:p>
+          <a:p>
+            <a:endParaRPr lang="en-CO" dirty="0"/>
+          </a:p>
+          <a:p>
+            <a:endParaRPr lang="en-CO" dirty="0"/>
+          </a:p>
+          <a:p>
+            <a:r>
+              <a:rPr lang="en-US" sz="1200" b="1" kern="1200" dirty="0">
+                <a:solidFill>
+                  <a:schemeClr val="tx1"/>
+                </a:solidFill>
+                <a:effectLst/>
+                <a:latin typeface="+mn-lt"/>
+                <a:ea typeface="+mn-ea"/>
+                <a:cs typeface="+mn-cs"/>
+              </a:rPr>
+              <a:t>Skip-gram</a:t>
+            </a:r>
+            <a:r>
+              <a:rPr lang="en-US" dirty="0"/>
+              <a:t> model, the distributed representation of the input word is used to </a:t>
+            </a:r>
+            <a:r>
+              <a:rPr lang="en-US" sz="1200" b="1" kern="1200" dirty="0">
+                <a:solidFill>
+                  <a:schemeClr val="tx1"/>
+                </a:solidFill>
+                <a:effectLst/>
+                <a:latin typeface="+mn-lt"/>
+                <a:ea typeface="+mn-ea"/>
+                <a:cs typeface="+mn-cs"/>
+              </a:rPr>
+              <a:t>predict the context</a:t>
+            </a:r>
+            <a:r>
+              <a:rPr lang="en-US" dirty="0"/>
+              <a:t>.</a:t>
+            </a:r>
+          </a:p>
+          <a:p>
+            <a:endParaRPr lang="en-US" dirty="0"/>
+          </a:p>
+          <a:p>
+            <a:endParaRPr lang="en-CO" dirty="0"/>
+          </a:p>
+        </p:txBody>
+      </p:sp>
+      <p:sp>
+        <p:nvSpPr>
+          <p:cNvPr id="4" name="Slide Number Placeholder 3"/>
+          <p:cNvSpPr>
+            <a:spLocks noGrp="1"/>
+          </p:cNvSpPr>
+          <p:nvPr>
+            <p:ph type="sldNum"/>
+          </p:nvPr>
+        </p:nvSpPr>
+        <p:spPr/>
+        <p:txBody>
+          <a:bodyPr/>
+          <a:lstStyle/>
+          <a:p>
+            <a:pPr algn="r"/>
+            <a:fld id="{D10B2105-225F-4FE3-849A-7975E719A850}" type="slidenum">
+              <a:rPr lang="en-GB" sz="1400" b="0" strike="noStrike" spc="-1" smtClean="0">
+                <a:latin typeface="Times New Roman"/>
+              </a:rPr>
+              <a:t>5</a:t>
+            </a:fld>
+            <a:endParaRPr lang="en-GB" sz="1400" b="0" strike="noStrike" spc="-1">
+              <a:latin typeface="Times New Roman"/>
+            </a:endParaRPr>
+          </a:p>
+        </p:txBody>
+      </p:sp>
+    </p:spTree>
+    <p:extLst>
+      <p:ext uri="{BB962C8B-B14F-4D97-AF65-F5344CB8AC3E}">
+        <p14:creationId xmlns:p14="http://schemas.microsoft.com/office/powerpoint/2010/main" val="1979692972"/>
+      </p:ext>
+    </p:extLst>
+  </p:cSld>
+  <p:clrMapOvr>
+    <a:masterClrMapping/>
+  </p:clrMapOvr>
+</p:notes>
+</file>
+
+<file path=ppt/notesSlides/notesSlide4.xml><?xml version="1.0" encoding="utf-8"?>
+<p:notes xmlns:a="http://schemas.openxmlformats.org/drawingml/2006/main" xmlns:r="http://schemas.openxmlformats.org/officeDocument/2006/relationships" xmlns:p="http://schemas.openxmlformats.org/presentationml/2006/main">
+  <p:cSld>
+    <p:spTree>
+      <p:nvGrpSpPr>
+        <p:cNvPr id="1" name=""/>
+        <p:cNvGrpSpPr/>
+        <p:nvPr/>
+      </p:nvGrpSpPr>
+      <p:grpSpPr>
+        <a:xfrm>
+          <a:off x="0" y="0"/>
+          <a:ext cx="0" cy="0"/>
+          <a:chOff x="0" y="0"/>
+          <a:chExt cx="0" cy="0"/>
+        </a:xfrm>
+      </p:grpSpPr>
+      <p:sp>
+        <p:nvSpPr>
+          <p:cNvPr id="2" name="Slide Image Placeholder 1"/>
+          <p:cNvSpPr>
+            <a:spLocks noGrp="1" noRot="1" noChangeAspect="1"/>
+          </p:cNvSpPr>
+          <p:nvPr>
+            <p:ph type="sldImg"/>
+          </p:nvPr>
+        </p:nvSpPr>
+        <p:spPr>
+          <a:xfrm>
+            <a:off x="1370013" y="763588"/>
+            <a:ext cx="5030787" cy="3771900"/>
+          </a:xfrm>
+        </p:spPr>
+      </p:sp>
+      <p:sp>
+        <p:nvSpPr>
+          <p:cNvPr id="3" name="Notes Placeholder 2"/>
+          <p:cNvSpPr>
+            <a:spLocks noGrp="1"/>
+          </p:cNvSpPr>
+          <p:nvPr>
+            <p:ph type="body" idx="1"/>
+          </p:nvPr>
+        </p:nvSpPr>
+        <p:spPr/>
+        <p:txBody>
+          <a:bodyPr/>
+          <a:lstStyle/>
+          <a:p>
+            <a:pPr marL="0" marR="0" lvl="0" indent="0" algn="l" defTabSz="914400" rtl="0" eaLnBrk="1" fontAlgn="auto" latinLnBrk="0" hangingPunct="1">
+              <a:lnSpc>
+                <a:spcPct val="100000"/>
+              </a:lnSpc>
+              <a:spcBef>
+                <a:spcPts val="0"/>
+              </a:spcBef>
+              <a:spcAft>
+                <a:spcPts val="0"/>
+              </a:spcAft>
+              <a:buClrTx/>
+              <a:buSzTx/>
+              <a:buFontTx/>
+              <a:buNone/>
+              <a:tabLst/>
+              <a:defRPr/>
+            </a:pPr>
+            <a:r>
+              <a:rPr lang="en-US" dirty="0"/>
+              <a:t>[Also reference papers here (maybe with timeline?) 3 papers – CBOW, continuous </a:t>
+            </a:r>
+            <a:r>
+              <a:rPr lang="en-US" dirty="0" err="1"/>
+              <a:t>skipgram</a:t>
+            </a:r>
+            <a:r>
+              <a:rPr lang="en-US" dirty="0"/>
+              <a:t>, and character-level neural networks (RNN and CNN)]</a:t>
+            </a:r>
+          </a:p>
+          <a:p>
+            <a:endParaRPr lang="en-CO" dirty="0"/>
+          </a:p>
+          <a:p>
+            <a:endParaRPr lang="en-CO" dirty="0"/>
+          </a:p>
+          <a:p>
+            <a:r>
+              <a:rPr lang="en-US" sz="1200" b="0" i="0" kern="1200" dirty="0">
+                <a:solidFill>
+                  <a:schemeClr val="tx1"/>
+                </a:solidFill>
+                <a:effectLst/>
+                <a:latin typeface="+mn-lt"/>
+                <a:ea typeface="+mn-ea"/>
+                <a:cs typeface="+mn-cs"/>
+              </a:rPr>
+              <a:t>More recently, building on the </a:t>
+            </a:r>
+            <a:r>
+              <a:rPr lang="en-US" sz="1200" b="0" i="0" kern="1200" dirty="0" err="1">
+                <a:solidFill>
+                  <a:schemeClr val="tx1"/>
+                </a:solidFill>
+                <a:effectLst/>
+                <a:latin typeface="+mn-lt"/>
+                <a:ea typeface="+mn-ea"/>
+                <a:cs typeface="+mn-cs"/>
+              </a:rPr>
+              <a:t>SkipGram</a:t>
+            </a:r>
+            <a:r>
+              <a:rPr lang="en-US" sz="1200" b="0" i="0" kern="1200" dirty="0">
+                <a:solidFill>
+                  <a:schemeClr val="tx1"/>
+                </a:solidFill>
+                <a:effectLst/>
+                <a:latin typeface="+mn-lt"/>
+                <a:ea typeface="+mn-ea"/>
+                <a:cs typeface="+mn-cs"/>
+              </a:rPr>
+              <a:t> idea, a </a:t>
+            </a:r>
+            <a:r>
+              <a:rPr lang="en-US" sz="1200" b="0" i="0" u="none" strike="noStrike" kern="1200" dirty="0">
+                <a:solidFill>
+                  <a:schemeClr val="tx1"/>
+                </a:solidFill>
+                <a:effectLst/>
+                <a:latin typeface="+mn-lt"/>
+                <a:ea typeface="+mn-ea"/>
+                <a:cs typeface="+mn-cs"/>
+                <a:hlinkClick r:id="rId3"/>
+              </a:rPr>
+              <a:t>more granular approach was introduced</a:t>
+            </a:r>
+            <a:r>
+              <a:rPr lang="en-US" sz="1200" b="0" i="0" kern="1200" dirty="0">
+                <a:solidFill>
+                  <a:schemeClr val="tx1"/>
+                </a:solidFill>
+                <a:effectLst/>
+                <a:latin typeface="+mn-lt"/>
+                <a:ea typeface="+mn-ea"/>
+                <a:cs typeface="+mn-cs"/>
+              </a:rPr>
+              <a:t> where a bag of character n-grams (also known as </a:t>
+            </a:r>
+            <a:r>
+              <a:rPr lang="en-US" sz="1200" b="0" i="0" kern="1200" dirty="0" err="1">
+                <a:solidFill>
+                  <a:schemeClr val="tx1"/>
+                </a:solidFill>
+                <a:effectLst/>
+                <a:latin typeface="+mn-lt"/>
+                <a:ea typeface="+mn-ea"/>
+                <a:cs typeface="+mn-cs"/>
+              </a:rPr>
+              <a:t>subwords</a:t>
+            </a:r>
+            <a:r>
+              <a:rPr lang="en-US" sz="1200" b="0" i="0" kern="1200" dirty="0">
+                <a:solidFill>
+                  <a:schemeClr val="tx1"/>
+                </a:solidFill>
+                <a:effectLst/>
+                <a:latin typeface="+mn-lt"/>
+                <a:ea typeface="+mn-ea"/>
+                <a:cs typeface="+mn-cs"/>
+              </a:rPr>
+              <a:t>) are used to represent a word. As shown in Figure 3, each word is represented by the sum of it’s n-gram vectors.</a:t>
+            </a:r>
+          </a:p>
+          <a:p>
+            <a:endParaRPr lang="en-US" sz="1200" b="0" i="0" kern="1200" dirty="0">
+              <a:solidFill>
+                <a:schemeClr val="tx1"/>
+              </a:solidFill>
+              <a:effectLst/>
+              <a:latin typeface="+mn-lt"/>
+              <a:ea typeface="+mn-ea"/>
+              <a:cs typeface="+mn-cs"/>
+            </a:endParaRPr>
+          </a:p>
+          <a:p>
+            <a:endParaRPr lang="en-US" dirty="0"/>
+          </a:p>
+          <a:p>
+            <a:endParaRPr lang="en-CO" dirty="0"/>
+          </a:p>
+        </p:txBody>
+      </p:sp>
+      <p:sp>
+        <p:nvSpPr>
+          <p:cNvPr id="4" name="Slide Number Placeholder 3"/>
+          <p:cNvSpPr>
+            <a:spLocks noGrp="1"/>
+          </p:cNvSpPr>
+          <p:nvPr>
+            <p:ph type="sldNum"/>
+          </p:nvPr>
+        </p:nvSpPr>
+        <p:spPr/>
+        <p:txBody>
+          <a:bodyPr/>
+          <a:lstStyle/>
+          <a:p>
+            <a:pPr algn="r"/>
+            <a:fld id="{D10B2105-225F-4FE3-849A-7975E719A850}" type="slidenum">
+              <a:rPr lang="en-GB" sz="1400" b="0" strike="noStrike" spc="-1" smtClean="0">
+                <a:latin typeface="Times New Roman"/>
+              </a:rPr>
+              <a:t>6</a:t>
+            </a:fld>
+            <a:endParaRPr lang="en-GB" sz="1400" b="0" strike="noStrike" spc="-1">
+              <a:latin typeface="Times New Roman"/>
+            </a:endParaRPr>
+          </a:p>
+        </p:txBody>
+      </p:sp>
+    </p:spTree>
+    <p:extLst>
+      <p:ext uri="{BB962C8B-B14F-4D97-AF65-F5344CB8AC3E}">
+        <p14:creationId xmlns:p14="http://schemas.microsoft.com/office/powerpoint/2010/main" val="4065361916"/>
+      </p:ext>
+    </p:extLst>
+  </p:cSld>
+  <p:clrMapOvr>
+    <a:masterClrMapping/>
+  </p:clrMapOvr>
+</p:notes>
+</file>
+
+<file path=ppt/notesSlides/notesSlide5.xml><?xml version="1.0" encoding="utf-8"?>
+<p:notes xmlns:a="http://schemas.openxmlformats.org/drawingml/2006/main" xmlns:r="http://schemas.openxmlformats.org/officeDocument/2006/relationships" xmlns:p="http://schemas.openxmlformats.org/presentationml/2006/main">
+  <p:cSld>
+    <p:spTree>
+      <p:nvGrpSpPr>
+        <p:cNvPr id="1" name=""/>
+        <p:cNvGrpSpPr/>
+        <p:nvPr/>
+      </p:nvGrpSpPr>
+      <p:grpSpPr>
+        <a:xfrm>
+          <a:off x="0" y="0"/>
+          <a:ext cx="0" cy="0"/>
+          <a:chOff x="0" y="0"/>
+          <a:chExt cx="0" cy="0"/>
+        </a:xfrm>
+      </p:grpSpPr>
+      <p:sp>
+        <p:nvSpPr>
+          <p:cNvPr id="2" name="Slide Image Placeholder 1"/>
+          <p:cNvSpPr>
+            <a:spLocks noGrp="1" noRot="1" noChangeAspect="1"/>
+          </p:cNvSpPr>
+          <p:nvPr>
+            <p:ph type="sldImg"/>
+          </p:nvPr>
+        </p:nvSpPr>
+        <p:spPr>
+          <a:xfrm>
+            <a:off x="1370013" y="763588"/>
+            <a:ext cx="5030787" cy="3771900"/>
+          </a:xfrm>
+        </p:spPr>
+      </p:sp>
+      <p:sp>
+        <p:nvSpPr>
+          <p:cNvPr id="3" name="Notes Placeholder 2"/>
+          <p:cNvSpPr>
+            <a:spLocks noGrp="1"/>
+          </p:cNvSpPr>
+          <p:nvPr>
+            <p:ph type="body" idx="1"/>
+          </p:nvPr>
+        </p:nvSpPr>
+        <p:spPr/>
+        <p:txBody>
+          <a:bodyPr/>
+          <a:lstStyle/>
+          <a:p>
+            <a:endParaRPr lang="en-US" dirty="0"/>
+          </a:p>
+          <a:p>
+            <a:r>
+              <a:rPr lang="en-US" dirty="0"/>
+              <a:t>[Potentially download and run some simple </a:t>
+            </a:r>
+            <a:r>
+              <a:rPr lang="en-US" dirty="0" err="1"/>
+              <a:t>fasttext</a:t>
+            </a:r>
+            <a:r>
+              <a:rPr lang="en-US" dirty="0"/>
+              <a:t> code and show the results]</a:t>
+            </a:r>
+            <a:endParaRPr lang="en-CO" dirty="0"/>
+          </a:p>
+          <a:p>
+            <a:endParaRPr lang="en-CO" dirty="0"/>
+          </a:p>
+        </p:txBody>
+      </p:sp>
+      <p:sp>
+        <p:nvSpPr>
+          <p:cNvPr id="4" name="Slide Number Placeholder 3"/>
+          <p:cNvSpPr>
+            <a:spLocks noGrp="1"/>
+          </p:cNvSpPr>
+          <p:nvPr>
+            <p:ph type="sldNum"/>
+          </p:nvPr>
+        </p:nvSpPr>
+        <p:spPr/>
+        <p:txBody>
+          <a:bodyPr/>
+          <a:lstStyle/>
+          <a:p>
+            <a:pPr algn="r"/>
+            <a:fld id="{D10B2105-225F-4FE3-849A-7975E719A850}" type="slidenum">
+              <a:rPr lang="en-GB" sz="1400" b="0" strike="noStrike" spc="-1" smtClean="0">
+                <a:latin typeface="Times New Roman"/>
+              </a:rPr>
+              <a:t>14</a:t>
+            </a:fld>
+            <a:endParaRPr lang="en-GB" sz="1400" b="0" strike="noStrike" spc="-1">
+              <a:latin typeface="Times New Roman"/>
+            </a:endParaRPr>
+          </a:p>
+        </p:txBody>
+      </p:sp>
+    </p:spTree>
+    <p:extLst>
+      <p:ext uri="{BB962C8B-B14F-4D97-AF65-F5344CB8AC3E}">
+        <p14:creationId xmlns:p14="http://schemas.microsoft.com/office/powerpoint/2010/main" val="970338645"/>
+      </p:ext>
+    </p:extLst>
+  </p:cSld>
+  <p:clrMapOvr>
+    <a:masterClrMapping/>
+  </p:clrMapOvr>
+</p:notes>
+</file>
+
+<file path=ppt/notesSlides/notesSlide6.xml><?xml version="1.0" encoding="utf-8"?>
+<p:notes xmlns:a="http://schemas.openxmlformats.org/drawingml/2006/main" xmlns:r="http://schemas.openxmlformats.org/officeDocument/2006/relationships" xmlns:p="http://schemas.openxmlformats.org/presentationml/2006/main">
+  <p:cSld>
+    <p:spTree>
+      <p:nvGrpSpPr>
+        <p:cNvPr id="1" name=""/>
+        <p:cNvGrpSpPr/>
+        <p:nvPr/>
+      </p:nvGrpSpPr>
+      <p:grpSpPr>
+        <a:xfrm>
+          <a:off x="0" y="0"/>
+          <a:ext cx="0" cy="0"/>
+          <a:chOff x="0" y="0"/>
+          <a:chExt cx="0" cy="0"/>
+        </a:xfrm>
+      </p:grpSpPr>
+      <p:sp>
+        <p:nvSpPr>
+          <p:cNvPr id="2" name="Slide Image Placeholder 1"/>
+          <p:cNvSpPr>
+            <a:spLocks noGrp="1" noRot="1" noChangeAspect="1"/>
+          </p:cNvSpPr>
+          <p:nvPr>
+            <p:ph type="sldImg"/>
+          </p:nvPr>
+        </p:nvSpPr>
+        <p:spPr>
+          <a:xfrm>
+            <a:off x="1370013" y="763588"/>
+            <a:ext cx="5030787" cy="3771900"/>
+          </a:xfrm>
+        </p:spPr>
+      </p:sp>
+      <p:sp>
+        <p:nvSpPr>
+          <p:cNvPr id="3" name="Notes Placeholder 2"/>
+          <p:cNvSpPr>
+            <a:spLocks noGrp="1"/>
+          </p:cNvSpPr>
+          <p:nvPr>
+            <p:ph type="body" idx="1"/>
+          </p:nvPr>
+        </p:nvSpPr>
+        <p:spPr/>
+        <p:txBody>
+          <a:bodyPr/>
+          <a:lstStyle/>
+          <a:p>
+            <a:endParaRPr lang="en-US" dirty="0"/>
+          </a:p>
+          <a:p>
+            <a:r>
+              <a:rPr lang="en-US" dirty="0"/>
+              <a:t>[Potentially download and run some simple </a:t>
+            </a:r>
+            <a:r>
+              <a:rPr lang="en-US" dirty="0" err="1"/>
+              <a:t>fasttext</a:t>
+            </a:r>
+            <a:r>
+              <a:rPr lang="en-US" dirty="0"/>
+              <a:t> code and show the results]</a:t>
+            </a:r>
+          </a:p>
+          <a:p>
+            <a:endParaRPr lang="en-US" dirty="0"/>
+          </a:p>
+          <a:p>
+            <a:r>
+              <a:rPr lang="en-US" sz="1200" b="0" i="0" kern="1200" dirty="0">
+                <a:solidFill>
+                  <a:schemeClr val="tx1"/>
+                </a:solidFill>
+                <a:effectLst/>
+                <a:latin typeface="+mn-lt"/>
+                <a:ea typeface="+mn-ea"/>
+                <a:cs typeface="+mn-cs"/>
+              </a:rPr>
+              <a:t>The </a:t>
+            </a:r>
+            <a:r>
+              <a:rPr lang="en-US" dirty="0" err="1"/>
+              <a:t>window_size</a:t>
+            </a:r>
+            <a:r>
+              <a:rPr lang="en-US" sz="1200" b="0" i="0" kern="1200" dirty="0">
+                <a:solidFill>
+                  <a:schemeClr val="tx1"/>
+                </a:solidFill>
+                <a:effectLst/>
+                <a:latin typeface="+mn-lt"/>
+                <a:ea typeface="+mn-ea"/>
+                <a:cs typeface="+mn-cs"/>
+              </a:rPr>
+              <a:t> is the size of the number of words occurring before and after the word based on which the word representations will be learned for the word. </a:t>
+            </a:r>
+          </a:p>
+          <a:p>
+            <a:endParaRPr lang="en-US" sz="1200" b="0" i="0" kern="1200" dirty="0">
+              <a:solidFill>
+                <a:schemeClr val="tx1"/>
+              </a:solidFill>
+              <a:effectLst/>
+              <a:latin typeface="+mn-lt"/>
+              <a:ea typeface="+mn-ea"/>
+              <a:cs typeface="+mn-cs"/>
+            </a:endParaRPr>
+          </a:p>
+          <a:p>
+            <a:r>
+              <a:rPr lang="en-US" sz="1200" b="0" i="0" kern="1200" dirty="0">
+                <a:solidFill>
+                  <a:schemeClr val="tx1"/>
+                </a:solidFill>
+                <a:effectLst/>
+                <a:latin typeface="+mn-lt"/>
+                <a:ea typeface="+mn-ea"/>
+                <a:cs typeface="+mn-cs"/>
+              </a:rPr>
+              <a:t>The next hyper-parameter is the </a:t>
+            </a:r>
+            <a:r>
+              <a:rPr lang="en-US" dirty="0" err="1"/>
+              <a:t>min_word</a:t>
+            </a:r>
+            <a:r>
+              <a:rPr lang="en-US" sz="1200" b="0" i="0" kern="1200" dirty="0">
+                <a:solidFill>
+                  <a:schemeClr val="tx1"/>
+                </a:solidFill>
+                <a:effectLst/>
+                <a:latin typeface="+mn-lt"/>
+                <a:ea typeface="+mn-ea"/>
+                <a:cs typeface="+mn-cs"/>
+              </a:rPr>
+              <a:t>, which specifies the minimum frequency of a word in the corpus for which the word representations will be generated. Finally, the most frequently occurring word will be down-sampled by a number specified by the </a:t>
+            </a:r>
+            <a:r>
+              <a:rPr lang="en-US" dirty="0" err="1"/>
+              <a:t>down_sampling</a:t>
+            </a:r>
+            <a:r>
+              <a:rPr lang="en-US" sz="1200" b="0" i="0" kern="1200" dirty="0">
+                <a:solidFill>
+                  <a:schemeClr val="tx1"/>
+                </a:solidFill>
+                <a:effectLst/>
+                <a:latin typeface="+mn-lt"/>
+                <a:ea typeface="+mn-ea"/>
+                <a:cs typeface="+mn-cs"/>
+              </a:rPr>
+              <a:t> attribute.</a:t>
+            </a:r>
+            <a:endParaRPr lang="en-CO" dirty="0"/>
+          </a:p>
+          <a:p>
+            <a:endParaRPr lang="en-CO" dirty="0"/>
+          </a:p>
+        </p:txBody>
+      </p:sp>
+      <p:sp>
+        <p:nvSpPr>
+          <p:cNvPr id="4" name="Slide Number Placeholder 3"/>
+          <p:cNvSpPr>
+            <a:spLocks noGrp="1"/>
+          </p:cNvSpPr>
+          <p:nvPr>
+            <p:ph type="sldNum"/>
+          </p:nvPr>
+        </p:nvSpPr>
+        <p:spPr/>
+        <p:txBody>
+          <a:bodyPr/>
+          <a:lstStyle/>
+          <a:p>
+            <a:pPr algn="r"/>
+            <a:fld id="{D10B2105-225F-4FE3-849A-7975E719A850}" type="slidenum">
+              <a:rPr lang="en-GB" sz="1400" b="0" strike="noStrike" spc="-1" smtClean="0">
+                <a:latin typeface="Times New Roman"/>
+              </a:rPr>
+              <a:t>15</a:t>
+            </a:fld>
+            <a:endParaRPr lang="en-GB" sz="1400" b="0" strike="noStrike" spc="-1">
+              <a:latin typeface="Times New Roman"/>
+            </a:endParaRPr>
+          </a:p>
+        </p:txBody>
+      </p:sp>
+    </p:spTree>
+    <p:extLst>
+      <p:ext uri="{BB962C8B-B14F-4D97-AF65-F5344CB8AC3E}">
+        <p14:creationId xmlns:p14="http://schemas.microsoft.com/office/powerpoint/2010/main" val="2738393251"/>
+      </p:ext>
+    </p:extLst>
+  </p:cSld>
+  <p:clrMapOvr>
+    <a:masterClrMapping/>
+  </p:clrMapOvr>
+</p:notes>
+</file>
+
+<file path=ppt/notesSlides/notesSlide7.xml><?xml version="1.0" encoding="utf-8"?>
+<p:notes xmlns:a="http://schemas.openxmlformats.org/drawingml/2006/main" xmlns:r="http://schemas.openxmlformats.org/officeDocument/2006/relationships" xmlns:p="http://schemas.openxmlformats.org/presentationml/2006/main">
+  <p:cSld>
+    <p:spTree>
+      <p:nvGrpSpPr>
+        <p:cNvPr id="1" name=""/>
+        <p:cNvGrpSpPr/>
+        <p:nvPr/>
+      </p:nvGrpSpPr>
+      <p:grpSpPr>
+        <a:xfrm>
+          <a:off x="0" y="0"/>
+          <a:ext cx="0" cy="0"/>
+          <a:chOff x="0" y="0"/>
+          <a:chExt cx="0" cy="0"/>
+        </a:xfrm>
+      </p:grpSpPr>
+      <p:sp>
+        <p:nvSpPr>
+          <p:cNvPr id="2" name="Slide Image Placeholder 1"/>
+          <p:cNvSpPr>
+            <a:spLocks noGrp="1" noRot="1" noChangeAspect="1"/>
+          </p:cNvSpPr>
+          <p:nvPr>
+            <p:ph type="sldImg"/>
+          </p:nvPr>
+        </p:nvSpPr>
+        <p:spPr>
+          <a:xfrm>
+            <a:off x="1370013" y="763588"/>
+            <a:ext cx="5030787" cy="3771900"/>
+          </a:xfrm>
+        </p:spPr>
+      </p:sp>
+      <p:sp>
+        <p:nvSpPr>
+          <p:cNvPr id="3" name="Notes Placeholder 2"/>
+          <p:cNvSpPr>
+            <a:spLocks noGrp="1"/>
+          </p:cNvSpPr>
+          <p:nvPr>
+            <p:ph type="body" idx="1"/>
+          </p:nvPr>
+        </p:nvSpPr>
+        <p:spPr/>
+        <p:txBody>
+          <a:bodyPr/>
+          <a:lstStyle/>
+          <a:p>
+            <a:endParaRPr lang="en-US" dirty="0"/>
+          </a:p>
+          <a:p>
+            <a:r>
+              <a:rPr lang="en-US" dirty="0"/>
+              <a:t>[Potentially download and run some simple </a:t>
+            </a:r>
+            <a:r>
+              <a:rPr lang="en-US" dirty="0" err="1"/>
+              <a:t>fasttext</a:t>
+            </a:r>
+            <a:r>
+              <a:rPr lang="en-US" dirty="0"/>
+              <a:t> code and show the results]</a:t>
+            </a:r>
+            <a:endParaRPr lang="en-CO" dirty="0"/>
+          </a:p>
+          <a:p>
+            <a:endParaRPr lang="en-CO" dirty="0"/>
+          </a:p>
+        </p:txBody>
+      </p:sp>
+      <p:sp>
+        <p:nvSpPr>
+          <p:cNvPr id="4" name="Slide Number Placeholder 3"/>
+          <p:cNvSpPr>
+            <a:spLocks noGrp="1"/>
+          </p:cNvSpPr>
+          <p:nvPr>
+            <p:ph type="sldNum"/>
+          </p:nvPr>
+        </p:nvSpPr>
+        <p:spPr/>
+        <p:txBody>
+          <a:bodyPr/>
+          <a:lstStyle/>
+          <a:p>
+            <a:pPr algn="r"/>
+            <a:fld id="{D10B2105-225F-4FE3-849A-7975E719A850}" type="slidenum">
+              <a:rPr lang="en-GB" sz="1400" b="0" strike="noStrike" spc="-1" smtClean="0">
+                <a:latin typeface="Times New Roman"/>
+              </a:rPr>
+              <a:t>16</a:t>
+            </a:fld>
+            <a:endParaRPr lang="en-GB" sz="1400" b="0" strike="noStrike" spc="-1">
+              <a:latin typeface="Times New Roman"/>
+            </a:endParaRPr>
+          </a:p>
+        </p:txBody>
+      </p:sp>
+    </p:spTree>
+    <p:extLst>
+      <p:ext uri="{BB962C8B-B14F-4D97-AF65-F5344CB8AC3E}">
+        <p14:creationId xmlns:p14="http://schemas.microsoft.com/office/powerpoint/2010/main" val="404232091"/>
+      </p:ext>
+    </p:extLst>
+  </p:cSld>
+  <p:clrMapOvr>
+    <a:masterClrMapping/>
+  </p:clrMapOvr>
+</p:notes>
+</file>
+
+<file path=ppt/notesSlides/notesSlide8.xml><?xml version="1.0" encoding="utf-8"?>
+<p:notes xmlns:a="http://schemas.openxmlformats.org/drawingml/2006/main" xmlns:r="http://schemas.openxmlformats.org/officeDocument/2006/relationships" xmlns:p="http://schemas.openxmlformats.org/presentationml/2006/main">
+  <p:cSld>
+    <p:spTree>
+      <p:nvGrpSpPr>
+        <p:cNvPr id="1" name=""/>
+        <p:cNvGrpSpPr/>
+        <p:nvPr/>
+      </p:nvGrpSpPr>
+      <p:grpSpPr>
+        <a:xfrm>
+          <a:off x="0" y="0"/>
+          <a:ext cx="0" cy="0"/>
+          <a:chOff x="0" y="0"/>
+          <a:chExt cx="0" cy="0"/>
+        </a:xfrm>
+      </p:grpSpPr>
+      <p:sp>
+        <p:nvSpPr>
+          <p:cNvPr id="2" name="Slide Image Placeholder 1"/>
+          <p:cNvSpPr>
+            <a:spLocks noGrp="1" noRot="1" noChangeAspect="1"/>
+          </p:cNvSpPr>
+          <p:nvPr>
+            <p:ph type="sldImg"/>
+          </p:nvPr>
+        </p:nvSpPr>
+        <p:spPr>
+          <a:xfrm>
+            <a:off x="1370013" y="763588"/>
+            <a:ext cx="5030787" cy="3771900"/>
+          </a:xfrm>
+        </p:spPr>
+      </p:sp>
+      <p:sp>
+        <p:nvSpPr>
+          <p:cNvPr id="3" name="Notes Placeholder 2"/>
+          <p:cNvSpPr>
+            <a:spLocks noGrp="1"/>
+          </p:cNvSpPr>
+          <p:nvPr>
+            <p:ph type="body" idx="1"/>
+          </p:nvPr>
+        </p:nvSpPr>
+        <p:spPr/>
+        <p:txBody>
+          <a:bodyPr/>
+          <a:lstStyle/>
+          <a:p>
+            <a:endParaRPr lang="en-US" dirty="0"/>
+          </a:p>
+          <a:p>
+            <a:r>
+              <a:rPr lang="en-US" dirty="0"/>
+              <a:t>[Potentially download and run some simple </a:t>
+            </a:r>
+            <a:r>
+              <a:rPr lang="en-US" dirty="0" err="1"/>
+              <a:t>fasttext</a:t>
+            </a:r>
+            <a:r>
+              <a:rPr lang="en-US" dirty="0"/>
+              <a:t> code and show the results]</a:t>
+            </a:r>
+            <a:endParaRPr lang="en-CO" dirty="0"/>
+          </a:p>
+          <a:p>
+            <a:endParaRPr lang="en-CO" dirty="0"/>
+          </a:p>
+        </p:txBody>
+      </p:sp>
+      <p:sp>
+        <p:nvSpPr>
+          <p:cNvPr id="4" name="Slide Number Placeholder 3"/>
+          <p:cNvSpPr>
+            <a:spLocks noGrp="1"/>
+          </p:cNvSpPr>
+          <p:nvPr>
+            <p:ph type="sldNum"/>
+          </p:nvPr>
+        </p:nvSpPr>
+        <p:spPr/>
+        <p:txBody>
+          <a:bodyPr/>
+          <a:lstStyle/>
+          <a:p>
+            <a:pPr algn="r"/>
+            <a:fld id="{D10B2105-225F-4FE3-849A-7975E719A850}" type="slidenum">
+              <a:rPr lang="en-GB" sz="1400" b="0" strike="noStrike" spc="-1" smtClean="0">
+                <a:latin typeface="Times New Roman"/>
+              </a:rPr>
+              <a:t>17</a:t>
+            </a:fld>
+            <a:endParaRPr lang="en-GB" sz="1400" b="0" strike="noStrike" spc="-1">
+              <a:latin typeface="Times New Roman"/>
+            </a:endParaRPr>
+          </a:p>
+        </p:txBody>
+      </p:sp>
+    </p:spTree>
+    <p:extLst>
+      <p:ext uri="{BB962C8B-B14F-4D97-AF65-F5344CB8AC3E}">
+        <p14:creationId xmlns:p14="http://schemas.microsoft.com/office/powerpoint/2010/main" val="2631580175"/>
+      </p:ext>
+    </p:extLst>
+  </p:cSld>
+  <p:clrMapOvr>
+    <a:masterClrMapping/>
+  </p:clrMapOvr>
+</p:notes>
 </file>
 
 <file path=ppt/slideLayouts/slideLayout1.xml><?xml version="1.0" encoding="utf-8"?>
@@ -6423,7 +7710,7 @@
           <p:cNvPr id="2" name="Rectangle 1">
             <a:extLst>
               <a:ext uri="{FF2B5EF4-FFF2-40B4-BE49-F238E27FC236}">
-                <a16:creationId xmlns:a16="http://schemas.microsoft.com/office/drawing/2014/main" id="{D4B0B71D-F529-7049-9D5F-AFA252194375}"/>
+                <a16:creationId xmlns:a16="http://schemas.microsoft.com/office/drawing/2014/main" id="{EC068493-07FD-A34E-AF93-B0D83101C167}"/>
               </a:ext>
             </a:extLst>
           </p:cNvPr>
@@ -6432,8 +7719,8 @@
         </p:nvSpPr>
         <p:spPr>
           <a:xfrm>
-            <a:off x="3575573" y="989649"/>
-            <a:ext cx="1992853" cy="369332"/>
+            <a:off x="2998304" y="864389"/>
+            <a:ext cx="3531736" cy="369332"/>
           </a:xfrm>
           <a:prstGeom prst="rect">
             <a:avLst/>
@@ -6452,7 +7739,7 @@
                 </a:solidFill>
                 <a:latin typeface="Arial" panose="020B0604020202020204" pitchFamily="34" charset="0"/>
               </a:rPr>
-              <a:t>Main Contribution</a:t>
+              <a:t>Quantitative / Qualitative Results</a:t>
             </a:r>
             <a:endParaRPr lang="en-CO" dirty="0"/>
           </a:p>
@@ -6460,61 +7747,286 @@
       </p:sp>
       <p:sp>
         <p:nvSpPr>
-          <p:cNvPr id="3" name="TextBox 2">
+          <p:cNvPr id="3" name="Rectangle 2">
             <a:extLst>
               <a:ext uri="{FF2B5EF4-FFF2-40B4-BE49-F238E27FC236}">
-                <a16:creationId xmlns:a16="http://schemas.microsoft.com/office/drawing/2014/main" id="{14A44E5C-424F-3246-A6C9-0859BF213681}"/>
+                <a16:creationId xmlns:a16="http://schemas.microsoft.com/office/drawing/2014/main" id="{CA3AEA9E-434C-430F-B295-AF44041B0395}"/>
               </a:ext>
             </a:extLst>
           </p:cNvPr>
-          <p:cNvSpPr txBox="1"/>
+          <p:cNvSpPr/>
           <p:nvPr/>
         </p:nvSpPr>
         <p:spPr>
           <a:xfrm>
-            <a:off x="1957093" y="2505670"/>
-            <a:ext cx="3858016" cy="1200329"/>
-          </a:xfrm>
-          <a:prstGeom prst="rect">
-            <a:avLst/>
-          </a:prstGeom>
-          <a:noFill/>
-        </p:spPr>
-        <p:txBody>
-          <a:bodyPr wrap="square" rtlCol="0">
+            <a:off x="101494" y="4840312"/>
+            <a:ext cx="4572000" cy="923330"/>
+          </a:xfrm>
+          <a:prstGeom prst="rect">
+            <a:avLst/>
+          </a:prstGeom>
+        </p:spPr>
+        <p:txBody>
+          <a:bodyPr>
             <a:spAutoFit/>
           </a:bodyPr>
           <a:lstStyle/>
           <a:p>
             <a:r>
-              <a:rPr lang="en-US" dirty="0"/>
-              <a:t>-</a:t>
-            </a:r>
-            <a:r>
-              <a:rPr lang="en-CO" dirty="0"/>
-              <a:t>Morphological languages.</a:t>
-            </a:r>
+              <a:rPr lang="en-US" sz="1100" dirty="0">
+                <a:latin typeface="NimbusRomNo9L"/>
+              </a:rPr>
+              <a:t>In most experiments (except in Sec. 5.3), we compare our model to the C implementation </a:t>
+            </a:r>
+            <a:r>
+              <a:rPr lang="en-US" sz="1100" dirty="0"/>
+              <a:t>of the </a:t>
+            </a:r>
+            <a:r>
+              <a:rPr lang="en-US" sz="1100" dirty="0" err="1"/>
+              <a:t>skipgram</a:t>
+            </a:r>
+            <a:r>
+              <a:rPr lang="en-US" sz="1100" dirty="0"/>
+              <a:t> and </a:t>
+            </a:r>
+            <a:r>
+              <a:rPr lang="en-US" sz="1100" dirty="0" err="1"/>
+              <a:t>cbow</a:t>
+            </a:r>
+            <a:r>
+              <a:rPr lang="en-US" sz="1100" dirty="0"/>
+              <a:t> models from the word2vec2 package</a:t>
+            </a:r>
+            <a:r>
+              <a:rPr lang="en-US" sz="1200" dirty="0"/>
+              <a:t>. </a:t>
+            </a:r>
+          </a:p>
+          <a:p>
             <a:endParaRPr lang="en-US" dirty="0"/>
           </a:p>
-          <a:p>
-            <a:r>
-              <a:rPr lang="en-US" dirty="0"/>
-              <a:t>-Good word representations with smaller datasets (Ref. Sect. 5.4)</a:t>
-            </a:r>
-          </a:p>
-          <a:p>
-            <a:r>
-              <a:rPr lang="en-US" dirty="0"/>
-              <a:t>-Good rare word representations</a:t>
-            </a:r>
-            <a:endParaRPr lang="en-CO" dirty="0"/>
-          </a:p>
-        </p:txBody>
-      </p:sp>
+        </p:txBody>
+      </p:sp>
+      <p:sp>
+        <p:nvSpPr>
+          <p:cNvPr id="4" name="Rectangle 3">
+            <a:extLst>
+              <a:ext uri="{FF2B5EF4-FFF2-40B4-BE49-F238E27FC236}">
+                <a16:creationId xmlns:a16="http://schemas.microsoft.com/office/drawing/2014/main" id="{376960B4-2307-4284-BF3A-AC674A3846D7}"/>
+              </a:ext>
+            </a:extLst>
+          </p:cNvPr>
+          <p:cNvSpPr/>
+          <p:nvPr/>
+        </p:nvSpPr>
+        <p:spPr>
+          <a:xfrm>
+            <a:off x="4572000" y="5171172"/>
+            <a:ext cx="4572000" cy="1200329"/>
+          </a:xfrm>
+          <a:prstGeom prst="rect">
+            <a:avLst/>
+          </a:prstGeom>
+        </p:spPr>
+        <p:txBody>
+          <a:bodyPr>
+            <a:spAutoFit/>
+          </a:bodyPr>
+          <a:lstStyle/>
+          <a:p>
+            <a:r>
+              <a:rPr lang="en-US" sz="1200" dirty="0">
+                <a:latin typeface="NimbusRomNo9L"/>
+              </a:rPr>
+              <a:t>5.3 Comparison with morphological representations </a:t>
+            </a:r>
+            <a:endParaRPr lang="en-US" sz="1200" dirty="0"/>
+          </a:p>
+          <a:p>
+            <a:r>
+              <a:rPr lang="en-US" sz="1200" dirty="0">
+                <a:latin typeface="NimbusRomNo9L"/>
+              </a:rPr>
+              <a:t>We also compare our approach to previous work on word vectors incorporating </a:t>
+            </a:r>
+            <a:r>
+              <a:rPr lang="en-US" sz="1200" dirty="0" err="1">
+                <a:latin typeface="NimbusRomNo9L"/>
+              </a:rPr>
+              <a:t>subword</a:t>
+            </a:r>
+            <a:r>
+              <a:rPr lang="en-US" sz="1200" dirty="0">
+                <a:latin typeface="NimbusRomNo9L"/>
+              </a:rPr>
+              <a:t> information on word similarity tasks. The methods used are: the recursive neural network of Luong et al. (2013), the morpheme </a:t>
+            </a:r>
+            <a:r>
+              <a:rPr lang="en-US" sz="1200" dirty="0" err="1">
+                <a:latin typeface="NimbusMonL"/>
+              </a:rPr>
+              <a:t>cbow</a:t>
+            </a:r>
+            <a:r>
+              <a:rPr lang="en-US" sz="1200" dirty="0">
+                <a:latin typeface="NimbusMonL"/>
+              </a:rPr>
+              <a:t> </a:t>
+            </a:r>
+            <a:r>
+              <a:rPr lang="en-US" sz="1200" dirty="0">
+                <a:latin typeface="NimbusRomNo9L"/>
+              </a:rPr>
+              <a:t>of </a:t>
+            </a:r>
+            <a:r>
+              <a:rPr lang="en-US" sz="1200" dirty="0" err="1">
+                <a:latin typeface="NimbusRomNo9L"/>
+              </a:rPr>
+              <a:t>Qiu</a:t>
+            </a:r>
+            <a:r>
+              <a:rPr lang="en-US" sz="1200" dirty="0">
+                <a:latin typeface="NimbusRomNo9L"/>
+              </a:rPr>
+              <a:t> et al. (2014) and the morphological transformations of </a:t>
+            </a:r>
+            <a:r>
+              <a:rPr lang="en-US" sz="1200" dirty="0" err="1">
+                <a:latin typeface="NimbusRomNo9L"/>
+              </a:rPr>
+              <a:t>Soricut</a:t>
+            </a:r>
+            <a:r>
+              <a:rPr lang="en-US" sz="1200" dirty="0">
+                <a:latin typeface="NimbusRomNo9L"/>
+              </a:rPr>
+              <a:t> and </a:t>
+            </a:r>
+            <a:r>
+              <a:rPr lang="en-US" sz="1200" dirty="0" err="1">
+                <a:latin typeface="NimbusRomNo9L"/>
+              </a:rPr>
+              <a:t>Och</a:t>
+            </a:r>
+            <a:r>
+              <a:rPr lang="en-US" sz="1200" dirty="0">
+                <a:latin typeface="NimbusRomNo9L"/>
+              </a:rPr>
+              <a:t> (2015). </a:t>
+            </a:r>
+            <a:endParaRPr lang="en-US" sz="1200" dirty="0"/>
+          </a:p>
+        </p:txBody>
+      </p:sp>
+      <p:sp>
+        <p:nvSpPr>
+          <p:cNvPr id="6" name="Rectangle 5">
+            <a:extLst>
+              <a:ext uri="{FF2B5EF4-FFF2-40B4-BE49-F238E27FC236}">
+                <a16:creationId xmlns:a16="http://schemas.microsoft.com/office/drawing/2014/main" id="{6E763CA1-9686-4321-A3D3-9682AFE5495C}"/>
+              </a:ext>
+            </a:extLst>
+          </p:cNvPr>
+          <p:cNvSpPr/>
+          <p:nvPr/>
+        </p:nvSpPr>
+        <p:spPr>
+          <a:xfrm>
+            <a:off x="90121" y="5432782"/>
+            <a:ext cx="4572000" cy="938719"/>
+          </a:xfrm>
+          <a:prstGeom prst="rect">
+            <a:avLst/>
+          </a:prstGeom>
+        </p:spPr>
+        <p:txBody>
+          <a:bodyPr>
+            <a:spAutoFit/>
+          </a:bodyPr>
+          <a:lstStyle/>
+          <a:p>
+            <a:r>
+              <a:rPr lang="en-US" sz="1100" dirty="0">
+                <a:latin typeface="NimbusRomNo9L"/>
+              </a:rPr>
+              <a:t>We evaluate our model in five experiments: an eval- </a:t>
+            </a:r>
+            <a:r>
+              <a:rPr lang="en-US" sz="1100" dirty="0" err="1">
+                <a:latin typeface="NimbusRomNo9L"/>
+              </a:rPr>
+              <a:t>uation</a:t>
+            </a:r>
+            <a:r>
+              <a:rPr lang="en-US" sz="1100" dirty="0">
+                <a:latin typeface="NimbusRomNo9L"/>
+              </a:rPr>
+              <a:t> of word similarity and word analogies, a com- </a:t>
+            </a:r>
+            <a:r>
+              <a:rPr lang="en-US" sz="1100" dirty="0" err="1">
+                <a:latin typeface="NimbusRomNo9L"/>
+              </a:rPr>
+              <a:t>parison</a:t>
+            </a:r>
+            <a:r>
+              <a:rPr lang="en-US" sz="1100" dirty="0">
+                <a:latin typeface="NimbusRomNo9L"/>
+              </a:rPr>
+              <a:t> to state-of-the-art methods, an analysis of the effect of the size of training data and of the size of character </a:t>
+            </a:r>
+            <a:r>
+              <a:rPr lang="en-US" sz="1100" dirty="0">
+                <a:latin typeface="CMMI10"/>
+              </a:rPr>
+              <a:t>n</a:t>
+            </a:r>
+            <a:r>
+              <a:rPr lang="en-US" sz="1100" dirty="0">
+                <a:latin typeface="NimbusRomNo9L"/>
+              </a:rPr>
+              <a:t>-grams that we consider. We will de- scribe these experiments in detail in the following sections. </a:t>
+            </a:r>
+            <a:endParaRPr lang="en-US" sz="1100" dirty="0"/>
+          </a:p>
+        </p:txBody>
+      </p:sp>
+      <p:pic>
+        <p:nvPicPr>
+          <p:cNvPr id="10" name="Picture 9">
+            <a:extLst>
+              <a:ext uri="{FF2B5EF4-FFF2-40B4-BE49-F238E27FC236}">
+                <a16:creationId xmlns:a16="http://schemas.microsoft.com/office/drawing/2014/main" id="{1D31E707-FBB3-4F42-9BCC-8525933EF56E}"/>
+              </a:ext>
+            </a:extLst>
+          </p:cNvPr>
+          <p:cNvPicPr>
+            <a:picLocks noChangeAspect="1"/>
+          </p:cNvPicPr>
+          <p:nvPr/>
+        </p:nvPicPr>
+        <p:blipFill>
+          <a:blip r:embed="rId2"/>
+          <a:stretch>
+            <a:fillRect/>
+          </a:stretch>
+        </p:blipFill>
+        <p:spPr>
+          <a:xfrm>
+            <a:off x="384703" y="1367086"/>
+            <a:ext cx="2791634" cy="2500614"/>
+          </a:xfrm>
+          <a:prstGeom prst="rect">
+            <a:avLst/>
+          </a:prstGeom>
+        </p:spPr>
+      </p:pic>
     </p:spTree>
     <p:extLst>
       <p:ext uri="{BB962C8B-B14F-4D97-AF65-F5344CB8AC3E}">
-        <p14:creationId xmlns:p14="http://schemas.microsoft.com/office/powerpoint/2010/main" val="2066232038"/>
+        <p14:creationId xmlns:p14="http://schemas.microsoft.com/office/powerpoint/2010/main" val="1254982742"/>
       </p:ext>
     </p:extLst>
   </p:cSld>
@@ -6619,7 +8131,7 @@
           <p:cNvPr id="2" name="Rectangle 1">
             <a:extLst>
               <a:ext uri="{FF2B5EF4-FFF2-40B4-BE49-F238E27FC236}">
-                <a16:creationId xmlns:a16="http://schemas.microsoft.com/office/drawing/2014/main" id="{970F4C1E-B101-E249-B27C-F6658E5055B6}"/>
+                <a16:creationId xmlns:a16="http://schemas.microsoft.com/office/drawing/2014/main" id="{B5986EB7-9E4C-084D-9A56-87E64506A958}"/>
               </a:ext>
             </a:extLst>
           </p:cNvPr>
@@ -6628,8 +8140,8 @@
         </p:nvSpPr>
         <p:spPr>
           <a:xfrm>
-            <a:off x="3145968" y="952071"/>
-            <a:ext cx="2852063" cy="369332"/>
+            <a:off x="2408587" y="839337"/>
+            <a:ext cx="4326826" cy="369332"/>
           </a:xfrm>
           <a:prstGeom prst="rect">
             <a:avLst/>
@@ -6648,7 +8160,7 @@
                 </a:solidFill>
                 <a:latin typeface="Arial" panose="020B0604020202020204" pitchFamily="34" charset="0"/>
               </a:rPr>
-              <a:t>Is there an error analysis?</a:t>
+              <a:t>Why is it relevant? Why did they write it?</a:t>
             </a:r>
             <a:endParaRPr lang="en-CO" dirty="0"/>
           </a:p>
@@ -6656,45 +8168,10 @@
       </p:sp>
       <p:sp>
         <p:nvSpPr>
-          <p:cNvPr id="3" name="TextBox 2">
+          <p:cNvPr id="3" name="Rectangle 2">
             <a:extLst>
               <a:ext uri="{FF2B5EF4-FFF2-40B4-BE49-F238E27FC236}">
-                <a16:creationId xmlns:a16="http://schemas.microsoft.com/office/drawing/2014/main" id="{9E362691-9CBA-9441-ABD2-D534EED432F1}"/>
-              </a:ext>
-            </a:extLst>
-          </p:cNvPr>
-          <p:cNvSpPr txBox="1"/>
-          <p:nvPr/>
-        </p:nvSpPr>
-        <p:spPr>
-          <a:xfrm>
-            <a:off x="1934942" y="1321403"/>
-            <a:ext cx="3056350" cy="369332"/>
-          </a:xfrm>
-          <a:prstGeom prst="rect">
-            <a:avLst/>
-          </a:prstGeom>
-          <a:noFill/>
-        </p:spPr>
-        <p:txBody>
-          <a:bodyPr wrap="square" rtlCol="0">
-            <a:spAutoFit/>
-          </a:bodyPr>
-          <a:lstStyle/>
-          <a:p>
-            <a:r>
-              <a:rPr lang="en-CO" dirty="0"/>
-              <a:t>NOUP</a:t>
-            </a:r>
-          </a:p>
-        </p:txBody>
-      </p:sp>
-      <p:sp>
-        <p:nvSpPr>
-          <p:cNvPr id="4" name="Rectangle 3">
-            <a:extLst>
-              <a:ext uri="{FF2B5EF4-FFF2-40B4-BE49-F238E27FC236}">
-                <a16:creationId xmlns:a16="http://schemas.microsoft.com/office/drawing/2014/main" id="{DE089639-291C-401D-939D-056AFCEF525D}"/>
+                <a16:creationId xmlns:a16="http://schemas.microsoft.com/office/drawing/2014/main" id="{E849072D-FFEC-2D42-8362-0EF41FE22F93}"/>
               </a:ext>
             </a:extLst>
           </p:cNvPr>
@@ -6703,175 +8180,12 @@
         </p:nvSpPr>
         <p:spPr>
           <a:xfrm>
-            <a:off x="2530414" y="1802918"/>
-            <a:ext cx="4083169" cy="369332"/>
-          </a:xfrm>
-          <a:prstGeom prst="rect">
-            <a:avLst/>
-          </a:prstGeom>
-        </p:spPr>
-        <p:txBody>
-          <a:bodyPr wrap="none">
-            <a:spAutoFit/>
-          </a:bodyPr>
-          <a:lstStyle/>
-          <a:p>
-            <a:r>
-              <a:rPr lang="en-US" dirty="0">
-                <a:solidFill>
-                  <a:srgbClr val="000000"/>
-                </a:solidFill>
-                <a:latin typeface="Arial" panose="020B0604020202020204" pitchFamily="34" charset="0"/>
-              </a:rPr>
-              <a:t>Do you believe it? Do I see problems?</a:t>
-            </a:r>
-            <a:endParaRPr lang="en-CO" dirty="0"/>
-          </a:p>
-        </p:txBody>
-      </p:sp>
-      <p:sp>
-        <p:nvSpPr>
-          <p:cNvPr id="5" name="TextBox 4">
-            <a:extLst>
-              <a:ext uri="{FF2B5EF4-FFF2-40B4-BE49-F238E27FC236}">
-                <a16:creationId xmlns:a16="http://schemas.microsoft.com/office/drawing/2014/main" id="{6B09CAD0-7D4F-40DA-A9EA-40537C023124}"/>
-              </a:ext>
-            </a:extLst>
-          </p:cNvPr>
-          <p:cNvSpPr txBox="1"/>
-          <p:nvPr/>
-        </p:nvSpPr>
-        <p:spPr>
-          <a:xfrm>
-            <a:off x="1760394" y="2284433"/>
-            <a:ext cx="5022780" cy="369332"/>
-          </a:xfrm>
-          <a:prstGeom prst="rect">
-            <a:avLst/>
-          </a:prstGeom>
-          <a:noFill/>
-        </p:spPr>
-        <p:txBody>
-          <a:bodyPr wrap="square" rtlCol="0">
-            <a:spAutoFit/>
-          </a:bodyPr>
-          <a:lstStyle/>
-          <a:p>
-            <a:r>
-              <a:rPr lang="en-CO" dirty="0"/>
-              <a:t>YES / there is no error</a:t>
-            </a:r>
-          </a:p>
-        </p:txBody>
-      </p:sp>
-      <p:sp>
-        <p:nvSpPr>
-          <p:cNvPr id="7" name="Rectangle 6">
-            <a:extLst>
-              <a:ext uri="{FF2B5EF4-FFF2-40B4-BE49-F238E27FC236}">
-                <a16:creationId xmlns:a16="http://schemas.microsoft.com/office/drawing/2014/main" id="{2F21BB49-9FA5-47DD-9840-D18AF40A5F18}"/>
-              </a:ext>
-            </a:extLst>
-          </p:cNvPr>
-          <p:cNvSpPr/>
-          <p:nvPr/>
-        </p:nvSpPr>
-        <p:spPr>
-          <a:xfrm>
-            <a:off x="3145968" y="2765948"/>
-            <a:ext cx="2441694" cy="369332"/>
-          </a:xfrm>
-          <a:prstGeom prst="rect">
-            <a:avLst/>
-          </a:prstGeom>
-        </p:spPr>
-        <p:txBody>
-          <a:bodyPr wrap="none">
-            <a:spAutoFit/>
-          </a:bodyPr>
-          <a:lstStyle/>
-          <a:p>
-            <a:r>
-              <a:rPr lang="en-US" dirty="0">
-                <a:solidFill>
-                  <a:srgbClr val="000000"/>
-                </a:solidFill>
-                <a:latin typeface="Arial" panose="020B0604020202020204" pitchFamily="34" charset="0"/>
-              </a:rPr>
-              <a:t>Where do they cheat?</a:t>
-            </a:r>
-            <a:endParaRPr lang="en-CO" dirty="0"/>
-          </a:p>
-        </p:txBody>
-      </p:sp>
-      <p:sp>
-        <p:nvSpPr>
-          <p:cNvPr id="9" name="TextBox 8">
-            <a:extLst>
-              <a:ext uri="{FF2B5EF4-FFF2-40B4-BE49-F238E27FC236}">
-                <a16:creationId xmlns:a16="http://schemas.microsoft.com/office/drawing/2014/main" id="{569C0C34-BE50-4200-8B14-F24FC28834D8}"/>
-              </a:ext>
-            </a:extLst>
-          </p:cNvPr>
-          <p:cNvSpPr txBox="1"/>
-          <p:nvPr/>
-        </p:nvSpPr>
-        <p:spPr>
-          <a:xfrm>
-            <a:off x="1934942" y="3247463"/>
-            <a:ext cx="4421687" cy="646331"/>
-          </a:xfrm>
-          <a:prstGeom prst="rect">
-            <a:avLst/>
-          </a:prstGeom>
-          <a:noFill/>
-        </p:spPr>
-        <p:txBody>
-          <a:bodyPr wrap="square" rtlCol="0">
-            <a:spAutoFit/>
-          </a:bodyPr>
-          <a:lstStyle/>
-          <a:p>
-            <a:r>
-              <a:rPr lang="en-US" dirty="0"/>
-              <a:t>W</a:t>
-            </a:r>
-            <a:r>
-              <a:rPr lang="en-CO" dirty="0"/>
-              <a:t>ith the error</a:t>
-            </a:r>
-            <a:endParaRPr lang="en-US" dirty="0"/>
-          </a:p>
-          <a:p>
-            <a:r>
-              <a:rPr lang="en-US" dirty="0"/>
-              <a:t>“Hand picked examples”</a:t>
-            </a:r>
-            <a:endParaRPr lang="en-CO" dirty="0"/>
-          </a:p>
-        </p:txBody>
-      </p:sp>
-      <p:sp>
-        <p:nvSpPr>
-          <p:cNvPr id="11" name="TextBox 10">
-            <a:extLst>
-              <a:ext uri="{FF2B5EF4-FFF2-40B4-BE49-F238E27FC236}">
-                <a16:creationId xmlns:a16="http://schemas.microsoft.com/office/drawing/2014/main" id="{AD61F5CE-1FBE-4ED9-8F74-F02C38AE36EE}"/>
-              </a:ext>
-            </a:extLst>
-          </p:cNvPr>
-          <p:cNvSpPr txBox="1"/>
-          <p:nvPr/>
-        </p:nvSpPr>
-        <p:spPr>
-          <a:xfrm>
-            <a:off x="1859785" y="4171647"/>
-            <a:ext cx="4572000" cy="923330"/>
-          </a:xfrm>
-          <a:prstGeom prst="rect">
-            <a:avLst/>
-          </a:prstGeom>
-          <a:noFill/>
+            <a:off x="480959" y="1503122"/>
+            <a:ext cx="8324837" cy="3693319"/>
+          </a:xfrm>
+          <a:prstGeom prst="rect">
+            <a:avLst/>
+          </a:prstGeom>
         </p:spPr>
         <p:txBody>
           <a:bodyPr wrap="square">
@@ -6880,52 +8194,55 @@
           <a:lstStyle/>
           <a:p>
             <a:r>
-              <a:rPr lang="en-US" dirty="0"/>
-              <a:t>This method lacks the contextual information gathered in the RNN or Transformer models</a:t>
-            </a:r>
-          </a:p>
-        </p:txBody>
-      </p:sp>
-      <p:sp>
-        <p:nvSpPr>
-          <p:cNvPr id="13" name="TextBox 12">
-            <a:extLst>
-              <a:ext uri="{FF2B5EF4-FFF2-40B4-BE49-F238E27FC236}">
-                <a16:creationId xmlns:a16="http://schemas.microsoft.com/office/drawing/2014/main" id="{BB00BD7D-BE08-465D-A3D5-05930DDDBBDB}"/>
-              </a:ext>
-            </a:extLst>
-          </p:cNvPr>
-          <p:cNvSpPr txBox="1"/>
-          <p:nvPr/>
-        </p:nvSpPr>
-        <p:spPr>
-          <a:xfrm>
-            <a:off x="2530414" y="3854948"/>
-            <a:ext cx="4421687" cy="369332"/>
-          </a:xfrm>
-          <a:prstGeom prst="rect">
-            <a:avLst/>
-          </a:prstGeom>
-          <a:noFill/>
-        </p:spPr>
-        <p:txBody>
-          <a:bodyPr wrap="square" rtlCol="0">
-            <a:spAutoFit/>
-          </a:bodyPr>
-          <a:lstStyle/>
-          <a:p>
-            <a:r>
-              <a:rPr lang="en-US" dirty="0"/>
-              <a:t>What are the weaknesses?</a:t>
-            </a:r>
-            <a:endParaRPr lang="en-CO" dirty="0"/>
+              <a:rPr lang="en-US" dirty="0">
+                <a:latin typeface="NimbusRomNo9L"/>
+              </a:rPr>
+              <a:t>Continuous word representations, trained on large unlabeled corpora are useful for many natural language processing tasks. Popular models that learn such representations ignore the morphology of words, by assigning a distinct vector to each word. This is a limitation, especially for languages with large vocabularies and many rare words. In this paper, we propose a new approach based on the </a:t>
+            </a:r>
+            <a:r>
+              <a:rPr lang="en-US" dirty="0" err="1">
+                <a:latin typeface="NimbusRomNo9L"/>
+              </a:rPr>
+              <a:t>skipgram</a:t>
+            </a:r>
+            <a:r>
+              <a:rPr lang="en-US" dirty="0">
+                <a:latin typeface="NimbusRomNo9L"/>
+              </a:rPr>
+              <a:t> model, where each word is represented as a bag of character </a:t>
+            </a:r>
+            <a:r>
+              <a:rPr lang="en-US" dirty="0">
+                <a:latin typeface="CMMI10"/>
+              </a:rPr>
+              <a:t>n</a:t>
+            </a:r>
+            <a:r>
+              <a:rPr lang="en-US" dirty="0">
+                <a:latin typeface="NimbusRomNo9L"/>
+              </a:rPr>
+              <a:t>-grams. A vector representation is associated to each character </a:t>
+            </a:r>
+            <a:r>
+              <a:rPr lang="en-US" dirty="0">
+                <a:latin typeface="CMMI10"/>
+              </a:rPr>
+              <a:t>n</a:t>
+            </a:r>
+            <a:r>
+              <a:rPr lang="en-US" dirty="0">
+                <a:latin typeface="NimbusRomNo9L"/>
+              </a:rPr>
+              <a:t>-gram; words being represented as the sum of these representations. Our method is fast, allowing to train models on large corpora quickly and allows us to compute word representations for words that did not appear in the training data. We evaluate our word representations on nine different languages, both on word similarity and analogy tasks. By comparing to recently proposed morphological word representations, we show that our vectors achieve state-of-the-art performance on these tasks. </a:t>
+            </a:r>
+            <a:endParaRPr lang="en-US" dirty="0"/>
           </a:p>
         </p:txBody>
       </p:sp>
     </p:spTree>
     <p:extLst>
       <p:ext uri="{BB962C8B-B14F-4D97-AF65-F5344CB8AC3E}">
-        <p14:creationId xmlns:p14="http://schemas.microsoft.com/office/powerpoint/2010/main" val="66866511"/>
+        <p14:creationId xmlns:p14="http://schemas.microsoft.com/office/powerpoint/2010/main" val="4086899568"/>
       </p:ext>
     </p:extLst>
   </p:cSld>
@@ -7030,7 +8347,7 @@
           <p:cNvPr id="2" name="Rectangle 1">
             <a:extLst>
               <a:ext uri="{FF2B5EF4-FFF2-40B4-BE49-F238E27FC236}">
-                <a16:creationId xmlns:a16="http://schemas.microsoft.com/office/drawing/2014/main" id="{DF0DC0D4-49B4-1741-8362-B00EFBBC09B5}"/>
+                <a16:creationId xmlns:a16="http://schemas.microsoft.com/office/drawing/2014/main" id="{D4B0B71D-F529-7049-9D5F-AFA252194375}"/>
               </a:ext>
             </a:extLst>
           </p:cNvPr>
@@ -7039,15 +8356,15 @@
         </p:nvSpPr>
         <p:spPr>
           <a:xfrm>
-            <a:off x="2286000" y="1001462"/>
-            <a:ext cx="4572000" cy="646331"/>
-          </a:xfrm>
-          <a:prstGeom prst="rect">
-            <a:avLst/>
-          </a:prstGeom>
-        </p:spPr>
-        <p:txBody>
-          <a:bodyPr>
+            <a:off x="3575573" y="989649"/>
+            <a:ext cx="1992853" cy="369332"/>
+          </a:xfrm>
+          <a:prstGeom prst="rect">
+            <a:avLst/>
+          </a:prstGeom>
+        </p:spPr>
+        <p:txBody>
+          <a:bodyPr wrap="none">
             <a:spAutoFit/>
           </a:bodyPr>
           <a:lstStyle/>
@@ -7059,7 +8376,7 @@
                 </a:solidFill>
                 <a:latin typeface="Arial" panose="020B0604020202020204" pitchFamily="34" charset="0"/>
               </a:rPr>
-              <a:t>Can you apply it? Is code and data available?</a:t>
+              <a:t>Main Contribution</a:t>
             </a:r>
             <a:endParaRPr lang="en-CO" dirty="0"/>
           </a:p>
@@ -7070,7 +8387,7 @@
           <p:cNvPr id="3" name="TextBox 2">
             <a:extLst>
               <a:ext uri="{FF2B5EF4-FFF2-40B4-BE49-F238E27FC236}">
-                <a16:creationId xmlns:a16="http://schemas.microsoft.com/office/drawing/2014/main" id="{A10E4C2B-8406-1F4D-873F-BEEFB883E5D7}"/>
+                <a16:creationId xmlns:a16="http://schemas.microsoft.com/office/drawing/2014/main" id="{14A44E5C-424F-3246-A6C9-0859BF213681}"/>
               </a:ext>
             </a:extLst>
           </p:cNvPr>
@@ -7079,8 +8396,8 @@
         </p:nvSpPr>
         <p:spPr>
           <a:xfrm>
-            <a:off x="1653436" y="2430049"/>
-            <a:ext cx="5204564" cy="1477328"/>
+            <a:off x="1957093" y="2505670"/>
+            <a:ext cx="3858016" cy="1200329"/>
           </a:xfrm>
           <a:prstGeom prst="rect">
             <a:avLst/>
@@ -7095,29 +8412,24 @@
           <a:p>
             <a:r>
               <a:rPr lang="en-US" dirty="0"/>
-              <a:t>Y</a:t>
+              <a:t>-</a:t>
             </a:r>
             <a:r>
               <a:rPr lang="en-CO" dirty="0"/>
-              <a:t>es, in the folder examples. Maybe we can put part of the code here.</a:t>
+              <a:t>Morphological languages.</a:t>
             </a:r>
             <a:endParaRPr lang="en-US" dirty="0"/>
           </a:p>
           <a:p>
-            <a:endParaRPr lang="en-US" dirty="0"/>
-          </a:p>
-          <a:p>
             <a:r>
               <a:rPr lang="en-US" dirty="0"/>
-              <a:t>[Potentially download and run some simple </a:t>
-            </a:r>
-            <a:r>
-              <a:rPr lang="en-US" dirty="0" err="1"/>
-              <a:t>fasttext</a:t>
-            </a:r>
+              <a:t>-Good word representations with smaller datasets (Ref. Sect. 5.4)</a:t>
+            </a:r>
+          </a:p>
+          <a:p>
             <a:r>
               <a:rPr lang="en-US" dirty="0"/>
-              <a:t> code and show the results]</a:t>
+              <a:t>-Good rare word representations</a:t>
             </a:r>
             <a:endParaRPr lang="en-CO" dirty="0"/>
           </a:p>
@@ -7126,7 +8438,7 @@
     </p:spTree>
     <p:extLst>
       <p:ext uri="{BB962C8B-B14F-4D97-AF65-F5344CB8AC3E}">
-        <p14:creationId xmlns:p14="http://schemas.microsoft.com/office/powerpoint/2010/main" val="2277068510"/>
+        <p14:creationId xmlns:p14="http://schemas.microsoft.com/office/powerpoint/2010/main" val="2066232038"/>
       </p:ext>
     </p:extLst>
   </p:cSld>
@@ -7231,7 +8543,7 @@
           <p:cNvPr id="2" name="Rectangle 1">
             <a:extLst>
               <a:ext uri="{FF2B5EF4-FFF2-40B4-BE49-F238E27FC236}">
-                <a16:creationId xmlns:a16="http://schemas.microsoft.com/office/drawing/2014/main" id="{8B547BF3-553D-C547-A331-7CC4642AB9E9}"/>
+                <a16:creationId xmlns:a16="http://schemas.microsoft.com/office/drawing/2014/main" id="{970F4C1E-B101-E249-B27C-F6658E5055B6}"/>
               </a:ext>
             </a:extLst>
           </p:cNvPr>
@@ -7240,15 +8552,15 @@
         </p:nvSpPr>
         <p:spPr>
           <a:xfrm>
-            <a:off x="2286000" y="888728"/>
-            <a:ext cx="4572000" cy="2031325"/>
-          </a:xfrm>
-          <a:prstGeom prst="rect">
-            <a:avLst/>
-          </a:prstGeom>
-        </p:spPr>
-        <p:txBody>
-          <a:bodyPr>
+            <a:off x="3145968" y="952071"/>
+            <a:ext cx="2852063" cy="369332"/>
+          </a:xfrm>
+          <a:prstGeom prst="rect">
+            <a:avLst/>
+          </a:prstGeom>
+        </p:spPr>
+        <p:txBody>
+          <a:bodyPr wrap="none">
             <a:spAutoFit/>
           </a:bodyPr>
           <a:lstStyle/>
@@ -7260,17 +8572,73 @@
                 </a:solidFill>
                 <a:latin typeface="Arial" panose="020B0604020202020204" pitchFamily="34" charset="0"/>
               </a:rPr>
-              <a:t>Impactful? Are there any Enterprise solutions that apply it?</a:t>
-            </a:r>
-          </a:p>
-          <a:p>
-            <a:endParaRPr lang="en-US" dirty="0">
-              <a:solidFill>
-                <a:srgbClr val="000000"/>
-              </a:solidFill>
-              <a:latin typeface="Arial" panose="020B0604020202020204" pitchFamily="34" charset="0"/>
-            </a:endParaRPr>
-          </a:p>
+              <a:t>Is there an error analysis?</a:t>
+            </a:r>
+            <a:endParaRPr lang="en-CO" dirty="0"/>
+          </a:p>
+        </p:txBody>
+      </p:sp>
+      <p:sp>
+        <p:nvSpPr>
+          <p:cNvPr id="3" name="TextBox 2">
+            <a:extLst>
+              <a:ext uri="{FF2B5EF4-FFF2-40B4-BE49-F238E27FC236}">
+                <a16:creationId xmlns:a16="http://schemas.microsoft.com/office/drawing/2014/main" id="{9E362691-9CBA-9441-ABD2-D534EED432F1}"/>
+              </a:ext>
+            </a:extLst>
+          </p:cNvPr>
+          <p:cNvSpPr txBox="1"/>
+          <p:nvPr/>
+        </p:nvSpPr>
+        <p:spPr>
+          <a:xfrm>
+            <a:off x="1934942" y="1321403"/>
+            <a:ext cx="3056350" cy="369332"/>
+          </a:xfrm>
+          <a:prstGeom prst="rect">
+            <a:avLst/>
+          </a:prstGeom>
+          <a:noFill/>
+        </p:spPr>
+        <p:txBody>
+          <a:bodyPr wrap="square" rtlCol="0">
+            <a:spAutoFit/>
+          </a:bodyPr>
+          <a:lstStyle/>
+          <a:p>
+            <a:r>
+              <a:rPr lang="en-CO" dirty="0"/>
+              <a:t>NOUP</a:t>
+            </a:r>
+          </a:p>
+        </p:txBody>
+      </p:sp>
+      <p:sp>
+        <p:nvSpPr>
+          <p:cNvPr id="4" name="Rectangle 3">
+            <a:extLst>
+              <a:ext uri="{FF2B5EF4-FFF2-40B4-BE49-F238E27FC236}">
+                <a16:creationId xmlns:a16="http://schemas.microsoft.com/office/drawing/2014/main" id="{DE089639-291C-401D-939D-056AFCEF525D}"/>
+              </a:ext>
+            </a:extLst>
+          </p:cNvPr>
+          <p:cNvSpPr/>
+          <p:nvPr/>
+        </p:nvSpPr>
+        <p:spPr>
+          <a:xfrm>
+            <a:off x="2530414" y="1802918"/>
+            <a:ext cx="4083169" cy="369332"/>
+          </a:xfrm>
+          <a:prstGeom prst="rect">
+            <a:avLst/>
+          </a:prstGeom>
+        </p:spPr>
+        <p:txBody>
+          <a:bodyPr wrap="none">
+            <a:spAutoFit/>
+          </a:bodyPr>
+          <a:lstStyle/>
           <a:p>
             <a:r>
               <a:rPr lang="en-US" dirty="0">
@@ -7279,17 +8647,73 @@
                 </a:solidFill>
                 <a:latin typeface="Arial" panose="020B0604020202020204" pitchFamily="34" charset="0"/>
               </a:rPr>
-              <a:t>And</a:t>
-            </a:r>
-          </a:p>
-          <a:p>
-            <a:endParaRPr lang="en-US" dirty="0">
-              <a:solidFill>
-                <a:srgbClr val="000000"/>
-              </a:solidFill>
-              <a:latin typeface="Arial" panose="020B0604020202020204" pitchFamily="34" charset="0"/>
-            </a:endParaRPr>
-          </a:p>
+              <a:t>Do you believe it? Do I see problems?</a:t>
+            </a:r>
+            <a:endParaRPr lang="en-CO" dirty="0"/>
+          </a:p>
+        </p:txBody>
+      </p:sp>
+      <p:sp>
+        <p:nvSpPr>
+          <p:cNvPr id="5" name="TextBox 4">
+            <a:extLst>
+              <a:ext uri="{FF2B5EF4-FFF2-40B4-BE49-F238E27FC236}">
+                <a16:creationId xmlns:a16="http://schemas.microsoft.com/office/drawing/2014/main" id="{6B09CAD0-7D4F-40DA-A9EA-40537C023124}"/>
+              </a:ext>
+            </a:extLst>
+          </p:cNvPr>
+          <p:cNvSpPr txBox="1"/>
+          <p:nvPr/>
+        </p:nvSpPr>
+        <p:spPr>
+          <a:xfrm>
+            <a:off x="1760394" y="2284433"/>
+            <a:ext cx="5022780" cy="369332"/>
+          </a:xfrm>
+          <a:prstGeom prst="rect">
+            <a:avLst/>
+          </a:prstGeom>
+          <a:noFill/>
+        </p:spPr>
+        <p:txBody>
+          <a:bodyPr wrap="square" rtlCol="0">
+            <a:spAutoFit/>
+          </a:bodyPr>
+          <a:lstStyle/>
+          <a:p>
+            <a:r>
+              <a:rPr lang="en-CO" dirty="0"/>
+              <a:t>YES / there is no error</a:t>
+            </a:r>
+          </a:p>
+        </p:txBody>
+      </p:sp>
+      <p:sp>
+        <p:nvSpPr>
+          <p:cNvPr id="7" name="Rectangle 6">
+            <a:extLst>
+              <a:ext uri="{FF2B5EF4-FFF2-40B4-BE49-F238E27FC236}">
+                <a16:creationId xmlns:a16="http://schemas.microsoft.com/office/drawing/2014/main" id="{2F21BB49-9FA5-47DD-9840-D18AF40A5F18}"/>
+              </a:ext>
+            </a:extLst>
+          </p:cNvPr>
+          <p:cNvSpPr/>
+          <p:nvPr/>
+        </p:nvSpPr>
+        <p:spPr>
+          <a:xfrm>
+            <a:off x="3145968" y="2765948"/>
+            <a:ext cx="2441694" cy="369332"/>
+          </a:xfrm>
+          <a:prstGeom prst="rect">
+            <a:avLst/>
+          </a:prstGeom>
+        </p:spPr>
+        <p:txBody>
+          <a:bodyPr wrap="none">
+            <a:spAutoFit/>
+          </a:bodyPr>
+          <a:lstStyle/>
           <a:p>
             <a:r>
               <a:rPr lang="en-US" dirty="0">
@@ -7298,34 +8722,80 @@
                 </a:solidFill>
                 <a:latin typeface="Arial" panose="020B0604020202020204" pitchFamily="34" charset="0"/>
               </a:rPr>
-              <a:t>Who cited it? Semantic Scholar</a:t>
-            </a:r>
-          </a:p>
-          <a:p>
+              <a:t>Where do they cheat?</a:t>
+            </a:r>
             <a:endParaRPr lang="en-CO" dirty="0"/>
           </a:p>
         </p:txBody>
       </p:sp>
       <p:sp>
         <p:nvSpPr>
-          <p:cNvPr id="3" name="Rectangle 2">
+          <p:cNvPr id="9" name="TextBox 8">
             <a:extLst>
               <a:ext uri="{FF2B5EF4-FFF2-40B4-BE49-F238E27FC236}">
-                <a16:creationId xmlns:a16="http://schemas.microsoft.com/office/drawing/2014/main" id="{2747BE21-C12E-D24D-9890-F9498B8B6859}"/>
+                <a16:creationId xmlns:a16="http://schemas.microsoft.com/office/drawing/2014/main" id="{569C0C34-BE50-4200-8B14-F24FC28834D8}"/>
               </a:ext>
             </a:extLst>
           </p:cNvPr>
-          <p:cNvSpPr/>
+          <p:cNvSpPr txBox="1"/>
           <p:nvPr/>
         </p:nvSpPr>
         <p:spPr>
           <a:xfrm>
-            <a:off x="1434163" y="2920053"/>
-            <a:ext cx="3301812" cy="369332"/>
-          </a:xfrm>
-          <a:prstGeom prst="rect">
-            <a:avLst/>
-          </a:prstGeom>
+            <a:off x="1934942" y="3247463"/>
+            <a:ext cx="4421687" cy="646331"/>
+          </a:xfrm>
+          <a:prstGeom prst="rect">
+            <a:avLst/>
+          </a:prstGeom>
+          <a:noFill/>
+        </p:spPr>
+        <p:txBody>
+          <a:bodyPr wrap="square" rtlCol="0">
+            <a:spAutoFit/>
+          </a:bodyPr>
+          <a:lstStyle/>
+          <a:p>
+            <a:r>
+              <a:rPr lang="en-US" dirty="0"/>
+              <a:t>W</a:t>
+            </a:r>
+            <a:r>
+              <a:rPr lang="en-CO" dirty="0"/>
+              <a:t>ith the error</a:t>
+            </a:r>
+            <a:endParaRPr lang="en-US" dirty="0"/>
+          </a:p>
+          <a:p>
+            <a:r>
+              <a:rPr lang="en-US" dirty="0"/>
+              <a:t>“Hand picked examples”</a:t>
+            </a:r>
+            <a:endParaRPr lang="en-CO" dirty="0"/>
+          </a:p>
+        </p:txBody>
+      </p:sp>
+      <p:sp>
+        <p:nvSpPr>
+          <p:cNvPr id="11" name="TextBox 10">
+            <a:extLst>
+              <a:ext uri="{FF2B5EF4-FFF2-40B4-BE49-F238E27FC236}">
+                <a16:creationId xmlns:a16="http://schemas.microsoft.com/office/drawing/2014/main" id="{AD61F5CE-1FBE-4ED9-8F74-F02C38AE36EE}"/>
+              </a:ext>
+            </a:extLst>
+          </p:cNvPr>
+          <p:cNvSpPr txBox="1"/>
+          <p:nvPr/>
+        </p:nvSpPr>
+        <p:spPr>
+          <a:xfrm>
+            <a:off x="1859785" y="4171647"/>
+            <a:ext cx="4572000" cy="923330"/>
+          </a:xfrm>
+          <a:prstGeom prst="rect">
+            <a:avLst/>
+          </a:prstGeom>
+          <a:noFill/>
         </p:spPr>
         <p:txBody>
           <a:bodyPr wrap="square">
@@ -7334,10 +8804,43 @@
           <a:lstStyle/>
           <a:p>
             <a:r>
-              <a:rPr lang="en-US" dirty="0">
-                <a:hlinkClick r:id="rId2"/>
-              </a:rPr>
-              <a:t>https://pypi.org/project/fasttext/</a:t>
+              <a:rPr lang="en-US" dirty="0"/>
+              <a:t>This method lacks the contextual information gathered in the RNN or Transformer models</a:t>
+            </a:r>
+          </a:p>
+        </p:txBody>
+      </p:sp>
+      <p:sp>
+        <p:nvSpPr>
+          <p:cNvPr id="13" name="TextBox 12">
+            <a:extLst>
+              <a:ext uri="{FF2B5EF4-FFF2-40B4-BE49-F238E27FC236}">
+                <a16:creationId xmlns:a16="http://schemas.microsoft.com/office/drawing/2014/main" id="{BB00BD7D-BE08-465D-A3D5-05930DDDBBDB}"/>
+              </a:ext>
+            </a:extLst>
+          </p:cNvPr>
+          <p:cNvSpPr txBox="1"/>
+          <p:nvPr/>
+        </p:nvSpPr>
+        <p:spPr>
+          <a:xfrm>
+            <a:off x="2530414" y="3854948"/>
+            <a:ext cx="4421687" cy="369332"/>
+          </a:xfrm>
+          <a:prstGeom prst="rect">
+            <a:avLst/>
+          </a:prstGeom>
+          <a:noFill/>
+        </p:spPr>
+        <p:txBody>
+          <a:bodyPr wrap="square" rtlCol="0">
+            <a:spAutoFit/>
+          </a:bodyPr>
+          <a:lstStyle/>
+          <a:p>
+            <a:r>
+              <a:rPr lang="en-US" dirty="0"/>
+              <a:t>What are the weaknesses?</a:t>
             </a:r>
             <a:endParaRPr lang="en-CO" dirty="0"/>
           </a:p>
@@ -7346,7 +8849,7 @@
     </p:spTree>
     <p:extLst>
       <p:ext uri="{BB962C8B-B14F-4D97-AF65-F5344CB8AC3E}">
-        <p14:creationId xmlns:p14="http://schemas.microsoft.com/office/powerpoint/2010/main" val="1515243945"/>
+        <p14:creationId xmlns:p14="http://schemas.microsoft.com/office/powerpoint/2010/main" val="66866511"/>
       </p:ext>
     </p:extLst>
   </p:cSld>
@@ -7451,7 +8954,7 @@
           <p:cNvPr id="2" name="Rectangle 1">
             <a:extLst>
               <a:ext uri="{FF2B5EF4-FFF2-40B4-BE49-F238E27FC236}">
-                <a16:creationId xmlns:a16="http://schemas.microsoft.com/office/drawing/2014/main" id="{7103E7DD-0C53-404D-B4D0-A422FDC9004C}"/>
+                <a16:creationId xmlns:a16="http://schemas.microsoft.com/office/drawing/2014/main" id="{DF0DC0D4-49B4-1741-8362-B00EFBBC09B5}"/>
               </a:ext>
             </a:extLst>
           </p:cNvPr>
@@ -7460,19 +8963,29 @@
         </p:nvSpPr>
         <p:spPr>
           <a:xfrm>
-            <a:off x="3814901" y="864389"/>
-            <a:ext cx="1514197" cy="369332"/>
-          </a:xfrm>
-          <a:prstGeom prst="rect">
-            <a:avLst/>
-          </a:prstGeom>
-        </p:spPr>
-        <p:txBody>
-          <a:bodyPr wrap="none">
+            <a:off x="933188" y="863676"/>
+            <a:ext cx="7729851" cy="369332"/>
+          </a:xfrm>
+          <a:prstGeom prst="rect">
+            <a:avLst/>
+          </a:prstGeom>
+        </p:spPr>
+        <p:txBody>
+          <a:bodyPr wrap="square">
             <a:spAutoFit/>
           </a:bodyPr>
           <a:lstStyle/>
           <a:p>
+            <a:pPr algn="ctr"/>
+            <a:r>
+              <a:rPr lang="en-US" dirty="0" err="1">
+                <a:solidFill>
+                  <a:srgbClr val="000000"/>
+                </a:solidFill>
+                <a:latin typeface="Arial" panose="020B0604020202020204" pitchFamily="34" charset="0"/>
+              </a:rPr>
+              <a:t>Fasttext</a:t>
+            </a:r>
             <a:r>
               <a:rPr lang="en-US" dirty="0">
                 <a:solidFill>
@@ -7480,65 +8993,177 @@
                 </a:solidFill>
                 <a:latin typeface="Arial" panose="020B0604020202020204" pitchFamily="34" charset="0"/>
               </a:rPr>
-              <a:t>What’s next?</a:t>
+              <a:t> Examples</a:t>
             </a:r>
             <a:endParaRPr lang="en-CO" dirty="0"/>
           </a:p>
         </p:txBody>
       </p:sp>
-      <p:sp>
-        <p:nvSpPr>
-          <p:cNvPr id="3" name="Rectangle 2">
+      <p:pic>
+        <p:nvPicPr>
+          <p:cNvPr id="4" name="Picture 3">
             <a:extLst>
               <a:ext uri="{FF2B5EF4-FFF2-40B4-BE49-F238E27FC236}">
-                <a16:creationId xmlns:a16="http://schemas.microsoft.com/office/drawing/2014/main" id="{DD2A8007-754E-4F32-9C34-008DE973CF1C}"/>
+                <a16:creationId xmlns:a16="http://schemas.microsoft.com/office/drawing/2014/main" id="{A9FC667C-057C-354C-BAFE-9B145289CA1B}"/>
               </a:ext>
             </a:extLst>
           </p:cNvPr>
-          <p:cNvSpPr/>
+          <p:cNvPicPr>
+            <a:picLocks noChangeAspect="1"/>
+          </p:cNvPicPr>
           <p:nvPr/>
-        </p:nvSpPr>
-        <p:spPr>
-          <a:xfrm rot="10800000" flipV="1">
-            <a:off x="2071124" y="2367898"/>
-            <a:ext cx="4968773" cy="1200329"/>
-          </a:xfrm>
-          <a:prstGeom prst="rect">
-            <a:avLst/>
-          </a:prstGeom>
-        </p:spPr>
-        <p:txBody>
-          <a:bodyPr wrap="square">
+        </p:nvPicPr>
+        <p:blipFill>
+          <a:blip r:embed="rId3"/>
+          <a:stretch>
+            <a:fillRect/>
+          </a:stretch>
+        </p:blipFill>
+        <p:spPr>
+          <a:xfrm>
+            <a:off x="167275" y="1233008"/>
+            <a:ext cx="4252393" cy="2975737"/>
+          </a:xfrm>
+          <a:prstGeom prst="rect">
+            <a:avLst/>
+          </a:prstGeom>
+        </p:spPr>
+      </p:pic>
+      <p:pic>
+        <p:nvPicPr>
+          <p:cNvPr id="5" name="Picture 4">
+            <a:extLst>
+              <a:ext uri="{FF2B5EF4-FFF2-40B4-BE49-F238E27FC236}">
+                <a16:creationId xmlns:a16="http://schemas.microsoft.com/office/drawing/2014/main" id="{07A54D51-0488-EC4F-8BD4-FD2A2DBA041D}"/>
+              </a:ext>
+            </a:extLst>
+          </p:cNvPr>
+          <p:cNvPicPr>
+            <a:picLocks noChangeAspect="1"/>
+          </p:cNvPicPr>
+          <p:nvPr/>
+        </p:nvPicPr>
+        <p:blipFill>
+          <a:blip r:embed="rId4"/>
+          <a:stretch>
+            <a:fillRect/>
+          </a:stretch>
+        </p:blipFill>
+        <p:spPr>
+          <a:xfrm>
+            <a:off x="3649846" y="4391542"/>
+            <a:ext cx="5013193" cy="1934102"/>
+          </a:xfrm>
+          <a:prstGeom prst="rect">
+            <a:avLst/>
+          </a:prstGeom>
+        </p:spPr>
+      </p:pic>
+      <p:sp>
+        <p:nvSpPr>
+          <p:cNvPr id="8" name="TextBox 7">
+            <a:extLst>
+              <a:ext uri="{FF2B5EF4-FFF2-40B4-BE49-F238E27FC236}">
+                <a16:creationId xmlns:a16="http://schemas.microsoft.com/office/drawing/2014/main" id="{7D945008-27F5-7640-8275-ECBF2CFF76F4}"/>
+              </a:ext>
+            </a:extLst>
+          </p:cNvPr>
+          <p:cNvSpPr txBox="1"/>
+          <p:nvPr/>
+        </p:nvSpPr>
+        <p:spPr>
+          <a:xfrm>
+            <a:off x="4747364" y="1540701"/>
+            <a:ext cx="4396636" cy="1477328"/>
+          </a:xfrm>
+          <a:prstGeom prst="rect">
+            <a:avLst/>
+          </a:prstGeom>
+          <a:noFill/>
+        </p:spPr>
+        <p:txBody>
+          <a:bodyPr wrap="square" rtlCol="0">
             <a:spAutoFit/>
           </a:bodyPr>
           <a:lstStyle/>
           <a:p>
             <a:r>
-              <a:rPr lang="en-US" dirty="0">
-                <a:solidFill>
-                  <a:srgbClr val="000000"/>
-                </a:solidFill>
-                <a:latin typeface="Arial" panose="020B0604020202020204" pitchFamily="34" charset="0"/>
-              </a:rPr>
-              <a:t>[Figure out what papers followed this, and also make sure we know if </a:t>
-            </a:r>
-            <a:r>
-              <a:rPr lang="en-US" dirty="0" err="1">
-                <a:solidFill>
-                  <a:srgbClr val="000000"/>
-                </a:solidFill>
-                <a:latin typeface="Arial" panose="020B0604020202020204" pitchFamily="34" charset="0"/>
-              </a:rPr>
-              <a:t>fasttext</a:t>
-            </a:r>
-            <a:r>
-              <a:rPr lang="en-US" dirty="0">
-                <a:solidFill>
-                  <a:srgbClr val="000000"/>
-                </a:solidFill>
-                <a:latin typeface="Arial" panose="020B0604020202020204" pitchFamily="34" charset="0"/>
-              </a:rPr>
-              <a:t> is used for the state of the art methods (BERT and ELMO, and other transformer methods]</a:t>
+              <a:rPr lang="en-CO" dirty="0"/>
+              <a:t>The libraries used are:</a:t>
+            </a:r>
+          </a:p>
+          <a:p>
+            <a:endParaRPr lang="en-CO" dirty="0"/>
+          </a:p>
+          <a:p>
+            <a:r>
+              <a:rPr lang="en-US" dirty="0"/>
+              <a:t>G</a:t>
+            </a:r>
+            <a:r>
+              <a:rPr lang="en-CO" dirty="0"/>
+              <a:t>ensim.models.fastext </a:t>
+            </a:r>
+          </a:p>
+          <a:p>
+            <a:r>
+              <a:rPr lang="en-US" dirty="0"/>
+              <a:t>N</a:t>
+            </a:r>
+            <a:r>
+              <a:rPr lang="en-CO" dirty="0"/>
+              <a:t>ltk </a:t>
+            </a:r>
+            <a:r>
+              <a:rPr lang="en-CO" dirty="0">
+                <a:sym typeface="Wingdings" pitchFamily="2" charset="2"/>
+              </a:rPr>
+              <a:t> natural language toolkit</a:t>
+            </a:r>
+          </a:p>
+          <a:p>
+            <a:r>
+              <a:rPr lang="en-US" dirty="0"/>
+              <a:t>W</a:t>
+            </a:r>
+            <a:r>
+              <a:rPr lang="en-CO" dirty="0"/>
+              <a:t>ikipedia</a:t>
+            </a:r>
+          </a:p>
+        </p:txBody>
+      </p:sp>
+      <p:sp>
+        <p:nvSpPr>
+          <p:cNvPr id="9" name="TextBox 8">
+            <a:extLst>
+              <a:ext uri="{FF2B5EF4-FFF2-40B4-BE49-F238E27FC236}">
+                <a16:creationId xmlns:a16="http://schemas.microsoft.com/office/drawing/2014/main" id="{BC94886B-E742-AB40-A539-4479C79C8C30}"/>
+              </a:ext>
+            </a:extLst>
+          </p:cNvPr>
+          <p:cNvSpPr txBox="1"/>
+          <p:nvPr/>
+        </p:nvSpPr>
+        <p:spPr>
+          <a:xfrm>
+            <a:off x="480961" y="5301826"/>
+            <a:ext cx="2555309" cy="646331"/>
+          </a:xfrm>
+          <a:prstGeom prst="rect">
+            <a:avLst/>
+          </a:prstGeom>
+          <a:noFill/>
+        </p:spPr>
+        <p:txBody>
+          <a:bodyPr wrap="square" rtlCol="0">
+            <a:spAutoFit/>
+          </a:bodyPr>
+          <a:lstStyle/>
+          <a:p>
+            <a:r>
+              <a:rPr lang="en-US" dirty="0"/>
+              <a:t>Scrap some Wikipedia pages</a:t>
             </a:r>
             <a:endParaRPr lang="en-CO" dirty="0"/>
           </a:p>
@@ -7547,7 +9172,7 @@
     </p:spTree>
     <p:extLst>
       <p:ext uri="{BB962C8B-B14F-4D97-AF65-F5344CB8AC3E}">
-        <p14:creationId xmlns:p14="http://schemas.microsoft.com/office/powerpoint/2010/main" val="1287533189"/>
+        <p14:creationId xmlns:p14="http://schemas.microsoft.com/office/powerpoint/2010/main" val="2277068510"/>
       </p:ext>
     </p:extLst>
   </p:cSld>
@@ -7649,10 +9274,10 @@
       </p:grpSp>
       <p:sp>
         <p:nvSpPr>
-          <p:cNvPr id="4" name="CustomShape 2">
+          <p:cNvPr id="2" name="Rectangle 1">
             <a:extLst>
               <a:ext uri="{FF2B5EF4-FFF2-40B4-BE49-F238E27FC236}">
-                <a16:creationId xmlns:a16="http://schemas.microsoft.com/office/drawing/2014/main" id="{3810E5C2-E654-6A4D-B7E7-8FDE0341184A}"/>
+                <a16:creationId xmlns:a16="http://schemas.microsoft.com/office/drawing/2014/main" id="{DF0DC0D4-49B4-1741-8362-B00EFBBC09B5}"/>
               </a:ext>
             </a:extLst>
           </p:cNvPr>
@@ -7661,14 +9286,208 @@
         </p:nvSpPr>
         <p:spPr>
           <a:xfrm>
-            <a:off x="375840" y="814689"/>
-            <a:ext cx="8345880" cy="425520"/>
+            <a:off x="933188" y="863676"/>
+            <a:ext cx="7729851" cy="369332"/>
+          </a:xfrm>
+          <a:prstGeom prst="rect">
+            <a:avLst/>
+          </a:prstGeom>
+        </p:spPr>
+        <p:txBody>
+          <a:bodyPr wrap="square">
+            <a:spAutoFit/>
+          </a:bodyPr>
+          <a:lstStyle/>
+          <a:p>
+            <a:pPr algn="ctr"/>
+            <a:r>
+              <a:rPr lang="en-US" dirty="0" err="1">
+                <a:solidFill>
+                  <a:srgbClr val="000000"/>
+                </a:solidFill>
+                <a:latin typeface="Arial" panose="020B0604020202020204" pitchFamily="34" charset="0"/>
+              </a:rPr>
+              <a:t>Fasttext</a:t>
+            </a:r>
+            <a:r>
+              <a:rPr lang="en-US" dirty="0">
+                <a:solidFill>
+                  <a:srgbClr val="000000"/>
+                </a:solidFill>
+                <a:latin typeface="Arial" panose="020B0604020202020204" pitchFamily="34" charset="0"/>
+              </a:rPr>
+              <a:t> Examples</a:t>
+            </a:r>
+            <a:endParaRPr lang="en-CO" dirty="0"/>
+          </a:p>
+        </p:txBody>
+      </p:sp>
+      <p:pic>
+        <p:nvPicPr>
+          <p:cNvPr id="6" name="Picture 5">
+            <a:extLst>
+              <a:ext uri="{FF2B5EF4-FFF2-40B4-BE49-F238E27FC236}">
+                <a16:creationId xmlns:a16="http://schemas.microsoft.com/office/drawing/2014/main" id="{C5BF4776-FCC8-434A-9922-46A7EF0CBB39}"/>
+              </a:ext>
+            </a:extLst>
+          </p:cNvPr>
+          <p:cNvPicPr>
+            <a:picLocks noChangeAspect="1"/>
+          </p:cNvPicPr>
+          <p:nvPr/>
+        </p:nvPicPr>
+        <p:blipFill>
+          <a:blip r:embed="rId3"/>
+          <a:stretch>
+            <a:fillRect/>
+          </a:stretch>
+        </p:blipFill>
+        <p:spPr>
+          <a:xfrm>
+            <a:off x="2618583" y="1233008"/>
+            <a:ext cx="6325001" cy="5245854"/>
+          </a:xfrm>
+          <a:prstGeom prst="rect">
+            <a:avLst/>
+          </a:prstGeom>
+        </p:spPr>
+      </p:pic>
+      <p:sp>
+        <p:nvSpPr>
+          <p:cNvPr id="3" name="TextBox 2">
+            <a:extLst>
+              <a:ext uri="{FF2B5EF4-FFF2-40B4-BE49-F238E27FC236}">
+                <a16:creationId xmlns:a16="http://schemas.microsoft.com/office/drawing/2014/main" id="{9E5AEE7E-4162-B44D-8059-2F8AE3C78036}"/>
+              </a:ext>
+            </a:extLst>
+          </p:cNvPr>
+          <p:cNvSpPr txBox="1"/>
+          <p:nvPr/>
+        </p:nvSpPr>
+        <p:spPr>
+          <a:xfrm>
+            <a:off x="263047" y="1233008"/>
+            <a:ext cx="2229632" cy="4801314"/>
           </a:xfrm>
           <a:prstGeom prst="rect">
             <a:avLst/>
           </a:prstGeom>
           <a:noFill/>
-          <a:ln w="28440">
+        </p:spPr>
+        <p:txBody>
+          <a:bodyPr wrap="square" rtlCol="0">
+            <a:spAutoFit/>
+          </a:bodyPr>
+          <a:lstStyle/>
+          <a:p>
+            <a:r>
+              <a:rPr lang="en-US" dirty="0"/>
+              <a:t>Preprocessing:</a:t>
+            </a:r>
+          </a:p>
+          <a:p>
+            <a:pPr marL="285750" indent="-285750">
+              <a:buFontTx/>
+              <a:buChar char="-"/>
+            </a:pPr>
+            <a:r>
+              <a:rPr lang="en-US" dirty="0"/>
+              <a:t>All to lower case</a:t>
+            </a:r>
+          </a:p>
+          <a:p>
+            <a:pPr marL="285750" indent="-285750">
+              <a:buFontTx/>
+              <a:buChar char="-"/>
+            </a:pPr>
+            <a:r>
+              <a:rPr lang="en-US" dirty="0"/>
+              <a:t>All to root form</a:t>
+            </a:r>
+          </a:p>
+          <a:p>
+            <a:pPr marL="285750" indent="-285750">
+              <a:buFontTx/>
+              <a:buChar char="-"/>
+            </a:pPr>
+            <a:r>
+              <a:rPr lang="en-US" dirty="0"/>
+              <a:t>Remove stop words</a:t>
+            </a:r>
+          </a:p>
+          <a:p>
+            <a:endParaRPr lang="en-US" dirty="0"/>
+          </a:p>
+          <a:p>
+            <a:endParaRPr lang="en-US" dirty="0"/>
+          </a:p>
+          <a:p>
+            <a:r>
+              <a:rPr lang="en-US" dirty="0" err="1"/>
+              <a:t>Embedding_size</a:t>
+            </a:r>
+            <a:r>
+              <a:rPr lang="en-US" dirty="0"/>
+              <a:t> is the size of the embedding vector.</a:t>
+            </a:r>
+          </a:p>
+          <a:p>
+            <a:endParaRPr lang="en-US" dirty="0"/>
+          </a:p>
+          <a:p>
+            <a:r>
+              <a:rPr lang="en-US" dirty="0"/>
+              <a:t>In other words, each word in our corpus will be represented as a 60-dimensional vector.</a:t>
+            </a:r>
+          </a:p>
+        </p:txBody>
+      </p:sp>
+    </p:spTree>
+    <p:extLst>
+      <p:ext uri="{BB962C8B-B14F-4D97-AF65-F5344CB8AC3E}">
+        <p14:creationId xmlns:p14="http://schemas.microsoft.com/office/powerpoint/2010/main" val="460619874"/>
+      </p:ext>
+    </p:extLst>
+  </p:cSld>
+  <p:clrMapOvr>
+    <a:masterClrMapping/>
+  </p:clrMapOvr>
+</p:sld>
+</file>
+
+<file path=ppt/slides/slide16.xml><?xml version="1.0" encoding="utf-8"?>
+<p:sld xmlns:a="http://schemas.openxmlformats.org/drawingml/2006/main" xmlns:r="http://schemas.openxmlformats.org/officeDocument/2006/relationships" xmlns:p="http://schemas.openxmlformats.org/presentationml/2006/main">
+  <p:cSld>
+    <p:spTree>
+      <p:nvGrpSpPr>
+        <p:cNvPr id="1" name=""/>
+        <p:cNvGrpSpPr/>
+        <p:nvPr/>
+      </p:nvGrpSpPr>
+      <p:grpSpPr>
+        <a:xfrm>
+          <a:off x="0" y="0"/>
+          <a:ext cx="0" cy="0"/>
+          <a:chOff x="0" y="0"/>
+          <a:chExt cx="0" cy="0"/>
+        </a:xfrm>
+      </p:grpSpPr>
+      <p:sp>
+        <p:nvSpPr>
+          <p:cNvPr id="278" name="CustomShape 3"/>
+          <p:cNvSpPr/>
+          <p:nvPr/>
+        </p:nvSpPr>
+        <p:spPr>
+          <a:xfrm>
+            <a:off x="6530040" y="6540840"/>
+            <a:ext cx="2133000" cy="239040"/>
+          </a:xfrm>
+          <a:prstGeom prst="rect">
+            <a:avLst/>
+          </a:prstGeom>
+          <a:noFill/>
+          <a:ln>
             <a:noFill/>
           </a:ln>
         </p:spPr>
@@ -7685,39 +9504,855 @@
           <a:fontRef idx="minor"/>
         </p:style>
         <p:txBody>
-          <a:bodyPr lIns="90000" tIns="45000" rIns="90000" bIns="45000">
+          <a:bodyPr lIns="90000" tIns="0" rIns="0" bIns="45000">
             <a:noAutofit/>
           </a:bodyPr>
           <a:lstStyle/>
           <a:p>
-            <a:pPr algn="ctr">
+            <a:pPr algn="r">
               <a:lnSpc>
                 <a:spcPct val="100000"/>
               </a:lnSpc>
-              <a:spcBef>
-                <a:spcPts val="660"/>
-              </a:spcBef>
             </a:pPr>
-            <a:r>
-              <a:rPr lang="en-GB" sz="2200" b="1" spc="-1" dirty="0">
+            <a:fld id="{2FCB098B-627C-46F3-A25D-3380B6C8E818}" type="slidenum">
+              <a:rPr lang="en-GB" sz="1300" b="1" strike="noStrike" spc="-1">
                 <a:solidFill>
-                  <a:srgbClr val="EF181E"/>
+                  <a:srgbClr val="FFFFFF"/>
                 </a:solidFill>
-                <a:latin typeface="Arial"/>
+                <a:latin typeface="Arial Narrow"/>
                 <a:ea typeface="DejaVu Sans"/>
               </a:rPr>
-              <a:t>References</a:t>
-            </a:r>
-            <a:endParaRPr lang="en-GB" sz="2200" b="0" strike="noStrike" spc="-1" dirty="0">
+              <a:t>16</a:t>
+            </a:fld>
+            <a:endParaRPr lang="en-GB" sz="1300" b="0" strike="noStrike" spc="-1" dirty="0">
               <a:latin typeface="Arial"/>
             </a:endParaRPr>
+          </a:p>
+        </p:txBody>
+      </p:sp>
+      <p:grpSp>
+        <p:nvGrpSpPr>
+          <p:cNvPr id="289" name="Group 14"/>
+          <p:cNvGrpSpPr/>
+          <p:nvPr/>
+        </p:nvGrpSpPr>
+        <p:grpSpPr>
+          <a:xfrm>
+            <a:off x="0" y="0"/>
+            <a:ext cx="36000" cy="36000"/>
+            <a:chOff x="0" y="0"/>
+            <a:chExt cx="36000" cy="36000"/>
+          </a:xfrm>
+        </p:grpSpPr>
+      </p:grpSp>
+      <p:sp>
+        <p:nvSpPr>
+          <p:cNvPr id="2" name="Rectangle 1">
+            <a:extLst>
+              <a:ext uri="{FF2B5EF4-FFF2-40B4-BE49-F238E27FC236}">
+                <a16:creationId xmlns:a16="http://schemas.microsoft.com/office/drawing/2014/main" id="{DF0DC0D4-49B4-1741-8362-B00EFBBC09B5}"/>
+              </a:ext>
+            </a:extLst>
+          </p:cNvPr>
+          <p:cNvSpPr/>
+          <p:nvPr/>
+        </p:nvSpPr>
+        <p:spPr>
+          <a:xfrm>
+            <a:off x="933188" y="863676"/>
+            <a:ext cx="7729851" cy="369332"/>
+          </a:xfrm>
+          <a:prstGeom prst="rect">
+            <a:avLst/>
+          </a:prstGeom>
+        </p:spPr>
+        <p:txBody>
+          <a:bodyPr wrap="square">
+            <a:spAutoFit/>
+          </a:bodyPr>
+          <a:lstStyle/>
+          <a:p>
+            <a:pPr algn="ctr"/>
+            <a:r>
+              <a:rPr lang="en-US" dirty="0" err="1">
+                <a:solidFill>
+                  <a:srgbClr val="000000"/>
+                </a:solidFill>
+                <a:latin typeface="Arial" panose="020B0604020202020204" pitchFamily="34" charset="0"/>
+              </a:rPr>
+              <a:t>Fasttext</a:t>
+            </a:r>
+            <a:r>
+              <a:rPr lang="en-US" dirty="0">
+                <a:solidFill>
+                  <a:srgbClr val="000000"/>
+                </a:solidFill>
+                <a:latin typeface="Arial" panose="020B0604020202020204" pitchFamily="34" charset="0"/>
+              </a:rPr>
+              <a:t> Examples</a:t>
+            </a:r>
+            <a:endParaRPr lang="en-CO" dirty="0"/>
+          </a:p>
+        </p:txBody>
+      </p:sp>
+      <p:pic>
+        <p:nvPicPr>
+          <p:cNvPr id="7" name="Picture 6">
+            <a:extLst>
+              <a:ext uri="{FF2B5EF4-FFF2-40B4-BE49-F238E27FC236}">
+                <a16:creationId xmlns:a16="http://schemas.microsoft.com/office/drawing/2014/main" id="{637194A9-52C4-AB43-A10D-A77D4725DFAC}"/>
+              </a:ext>
+            </a:extLst>
+          </p:cNvPr>
+          <p:cNvPicPr>
+            <a:picLocks noChangeAspect="1"/>
+          </p:cNvPicPr>
+          <p:nvPr/>
+        </p:nvPicPr>
+        <p:blipFill>
+          <a:blip r:embed="rId3"/>
+          <a:stretch>
+            <a:fillRect/>
+          </a:stretch>
+        </p:blipFill>
+        <p:spPr>
+          <a:xfrm>
+            <a:off x="0" y="1503679"/>
+            <a:ext cx="9144000" cy="2983938"/>
+          </a:xfrm>
+          <a:prstGeom prst="rect">
+            <a:avLst/>
+          </a:prstGeom>
+        </p:spPr>
+      </p:pic>
+      <p:sp>
+        <p:nvSpPr>
+          <p:cNvPr id="3" name="Rectangle 2">
+            <a:extLst>
+              <a:ext uri="{FF2B5EF4-FFF2-40B4-BE49-F238E27FC236}">
+                <a16:creationId xmlns:a16="http://schemas.microsoft.com/office/drawing/2014/main" id="{12D889AA-BB83-1147-AB38-7464756732D9}"/>
+              </a:ext>
+            </a:extLst>
+          </p:cNvPr>
+          <p:cNvSpPr/>
+          <p:nvPr/>
+        </p:nvSpPr>
+        <p:spPr>
+          <a:xfrm>
+            <a:off x="213264" y="4758288"/>
+            <a:ext cx="8717472" cy="369332"/>
+          </a:xfrm>
+          <a:prstGeom prst="rect">
+            <a:avLst/>
+          </a:prstGeom>
+        </p:spPr>
+        <p:txBody>
+          <a:bodyPr wrap="square">
+            <a:spAutoFit/>
+          </a:bodyPr>
+          <a:lstStyle/>
+          <a:p>
+            <a:r>
+              <a:rPr lang="en-US" dirty="0">
+                <a:solidFill>
+                  <a:srgbClr val="5F5F6F"/>
+                </a:solidFill>
+                <a:latin typeface="Nunito"/>
+              </a:rPr>
+              <a:t>The value can be anywhere between 0 and 1. A higher value means higher similarity.</a:t>
+            </a:r>
+            <a:endParaRPr lang="en-CO" dirty="0"/>
           </a:p>
         </p:txBody>
       </p:sp>
     </p:spTree>
     <p:extLst>
       <p:ext uri="{BB962C8B-B14F-4D97-AF65-F5344CB8AC3E}">
-        <p14:creationId xmlns:p14="http://schemas.microsoft.com/office/powerpoint/2010/main" val="364923165"/>
+        <p14:creationId xmlns:p14="http://schemas.microsoft.com/office/powerpoint/2010/main" val="1543885963"/>
+      </p:ext>
+    </p:extLst>
+  </p:cSld>
+  <p:clrMapOvr>
+    <a:masterClrMapping/>
+  </p:clrMapOvr>
+</p:sld>
+</file>
+
+<file path=ppt/slides/slide17.xml><?xml version="1.0" encoding="utf-8"?>
+<p:sld xmlns:a="http://schemas.openxmlformats.org/drawingml/2006/main" xmlns:r="http://schemas.openxmlformats.org/officeDocument/2006/relationships" xmlns:p="http://schemas.openxmlformats.org/presentationml/2006/main">
+  <p:cSld>
+    <p:spTree>
+      <p:nvGrpSpPr>
+        <p:cNvPr id="1" name=""/>
+        <p:cNvGrpSpPr/>
+        <p:nvPr/>
+      </p:nvGrpSpPr>
+      <p:grpSpPr>
+        <a:xfrm>
+          <a:off x="0" y="0"/>
+          <a:ext cx="0" cy="0"/>
+          <a:chOff x="0" y="0"/>
+          <a:chExt cx="0" cy="0"/>
+        </a:xfrm>
+      </p:grpSpPr>
+      <p:sp>
+        <p:nvSpPr>
+          <p:cNvPr id="278" name="CustomShape 3"/>
+          <p:cNvSpPr/>
+          <p:nvPr/>
+        </p:nvSpPr>
+        <p:spPr>
+          <a:xfrm>
+            <a:off x="6530040" y="6540840"/>
+            <a:ext cx="2133000" cy="239040"/>
+          </a:xfrm>
+          <a:prstGeom prst="rect">
+            <a:avLst/>
+          </a:prstGeom>
+          <a:noFill/>
+          <a:ln>
+            <a:noFill/>
+          </a:ln>
+        </p:spPr>
+        <p:style>
+          <a:lnRef idx="0">
+            <a:scrgbClr r="0" g="0" b="0"/>
+          </a:lnRef>
+          <a:fillRef idx="0">
+            <a:scrgbClr r="0" g="0" b="0"/>
+          </a:fillRef>
+          <a:effectRef idx="0">
+            <a:scrgbClr r="0" g="0" b="0"/>
+          </a:effectRef>
+          <a:fontRef idx="minor"/>
+        </p:style>
+        <p:txBody>
+          <a:bodyPr lIns="90000" tIns="0" rIns="0" bIns="45000">
+            <a:noAutofit/>
+          </a:bodyPr>
+          <a:lstStyle/>
+          <a:p>
+            <a:pPr algn="r">
+              <a:lnSpc>
+                <a:spcPct val="100000"/>
+              </a:lnSpc>
+            </a:pPr>
+            <a:fld id="{2FCB098B-627C-46F3-A25D-3380B6C8E818}" type="slidenum">
+              <a:rPr lang="en-GB" sz="1300" b="1" strike="noStrike" spc="-1">
+                <a:solidFill>
+                  <a:srgbClr val="FFFFFF"/>
+                </a:solidFill>
+                <a:latin typeface="Arial Narrow"/>
+                <a:ea typeface="DejaVu Sans"/>
+              </a:rPr>
+              <a:t>17</a:t>
+            </a:fld>
+            <a:endParaRPr lang="en-GB" sz="1300" b="0" strike="noStrike" spc="-1" dirty="0">
+              <a:latin typeface="Arial"/>
+            </a:endParaRPr>
+          </a:p>
+        </p:txBody>
+      </p:sp>
+      <p:grpSp>
+        <p:nvGrpSpPr>
+          <p:cNvPr id="289" name="Group 14"/>
+          <p:cNvGrpSpPr/>
+          <p:nvPr/>
+        </p:nvGrpSpPr>
+        <p:grpSpPr>
+          <a:xfrm>
+            <a:off x="0" y="0"/>
+            <a:ext cx="36000" cy="36000"/>
+            <a:chOff x="0" y="0"/>
+            <a:chExt cx="36000" cy="36000"/>
+          </a:xfrm>
+        </p:grpSpPr>
+      </p:grpSp>
+      <p:sp>
+        <p:nvSpPr>
+          <p:cNvPr id="2" name="Rectangle 1">
+            <a:extLst>
+              <a:ext uri="{FF2B5EF4-FFF2-40B4-BE49-F238E27FC236}">
+                <a16:creationId xmlns:a16="http://schemas.microsoft.com/office/drawing/2014/main" id="{DF0DC0D4-49B4-1741-8362-B00EFBBC09B5}"/>
+              </a:ext>
+            </a:extLst>
+          </p:cNvPr>
+          <p:cNvSpPr/>
+          <p:nvPr/>
+        </p:nvSpPr>
+        <p:spPr>
+          <a:xfrm>
+            <a:off x="933188" y="863676"/>
+            <a:ext cx="7729851" cy="369332"/>
+          </a:xfrm>
+          <a:prstGeom prst="rect">
+            <a:avLst/>
+          </a:prstGeom>
+        </p:spPr>
+        <p:txBody>
+          <a:bodyPr wrap="square">
+            <a:spAutoFit/>
+          </a:bodyPr>
+          <a:lstStyle/>
+          <a:p>
+            <a:pPr algn="ctr"/>
+            <a:r>
+              <a:rPr lang="en-US" dirty="0" err="1">
+                <a:solidFill>
+                  <a:srgbClr val="000000"/>
+                </a:solidFill>
+                <a:latin typeface="Arial" panose="020B0604020202020204" pitchFamily="34" charset="0"/>
+              </a:rPr>
+              <a:t>Fasttext</a:t>
+            </a:r>
+            <a:r>
+              <a:rPr lang="en-US" dirty="0">
+                <a:solidFill>
+                  <a:srgbClr val="000000"/>
+                </a:solidFill>
+                <a:latin typeface="Arial" panose="020B0604020202020204" pitchFamily="34" charset="0"/>
+              </a:rPr>
+              <a:t> Examples</a:t>
+            </a:r>
+            <a:endParaRPr lang="en-CO" dirty="0"/>
+          </a:p>
+        </p:txBody>
+      </p:sp>
+      <p:pic>
+        <p:nvPicPr>
+          <p:cNvPr id="4" name="Picture 3">
+            <a:extLst>
+              <a:ext uri="{FF2B5EF4-FFF2-40B4-BE49-F238E27FC236}">
+                <a16:creationId xmlns:a16="http://schemas.microsoft.com/office/drawing/2014/main" id="{66BEA0CC-CC00-2D42-90E9-3FBC65E6B495}"/>
+              </a:ext>
+            </a:extLst>
+          </p:cNvPr>
+          <p:cNvPicPr>
+            <a:picLocks noChangeAspect="1"/>
+          </p:cNvPicPr>
+          <p:nvPr/>
+        </p:nvPicPr>
+        <p:blipFill>
+          <a:blip r:embed="rId3"/>
+          <a:stretch>
+            <a:fillRect/>
+          </a:stretch>
+        </p:blipFill>
+        <p:spPr>
+          <a:xfrm>
+            <a:off x="0" y="1711710"/>
+            <a:ext cx="9144000" cy="2457550"/>
+          </a:xfrm>
+          <a:prstGeom prst="rect">
+            <a:avLst/>
+          </a:prstGeom>
+        </p:spPr>
+      </p:pic>
+      <p:pic>
+        <p:nvPicPr>
+          <p:cNvPr id="5" name="Picture 4">
+            <a:extLst>
+              <a:ext uri="{FF2B5EF4-FFF2-40B4-BE49-F238E27FC236}">
+                <a16:creationId xmlns:a16="http://schemas.microsoft.com/office/drawing/2014/main" id="{6CB44050-5797-C34E-AFC6-2C0E77D934B4}"/>
+              </a:ext>
+            </a:extLst>
+          </p:cNvPr>
+          <p:cNvPicPr>
+            <a:picLocks noChangeAspect="1"/>
+          </p:cNvPicPr>
+          <p:nvPr/>
+        </p:nvPicPr>
+        <p:blipFill>
+          <a:blip r:embed="rId4"/>
+          <a:stretch>
+            <a:fillRect/>
+          </a:stretch>
+        </p:blipFill>
+        <p:spPr>
+          <a:xfrm>
+            <a:off x="0" y="4373988"/>
+            <a:ext cx="9144000" cy="747423"/>
+          </a:xfrm>
+          <a:prstGeom prst="rect">
+            <a:avLst/>
+          </a:prstGeom>
+        </p:spPr>
+      </p:pic>
+      <p:sp>
+        <p:nvSpPr>
+          <p:cNvPr id="6" name="TextBox 5">
+            <a:extLst>
+              <a:ext uri="{FF2B5EF4-FFF2-40B4-BE49-F238E27FC236}">
+                <a16:creationId xmlns:a16="http://schemas.microsoft.com/office/drawing/2014/main" id="{1A7676B8-FBE5-A848-9E8E-15571A323719}"/>
+              </a:ext>
+            </a:extLst>
+          </p:cNvPr>
+          <p:cNvSpPr txBox="1"/>
+          <p:nvPr/>
+        </p:nvSpPr>
+        <p:spPr>
+          <a:xfrm>
+            <a:off x="263047" y="5326139"/>
+            <a:ext cx="2068195" cy="646331"/>
+          </a:xfrm>
+          <a:prstGeom prst="rect">
+            <a:avLst/>
+          </a:prstGeom>
+          <a:noFill/>
+        </p:spPr>
+        <p:txBody>
+          <a:bodyPr wrap="none" rtlCol="0">
+            <a:spAutoFit/>
+          </a:bodyPr>
+          <a:lstStyle/>
+          <a:p>
+            <a:r>
+              <a:rPr lang="en-CO" dirty="0"/>
+              <a:t>P@1 </a:t>
+            </a:r>
+            <a:r>
+              <a:rPr lang="en-CO" dirty="0">
+                <a:sym typeface="Wingdings" pitchFamily="2" charset="2"/>
+              </a:rPr>
+              <a:t> Precision.</a:t>
+            </a:r>
+          </a:p>
+          <a:p>
+            <a:r>
+              <a:rPr lang="en-CO" dirty="0">
+                <a:sym typeface="Wingdings" pitchFamily="2" charset="2"/>
+              </a:rPr>
+              <a:t>R@1  Recall</a:t>
+            </a:r>
+            <a:endParaRPr lang="en-CO" dirty="0"/>
+          </a:p>
+        </p:txBody>
+      </p:sp>
+    </p:spTree>
+    <p:extLst>
+      <p:ext uri="{BB962C8B-B14F-4D97-AF65-F5344CB8AC3E}">
+        <p14:creationId xmlns:p14="http://schemas.microsoft.com/office/powerpoint/2010/main" val="3957184239"/>
+      </p:ext>
+    </p:extLst>
+  </p:cSld>
+  <p:clrMapOvr>
+    <a:masterClrMapping/>
+  </p:clrMapOvr>
+</p:sld>
+</file>
+
+<file path=ppt/slides/slide18.xml><?xml version="1.0" encoding="utf-8"?>
+<p:sld xmlns:a="http://schemas.openxmlformats.org/drawingml/2006/main" xmlns:r="http://schemas.openxmlformats.org/officeDocument/2006/relationships" xmlns:p="http://schemas.openxmlformats.org/presentationml/2006/main">
+  <p:cSld>
+    <p:spTree>
+      <p:nvGrpSpPr>
+        <p:cNvPr id="1" name=""/>
+        <p:cNvGrpSpPr/>
+        <p:nvPr/>
+      </p:nvGrpSpPr>
+      <p:grpSpPr>
+        <a:xfrm>
+          <a:off x="0" y="0"/>
+          <a:ext cx="0" cy="0"/>
+          <a:chOff x="0" y="0"/>
+          <a:chExt cx="0" cy="0"/>
+        </a:xfrm>
+      </p:grpSpPr>
+      <p:sp>
+        <p:nvSpPr>
+          <p:cNvPr id="278" name="CustomShape 3"/>
+          <p:cNvSpPr/>
+          <p:nvPr/>
+        </p:nvSpPr>
+        <p:spPr>
+          <a:xfrm>
+            <a:off x="6530040" y="6540840"/>
+            <a:ext cx="2133000" cy="239040"/>
+          </a:xfrm>
+          <a:prstGeom prst="rect">
+            <a:avLst/>
+          </a:prstGeom>
+          <a:noFill/>
+          <a:ln>
+            <a:noFill/>
+          </a:ln>
+        </p:spPr>
+        <p:style>
+          <a:lnRef idx="0">
+            <a:scrgbClr r="0" g="0" b="0"/>
+          </a:lnRef>
+          <a:fillRef idx="0">
+            <a:scrgbClr r="0" g="0" b="0"/>
+          </a:fillRef>
+          <a:effectRef idx="0">
+            <a:scrgbClr r="0" g="0" b="0"/>
+          </a:effectRef>
+          <a:fontRef idx="minor"/>
+        </p:style>
+        <p:txBody>
+          <a:bodyPr lIns="90000" tIns="0" rIns="0" bIns="45000">
+            <a:noAutofit/>
+          </a:bodyPr>
+          <a:lstStyle/>
+          <a:p>
+            <a:pPr algn="r">
+              <a:lnSpc>
+                <a:spcPct val="100000"/>
+              </a:lnSpc>
+            </a:pPr>
+            <a:fld id="{2FCB098B-627C-46F3-A25D-3380B6C8E818}" type="slidenum">
+              <a:rPr lang="en-GB" sz="1300" b="1" strike="noStrike" spc="-1">
+                <a:solidFill>
+                  <a:srgbClr val="FFFFFF"/>
+                </a:solidFill>
+                <a:latin typeface="Arial Narrow"/>
+                <a:ea typeface="DejaVu Sans"/>
+              </a:rPr>
+              <a:t>18</a:t>
+            </a:fld>
+            <a:endParaRPr lang="en-GB" sz="1300" b="0" strike="noStrike" spc="-1" dirty="0">
+              <a:latin typeface="Arial"/>
+            </a:endParaRPr>
+          </a:p>
+        </p:txBody>
+      </p:sp>
+      <p:grpSp>
+        <p:nvGrpSpPr>
+          <p:cNvPr id="289" name="Group 14"/>
+          <p:cNvGrpSpPr/>
+          <p:nvPr/>
+        </p:nvGrpSpPr>
+        <p:grpSpPr>
+          <a:xfrm>
+            <a:off x="0" y="0"/>
+            <a:ext cx="36000" cy="36000"/>
+            <a:chOff x="0" y="0"/>
+            <a:chExt cx="36000" cy="36000"/>
+          </a:xfrm>
+        </p:grpSpPr>
+      </p:grpSp>
+      <p:sp>
+        <p:nvSpPr>
+          <p:cNvPr id="2" name="Rectangle 1">
+            <a:extLst>
+              <a:ext uri="{FF2B5EF4-FFF2-40B4-BE49-F238E27FC236}">
+                <a16:creationId xmlns:a16="http://schemas.microsoft.com/office/drawing/2014/main" id="{8B547BF3-553D-C547-A331-7CC4642AB9E9}"/>
+              </a:ext>
+            </a:extLst>
+          </p:cNvPr>
+          <p:cNvSpPr/>
+          <p:nvPr/>
+        </p:nvSpPr>
+        <p:spPr>
+          <a:xfrm>
+            <a:off x="2286000" y="888728"/>
+            <a:ext cx="4572000" cy="2031325"/>
+          </a:xfrm>
+          <a:prstGeom prst="rect">
+            <a:avLst/>
+          </a:prstGeom>
+        </p:spPr>
+        <p:txBody>
+          <a:bodyPr>
+            <a:spAutoFit/>
+          </a:bodyPr>
+          <a:lstStyle/>
+          <a:p>
+            <a:r>
+              <a:rPr lang="en-US" dirty="0">
+                <a:solidFill>
+                  <a:srgbClr val="000000"/>
+                </a:solidFill>
+                <a:latin typeface="Arial" panose="020B0604020202020204" pitchFamily="34" charset="0"/>
+              </a:rPr>
+              <a:t>Impactful? Are there any Enterprise solutions that apply it?</a:t>
+            </a:r>
+          </a:p>
+          <a:p>
+            <a:endParaRPr lang="en-US" dirty="0">
+              <a:solidFill>
+                <a:srgbClr val="000000"/>
+              </a:solidFill>
+              <a:latin typeface="Arial" panose="020B0604020202020204" pitchFamily="34" charset="0"/>
+            </a:endParaRPr>
+          </a:p>
+          <a:p>
+            <a:r>
+              <a:rPr lang="en-US" dirty="0">
+                <a:solidFill>
+                  <a:srgbClr val="000000"/>
+                </a:solidFill>
+                <a:latin typeface="Arial" panose="020B0604020202020204" pitchFamily="34" charset="0"/>
+              </a:rPr>
+              <a:t>And</a:t>
+            </a:r>
+          </a:p>
+          <a:p>
+            <a:endParaRPr lang="en-US" dirty="0">
+              <a:solidFill>
+                <a:srgbClr val="000000"/>
+              </a:solidFill>
+              <a:latin typeface="Arial" panose="020B0604020202020204" pitchFamily="34" charset="0"/>
+            </a:endParaRPr>
+          </a:p>
+          <a:p>
+            <a:r>
+              <a:rPr lang="en-US" dirty="0">
+                <a:solidFill>
+                  <a:srgbClr val="000000"/>
+                </a:solidFill>
+                <a:latin typeface="Arial" panose="020B0604020202020204" pitchFamily="34" charset="0"/>
+              </a:rPr>
+              <a:t>Who cited it? Semantic Scholar</a:t>
+            </a:r>
+          </a:p>
+          <a:p>
+            <a:endParaRPr lang="en-CO" dirty="0"/>
+          </a:p>
+        </p:txBody>
+      </p:sp>
+      <p:sp>
+        <p:nvSpPr>
+          <p:cNvPr id="3" name="Rectangle 2">
+            <a:extLst>
+              <a:ext uri="{FF2B5EF4-FFF2-40B4-BE49-F238E27FC236}">
+                <a16:creationId xmlns:a16="http://schemas.microsoft.com/office/drawing/2014/main" id="{2747BE21-C12E-D24D-9890-F9498B8B6859}"/>
+              </a:ext>
+            </a:extLst>
+          </p:cNvPr>
+          <p:cNvSpPr/>
+          <p:nvPr/>
+        </p:nvSpPr>
+        <p:spPr>
+          <a:xfrm>
+            <a:off x="1434163" y="2920053"/>
+            <a:ext cx="3301812" cy="369332"/>
+          </a:xfrm>
+          <a:prstGeom prst="rect">
+            <a:avLst/>
+          </a:prstGeom>
+        </p:spPr>
+        <p:txBody>
+          <a:bodyPr wrap="square">
+            <a:spAutoFit/>
+          </a:bodyPr>
+          <a:lstStyle/>
+          <a:p>
+            <a:r>
+              <a:rPr lang="en-US" dirty="0">
+                <a:hlinkClick r:id="rId2"/>
+              </a:rPr>
+              <a:t>https://pypi.org/project/fasttext/</a:t>
+            </a:r>
+            <a:endParaRPr lang="en-CO" dirty="0"/>
+          </a:p>
+        </p:txBody>
+      </p:sp>
+    </p:spTree>
+    <p:extLst>
+      <p:ext uri="{BB962C8B-B14F-4D97-AF65-F5344CB8AC3E}">
+        <p14:creationId xmlns:p14="http://schemas.microsoft.com/office/powerpoint/2010/main" val="1515243945"/>
+      </p:ext>
+    </p:extLst>
+  </p:cSld>
+  <p:clrMapOvr>
+    <a:masterClrMapping/>
+  </p:clrMapOvr>
+</p:sld>
+</file>
+
+<file path=ppt/slides/slide19.xml><?xml version="1.0" encoding="utf-8"?>
+<p:sld xmlns:a="http://schemas.openxmlformats.org/drawingml/2006/main" xmlns:r="http://schemas.openxmlformats.org/officeDocument/2006/relationships" xmlns:p="http://schemas.openxmlformats.org/presentationml/2006/main">
+  <p:cSld>
+    <p:spTree>
+      <p:nvGrpSpPr>
+        <p:cNvPr id="1" name=""/>
+        <p:cNvGrpSpPr/>
+        <p:nvPr/>
+      </p:nvGrpSpPr>
+      <p:grpSpPr>
+        <a:xfrm>
+          <a:off x="0" y="0"/>
+          <a:ext cx="0" cy="0"/>
+          <a:chOff x="0" y="0"/>
+          <a:chExt cx="0" cy="0"/>
+        </a:xfrm>
+      </p:grpSpPr>
+      <p:sp>
+        <p:nvSpPr>
+          <p:cNvPr id="278" name="CustomShape 3"/>
+          <p:cNvSpPr/>
+          <p:nvPr/>
+        </p:nvSpPr>
+        <p:spPr>
+          <a:xfrm>
+            <a:off x="6530040" y="6540840"/>
+            <a:ext cx="2133000" cy="239040"/>
+          </a:xfrm>
+          <a:prstGeom prst="rect">
+            <a:avLst/>
+          </a:prstGeom>
+          <a:noFill/>
+          <a:ln>
+            <a:noFill/>
+          </a:ln>
+        </p:spPr>
+        <p:style>
+          <a:lnRef idx="0">
+            <a:scrgbClr r="0" g="0" b="0"/>
+          </a:lnRef>
+          <a:fillRef idx="0">
+            <a:scrgbClr r="0" g="0" b="0"/>
+          </a:fillRef>
+          <a:effectRef idx="0">
+            <a:scrgbClr r="0" g="0" b="0"/>
+          </a:effectRef>
+          <a:fontRef idx="minor"/>
+        </p:style>
+        <p:txBody>
+          <a:bodyPr lIns="90000" tIns="0" rIns="0" bIns="45000">
+            <a:noAutofit/>
+          </a:bodyPr>
+          <a:lstStyle/>
+          <a:p>
+            <a:pPr algn="r">
+              <a:lnSpc>
+                <a:spcPct val="100000"/>
+              </a:lnSpc>
+            </a:pPr>
+            <a:fld id="{2FCB098B-627C-46F3-A25D-3380B6C8E818}" type="slidenum">
+              <a:rPr lang="en-GB" sz="1300" b="1" strike="noStrike" spc="-1">
+                <a:solidFill>
+                  <a:srgbClr val="FFFFFF"/>
+                </a:solidFill>
+                <a:latin typeface="Arial Narrow"/>
+                <a:ea typeface="DejaVu Sans"/>
+              </a:rPr>
+              <a:t>19</a:t>
+            </a:fld>
+            <a:endParaRPr lang="en-GB" sz="1300" b="0" strike="noStrike" spc="-1" dirty="0">
+              <a:latin typeface="Arial"/>
+            </a:endParaRPr>
+          </a:p>
+        </p:txBody>
+      </p:sp>
+      <p:grpSp>
+        <p:nvGrpSpPr>
+          <p:cNvPr id="289" name="Group 14"/>
+          <p:cNvGrpSpPr/>
+          <p:nvPr/>
+        </p:nvGrpSpPr>
+        <p:grpSpPr>
+          <a:xfrm>
+            <a:off x="0" y="0"/>
+            <a:ext cx="36000" cy="36000"/>
+            <a:chOff x="0" y="0"/>
+            <a:chExt cx="36000" cy="36000"/>
+          </a:xfrm>
+        </p:grpSpPr>
+      </p:grpSp>
+      <p:sp>
+        <p:nvSpPr>
+          <p:cNvPr id="2" name="Rectangle 1">
+            <a:extLst>
+              <a:ext uri="{FF2B5EF4-FFF2-40B4-BE49-F238E27FC236}">
+                <a16:creationId xmlns:a16="http://schemas.microsoft.com/office/drawing/2014/main" id="{7103E7DD-0C53-404D-B4D0-A422FDC9004C}"/>
+              </a:ext>
+            </a:extLst>
+          </p:cNvPr>
+          <p:cNvSpPr/>
+          <p:nvPr/>
+        </p:nvSpPr>
+        <p:spPr>
+          <a:xfrm>
+            <a:off x="3814901" y="864389"/>
+            <a:ext cx="1514197" cy="369332"/>
+          </a:xfrm>
+          <a:prstGeom prst="rect">
+            <a:avLst/>
+          </a:prstGeom>
+        </p:spPr>
+        <p:txBody>
+          <a:bodyPr wrap="none">
+            <a:spAutoFit/>
+          </a:bodyPr>
+          <a:lstStyle/>
+          <a:p>
+            <a:r>
+              <a:rPr lang="en-US" dirty="0">
+                <a:solidFill>
+                  <a:srgbClr val="000000"/>
+                </a:solidFill>
+                <a:latin typeface="Arial" panose="020B0604020202020204" pitchFamily="34" charset="0"/>
+              </a:rPr>
+              <a:t>What’s next?</a:t>
+            </a:r>
+            <a:endParaRPr lang="en-CO" dirty="0"/>
+          </a:p>
+        </p:txBody>
+      </p:sp>
+      <p:sp>
+        <p:nvSpPr>
+          <p:cNvPr id="3" name="Rectangle 2">
+            <a:extLst>
+              <a:ext uri="{FF2B5EF4-FFF2-40B4-BE49-F238E27FC236}">
+                <a16:creationId xmlns:a16="http://schemas.microsoft.com/office/drawing/2014/main" id="{DD2A8007-754E-4F32-9C34-008DE973CF1C}"/>
+              </a:ext>
+            </a:extLst>
+          </p:cNvPr>
+          <p:cNvSpPr/>
+          <p:nvPr/>
+        </p:nvSpPr>
+        <p:spPr>
+          <a:xfrm rot="10800000" flipV="1">
+            <a:off x="2071124" y="2367898"/>
+            <a:ext cx="4968773" cy="1200329"/>
+          </a:xfrm>
+          <a:prstGeom prst="rect">
+            <a:avLst/>
+          </a:prstGeom>
+        </p:spPr>
+        <p:txBody>
+          <a:bodyPr wrap="square">
+            <a:spAutoFit/>
+          </a:bodyPr>
+          <a:lstStyle/>
+          <a:p>
+            <a:r>
+              <a:rPr lang="en-US" dirty="0">
+                <a:solidFill>
+                  <a:srgbClr val="000000"/>
+                </a:solidFill>
+                <a:latin typeface="Arial" panose="020B0604020202020204" pitchFamily="34" charset="0"/>
+              </a:rPr>
+              <a:t>[Figure out what papers followed this, and also make sure we know if </a:t>
+            </a:r>
+            <a:r>
+              <a:rPr lang="en-US" dirty="0" err="1">
+                <a:solidFill>
+                  <a:srgbClr val="000000"/>
+                </a:solidFill>
+                <a:latin typeface="Arial" panose="020B0604020202020204" pitchFamily="34" charset="0"/>
+              </a:rPr>
+              <a:t>fasttext</a:t>
+            </a:r>
+            <a:r>
+              <a:rPr lang="en-US" dirty="0">
+                <a:solidFill>
+                  <a:srgbClr val="000000"/>
+                </a:solidFill>
+                <a:latin typeface="Arial" panose="020B0604020202020204" pitchFamily="34" charset="0"/>
+              </a:rPr>
+              <a:t> is used for the state of the art methods (BERT and ELMO, and other transformer methods]</a:t>
+            </a:r>
+            <a:endParaRPr lang="en-CO" dirty="0"/>
+          </a:p>
+        </p:txBody>
+      </p:sp>
+    </p:spTree>
+    <p:extLst>
+      <p:ext uri="{BB962C8B-B14F-4D97-AF65-F5344CB8AC3E}">
+        <p14:creationId xmlns:p14="http://schemas.microsoft.com/office/powerpoint/2010/main" val="1287533189"/>
       </p:ext>
     </p:extLst>
   </p:cSld>
@@ -8226,6 +10861,264 @@
 </p:sld>
 </file>
 
+<file path=ppt/slides/slide20.xml><?xml version="1.0" encoding="utf-8"?>
+<p:sld xmlns:a="http://schemas.openxmlformats.org/drawingml/2006/main" xmlns:r="http://schemas.openxmlformats.org/officeDocument/2006/relationships" xmlns:p="http://schemas.openxmlformats.org/presentationml/2006/main">
+  <p:cSld>
+    <p:spTree>
+      <p:nvGrpSpPr>
+        <p:cNvPr id="1" name=""/>
+        <p:cNvGrpSpPr/>
+        <p:nvPr/>
+      </p:nvGrpSpPr>
+      <p:grpSpPr>
+        <a:xfrm>
+          <a:off x="0" y="0"/>
+          <a:ext cx="0" cy="0"/>
+          <a:chOff x="0" y="0"/>
+          <a:chExt cx="0" cy="0"/>
+        </a:xfrm>
+      </p:grpSpPr>
+      <p:sp>
+        <p:nvSpPr>
+          <p:cNvPr id="278" name="CustomShape 3"/>
+          <p:cNvSpPr/>
+          <p:nvPr/>
+        </p:nvSpPr>
+        <p:spPr>
+          <a:xfrm>
+            <a:off x="6530040" y="6540840"/>
+            <a:ext cx="2133000" cy="239040"/>
+          </a:xfrm>
+          <a:prstGeom prst="rect">
+            <a:avLst/>
+          </a:prstGeom>
+          <a:noFill/>
+          <a:ln>
+            <a:noFill/>
+          </a:ln>
+        </p:spPr>
+        <p:style>
+          <a:lnRef idx="0">
+            <a:scrgbClr r="0" g="0" b="0"/>
+          </a:lnRef>
+          <a:fillRef idx="0">
+            <a:scrgbClr r="0" g="0" b="0"/>
+          </a:fillRef>
+          <a:effectRef idx="0">
+            <a:scrgbClr r="0" g="0" b="0"/>
+          </a:effectRef>
+          <a:fontRef idx="minor"/>
+        </p:style>
+        <p:txBody>
+          <a:bodyPr lIns="90000" tIns="0" rIns="0" bIns="45000">
+            <a:noAutofit/>
+          </a:bodyPr>
+          <a:lstStyle/>
+          <a:p>
+            <a:pPr algn="r">
+              <a:lnSpc>
+                <a:spcPct val="100000"/>
+              </a:lnSpc>
+            </a:pPr>
+            <a:fld id="{2FCB098B-627C-46F3-A25D-3380B6C8E818}" type="slidenum">
+              <a:rPr lang="en-GB" sz="1300" b="1" strike="noStrike" spc="-1">
+                <a:solidFill>
+                  <a:srgbClr val="FFFFFF"/>
+                </a:solidFill>
+                <a:latin typeface="Arial Narrow"/>
+                <a:ea typeface="DejaVu Sans"/>
+              </a:rPr>
+              <a:t>20</a:t>
+            </a:fld>
+            <a:endParaRPr lang="en-GB" sz="1300" b="0" strike="noStrike" spc="-1" dirty="0">
+              <a:latin typeface="Arial"/>
+            </a:endParaRPr>
+          </a:p>
+        </p:txBody>
+      </p:sp>
+      <p:grpSp>
+        <p:nvGrpSpPr>
+          <p:cNvPr id="289" name="Group 14"/>
+          <p:cNvGrpSpPr/>
+          <p:nvPr/>
+        </p:nvGrpSpPr>
+        <p:grpSpPr>
+          <a:xfrm>
+            <a:off x="0" y="0"/>
+            <a:ext cx="36000" cy="36000"/>
+            <a:chOff x="0" y="0"/>
+            <a:chExt cx="36000" cy="36000"/>
+          </a:xfrm>
+        </p:grpSpPr>
+      </p:grpSp>
+      <p:sp>
+        <p:nvSpPr>
+          <p:cNvPr id="4" name="CustomShape 2">
+            <a:extLst>
+              <a:ext uri="{FF2B5EF4-FFF2-40B4-BE49-F238E27FC236}">
+                <a16:creationId xmlns:a16="http://schemas.microsoft.com/office/drawing/2014/main" id="{3810E5C2-E654-6A4D-B7E7-8FDE0341184A}"/>
+              </a:ext>
+            </a:extLst>
+          </p:cNvPr>
+          <p:cNvSpPr/>
+          <p:nvPr/>
+        </p:nvSpPr>
+        <p:spPr>
+          <a:xfrm>
+            <a:off x="375840" y="814689"/>
+            <a:ext cx="8345880" cy="425520"/>
+          </a:xfrm>
+          <a:prstGeom prst="rect">
+            <a:avLst/>
+          </a:prstGeom>
+          <a:noFill/>
+          <a:ln w="28440">
+            <a:noFill/>
+          </a:ln>
+        </p:spPr>
+        <p:style>
+          <a:lnRef idx="0">
+            <a:scrgbClr r="0" g="0" b="0"/>
+          </a:lnRef>
+          <a:fillRef idx="0">
+            <a:scrgbClr r="0" g="0" b="0"/>
+          </a:fillRef>
+          <a:effectRef idx="0">
+            <a:scrgbClr r="0" g="0" b="0"/>
+          </a:effectRef>
+          <a:fontRef idx="minor"/>
+        </p:style>
+        <p:txBody>
+          <a:bodyPr lIns="90000" tIns="45000" rIns="90000" bIns="45000">
+            <a:noAutofit/>
+          </a:bodyPr>
+          <a:lstStyle/>
+          <a:p>
+            <a:pPr algn="ctr">
+              <a:lnSpc>
+                <a:spcPct val="100000"/>
+              </a:lnSpc>
+              <a:spcBef>
+                <a:spcPts val="660"/>
+              </a:spcBef>
+            </a:pPr>
+            <a:r>
+              <a:rPr lang="en-GB" sz="2200" b="1" spc="-1" dirty="0">
+                <a:solidFill>
+                  <a:srgbClr val="EF181E"/>
+                </a:solidFill>
+                <a:latin typeface="Arial"/>
+                <a:ea typeface="DejaVu Sans"/>
+              </a:rPr>
+              <a:t>References</a:t>
+            </a:r>
+            <a:endParaRPr lang="en-GB" sz="2200" b="0" strike="noStrike" spc="-1" dirty="0">
+              <a:latin typeface="Arial"/>
+            </a:endParaRPr>
+          </a:p>
+        </p:txBody>
+      </p:sp>
+      <p:sp>
+        <p:nvSpPr>
+          <p:cNvPr id="2" name="Rectangle 1">
+            <a:extLst>
+              <a:ext uri="{FF2B5EF4-FFF2-40B4-BE49-F238E27FC236}">
+                <a16:creationId xmlns:a16="http://schemas.microsoft.com/office/drawing/2014/main" id="{46C90519-01BD-FC40-80D2-7791AC76650F}"/>
+              </a:ext>
+            </a:extLst>
+          </p:cNvPr>
+          <p:cNvSpPr/>
+          <p:nvPr/>
+        </p:nvSpPr>
+        <p:spPr>
+          <a:xfrm>
+            <a:off x="375839" y="1401582"/>
+            <a:ext cx="8345879" cy="4524315"/>
+          </a:xfrm>
+          <a:prstGeom prst="rect">
+            <a:avLst/>
+          </a:prstGeom>
+        </p:spPr>
+        <p:txBody>
+          <a:bodyPr wrap="square">
+            <a:spAutoFit/>
+          </a:bodyPr>
+          <a:lstStyle/>
+          <a:p>
+            <a:r>
+              <a:rPr lang="en-US" dirty="0">
+                <a:hlinkClick r:id="rId2"/>
+              </a:rPr>
+              <a:t>https://towardsdatascience.com/skip-gram-nlp-context-words-prediction-algorithm-5bbf34f84e0c</a:t>
+            </a:r>
+            <a:endParaRPr lang="en-US" dirty="0"/>
+          </a:p>
+          <a:p>
+            <a:endParaRPr lang="en-US" dirty="0"/>
+          </a:p>
+          <a:p>
+            <a:r>
+              <a:rPr lang="en-US" dirty="0">
+                <a:hlinkClick r:id="rId3"/>
+              </a:rPr>
+              <a:t>https://kavita-ganesan.com/comparison-between-cbow-skipgram-subword/#.XvHfR5P7RDU</a:t>
+            </a:r>
+            <a:endParaRPr lang="en-US" dirty="0"/>
+          </a:p>
+          <a:p>
+            <a:endParaRPr lang="en-US" dirty="0"/>
+          </a:p>
+          <a:p>
+            <a:r>
+              <a:rPr lang="en-US" dirty="0">
+                <a:hlinkClick r:id="rId4"/>
+              </a:rPr>
+              <a:t>https://stackabuse.com/python-for-nlp-working-with-facebook-fasttext-library/</a:t>
+            </a:r>
+            <a:endParaRPr lang="en-US" dirty="0"/>
+          </a:p>
+          <a:p>
+            <a:endParaRPr lang="en-US" dirty="0"/>
+          </a:p>
+          <a:p>
+            <a:endParaRPr lang="en-US" dirty="0"/>
+          </a:p>
+          <a:p>
+            <a:endParaRPr lang="en-US" dirty="0"/>
+          </a:p>
+          <a:p>
+            <a:endParaRPr lang="en-US" dirty="0"/>
+          </a:p>
+          <a:p>
+            <a:endParaRPr lang="en-US" dirty="0"/>
+          </a:p>
+          <a:p>
+            <a:endParaRPr lang="en-US" dirty="0"/>
+          </a:p>
+          <a:p>
+            <a:endParaRPr lang="en-US" dirty="0"/>
+          </a:p>
+          <a:p>
+            <a:endParaRPr lang="en-US" dirty="0"/>
+          </a:p>
+          <a:p>
+            <a:endParaRPr lang="en-CO" dirty="0"/>
+          </a:p>
+        </p:txBody>
+      </p:sp>
+    </p:spTree>
+    <p:extLst>
+      <p:ext uri="{BB962C8B-B14F-4D97-AF65-F5344CB8AC3E}">
+        <p14:creationId xmlns:p14="http://schemas.microsoft.com/office/powerpoint/2010/main" val="364923165"/>
+      </p:ext>
+    </p:extLst>
+  </p:cSld>
+  <p:clrMapOvr>
+    <a:masterClrMapping/>
+  </p:clrMapOvr>
+</p:sld>
+</file>
+
 <file path=ppt/slides/slide3.xml><?xml version="1.0" encoding="utf-8"?>
 <p:sld xmlns:a="http://schemas.openxmlformats.org/drawingml/2006/main" xmlns:r="http://schemas.openxmlformats.org/officeDocument/2006/relationships" xmlns:p="http://schemas.openxmlformats.org/presentationml/2006/main">
   <p:cSld>
@@ -8370,8 +11263,8 @@
         </p:nvSpPr>
         <p:spPr>
           <a:xfrm>
-            <a:off x="2130348" y="1296351"/>
-            <a:ext cx="3858016" cy="923330"/>
+            <a:off x="451860" y="1277762"/>
+            <a:ext cx="8466671" cy="4247317"/>
           </a:xfrm>
           <a:prstGeom prst="rect">
             <a:avLst/>
@@ -8384,8 +11277,9 @@
           </a:bodyPr>
           <a:lstStyle/>
           <a:p>
-            <a:pPr marL="342900" indent="-342900">
-              <a:buAutoNum type="arabicPeriod"/>
+            <a:pPr marL="285750" indent="-285750">
+              <a:buFont typeface="Arial" panose="020B0604020202020204" pitchFamily="34" charset="0"/>
+              <a:buChar char="•"/>
             </a:pPr>
             <a:r>
               <a:rPr lang="en-US" dirty="0"/>
@@ -8393,8 +11287,27 @@
             </a:r>
           </a:p>
           <a:p>
-            <a:pPr marL="342900" indent="-342900">
-              <a:buAutoNum type="arabicPeriod"/>
+            <a:endParaRPr lang="en-US" dirty="0"/>
+          </a:p>
+          <a:p>
+            <a:r>
+              <a:rPr lang="en-US" dirty="0"/>
+              <a:t>NLP is a field of Artificial Intelligence in which we try to process human language as text or speech to make computers similar to humans. Humans have a large amount of data written in a very unorganized format. So, it’s difficult for any machine to find meaning from raw text.</a:t>
+            </a:r>
+          </a:p>
+          <a:p>
+            <a:r>
+              <a:rPr lang="en-US" dirty="0"/>
+              <a:t>To make a machine learn from the raw text we need to transform this data into a vector format which then can easily be processed by our computers. This transformation of raw text into a vector format is known as word representation.</a:t>
+            </a:r>
+          </a:p>
+          <a:p>
+            <a:endParaRPr lang="en-US" dirty="0"/>
+          </a:p>
+          <a:p>
+            <a:pPr marL="285750" indent="-285750">
+              <a:buFont typeface="Arial" panose="020B0604020202020204" pitchFamily="34" charset="0"/>
+              <a:buChar char="•"/>
             </a:pPr>
             <a:r>
               <a:rPr lang="en-US" dirty="0"/>
@@ -8410,41 +11323,16 @@
             </a:r>
             <a:endParaRPr lang="en-CO" dirty="0"/>
           </a:p>
-        </p:txBody>
-      </p:sp>
-      <p:sp>
-        <p:nvSpPr>
-          <p:cNvPr id="4" name="Rectangle 3">
-            <a:extLst>
-              <a:ext uri="{FF2B5EF4-FFF2-40B4-BE49-F238E27FC236}">
-                <a16:creationId xmlns:a16="http://schemas.microsoft.com/office/drawing/2014/main" id="{2F16C6B4-6DA5-4E0F-8C2B-0BA3A3153BAA}"/>
-              </a:ext>
-            </a:extLst>
-          </p:cNvPr>
-          <p:cNvSpPr/>
-          <p:nvPr/>
-        </p:nvSpPr>
-        <p:spPr>
-          <a:xfrm>
-            <a:off x="1898682" y="3105834"/>
-            <a:ext cx="4572000" cy="646331"/>
-          </a:xfrm>
-          <a:prstGeom prst="rect">
-            <a:avLst/>
-          </a:prstGeom>
-        </p:spPr>
-        <p:txBody>
-          <a:bodyPr>
-            <a:spAutoFit/>
-          </a:bodyPr>
-          <a:lstStyle/>
-          <a:p>
-            <a:r>
-              <a:rPr lang="en-US" dirty="0">
-                <a:latin typeface="NimbusRomNo9L"/>
-              </a:rPr>
-              <a:t>[Pull definitions from class presentations and make sure we understand these tasks.]</a:t>
-            </a:r>
+          <a:p>
+            <a:endParaRPr lang="en-US" dirty="0"/>
+          </a:p>
+          <a:p>
+            <a:r>
+              <a:rPr lang="en-US" dirty="0"/>
+              <a:t>task of assigning a set of predefined categories to free-text. Text classifiers can be used to organize, structure, and categorize</a:t>
+            </a:r>
+          </a:p>
+          <a:p>
             <a:endParaRPr lang="en-US" dirty="0"/>
           </a:p>
         </p:txBody>
@@ -8567,7 +11455,7 @@
         <p:spPr>
           <a:xfrm>
             <a:off x="3864114" y="1050302"/>
-            <a:ext cx="1415772" cy="369332"/>
+            <a:ext cx="3493264" cy="369332"/>
           </a:xfrm>
           <a:prstGeom prst="rect">
             <a:avLst/>
@@ -8586,7 +11474,11 @@
                 </a:solidFill>
                 <a:latin typeface="Arial" panose="020B0604020202020204" pitchFamily="34" charset="0"/>
               </a:rPr>
-              <a:t>Background</a:t>
+              <a:t>CBOW </a:t>
+            </a:r>
+            <a:r>
+              <a:rPr lang="en-US" i="1" dirty="0"/>
+              <a:t>continuous bag-of-words</a:t>
             </a:r>
             <a:endParaRPr lang="en-CO" dirty="0"/>
           </a:p>
@@ -8594,10 +11486,10 @@
       </p:sp>
       <p:pic>
         <p:nvPicPr>
-          <p:cNvPr id="5" name="Picture 4">
+          <p:cNvPr id="3" name="Picture 2">
             <a:extLst>
               <a:ext uri="{FF2B5EF4-FFF2-40B4-BE49-F238E27FC236}">
-                <a16:creationId xmlns:a16="http://schemas.microsoft.com/office/drawing/2014/main" id="{DC1860AB-4359-4914-A37E-09C777DED396}"/>
+                <a16:creationId xmlns:a16="http://schemas.microsoft.com/office/drawing/2014/main" id="{ADC92C27-000A-F047-9561-8784E170336E}"/>
               </a:ext>
             </a:extLst>
           </p:cNvPr>
@@ -8607,64 +11499,21 @@
           <p:nvPr/>
         </p:nvPicPr>
         <p:blipFill>
-          <a:blip r:embed="rId2"/>
+          <a:blip r:embed="rId3"/>
           <a:stretch>
             <a:fillRect/>
           </a:stretch>
         </p:blipFill>
         <p:spPr>
           <a:xfrm>
-            <a:off x="1306980" y="2486434"/>
-            <a:ext cx="6530040" cy="3940639"/>
+            <a:off x="2095500" y="1996162"/>
+            <a:ext cx="4953000" cy="4368800"/>
           </a:xfrm>
           <a:prstGeom prst="rect">
             <a:avLst/>
           </a:prstGeom>
         </p:spPr>
       </p:pic>
-      <p:sp>
-        <p:nvSpPr>
-          <p:cNvPr id="10" name="TextBox 9">
-            <a:extLst>
-              <a:ext uri="{FF2B5EF4-FFF2-40B4-BE49-F238E27FC236}">
-                <a16:creationId xmlns:a16="http://schemas.microsoft.com/office/drawing/2014/main" id="{1055EF48-8F90-4678-B0F1-32D186024099}"/>
-              </a:ext>
-            </a:extLst>
-          </p:cNvPr>
-          <p:cNvSpPr txBox="1"/>
-          <p:nvPr/>
-        </p:nvSpPr>
-        <p:spPr>
-          <a:xfrm>
-            <a:off x="919212" y="1419634"/>
-            <a:ext cx="4572000" cy="1200329"/>
-          </a:xfrm>
-          <a:prstGeom prst="rect">
-            <a:avLst/>
-          </a:prstGeom>
-          <a:noFill/>
-        </p:spPr>
-        <p:txBody>
-          <a:bodyPr wrap="square">
-            <a:spAutoFit/>
-          </a:bodyPr>
-          <a:lstStyle/>
-          <a:p>
-            <a:r>
-              <a:rPr lang="en-US" dirty="0"/>
-              <a:t>[Also reference papers here (maybe with timeline?) 3 papers – CBOW, continuous </a:t>
-            </a:r>
-            <a:r>
-              <a:rPr lang="en-US" dirty="0" err="1"/>
-              <a:t>skipgram</a:t>
-            </a:r>
-            <a:r>
-              <a:rPr lang="en-US" dirty="0"/>
-              <a:t>, and character-level neural networks (RNN and CNN)]</a:t>
-            </a:r>
-          </a:p>
-        </p:txBody>
-      </p:sp>
     </p:spTree>
     <p:extLst>
       <p:ext uri="{BB962C8B-B14F-4D97-AF65-F5344CB8AC3E}">
@@ -8770,10 +11619,10 @@
       </p:grpSp>
       <p:sp>
         <p:nvSpPr>
-          <p:cNvPr id="7" name="Rectangle 6">
+          <p:cNvPr id="2" name="Rectangle 1">
             <a:extLst>
               <a:ext uri="{FF2B5EF4-FFF2-40B4-BE49-F238E27FC236}">
-                <a16:creationId xmlns:a16="http://schemas.microsoft.com/office/drawing/2014/main" id="{6C913999-AADA-3D4A-97B1-146FE5AD9C28}"/>
+                <a16:creationId xmlns:a16="http://schemas.microsoft.com/office/drawing/2014/main" id="{A898D070-DA9C-694C-A643-84E7053EFB42}"/>
               </a:ext>
             </a:extLst>
           </p:cNvPr>
@@ -8782,8 +11631,8 @@
         </p:nvSpPr>
         <p:spPr>
           <a:xfrm>
-            <a:off x="2254685" y="969032"/>
-            <a:ext cx="3339376" cy="369332"/>
+            <a:off x="3864114" y="1050302"/>
+            <a:ext cx="1236236" cy="369332"/>
           </a:xfrm>
           <a:prstGeom prst="rect">
             <a:avLst/>
@@ -8795,15 +11644,6 @@
           </a:bodyPr>
           <a:lstStyle/>
           <a:p>
-            <a:r>
-              <a:rPr lang="en-US" dirty="0" err="1">
-                <a:solidFill>
-                  <a:srgbClr val="000000"/>
-                </a:solidFill>
-                <a:latin typeface="Arial" panose="020B0604020202020204" pitchFamily="34" charset="0"/>
-              </a:rPr>
-              <a:t>Subword</a:t>
-            </a:r>
             <a:r>
               <a:rPr lang="en-US" dirty="0">
                 <a:solidFill>
@@ -8811,53 +11651,7 @@
                 </a:solidFill>
                 <a:latin typeface="Arial" panose="020B0604020202020204" pitchFamily="34" charset="0"/>
               </a:rPr>
-              <a:t> information </a:t>
-            </a:r>
-            <a:r>
-              <a:rPr lang="en-US" dirty="0" err="1">
-                <a:solidFill>
-                  <a:srgbClr val="000000"/>
-                </a:solidFill>
-                <a:latin typeface="Arial" panose="020B0604020202020204" pitchFamily="34" charset="0"/>
-              </a:rPr>
-              <a:t>Skipgram</a:t>
-            </a:r>
-            <a:endParaRPr lang="en-CO" dirty="0"/>
-          </a:p>
-        </p:txBody>
-      </p:sp>
-      <p:sp>
-        <p:nvSpPr>
-          <p:cNvPr id="2" name="Rectangle 1">
-            <a:extLst>
-              <a:ext uri="{FF2B5EF4-FFF2-40B4-BE49-F238E27FC236}">
-                <a16:creationId xmlns:a16="http://schemas.microsoft.com/office/drawing/2014/main" id="{6F48851F-0535-4349-9CF1-B2E639A3BF33}"/>
-              </a:ext>
-            </a:extLst>
-          </p:cNvPr>
-          <p:cNvSpPr/>
-          <p:nvPr/>
-        </p:nvSpPr>
-        <p:spPr>
-          <a:xfrm>
-            <a:off x="657616" y="1878284"/>
-            <a:ext cx="4572000" cy="646331"/>
-          </a:xfrm>
-          <a:prstGeom prst="rect">
-            <a:avLst/>
-          </a:prstGeom>
-        </p:spPr>
-        <p:txBody>
-          <a:bodyPr>
-            <a:spAutoFit/>
-          </a:bodyPr>
-          <a:lstStyle/>
-          <a:p>
-            <a:r>
-              <a:rPr lang="en-US" dirty="0">
-                <a:hlinkClick r:id="rId2"/>
-              </a:rPr>
-              <a:t>https://www.mitpressjournals.org/doi/abs/10.1162/tacl_a_00051#authorsTabList</a:t>
+              <a:t>Skip-gram</a:t>
             </a:r>
             <a:endParaRPr lang="en-CO" dirty="0"/>
           </a:p>
@@ -8868,7 +11662,7 @@
           <p:cNvPr id="3" name="Picture 2">
             <a:extLst>
               <a:ext uri="{FF2B5EF4-FFF2-40B4-BE49-F238E27FC236}">
-                <a16:creationId xmlns:a16="http://schemas.microsoft.com/office/drawing/2014/main" id="{FF6BA833-5506-4D40-A5E2-B463F25B9522}"/>
+                <a16:creationId xmlns:a16="http://schemas.microsoft.com/office/drawing/2014/main" id="{7C09A93D-1CC7-BE44-9ACD-6A0F489B27EA}"/>
               </a:ext>
             </a:extLst>
           </p:cNvPr>
@@ -8885,103 +11679,18 @@
         </p:blipFill>
         <p:spPr>
           <a:xfrm>
-            <a:off x="4309364" y="3231714"/>
-            <a:ext cx="2967736" cy="2229285"/>
+            <a:off x="2089150" y="1790265"/>
+            <a:ext cx="4965700" cy="4254500"/>
           </a:xfrm>
           <a:prstGeom prst="rect">
             <a:avLst/>
           </a:prstGeom>
         </p:spPr>
       </p:pic>
-      <p:sp>
-        <p:nvSpPr>
-          <p:cNvPr id="4" name="Rectangle 3">
-            <a:extLst>
-              <a:ext uri="{FF2B5EF4-FFF2-40B4-BE49-F238E27FC236}">
-                <a16:creationId xmlns:a16="http://schemas.microsoft.com/office/drawing/2014/main" id="{D998F222-6039-174B-BDDD-DC105D3A94EB}"/>
-              </a:ext>
-            </a:extLst>
-          </p:cNvPr>
-          <p:cNvSpPr/>
-          <p:nvPr/>
-        </p:nvSpPr>
-        <p:spPr>
-          <a:xfrm>
-            <a:off x="523025" y="3682745"/>
-            <a:ext cx="3463320" cy="369332"/>
-          </a:xfrm>
-          <a:prstGeom prst="rect">
-            <a:avLst/>
-          </a:prstGeom>
-        </p:spPr>
-        <p:txBody>
-          <a:bodyPr wrap="none">
-            <a:spAutoFit/>
-          </a:bodyPr>
-          <a:lstStyle/>
-          <a:p>
-            <a:r>
-              <a:rPr lang="en-US" dirty="0">
-                <a:hlinkClick r:id="rId4"/>
-              </a:rPr>
-              <a:t>https://arxiv.org/abs/1607.04606</a:t>
-            </a:r>
-            <a:endParaRPr lang="en-CO" dirty="0"/>
-          </a:p>
-        </p:txBody>
-      </p:sp>
-      <p:sp>
-        <p:nvSpPr>
-          <p:cNvPr id="5" name="Rectangle 4">
-            <a:extLst>
-              <a:ext uri="{FF2B5EF4-FFF2-40B4-BE49-F238E27FC236}">
-                <a16:creationId xmlns:a16="http://schemas.microsoft.com/office/drawing/2014/main" id="{61AA3B81-E730-4AC8-842A-B5C8F5AB862A}"/>
-              </a:ext>
-            </a:extLst>
-          </p:cNvPr>
-          <p:cNvSpPr/>
-          <p:nvPr/>
-        </p:nvSpPr>
-        <p:spPr>
-          <a:xfrm>
-            <a:off x="169365" y="4321743"/>
-            <a:ext cx="2737464" cy="2031325"/>
-          </a:xfrm>
-          <a:prstGeom prst="rect">
-            <a:avLst/>
-          </a:prstGeom>
-        </p:spPr>
-        <p:txBody>
-          <a:bodyPr wrap="square">
-            <a:spAutoFit/>
-          </a:bodyPr>
-          <a:lstStyle/>
-          <a:p>
-            <a:r>
-              <a:rPr lang="en-US" dirty="0"/>
-              <a:t>[Find graphic showing differences in new model]</a:t>
-            </a:r>
-          </a:p>
-          <a:p>
-            <a:r>
-              <a:rPr lang="en-US" dirty="0"/>
-              <a:t>[Put </a:t>
-            </a:r>
-            <a:r>
-              <a:rPr lang="en-US" dirty="0" err="1"/>
-              <a:t>skipgram</a:t>
-            </a:r>
-            <a:r>
-              <a:rPr lang="en-US" dirty="0"/>
-              <a:t> eqn. or scoring functions from presentation here, per BW]</a:t>
-            </a:r>
-          </a:p>
-        </p:txBody>
-      </p:sp>
     </p:spTree>
     <p:extLst>
       <p:ext uri="{BB962C8B-B14F-4D97-AF65-F5344CB8AC3E}">
-        <p14:creationId xmlns:p14="http://schemas.microsoft.com/office/powerpoint/2010/main" val="2794149628"/>
+        <p14:creationId xmlns:p14="http://schemas.microsoft.com/office/powerpoint/2010/main" val="62621772"/>
       </p:ext>
     </p:extLst>
   </p:cSld>
@@ -9086,7 +11795,7 @@
           <p:cNvPr id="2" name="Rectangle 1">
             <a:extLst>
               <a:ext uri="{FF2B5EF4-FFF2-40B4-BE49-F238E27FC236}">
-                <a16:creationId xmlns:a16="http://schemas.microsoft.com/office/drawing/2014/main" id="{A508D742-D411-CF4E-8CD4-0FBBDE41C8A5}"/>
+                <a16:creationId xmlns:a16="http://schemas.microsoft.com/office/drawing/2014/main" id="{A898D070-DA9C-694C-A643-84E7053EFB42}"/>
               </a:ext>
             </a:extLst>
           </p:cNvPr>
@@ -9095,8 +11804,8 @@
         </p:nvSpPr>
         <p:spPr>
           <a:xfrm>
-            <a:off x="3973118" y="901967"/>
-            <a:ext cx="1197764" cy="369332"/>
+            <a:off x="3864114" y="1050302"/>
+            <a:ext cx="2210862" cy="369332"/>
           </a:xfrm>
           <a:prstGeom prst="rect">
             <a:avLst/>
@@ -9115,144 +11824,55 @@
                 </a:solidFill>
                 <a:latin typeface="Arial" panose="020B0604020202020204" pitchFamily="34" charset="0"/>
               </a:rPr>
-              <a:t>Data Sets</a:t>
+              <a:t>Skip-gram </a:t>
+            </a:r>
+            <a:r>
+              <a:rPr lang="en-US" dirty="0" err="1">
+                <a:solidFill>
+                  <a:srgbClr val="000000"/>
+                </a:solidFill>
+                <a:latin typeface="Arial" panose="020B0604020202020204" pitchFamily="34" charset="0"/>
+              </a:rPr>
+              <a:t>Subword</a:t>
             </a:r>
             <a:endParaRPr lang="en-CO" dirty="0"/>
           </a:p>
         </p:txBody>
       </p:sp>
-      <p:sp>
-        <p:nvSpPr>
-          <p:cNvPr id="7" name="TextBox 6">
+      <p:pic>
+        <p:nvPicPr>
+          <p:cNvPr id="4" name="Picture 3">
             <a:extLst>
               <a:ext uri="{FF2B5EF4-FFF2-40B4-BE49-F238E27FC236}">
-                <a16:creationId xmlns:a16="http://schemas.microsoft.com/office/drawing/2014/main" id="{73AA65E9-A262-435F-A9EC-9DA95266E49D}"/>
+                <a16:creationId xmlns:a16="http://schemas.microsoft.com/office/drawing/2014/main" id="{BFD4A4DA-B4CE-AF40-9368-E8899CCE9216}"/>
               </a:ext>
             </a:extLst>
           </p:cNvPr>
-          <p:cNvSpPr txBox="1"/>
+          <p:cNvPicPr>
+            <a:picLocks noChangeAspect="1"/>
+          </p:cNvPicPr>
           <p:nvPr/>
-        </p:nvSpPr>
-        <p:spPr>
-          <a:xfrm>
-            <a:off x="494053" y="1272063"/>
-            <a:ext cx="3858016" cy="3139321"/>
-          </a:xfrm>
-          <a:prstGeom prst="rect">
-            <a:avLst/>
-          </a:prstGeom>
-          <a:noFill/>
-        </p:spPr>
-        <p:txBody>
-          <a:bodyPr wrap="square" rtlCol="0">
-            <a:spAutoFit/>
-          </a:bodyPr>
-          <a:lstStyle/>
-          <a:p>
-            <a:pPr marL="342900" indent="-342900">
-              <a:buAutoNum type="arabicPeriod"/>
-            </a:pPr>
-            <a:r>
-              <a:rPr lang="en-US" dirty="0"/>
-              <a:t>Word Representation</a:t>
-            </a:r>
-          </a:p>
-          <a:p>
-            <a:pPr marL="800100" lvl="1" indent="-342900">
-              <a:buAutoNum type="arabicPeriod"/>
-            </a:pPr>
-            <a:r>
-              <a:rPr lang="en-US" dirty="0"/>
-              <a:t>Dataset</a:t>
-            </a:r>
-          </a:p>
-          <a:p>
-            <a:pPr marL="1257300" lvl="2" indent="-342900">
-              <a:buAutoNum type="arabicPeriod"/>
-            </a:pPr>
-            <a:r>
-              <a:rPr lang="en-US" dirty="0"/>
-              <a:t>Structure</a:t>
-            </a:r>
-          </a:p>
-          <a:p>
-            <a:pPr marL="800100" lvl="1" indent="-342900">
-              <a:buAutoNum type="arabicPeriod"/>
-            </a:pPr>
-            <a:r>
-              <a:rPr lang="en-US" dirty="0"/>
-              <a:t>Dataset 2</a:t>
-            </a:r>
-          </a:p>
-          <a:p>
-            <a:pPr marL="1257300" lvl="2" indent="-342900">
-              <a:buAutoNum type="arabicPeriod"/>
-            </a:pPr>
-            <a:r>
-              <a:rPr lang="en-US" dirty="0"/>
-              <a:t>Structure</a:t>
-            </a:r>
-          </a:p>
-          <a:p>
-            <a:pPr marL="342900" indent="-342900">
-              <a:buAutoNum type="arabicPeriod"/>
-            </a:pPr>
-            <a:r>
-              <a:rPr lang="en-US" dirty="0"/>
-              <a:t>Text Classification (hate speech </a:t>
-            </a:r>
-            <a:r>
-              <a:rPr lang="en-US" dirty="0" err="1"/>
-              <a:t>detection,etc</a:t>
-            </a:r>
-            <a:r>
-              <a:rPr lang="en-US" dirty="0"/>
-              <a:t>)</a:t>
-            </a:r>
-          </a:p>
-          <a:p>
-            <a:pPr marL="800100" lvl="1" indent="-342900">
-              <a:buAutoNum type="arabicPeriod"/>
-            </a:pPr>
-            <a:r>
-              <a:rPr lang="en-US" dirty="0"/>
-              <a:t>Dataset</a:t>
-            </a:r>
-          </a:p>
-          <a:p>
-            <a:pPr marL="1257300" lvl="2" indent="-342900">
-              <a:buAutoNum type="arabicPeriod"/>
-            </a:pPr>
-            <a:r>
-              <a:rPr lang="en-US" dirty="0"/>
-              <a:t>Structure</a:t>
-            </a:r>
-          </a:p>
-          <a:p>
-            <a:pPr marL="800100" lvl="1" indent="-342900">
-              <a:buAutoNum type="arabicPeriod"/>
-            </a:pPr>
-            <a:r>
-              <a:rPr lang="en-US" dirty="0"/>
-              <a:t>Dataset 2</a:t>
-            </a:r>
-          </a:p>
-          <a:p>
-            <a:pPr marL="1257300" lvl="2" indent="-342900">
-              <a:buAutoNum type="arabicPeriod"/>
-            </a:pPr>
-            <a:r>
-              <a:rPr lang="en-US" dirty="0"/>
-              <a:t>Structure</a:t>
-            </a:r>
-            <a:endParaRPr lang="en-CO" dirty="0"/>
-          </a:p>
-        </p:txBody>
-      </p:sp>
+        </p:nvPicPr>
+        <p:blipFill>
+          <a:blip r:embed="rId3"/>
+          <a:stretch>
+            <a:fillRect/>
+          </a:stretch>
+        </p:blipFill>
+        <p:spPr>
+          <a:xfrm>
+            <a:off x="751561" y="1658417"/>
+            <a:ext cx="6728564" cy="4149281"/>
+          </a:xfrm>
+          <a:prstGeom prst="rect">
+            <a:avLst/>
+          </a:prstGeom>
+        </p:spPr>
+      </p:pic>
     </p:spTree>
     <p:extLst>
       <p:ext uri="{BB962C8B-B14F-4D97-AF65-F5344CB8AC3E}">
-        <p14:creationId xmlns:p14="http://schemas.microsoft.com/office/powerpoint/2010/main" val="8368034"/>
+        <p14:creationId xmlns:p14="http://schemas.microsoft.com/office/powerpoint/2010/main" val="3785320796"/>
       </p:ext>
     </p:extLst>
   </p:cSld>
@@ -9263,7 +11883,7 @@
 </file>
 
 <file path=ppt/slides/slide7.xml><?xml version="1.0" encoding="utf-8"?>
-<p:sld xmlns:a="http://schemas.openxmlformats.org/drawingml/2006/main" xmlns:r="http://schemas.openxmlformats.org/officeDocument/2006/relationships" xmlns:p="http://schemas.openxmlformats.org/presentationml/2006/main" show="0">
+<p:sld xmlns:a="http://schemas.openxmlformats.org/drawingml/2006/main" xmlns:r="http://schemas.openxmlformats.org/officeDocument/2006/relationships" xmlns:p="http://schemas.openxmlformats.org/presentationml/2006/main">
   <p:cSld>
     <p:spTree>
       <p:nvGrpSpPr>
@@ -9354,10 +11974,10 @@
       </p:grpSp>
       <p:sp>
         <p:nvSpPr>
-          <p:cNvPr id="2" name="Rectangle 1">
+          <p:cNvPr id="7" name="Rectangle 6">
             <a:extLst>
               <a:ext uri="{FF2B5EF4-FFF2-40B4-BE49-F238E27FC236}">
-                <a16:creationId xmlns:a16="http://schemas.microsoft.com/office/drawing/2014/main" id="{A508D742-D411-CF4E-8CD4-0FBBDE41C8A5}"/>
+                <a16:creationId xmlns:a16="http://schemas.microsoft.com/office/drawing/2014/main" id="{6C913999-AADA-3D4A-97B1-146FE5AD9C28}"/>
               </a:ext>
             </a:extLst>
           </p:cNvPr>
@@ -9366,8 +11986,8 @@
         </p:nvSpPr>
         <p:spPr>
           <a:xfrm>
-            <a:off x="3973118" y="901967"/>
-            <a:ext cx="1197764" cy="369332"/>
+            <a:off x="2254685" y="969032"/>
+            <a:ext cx="3339376" cy="369332"/>
           </a:xfrm>
           <a:prstGeom prst="rect">
             <a:avLst/>
@@ -9379,6 +11999,15 @@
           </a:bodyPr>
           <a:lstStyle/>
           <a:p>
+            <a:r>
+              <a:rPr lang="en-US" dirty="0" err="1">
+                <a:solidFill>
+                  <a:srgbClr val="000000"/>
+                </a:solidFill>
+                <a:latin typeface="Arial" panose="020B0604020202020204" pitchFamily="34" charset="0"/>
+              </a:rPr>
+              <a:t>Subword</a:t>
+            </a:r>
             <a:r>
               <a:rPr lang="en-US" dirty="0">
                 <a:solidFill>
@@ -9386,7 +12015,53 @@
                 </a:solidFill>
                 <a:latin typeface="Arial" panose="020B0604020202020204" pitchFamily="34" charset="0"/>
               </a:rPr>
-              <a:t>Data Sets</a:t>
+              <a:t> information </a:t>
+            </a:r>
+            <a:r>
+              <a:rPr lang="en-US" dirty="0" err="1">
+                <a:solidFill>
+                  <a:srgbClr val="000000"/>
+                </a:solidFill>
+                <a:latin typeface="Arial" panose="020B0604020202020204" pitchFamily="34" charset="0"/>
+              </a:rPr>
+              <a:t>Skipgram</a:t>
+            </a:r>
+            <a:endParaRPr lang="en-CO" dirty="0"/>
+          </a:p>
+        </p:txBody>
+      </p:sp>
+      <p:sp>
+        <p:nvSpPr>
+          <p:cNvPr id="2" name="Rectangle 1">
+            <a:extLst>
+              <a:ext uri="{FF2B5EF4-FFF2-40B4-BE49-F238E27FC236}">
+                <a16:creationId xmlns:a16="http://schemas.microsoft.com/office/drawing/2014/main" id="{6F48851F-0535-4349-9CF1-B2E639A3BF33}"/>
+              </a:ext>
+            </a:extLst>
+          </p:cNvPr>
+          <p:cNvSpPr/>
+          <p:nvPr/>
+        </p:nvSpPr>
+        <p:spPr>
+          <a:xfrm>
+            <a:off x="657616" y="1878284"/>
+            <a:ext cx="4572000" cy="646331"/>
+          </a:xfrm>
+          <a:prstGeom prst="rect">
+            <a:avLst/>
+          </a:prstGeom>
+        </p:spPr>
+        <p:txBody>
+          <a:bodyPr>
+            <a:spAutoFit/>
+          </a:bodyPr>
+          <a:lstStyle/>
+          <a:p>
+            <a:r>
+              <a:rPr lang="en-US" dirty="0">
+                <a:hlinkClick r:id="rId2"/>
+              </a:rPr>
+              <a:t>https://www.mitpressjournals.org/doi/abs/10.1162/tacl_a_00051#authorsTabList</a:t>
             </a:r>
             <a:endParaRPr lang="en-CO" dirty="0"/>
           </a:p>
@@ -9397,37 +12072,7 @@
           <p:cNvPr id="3" name="Picture 2">
             <a:extLst>
               <a:ext uri="{FF2B5EF4-FFF2-40B4-BE49-F238E27FC236}">
-                <a16:creationId xmlns:a16="http://schemas.microsoft.com/office/drawing/2014/main" id="{FB76B419-07C5-1F48-9515-D01454DBE0CC}"/>
-              </a:ext>
-            </a:extLst>
-          </p:cNvPr>
-          <p:cNvPicPr>
-            <a:picLocks noChangeAspect="1"/>
-          </p:cNvPicPr>
-          <p:nvPr/>
-        </p:nvPicPr>
-        <p:blipFill>
-          <a:blip r:embed="rId2"/>
-          <a:stretch>
-            <a:fillRect/>
-          </a:stretch>
-        </p:blipFill>
-        <p:spPr>
-          <a:xfrm>
-            <a:off x="212943" y="1440186"/>
-            <a:ext cx="3562350" cy="3502550"/>
-          </a:xfrm>
-          <a:prstGeom prst="rect">
-            <a:avLst/>
-          </a:prstGeom>
-        </p:spPr>
-      </p:pic>
-      <p:pic>
-        <p:nvPicPr>
-          <p:cNvPr id="4" name="Picture 3">
-            <a:extLst>
-              <a:ext uri="{FF2B5EF4-FFF2-40B4-BE49-F238E27FC236}">
-                <a16:creationId xmlns:a16="http://schemas.microsoft.com/office/drawing/2014/main" id="{62CFCE26-9C66-2848-982A-854886F6ACF9}"/>
+                <a16:creationId xmlns:a16="http://schemas.microsoft.com/office/drawing/2014/main" id="{FF6BA833-5506-4D40-A5E2-B463F25B9522}"/>
               </a:ext>
             </a:extLst>
           </p:cNvPr>
@@ -9444,78 +12089,103 @@
         </p:blipFill>
         <p:spPr>
           <a:xfrm>
-            <a:off x="5813305" y="901967"/>
-            <a:ext cx="3117752" cy="2938571"/>
+            <a:off x="4309364" y="3231714"/>
+            <a:ext cx="2967736" cy="2229285"/>
           </a:xfrm>
           <a:prstGeom prst="rect">
             <a:avLst/>
           </a:prstGeom>
         </p:spPr>
       </p:pic>
-      <p:pic>
-        <p:nvPicPr>
-          <p:cNvPr id="5" name="Picture 4">
+      <p:sp>
+        <p:nvSpPr>
+          <p:cNvPr id="4" name="Rectangle 3">
             <a:extLst>
               <a:ext uri="{FF2B5EF4-FFF2-40B4-BE49-F238E27FC236}">
-                <a16:creationId xmlns:a16="http://schemas.microsoft.com/office/drawing/2014/main" id="{C469FE2E-1E4C-604E-AEF0-1E8899201F80}"/>
+                <a16:creationId xmlns:a16="http://schemas.microsoft.com/office/drawing/2014/main" id="{D998F222-6039-174B-BDDD-DC105D3A94EB}"/>
               </a:ext>
             </a:extLst>
           </p:cNvPr>
-          <p:cNvPicPr>
-            <a:picLocks noChangeAspect="1"/>
-          </p:cNvPicPr>
+          <p:cNvSpPr/>
           <p:nvPr/>
-        </p:nvPicPr>
-        <p:blipFill>
-          <a:blip r:embed="rId4"/>
-          <a:stretch>
-            <a:fillRect/>
-          </a:stretch>
-        </p:blipFill>
-        <p:spPr>
-          <a:xfrm>
-            <a:off x="1453720" y="3473450"/>
-            <a:ext cx="2895983" cy="2938571"/>
-          </a:xfrm>
-          <a:prstGeom prst="rect">
-            <a:avLst/>
-          </a:prstGeom>
-        </p:spPr>
-      </p:pic>
-      <p:pic>
-        <p:nvPicPr>
-          <p:cNvPr id="6" name="Picture 5">
+        </p:nvSpPr>
+        <p:spPr>
+          <a:xfrm>
+            <a:off x="523025" y="3682745"/>
+            <a:ext cx="3463320" cy="369332"/>
+          </a:xfrm>
+          <a:prstGeom prst="rect">
+            <a:avLst/>
+          </a:prstGeom>
+        </p:spPr>
+        <p:txBody>
+          <a:bodyPr wrap="none">
+            <a:spAutoFit/>
+          </a:bodyPr>
+          <a:lstStyle/>
+          <a:p>
+            <a:r>
+              <a:rPr lang="en-US" dirty="0">
+                <a:hlinkClick r:id="rId4"/>
+              </a:rPr>
+              <a:t>https://arxiv.org/abs/1607.04606</a:t>
+            </a:r>
+            <a:endParaRPr lang="en-CO" dirty="0"/>
+          </a:p>
+        </p:txBody>
+      </p:sp>
+      <p:sp>
+        <p:nvSpPr>
+          <p:cNvPr id="5" name="Rectangle 4">
             <a:extLst>
               <a:ext uri="{FF2B5EF4-FFF2-40B4-BE49-F238E27FC236}">
-                <a16:creationId xmlns:a16="http://schemas.microsoft.com/office/drawing/2014/main" id="{638340C5-893C-7D4D-80B7-7393B8CB1B1E}"/>
+                <a16:creationId xmlns:a16="http://schemas.microsoft.com/office/drawing/2014/main" id="{61AA3B81-E730-4AC8-842A-B5C8F5AB862A}"/>
               </a:ext>
             </a:extLst>
           </p:cNvPr>
-          <p:cNvPicPr>
-            <a:picLocks noChangeAspect="1"/>
-          </p:cNvPicPr>
+          <p:cNvSpPr/>
           <p:nvPr/>
-        </p:nvPicPr>
-        <p:blipFill>
-          <a:blip r:embed="rId5"/>
-          <a:stretch>
-            <a:fillRect/>
-          </a:stretch>
-        </p:blipFill>
-        <p:spPr>
-          <a:xfrm>
-            <a:off x="3693139" y="2619258"/>
-            <a:ext cx="3679042" cy="3670112"/>
-          </a:xfrm>
-          <a:prstGeom prst="rect">
-            <a:avLst/>
-          </a:prstGeom>
-        </p:spPr>
-      </p:pic>
+        </p:nvSpPr>
+        <p:spPr>
+          <a:xfrm>
+            <a:off x="169365" y="4321743"/>
+            <a:ext cx="2737464" cy="2031325"/>
+          </a:xfrm>
+          <a:prstGeom prst="rect">
+            <a:avLst/>
+          </a:prstGeom>
+        </p:spPr>
+        <p:txBody>
+          <a:bodyPr wrap="square">
+            <a:spAutoFit/>
+          </a:bodyPr>
+          <a:lstStyle/>
+          <a:p>
+            <a:r>
+              <a:rPr lang="en-US" dirty="0"/>
+              <a:t>[Find graphic showing differences in new model]</a:t>
+            </a:r>
+          </a:p>
+          <a:p>
+            <a:r>
+              <a:rPr lang="en-US" dirty="0"/>
+              <a:t>[Put </a:t>
+            </a:r>
+            <a:r>
+              <a:rPr lang="en-US" dirty="0" err="1"/>
+              <a:t>skipgram</a:t>
+            </a:r>
+            <a:r>
+              <a:rPr lang="en-US" dirty="0"/>
+              <a:t> eqn. or scoring functions from presentation here, per BW]</a:t>
+            </a:r>
+          </a:p>
+        </p:txBody>
+      </p:sp>
     </p:spTree>
     <p:extLst>
       <p:ext uri="{BB962C8B-B14F-4D97-AF65-F5344CB8AC3E}">
-        <p14:creationId xmlns:p14="http://schemas.microsoft.com/office/powerpoint/2010/main" val="2025707338"/>
+        <p14:creationId xmlns:p14="http://schemas.microsoft.com/office/powerpoint/2010/main" val="2794149628"/>
       </p:ext>
     </p:extLst>
   </p:cSld>
@@ -9620,7 +12290,7 @@
           <p:cNvPr id="2" name="Rectangle 1">
             <a:extLst>
               <a:ext uri="{FF2B5EF4-FFF2-40B4-BE49-F238E27FC236}">
-                <a16:creationId xmlns:a16="http://schemas.microsoft.com/office/drawing/2014/main" id="{EC068493-07FD-A34E-AF93-B0D83101C167}"/>
+                <a16:creationId xmlns:a16="http://schemas.microsoft.com/office/drawing/2014/main" id="{A508D742-D411-CF4E-8CD4-0FBBDE41C8A5}"/>
               </a:ext>
             </a:extLst>
           </p:cNvPr>
@@ -9629,8 +12299,8 @@
         </p:nvSpPr>
         <p:spPr>
           <a:xfrm>
-            <a:off x="2998304" y="864389"/>
-            <a:ext cx="3531736" cy="369332"/>
+            <a:off x="3973118" y="901967"/>
+            <a:ext cx="1197764" cy="369332"/>
           </a:xfrm>
           <a:prstGeom prst="rect">
             <a:avLst/>
@@ -9649,7 +12319,7 @@
                 </a:solidFill>
                 <a:latin typeface="Arial" panose="020B0604020202020204" pitchFamily="34" charset="0"/>
               </a:rPr>
-              <a:t>Quantitative / Qualitative Results</a:t>
+              <a:t>Data Sets</a:t>
             </a:r>
             <a:endParaRPr lang="en-CO" dirty="0"/>
           </a:p>
@@ -9657,286 +12327,136 @@
       </p:sp>
       <p:sp>
         <p:nvSpPr>
-          <p:cNvPr id="3" name="Rectangle 2">
+          <p:cNvPr id="7" name="TextBox 6">
             <a:extLst>
               <a:ext uri="{FF2B5EF4-FFF2-40B4-BE49-F238E27FC236}">
-                <a16:creationId xmlns:a16="http://schemas.microsoft.com/office/drawing/2014/main" id="{CA3AEA9E-434C-430F-B295-AF44041B0395}"/>
+                <a16:creationId xmlns:a16="http://schemas.microsoft.com/office/drawing/2014/main" id="{73AA65E9-A262-435F-A9EC-9DA95266E49D}"/>
               </a:ext>
             </a:extLst>
           </p:cNvPr>
-          <p:cNvSpPr/>
+          <p:cNvSpPr txBox="1"/>
           <p:nvPr/>
         </p:nvSpPr>
         <p:spPr>
           <a:xfrm>
-            <a:off x="101494" y="4840312"/>
-            <a:ext cx="4572000" cy="923330"/>
-          </a:xfrm>
-          <a:prstGeom prst="rect">
-            <a:avLst/>
-          </a:prstGeom>
-        </p:spPr>
-        <p:txBody>
-          <a:bodyPr>
+            <a:off x="494053" y="1272063"/>
+            <a:ext cx="3858016" cy="3139321"/>
+          </a:xfrm>
+          <a:prstGeom prst="rect">
+            <a:avLst/>
+          </a:prstGeom>
+          <a:noFill/>
+        </p:spPr>
+        <p:txBody>
+          <a:bodyPr wrap="square" rtlCol="0">
             <a:spAutoFit/>
           </a:bodyPr>
           <a:lstStyle/>
           <a:p>
-            <a:r>
-              <a:rPr lang="en-US" sz="1100" dirty="0">
-                <a:latin typeface="NimbusRomNo9L"/>
-              </a:rPr>
-              <a:t>In most experiments (except in Sec. 5.3), we compare our model to the C implementation </a:t>
-            </a:r>
-            <a:r>
-              <a:rPr lang="en-US" sz="1100" dirty="0"/>
-              <a:t>of the </a:t>
-            </a:r>
-            <a:r>
-              <a:rPr lang="en-US" sz="1100" dirty="0" err="1"/>
-              <a:t>skipgram</a:t>
-            </a:r>
-            <a:r>
-              <a:rPr lang="en-US" sz="1100" dirty="0"/>
-              <a:t> and </a:t>
-            </a:r>
-            <a:r>
-              <a:rPr lang="en-US" sz="1100" dirty="0" err="1"/>
-              <a:t>cbow</a:t>
-            </a:r>
-            <a:r>
-              <a:rPr lang="en-US" sz="1100" dirty="0"/>
-              <a:t> models from the word2vec2 package</a:t>
-            </a:r>
-            <a:r>
-              <a:rPr lang="en-US" sz="1200" dirty="0"/>
-              <a:t>. </a:t>
-            </a:r>
-          </a:p>
-          <a:p>
-            <a:endParaRPr lang="en-US" dirty="0"/>
-          </a:p>
-        </p:txBody>
-      </p:sp>
-      <p:sp>
-        <p:nvSpPr>
-          <p:cNvPr id="4" name="Rectangle 3">
-            <a:extLst>
-              <a:ext uri="{FF2B5EF4-FFF2-40B4-BE49-F238E27FC236}">
-                <a16:creationId xmlns:a16="http://schemas.microsoft.com/office/drawing/2014/main" id="{376960B4-2307-4284-BF3A-AC674A3846D7}"/>
-              </a:ext>
-            </a:extLst>
-          </p:cNvPr>
-          <p:cNvSpPr/>
-          <p:nvPr/>
-        </p:nvSpPr>
-        <p:spPr>
-          <a:xfrm>
-            <a:off x="4572000" y="5171172"/>
-            <a:ext cx="4572000" cy="1200329"/>
-          </a:xfrm>
-          <a:prstGeom prst="rect">
-            <a:avLst/>
-          </a:prstGeom>
-        </p:spPr>
-        <p:txBody>
-          <a:bodyPr>
-            <a:spAutoFit/>
-          </a:bodyPr>
-          <a:lstStyle/>
-          <a:p>
-            <a:r>
-              <a:rPr lang="en-US" sz="1200" dirty="0">
-                <a:latin typeface="NimbusRomNo9L"/>
-              </a:rPr>
-              <a:t>5.3 Comparison with morphological representations </a:t>
-            </a:r>
-            <a:endParaRPr lang="en-US" sz="1200" dirty="0"/>
-          </a:p>
-          <a:p>
-            <a:r>
-              <a:rPr lang="en-US" sz="1200" dirty="0">
-                <a:latin typeface="NimbusRomNo9L"/>
-              </a:rPr>
-              <a:t>We also compare our approach to previous work on word vectors incorporating </a:t>
-            </a:r>
-            <a:r>
-              <a:rPr lang="en-US" sz="1200" dirty="0" err="1">
-                <a:latin typeface="NimbusRomNo9L"/>
-              </a:rPr>
-              <a:t>subword</a:t>
-            </a:r>
-            <a:r>
-              <a:rPr lang="en-US" sz="1200" dirty="0">
-                <a:latin typeface="NimbusRomNo9L"/>
-              </a:rPr>
-              <a:t> information on word similarity tasks. The methods used are: the recursive neural network of Luong et al. (2013), the morpheme </a:t>
-            </a:r>
-            <a:r>
-              <a:rPr lang="en-US" sz="1200" dirty="0" err="1">
-                <a:latin typeface="NimbusMonL"/>
-              </a:rPr>
-              <a:t>cbow</a:t>
-            </a:r>
-            <a:r>
-              <a:rPr lang="en-US" sz="1200" dirty="0">
-                <a:latin typeface="NimbusMonL"/>
-              </a:rPr>
-              <a:t> </a:t>
-            </a:r>
-            <a:r>
-              <a:rPr lang="en-US" sz="1200" dirty="0">
-                <a:latin typeface="NimbusRomNo9L"/>
-              </a:rPr>
-              <a:t>of </a:t>
-            </a:r>
-            <a:r>
-              <a:rPr lang="en-US" sz="1200" dirty="0" err="1">
-                <a:latin typeface="NimbusRomNo9L"/>
-              </a:rPr>
-              <a:t>Qiu</a:t>
-            </a:r>
-            <a:r>
-              <a:rPr lang="en-US" sz="1200" dirty="0">
-                <a:latin typeface="NimbusRomNo9L"/>
-              </a:rPr>
-              <a:t> et al. (2014) and the morphological transformations of </a:t>
-            </a:r>
-            <a:r>
-              <a:rPr lang="en-US" sz="1200" dirty="0" err="1">
-                <a:latin typeface="NimbusRomNo9L"/>
-              </a:rPr>
-              <a:t>Soricut</a:t>
-            </a:r>
-            <a:r>
-              <a:rPr lang="en-US" sz="1200" dirty="0">
-                <a:latin typeface="NimbusRomNo9L"/>
-              </a:rPr>
-              <a:t> and </a:t>
-            </a:r>
-            <a:r>
-              <a:rPr lang="en-US" sz="1200" dirty="0" err="1">
-                <a:latin typeface="NimbusRomNo9L"/>
-              </a:rPr>
-              <a:t>Och</a:t>
-            </a:r>
-            <a:r>
-              <a:rPr lang="en-US" sz="1200" dirty="0">
-                <a:latin typeface="NimbusRomNo9L"/>
-              </a:rPr>
-              <a:t> (2015). </a:t>
-            </a:r>
-            <a:endParaRPr lang="en-US" sz="1200" dirty="0"/>
-          </a:p>
-        </p:txBody>
-      </p:sp>
-      <p:sp>
-        <p:nvSpPr>
-          <p:cNvPr id="6" name="Rectangle 5">
-            <a:extLst>
-              <a:ext uri="{FF2B5EF4-FFF2-40B4-BE49-F238E27FC236}">
-                <a16:creationId xmlns:a16="http://schemas.microsoft.com/office/drawing/2014/main" id="{6E763CA1-9686-4321-A3D3-9682AFE5495C}"/>
-              </a:ext>
-            </a:extLst>
-          </p:cNvPr>
-          <p:cNvSpPr/>
-          <p:nvPr/>
-        </p:nvSpPr>
-        <p:spPr>
-          <a:xfrm>
-            <a:off x="90121" y="5432782"/>
-            <a:ext cx="4572000" cy="938719"/>
-          </a:xfrm>
-          <a:prstGeom prst="rect">
-            <a:avLst/>
-          </a:prstGeom>
-        </p:spPr>
-        <p:txBody>
-          <a:bodyPr>
-            <a:spAutoFit/>
-          </a:bodyPr>
-          <a:lstStyle/>
-          <a:p>
-            <a:r>
-              <a:rPr lang="en-US" sz="1100" dirty="0">
-                <a:latin typeface="NimbusRomNo9L"/>
-              </a:rPr>
-              <a:t>We evaluate our model in five experiments: an eval- </a:t>
-            </a:r>
-            <a:r>
-              <a:rPr lang="en-US" sz="1100" dirty="0" err="1">
-                <a:latin typeface="NimbusRomNo9L"/>
-              </a:rPr>
-              <a:t>uation</a:t>
-            </a:r>
-            <a:r>
-              <a:rPr lang="en-US" sz="1100" dirty="0">
-                <a:latin typeface="NimbusRomNo9L"/>
-              </a:rPr>
-              <a:t> of word similarity and word analogies, a com- </a:t>
-            </a:r>
-            <a:r>
-              <a:rPr lang="en-US" sz="1100" dirty="0" err="1">
-                <a:latin typeface="NimbusRomNo9L"/>
-              </a:rPr>
-              <a:t>parison</a:t>
-            </a:r>
-            <a:r>
-              <a:rPr lang="en-US" sz="1100" dirty="0">
-                <a:latin typeface="NimbusRomNo9L"/>
-              </a:rPr>
-              <a:t> to state-of-the-art methods, an analysis of the effect of the size of training data and of the size of character </a:t>
-            </a:r>
-            <a:r>
-              <a:rPr lang="en-US" sz="1100" dirty="0">
-                <a:latin typeface="CMMI10"/>
-              </a:rPr>
-              <a:t>n</a:t>
-            </a:r>
-            <a:r>
-              <a:rPr lang="en-US" sz="1100" dirty="0">
-                <a:latin typeface="NimbusRomNo9L"/>
-              </a:rPr>
-              <a:t>-grams that we consider. We will de- scribe these experiments in detail in the following sections. </a:t>
-            </a:r>
-            <a:endParaRPr lang="en-US" sz="1100" dirty="0"/>
-          </a:p>
-        </p:txBody>
-      </p:sp>
-      <p:pic>
-        <p:nvPicPr>
-          <p:cNvPr id="10" name="Picture 9">
-            <a:extLst>
-              <a:ext uri="{FF2B5EF4-FFF2-40B4-BE49-F238E27FC236}">
-                <a16:creationId xmlns:a16="http://schemas.microsoft.com/office/drawing/2014/main" id="{1D31E707-FBB3-4F42-9BCC-8525933EF56E}"/>
-              </a:ext>
-            </a:extLst>
-          </p:cNvPr>
-          <p:cNvPicPr>
-            <a:picLocks noChangeAspect="1"/>
-          </p:cNvPicPr>
-          <p:nvPr/>
-        </p:nvPicPr>
-        <p:blipFill>
-          <a:blip r:embed="rId2"/>
-          <a:stretch>
-            <a:fillRect/>
-          </a:stretch>
-        </p:blipFill>
-        <p:spPr>
-          <a:xfrm>
-            <a:off x="384703" y="1367086"/>
-            <a:ext cx="2791634" cy="2500614"/>
-          </a:xfrm>
-          <a:prstGeom prst="rect">
-            <a:avLst/>
-          </a:prstGeom>
-        </p:spPr>
-      </p:pic>
+            <a:pPr marL="342900" indent="-342900">
+              <a:buAutoNum type="arabicPeriod"/>
+            </a:pPr>
+            <a:r>
+              <a:rPr lang="en-US" dirty="0"/>
+              <a:t>Word Representation</a:t>
+            </a:r>
+          </a:p>
+          <a:p>
+            <a:pPr marL="800100" lvl="1" indent="-342900">
+              <a:buAutoNum type="arabicPeriod"/>
+            </a:pPr>
+            <a:r>
+              <a:rPr lang="en-US" dirty="0"/>
+              <a:t>Dataset</a:t>
+            </a:r>
+          </a:p>
+          <a:p>
+            <a:pPr marL="1257300" lvl="2" indent="-342900">
+              <a:buAutoNum type="arabicPeriod"/>
+            </a:pPr>
+            <a:r>
+              <a:rPr lang="en-US" dirty="0"/>
+              <a:t>Structure</a:t>
+            </a:r>
+          </a:p>
+          <a:p>
+            <a:pPr marL="800100" lvl="1" indent="-342900">
+              <a:buAutoNum type="arabicPeriod"/>
+            </a:pPr>
+            <a:r>
+              <a:rPr lang="en-US" dirty="0"/>
+              <a:t>Dataset 2</a:t>
+            </a:r>
+          </a:p>
+          <a:p>
+            <a:pPr marL="1257300" lvl="2" indent="-342900">
+              <a:buAutoNum type="arabicPeriod"/>
+            </a:pPr>
+            <a:r>
+              <a:rPr lang="en-US" dirty="0"/>
+              <a:t>Structure</a:t>
+            </a:r>
+          </a:p>
+          <a:p>
+            <a:pPr marL="342900" indent="-342900">
+              <a:buAutoNum type="arabicPeriod"/>
+            </a:pPr>
+            <a:r>
+              <a:rPr lang="en-US" dirty="0"/>
+              <a:t>Text Classification (hate speech </a:t>
+            </a:r>
+            <a:r>
+              <a:rPr lang="en-US" dirty="0" err="1"/>
+              <a:t>detection,etc</a:t>
+            </a:r>
+            <a:r>
+              <a:rPr lang="en-US" dirty="0"/>
+              <a:t>)</a:t>
+            </a:r>
+          </a:p>
+          <a:p>
+            <a:pPr marL="800100" lvl="1" indent="-342900">
+              <a:buAutoNum type="arabicPeriod"/>
+            </a:pPr>
+            <a:r>
+              <a:rPr lang="en-US" dirty="0"/>
+              <a:t>Dataset</a:t>
+            </a:r>
+          </a:p>
+          <a:p>
+            <a:pPr marL="1257300" lvl="2" indent="-342900">
+              <a:buAutoNum type="arabicPeriod"/>
+            </a:pPr>
+            <a:r>
+              <a:rPr lang="en-US" dirty="0"/>
+              <a:t>Structure</a:t>
+            </a:r>
+          </a:p>
+          <a:p>
+            <a:pPr marL="800100" lvl="1" indent="-342900">
+              <a:buAutoNum type="arabicPeriod"/>
+            </a:pPr>
+            <a:r>
+              <a:rPr lang="en-US" dirty="0"/>
+              <a:t>Dataset 2</a:t>
+            </a:r>
+          </a:p>
+          <a:p>
+            <a:pPr marL="1257300" lvl="2" indent="-342900">
+              <a:buAutoNum type="arabicPeriod"/>
+            </a:pPr>
+            <a:r>
+              <a:rPr lang="en-US" dirty="0"/>
+              <a:t>Structure</a:t>
+            </a:r>
+            <a:endParaRPr lang="en-CO" dirty="0"/>
+          </a:p>
+        </p:txBody>
+      </p:sp>
     </p:spTree>
     <p:extLst>
       <p:ext uri="{BB962C8B-B14F-4D97-AF65-F5344CB8AC3E}">
-        <p14:creationId xmlns:p14="http://schemas.microsoft.com/office/powerpoint/2010/main" val="1254982742"/>
+        <p14:creationId xmlns:p14="http://schemas.microsoft.com/office/powerpoint/2010/main" val="8368034"/>
       </p:ext>
     </p:extLst>
   </p:cSld>
@@ -9947,7 +12467,7 @@
 </file>
 
 <file path=ppt/slides/slide9.xml><?xml version="1.0" encoding="utf-8"?>
-<p:sld xmlns:a="http://schemas.openxmlformats.org/drawingml/2006/main" xmlns:r="http://schemas.openxmlformats.org/officeDocument/2006/relationships" xmlns:p="http://schemas.openxmlformats.org/presentationml/2006/main">
+<p:sld xmlns:a="http://schemas.openxmlformats.org/drawingml/2006/main" xmlns:r="http://schemas.openxmlformats.org/officeDocument/2006/relationships" xmlns:p="http://schemas.openxmlformats.org/presentationml/2006/main" show="0">
   <p:cSld>
     <p:spTree>
       <p:nvGrpSpPr>
@@ -10041,7 +12561,7 @@
           <p:cNvPr id="2" name="Rectangle 1">
             <a:extLst>
               <a:ext uri="{FF2B5EF4-FFF2-40B4-BE49-F238E27FC236}">
-                <a16:creationId xmlns:a16="http://schemas.microsoft.com/office/drawing/2014/main" id="{B5986EB7-9E4C-084D-9A56-87E64506A958}"/>
+                <a16:creationId xmlns:a16="http://schemas.microsoft.com/office/drawing/2014/main" id="{A508D742-D411-CF4E-8CD4-0FBBDE41C8A5}"/>
               </a:ext>
             </a:extLst>
           </p:cNvPr>
@@ -10050,8 +12570,8 @@
         </p:nvSpPr>
         <p:spPr>
           <a:xfrm>
-            <a:off x="2408587" y="839337"/>
-            <a:ext cx="4326826" cy="369332"/>
+            <a:off x="3973118" y="901967"/>
+            <a:ext cx="1197764" cy="369332"/>
           </a:xfrm>
           <a:prstGeom prst="rect">
             <a:avLst/>
@@ -10070,89 +12590,136 @@
                 </a:solidFill>
                 <a:latin typeface="Arial" panose="020B0604020202020204" pitchFamily="34" charset="0"/>
               </a:rPr>
-              <a:t>Why is it relevant? Why did they write it?</a:t>
+              <a:t>Data Sets</a:t>
             </a:r>
             <a:endParaRPr lang="en-CO" dirty="0"/>
           </a:p>
         </p:txBody>
       </p:sp>
-      <p:sp>
-        <p:nvSpPr>
-          <p:cNvPr id="3" name="Rectangle 2">
+      <p:pic>
+        <p:nvPicPr>
+          <p:cNvPr id="3" name="Picture 2">
             <a:extLst>
               <a:ext uri="{FF2B5EF4-FFF2-40B4-BE49-F238E27FC236}">
-                <a16:creationId xmlns:a16="http://schemas.microsoft.com/office/drawing/2014/main" id="{E849072D-FFEC-2D42-8362-0EF41FE22F93}"/>
+                <a16:creationId xmlns:a16="http://schemas.microsoft.com/office/drawing/2014/main" id="{FB76B419-07C5-1F48-9515-D01454DBE0CC}"/>
               </a:ext>
             </a:extLst>
           </p:cNvPr>
-          <p:cNvSpPr/>
+          <p:cNvPicPr>
+            <a:picLocks noChangeAspect="1"/>
+          </p:cNvPicPr>
           <p:nvPr/>
-        </p:nvSpPr>
-        <p:spPr>
-          <a:xfrm>
-            <a:off x="480959" y="1503122"/>
-            <a:ext cx="8324837" cy="3693319"/>
-          </a:xfrm>
-          <a:prstGeom prst="rect">
-            <a:avLst/>
-          </a:prstGeom>
-        </p:spPr>
-        <p:txBody>
-          <a:bodyPr wrap="square">
-            <a:spAutoFit/>
-          </a:bodyPr>
-          <a:lstStyle/>
-          <a:p>
-            <a:r>
-              <a:rPr lang="en-US" dirty="0">
-                <a:latin typeface="NimbusRomNo9L"/>
-              </a:rPr>
-              <a:t>Continuous word representations, trained on large unlabeled corpora are useful for many natural language processing tasks. Popular models that learn such representations ignore the morphology of words, by assigning a distinct vector to each word. This is a limitation, especially for languages with large vocabularies and many rare words. In this paper, we propose a new approach based on the </a:t>
-            </a:r>
-            <a:r>
-              <a:rPr lang="en-US" dirty="0" err="1">
-                <a:latin typeface="NimbusRomNo9L"/>
-              </a:rPr>
-              <a:t>skipgram</a:t>
-            </a:r>
-            <a:r>
-              <a:rPr lang="en-US" dirty="0">
-                <a:latin typeface="NimbusRomNo9L"/>
-              </a:rPr>
-              <a:t> model, where each word is represented as a bag of character </a:t>
-            </a:r>
-            <a:r>
-              <a:rPr lang="en-US" dirty="0">
-                <a:latin typeface="CMMI10"/>
-              </a:rPr>
-              <a:t>n</a:t>
-            </a:r>
-            <a:r>
-              <a:rPr lang="en-US" dirty="0">
-                <a:latin typeface="NimbusRomNo9L"/>
-              </a:rPr>
-              <a:t>-grams. A vector representation is associated to each character </a:t>
-            </a:r>
-            <a:r>
-              <a:rPr lang="en-US" dirty="0">
-                <a:latin typeface="CMMI10"/>
-              </a:rPr>
-              <a:t>n</a:t>
-            </a:r>
-            <a:r>
-              <a:rPr lang="en-US" dirty="0">
-                <a:latin typeface="NimbusRomNo9L"/>
-              </a:rPr>
-              <a:t>-gram; words being represented as the sum of these representations. Our method is fast, allowing to train models on large corpora quickly and allows us to compute word representations for words that did not appear in the training data. We evaluate our word representations on nine different languages, both on word similarity and analogy tasks. By comparing to recently proposed morphological word representations, we show that our vectors achieve state-of-the-art performance on these tasks. </a:t>
-            </a:r>
-            <a:endParaRPr lang="en-US" dirty="0"/>
-          </a:p>
-        </p:txBody>
-      </p:sp>
+        </p:nvPicPr>
+        <p:blipFill>
+          <a:blip r:embed="rId2"/>
+          <a:stretch>
+            <a:fillRect/>
+          </a:stretch>
+        </p:blipFill>
+        <p:spPr>
+          <a:xfrm>
+            <a:off x="212943" y="1440186"/>
+            <a:ext cx="3562350" cy="3502550"/>
+          </a:xfrm>
+          <a:prstGeom prst="rect">
+            <a:avLst/>
+          </a:prstGeom>
+        </p:spPr>
+      </p:pic>
+      <p:pic>
+        <p:nvPicPr>
+          <p:cNvPr id="4" name="Picture 3">
+            <a:extLst>
+              <a:ext uri="{FF2B5EF4-FFF2-40B4-BE49-F238E27FC236}">
+                <a16:creationId xmlns:a16="http://schemas.microsoft.com/office/drawing/2014/main" id="{62CFCE26-9C66-2848-982A-854886F6ACF9}"/>
+              </a:ext>
+            </a:extLst>
+          </p:cNvPr>
+          <p:cNvPicPr>
+            <a:picLocks noChangeAspect="1"/>
+          </p:cNvPicPr>
+          <p:nvPr/>
+        </p:nvPicPr>
+        <p:blipFill>
+          <a:blip r:embed="rId3"/>
+          <a:stretch>
+            <a:fillRect/>
+          </a:stretch>
+        </p:blipFill>
+        <p:spPr>
+          <a:xfrm>
+            <a:off x="5813305" y="901967"/>
+            <a:ext cx="3117752" cy="2938571"/>
+          </a:xfrm>
+          <a:prstGeom prst="rect">
+            <a:avLst/>
+          </a:prstGeom>
+        </p:spPr>
+      </p:pic>
+      <p:pic>
+        <p:nvPicPr>
+          <p:cNvPr id="5" name="Picture 4">
+            <a:extLst>
+              <a:ext uri="{FF2B5EF4-FFF2-40B4-BE49-F238E27FC236}">
+                <a16:creationId xmlns:a16="http://schemas.microsoft.com/office/drawing/2014/main" id="{C469FE2E-1E4C-604E-AEF0-1E8899201F80}"/>
+              </a:ext>
+            </a:extLst>
+          </p:cNvPr>
+          <p:cNvPicPr>
+            <a:picLocks noChangeAspect="1"/>
+          </p:cNvPicPr>
+          <p:nvPr/>
+        </p:nvPicPr>
+        <p:blipFill>
+          <a:blip r:embed="rId4"/>
+          <a:stretch>
+            <a:fillRect/>
+          </a:stretch>
+        </p:blipFill>
+        <p:spPr>
+          <a:xfrm>
+            <a:off x="1453720" y="3473450"/>
+            <a:ext cx="2895983" cy="2938571"/>
+          </a:xfrm>
+          <a:prstGeom prst="rect">
+            <a:avLst/>
+          </a:prstGeom>
+        </p:spPr>
+      </p:pic>
+      <p:pic>
+        <p:nvPicPr>
+          <p:cNvPr id="6" name="Picture 5">
+            <a:extLst>
+              <a:ext uri="{FF2B5EF4-FFF2-40B4-BE49-F238E27FC236}">
+                <a16:creationId xmlns:a16="http://schemas.microsoft.com/office/drawing/2014/main" id="{638340C5-893C-7D4D-80B7-7393B8CB1B1E}"/>
+              </a:ext>
+            </a:extLst>
+          </p:cNvPr>
+          <p:cNvPicPr>
+            <a:picLocks noChangeAspect="1"/>
+          </p:cNvPicPr>
+          <p:nvPr/>
+        </p:nvPicPr>
+        <p:blipFill>
+          <a:blip r:embed="rId5"/>
+          <a:stretch>
+            <a:fillRect/>
+          </a:stretch>
+        </p:blipFill>
+        <p:spPr>
+          <a:xfrm>
+            <a:off x="3693139" y="2619258"/>
+            <a:ext cx="3679042" cy="3670112"/>
+          </a:xfrm>
+          <a:prstGeom prst="rect">
+            <a:avLst/>
+          </a:prstGeom>
+        </p:spPr>
+      </p:pic>
     </p:spTree>
     <p:extLst>
       <p:ext uri="{BB962C8B-B14F-4D97-AF65-F5344CB8AC3E}">
-        <p14:creationId xmlns:p14="http://schemas.microsoft.com/office/powerpoint/2010/main" val="4086899568"/>
+        <p14:creationId xmlns:p14="http://schemas.microsoft.com/office/powerpoint/2010/main" val="2025707338"/>
       </p:ext>
     </p:extLst>
   </p:cSld>

--- a/Presentation_Subword.pptx
+++ b/Presentation_Subword.pptx
@@ -12,22 +12,22 @@
     <p:sldId id="367" r:id="rId3"/>
     <p:sldId id="257" r:id="rId4"/>
     <p:sldId id="387" r:id="rId5"/>
-    <p:sldId id="385" r:id="rId6"/>
-    <p:sldId id="400" r:id="rId7"/>
-    <p:sldId id="401" r:id="rId8"/>
-    <p:sldId id="370" r:id="rId9"/>
-    <p:sldId id="399" r:id="rId10"/>
-    <p:sldId id="386" r:id="rId11"/>
-    <p:sldId id="391" r:id="rId12"/>
-    <p:sldId id="383" r:id="rId13"/>
-    <p:sldId id="384" r:id="rId14"/>
-    <p:sldId id="392" r:id="rId15"/>
-    <p:sldId id="396" r:id="rId16"/>
-    <p:sldId id="402" r:id="rId17"/>
-    <p:sldId id="403" r:id="rId18"/>
-    <p:sldId id="404" r:id="rId19"/>
-    <p:sldId id="398" r:id="rId20"/>
-    <p:sldId id="393" r:id="rId21"/>
+    <p:sldId id="406" r:id="rId6"/>
+    <p:sldId id="405" r:id="rId7"/>
+    <p:sldId id="385" r:id="rId8"/>
+    <p:sldId id="401" r:id="rId9"/>
+    <p:sldId id="370" r:id="rId10"/>
+    <p:sldId id="399" r:id="rId11"/>
+    <p:sldId id="386" r:id="rId12"/>
+    <p:sldId id="391" r:id="rId13"/>
+    <p:sldId id="383" r:id="rId14"/>
+    <p:sldId id="384" r:id="rId15"/>
+    <p:sldId id="392" r:id="rId16"/>
+    <p:sldId id="396" r:id="rId17"/>
+    <p:sldId id="402" r:id="rId18"/>
+    <p:sldId id="403" r:id="rId19"/>
+    <p:sldId id="404" r:id="rId20"/>
+    <p:sldId id="398" r:id="rId21"/>
     <p:sldId id="382" r:id="rId22"/>
   </p:sldIdLst>
   <p:sldSz cx="9144000" cy="6858000" type="screen4x3"/>
@@ -636,136 +636,6 @@
           <a:bodyPr/>
           <a:lstStyle/>
           <a:p>
-            <a:pPr marL="0" marR="0" lvl="0" indent="0" algn="l" defTabSz="914400" rtl="0" eaLnBrk="1" fontAlgn="auto" latinLnBrk="0" hangingPunct="1">
-              <a:lnSpc>
-                <a:spcPct val="100000"/>
-              </a:lnSpc>
-              <a:spcBef>
-                <a:spcPts val="0"/>
-              </a:spcBef>
-              <a:spcAft>
-                <a:spcPts val="0"/>
-              </a:spcAft>
-              <a:buClrTx/>
-              <a:buSzTx/>
-              <a:buFontTx/>
-              <a:buNone/>
-              <a:tabLst/>
-              <a:defRPr/>
-            </a:pPr>
-            <a:r>
-              <a:rPr lang="en-US" dirty="0"/>
-              <a:t>[Also reference papers here (maybe with timeline?) 3 papers – CBOW, continuous </a:t>
-            </a:r>
-            <a:r>
-              <a:rPr lang="en-US" dirty="0" err="1"/>
-              <a:t>skipgram</a:t>
-            </a:r>
-            <a:r>
-              <a:rPr lang="en-US" dirty="0"/>
-              <a:t>, and character-level neural networks (RNN and CNN)]</a:t>
-            </a:r>
-          </a:p>
-          <a:p>
-            <a:pPr marL="0" marR="0" lvl="0" indent="0" algn="l" defTabSz="914400" rtl="0" eaLnBrk="1" fontAlgn="auto" latinLnBrk="0" hangingPunct="1">
-              <a:lnSpc>
-                <a:spcPct val="100000"/>
-              </a:lnSpc>
-              <a:spcBef>
-                <a:spcPts val="0"/>
-              </a:spcBef>
-              <a:spcAft>
-                <a:spcPts val="0"/>
-              </a:spcAft>
-              <a:buClrTx/>
-              <a:buSzTx/>
-              <a:buFontTx/>
-              <a:buNone/>
-              <a:tabLst/>
-              <a:defRPr/>
-            </a:pPr>
-            <a:endParaRPr lang="en-US" dirty="0"/>
-          </a:p>
-          <a:p>
-            <a:pPr marL="0" marR="0" lvl="0" indent="0" algn="l" defTabSz="914400" rtl="0" eaLnBrk="1" fontAlgn="auto" latinLnBrk="0" hangingPunct="1">
-              <a:lnSpc>
-                <a:spcPct val="100000"/>
-              </a:lnSpc>
-              <a:spcBef>
-                <a:spcPts val="0"/>
-              </a:spcBef>
-              <a:spcAft>
-                <a:spcPts val="0"/>
-              </a:spcAft>
-              <a:buClrTx/>
-              <a:buSzTx/>
-              <a:buFontTx/>
-              <a:buNone/>
-              <a:tabLst/>
-              <a:defRPr/>
-            </a:pPr>
-            <a:r>
-              <a:rPr lang="en-US" sz="1200" b="0" i="0" kern="1200" dirty="0">
-                <a:solidFill>
-                  <a:schemeClr val="tx1"/>
-                </a:solidFill>
-                <a:effectLst/>
-                <a:latin typeface="+mn-lt"/>
-                <a:ea typeface="+mn-ea"/>
-                <a:cs typeface="+mn-cs"/>
-              </a:rPr>
-              <a:t>The CBOW model architecture tries to predict the current target word (the center word) based on the source context words (surrounding words).</a:t>
-            </a:r>
-          </a:p>
-          <a:p>
-            <a:pPr marL="0" marR="0" lvl="0" indent="0" algn="l" defTabSz="914400" rtl="0" eaLnBrk="1" fontAlgn="auto" latinLnBrk="0" hangingPunct="1">
-              <a:lnSpc>
-                <a:spcPct val="100000"/>
-              </a:lnSpc>
-              <a:spcBef>
-                <a:spcPts val="0"/>
-              </a:spcBef>
-              <a:spcAft>
-                <a:spcPts val="0"/>
-              </a:spcAft>
-              <a:buClrTx/>
-              <a:buSzTx/>
-              <a:buFontTx/>
-              <a:buNone/>
-              <a:tabLst/>
-              <a:defRPr/>
-            </a:pPr>
-            <a:endParaRPr lang="en-US" sz="1200" b="0" i="0" kern="1200" dirty="0">
-              <a:solidFill>
-                <a:schemeClr val="tx1"/>
-              </a:solidFill>
-              <a:effectLst/>
-              <a:latin typeface="+mn-lt"/>
-              <a:ea typeface="+mn-ea"/>
-              <a:cs typeface="+mn-cs"/>
-            </a:endParaRPr>
-          </a:p>
-          <a:p>
-            <a:pPr marL="0" marR="0" lvl="0" indent="0" algn="l" defTabSz="914400" rtl="0" eaLnBrk="1" fontAlgn="auto" latinLnBrk="0" hangingPunct="1">
-              <a:lnSpc>
-                <a:spcPct val="100000"/>
-              </a:lnSpc>
-              <a:spcBef>
-                <a:spcPts val="0"/>
-              </a:spcBef>
-              <a:spcAft>
-                <a:spcPts val="0"/>
-              </a:spcAft>
-              <a:buClrTx/>
-              <a:buSzTx/>
-              <a:buFontTx/>
-              <a:buNone/>
-              <a:tabLst/>
-              <a:defRPr/>
-            </a:pPr>
-            <a:endParaRPr lang="en-US" dirty="0"/>
-          </a:p>
-          <a:p>
             <a:endParaRPr lang="en-CO" dirty="0"/>
           </a:p>
         </p:txBody>
@@ -878,25 +748,67 @@
               <a:defRPr/>
             </a:pPr>
             <a:r>
-              <a:rPr lang="en-US" dirty="0"/>
-              <a:t>[Also reference papers here (maybe with timeline?) 3 papers – CBOW, continuous </a:t>
-            </a:r>
-            <a:r>
-              <a:rPr lang="en-US" dirty="0" err="1"/>
-              <a:t>skipgram</a:t>
-            </a:r>
-            <a:r>
-              <a:rPr lang="en-US" dirty="0"/>
-              <a:t>, and character-level neural networks (RNN and CNN)]</a:t>
-            </a:r>
-          </a:p>
-          <a:p>
-            <a:endParaRPr lang="en-CO" dirty="0"/>
-          </a:p>
-          <a:p>
-            <a:endParaRPr lang="en-CO" dirty="0"/>
-          </a:p>
-          <a:p>
+              <a:rPr lang="en-US" sz="1200" b="0" i="0" kern="1200" dirty="0">
+                <a:solidFill>
+                  <a:schemeClr val="tx1"/>
+                </a:solidFill>
+                <a:effectLst/>
+                <a:latin typeface="+mn-lt"/>
+                <a:ea typeface="+mn-ea"/>
+                <a:cs typeface="+mn-cs"/>
+              </a:rPr>
+              <a:t>Neural Network Training (Inputs in both models are just one-hot encoded vocabulary vectors):</a:t>
+            </a:r>
+          </a:p>
+          <a:p>
+            <a:pPr marL="0" marR="0" lvl="0" indent="0" algn="l" defTabSz="914400" rtl="0" eaLnBrk="1" fontAlgn="auto" latinLnBrk="0" hangingPunct="1">
+              <a:lnSpc>
+                <a:spcPct val="100000"/>
+              </a:lnSpc>
+              <a:spcBef>
+                <a:spcPts val="0"/>
+              </a:spcBef>
+              <a:spcAft>
+                <a:spcPts val="0"/>
+              </a:spcAft>
+              <a:buClrTx/>
+              <a:buSzTx/>
+              <a:buFontTx/>
+              <a:buNone/>
+              <a:tabLst/>
+              <a:defRPr/>
+            </a:pPr>
+            <a:r>
+              <a:rPr lang="en-US" sz="1200" b="0" i="0" kern="1200" dirty="0">
+                <a:solidFill>
+                  <a:schemeClr val="tx1"/>
+                </a:solidFill>
+                <a:effectLst/>
+                <a:latin typeface="+mn-lt"/>
+                <a:ea typeface="+mn-ea"/>
+                <a:cs typeface="+mn-cs"/>
+              </a:rPr>
+              <a:t>The CBOW model architecture predict the target word (the center word) based on the source context words (surrounding words).</a:t>
+            </a:r>
+          </a:p>
+          <a:p>
+            <a:pPr marL="0" marR="0" lvl="0" indent="0" algn="l" defTabSz="914400" rtl="0" eaLnBrk="1" fontAlgn="auto" latinLnBrk="0" hangingPunct="1">
+              <a:lnSpc>
+                <a:spcPct val="100000"/>
+              </a:lnSpc>
+              <a:spcBef>
+                <a:spcPts val="0"/>
+              </a:spcBef>
+              <a:spcAft>
+                <a:spcPts val="0"/>
+              </a:spcAft>
+              <a:buClrTx/>
+              <a:buSzTx/>
+              <a:buFontTx/>
+              <a:buNone/>
+              <a:tabLst/>
+              <a:defRPr/>
+            </a:pPr>
             <a:r>
               <a:rPr lang="en-US" sz="1200" b="1" kern="1200" dirty="0">
                 <a:solidFill>
@@ -911,26 +823,220 @@
             </a:r>
             <a:r>
               <a:rPr lang="en-US" dirty="0"/>
-              <a:t> model, the distributed representation of the input word is used to </a:t>
-            </a:r>
-            <a:r>
-              <a:rPr lang="en-US" sz="1200" b="1" kern="1200" dirty="0">
-                <a:solidFill>
-                  <a:schemeClr val="tx1"/>
-                </a:solidFill>
-                <a:effectLst/>
-                <a:latin typeface="+mn-lt"/>
-                <a:ea typeface="+mn-ea"/>
-                <a:cs typeface="+mn-cs"/>
-              </a:rPr>
-              <a:t>predict the context</a:t>
-            </a:r>
+              <a:t> model the context is predicted based on the source word</a:t>
+            </a:r>
+          </a:p>
+          <a:p>
+            <a:pPr marL="0" marR="0" lvl="0" indent="0" algn="l" defTabSz="914400" rtl="0" eaLnBrk="1" fontAlgn="auto" latinLnBrk="0" hangingPunct="1">
+              <a:lnSpc>
+                <a:spcPct val="100000"/>
+              </a:lnSpc>
+              <a:spcBef>
+                <a:spcPts val="0"/>
+              </a:spcBef>
+              <a:spcAft>
+                <a:spcPts val="0"/>
+              </a:spcAft>
+              <a:buClrTx/>
+              <a:buSzTx/>
+              <a:buFontTx/>
+              <a:buNone/>
+              <a:tabLst/>
+              <a:defRPr/>
+            </a:pPr>
+            <a:endParaRPr lang="en-US" dirty="0"/>
+          </a:p>
+          <a:p>
+            <a:pPr marL="0" marR="0" lvl="0" indent="0" algn="l" defTabSz="914400" rtl="0" eaLnBrk="1" fontAlgn="auto" latinLnBrk="0" hangingPunct="1">
+              <a:lnSpc>
+                <a:spcPct val="100000"/>
+              </a:lnSpc>
+              <a:spcBef>
+                <a:spcPts val="0"/>
+              </a:spcBef>
+              <a:spcAft>
+                <a:spcPts val="0"/>
+              </a:spcAft>
+              <a:buClrTx/>
+              <a:buSzTx/>
+              <a:buFontTx/>
+              <a:buNone/>
+              <a:tabLst/>
+              <a:defRPr/>
+            </a:pPr>
+            <a:endParaRPr lang="en-US" dirty="0"/>
+          </a:p>
+          <a:p>
+            <a:pPr marL="0" marR="0" lvl="0" indent="0" algn="l" defTabSz="914400" rtl="0" eaLnBrk="1" fontAlgn="auto" latinLnBrk="0" hangingPunct="1">
+              <a:lnSpc>
+                <a:spcPct val="100000"/>
+              </a:lnSpc>
+              <a:spcBef>
+                <a:spcPts val="0"/>
+              </a:spcBef>
+              <a:spcAft>
+                <a:spcPts val="0"/>
+              </a:spcAft>
+              <a:buClrTx/>
+              <a:buSzTx/>
+              <a:buFontTx/>
+              <a:buNone/>
+              <a:tabLst/>
+              <a:defRPr/>
+            </a:pPr>
             <a:r>
               <a:rPr lang="en-US" dirty="0"/>
-              <a:t>.</a:t>
-            </a:r>
-          </a:p>
-          <a:p>
+              <a:t>In both architectures, after training, the output layer is “thrown away” and the hidden layer is used as the vector representation of the words.</a:t>
+            </a:r>
+          </a:p>
+          <a:p>
+            <a:pPr marL="0" marR="0" lvl="0" indent="0" algn="l" defTabSz="914400" rtl="0" eaLnBrk="1" fontAlgn="auto" latinLnBrk="0" hangingPunct="1">
+              <a:lnSpc>
+                <a:spcPct val="100000"/>
+              </a:lnSpc>
+              <a:spcBef>
+                <a:spcPts val="0"/>
+              </a:spcBef>
+              <a:spcAft>
+                <a:spcPts val="0"/>
+              </a:spcAft>
+              <a:buClrTx/>
+              <a:buSzTx/>
+              <a:buFontTx/>
+              <a:buNone/>
+              <a:tabLst/>
+              <a:defRPr/>
+            </a:pPr>
+            <a:endParaRPr lang="en-US" dirty="0"/>
+          </a:p>
+          <a:p>
+            <a:pPr marL="0" marR="0" lvl="0" indent="0" algn="l" defTabSz="914400" rtl="0" eaLnBrk="1" fontAlgn="auto" latinLnBrk="0" hangingPunct="1">
+              <a:lnSpc>
+                <a:spcPct val="100000"/>
+              </a:lnSpc>
+              <a:spcBef>
+                <a:spcPts val="0"/>
+              </a:spcBef>
+              <a:spcAft>
+                <a:spcPts val="0"/>
+              </a:spcAft>
+              <a:buClrTx/>
+              <a:buSzTx/>
+              <a:buFontTx/>
+              <a:buNone/>
+              <a:tabLst/>
+              <a:defRPr/>
+            </a:pPr>
+            <a:r>
+              <a:rPr lang="en-US" dirty="0"/>
+              <a:t>Additional Note: Later this same year, “Distributed Representations of Words and Phrases and their Compositionality” was published which introduced improvements to the Skip-gram model such as Negative Sampling and Subsampling of Frequent Words.</a:t>
+            </a:r>
+          </a:p>
+          <a:p>
+            <a:pPr marL="0" marR="0" lvl="0" indent="0" algn="l" defTabSz="914400" rtl="0" eaLnBrk="1" fontAlgn="auto" latinLnBrk="0" hangingPunct="1">
+              <a:lnSpc>
+                <a:spcPct val="100000"/>
+              </a:lnSpc>
+              <a:spcBef>
+                <a:spcPts val="0"/>
+              </a:spcBef>
+              <a:spcAft>
+                <a:spcPts val="0"/>
+              </a:spcAft>
+              <a:buClrTx/>
+              <a:buSzTx/>
+              <a:buFontTx/>
+              <a:buNone/>
+              <a:tabLst/>
+              <a:defRPr/>
+            </a:pPr>
+            <a:r>
+              <a:rPr lang="en-US" dirty="0"/>
+              <a:t>[</a:t>
+            </a:r>
+            <a:r>
+              <a:rPr lang="en-US" dirty="0" err="1"/>
+              <a:t>Mikolov</a:t>
+            </a:r>
+            <a:r>
+              <a:rPr lang="en-US" dirty="0"/>
+              <a:t> et al., Distributed Representations of Words and Phrases and their Compositionality: https://arxiv.org/abs/1310.4546]</a:t>
+            </a:r>
+          </a:p>
+          <a:p>
+            <a:pPr marL="0" marR="0" lvl="0" indent="0" algn="l" defTabSz="914400" rtl="0" eaLnBrk="1" fontAlgn="auto" latinLnBrk="0" hangingPunct="1">
+              <a:lnSpc>
+                <a:spcPct val="100000"/>
+              </a:lnSpc>
+              <a:spcBef>
+                <a:spcPts val="0"/>
+              </a:spcBef>
+              <a:spcAft>
+                <a:spcPts val="0"/>
+              </a:spcAft>
+              <a:buClrTx/>
+              <a:buSzTx/>
+              <a:buFontTx/>
+              <a:buNone/>
+              <a:tabLst/>
+              <a:defRPr/>
+            </a:pPr>
+            <a:endParaRPr lang="en-US" sz="1200" b="0" i="0" kern="1200" dirty="0">
+              <a:solidFill>
+                <a:schemeClr val="tx1"/>
+              </a:solidFill>
+              <a:effectLst/>
+              <a:latin typeface="+mn-lt"/>
+              <a:ea typeface="+mn-ea"/>
+              <a:cs typeface="+mn-cs"/>
+            </a:endParaRPr>
+          </a:p>
+          <a:p>
+            <a:pPr marL="0" marR="0" lvl="0" indent="0" algn="l" defTabSz="914400" rtl="0" eaLnBrk="1" fontAlgn="auto" latinLnBrk="0" hangingPunct="1">
+              <a:lnSpc>
+                <a:spcPct val="100000"/>
+              </a:lnSpc>
+              <a:spcBef>
+                <a:spcPts val="0"/>
+              </a:spcBef>
+              <a:spcAft>
+                <a:spcPts val="0"/>
+              </a:spcAft>
+              <a:buClrTx/>
+              <a:buSzTx/>
+              <a:buFontTx/>
+              <a:buNone/>
+              <a:tabLst/>
+              <a:defRPr/>
+            </a:pPr>
+            <a:endParaRPr lang="en-US" sz="1200" b="0" i="0" kern="1200" dirty="0">
+              <a:solidFill>
+                <a:schemeClr val="tx1"/>
+              </a:solidFill>
+              <a:effectLst/>
+              <a:latin typeface="+mn-lt"/>
+              <a:ea typeface="+mn-ea"/>
+              <a:cs typeface="+mn-cs"/>
+            </a:endParaRPr>
+          </a:p>
+          <a:p>
+            <a:pPr marL="0" marR="0" lvl="0" indent="0" algn="l" defTabSz="914400" rtl="0" eaLnBrk="1" fontAlgn="auto" latinLnBrk="0" hangingPunct="1">
+              <a:lnSpc>
+                <a:spcPct val="100000"/>
+              </a:lnSpc>
+              <a:spcBef>
+                <a:spcPts val="0"/>
+              </a:spcBef>
+              <a:spcAft>
+                <a:spcPts val="0"/>
+              </a:spcAft>
+              <a:buClrTx/>
+              <a:buSzTx/>
+              <a:buFontTx/>
+              <a:buNone/>
+              <a:tabLst/>
+              <a:defRPr/>
+            </a:pPr>
             <a:endParaRPr lang="en-US" dirty="0"/>
           </a:p>
           <a:p>
@@ -969,7 +1075,7 @@
     </p:spTree>
     <p:extLst>
       <p:ext uri="{BB962C8B-B14F-4D97-AF65-F5344CB8AC3E}">
-        <p14:creationId xmlns:p14="http://schemas.microsoft.com/office/powerpoint/2010/main" val="1979692972"/>
+        <p14:creationId xmlns:p14="http://schemas.microsoft.com/office/powerpoint/2010/main" val="735785517"/>
       </p:ext>
     </p:extLst>
   </p:cSld>
@@ -1059,12 +1165,43 @@
             </a:r>
           </a:p>
           <a:p>
-            <a:endParaRPr lang="en-CO" dirty="0"/>
-          </a:p>
-          <a:p>
-            <a:endParaRPr lang="en-CO" dirty="0"/>
-          </a:p>
-          <a:p>
+            <a:pPr marL="0" marR="0" lvl="0" indent="0" algn="l" defTabSz="914400" rtl="0" eaLnBrk="1" fontAlgn="auto" latinLnBrk="0" hangingPunct="1">
+              <a:lnSpc>
+                <a:spcPct val="100000"/>
+              </a:lnSpc>
+              <a:spcBef>
+                <a:spcPts val="0"/>
+              </a:spcBef>
+              <a:spcAft>
+                <a:spcPts val="0"/>
+              </a:spcAft>
+              <a:buClrTx/>
+              <a:buSzTx/>
+              <a:buFontTx/>
+              <a:buNone/>
+              <a:tabLst/>
+              <a:defRPr/>
+            </a:pPr>
+            <a:endParaRPr lang="en-US" dirty="0"/>
+          </a:p>
+          <a:p>
+            <a:pPr marL="0" marR="0" lvl="0" indent="0" algn="l" defTabSz="914400" rtl="0" eaLnBrk="1" fontAlgn="auto" latinLnBrk="0" hangingPunct="1">
+              <a:lnSpc>
+                <a:spcPct val="100000"/>
+              </a:lnSpc>
+              <a:spcBef>
+                <a:spcPts val="0"/>
+              </a:spcBef>
+              <a:spcAft>
+                <a:spcPts val="0"/>
+              </a:spcAft>
+              <a:buClrTx/>
+              <a:buSzTx/>
+              <a:buFontTx/>
+              <a:buNone/>
+              <a:tabLst/>
+              <a:defRPr/>
+            </a:pPr>
             <a:r>
               <a:rPr lang="en-US" sz="1200" b="0" i="0" kern="1200" dirty="0">
                 <a:solidFill>
@@ -1075,20 +1212,27 @@
                 <a:ea typeface="+mn-ea"/>
                 <a:cs typeface="+mn-cs"/>
               </a:rPr>
-              <a:t>More recently, building on the </a:t>
-            </a:r>
-            <a:r>
-              <a:rPr lang="en-US" sz="1200" b="0" i="0" kern="1200" dirty="0" err="1">
-                <a:solidFill>
-                  <a:schemeClr val="tx1"/>
-                </a:solidFill>
-                <a:effectLst/>
-                <a:latin typeface="+mn-lt"/>
-                <a:ea typeface="+mn-ea"/>
-                <a:cs typeface="+mn-cs"/>
-              </a:rPr>
-              <a:t>SkipGram</a:t>
-            </a:r>
+              <a:t>Network Training:</a:t>
+            </a:r>
+          </a:p>
+          <a:p>
+            <a:pPr marL="0" marR="0" lvl="0" indent="0" algn="l" defTabSz="914400" rtl="0" eaLnBrk="1" fontAlgn="auto" latinLnBrk="0" hangingPunct="1">
+              <a:lnSpc>
+                <a:spcPct val="100000"/>
+              </a:lnSpc>
+              <a:spcBef>
+                <a:spcPts val="0"/>
+              </a:spcBef>
+              <a:spcAft>
+                <a:spcPts val="0"/>
+              </a:spcAft>
+              <a:buClrTx/>
+              <a:buSzTx/>
+              <a:buFontTx/>
+              <a:buNone/>
+              <a:tabLst/>
+              <a:defRPr/>
+            </a:pPr>
             <a:r>
               <a:rPr lang="en-US" sz="1200" b="0" i="0" kern="1200" dirty="0">
                 <a:solidFill>
@@ -1099,10 +1243,29 @@
                 <a:ea typeface="+mn-ea"/>
                 <a:cs typeface="+mn-cs"/>
               </a:rPr>
-              <a:t> idea, a </a:t>
-            </a:r>
-            <a:r>
-              <a:rPr lang="en-US" sz="1200" b="0" i="0" u="none" strike="noStrike" kern="1200" dirty="0">
+              <a:t>The CBOW model architecture predict the target word (the center word) based on the source context words (surrounding words).</a:t>
+            </a:r>
+          </a:p>
+          <a:p>
+            <a:pPr marL="0" marR="0" lvl="0" indent="0" algn="l" defTabSz="914400" rtl="0" eaLnBrk="1" fontAlgn="auto" latinLnBrk="0" hangingPunct="1">
+              <a:lnSpc>
+                <a:spcPct val="100000"/>
+              </a:lnSpc>
+              <a:spcBef>
+                <a:spcPts val="0"/>
+              </a:spcBef>
+              <a:spcAft>
+                <a:spcPts val="0"/>
+              </a:spcAft>
+              <a:buClrTx/>
+              <a:buSzTx/>
+              <a:buFontTx/>
+              <a:buNone/>
+              <a:tabLst/>
+              <a:defRPr/>
+            </a:pPr>
+            <a:r>
+              <a:rPr lang="en-US" sz="1200" b="1" kern="1200" dirty="0">
                 <a:solidFill>
                   <a:schemeClr val="tx1"/>
                 </a:solidFill>
@@ -1110,48 +1273,32 @@
                 <a:latin typeface="+mn-lt"/>
                 <a:ea typeface="+mn-ea"/>
                 <a:cs typeface="+mn-cs"/>
-                <a:hlinkClick r:id="rId3"/>
-              </a:rPr>
-              <a:t>more granular approach was introduced</a:t>
-            </a:r>
-            <a:r>
-              <a:rPr lang="en-US" sz="1200" b="0" i="0" kern="1200" dirty="0">
-                <a:solidFill>
-                  <a:schemeClr val="tx1"/>
-                </a:solidFill>
-                <a:effectLst/>
-                <a:latin typeface="+mn-lt"/>
-                <a:ea typeface="+mn-ea"/>
-                <a:cs typeface="+mn-cs"/>
-              </a:rPr>
-              <a:t> where a bag of character n-grams (also known as </a:t>
-            </a:r>
-            <a:r>
-              <a:rPr lang="en-US" sz="1200" b="0" i="0" kern="1200" dirty="0" err="1">
-                <a:solidFill>
-                  <a:schemeClr val="tx1"/>
-                </a:solidFill>
-                <a:effectLst/>
-                <a:latin typeface="+mn-lt"/>
-                <a:ea typeface="+mn-ea"/>
-                <a:cs typeface="+mn-cs"/>
-              </a:rPr>
-              <a:t>subwords</a:t>
-            </a:r>
-            <a:r>
-              <a:rPr lang="en-US" sz="1200" b="0" i="0" kern="1200" dirty="0">
-                <a:solidFill>
-                  <a:schemeClr val="tx1"/>
-                </a:solidFill>
-                <a:effectLst/>
-                <a:latin typeface="+mn-lt"/>
-                <a:ea typeface="+mn-ea"/>
-                <a:cs typeface="+mn-cs"/>
-              </a:rPr>
-              <a:t>) are used to represent a word. As shown in Figure 3, each word is represented by the sum of it’s n-gram vectors.</a:t>
-            </a:r>
-          </a:p>
-          <a:p>
+              </a:rPr>
+              <a:t>Skip-gram</a:t>
+            </a:r>
+            <a:r>
+              <a:rPr lang="en-US" dirty="0"/>
+              <a:t> model the context is predicted based on the source word</a:t>
+            </a:r>
+          </a:p>
+          <a:p>
+            <a:pPr marL="0" marR="0" lvl="0" indent="0" algn="l" defTabSz="914400" rtl="0" eaLnBrk="1" fontAlgn="auto" latinLnBrk="0" hangingPunct="1">
+              <a:lnSpc>
+                <a:spcPct val="100000"/>
+              </a:lnSpc>
+              <a:spcBef>
+                <a:spcPts val="0"/>
+              </a:spcBef>
+              <a:spcAft>
+                <a:spcPts val="0"/>
+              </a:spcAft>
+              <a:buClrTx/>
+              <a:buSzTx/>
+              <a:buFontTx/>
+              <a:buNone/>
+              <a:tabLst/>
+              <a:defRPr/>
+            </a:pPr>
             <a:endParaRPr lang="en-US" sz="1200" b="0" i="0" kern="1200" dirty="0">
               <a:solidFill>
                 <a:schemeClr val="tx1"/>
@@ -1163,6 +1310,51 @@
             </a:endParaRPr>
           </a:p>
           <a:p>
+            <a:pPr marL="0" marR="0" lvl="0" indent="0" algn="l" defTabSz="914400" rtl="0" eaLnBrk="1" fontAlgn="auto" latinLnBrk="0" hangingPunct="1">
+              <a:lnSpc>
+                <a:spcPct val="100000"/>
+              </a:lnSpc>
+              <a:spcBef>
+                <a:spcPts val="0"/>
+              </a:spcBef>
+              <a:spcAft>
+                <a:spcPts val="0"/>
+              </a:spcAft>
+              <a:buClrTx/>
+              <a:buSzTx/>
+              <a:buFontTx/>
+              <a:buNone/>
+              <a:tabLst/>
+              <a:defRPr/>
+            </a:pPr>
+            <a:endParaRPr lang="en-US" sz="1200" b="0" i="0" kern="1200" dirty="0">
+              <a:solidFill>
+                <a:schemeClr val="tx1"/>
+              </a:solidFill>
+              <a:effectLst/>
+              <a:latin typeface="+mn-lt"/>
+              <a:ea typeface="+mn-ea"/>
+              <a:cs typeface="+mn-cs"/>
+            </a:endParaRPr>
+          </a:p>
+          <a:p>
+            <a:pPr marL="0" marR="0" lvl="0" indent="0" algn="l" defTabSz="914400" rtl="0" eaLnBrk="1" fontAlgn="auto" latinLnBrk="0" hangingPunct="1">
+              <a:lnSpc>
+                <a:spcPct val="100000"/>
+              </a:lnSpc>
+              <a:spcBef>
+                <a:spcPts val="0"/>
+              </a:spcBef>
+              <a:spcAft>
+                <a:spcPts val="0"/>
+              </a:spcAft>
+              <a:buClrTx/>
+              <a:buSzTx/>
+              <a:buFontTx/>
+              <a:buNone/>
+              <a:tabLst/>
+              <a:defRPr/>
+            </a:pPr>
             <a:endParaRPr lang="en-US" dirty="0"/>
           </a:p>
           <a:p>
@@ -1201,7 +1393,7 @@
     </p:spTree>
     <p:extLst>
       <p:ext uri="{BB962C8B-B14F-4D97-AF65-F5344CB8AC3E}">
-        <p14:creationId xmlns:p14="http://schemas.microsoft.com/office/powerpoint/2010/main" val="4065361916"/>
+        <p14:creationId xmlns:p14="http://schemas.microsoft.com/office/powerpoint/2010/main" val="735785517"/>
       </p:ext>
     </p:extLst>
   </p:cSld>
@@ -1260,22 +1452,105 @@
           <a:bodyPr/>
           <a:lstStyle/>
           <a:p>
+            <a:r>
+              <a:rPr lang="en-US" sz="1200" b="0" i="0" kern="1200" dirty="0">
+                <a:solidFill>
+                  <a:schemeClr val="tx1"/>
+                </a:solidFill>
+                <a:effectLst/>
+                <a:latin typeface="+mn-lt"/>
+                <a:ea typeface="+mn-ea"/>
+                <a:cs typeface="+mn-cs"/>
+              </a:rPr>
+              <a:t>More recently, building on the </a:t>
+            </a:r>
+            <a:r>
+              <a:rPr lang="en-US" sz="1200" b="0" i="0" kern="1200" dirty="0" err="1">
+                <a:solidFill>
+                  <a:schemeClr val="tx1"/>
+                </a:solidFill>
+                <a:effectLst/>
+                <a:latin typeface="+mn-lt"/>
+                <a:ea typeface="+mn-ea"/>
+                <a:cs typeface="+mn-cs"/>
+              </a:rPr>
+              <a:t>SkipGram</a:t>
+            </a:r>
+            <a:r>
+              <a:rPr lang="en-US" sz="1200" b="0" i="0" kern="1200" dirty="0">
+                <a:solidFill>
+                  <a:schemeClr val="tx1"/>
+                </a:solidFill>
+                <a:effectLst/>
+                <a:latin typeface="+mn-lt"/>
+                <a:ea typeface="+mn-ea"/>
+                <a:cs typeface="+mn-cs"/>
+              </a:rPr>
+              <a:t> idea, a </a:t>
+            </a:r>
+            <a:r>
+              <a:rPr lang="en-US" sz="1200" b="0" i="0" u="none" strike="noStrike" kern="1200" dirty="0">
+                <a:solidFill>
+                  <a:schemeClr val="tx1"/>
+                </a:solidFill>
+                <a:effectLst/>
+                <a:latin typeface="+mn-lt"/>
+                <a:ea typeface="+mn-ea"/>
+                <a:cs typeface="+mn-cs"/>
+                <a:hlinkClick r:id="rId3"/>
+              </a:rPr>
+              <a:t>more granular approach was introduced</a:t>
+            </a:r>
+            <a:r>
+              <a:rPr lang="en-US" sz="1200" b="0" i="0" kern="1200" dirty="0">
+                <a:solidFill>
+                  <a:schemeClr val="tx1"/>
+                </a:solidFill>
+                <a:effectLst/>
+                <a:latin typeface="+mn-lt"/>
+                <a:ea typeface="+mn-ea"/>
+                <a:cs typeface="+mn-cs"/>
+              </a:rPr>
+              <a:t> where a bag of character n-grams (also known as </a:t>
+            </a:r>
+            <a:r>
+              <a:rPr lang="en-US" sz="1200" b="0" i="0" kern="1200" dirty="0" err="1">
+                <a:solidFill>
+                  <a:schemeClr val="tx1"/>
+                </a:solidFill>
+                <a:effectLst/>
+                <a:latin typeface="+mn-lt"/>
+                <a:ea typeface="+mn-ea"/>
+                <a:cs typeface="+mn-cs"/>
+              </a:rPr>
+              <a:t>subwords</a:t>
+            </a:r>
+            <a:r>
+              <a:rPr lang="en-US" sz="1200" b="0" i="0" kern="1200" dirty="0">
+                <a:solidFill>
+                  <a:schemeClr val="tx1"/>
+                </a:solidFill>
+                <a:effectLst/>
+                <a:latin typeface="+mn-lt"/>
+                <a:ea typeface="+mn-ea"/>
+                <a:cs typeface="+mn-cs"/>
+              </a:rPr>
+              <a:t>) are used to represent a word. As shown in Figure, each word is represented by the sum of it’s n-gram vectors.</a:t>
+            </a:r>
+          </a:p>
+          <a:p>
+            <a:endParaRPr lang="en-US" sz="1200" b="0" i="0" kern="1200" dirty="0">
+              <a:solidFill>
+                <a:schemeClr val="tx1"/>
+              </a:solidFill>
+              <a:effectLst/>
+              <a:latin typeface="+mn-lt"/>
+              <a:ea typeface="+mn-ea"/>
+              <a:cs typeface="+mn-cs"/>
+            </a:endParaRPr>
+          </a:p>
+          <a:p>
             <a:endParaRPr lang="en-US" dirty="0"/>
-          </a:p>
-          <a:p>
-            <a:r>
-              <a:rPr lang="en-US" dirty="0"/>
-              <a:t>[Potentially download and run some simple </a:t>
-            </a:r>
-            <a:r>
-              <a:rPr lang="en-US" dirty="0" err="1"/>
-              <a:t>fasttext</a:t>
-            </a:r>
-            <a:r>
-              <a:rPr lang="en-US" dirty="0"/>
-              <a:t> code and show the results]</a:t>
-            </a:r>
-            <a:endParaRPr lang="en-CO" dirty="0"/>
           </a:p>
           <a:p>
             <a:endParaRPr lang="en-CO" dirty="0"/>
@@ -1302,7 +1577,7 @@
               <a:rPr lang="en-GB" sz="1400" b="0" strike="noStrike" spc="-1" smtClean="0">
                 <a:latin typeface="Times New Roman"/>
               </a:rPr>
-              <a:t>14</a:t>
+              <a:t>7</a:t>
             </a:fld>
             <a:endParaRPr lang="en-GB" sz="1400" b="0" strike="noStrike" spc="-1">
               <a:latin typeface="Times New Roman"/>
@@ -1313,7 +1588,7 @@
     </p:spTree>
     <p:extLst>
       <p:ext uri="{BB962C8B-B14F-4D97-AF65-F5344CB8AC3E}">
-        <p14:creationId xmlns:p14="http://schemas.microsoft.com/office/powerpoint/2010/main" val="970338645"/>
+        <p14:creationId xmlns:p14="http://schemas.microsoft.com/office/powerpoint/2010/main" val="4065361916"/>
       </p:ext>
     </p:extLst>
   </p:cSld>
@@ -1387,96 +1662,6 @@
               <a:rPr lang="en-US" dirty="0"/>
               <a:t> code and show the results]</a:t>
             </a:r>
-          </a:p>
-          <a:p>
-            <a:endParaRPr lang="en-US" dirty="0"/>
-          </a:p>
-          <a:p>
-            <a:r>
-              <a:rPr lang="en-US" sz="1200" b="0" i="0" kern="1200" dirty="0">
-                <a:solidFill>
-                  <a:schemeClr val="tx1"/>
-                </a:solidFill>
-                <a:effectLst/>
-                <a:latin typeface="+mn-lt"/>
-                <a:ea typeface="+mn-ea"/>
-                <a:cs typeface="+mn-cs"/>
-              </a:rPr>
-              <a:t>The </a:t>
-            </a:r>
-            <a:r>
-              <a:rPr lang="en-US" dirty="0" err="1"/>
-              <a:t>window_size</a:t>
-            </a:r>
-            <a:r>
-              <a:rPr lang="en-US" sz="1200" b="0" i="0" kern="1200" dirty="0">
-                <a:solidFill>
-                  <a:schemeClr val="tx1"/>
-                </a:solidFill>
-                <a:effectLst/>
-                <a:latin typeface="+mn-lt"/>
-                <a:ea typeface="+mn-ea"/>
-                <a:cs typeface="+mn-cs"/>
-              </a:rPr>
-              <a:t> is the size of the number of words occurring before and after the word based on which the word representations will be learned for the word. </a:t>
-            </a:r>
-          </a:p>
-          <a:p>
-            <a:endParaRPr lang="en-US" sz="1200" b="0" i="0" kern="1200" dirty="0">
-              <a:solidFill>
-                <a:schemeClr val="tx1"/>
-              </a:solidFill>
-              <a:effectLst/>
-              <a:latin typeface="+mn-lt"/>
-              <a:ea typeface="+mn-ea"/>
-              <a:cs typeface="+mn-cs"/>
-            </a:endParaRPr>
-          </a:p>
-          <a:p>
-            <a:r>
-              <a:rPr lang="en-US" sz="1200" b="0" i="0" kern="1200" dirty="0">
-                <a:solidFill>
-                  <a:schemeClr val="tx1"/>
-                </a:solidFill>
-                <a:effectLst/>
-                <a:latin typeface="+mn-lt"/>
-                <a:ea typeface="+mn-ea"/>
-                <a:cs typeface="+mn-cs"/>
-              </a:rPr>
-              <a:t>The next hyper-parameter is the </a:t>
-            </a:r>
-            <a:r>
-              <a:rPr lang="en-US" dirty="0" err="1"/>
-              <a:t>min_word</a:t>
-            </a:r>
-            <a:r>
-              <a:rPr lang="en-US" sz="1200" b="0" i="0" kern="1200" dirty="0">
-                <a:solidFill>
-                  <a:schemeClr val="tx1"/>
-                </a:solidFill>
-                <a:effectLst/>
-                <a:latin typeface="+mn-lt"/>
-                <a:ea typeface="+mn-ea"/>
-                <a:cs typeface="+mn-cs"/>
-              </a:rPr>
-              <a:t>, which specifies the minimum frequency of a word in the corpus for which the word representations will be generated. Finally, the most frequently occurring word will be down-sampled by a number specified by the </a:t>
-            </a:r>
-            <a:r>
-              <a:rPr lang="en-US" dirty="0" err="1"/>
-              <a:t>down_sampling</a:t>
-            </a:r>
-            <a:r>
-              <a:rPr lang="en-US" sz="1200" b="0" i="0" kern="1200" dirty="0">
-                <a:solidFill>
-                  <a:schemeClr val="tx1"/>
-                </a:solidFill>
-                <a:effectLst/>
-                <a:latin typeface="+mn-lt"/>
-                <a:ea typeface="+mn-ea"/>
-                <a:cs typeface="+mn-cs"/>
-              </a:rPr>
-              <a:t> attribute.</a:t>
-            </a:r>
             <a:endParaRPr lang="en-CO" dirty="0"/>
           </a:p>
           <a:p>
@@ -1515,7 +1700,7 @@
     </p:spTree>
     <p:extLst>
       <p:ext uri="{BB962C8B-B14F-4D97-AF65-F5344CB8AC3E}">
-        <p14:creationId xmlns:p14="http://schemas.microsoft.com/office/powerpoint/2010/main" val="2738393251"/>
+        <p14:creationId xmlns:p14="http://schemas.microsoft.com/office/powerpoint/2010/main" val="970338645"/>
       </p:ext>
     </p:extLst>
   </p:cSld>
@@ -1589,6 +1774,96 @@
               <a:rPr lang="en-US" dirty="0"/>
               <a:t> code and show the results]</a:t>
             </a:r>
+          </a:p>
+          <a:p>
+            <a:endParaRPr lang="en-US" dirty="0"/>
+          </a:p>
+          <a:p>
+            <a:r>
+              <a:rPr lang="en-US" sz="1200" b="0" i="0" kern="1200" dirty="0">
+                <a:solidFill>
+                  <a:schemeClr val="tx1"/>
+                </a:solidFill>
+                <a:effectLst/>
+                <a:latin typeface="+mn-lt"/>
+                <a:ea typeface="+mn-ea"/>
+                <a:cs typeface="+mn-cs"/>
+              </a:rPr>
+              <a:t>The </a:t>
+            </a:r>
+            <a:r>
+              <a:rPr lang="en-US" dirty="0" err="1"/>
+              <a:t>window_size</a:t>
+            </a:r>
+            <a:r>
+              <a:rPr lang="en-US" sz="1200" b="0" i="0" kern="1200" dirty="0">
+                <a:solidFill>
+                  <a:schemeClr val="tx1"/>
+                </a:solidFill>
+                <a:effectLst/>
+                <a:latin typeface="+mn-lt"/>
+                <a:ea typeface="+mn-ea"/>
+                <a:cs typeface="+mn-cs"/>
+              </a:rPr>
+              <a:t> is the size of the number of words occurring before and after the word based on which the word representations will be learned for the word. </a:t>
+            </a:r>
+          </a:p>
+          <a:p>
+            <a:endParaRPr lang="en-US" sz="1200" b="0" i="0" kern="1200" dirty="0">
+              <a:solidFill>
+                <a:schemeClr val="tx1"/>
+              </a:solidFill>
+              <a:effectLst/>
+              <a:latin typeface="+mn-lt"/>
+              <a:ea typeface="+mn-ea"/>
+              <a:cs typeface="+mn-cs"/>
+            </a:endParaRPr>
+          </a:p>
+          <a:p>
+            <a:r>
+              <a:rPr lang="en-US" sz="1200" b="0" i="0" kern="1200" dirty="0">
+                <a:solidFill>
+                  <a:schemeClr val="tx1"/>
+                </a:solidFill>
+                <a:effectLst/>
+                <a:latin typeface="+mn-lt"/>
+                <a:ea typeface="+mn-ea"/>
+                <a:cs typeface="+mn-cs"/>
+              </a:rPr>
+              <a:t>The next hyper-parameter is the </a:t>
+            </a:r>
+            <a:r>
+              <a:rPr lang="en-US" dirty="0" err="1"/>
+              <a:t>min_word</a:t>
+            </a:r>
+            <a:r>
+              <a:rPr lang="en-US" sz="1200" b="0" i="0" kern="1200" dirty="0">
+                <a:solidFill>
+                  <a:schemeClr val="tx1"/>
+                </a:solidFill>
+                <a:effectLst/>
+                <a:latin typeface="+mn-lt"/>
+                <a:ea typeface="+mn-ea"/>
+                <a:cs typeface="+mn-cs"/>
+              </a:rPr>
+              <a:t>, which specifies the minimum frequency of a word in the corpus for which the word representations will be generated. Finally, the most frequently occurring word will be down-sampled by a number specified by the </a:t>
+            </a:r>
+            <a:r>
+              <a:rPr lang="en-US" dirty="0" err="1"/>
+              <a:t>down_sampling</a:t>
+            </a:r>
+            <a:r>
+              <a:rPr lang="en-US" sz="1200" b="0" i="0" kern="1200" dirty="0">
+                <a:solidFill>
+                  <a:schemeClr val="tx1"/>
+                </a:solidFill>
+                <a:effectLst/>
+                <a:latin typeface="+mn-lt"/>
+                <a:ea typeface="+mn-ea"/>
+                <a:cs typeface="+mn-cs"/>
+              </a:rPr>
+              <a:t> attribute.</a:t>
+            </a:r>
             <a:endParaRPr lang="en-CO" dirty="0"/>
           </a:p>
           <a:p>
@@ -1627,7 +1902,7 @@
     </p:spTree>
     <p:extLst>
       <p:ext uri="{BB962C8B-B14F-4D97-AF65-F5344CB8AC3E}">
-        <p14:creationId xmlns:p14="http://schemas.microsoft.com/office/powerpoint/2010/main" val="404232091"/>
+        <p14:creationId xmlns:p14="http://schemas.microsoft.com/office/powerpoint/2010/main" val="2738393251"/>
       </p:ext>
     </p:extLst>
   </p:cSld>
@@ -1729,6 +2004,118 @@
                 <a:latin typeface="Times New Roman"/>
               </a:rPr>
               <a:t>17</a:t>
+            </a:fld>
+            <a:endParaRPr lang="en-GB" sz="1400" b="0" strike="noStrike" spc="-1">
+              <a:latin typeface="Times New Roman"/>
+            </a:endParaRPr>
+          </a:p>
+        </p:txBody>
+      </p:sp>
+    </p:spTree>
+    <p:extLst>
+      <p:ext uri="{BB962C8B-B14F-4D97-AF65-F5344CB8AC3E}">
+        <p14:creationId xmlns:p14="http://schemas.microsoft.com/office/powerpoint/2010/main" val="404232091"/>
+      </p:ext>
+    </p:extLst>
+  </p:cSld>
+  <p:clrMapOvr>
+    <a:masterClrMapping/>
+  </p:clrMapOvr>
+</p:notes>
+</file>
+
+<file path=ppt/notesSlides/notesSlide9.xml><?xml version="1.0" encoding="utf-8"?>
+<p:notes xmlns:a="http://schemas.openxmlformats.org/drawingml/2006/main" xmlns:r="http://schemas.openxmlformats.org/officeDocument/2006/relationships" xmlns:p="http://schemas.openxmlformats.org/presentationml/2006/main">
+  <p:cSld>
+    <p:spTree>
+      <p:nvGrpSpPr>
+        <p:cNvPr id="1" name=""/>
+        <p:cNvGrpSpPr/>
+        <p:nvPr/>
+      </p:nvGrpSpPr>
+      <p:grpSpPr>
+        <a:xfrm>
+          <a:off x="0" y="0"/>
+          <a:ext cx="0" cy="0"/>
+          <a:chOff x="0" y="0"/>
+          <a:chExt cx="0" cy="0"/>
+        </a:xfrm>
+      </p:grpSpPr>
+      <p:sp>
+        <p:nvSpPr>
+          <p:cNvPr id="2" name="Slide Image Placeholder 1"/>
+          <p:cNvSpPr>
+            <a:spLocks noGrp="1" noRot="1" noChangeAspect="1"/>
+          </p:cNvSpPr>
+          <p:nvPr>
+            <p:ph type="sldImg"/>
+          </p:nvPr>
+        </p:nvSpPr>
+        <p:spPr>
+          <a:xfrm>
+            <a:off x="1370013" y="763588"/>
+            <a:ext cx="5030787" cy="3771900"/>
+          </a:xfrm>
+        </p:spPr>
+      </p:sp>
+      <p:sp>
+        <p:nvSpPr>
+          <p:cNvPr id="3" name="Notes Placeholder 2"/>
+          <p:cNvSpPr>
+            <a:spLocks noGrp="1"/>
+          </p:cNvSpPr>
+          <p:nvPr>
+            <p:ph type="body" idx="1"/>
+          </p:nvPr>
+        </p:nvSpPr>
+        <p:spPr/>
+        <p:txBody>
+          <a:bodyPr/>
+          <a:lstStyle/>
+          <a:p>
+            <a:endParaRPr lang="en-US" dirty="0"/>
+          </a:p>
+          <a:p>
+            <a:r>
+              <a:rPr lang="en-US" dirty="0"/>
+              <a:t>[Potentially download and run some simple </a:t>
+            </a:r>
+            <a:r>
+              <a:rPr lang="en-US" dirty="0" err="1"/>
+              <a:t>fasttext</a:t>
+            </a:r>
+            <a:r>
+              <a:rPr lang="en-US" dirty="0"/>
+              <a:t> code and show the results]</a:t>
+            </a:r>
+            <a:endParaRPr lang="en-CO" dirty="0"/>
+          </a:p>
+          <a:p>
+            <a:endParaRPr lang="en-CO" dirty="0"/>
+          </a:p>
+        </p:txBody>
+      </p:sp>
+      <p:sp>
+        <p:nvSpPr>
+          <p:cNvPr id="4" name="Slide Number Placeholder 3"/>
+          <p:cNvSpPr>
+            <a:spLocks noGrp="1"/>
+          </p:cNvSpPr>
+          <p:nvPr>
+            <p:ph type="sldNum"/>
+          </p:nvPr>
+        </p:nvSpPr>
+        <p:spPr/>
+        <p:txBody>
+          <a:bodyPr/>
+          <a:lstStyle/>
+          <a:p>
+            <a:pPr algn="r"/>
+            <a:fld id="{D10B2105-225F-4FE3-849A-7975E719A850}" type="slidenum">
+              <a:rPr lang="en-GB" sz="1400" b="0" strike="noStrike" spc="-1" smtClean="0">
+                <a:latin typeface="Times New Roman"/>
+              </a:rPr>
+              <a:t>18</a:t>
             </a:fld>
             <a:endParaRPr lang="en-GB" sz="1400" b="0" strike="noStrike" spc="-1">
               <a:latin typeface="Times New Roman"/>
@@ -7307,7 +7694,7 @@
           <a:p>
             <a:r>
               <a:rPr lang="en-GB" sz="2800" b="0" spc="-1" dirty="0"/>
-              <a:t>ENRICHING WORD VECTORS WITH SUBWORD INFORMATION</a:t>
+              <a:t>“ENRICHING WORD VECTORS WITH SUBWORD INFORMATION”</a:t>
             </a:r>
           </a:p>
         </p:txBody>
@@ -7616,7 +8003,7 @@
 </file>
 
 <file path=ppt/slides/slide10.xml><?xml version="1.0" encoding="utf-8"?>
-<p:sld xmlns:a="http://schemas.openxmlformats.org/drawingml/2006/main" xmlns:r="http://schemas.openxmlformats.org/officeDocument/2006/relationships" xmlns:p="http://schemas.openxmlformats.org/presentationml/2006/main">
+<p:sld xmlns:a="http://schemas.openxmlformats.org/drawingml/2006/main" xmlns:r="http://schemas.openxmlformats.org/officeDocument/2006/relationships" xmlns:p="http://schemas.openxmlformats.org/presentationml/2006/main" show="0">
   <p:cSld>
     <p:spTree>
       <p:nvGrpSpPr>
@@ -7710,7 +8097,7 @@
           <p:cNvPr id="2" name="Rectangle 1">
             <a:extLst>
               <a:ext uri="{FF2B5EF4-FFF2-40B4-BE49-F238E27FC236}">
-                <a16:creationId xmlns:a16="http://schemas.microsoft.com/office/drawing/2014/main" id="{EC068493-07FD-A34E-AF93-B0D83101C167}"/>
+                <a16:creationId xmlns:a16="http://schemas.microsoft.com/office/drawing/2014/main" id="{A508D742-D411-CF4E-8CD4-0FBBDE41C8A5}"/>
               </a:ext>
             </a:extLst>
           </p:cNvPr>
@@ -7719,8 +8106,8 @@
         </p:nvSpPr>
         <p:spPr>
           <a:xfrm>
-            <a:off x="2998304" y="864389"/>
-            <a:ext cx="3531736" cy="369332"/>
+            <a:off x="3973118" y="901967"/>
+            <a:ext cx="1197764" cy="369332"/>
           </a:xfrm>
           <a:prstGeom prst="rect">
             <a:avLst/>
@@ -7739,266 +8126,18 @@
                 </a:solidFill>
                 <a:latin typeface="Arial" panose="020B0604020202020204" pitchFamily="34" charset="0"/>
               </a:rPr>
-              <a:t>Quantitative / Qualitative Results</a:t>
+              <a:t>Data Sets</a:t>
             </a:r>
             <a:endParaRPr lang="en-CO" dirty="0"/>
           </a:p>
         </p:txBody>
       </p:sp>
-      <p:sp>
-        <p:nvSpPr>
-          <p:cNvPr id="3" name="Rectangle 2">
+      <p:pic>
+        <p:nvPicPr>
+          <p:cNvPr id="3" name="Picture 2">
             <a:extLst>
               <a:ext uri="{FF2B5EF4-FFF2-40B4-BE49-F238E27FC236}">
-                <a16:creationId xmlns:a16="http://schemas.microsoft.com/office/drawing/2014/main" id="{CA3AEA9E-434C-430F-B295-AF44041B0395}"/>
-              </a:ext>
-            </a:extLst>
-          </p:cNvPr>
-          <p:cNvSpPr/>
-          <p:nvPr/>
-        </p:nvSpPr>
-        <p:spPr>
-          <a:xfrm>
-            <a:off x="101494" y="4840312"/>
-            <a:ext cx="4572000" cy="923330"/>
-          </a:xfrm>
-          <a:prstGeom prst="rect">
-            <a:avLst/>
-          </a:prstGeom>
-        </p:spPr>
-        <p:txBody>
-          <a:bodyPr>
-            <a:spAutoFit/>
-          </a:bodyPr>
-          <a:lstStyle/>
-          <a:p>
-            <a:r>
-              <a:rPr lang="en-US" sz="1100" dirty="0">
-                <a:latin typeface="NimbusRomNo9L"/>
-              </a:rPr>
-              <a:t>In most experiments (except in Sec. 5.3), we compare our model to the C implementation </a:t>
-            </a:r>
-            <a:r>
-              <a:rPr lang="en-US" sz="1100" dirty="0"/>
-              <a:t>of the </a:t>
-            </a:r>
-            <a:r>
-              <a:rPr lang="en-US" sz="1100" dirty="0" err="1"/>
-              <a:t>skipgram</a:t>
-            </a:r>
-            <a:r>
-              <a:rPr lang="en-US" sz="1100" dirty="0"/>
-              <a:t> and </a:t>
-            </a:r>
-            <a:r>
-              <a:rPr lang="en-US" sz="1100" dirty="0" err="1"/>
-              <a:t>cbow</a:t>
-            </a:r>
-            <a:r>
-              <a:rPr lang="en-US" sz="1100" dirty="0"/>
-              <a:t> models from the word2vec2 package</a:t>
-            </a:r>
-            <a:r>
-              <a:rPr lang="en-US" sz="1200" dirty="0"/>
-              <a:t>. </a:t>
-            </a:r>
-          </a:p>
-          <a:p>
-            <a:endParaRPr lang="en-US" dirty="0"/>
-          </a:p>
-        </p:txBody>
-      </p:sp>
-      <p:sp>
-        <p:nvSpPr>
-          <p:cNvPr id="4" name="Rectangle 3">
-            <a:extLst>
-              <a:ext uri="{FF2B5EF4-FFF2-40B4-BE49-F238E27FC236}">
-                <a16:creationId xmlns:a16="http://schemas.microsoft.com/office/drawing/2014/main" id="{376960B4-2307-4284-BF3A-AC674A3846D7}"/>
-              </a:ext>
-            </a:extLst>
-          </p:cNvPr>
-          <p:cNvSpPr/>
-          <p:nvPr/>
-        </p:nvSpPr>
-        <p:spPr>
-          <a:xfrm>
-            <a:off x="4572000" y="5171172"/>
-            <a:ext cx="4572000" cy="1200329"/>
-          </a:xfrm>
-          <a:prstGeom prst="rect">
-            <a:avLst/>
-          </a:prstGeom>
-        </p:spPr>
-        <p:txBody>
-          <a:bodyPr>
-            <a:spAutoFit/>
-          </a:bodyPr>
-          <a:lstStyle/>
-          <a:p>
-            <a:r>
-              <a:rPr lang="en-US" sz="1200" dirty="0">
-                <a:latin typeface="NimbusRomNo9L"/>
-              </a:rPr>
-              <a:t>5.3 Comparison with morphological representations </a:t>
-            </a:r>
-            <a:endParaRPr lang="en-US" sz="1200" dirty="0"/>
-          </a:p>
-          <a:p>
-            <a:r>
-              <a:rPr lang="en-US" sz="1200" dirty="0">
-                <a:latin typeface="NimbusRomNo9L"/>
-              </a:rPr>
-              <a:t>We also compare our approach to previous work on word vectors incorporating </a:t>
-            </a:r>
-            <a:r>
-              <a:rPr lang="en-US" sz="1200" dirty="0" err="1">
-                <a:latin typeface="NimbusRomNo9L"/>
-              </a:rPr>
-              <a:t>subword</a:t>
-            </a:r>
-            <a:r>
-              <a:rPr lang="en-US" sz="1200" dirty="0">
-                <a:latin typeface="NimbusRomNo9L"/>
-              </a:rPr>
-              <a:t> information on word similarity tasks. The methods used are: the recursive neural network of Luong et al. (2013), the morpheme </a:t>
-            </a:r>
-            <a:r>
-              <a:rPr lang="en-US" sz="1200" dirty="0" err="1">
-                <a:latin typeface="NimbusMonL"/>
-              </a:rPr>
-              <a:t>cbow</a:t>
-            </a:r>
-            <a:r>
-              <a:rPr lang="en-US" sz="1200" dirty="0">
-                <a:latin typeface="NimbusMonL"/>
-              </a:rPr>
-              <a:t> </a:t>
-            </a:r>
-            <a:r>
-              <a:rPr lang="en-US" sz="1200" dirty="0">
-                <a:latin typeface="NimbusRomNo9L"/>
-              </a:rPr>
-              <a:t>of </a:t>
-            </a:r>
-            <a:r>
-              <a:rPr lang="en-US" sz="1200" dirty="0" err="1">
-                <a:latin typeface="NimbusRomNo9L"/>
-              </a:rPr>
-              <a:t>Qiu</a:t>
-            </a:r>
-            <a:r>
-              <a:rPr lang="en-US" sz="1200" dirty="0">
-                <a:latin typeface="NimbusRomNo9L"/>
-              </a:rPr>
-              <a:t> et al. (2014) and the morphological transformations of </a:t>
-            </a:r>
-            <a:r>
-              <a:rPr lang="en-US" sz="1200" dirty="0" err="1">
-                <a:latin typeface="NimbusRomNo9L"/>
-              </a:rPr>
-              <a:t>Soricut</a:t>
-            </a:r>
-            <a:r>
-              <a:rPr lang="en-US" sz="1200" dirty="0">
-                <a:latin typeface="NimbusRomNo9L"/>
-              </a:rPr>
-              <a:t> and </a:t>
-            </a:r>
-            <a:r>
-              <a:rPr lang="en-US" sz="1200" dirty="0" err="1">
-                <a:latin typeface="NimbusRomNo9L"/>
-              </a:rPr>
-              <a:t>Och</a:t>
-            </a:r>
-            <a:r>
-              <a:rPr lang="en-US" sz="1200" dirty="0">
-                <a:latin typeface="NimbusRomNo9L"/>
-              </a:rPr>
-              <a:t> (2015). </a:t>
-            </a:r>
-            <a:endParaRPr lang="en-US" sz="1200" dirty="0"/>
-          </a:p>
-        </p:txBody>
-      </p:sp>
-      <p:sp>
-        <p:nvSpPr>
-          <p:cNvPr id="6" name="Rectangle 5">
-            <a:extLst>
-              <a:ext uri="{FF2B5EF4-FFF2-40B4-BE49-F238E27FC236}">
-                <a16:creationId xmlns:a16="http://schemas.microsoft.com/office/drawing/2014/main" id="{6E763CA1-9686-4321-A3D3-9682AFE5495C}"/>
-              </a:ext>
-            </a:extLst>
-          </p:cNvPr>
-          <p:cNvSpPr/>
-          <p:nvPr/>
-        </p:nvSpPr>
-        <p:spPr>
-          <a:xfrm>
-            <a:off x="90121" y="5432782"/>
-            <a:ext cx="4572000" cy="938719"/>
-          </a:xfrm>
-          <a:prstGeom prst="rect">
-            <a:avLst/>
-          </a:prstGeom>
-        </p:spPr>
-        <p:txBody>
-          <a:bodyPr>
-            <a:spAutoFit/>
-          </a:bodyPr>
-          <a:lstStyle/>
-          <a:p>
-            <a:r>
-              <a:rPr lang="en-US" sz="1100" dirty="0">
-                <a:latin typeface="NimbusRomNo9L"/>
-              </a:rPr>
-              <a:t>We evaluate our model in five experiments: an eval- </a:t>
-            </a:r>
-            <a:r>
-              <a:rPr lang="en-US" sz="1100" dirty="0" err="1">
-                <a:latin typeface="NimbusRomNo9L"/>
-              </a:rPr>
-              <a:t>uation</a:t>
-            </a:r>
-            <a:r>
-              <a:rPr lang="en-US" sz="1100" dirty="0">
-                <a:latin typeface="NimbusRomNo9L"/>
-              </a:rPr>
-              <a:t> of word similarity and word analogies, a com- </a:t>
-            </a:r>
-            <a:r>
-              <a:rPr lang="en-US" sz="1100" dirty="0" err="1">
-                <a:latin typeface="NimbusRomNo9L"/>
-              </a:rPr>
-              <a:t>parison</a:t>
-            </a:r>
-            <a:r>
-              <a:rPr lang="en-US" sz="1100" dirty="0">
-                <a:latin typeface="NimbusRomNo9L"/>
-              </a:rPr>
-              <a:t> to state-of-the-art methods, an analysis of the effect of the size of training data and of the size of character </a:t>
-            </a:r>
-            <a:r>
-              <a:rPr lang="en-US" sz="1100" dirty="0">
-                <a:latin typeface="CMMI10"/>
-              </a:rPr>
-              <a:t>n</a:t>
-            </a:r>
-            <a:r>
-              <a:rPr lang="en-US" sz="1100" dirty="0">
-                <a:latin typeface="NimbusRomNo9L"/>
-              </a:rPr>
-              <a:t>-grams that we consider. We will de- scribe these experiments in detail in the following sections. </a:t>
-            </a:r>
-            <a:endParaRPr lang="en-US" sz="1100" dirty="0"/>
-          </a:p>
-        </p:txBody>
-      </p:sp>
-      <p:pic>
-        <p:nvPicPr>
-          <p:cNvPr id="10" name="Picture 9">
-            <a:extLst>
-              <a:ext uri="{FF2B5EF4-FFF2-40B4-BE49-F238E27FC236}">
-                <a16:creationId xmlns:a16="http://schemas.microsoft.com/office/drawing/2014/main" id="{1D31E707-FBB3-4F42-9BCC-8525933EF56E}"/>
+                <a16:creationId xmlns:a16="http://schemas.microsoft.com/office/drawing/2014/main" id="{FB76B419-07C5-1F48-9515-D01454DBE0CC}"/>
               </a:ext>
             </a:extLst>
           </p:cNvPr>
@@ -8015,8 +8154,98 @@
         </p:blipFill>
         <p:spPr>
           <a:xfrm>
-            <a:off x="384703" y="1367086"/>
-            <a:ext cx="2791634" cy="2500614"/>
+            <a:off x="212943" y="1440186"/>
+            <a:ext cx="3562350" cy="3502550"/>
+          </a:xfrm>
+          <a:prstGeom prst="rect">
+            <a:avLst/>
+          </a:prstGeom>
+        </p:spPr>
+      </p:pic>
+      <p:pic>
+        <p:nvPicPr>
+          <p:cNvPr id="4" name="Picture 3">
+            <a:extLst>
+              <a:ext uri="{FF2B5EF4-FFF2-40B4-BE49-F238E27FC236}">
+                <a16:creationId xmlns:a16="http://schemas.microsoft.com/office/drawing/2014/main" id="{62CFCE26-9C66-2848-982A-854886F6ACF9}"/>
+              </a:ext>
+            </a:extLst>
+          </p:cNvPr>
+          <p:cNvPicPr>
+            <a:picLocks noChangeAspect="1"/>
+          </p:cNvPicPr>
+          <p:nvPr/>
+        </p:nvPicPr>
+        <p:blipFill>
+          <a:blip r:embed="rId3"/>
+          <a:stretch>
+            <a:fillRect/>
+          </a:stretch>
+        </p:blipFill>
+        <p:spPr>
+          <a:xfrm>
+            <a:off x="5813305" y="901967"/>
+            <a:ext cx="3117752" cy="2938571"/>
+          </a:xfrm>
+          <a:prstGeom prst="rect">
+            <a:avLst/>
+          </a:prstGeom>
+        </p:spPr>
+      </p:pic>
+      <p:pic>
+        <p:nvPicPr>
+          <p:cNvPr id="5" name="Picture 4">
+            <a:extLst>
+              <a:ext uri="{FF2B5EF4-FFF2-40B4-BE49-F238E27FC236}">
+                <a16:creationId xmlns:a16="http://schemas.microsoft.com/office/drawing/2014/main" id="{C469FE2E-1E4C-604E-AEF0-1E8899201F80}"/>
+              </a:ext>
+            </a:extLst>
+          </p:cNvPr>
+          <p:cNvPicPr>
+            <a:picLocks noChangeAspect="1"/>
+          </p:cNvPicPr>
+          <p:nvPr/>
+        </p:nvPicPr>
+        <p:blipFill>
+          <a:blip r:embed="rId4"/>
+          <a:stretch>
+            <a:fillRect/>
+          </a:stretch>
+        </p:blipFill>
+        <p:spPr>
+          <a:xfrm>
+            <a:off x="1453720" y="3473450"/>
+            <a:ext cx="2895983" cy="2938571"/>
+          </a:xfrm>
+          <a:prstGeom prst="rect">
+            <a:avLst/>
+          </a:prstGeom>
+        </p:spPr>
+      </p:pic>
+      <p:pic>
+        <p:nvPicPr>
+          <p:cNvPr id="6" name="Picture 5">
+            <a:extLst>
+              <a:ext uri="{FF2B5EF4-FFF2-40B4-BE49-F238E27FC236}">
+                <a16:creationId xmlns:a16="http://schemas.microsoft.com/office/drawing/2014/main" id="{638340C5-893C-7D4D-80B7-7393B8CB1B1E}"/>
+              </a:ext>
+            </a:extLst>
+          </p:cNvPr>
+          <p:cNvPicPr>
+            <a:picLocks noChangeAspect="1"/>
+          </p:cNvPicPr>
+          <p:nvPr/>
+        </p:nvPicPr>
+        <p:blipFill>
+          <a:blip r:embed="rId5"/>
+          <a:stretch>
+            <a:fillRect/>
+          </a:stretch>
+        </p:blipFill>
+        <p:spPr>
+          <a:xfrm>
+            <a:off x="3693139" y="2619258"/>
+            <a:ext cx="3679042" cy="3670112"/>
           </a:xfrm>
           <a:prstGeom prst="rect">
             <a:avLst/>
@@ -8026,7 +8255,7 @@
     </p:spTree>
     <p:extLst>
       <p:ext uri="{BB962C8B-B14F-4D97-AF65-F5344CB8AC3E}">
-        <p14:creationId xmlns:p14="http://schemas.microsoft.com/office/powerpoint/2010/main" val="1254982742"/>
+        <p14:creationId xmlns:p14="http://schemas.microsoft.com/office/powerpoint/2010/main" val="2025707338"/>
       </p:ext>
     </p:extLst>
   </p:cSld>
@@ -8131,7 +8360,7 @@
           <p:cNvPr id="2" name="Rectangle 1">
             <a:extLst>
               <a:ext uri="{FF2B5EF4-FFF2-40B4-BE49-F238E27FC236}">
-                <a16:creationId xmlns:a16="http://schemas.microsoft.com/office/drawing/2014/main" id="{B5986EB7-9E4C-084D-9A56-87E64506A958}"/>
+                <a16:creationId xmlns:a16="http://schemas.microsoft.com/office/drawing/2014/main" id="{EC068493-07FD-A34E-AF93-B0D83101C167}"/>
               </a:ext>
             </a:extLst>
           </p:cNvPr>
@@ -8140,8 +8369,8 @@
         </p:nvSpPr>
         <p:spPr>
           <a:xfrm>
-            <a:off x="2408587" y="839337"/>
-            <a:ext cx="4326826" cy="369332"/>
+            <a:off x="2998304" y="864389"/>
+            <a:ext cx="3531736" cy="369332"/>
           </a:xfrm>
           <a:prstGeom prst="rect">
             <a:avLst/>
@@ -8160,7 +8389,7 @@
                 </a:solidFill>
                 <a:latin typeface="Arial" panose="020B0604020202020204" pitchFamily="34" charset="0"/>
               </a:rPr>
-              <a:t>Why is it relevant? Why did they write it?</a:t>
+              <a:t>Quantitative / Qualitative Results</a:t>
             </a:r>
             <a:endParaRPr lang="en-CO" dirty="0"/>
           </a:p>
@@ -8171,7 +8400,7 @@
           <p:cNvPr id="3" name="Rectangle 2">
             <a:extLst>
               <a:ext uri="{FF2B5EF4-FFF2-40B4-BE49-F238E27FC236}">
-                <a16:creationId xmlns:a16="http://schemas.microsoft.com/office/drawing/2014/main" id="{E849072D-FFEC-2D42-8362-0EF41FE22F93}"/>
+                <a16:creationId xmlns:a16="http://schemas.microsoft.com/office/drawing/2014/main" id="{CA3AEA9E-434C-430F-B295-AF44041B0395}"/>
               </a:ext>
             </a:extLst>
           </p:cNvPr>
@@ -8180,69 +8409,274 @@
         </p:nvSpPr>
         <p:spPr>
           <a:xfrm>
-            <a:off x="480959" y="1503122"/>
-            <a:ext cx="8324837" cy="3693319"/>
-          </a:xfrm>
-          <a:prstGeom prst="rect">
-            <a:avLst/>
-          </a:prstGeom>
-        </p:spPr>
-        <p:txBody>
-          <a:bodyPr wrap="square">
+            <a:off x="101494" y="4840312"/>
+            <a:ext cx="4572000" cy="923330"/>
+          </a:xfrm>
+          <a:prstGeom prst="rect">
+            <a:avLst/>
+          </a:prstGeom>
+        </p:spPr>
+        <p:txBody>
+          <a:bodyPr>
             <a:spAutoFit/>
           </a:bodyPr>
           <a:lstStyle/>
           <a:p>
             <a:r>
-              <a:rPr lang="en-US" dirty="0">
+              <a:rPr lang="en-US" sz="1100" dirty="0">
                 <a:latin typeface="NimbusRomNo9L"/>
               </a:rPr>
-              <a:t>Continuous word representations, trained on large unlabeled corpora are useful for many natural language processing tasks. Popular models that learn such representations ignore the morphology of words, by assigning a distinct vector to each word. This is a limitation, especially for languages with large vocabularies and many rare words. In this paper, we propose a new approach based on the </a:t>
-            </a:r>
-            <a:r>
-              <a:rPr lang="en-US" dirty="0" err="1">
+              <a:t>In most experiments (except in Sec. 5.3), we compare our model to the C implementation </a:t>
+            </a:r>
+            <a:r>
+              <a:rPr lang="en-US" sz="1100" dirty="0"/>
+              <a:t>of the </a:t>
+            </a:r>
+            <a:r>
+              <a:rPr lang="en-US" sz="1100" dirty="0" err="1"/>
+              <a:t>skipgram</a:t>
+            </a:r>
+            <a:r>
+              <a:rPr lang="en-US" sz="1100" dirty="0"/>
+              <a:t> and </a:t>
+            </a:r>
+            <a:r>
+              <a:rPr lang="en-US" sz="1100" dirty="0" err="1"/>
+              <a:t>cbow</a:t>
+            </a:r>
+            <a:r>
+              <a:rPr lang="en-US" sz="1100" dirty="0"/>
+              <a:t> models from the word2vec2 package</a:t>
+            </a:r>
+            <a:r>
+              <a:rPr lang="en-US" sz="1200" dirty="0"/>
+              <a:t>. </a:t>
+            </a:r>
+          </a:p>
+          <a:p>
+            <a:endParaRPr lang="en-US" dirty="0"/>
+          </a:p>
+        </p:txBody>
+      </p:sp>
+      <p:sp>
+        <p:nvSpPr>
+          <p:cNvPr id="4" name="Rectangle 3">
+            <a:extLst>
+              <a:ext uri="{FF2B5EF4-FFF2-40B4-BE49-F238E27FC236}">
+                <a16:creationId xmlns:a16="http://schemas.microsoft.com/office/drawing/2014/main" id="{376960B4-2307-4284-BF3A-AC674A3846D7}"/>
+              </a:ext>
+            </a:extLst>
+          </p:cNvPr>
+          <p:cNvSpPr/>
+          <p:nvPr/>
+        </p:nvSpPr>
+        <p:spPr>
+          <a:xfrm>
+            <a:off x="4572000" y="5171172"/>
+            <a:ext cx="4572000" cy="1200329"/>
+          </a:xfrm>
+          <a:prstGeom prst="rect">
+            <a:avLst/>
+          </a:prstGeom>
+        </p:spPr>
+        <p:txBody>
+          <a:bodyPr>
+            <a:spAutoFit/>
+          </a:bodyPr>
+          <a:lstStyle/>
+          <a:p>
+            <a:r>
+              <a:rPr lang="en-US" sz="1200" dirty="0">
                 <a:latin typeface="NimbusRomNo9L"/>
               </a:rPr>
-              <a:t>skipgram</a:t>
-            </a:r>
-            <a:r>
-              <a:rPr lang="en-US" dirty="0">
+              <a:t>5.3 Comparison with morphological representations </a:t>
+            </a:r>
+            <a:endParaRPr lang="en-US" sz="1200" dirty="0"/>
+          </a:p>
+          <a:p>
+            <a:r>
+              <a:rPr lang="en-US" sz="1200" dirty="0">
                 <a:latin typeface="NimbusRomNo9L"/>
               </a:rPr>
-              <a:t> model, where each word is represented as a bag of character </a:t>
-            </a:r>
-            <a:r>
-              <a:rPr lang="en-US" dirty="0">
+              <a:t>We also compare our approach to previous work on word vectors incorporating </a:t>
+            </a:r>
+            <a:r>
+              <a:rPr lang="en-US" sz="1200" dirty="0" err="1">
+                <a:latin typeface="NimbusRomNo9L"/>
+              </a:rPr>
+              <a:t>subword</a:t>
+            </a:r>
+            <a:r>
+              <a:rPr lang="en-US" sz="1200" dirty="0">
+                <a:latin typeface="NimbusRomNo9L"/>
+              </a:rPr>
+              <a:t> information on word similarity tasks. The methods used are: the recursive neural network of Luong et al. (2013), the morpheme </a:t>
+            </a:r>
+            <a:r>
+              <a:rPr lang="en-US" sz="1200" dirty="0" err="1">
+                <a:latin typeface="NimbusMonL"/>
+              </a:rPr>
+              <a:t>cbow</a:t>
+            </a:r>
+            <a:r>
+              <a:rPr lang="en-US" sz="1200" dirty="0">
+                <a:latin typeface="NimbusMonL"/>
+              </a:rPr>
+              <a:t> </a:t>
+            </a:r>
+            <a:r>
+              <a:rPr lang="en-US" sz="1200" dirty="0">
+                <a:latin typeface="NimbusRomNo9L"/>
+              </a:rPr>
+              <a:t>of </a:t>
+            </a:r>
+            <a:r>
+              <a:rPr lang="en-US" sz="1200" dirty="0" err="1">
+                <a:latin typeface="NimbusRomNo9L"/>
+              </a:rPr>
+              <a:t>Qiu</a:t>
+            </a:r>
+            <a:r>
+              <a:rPr lang="en-US" sz="1200" dirty="0">
+                <a:latin typeface="NimbusRomNo9L"/>
+              </a:rPr>
+              <a:t> et al. (2014) and the morphological transformations of </a:t>
+            </a:r>
+            <a:r>
+              <a:rPr lang="en-US" sz="1200" dirty="0" err="1">
+                <a:latin typeface="NimbusRomNo9L"/>
+              </a:rPr>
+              <a:t>Soricut</a:t>
+            </a:r>
+            <a:r>
+              <a:rPr lang="en-US" sz="1200" dirty="0">
+                <a:latin typeface="NimbusRomNo9L"/>
+              </a:rPr>
+              <a:t> and </a:t>
+            </a:r>
+            <a:r>
+              <a:rPr lang="en-US" sz="1200" dirty="0" err="1">
+                <a:latin typeface="NimbusRomNo9L"/>
+              </a:rPr>
+              <a:t>Och</a:t>
+            </a:r>
+            <a:r>
+              <a:rPr lang="en-US" sz="1200" dirty="0">
+                <a:latin typeface="NimbusRomNo9L"/>
+              </a:rPr>
+              <a:t> (2015). </a:t>
+            </a:r>
+            <a:endParaRPr lang="en-US" sz="1200" dirty="0"/>
+          </a:p>
+        </p:txBody>
+      </p:sp>
+      <p:sp>
+        <p:nvSpPr>
+          <p:cNvPr id="6" name="Rectangle 5">
+            <a:extLst>
+              <a:ext uri="{FF2B5EF4-FFF2-40B4-BE49-F238E27FC236}">
+                <a16:creationId xmlns:a16="http://schemas.microsoft.com/office/drawing/2014/main" id="{6E763CA1-9686-4321-A3D3-9682AFE5495C}"/>
+              </a:ext>
+            </a:extLst>
+          </p:cNvPr>
+          <p:cNvSpPr/>
+          <p:nvPr/>
+        </p:nvSpPr>
+        <p:spPr>
+          <a:xfrm>
+            <a:off x="90121" y="5432782"/>
+            <a:ext cx="4572000" cy="938719"/>
+          </a:xfrm>
+          <a:prstGeom prst="rect">
+            <a:avLst/>
+          </a:prstGeom>
+        </p:spPr>
+        <p:txBody>
+          <a:bodyPr>
+            <a:spAutoFit/>
+          </a:bodyPr>
+          <a:lstStyle/>
+          <a:p>
+            <a:r>
+              <a:rPr lang="en-US" sz="1100" dirty="0">
+                <a:latin typeface="NimbusRomNo9L"/>
+              </a:rPr>
+              <a:t>We evaluate our model in five experiments: an eval- </a:t>
+            </a:r>
+            <a:r>
+              <a:rPr lang="en-US" sz="1100" dirty="0" err="1">
+                <a:latin typeface="NimbusRomNo9L"/>
+              </a:rPr>
+              <a:t>uation</a:t>
+            </a:r>
+            <a:r>
+              <a:rPr lang="en-US" sz="1100" dirty="0">
+                <a:latin typeface="NimbusRomNo9L"/>
+              </a:rPr>
+              <a:t> of word similarity and word analogies, a com- </a:t>
+            </a:r>
+            <a:r>
+              <a:rPr lang="en-US" sz="1100" dirty="0" err="1">
+                <a:latin typeface="NimbusRomNo9L"/>
+              </a:rPr>
+              <a:t>parison</a:t>
+            </a:r>
+            <a:r>
+              <a:rPr lang="en-US" sz="1100" dirty="0">
+                <a:latin typeface="NimbusRomNo9L"/>
+              </a:rPr>
+              <a:t> to state-of-the-art methods, an analysis of the effect of the size of training data and of the size of character </a:t>
+            </a:r>
+            <a:r>
+              <a:rPr lang="en-US" sz="1100" dirty="0">
                 <a:latin typeface="CMMI10"/>
               </a:rPr>
               <a:t>n</a:t>
             </a:r>
             <a:r>
-              <a:rPr lang="en-US" dirty="0">
+              <a:rPr lang="en-US" sz="1100" dirty="0">
                 <a:latin typeface="NimbusRomNo9L"/>
               </a:rPr>
-              <a:t>-grams. A vector representation is associated to each character </a:t>
-            </a:r>
-            <a:r>
-              <a:rPr lang="en-US" dirty="0">
-                <a:latin typeface="CMMI10"/>
-              </a:rPr>
-              <a:t>n</a:t>
-            </a:r>
-            <a:r>
-              <a:rPr lang="en-US" dirty="0">
-                <a:latin typeface="NimbusRomNo9L"/>
-              </a:rPr>
-              <a:t>-gram; words being represented as the sum of these representations. Our method is fast, allowing to train models on large corpora quickly and allows us to compute word representations for words that did not appear in the training data. We evaluate our word representations on nine different languages, both on word similarity and analogy tasks. By comparing to recently proposed morphological word representations, we show that our vectors achieve state-of-the-art performance on these tasks. </a:t>
-            </a:r>
-            <a:endParaRPr lang="en-US" dirty="0"/>
-          </a:p>
-        </p:txBody>
-      </p:sp>
+              <a:t>-grams that we consider. We will de- scribe these experiments in detail in the following sections. </a:t>
+            </a:r>
+            <a:endParaRPr lang="en-US" sz="1100" dirty="0"/>
+          </a:p>
+        </p:txBody>
+      </p:sp>
+      <p:pic>
+        <p:nvPicPr>
+          <p:cNvPr id="10" name="Picture 9">
+            <a:extLst>
+              <a:ext uri="{FF2B5EF4-FFF2-40B4-BE49-F238E27FC236}">
+                <a16:creationId xmlns:a16="http://schemas.microsoft.com/office/drawing/2014/main" id="{1D31E707-FBB3-4F42-9BCC-8525933EF56E}"/>
+              </a:ext>
+            </a:extLst>
+          </p:cNvPr>
+          <p:cNvPicPr>
+            <a:picLocks noChangeAspect="1"/>
+          </p:cNvPicPr>
+          <p:nvPr/>
+        </p:nvPicPr>
+        <p:blipFill>
+          <a:blip r:embed="rId2"/>
+          <a:stretch>
+            <a:fillRect/>
+          </a:stretch>
+        </p:blipFill>
+        <p:spPr>
+          <a:xfrm>
+            <a:off x="384703" y="1367086"/>
+            <a:ext cx="2791634" cy="2500614"/>
+          </a:xfrm>
+          <a:prstGeom prst="rect">
+            <a:avLst/>
+          </a:prstGeom>
+        </p:spPr>
+      </p:pic>
     </p:spTree>
     <p:extLst>
       <p:ext uri="{BB962C8B-B14F-4D97-AF65-F5344CB8AC3E}">
-        <p14:creationId xmlns:p14="http://schemas.microsoft.com/office/powerpoint/2010/main" val="4086899568"/>
+        <p14:creationId xmlns:p14="http://schemas.microsoft.com/office/powerpoint/2010/main" val="1254982742"/>
       </p:ext>
     </p:extLst>
   </p:cSld>
@@ -8347,7 +8781,7 @@
           <p:cNvPr id="2" name="Rectangle 1">
             <a:extLst>
               <a:ext uri="{FF2B5EF4-FFF2-40B4-BE49-F238E27FC236}">
-                <a16:creationId xmlns:a16="http://schemas.microsoft.com/office/drawing/2014/main" id="{D4B0B71D-F529-7049-9D5F-AFA252194375}"/>
+                <a16:creationId xmlns:a16="http://schemas.microsoft.com/office/drawing/2014/main" id="{B5986EB7-9E4C-084D-9A56-87E64506A958}"/>
               </a:ext>
             </a:extLst>
           </p:cNvPr>
@@ -8356,8 +8790,8 @@
         </p:nvSpPr>
         <p:spPr>
           <a:xfrm>
-            <a:off x="3575573" y="989649"/>
-            <a:ext cx="1992853" cy="369332"/>
+            <a:off x="2408587" y="839337"/>
+            <a:ext cx="4326826" cy="369332"/>
           </a:xfrm>
           <a:prstGeom prst="rect">
             <a:avLst/>
@@ -8376,7 +8810,7 @@
                 </a:solidFill>
                 <a:latin typeface="Arial" panose="020B0604020202020204" pitchFamily="34" charset="0"/>
               </a:rPr>
-              <a:t>Main Contribution</a:t>
+              <a:t>Why is it relevant? Why did they write it?</a:t>
             </a:r>
             <a:endParaRPr lang="en-CO" dirty="0"/>
           </a:p>
@@ -8384,61 +8818,81 @@
       </p:sp>
       <p:sp>
         <p:nvSpPr>
-          <p:cNvPr id="3" name="TextBox 2">
+          <p:cNvPr id="3" name="Rectangle 2">
             <a:extLst>
               <a:ext uri="{FF2B5EF4-FFF2-40B4-BE49-F238E27FC236}">
-                <a16:creationId xmlns:a16="http://schemas.microsoft.com/office/drawing/2014/main" id="{14A44E5C-424F-3246-A6C9-0859BF213681}"/>
+                <a16:creationId xmlns:a16="http://schemas.microsoft.com/office/drawing/2014/main" id="{E849072D-FFEC-2D42-8362-0EF41FE22F93}"/>
               </a:ext>
             </a:extLst>
           </p:cNvPr>
-          <p:cNvSpPr txBox="1"/>
+          <p:cNvSpPr/>
           <p:nvPr/>
         </p:nvSpPr>
         <p:spPr>
           <a:xfrm>
-            <a:off x="1957093" y="2505670"/>
-            <a:ext cx="3858016" cy="1200329"/>
-          </a:xfrm>
-          <a:prstGeom prst="rect">
-            <a:avLst/>
-          </a:prstGeom>
-          <a:noFill/>
-        </p:spPr>
-        <p:txBody>
-          <a:bodyPr wrap="square" rtlCol="0">
+            <a:off x="480959" y="1503122"/>
+            <a:ext cx="8324837" cy="3693319"/>
+          </a:xfrm>
+          <a:prstGeom prst="rect">
+            <a:avLst/>
+          </a:prstGeom>
+        </p:spPr>
+        <p:txBody>
+          <a:bodyPr wrap="square">
             <a:spAutoFit/>
           </a:bodyPr>
           <a:lstStyle/>
           <a:p>
             <a:r>
-              <a:rPr lang="en-US" dirty="0"/>
-              <a:t>-</a:t>
-            </a:r>
-            <a:r>
-              <a:rPr lang="en-CO" dirty="0"/>
-              <a:t>Morphological languages.</a:t>
+              <a:rPr lang="en-US" dirty="0">
+                <a:latin typeface="NimbusRomNo9L"/>
+              </a:rPr>
+              <a:t>Continuous word representations, trained on large unlabeled corpora are useful for many natural language processing tasks. Popular models that learn such representations ignore the morphology of words, by assigning a distinct vector to each word. This is a limitation, especially for languages with large vocabularies and many rare words. In this paper, we propose a new approach based on the </a:t>
+            </a:r>
+            <a:r>
+              <a:rPr lang="en-US" dirty="0" err="1">
+                <a:latin typeface="NimbusRomNo9L"/>
+              </a:rPr>
+              <a:t>skipgram</a:t>
+            </a:r>
+            <a:r>
+              <a:rPr lang="en-US" dirty="0">
+                <a:latin typeface="NimbusRomNo9L"/>
+              </a:rPr>
+              <a:t> model, where each word is represented as a bag of character </a:t>
+            </a:r>
+            <a:r>
+              <a:rPr lang="en-US" dirty="0">
+                <a:latin typeface="CMMI10"/>
+              </a:rPr>
+              <a:t>n</a:t>
+            </a:r>
+            <a:r>
+              <a:rPr lang="en-US" dirty="0">
+                <a:latin typeface="NimbusRomNo9L"/>
+              </a:rPr>
+              <a:t>-grams. A vector representation is associated to each character </a:t>
+            </a:r>
+            <a:r>
+              <a:rPr lang="en-US" dirty="0">
+                <a:latin typeface="CMMI10"/>
+              </a:rPr>
+              <a:t>n</a:t>
+            </a:r>
+            <a:r>
+              <a:rPr lang="en-US" dirty="0">
+                <a:latin typeface="NimbusRomNo9L"/>
+              </a:rPr>
+              <a:t>-gram; words being represented as the sum of these representations. Our method is fast, allowing to train models on large corpora quickly and allows us to compute word representations for words that did not appear in the training data. We evaluate our word representations on nine different languages, both on word similarity and analogy tasks. By comparing to recently proposed morphological word representations, we show that our vectors achieve state-of-the-art performance on these tasks. </a:t>
             </a:r>
             <a:endParaRPr lang="en-US" dirty="0"/>
-          </a:p>
-          <a:p>
-            <a:r>
-              <a:rPr lang="en-US" dirty="0"/>
-              <a:t>-Good word representations with smaller datasets (Ref. Sect. 5.4)</a:t>
-            </a:r>
-          </a:p>
-          <a:p>
-            <a:r>
-              <a:rPr lang="en-US" dirty="0"/>
-              <a:t>-Good rare word representations</a:t>
-            </a:r>
-            <a:endParaRPr lang="en-CO" dirty="0"/>
           </a:p>
         </p:txBody>
       </p:sp>
     </p:spTree>
     <p:extLst>
       <p:ext uri="{BB962C8B-B14F-4D97-AF65-F5344CB8AC3E}">
-        <p14:creationId xmlns:p14="http://schemas.microsoft.com/office/powerpoint/2010/main" val="2066232038"/>
+        <p14:creationId xmlns:p14="http://schemas.microsoft.com/office/powerpoint/2010/main" val="4086899568"/>
       </p:ext>
     </p:extLst>
   </p:cSld>
@@ -8543,7 +8997,7 @@
           <p:cNvPr id="2" name="Rectangle 1">
             <a:extLst>
               <a:ext uri="{FF2B5EF4-FFF2-40B4-BE49-F238E27FC236}">
-                <a16:creationId xmlns:a16="http://schemas.microsoft.com/office/drawing/2014/main" id="{970F4C1E-B101-E249-B27C-F6658E5055B6}"/>
+                <a16:creationId xmlns:a16="http://schemas.microsoft.com/office/drawing/2014/main" id="{D4B0B71D-F529-7049-9D5F-AFA252194375}"/>
               </a:ext>
             </a:extLst>
           </p:cNvPr>
@@ -8552,8 +9006,8 @@
         </p:nvSpPr>
         <p:spPr>
           <a:xfrm>
-            <a:off x="3145968" y="952071"/>
-            <a:ext cx="2852063" cy="369332"/>
+            <a:off x="3575573" y="989649"/>
+            <a:ext cx="1992853" cy="369332"/>
           </a:xfrm>
           <a:prstGeom prst="rect">
             <a:avLst/>
@@ -8572,7 +9026,7 @@
                 </a:solidFill>
                 <a:latin typeface="Arial" panose="020B0604020202020204" pitchFamily="34" charset="0"/>
               </a:rPr>
-              <a:t>Is there an error analysis?</a:t>
+              <a:t>Main Contribution</a:t>
             </a:r>
             <a:endParaRPr lang="en-CO" dirty="0"/>
           </a:p>
@@ -8583,7 +9037,7 @@
           <p:cNvPr id="3" name="TextBox 2">
             <a:extLst>
               <a:ext uri="{FF2B5EF4-FFF2-40B4-BE49-F238E27FC236}">
-                <a16:creationId xmlns:a16="http://schemas.microsoft.com/office/drawing/2014/main" id="{9E362691-9CBA-9441-ABD2-D534EED432F1}"/>
+                <a16:creationId xmlns:a16="http://schemas.microsoft.com/office/drawing/2014/main" id="{14A44E5C-424F-3246-A6C9-0859BF213681}"/>
               </a:ext>
             </a:extLst>
           </p:cNvPr>
@@ -8592,8 +9046,8 @@
         </p:nvSpPr>
         <p:spPr>
           <a:xfrm>
-            <a:off x="1934942" y="1321403"/>
-            <a:ext cx="3056350" cy="369332"/>
+            <a:off x="1957093" y="2505670"/>
+            <a:ext cx="3858016" cy="1200329"/>
           </a:xfrm>
           <a:prstGeom prst="rect">
             <a:avLst/>
@@ -8607,240 +9061,25 @@
           <a:lstStyle/>
           <a:p>
             <a:r>
+              <a:rPr lang="en-US" dirty="0"/>
+              <a:t>-</a:t>
+            </a:r>
+            <a:r>
               <a:rPr lang="en-CO" dirty="0"/>
-              <a:t>NOUP</a:t>
-            </a:r>
-          </a:p>
-        </p:txBody>
-      </p:sp>
-      <p:sp>
-        <p:nvSpPr>
-          <p:cNvPr id="4" name="Rectangle 3">
-            <a:extLst>
-              <a:ext uri="{FF2B5EF4-FFF2-40B4-BE49-F238E27FC236}">
-                <a16:creationId xmlns:a16="http://schemas.microsoft.com/office/drawing/2014/main" id="{DE089639-291C-401D-939D-056AFCEF525D}"/>
-              </a:ext>
-            </a:extLst>
-          </p:cNvPr>
-          <p:cNvSpPr/>
-          <p:nvPr/>
-        </p:nvSpPr>
-        <p:spPr>
-          <a:xfrm>
-            <a:off x="2530414" y="1802918"/>
-            <a:ext cx="4083169" cy="369332"/>
-          </a:xfrm>
-          <a:prstGeom prst="rect">
-            <a:avLst/>
-          </a:prstGeom>
-        </p:spPr>
-        <p:txBody>
-          <a:bodyPr wrap="none">
-            <a:spAutoFit/>
-          </a:bodyPr>
-          <a:lstStyle/>
-          <a:p>
-            <a:r>
-              <a:rPr lang="en-US" dirty="0">
-                <a:solidFill>
-                  <a:srgbClr val="000000"/>
-                </a:solidFill>
-                <a:latin typeface="Arial" panose="020B0604020202020204" pitchFamily="34" charset="0"/>
-              </a:rPr>
-              <a:t>Do you believe it? Do I see problems?</a:t>
-            </a:r>
-            <a:endParaRPr lang="en-CO" dirty="0"/>
-          </a:p>
-        </p:txBody>
-      </p:sp>
-      <p:sp>
-        <p:nvSpPr>
-          <p:cNvPr id="5" name="TextBox 4">
-            <a:extLst>
-              <a:ext uri="{FF2B5EF4-FFF2-40B4-BE49-F238E27FC236}">
-                <a16:creationId xmlns:a16="http://schemas.microsoft.com/office/drawing/2014/main" id="{6B09CAD0-7D4F-40DA-A9EA-40537C023124}"/>
-              </a:ext>
-            </a:extLst>
-          </p:cNvPr>
-          <p:cNvSpPr txBox="1"/>
-          <p:nvPr/>
-        </p:nvSpPr>
-        <p:spPr>
-          <a:xfrm>
-            <a:off x="1760394" y="2284433"/>
-            <a:ext cx="5022780" cy="369332"/>
-          </a:xfrm>
-          <a:prstGeom prst="rect">
-            <a:avLst/>
-          </a:prstGeom>
-          <a:noFill/>
-        </p:spPr>
-        <p:txBody>
-          <a:bodyPr wrap="square" rtlCol="0">
-            <a:spAutoFit/>
-          </a:bodyPr>
-          <a:lstStyle/>
-          <a:p>
-            <a:r>
-              <a:rPr lang="en-CO" dirty="0"/>
-              <a:t>YES / there is no error</a:t>
-            </a:r>
-          </a:p>
-        </p:txBody>
-      </p:sp>
-      <p:sp>
-        <p:nvSpPr>
-          <p:cNvPr id="7" name="Rectangle 6">
-            <a:extLst>
-              <a:ext uri="{FF2B5EF4-FFF2-40B4-BE49-F238E27FC236}">
-                <a16:creationId xmlns:a16="http://schemas.microsoft.com/office/drawing/2014/main" id="{2F21BB49-9FA5-47DD-9840-D18AF40A5F18}"/>
-              </a:ext>
-            </a:extLst>
-          </p:cNvPr>
-          <p:cNvSpPr/>
-          <p:nvPr/>
-        </p:nvSpPr>
-        <p:spPr>
-          <a:xfrm>
-            <a:off x="3145968" y="2765948"/>
-            <a:ext cx="2441694" cy="369332"/>
-          </a:xfrm>
-          <a:prstGeom prst="rect">
-            <a:avLst/>
-          </a:prstGeom>
-        </p:spPr>
-        <p:txBody>
-          <a:bodyPr wrap="none">
-            <a:spAutoFit/>
-          </a:bodyPr>
-          <a:lstStyle/>
-          <a:p>
-            <a:r>
-              <a:rPr lang="en-US" dirty="0">
-                <a:solidFill>
-                  <a:srgbClr val="000000"/>
-                </a:solidFill>
-                <a:latin typeface="Arial" panose="020B0604020202020204" pitchFamily="34" charset="0"/>
-              </a:rPr>
-              <a:t>Where do they cheat?</a:t>
-            </a:r>
-            <a:endParaRPr lang="en-CO" dirty="0"/>
-          </a:p>
-        </p:txBody>
-      </p:sp>
-      <p:sp>
-        <p:nvSpPr>
-          <p:cNvPr id="9" name="TextBox 8">
-            <a:extLst>
-              <a:ext uri="{FF2B5EF4-FFF2-40B4-BE49-F238E27FC236}">
-                <a16:creationId xmlns:a16="http://schemas.microsoft.com/office/drawing/2014/main" id="{569C0C34-BE50-4200-8B14-F24FC28834D8}"/>
-              </a:ext>
-            </a:extLst>
-          </p:cNvPr>
-          <p:cNvSpPr txBox="1"/>
-          <p:nvPr/>
-        </p:nvSpPr>
-        <p:spPr>
-          <a:xfrm>
-            <a:off x="1934942" y="3247463"/>
-            <a:ext cx="4421687" cy="646331"/>
-          </a:xfrm>
-          <a:prstGeom prst="rect">
-            <a:avLst/>
-          </a:prstGeom>
-          <a:noFill/>
-        </p:spPr>
-        <p:txBody>
-          <a:bodyPr wrap="square" rtlCol="0">
-            <a:spAutoFit/>
-          </a:bodyPr>
-          <a:lstStyle/>
+              <a:t>Morphological languages.</a:t>
+            </a:r>
+            <a:endParaRPr lang="en-US" dirty="0"/>
+          </a:p>
           <a:p>
             <a:r>
               <a:rPr lang="en-US" dirty="0"/>
-              <a:t>W</a:t>
-            </a:r>
-            <a:r>
-              <a:rPr lang="en-CO" dirty="0"/>
-              <a:t>ith the error</a:t>
-            </a:r>
-            <a:endParaRPr lang="en-US" dirty="0"/>
+              <a:t>-Good word representations with smaller datasets (Ref. Sect. 5.4)</a:t>
+            </a:r>
           </a:p>
           <a:p>
             <a:r>
               <a:rPr lang="en-US" dirty="0"/>
-              <a:t>“Hand picked examples”</a:t>
-            </a:r>
-            <a:endParaRPr lang="en-CO" dirty="0"/>
-          </a:p>
-        </p:txBody>
-      </p:sp>
-      <p:sp>
-        <p:nvSpPr>
-          <p:cNvPr id="11" name="TextBox 10">
-            <a:extLst>
-              <a:ext uri="{FF2B5EF4-FFF2-40B4-BE49-F238E27FC236}">
-                <a16:creationId xmlns:a16="http://schemas.microsoft.com/office/drawing/2014/main" id="{AD61F5CE-1FBE-4ED9-8F74-F02C38AE36EE}"/>
-              </a:ext>
-            </a:extLst>
-          </p:cNvPr>
-          <p:cNvSpPr txBox="1"/>
-          <p:nvPr/>
-        </p:nvSpPr>
-        <p:spPr>
-          <a:xfrm>
-            <a:off x="1859785" y="4171647"/>
-            <a:ext cx="4572000" cy="923330"/>
-          </a:xfrm>
-          <a:prstGeom prst="rect">
-            <a:avLst/>
-          </a:prstGeom>
-          <a:noFill/>
-        </p:spPr>
-        <p:txBody>
-          <a:bodyPr wrap="square">
-            <a:spAutoFit/>
-          </a:bodyPr>
-          <a:lstStyle/>
-          <a:p>
-            <a:r>
-              <a:rPr lang="en-US" dirty="0"/>
-              <a:t>This method lacks the contextual information gathered in the RNN or Transformer models</a:t>
-            </a:r>
-          </a:p>
-        </p:txBody>
-      </p:sp>
-      <p:sp>
-        <p:nvSpPr>
-          <p:cNvPr id="13" name="TextBox 12">
-            <a:extLst>
-              <a:ext uri="{FF2B5EF4-FFF2-40B4-BE49-F238E27FC236}">
-                <a16:creationId xmlns:a16="http://schemas.microsoft.com/office/drawing/2014/main" id="{BB00BD7D-BE08-465D-A3D5-05930DDDBBDB}"/>
-              </a:ext>
-            </a:extLst>
-          </p:cNvPr>
-          <p:cNvSpPr txBox="1"/>
-          <p:nvPr/>
-        </p:nvSpPr>
-        <p:spPr>
-          <a:xfrm>
-            <a:off x="2530414" y="3854948"/>
-            <a:ext cx="4421687" cy="369332"/>
-          </a:xfrm>
-          <a:prstGeom prst="rect">
-            <a:avLst/>
-          </a:prstGeom>
-          <a:noFill/>
-        </p:spPr>
-        <p:txBody>
-          <a:bodyPr wrap="square" rtlCol="0">
-            <a:spAutoFit/>
-          </a:bodyPr>
-          <a:lstStyle/>
-          <a:p>
-            <a:r>
-              <a:rPr lang="en-US" dirty="0"/>
-              <a:t>What are the weaknesses?</a:t>
+              <a:t>-Good rare word representations</a:t>
             </a:r>
             <a:endParaRPr lang="en-CO" dirty="0"/>
           </a:p>
@@ -8849,7 +9088,7 @@
     </p:spTree>
     <p:extLst>
       <p:ext uri="{BB962C8B-B14F-4D97-AF65-F5344CB8AC3E}">
-        <p14:creationId xmlns:p14="http://schemas.microsoft.com/office/powerpoint/2010/main" val="66866511"/>
+        <p14:creationId xmlns:p14="http://schemas.microsoft.com/office/powerpoint/2010/main" val="2066232038"/>
       </p:ext>
     </p:extLst>
   </p:cSld>
@@ -8954,7 +9193,7 @@
           <p:cNvPr id="2" name="Rectangle 1">
             <a:extLst>
               <a:ext uri="{FF2B5EF4-FFF2-40B4-BE49-F238E27FC236}">
-                <a16:creationId xmlns:a16="http://schemas.microsoft.com/office/drawing/2014/main" id="{DF0DC0D4-49B4-1741-8362-B00EFBBC09B5}"/>
+                <a16:creationId xmlns:a16="http://schemas.microsoft.com/office/drawing/2014/main" id="{970F4C1E-B101-E249-B27C-F6658E5055B6}"/>
               </a:ext>
             </a:extLst>
           </p:cNvPr>
@@ -8963,29 +9202,19 @@
         </p:nvSpPr>
         <p:spPr>
           <a:xfrm>
-            <a:off x="933188" y="863676"/>
-            <a:ext cx="7729851" cy="369332"/>
-          </a:xfrm>
-          <a:prstGeom prst="rect">
-            <a:avLst/>
-          </a:prstGeom>
-        </p:spPr>
-        <p:txBody>
-          <a:bodyPr wrap="square">
+            <a:off x="3145968" y="952071"/>
+            <a:ext cx="2852063" cy="369332"/>
+          </a:xfrm>
+          <a:prstGeom prst="rect">
+            <a:avLst/>
+          </a:prstGeom>
+        </p:spPr>
+        <p:txBody>
+          <a:bodyPr wrap="none">
             <a:spAutoFit/>
           </a:bodyPr>
           <a:lstStyle/>
           <a:p>
-            <a:pPr algn="ctr"/>
-            <a:r>
-              <a:rPr lang="en-US" dirty="0" err="1">
-                <a:solidFill>
-                  <a:srgbClr val="000000"/>
-                </a:solidFill>
-                <a:latin typeface="Arial" panose="020B0604020202020204" pitchFamily="34" charset="0"/>
-              </a:rPr>
-              <a:t>Fasttext</a:t>
-            </a:r>
             <a:r>
               <a:rPr lang="en-US" dirty="0">
                 <a:solidFill>
@@ -8993,78 +9222,18 @@
                 </a:solidFill>
                 <a:latin typeface="Arial" panose="020B0604020202020204" pitchFamily="34" charset="0"/>
               </a:rPr>
-              <a:t> Examples</a:t>
+              <a:t>Is there an error analysis?</a:t>
             </a:r>
             <a:endParaRPr lang="en-CO" dirty="0"/>
           </a:p>
         </p:txBody>
       </p:sp>
-      <p:pic>
-        <p:nvPicPr>
-          <p:cNvPr id="4" name="Picture 3">
+      <p:sp>
+        <p:nvSpPr>
+          <p:cNvPr id="3" name="TextBox 2">
             <a:extLst>
               <a:ext uri="{FF2B5EF4-FFF2-40B4-BE49-F238E27FC236}">
-                <a16:creationId xmlns:a16="http://schemas.microsoft.com/office/drawing/2014/main" id="{A9FC667C-057C-354C-BAFE-9B145289CA1B}"/>
-              </a:ext>
-            </a:extLst>
-          </p:cNvPr>
-          <p:cNvPicPr>
-            <a:picLocks noChangeAspect="1"/>
-          </p:cNvPicPr>
-          <p:nvPr/>
-        </p:nvPicPr>
-        <p:blipFill>
-          <a:blip r:embed="rId3"/>
-          <a:stretch>
-            <a:fillRect/>
-          </a:stretch>
-        </p:blipFill>
-        <p:spPr>
-          <a:xfrm>
-            <a:off x="167275" y="1233008"/>
-            <a:ext cx="4252393" cy="2975737"/>
-          </a:xfrm>
-          <a:prstGeom prst="rect">
-            <a:avLst/>
-          </a:prstGeom>
-        </p:spPr>
-      </p:pic>
-      <p:pic>
-        <p:nvPicPr>
-          <p:cNvPr id="5" name="Picture 4">
-            <a:extLst>
-              <a:ext uri="{FF2B5EF4-FFF2-40B4-BE49-F238E27FC236}">
-                <a16:creationId xmlns:a16="http://schemas.microsoft.com/office/drawing/2014/main" id="{07A54D51-0488-EC4F-8BD4-FD2A2DBA041D}"/>
-              </a:ext>
-            </a:extLst>
-          </p:cNvPr>
-          <p:cNvPicPr>
-            <a:picLocks noChangeAspect="1"/>
-          </p:cNvPicPr>
-          <p:nvPr/>
-        </p:nvPicPr>
-        <p:blipFill>
-          <a:blip r:embed="rId4"/>
-          <a:stretch>
-            <a:fillRect/>
-          </a:stretch>
-        </p:blipFill>
-        <p:spPr>
-          <a:xfrm>
-            <a:off x="3649846" y="4391542"/>
-            <a:ext cx="5013193" cy="1934102"/>
-          </a:xfrm>
-          <a:prstGeom prst="rect">
-            <a:avLst/>
-          </a:prstGeom>
-        </p:spPr>
-      </p:pic>
-      <p:sp>
-        <p:nvSpPr>
-          <p:cNvPr id="8" name="TextBox 7">
-            <a:extLst>
-              <a:ext uri="{FF2B5EF4-FFF2-40B4-BE49-F238E27FC236}">
-                <a16:creationId xmlns:a16="http://schemas.microsoft.com/office/drawing/2014/main" id="{7D945008-27F5-7640-8275-ECBF2CFF76F4}"/>
+                <a16:creationId xmlns:a16="http://schemas.microsoft.com/office/drawing/2014/main" id="{9E362691-9CBA-9441-ABD2-D534EED432F1}"/>
               </a:ext>
             </a:extLst>
           </p:cNvPr>
@@ -9073,8 +9242,8 @@
         </p:nvSpPr>
         <p:spPr>
           <a:xfrm>
-            <a:off x="4747364" y="1540701"/>
-            <a:ext cx="4396636" cy="1477328"/>
+            <a:off x="1934942" y="1321403"/>
+            <a:ext cx="3056350" cy="369332"/>
           </a:xfrm>
           <a:prstGeom prst="rect">
             <a:avLst/>
@@ -9089,56 +9258,57 @@
           <a:p>
             <a:r>
               <a:rPr lang="en-CO" dirty="0"/>
-              <a:t>The libraries used are:</a:t>
-            </a:r>
-          </a:p>
-          <a:p>
-            <a:endParaRPr lang="en-CO" dirty="0"/>
-          </a:p>
-          <a:p>
-            <a:r>
-              <a:rPr lang="en-US" dirty="0"/>
-              <a:t>G</a:t>
-            </a:r>
-            <a:r>
-              <a:rPr lang="en-CO" dirty="0"/>
-              <a:t>ensim.models.fastext </a:t>
-            </a:r>
-          </a:p>
-          <a:p>
-            <a:r>
-              <a:rPr lang="en-US" dirty="0"/>
-              <a:t>N</a:t>
-            </a:r>
-            <a:r>
-              <a:rPr lang="en-CO" dirty="0"/>
-              <a:t>ltk </a:t>
-            </a:r>
-            <a:r>
-              <a:rPr lang="en-CO" dirty="0">
-                <a:sym typeface="Wingdings" pitchFamily="2" charset="2"/>
-              </a:rPr>
-              <a:t> natural language toolkit</a:t>
-            </a:r>
-          </a:p>
-          <a:p>
-            <a:r>
-              <a:rPr lang="en-US" dirty="0"/>
-              <a:t>W</a:t>
-            </a:r>
-            <a:r>
-              <a:rPr lang="en-CO" dirty="0"/>
-              <a:t>ikipedia</a:t>
-            </a:r>
-          </a:p>
-        </p:txBody>
-      </p:sp>
-      <p:sp>
-        <p:nvSpPr>
-          <p:cNvPr id="9" name="TextBox 8">
+              <a:t>NOUP</a:t>
+            </a:r>
+          </a:p>
+        </p:txBody>
+      </p:sp>
+      <p:sp>
+        <p:nvSpPr>
+          <p:cNvPr id="4" name="Rectangle 3">
             <a:extLst>
               <a:ext uri="{FF2B5EF4-FFF2-40B4-BE49-F238E27FC236}">
-                <a16:creationId xmlns:a16="http://schemas.microsoft.com/office/drawing/2014/main" id="{BC94886B-E742-AB40-A539-4479C79C8C30}"/>
+                <a16:creationId xmlns:a16="http://schemas.microsoft.com/office/drawing/2014/main" id="{DE089639-291C-401D-939D-056AFCEF525D}"/>
+              </a:ext>
+            </a:extLst>
+          </p:cNvPr>
+          <p:cNvSpPr/>
+          <p:nvPr/>
+        </p:nvSpPr>
+        <p:spPr>
+          <a:xfrm>
+            <a:off x="2530414" y="1802918"/>
+            <a:ext cx="4083169" cy="369332"/>
+          </a:xfrm>
+          <a:prstGeom prst="rect">
+            <a:avLst/>
+          </a:prstGeom>
+        </p:spPr>
+        <p:txBody>
+          <a:bodyPr wrap="none">
+            <a:spAutoFit/>
+          </a:bodyPr>
+          <a:lstStyle/>
+          <a:p>
+            <a:r>
+              <a:rPr lang="en-US" dirty="0">
+                <a:solidFill>
+                  <a:srgbClr val="000000"/>
+                </a:solidFill>
+                <a:latin typeface="Arial" panose="020B0604020202020204" pitchFamily="34" charset="0"/>
+              </a:rPr>
+              <a:t>Do you believe it? Do I see problems?</a:t>
+            </a:r>
+            <a:endParaRPr lang="en-CO" dirty="0"/>
+          </a:p>
+        </p:txBody>
+      </p:sp>
+      <p:sp>
+        <p:nvSpPr>
+          <p:cNvPr id="5" name="TextBox 4">
+            <a:extLst>
+              <a:ext uri="{FF2B5EF4-FFF2-40B4-BE49-F238E27FC236}">
+                <a16:creationId xmlns:a16="http://schemas.microsoft.com/office/drawing/2014/main" id="{6B09CAD0-7D4F-40DA-A9EA-40537C023124}"/>
               </a:ext>
             </a:extLst>
           </p:cNvPr>
@@ -9147,8 +9317,8 @@
         </p:nvSpPr>
         <p:spPr>
           <a:xfrm>
-            <a:off x="480961" y="5301826"/>
-            <a:ext cx="2555309" cy="646331"/>
+            <a:off x="1760394" y="2284433"/>
+            <a:ext cx="5022780" cy="369332"/>
           </a:xfrm>
           <a:prstGeom prst="rect">
             <a:avLst/>
@@ -9162,8 +9332,165 @@
           <a:lstStyle/>
           <a:p>
             <a:r>
+              <a:rPr lang="en-CO" dirty="0"/>
+              <a:t>YES / there is no error</a:t>
+            </a:r>
+          </a:p>
+        </p:txBody>
+      </p:sp>
+      <p:sp>
+        <p:nvSpPr>
+          <p:cNvPr id="7" name="Rectangle 6">
+            <a:extLst>
+              <a:ext uri="{FF2B5EF4-FFF2-40B4-BE49-F238E27FC236}">
+                <a16:creationId xmlns:a16="http://schemas.microsoft.com/office/drawing/2014/main" id="{2F21BB49-9FA5-47DD-9840-D18AF40A5F18}"/>
+              </a:ext>
+            </a:extLst>
+          </p:cNvPr>
+          <p:cNvSpPr/>
+          <p:nvPr/>
+        </p:nvSpPr>
+        <p:spPr>
+          <a:xfrm>
+            <a:off x="3145968" y="2765948"/>
+            <a:ext cx="2441694" cy="369332"/>
+          </a:xfrm>
+          <a:prstGeom prst="rect">
+            <a:avLst/>
+          </a:prstGeom>
+        </p:spPr>
+        <p:txBody>
+          <a:bodyPr wrap="none">
+            <a:spAutoFit/>
+          </a:bodyPr>
+          <a:lstStyle/>
+          <a:p>
+            <a:r>
+              <a:rPr lang="en-US" dirty="0">
+                <a:solidFill>
+                  <a:srgbClr val="000000"/>
+                </a:solidFill>
+                <a:latin typeface="Arial" panose="020B0604020202020204" pitchFamily="34" charset="0"/>
+              </a:rPr>
+              <a:t>Where do they cheat?</a:t>
+            </a:r>
+            <a:endParaRPr lang="en-CO" dirty="0"/>
+          </a:p>
+        </p:txBody>
+      </p:sp>
+      <p:sp>
+        <p:nvSpPr>
+          <p:cNvPr id="9" name="TextBox 8">
+            <a:extLst>
+              <a:ext uri="{FF2B5EF4-FFF2-40B4-BE49-F238E27FC236}">
+                <a16:creationId xmlns:a16="http://schemas.microsoft.com/office/drawing/2014/main" id="{569C0C34-BE50-4200-8B14-F24FC28834D8}"/>
+              </a:ext>
+            </a:extLst>
+          </p:cNvPr>
+          <p:cNvSpPr txBox="1"/>
+          <p:nvPr/>
+        </p:nvSpPr>
+        <p:spPr>
+          <a:xfrm>
+            <a:off x="1934942" y="3247463"/>
+            <a:ext cx="4421687" cy="646331"/>
+          </a:xfrm>
+          <a:prstGeom prst="rect">
+            <a:avLst/>
+          </a:prstGeom>
+          <a:noFill/>
+        </p:spPr>
+        <p:txBody>
+          <a:bodyPr wrap="square" rtlCol="0">
+            <a:spAutoFit/>
+          </a:bodyPr>
+          <a:lstStyle/>
+          <a:p>
+            <a:r>
               <a:rPr lang="en-US" dirty="0"/>
-              <a:t>Scrap some Wikipedia pages</a:t>
+              <a:t>W</a:t>
+            </a:r>
+            <a:r>
+              <a:rPr lang="en-CO" dirty="0"/>
+              <a:t>ith the error</a:t>
+            </a:r>
+            <a:endParaRPr lang="en-US" dirty="0"/>
+          </a:p>
+          <a:p>
+            <a:r>
+              <a:rPr lang="en-US" dirty="0"/>
+              <a:t>“Hand picked examples”</a:t>
+            </a:r>
+            <a:endParaRPr lang="en-CO" dirty="0"/>
+          </a:p>
+        </p:txBody>
+      </p:sp>
+      <p:sp>
+        <p:nvSpPr>
+          <p:cNvPr id="11" name="TextBox 10">
+            <a:extLst>
+              <a:ext uri="{FF2B5EF4-FFF2-40B4-BE49-F238E27FC236}">
+                <a16:creationId xmlns:a16="http://schemas.microsoft.com/office/drawing/2014/main" id="{AD61F5CE-1FBE-4ED9-8F74-F02C38AE36EE}"/>
+              </a:ext>
+            </a:extLst>
+          </p:cNvPr>
+          <p:cNvSpPr txBox="1"/>
+          <p:nvPr/>
+        </p:nvSpPr>
+        <p:spPr>
+          <a:xfrm>
+            <a:off x="1859785" y="4171647"/>
+            <a:ext cx="4572000" cy="923330"/>
+          </a:xfrm>
+          <a:prstGeom prst="rect">
+            <a:avLst/>
+          </a:prstGeom>
+          <a:noFill/>
+        </p:spPr>
+        <p:txBody>
+          <a:bodyPr wrap="square">
+            <a:spAutoFit/>
+          </a:bodyPr>
+          <a:lstStyle/>
+          <a:p>
+            <a:r>
+              <a:rPr lang="en-US" dirty="0"/>
+              <a:t>This method lacks the contextual information gathered in the RNN or Transformer models</a:t>
+            </a:r>
+          </a:p>
+        </p:txBody>
+      </p:sp>
+      <p:sp>
+        <p:nvSpPr>
+          <p:cNvPr id="13" name="TextBox 12">
+            <a:extLst>
+              <a:ext uri="{FF2B5EF4-FFF2-40B4-BE49-F238E27FC236}">
+                <a16:creationId xmlns:a16="http://schemas.microsoft.com/office/drawing/2014/main" id="{BB00BD7D-BE08-465D-A3D5-05930DDDBBDB}"/>
+              </a:ext>
+            </a:extLst>
+          </p:cNvPr>
+          <p:cNvSpPr txBox="1"/>
+          <p:nvPr/>
+        </p:nvSpPr>
+        <p:spPr>
+          <a:xfrm>
+            <a:off x="2530414" y="3854948"/>
+            <a:ext cx="4421687" cy="369332"/>
+          </a:xfrm>
+          <a:prstGeom prst="rect">
+            <a:avLst/>
+          </a:prstGeom>
+          <a:noFill/>
+        </p:spPr>
+        <p:txBody>
+          <a:bodyPr wrap="square" rtlCol="0">
+            <a:spAutoFit/>
+          </a:bodyPr>
+          <a:lstStyle/>
+          <a:p>
+            <a:r>
+              <a:rPr lang="en-US" dirty="0"/>
+              <a:t>What are the weaknesses?</a:t>
             </a:r>
             <a:endParaRPr lang="en-CO" dirty="0"/>
           </a:p>
@@ -9172,7 +9499,7 @@
     </p:spTree>
     <p:extLst>
       <p:ext uri="{BB962C8B-B14F-4D97-AF65-F5344CB8AC3E}">
-        <p14:creationId xmlns:p14="http://schemas.microsoft.com/office/powerpoint/2010/main" val="2277068510"/>
+        <p14:creationId xmlns:p14="http://schemas.microsoft.com/office/powerpoint/2010/main" val="66866511"/>
       </p:ext>
     </p:extLst>
   </p:cSld>
@@ -9324,10 +9651,10 @@
       </p:sp>
       <p:pic>
         <p:nvPicPr>
-          <p:cNvPr id="6" name="Picture 5">
+          <p:cNvPr id="4" name="Picture 3">
             <a:extLst>
               <a:ext uri="{FF2B5EF4-FFF2-40B4-BE49-F238E27FC236}">
-                <a16:creationId xmlns:a16="http://schemas.microsoft.com/office/drawing/2014/main" id="{C5BF4776-FCC8-434A-9922-46A7EF0CBB39}"/>
+                <a16:creationId xmlns:a16="http://schemas.microsoft.com/office/drawing/2014/main" id="{A9FC667C-057C-354C-BAFE-9B145289CA1B}"/>
               </a:ext>
             </a:extLst>
           </p:cNvPr>
@@ -9344,20 +9671,50 @@
         </p:blipFill>
         <p:spPr>
           <a:xfrm>
-            <a:off x="2618583" y="1233008"/>
-            <a:ext cx="6325001" cy="5245854"/>
+            <a:off x="167275" y="1233008"/>
+            <a:ext cx="4252393" cy="2975737"/>
           </a:xfrm>
           <a:prstGeom prst="rect">
             <a:avLst/>
           </a:prstGeom>
         </p:spPr>
       </p:pic>
-      <p:sp>
-        <p:nvSpPr>
-          <p:cNvPr id="3" name="TextBox 2">
+      <p:pic>
+        <p:nvPicPr>
+          <p:cNvPr id="5" name="Picture 4">
             <a:extLst>
               <a:ext uri="{FF2B5EF4-FFF2-40B4-BE49-F238E27FC236}">
-                <a16:creationId xmlns:a16="http://schemas.microsoft.com/office/drawing/2014/main" id="{9E5AEE7E-4162-B44D-8059-2F8AE3C78036}"/>
+                <a16:creationId xmlns:a16="http://schemas.microsoft.com/office/drawing/2014/main" id="{07A54D51-0488-EC4F-8BD4-FD2A2DBA041D}"/>
+              </a:ext>
+            </a:extLst>
+          </p:cNvPr>
+          <p:cNvPicPr>
+            <a:picLocks noChangeAspect="1"/>
+          </p:cNvPicPr>
+          <p:nvPr/>
+        </p:nvPicPr>
+        <p:blipFill>
+          <a:blip r:embed="rId4"/>
+          <a:stretch>
+            <a:fillRect/>
+          </a:stretch>
+        </p:blipFill>
+        <p:spPr>
+          <a:xfrm>
+            <a:off x="3649846" y="4391542"/>
+            <a:ext cx="5013193" cy="1934102"/>
+          </a:xfrm>
+          <a:prstGeom prst="rect">
+            <a:avLst/>
+          </a:prstGeom>
+        </p:spPr>
+      </p:pic>
+      <p:sp>
+        <p:nvSpPr>
+          <p:cNvPr id="8" name="TextBox 7">
+            <a:extLst>
+              <a:ext uri="{FF2B5EF4-FFF2-40B4-BE49-F238E27FC236}">
+                <a16:creationId xmlns:a16="http://schemas.microsoft.com/office/drawing/2014/main" id="{7D945008-27F5-7640-8275-ECBF2CFF76F4}"/>
               </a:ext>
             </a:extLst>
           </p:cNvPr>
@@ -9366,8 +9723,8 @@
         </p:nvSpPr>
         <p:spPr>
           <a:xfrm>
-            <a:off x="263047" y="1233008"/>
-            <a:ext cx="2229632" cy="4801314"/>
+            <a:off x="4747364" y="1540701"/>
+            <a:ext cx="4396636" cy="1477328"/>
           </a:xfrm>
           <a:prstGeom prst="rect">
             <a:avLst/>
@@ -9381,63 +9738,123 @@
           <a:lstStyle/>
           <a:p>
             <a:r>
+              <a:rPr lang="en-CO" dirty="0"/>
+              <a:t>The libraries used are:</a:t>
+            </a:r>
+          </a:p>
+          <a:p>
+            <a:endParaRPr lang="en-CO" dirty="0"/>
+          </a:p>
+          <a:p>
+            <a:r>
               <a:rPr lang="en-US" dirty="0"/>
-              <a:t>Preprocessing:</a:t>
-            </a:r>
-          </a:p>
-          <a:p>
-            <a:pPr marL="285750" indent="-285750">
-              <a:buFontTx/>
-              <a:buChar char="-"/>
-            </a:pPr>
+              <a:t>G</a:t>
+            </a:r>
+            <a:r>
+              <a:rPr lang="en-CO" dirty="0"/>
+              <a:t>ensim.models.fastext </a:t>
+            </a:r>
+          </a:p>
+          <a:p>
             <a:r>
               <a:rPr lang="en-US" dirty="0"/>
-              <a:t>All to lower case</a:t>
-            </a:r>
-          </a:p>
-          <a:p>
-            <a:pPr marL="285750" indent="-285750">
-              <a:buFontTx/>
-              <a:buChar char="-"/>
-            </a:pPr>
+              <a:t>N</a:t>
+            </a:r>
+            <a:r>
+              <a:rPr lang="en-CO" dirty="0"/>
+              <a:t>ltk </a:t>
+            </a:r>
+            <a:r>
+              <a:rPr lang="en-CO" dirty="0">
+                <a:sym typeface="Wingdings" pitchFamily="2" charset="2"/>
+              </a:rPr>
+              <a:t> natural language toolkit</a:t>
+            </a:r>
+          </a:p>
+          <a:p>
             <a:r>
               <a:rPr lang="en-US" dirty="0"/>
-              <a:t>All to root form</a:t>
-            </a:r>
-          </a:p>
-          <a:p>
-            <a:pPr marL="285750" indent="-285750">
-              <a:buFontTx/>
-              <a:buChar char="-"/>
-            </a:pPr>
+              <a:t>W</a:t>
+            </a:r>
+            <a:r>
+              <a:rPr lang="en-CO" dirty="0"/>
+              <a:t>ikipedia</a:t>
+            </a:r>
+          </a:p>
+        </p:txBody>
+      </p:sp>
+      <p:sp>
+        <p:nvSpPr>
+          <p:cNvPr id="9" name="TextBox 8">
+            <a:extLst>
+              <a:ext uri="{FF2B5EF4-FFF2-40B4-BE49-F238E27FC236}">
+                <a16:creationId xmlns:a16="http://schemas.microsoft.com/office/drawing/2014/main" id="{BC94886B-E742-AB40-A539-4479C79C8C30}"/>
+              </a:ext>
+            </a:extLst>
+          </p:cNvPr>
+          <p:cNvSpPr txBox="1"/>
+          <p:nvPr/>
+        </p:nvSpPr>
+        <p:spPr>
+          <a:xfrm>
+            <a:off x="480961" y="5301826"/>
+            <a:ext cx="2555309" cy="646331"/>
+          </a:xfrm>
+          <a:prstGeom prst="rect">
+            <a:avLst/>
+          </a:prstGeom>
+          <a:noFill/>
+        </p:spPr>
+        <p:txBody>
+          <a:bodyPr wrap="square" rtlCol="0">
+            <a:spAutoFit/>
+          </a:bodyPr>
+          <a:lstStyle/>
+          <a:p>
             <a:r>
               <a:rPr lang="en-US" dirty="0"/>
-              <a:t>Remove stop words</a:t>
-            </a:r>
-          </a:p>
-          <a:p>
-            <a:endParaRPr lang="en-US" dirty="0"/>
-          </a:p>
-          <a:p>
-            <a:endParaRPr lang="en-US" dirty="0"/>
-          </a:p>
-          <a:p>
-            <a:r>
-              <a:rPr lang="en-US" dirty="0" err="1"/>
-              <a:t>Embedding_size</a:t>
-            </a:r>
-            <a:r>
-              <a:rPr lang="en-US" dirty="0"/>
-              <a:t> is the size of the embedding vector.</a:t>
-            </a:r>
-          </a:p>
-          <a:p>
-            <a:endParaRPr lang="en-US" dirty="0"/>
-          </a:p>
-          <a:p>
-            <a:r>
-              <a:rPr lang="en-US" dirty="0"/>
-              <a:t>In other words, each word in our corpus will be represented as a 60-dimensional vector.</a:t>
+              <a:t>Scrape some Wikipedia pages</a:t>
+            </a:r>
+            <a:endParaRPr lang="en-CO" dirty="0"/>
+          </a:p>
+        </p:txBody>
+      </p:sp>
+      <p:sp>
+        <p:nvSpPr>
+          <p:cNvPr id="3" name="TextBox 2">
+            <a:extLst>
+              <a:ext uri="{FF2B5EF4-FFF2-40B4-BE49-F238E27FC236}">
+                <a16:creationId xmlns:a16="http://schemas.microsoft.com/office/drawing/2014/main" id="{A2617137-BC90-4FA1-8A4D-E764B4E19BB7}"/>
+              </a:ext>
+            </a:extLst>
+          </p:cNvPr>
+          <p:cNvSpPr txBox="1"/>
+          <p:nvPr/>
+        </p:nvSpPr>
+        <p:spPr>
+          <a:xfrm>
+            <a:off x="870155" y="6251117"/>
+            <a:ext cx="8614611" cy="261610"/>
+          </a:xfrm>
+          <a:prstGeom prst="rect">
+            <a:avLst/>
+          </a:prstGeom>
+          <a:noFill/>
+        </p:spPr>
+        <p:txBody>
+          <a:bodyPr wrap="square" rtlCol="0">
+            <a:spAutoFit/>
+          </a:bodyPr>
+          <a:lstStyle/>
+          <a:p>
+            <a:pPr algn="l"/>
+            <a:r>
+              <a:rPr lang="en-US" sz="1050" dirty="0">
+                <a:solidFill>
+                  <a:srgbClr val="FF0000"/>
+                </a:solidFill>
+              </a:rPr>
+              <a:t>https://github.com/facebookresearch/fastText</a:t>
             </a:r>
           </a:p>
         </p:txBody>
@@ -9445,7 +9862,7 @@
     </p:spTree>
     <p:extLst>
       <p:ext uri="{BB962C8B-B14F-4D97-AF65-F5344CB8AC3E}">
-        <p14:creationId xmlns:p14="http://schemas.microsoft.com/office/powerpoint/2010/main" val="460619874"/>
+        <p14:creationId xmlns:p14="http://schemas.microsoft.com/office/powerpoint/2010/main" val="2277068510"/>
       </p:ext>
     </p:extLst>
   </p:cSld>
@@ -9597,10 +10014,10 @@
       </p:sp>
       <p:pic>
         <p:nvPicPr>
-          <p:cNvPr id="7" name="Picture 6">
+          <p:cNvPr id="6" name="Picture 5">
             <a:extLst>
               <a:ext uri="{FF2B5EF4-FFF2-40B4-BE49-F238E27FC236}">
-                <a16:creationId xmlns:a16="http://schemas.microsoft.com/office/drawing/2014/main" id="{637194A9-52C4-AB43-A10D-A77D4725DFAC}"/>
+                <a16:creationId xmlns:a16="http://schemas.microsoft.com/office/drawing/2014/main" id="{C5BF4776-FCC8-434A-9922-46A7EF0CBB39}"/>
               </a:ext>
             </a:extLst>
           </p:cNvPr>
@@ -9617,8 +10034,8 @@
         </p:blipFill>
         <p:spPr>
           <a:xfrm>
-            <a:off x="0" y="1503679"/>
-            <a:ext cx="9144000" cy="2983938"/>
+            <a:off x="2618583" y="1233008"/>
+            <a:ext cx="6325001" cy="5245854"/>
           </a:xfrm>
           <a:prstGeom prst="rect">
             <a:avLst/>
@@ -9627,48 +10044,98 @@
       </p:pic>
       <p:sp>
         <p:nvSpPr>
-          <p:cNvPr id="3" name="Rectangle 2">
+          <p:cNvPr id="3" name="TextBox 2">
             <a:extLst>
               <a:ext uri="{FF2B5EF4-FFF2-40B4-BE49-F238E27FC236}">
-                <a16:creationId xmlns:a16="http://schemas.microsoft.com/office/drawing/2014/main" id="{12D889AA-BB83-1147-AB38-7464756732D9}"/>
+                <a16:creationId xmlns:a16="http://schemas.microsoft.com/office/drawing/2014/main" id="{9E5AEE7E-4162-B44D-8059-2F8AE3C78036}"/>
               </a:ext>
             </a:extLst>
           </p:cNvPr>
-          <p:cNvSpPr/>
+          <p:cNvSpPr txBox="1"/>
           <p:nvPr/>
         </p:nvSpPr>
         <p:spPr>
           <a:xfrm>
-            <a:off x="213264" y="4758288"/>
-            <a:ext cx="8717472" cy="369332"/>
-          </a:xfrm>
-          <a:prstGeom prst="rect">
-            <a:avLst/>
-          </a:prstGeom>
-        </p:spPr>
-        <p:txBody>
-          <a:bodyPr wrap="square">
+            <a:off x="263047" y="1233008"/>
+            <a:ext cx="2229632" cy="4801314"/>
+          </a:xfrm>
+          <a:prstGeom prst="rect">
+            <a:avLst/>
+          </a:prstGeom>
+          <a:noFill/>
+        </p:spPr>
+        <p:txBody>
+          <a:bodyPr wrap="square" rtlCol="0">
             <a:spAutoFit/>
           </a:bodyPr>
           <a:lstStyle/>
           <a:p>
             <a:r>
-              <a:rPr lang="en-US" dirty="0">
-                <a:solidFill>
-                  <a:srgbClr val="5F5F6F"/>
-                </a:solidFill>
-                <a:latin typeface="Nunito"/>
-              </a:rPr>
-              <a:t>The value can be anywhere between 0 and 1. A higher value means higher similarity.</a:t>
-            </a:r>
-            <a:endParaRPr lang="en-CO" dirty="0"/>
+              <a:rPr lang="en-US" dirty="0"/>
+              <a:t>Preprocessing:</a:t>
+            </a:r>
+          </a:p>
+          <a:p>
+            <a:pPr marL="285750" indent="-285750">
+              <a:buFontTx/>
+              <a:buChar char="-"/>
+            </a:pPr>
+            <a:r>
+              <a:rPr lang="en-US" dirty="0"/>
+              <a:t>All to lower case</a:t>
+            </a:r>
+          </a:p>
+          <a:p>
+            <a:pPr marL="285750" indent="-285750">
+              <a:buFontTx/>
+              <a:buChar char="-"/>
+            </a:pPr>
+            <a:r>
+              <a:rPr lang="en-US" dirty="0"/>
+              <a:t>All to root form</a:t>
+            </a:r>
+          </a:p>
+          <a:p>
+            <a:pPr marL="285750" indent="-285750">
+              <a:buFontTx/>
+              <a:buChar char="-"/>
+            </a:pPr>
+            <a:r>
+              <a:rPr lang="en-US" dirty="0"/>
+              <a:t>Remove stop words</a:t>
+            </a:r>
+          </a:p>
+          <a:p>
+            <a:endParaRPr lang="en-US" dirty="0"/>
+          </a:p>
+          <a:p>
+            <a:endParaRPr lang="en-US" dirty="0"/>
+          </a:p>
+          <a:p>
+            <a:r>
+              <a:rPr lang="en-US" dirty="0" err="1"/>
+              <a:t>Embedding_size</a:t>
+            </a:r>
+            <a:r>
+              <a:rPr lang="en-US" dirty="0"/>
+              <a:t> is the size of the embedding vector.</a:t>
+            </a:r>
+          </a:p>
+          <a:p>
+            <a:endParaRPr lang="en-US" dirty="0"/>
+          </a:p>
+          <a:p>
+            <a:r>
+              <a:rPr lang="en-US" dirty="0"/>
+              <a:t>In other words, each word in our corpus will be represented as a 60-dimensional vector.</a:t>
+            </a:r>
           </a:p>
         </p:txBody>
       </p:sp>
     </p:spTree>
     <p:extLst>
       <p:ext uri="{BB962C8B-B14F-4D97-AF65-F5344CB8AC3E}">
-        <p14:creationId xmlns:p14="http://schemas.microsoft.com/office/powerpoint/2010/main" val="1543885963"/>
+        <p14:creationId xmlns:p14="http://schemas.microsoft.com/office/powerpoint/2010/main" val="460619874"/>
       </p:ext>
     </p:extLst>
   </p:cSld>
@@ -9820,10 +10287,10 @@
       </p:sp>
       <p:pic>
         <p:nvPicPr>
-          <p:cNvPr id="4" name="Picture 3">
+          <p:cNvPr id="7" name="Picture 6">
             <a:extLst>
               <a:ext uri="{FF2B5EF4-FFF2-40B4-BE49-F238E27FC236}">
-                <a16:creationId xmlns:a16="http://schemas.microsoft.com/office/drawing/2014/main" id="{66BEA0CC-CC00-2D42-90E9-3FBC65E6B495}"/>
+                <a16:creationId xmlns:a16="http://schemas.microsoft.com/office/drawing/2014/main" id="{637194A9-52C4-AB43-A10D-A77D4725DFAC}"/>
               </a:ext>
             </a:extLst>
           </p:cNvPr>
@@ -9840,89 +10307,49 @@
         </p:blipFill>
         <p:spPr>
           <a:xfrm>
-            <a:off x="0" y="1711710"/>
-            <a:ext cx="9144000" cy="2457550"/>
+            <a:off x="0" y="1503679"/>
+            <a:ext cx="9144000" cy="2983938"/>
           </a:xfrm>
           <a:prstGeom prst="rect">
             <a:avLst/>
           </a:prstGeom>
         </p:spPr>
       </p:pic>
-      <p:pic>
-        <p:nvPicPr>
-          <p:cNvPr id="5" name="Picture 4">
+      <p:sp>
+        <p:nvSpPr>
+          <p:cNvPr id="3" name="Rectangle 2">
             <a:extLst>
               <a:ext uri="{FF2B5EF4-FFF2-40B4-BE49-F238E27FC236}">
-                <a16:creationId xmlns:a16="http://schemas.microsoft.com/office/drawing/2014/main" id="{6CB44050-5797-C34E-AFC6-2C0E77D934B4}"/>
+                <a16:creationId xmlns:a16="http://schemas.microsoft.com/office/drawing/2014/main" id="{12D889AA-BB83-1147-AB38-7464756732D9}"/>
               </a:ext>
             </a:extLst>
           </p:cNvPr>
-          <p:cNvPicPr>
-            <a:picLocks noChangeAspect="1"/>
-          </p:cNvPicPr>
+          <p:cNvSpPr/>
           <p:nvPr/>
-        </p:nvPicPr>
-        <p:blipFill>
-          <a:blip r:embed="rId4"/>
-          <a:stretch>
-            <a:fillRect/>
-          </a:stretch>
-        </p:blipFill>
-        <p:spPr>
-          <a:xfrm>
-            <a:off x="0" y="4373988"/>
-            <a:ext cx="9144000" cy="747423"/>
-          </a:xfrm>
-          <a:prstGeom prst="rect">
-            <a:avLst/>
-          </a:prstGeom>
-        </p:spPr>
-      </p:pic>
-      <p:sp>
-        <p:nvSpPr>
-          <p:cNvPr id="6" name="TextBox 5">
-            <a:extLst>
-              <a:ext uri="{FF2B5EF4-FFF2-40B4-BE49-F238E27FC236}">
-                <a16:creationId xmlns:a16="http://schemas.microsoft.com/office/drawing/2014/main" id="{1A7676B8-FBE5-A848-9E8E-15571A323719}"/>
-              </a:ext>
-            </a:extLst>
-          </p:cNvPr>
-          <p:cNvSpPr txBox="1"/>
-          <p:nvPr/>
-        </p:nvSpPr>
-        <p:spPr>
-          <a:xfrm>
-            <a:off x="263047" y="5326139"/>
-            <a:ext cx="2068195" cy="646331"/>
-          </a:xfrm>
-          <a:prstGeom prst="rect">
-            <a:avLst/>
-          </a:prstGeom>
-          <a:noFill/>
-        </p:spPr>
-        <p:txBody>
-          <a:bodyPr wrap="none" rtlCol="0">
+        </p:nvSpPr>
+        <p:spPr>
+          <a:xfrm>
+            <a:off x="213264" y="4758288"/>
+            <a:ext cx="8717472" cy="369332"/>
+          </a:xfrm>
+          <a:prstGeom prst="rect">
+            <a:avLst/>
+          </a:prstGeom>
+        </p:spPr>
+        <p:txBody>
+          <a:bodyPr wrap="square">
             <a:spAutoFit/>
           </a:bodyPr>
           <a:lstStyle/>
           <a:p>
             <a:r>
-              <a:rPr lang="en-CO" dirty="0"/>
-              <a:t>P@1 </a:t>
-            </a:r>
-            <a:r>
-              <a:rPr lang="en-CO" dirty="0">
-                <a:sym typeface="Wingdings" pitchFamily="2" charset="2"/>
-              </a:rPr>
-              <a:t> Precision.</a:t>
-            </a:r>
-          </a:p>
-          <a:p>
-            <a:r>
-              <a:rPr lang="en-CO" dirty="0">
-                <a:sym typeface="Wingdings" pitchFamily="2" charset="2"/>
-              </a:rPr>
-              <a:t>R@1  Recall</a:t>
+              <a:rPr lang="en-US" dirty="0">
+                <a:solidFill>
+                  <a:srgbClr val="5F5F6F"/>
+                </a:solidFill>
+                <a:latin typeface="Nunito"/>
+              </a:rPr>
+              <a:t>The value can be anywhere between 0 and 1. A higher value means higher similarity.</a:t>
             </a:r>
             <a:endParaRPr lang="en-CO" dirty="0"/>
           </a:p>
@@ -9931,7 +10358,7 @@
     </p:spTree>
     <p:extLst>
       <p:ext uri="{BB962C8B-B14F-4D97-AF65-F5344CB8AC3E}">
-        <p14:creationId xmlns:p14="http://schemas.microsoft.com/office/powerpoint/2010/main" val="3957184239"/>
+        <p14:creationId xmlns:p14="http://schemas.microsoft.com/office/powerpoint/2010/main" val="1543885963"/>
       </p:ext>
     </p:extLst>
   </p:cSld>
@@ -10036,7 +10463,7 @@
           <p:cNvPr id="2" name="Rectangle 1">
             <a:extLst>
               <a:ext uri="{FF2B5EF4-FFF2-40B4-BE49-F238E27FC236}">
-                <a16:creationId xmlns:a16="http://schemas.microsoft.com/office/drawing/2014/main" id="{8B547BF3-553D-C547-A331-7CC4642AB9E9}"/>
+                <a16:creationId xmlns:a16="http://schemas.microsoft.com/office/drawing/2014/main" id="{DF0DC0D4-49B4-1741-8362-B00EFBBC09B5}"/>
               </a:ext>
             </a:extLst>
           </p:cNvPr>
@@ -10045,19 +10472,29 @@
         </p:nvSpPr>
         <p:spPr>
           <a:xfrm>
-            <a:off x="2286000" y="888728"/>
-            <a:ext cx="4572000" cy="2031325"/>
-          </a:xfrm>
-          <a:prstGeom prst="rect">
-            <a:avLst/>
-          </a:prstGeom>
-        </p:spPr>
-        <p:txBody>
-          <a:bodyPr>
+            <a:off x="933188" y="863676"/>
+            <a:ext cx="7729851" cy="369332"/>
+          </a:xfrm>
+          <a:prstGeom prst="rect">
+            <a:avLst/>
+          </a:prstGeom>
+        </p:spPr>
+        <p:txBody>
+          <a:bodyPr wrap="square">
             <a:spAutoFit/>
           </a:bodyPr>
           <a:lstStyle/>
           <a:p>
+            <a:pPr algn="ctr"/>
+            <a:r>
+              <a:rPr lang="en-US" dirty="0" err="1">
+                <a:solidFill>
+                  <a:srgbClr val="000000"/>
+                </a:solidFill>
+                <a:latin typeface="Arial" panose="020B0604020202020204" pitchFamily="34" charset="0"/>
+              </a:rPr>
+              <a:t>Fasttext</a:t>
+            </a:r>
             <a:r>
               <a:rPr lang="en-US" dirty="0">
                 <a:solidFill>
@@ -10065,84 +10502,117 @@
                 </a:solidFill>
                 <a:latin typeface="Arial" panose="020B0604020202020204" pitchFamily="34" charset="0"/>
               </a:rPr>
-              <a:t>Impactful? Are there any Enterprise solutions that apply it?</a:t>
-            </a:r>
-          </a:p>
-          <a:p>
-            <a:endParaRPr lang="en-US" dirty="0">
-              <a:solidFill>
-                <a:srgbClr val="000000"/>
-              </a:solidFill>
-              <a:latin typeface="Arial" panose="020B0604020202020204" pitchFamily="34" charset="0"/>
-            </a:endParaRPr>
-          </a:p>
-          <a:p>
-            <a:r>
-              <a:rPr lang="en-US" dirty="0">
-                <a:solidFill>
-                  <a:srgbClr val="000000"/>
-                </a:solidFill>
-                <a:latin typeface="Arial" panose="020B0604020202020204" pitchFamily="34" charset="0"/>
-              </a:rPr>
-              <a:t>And</a:t>
-            </a:r>
-          </a:p>
-          <a:p>
-            <a:endParaRPr lang="en-US" dirty="0">
-              <a:solidFill>
-                <a:srgbClr val="000000"/>
-              </a:solidFill>
-              <a:latin typeface="Arial" panose="020B0604020202020204" pitchFamily="34" charset="0"/>
-            </a:endParaRPr>
-          </a:p>
-          <a:p>
-            <a:r>
-              <a:rPr lang="en-US" dirty="0">
-                <a:solidFill>
-                  <a:srgbClr val="000000"/>
-                </a:solidFill>
-                <a:latin typeface="Arial" panose="020B0604020202020204" pitchFamily="34" charset="0"/>
-              </a:rPr>
-              <a:t>Who cited it? Semantic Scholar</a:t>
-            </a:r>
-          </a:p>
-          <a:p>
+              <a:t> Examples</a:t>
+            </a:r>
             <a:endParaRPr lang="en-CO" dirty="0"/>
           </a:p>
         </p:txBody>
       </p:sp>
-      <p:sp>
-        <p:nvSpPr>
-          <p:cNvPr id="3" name="Rectangle 2">
+      <p:pic>
+        <p:nvPicPr>
+          <p:cNvPr id="4" name="Picture 3">
             <a:extLst>
               <a:ext uri="{FF2B5EF4-FFF2-40B4-BE49-F238E27FC236}">
-                <a16:creationId xmlns:a16="http://schemas.microsoft.com/office/drawing/2014/main" id="{2747BE21-C12E-D24D-9890-F9498B8B6859}"/>
+                <a16:creationId xmlns:a16="http://schemas.microsoft.com/office/drawing/2014/main" id="{66BEA0CC-CC00-2D42-90E9-3FBC65E6B495}"/>
               </a:ext>
             </a:extLst>
           </p:cNvPr>
-          <p:cNvSpPr/>
+          <p:cNvPicPr>
+            <a:picLocks noChangeAspect="1"/>
+          </p:cNvPicPr>
           <p:nvPr/>
-        </p:nvSpPr>
-        <p:spPr>
-          <a:xfrm>
-            <a:off x="1434163" y="2920053"/>
-            <a:ext cx="3301812" cy="369332"/>
-          </a:xfrm>
-          <a:prstGeom prst="rect">
-            <a:avLst/>
-          </a:prstGeom>
-        </p:spPr>
-        <p:txBody>
-          <a:bodyPr wrap="square">
+        </p:nvPicPr>
+        <p:blipFill>
+          <a:blip r:embed="rId3"/>
+          <a:stretch>
+            <a:fillRect/>
+          </a:stretch>
+        </p:blipFill>
+        <p:spPr>
+          <a:xfrm>
+            <a:off x="0" y="1711710"/>
+            <a:ext cx="9144000" cy="2457550"/>
+          </a:xfrm>
+          <a:prstGeom prst="rect">
+            <a:avLst/>
+          </a:prstGeom>
+        </p:spPr>
+      </p:pic>
+      <p:pic>
+        <p:nvPicPr>
+          <p:cNvPr id="5" name="Picture 4">
+            <a:extLst>
+              <a:ext uri="{FF2B5EF4-FFF2-40B4-BE49-F238E27FC236}">
+                <a16:creationId xmlns:a16="http://schemas.microsoft.com/office/drawing/2014/main" id="{6CB44050-5797-C34E-AFC6-2C0E77D934B4}"/>
+              </a:ext>
+            </a:extLst>
+          </p:cNvPr>
+          <p:cNvPicPr>
+            <a:picLocks noChangeAspect="1"/>
+          </p:cNvPicPr>
+          <p:nvPr/>
+        </p:nvPicPr>
+        <p:blipFill>
+          <a:blip r:embed="rId4"/>
+          <a:stretch>
+            <a:fillRect/>
+          </a:stretch>
+        </p:blipFill>
+        <p:spPr>
+          <a:xfrm>
+            <a:off x="0" y="4373988"/>
+            <a:ext cx="9144000" cy="747423"/>
+          </a:xfrm>
+          <a:prstGeom prst="rect">
+            <a:avLst/>
+          </a:prstGeom>
+        </p:spPr>
+      </p:pic>
+      <p:sp>
+        <p:nvSpPr>
+          <p:cNvPr id="6" name="TextBox 5">
+            <a:extLst>
+              <a:ext uri="{FF2B5EF4-FFF2-40B4-BE49-F238E27FC236}">
+                <a16:creationId xmlns:a16="http://schemas.microsoft.com/office/drawing/2014/main" id="{1A7676B8-FBE5-A848-9E8E-15571A323719}"/>
+              </a:ext>
+            </a:extLst>
+          </p:cNvPr>
+          <p:cNvSpPr txBox="1"/>
+          <p:nvPr/>
+        </p:nvSpPr>
+        <p:spPr>
+          <a:xfrm>
+            <a:off x="263047" y="5326139"/>
+            <a:ext cx="2068195" cy="646331"/>
+          </a:xfrm>
+          <a:prstGeom prst="rect">
+            <a:avLst/>
+          </a:prstGeom>
+          <a:noFill/>
+        </p:spPr>
+        <p:txBody>
+          <a:bodyPr wrap="none" rtlCol="0">
             <a:spAutoFit/>
           </a:bodyPr>
           <a:lstStyle/>
           <a:p>
             <a:r>
-              <a:rPr lang="en-US" dirty="0">
-                <a:hlinkClick r:id="rId2"/>
-              </a:rPr>
-              <a:t>https://pypi.org/project/fasttext/</a:t>
+              <a:rPr lang="en-CO" dirty="0"/>
+              <a:t>P@1 </a:t>
+            </a:r>
+            <a:r>
+              <a:rPr lang="en-CO" dirty="0">
+                <a:sym typeface="Wingdings" pitchFamily="2" charset="2"/>
+              </a:rPr>
+              <a:t> Precision.</a:t>
+            </a:r>
+          </a:p>
+          <a:p>
+            <a:r>
+              <a:rPr lang="en-CO" dirty="0">
+                <a:sym typeface="Wingdings" pitchFamily="2" charset="2"/>
+              </a:rPr>
+              <a:t>R@1  Recall</a:t>
             </a:r>
             <a:endParaRPr lang="en-CO" dirty="0"/>
           </a:p>
@@ -10151,7 +10621,7 @@
     </p:spTree>
     <p:extLst>
       <p:ext uri="{BB962C8B-B14F-4D97-AF65-F5344CB8AC3E}">
-        <p14:creationId xmlns:p14="http://schemas.microsoft.com/office/powerpoint/2010/main" val="1515243945"/>
+        <p14:creationId xmlns:p14="http://schemas.microsoft.com/office/powerpoint/2010/main" val="3957184239"/>
       </p:ext>
     </p:extLst>
   </p:cSld>
@@ -10256,7 +10726,7 @@
           <p:cNvPr id="2" name="Rectangle 1">
             <a:extLst>
               <a:ext uri="{FF2B5EF4-FFF2-40B4-BE49-F238E27FC236}">
-                <a16:creationId xmlns:a16="http://schemas.microsoft.com/office/drawing/2014/main" id="{7103E7DD-0C53-404D-B4D0-A422FDC9004C}"/>
+                <a16:creationId xmlns:a16="http://schemas.microsoft.com/office/drawing/2014/main" id="{8B547BF3-553D-C547-A331-7CC4642AB9E9}"/>
               </a:ext>
             </a:extLst>
           </p:cNvPr>
@@ -10265,15 +10735,15 @@
         </p:nvSpPr>
         <p:spPr>
           <a:xfrm>
-            <a:off x="3814901" y="864389"/>
-            <a:ext cx="1514197" cy="369332"/>
-          </a:xfrm>
-          <a:prstGeom prst="rect">
-            <a:avLst/>
-          </a:prstGeom>
-        </p:spPr>
-        <p:txBody>
-          <a:bodyPr wrap="none">
+            <a:off x="2286000" y="888728"/>
+            <a:ext cx="4572000" cy="2031325"/>
+          </a:xfrm>
+          <a:prstGeom prst="rect">
+            <a:avLst/>
+          </a:prstGeom>
+        </p:spPr>
+        <p:txBody>
+          <a:bodyPr>
             <a:spAutoFit/>
           </a:bodyPr>
           <a:lstStyle/>
@@ -10285,8 +10755,48 @@
                 </a:solidFill>
                 <a:latin typeface="Arial" panose="020B0604020202020204" pitchFamily="34" charset="0"/>
               </a:rPr>
-              <a:t>What’s next?</a:t>
-            </a:r>
+              <a:t>Impactful? Are there any Enterprise solutions that apply it?</a:t>
+            </a:r>
+          </a:p>
+          <a:p>
+            <a:endParaRPr lang="en-US" dirty="0">
+              <a:solidFill>
+                <a:srgbClr val="000000"/>
+              </a:solidFill>
+              <a:latin typeface="Arial" panose="020B0604020202020204" pitchFamily="34" charset="0"/>
+            </a:endParaRPr>
+          </a:p>
+          <a:p>
+            <a:r>
+              <a:rPr lang="en-US" dirty="0">
+                <a:solidFill>
+                  <a:srgbClr val="000000"/>
+                </a:solidFill>
+                <a:latin typeface="Arial" panose="020B0604020202020204" pitchFamily="34" charset="0"/>
+              </a:rPr>
+              <a:t>And</a:t>
+            </a:r>
+          </a:p>
+          <a:p>
+            <a:endParaRPr lang="en-US" dirty="0">
+              <a:solidFill>
+                <a:srgbClr val="000000"/>
+              </a:solidFill>
+              <a:latin typeface="Arial" panose="020B0604020202020204" pitchFamily="34" charset="0"/>
+            </a:endParaRPr>
+          </a:p>
+          <a:p>
+            <a:r>
+              <a:rPr lang="en-US" dirty="0">
+                <a:solidFill>
+                  <a:srgbClr val="000000"/>
+                </a:solidFill>
+                <a:latin typeface="Arial" panose="020B0604020202020204" pitchFamily="34" charset="0"/>
+              </a:rPr>
+              <a:t>Who cited it? Semantic Scholar</a:t>
+            </a:r>
+          </a:p>
+          <a:p>
             <a:endParaRPr lang="en-CO" dirty="0"/>
           </a:p>
         </p:txBody>
@@ -10296,7 +10806,7 @@
           <p:cNvPr id="3" name="Rectangle 2">
             <a:extLst>
               <a:ext uri="{FF2B5EF4-FFF2-40B4-BE49-F238E27FC236}">
-                <a16:creationId xmlns:a16="http://schemas.microsoft.com/office/drawing/2014/main" id="{DD2A8007-754E-4F32-9C34-008DE973CF1C}"/>
+                <a16:creationId xmlns:a16="http://schemas.microsoft.com/office/drawing/2014/main" id="{2747BE21-C12E-D24D-9890-F9498B8B6859}"/>
               </a:ext>
             </a:extLst>
           </p:cNvPr>
@@ -10304,8 +10814,45 @@
           <p:nvPr/>
         </p:nvSpPr>
         <p:spPr>
+          <a:xfrm>
+            <a:off x="1434163" y="2920053"/>
+            <a:ext cx="3301812" cy="369332"/>
+          </a:xfrm>
+          <a:prstGeom prst="rect">
+            <a:avLst/>
+          </a:prstGeom>
+        </p:spPr>
+        <p:txBody>
+          <a:bodyPr wrap="square">
+            <a:spAutoFit/>
+          </a:bodyPr>
+          <a:lstStyle/>
+          <a:p>
+            <a:r>
+              <a:rPr lang="en-US" dirty="0">
+                <a:hlinkClick r:id="rId2"/>
+              </a:rPr>
+              <a:t>https://pypi.org/project/fasttext/</a:t>
+            </a:r>
+            <a:endParaRPr lang="en-CO" dirty="0"/>
+          </a:p>
+        </p:txBody>
+      </p:sp>
+      <p:sp>
+        <p:nvSpPr>
+          <p:cNvPr id="4" name="Rectangle 3">
+            <a:extLst>
+              <a:ext uri="{FF2B5EF4-FFF2-40B4-BE49-F238E27FC236}">
+                <a16:creationId xmlns:a16="http://schemas.microsoft.com/office/drawing/2014/main" id="{B64C98DC-3EE0-4CB3-AB5D-FF0D5F7F4234}"/>
+              </a:ext>
+            </a:extLst>
+          </p:cNvPr>
+          <p:cNvSpPr/>
+          <p:nvPr/>
+        </p:nvSpPr>
+        <p:spPr>
           <a:xfrm rot="10800000" flipV="1">
-            <a:off x="2071124" y="2367898"/>
+            <a:off x="2087613" y="3568616"/>
             <a:ext cx="4968773" cy="1200329"/>
           </a:xfrm>
           <a:prstGeom prst="rect">
@@ -10352,7 +10899,7 @@
     </p:spTree>
     <p:extLst>
       <p:ext uri="{BB962C8B-B14F-4D97-AF65-F5344CB8AC3E}">
-        <p14:creationId xmlns:p14="http://schemas.microsoft.com/office/powerpoint/2010/main" val="1287533189"/>
+        <p14:creationId xmlns:p14="http://schemas.microsoft.com/office/powerpoint/2010/main" val="1515243945"/>
       </p:ext>
     </p:extLst>
   </p:cSld>
@@ -11223,8 +11770,8 @@
         </p:nvSpPr>
         <p:spPr>
           <a:xfrm>
-            <a:off x="4184682" y="927019"/>
-            <a:ext cx="774636" cy="369332"/>
+            <a:off x="4089721" y="927019"/>
+            <a:ext cx="964559" cy="430887"/>
           </a:xfrm>
           <a:prstGeom prst="rect">
             <a:avLst/>
@@ -11236,16 +11783,26 @@
           </a:bodyPr>
           <a:lstStyle/>
           <a:p>
-            <a:r>
-              <a:rPr lang="en-US" dirty="0">
+            <a:pPr algn="ctr">
+              <a:spcBef>
+                <a:spcPts val="660"/>
+              </a:spcBef>
+            </a:pPr>
+            <a:r>
+              <a:rPr lang="en-US" sz="2200" b="1" spc="-1" dirty="0">
                 <a:solidFill>
-                  <a:srgbClr val="000000"/>
+                  <a:srgbClr val="EF181E"/>
                 </a:solidFill>
-                <a:latin typeface="Arial" panose="020B0604020202020204" pitchFamily="34" charset="0"/>
+                <a:latin typeface="Arial"/>
               </a:rPr>
               <a:t>Tasks</a:t>
             </a:r>
-            <a:endParaRPr lang="en-CO" dirty="0"/>
+            <a:endParaRPr lang="en-CO" sz="2200" b="1" spc="-1" dirty="0">
+              <a:solidFill>
+                <a:srgbClr val="EF181E"/>
+              </a:solidFill>
+              <a:latin typeface="Arial"/>
+            </a:endParaRPr>
           </a:p>
         </p:txBody>
       </p:sp>
@@ -11263,8 +11820,8 @@
         </p:nvSpPr>
         <p:spPr>
           <a:xfrm>
-            <a:off x="451860" y="1277762"/>
-            <a:ext cx="8466671" cy="4247317"/>
+            <a:off x="338664" y="1997839"/>
+            <a:ext cx="8466671" cy="3139321"/>
           </a:xfrm>
           <a:prstGeom prst="rect">
             <a:avLst/>
@@ -11287,19 +11844,17 @@
             </a:r>
           </a:p>
           <a:p>
+            <a:pPr marL="742950" lvl="1" indent="-285750">
+              <a:buFont typeface="Arial" panose="020B0604020202020204" pitchFamily="34" charset="0"/>
+              <a:buChar char="•"/>
+            </a:pPr>
+            <a:r>
+              <a:rPr lang="en-US" dirty="0"/>
+              <a:t>Transforming words into a vector format which can be more easily processed by computers.</a:t>
+            </a:r>
+          </a:p>
+          <a:p>
             <a:endParaRPr lang="en-US" dirty="0"/>
-          </a:p>
-          <a:p>
-            <a:r>
-              <a:rPr lang="en-US" dirty="0"/>
-              <a:t>NLP is a field of Artificial Intelligence in which we try to process human language as text or speech to make computers similar to humans. Humans have a large amount of data written in a very unorganized format. So, it’s difficult for any machine to find meaning from raw text.</a:t>
-            </a:r>
-          </a:p>
-          <a:p>
-            <a:r>
-              <a:rPr lang="en-US" dirty="0"/>
-              <a:t>To make a machine learn from the raw text we need to transform this data into a vector format which then can easily be processed by our computers. This transformation of raw text into a vector format is known as word representation.</a:t>
-            </a:r>
           </a:p>
           <a:p>
             <a:endParaRPr lang="en-US" dirty="0"/>
@@ -11311,26 +11866,28 @@
             </a:pPr>
             <a:r>
               <a:rPr lang="en-US" dirty="0"/>
-              <a:t>Text Classification (hate speech </a:t>
-            </a:r>
-            <a:r>
-              <a:rPr lang="en-US" dirty="0" err="1"/>
-              <a:t>detection,etc</a:t>
-            </a:r>
+              <a:t>Text Classification (hate speech detection, etc.)</a:t>
+            </a:r>
+          </a:p>
+          <a:p>
+            <a:pPr marL="742950" lvl="1" indent="-285750">
+              <a:buFont typeface="Arial" panose="020B0604020202020204" pitchFamily="34" charset="0"/>
+              <a:buChar char="•"/>
+            </a:pPr>
             <a:r>
               <a:rPr lang="en-US" dirty="0"/>
-              <a:t>)</a:t>
-            </a:r>
+              <a:t>Assigning a set of predefined categories to free-text. Text classifiers can be used to organize, structure, and categorize</a:t>
+            </a:r>
+          </a:p>
+          <a:p>
+            <a:pPr marL="742950" lvl="1" indent="-285750">
+              <a:buFont typeface="Arial" panose="020B0604020202020204" pitchFamily="34" charset="0"/>
+              <a:buChar char="•"/>
+            </a:pPr>
             <a:endParaRPr lang="en-CO" dirty="0"/>
           </a:p>
           <a:p>
             <a:endParaRPr lang="en-US" dirty="0"/>
-          </a:p>
-          <a:p>
-            <a:r>
-              <a:rPr lang="en-US" dirty="0"/>
-              <a:t>task of assigning a set of predefined categories to free-text. Text classifiers can be used to organize, structure, and categorize</a:t>
-            </a:r>
           </a:p>
           <a:p>
             <a:endParaRPr lang="en-US" dirty="0"/>
@@ -11454,8 +12011,8 @@
         </p:nvSpPr>
         <p:spPr>
           <a:xfrm>
-            <a:off x="3864114" y="1050302"/>
-            <a:ext cx="3493264" cy="369332"/>
+            <a:off x="1356702" y="1035553"/>
+            <a:ext cx="6430607" cy="430887"/>
           </a:xfrm>
           <a:prstGeom prst="rect">
             <a:avLst/>
@@ -11467,29 +12024,90 @@
           </a:bodyPr>
           <a:lstStyle/>
           <a:p>
-            <a:r>
-              <a:rPr lang="en-US" dirty="0">
+            <a:pPr algn="ctr">
+              <a:spcBef>
+                <a:spcPts val="660"/>
+              </a:spcBef>
+            </a:pPr>
+            <a:r>
+              <a:rPr lang="en-US" sz="2200" b="1" spc="-1" dirty="0">
                 <a:solidFill>
-                  <a:srgbClr val="000000"/>
+                  <a:srgbClr val="EF181E"/>
                 </a:solidFill>
-                <a:latin typeface="Arial" panose="020B0604020202020204" pitchFamily="34" charset="0"/>
-              </a:rPr>
-              <a:t>CBOW </a:t>
-            </a:r>
-            <a:r>
-              <a:rPr lang="en-US" i="1" dirty="0"/>
-              <a:t>continuous bag-of-words</a:t>
-            </a:r>
-            <a:endParaRPr lang="en-CO" dirty="0"/>
+                <a:latin typeface="Arial"/>
+              </a:rPr>
+              <a:t>Background (Neural Probabilistic Model, 2003)</a:t>
+            </a:r>
+            <a:endParaRPr lang="en-CO" sz="2200" b="1" spc="-1" dirty="0">
+              <a:solidFill>
+                <a:srgbClr val="EF181E"/>
+              </a:solidFill>
+              <a:latin typeface="Arial"/>
+            </a:endParaRPr>
+          </a:p>
+        </p:txBody>
+      </p:sp>
+      <p:sp>
+        <p:nvSpPr>
+          <p:cNvPr id="7" name="TextBox 6">
+            <a:extLst>
+              <a:ext uri="{FF2B5EF4-FFF2-40B4-BE49-F238E27FC236}">
+                <a16:creationId xmlns:a16="http://schemas.microsoft.com/office/drawing/2014/main" id="{78A0EA90-EDED-4D14-A2DC-5A8023193046}"/>
+              </a:ext>
+            </a:extLst>
+          </p:cNvPr>
+          <p:cNvSpPr txBox="1"/>
+          <p:nvPr/>
+        </p:nvSpPr>
+        <p:spPr>
+          <a:xfrm>
+            <a:off x="870155" y="6251117"/>
+            <a:ext cx="8614611" cy="261610"/>
+          </a:xfrm>
+          <a:prstGeom prst="rect">
+            <a:avLst/>
+          </a:prstGeom>
+          <a:noFill/>
+        </p:spPr>
+        <p:txBody>
+          <a:bodyPr wrap="square" rtlCol="0">
+            <a:spAutoFit/>
+          </a:bodyPr>
+          <a:lstStyle/>
+          <a:p>
+            <a:pPr algn="l"/>
+            <a:r>
+              <a:rPr lang="en-US" sz="1050" b="0" i="0" u="none" strike="noStrike" baseline="0" dirty="0" err="1">
+                <a:solidFill>
+                  <a:srgbClr val="FF0000"/>
+                </a:solidFill>
+                <a:latin typeface="ArialNarrow"/>
+              </a:rPr>
+              <a:t>Bengio</a:t>
+            </a:r>
+            <a:r>
+              <a:rPr lang="en-US" sz="1050" b="0" i="0" u="none" strike="noStrike" baseline="0" dirty="0">
+                <a:solidFill>
+                  <a:srgbClr val="FF0000"/>
+                </a:solidFill>
+                <a:latin typeface="ArialNarrow"/>
+              </a:rPr>
+              <a:t> et al., A Neural Probabilistic Language Model: http://www.jmlr.org/papers/volume3/bengio03a/bengio03a.pdf</a:t>
+            </a:r>
+            <a:endParaRPr lang="en-US" sz="1050" dirty="0">
+              <a:solidFill>
+                <a:srgbClr val="FF0000"/>
+              </a:solidFill>
+            </a:endParaRPr>
           </a:p>
         </p:txBody>
       </p:sp>
       <p:pic>
         <p:nvPicPr>
-          <p:cNvPr id="3" name="Picture 2">
+          <p:cNvPr id="8" name="Picture 7">
             <a:extLst>
               <a:ext uri="{FF2B5EF4-FFF2-40B4-BE49-F238E27FC236}">
-                <a16:creationId xmlns:a16="http://schemas.microsoft.com/office/drawing/2014/main" id="{ADC92C27-000A-F047-9561-8784E170336E}"/>
+                <a16:creationId xmlns:a16="http://schemas.microsoft.com/office/drawing/2014/main" id="{9079CE34-56BB-402F-A981-95D7947149FA}"/>
               </a:ext>
             </a:extLst>
           </p:cNvPr>
@@ -11506,8 +12124,8 @@
         </p:blipFill>
         <p:spPr>
           <a:xfrm>
-            <a:off x="2095500" y="1996162"/>
-            <a:ext cx="4953000" cy="4368800"/>
+            <a:off x="1952870" y="1659618"/>
+            <a:ext cx="5238259" cy="4398321"/>
           </a:xfrm>
           <a:prstGeom prst="rect">
             <a:avLst/>
@@ -11517,7 +12135,7 @@
     </p:spTree>
     <p:extLst>
       <p:ext uri="{BB962C8B-B14F-4D97-AF65-F5344CB8AC3E}">
-        <p14:creationId xmlns:p14="http://schemas.microsoft.com/office/powerpoint/2010/main" val="3847731984"/>
+        <p14:creationId xmlns:p14="http://schemas.microsoft.com/office/powerpoint/2010/main" val="3496736714"/>
       </p:ext>
     </p:extLst>
   </p:cSld>
@@ -11631,8 +12249,8 @@
         </p:nvSpPr>
         <p:spPr>
           <a:xfrm>
-            <a:off x="3864114" y="1050302"/>
-            <a:ext cx="1236236" cy="369332"/>
+            <a:off x="2450297" y="1035553"/>
+            <a:ext cx="4243406" cy="430887"/>
           </a:xfrm>
           <a:prstGeom prst="rect">
             <a:avLst/>
@@ -11644,25 +12262,35 @@
           </a:bodyPr>
           <a:lstStyle/>
           <a:p>
-            <a:r>
-              <a:rPr lang="en-US" dirty="0">
+            <a:pPr algn="ctr">
+              <a:spcBef>
+                <a:spcPts val="660"/>
+              </a:spcBef>
+            </a:pPr>
+            <a:r>
+              <a:rPr lang="en-US" sz="2200" b="1" spc="-1" dirty="0">
                 <a:solidFill>
-                  <a:srgbClr val="000000"/>
+                  <a:srgbClr val="EF181E"/>
                 </a:solidFill>
-                <a:latin typeface="Arial" panose="020B0604020202020204" pitchFamily="34" charset="0"/>
-              </a:rPr>
-              <a:t>Skip-gram</a:t>
-            </a:r>
-            <a:endParaRPr lang="en-CO" dirty="0"/>
+                <a:latin typeface="Arial"/>
+              </a:rPr>
+              <a:t>Background (Word2Vec, 2013)</a:t>
+            </a:r>
+            <a:endParaRPr lang="en-CO" sz="2200" b="1" spc="-1" dirty="0">
+              <a:solidFill>
+                <a:srgbClr val="EF181E"/>
+              </a:solidFill>
+              <a:latin typeface="Arial"/>
+            </a:endParaRPr>
           </a:p>
         </p:txBody>
       </p:sp>
       <p:pic>
         <p:nvPicPr>
-          <p:cNvPr id="3" name="Picture 2">
+          <p:cNvPr id="6" name="Picture 5">
             <a:extLst>
               <a:ext uri="{FF2B5EF4-FFF2-40B4-BE49-F238E27FC236}">
-                <a16:creationId xmlns:a16="http://schemas.microsoft.com/office/drawing/2014/main" id="{7C09A93D-1CC7-BE44-9ACD-6A0F489B27EA}"/>
+                <a16:creationId xmlns:a16="http://schemas.microsoft.com/office/drawing/2014/main" id="{AF6E55E1-DF8B-429B-845C-89C3796F5BFE}"/>
               </a:ext>
             </a:extLst>
           </p:cNvPr>
@@ -11679,18 +12307,73 @@
         </p:blipFill>
         <p:spPr>
           <a:xfrm>
-            <a:off x="2089150" y="1790265"/>
-            <a:ext cx="4965700" cy="4254500"/>
+            <a:off x="870155" y="1810308"/>
+            <a:ext cx="7403690" cy="4309327"/>
           </a:xfrm>
           <a:prstGeom prst="rect">
             <a:avLst/>
           </a:prstGeom>
         </p:spPr>
       </p:pic>
+      <p:sp>
+        <p:nvSpPr>
+          <p:cNvPr id="7" name="TextBox 6">
+            <a:extLst>
+              <a:ext uri="{FF2B5EF4-FFF2-40B4-BE49-F238E27FC236}">
+                <a16:creationId xmlns:a16="http://schemas.microsoft.com/office/drawing/2014/main" id="{78A0EA90-EDED-4D14-A2DC-5A8023193046}"/>
+              </a:ext>
+            </a:extLst>
+          </p:cNvPr>
+          <p:cNvSpPr txBox="1"/>
+          <p:nvPr/>
+        </p:nvSpPr>
+        <p:spPr>
+          <a:xfrm>
+            <a:off x="264694" y="6279230"/>
+            <a:ext cx="8614611" cy="261610"/>
+          </a:xfrm>
+          <a:prstGeom prst="rect">
+            <a:avLst/>
+          </a:prstGeom>
+          <a:noFill/>
+        </p:spPr>
+        <p:txBody>
+          <a:bodyPr wrap="square" rtlCol="0">
+            <a:spAutoFit/>
+          </a:bodyPr>
+          <a:lstStyle/>
+          <a:p>
+            <a:pPr algn="l"/>
+            <a:r>
+              <a:rPr lang="en-US" sz="1050" b="0" i="0" u="none" strike="noStrike" baseline="0" dirty="0" err="1">
+                <a:solidFill>
+                  <a:srgbClr val="FF0000"/>
+                </a:solidFill>
+                <a:latin typeface="ArialNarrow"/>
+              </a:rPr>
+              <a:t>Mikolov</a:t>
+            </a:r>
+            <a:r>
+              <a:rPr lang="en-US" sz="1050" b="0" i="0" u="none" strike="noStrike" baseline="0" dirty="0">
+                <a:solidFill>
+                  <a:srgbClr val="FF0000"/>
+                </a:solidFill>
+                <a:latin typeface="ArialNarrow"/>
+              </a:rPr>
+              <a:t> et al., Word2Vec: Efficient Estimation of Word Representations in Vector Space: https://arxiv.org/pdf/1301.3781.pdf</a:t>
+            </a:r>
+            <a:endParaRPr lang="en-US" sz="1050" dirty="0">
+              <a:solidFill>
+                <a:srgbClr val="FF0000"/>
+              </a:solidFill>
+            </a:endParaRPr>
+          </a:p>
+        </p:txBody>
+      </p:sp>
     </p:spTree>
     <p:extLst>
       <p:ext uri="{BB962C8B-B14F-4D97-AF65-F5344CB8AC3E}">
-        <p14:creationId xmlns:p14="http://schemas.microsoft.com/office/powerpoint/2010/main" val="62621772"/>
+        <p14:creationId xmlns:p14="http://schemas.microsoft.com/office/powerpoint/2010/main" val="1895529481"/>
       </p:ext>
     </p:extLst>
   </p:cSld>
@@ -11701,7 +12384,7 @@
 </file>
 
 <file path=ppt/slides/slide6.xml><?xml version="1.0" encoding="utf-8"?>
-<p:sld xmlns:a="http://schemas.openxmlformats.org/drawingml/2006/main" xmlns:r="http://schemas.openxmlformats.org/officeDocument/2006/relationships" xmlns:p="http://schemas.openxmlformats.org/presentationml/2006/main">
+<p:sld xmlns:a="http://schemas.openxmlformats.org/drawingml/2006/main" xmlns:r="http://schemas.openxmlformats.org/officeDocument/2006/relationships" xmlns:p="http://schemas.openxmlformats.org/presentationml/2006/main" show="0">
   <p:cSld>
     <p:spTree>
       <p:nvGrpSpPr>
@@ -11804,8 +12487,8 @@
         </p:nvSpPr>
         <p:spPr>
           <a:xfrm>
-            <a:off x="3864114" y="1050302"/>
-            <a:ext cx="2210862" cy="369332"/>
+            <a:off x="3224964" y="1035553"/>
+            <a:ext cx="2694071" cy="369332"/>
           </a:xfrm>
           <a:prstGeom prst="rect">
             <a:avLst/>
@@ -11824,16 +12507,7 @@
                 </a:solidFill>
                 <a:latin typeface="Arial" panose="020B0604020202020204" pitchFamily="34" charset="0"/>
               </a:rPr>
-              <a:t>Skip-gram </a:t>
-            </a:r>
-            <a:r>
-              <a:rPr lang="en-US" dirty="0" err="1">
-                <a:solidFill>
-                  <a:srgbClr val="000000"/>
-                </a:solidFill>
-                <a:latin typeface="Arial" panose="020B0604020202020204" pitchFamily="34" charset="0"/>
-              </a:rPr>
-              <a:t>Subword</a:t>
+              <a:t>Background (Word2Vec)</a:t>
             </a:r>
             <a:endParaRPr lang="en-CO" dirty="0"/>
           </a:p>
@@ -11841,10 +12515,10 @@
       </p:sp>
       <p:pic>
         <p:nvPicPr>
-          <p:cNvPr id="4" name="Picture 3">
+          <p:cNvPr id="3" name="Picture 2">
             <a:extLst>
               <a:ext uri="{FF2B5EF4-FFF2-40B4-BE49-F238E27FC236}">
-                <a16:creationId xmlns:a16="http://schemas.microsoft.com/office/drawing/2014/main" id="{BFD4A4DA-B4CE-AF40-9368-E8899CCE9216}"/>
+                <a16:creationId xmlns:a16="http://schemas.microsoft.com/office/drawing/2014/main" id="{ADC92C27-000A-F047-9561-8784E170336E}"/>
               </a:ext>
             </a:extLst>
           </p:cNvPr>
@@ -11861,8 +12535,38 @@
         </p:blipFill>
         <p:spPr>
           <a:xfrm>
-            <a:off x="751561" y="1658417"/>
-            <a:ext cx="6728564" cy="4149281"/>
+            <a:off x="243401" y="2182760"/>
+            <a:ext cx="3945837" cy="3480431"/>
+          </a:xfrm>
+          <a:prstGeom prst="rect">
+            <a:avLst/>
+          </a:prstGeom>
+        </p:spPr>
+      </p:pic>
+      <p:pic>
+        <p:nvPicPr>
+          <p:cNvPr id="4" name="Picture 3">
+            <a:extLst>
+              <a:ext uri="{FF2B5EF4-FFF2-40B4-BE49-F238E27FC236}">
+                <a16:creationId xmlns:a16="http://schemas.microsoft.com/office/drawing/2014/main" id="{A2883254-B90F-47D2-B1DE-99C516153C73}"/>
+              </a:ext>
+            </a:extLst>
+          </p:cNvPr>
+          <p:cNvPicPr>
+            <a:picLocks noChangeAspect="1"/>
+          </p:cNvPicPr>
+          <p:nvPr/>
+        </p:nvPicPr>
+        <p:blipFill>
+          <a:blip r:embed="rId4"/>
+          <a:stretch>
+            <a:fillRect/>
+          </a:stretch>
+        </p:blipFill>
+        <p:spPr>
+          <a:xfrm>
+            <a:off x="4571999" y="2182760"/>
+            <a:ext cx="3945837" cy="3380704"/>
           </a:xfrm>
           <a:prstGeom prst="rect">
             <a:avLst/>
@@ -11872,7 +12576,7 @@
     </p:spTree>
     <p:extLst>
       <p:ext uri="{BB962C8B-B14F-4D97-AF65-F5344CB8AC3E}">
-        <p14:creationId xmlns:p14="http://schemas.microsoft.com/office/powerpoint/2010/main" val="3785320796"/>
+        <p14:creationId xmlns:p14="http://schemas.microsoft.com/office/powerpoint/2010/main" val="3847731984"/>
       </p:ext>
     </p:extLst>
   </p:cSld>
@@ -11974,10 +12678,10 @@
       </p:grpSp>
       <p:sp>
         <p:nvSpPr>
-          <p:cNvPr id="7" name="Rectangle 6">
+          <p:cNvPr id="2" name="Rectangle 1">
             <a:extLst>
               <a:ext uri="{FF2B5EF4-FFF2-40B4-BE49-F238E27FC236}">
-                <a16:creationId xmlns:a16="http://schemas.microsoft.com/office/drawing/2014/main" id="{6C913999-AADA-3D4A-97B1-146FE5AD9C28}"/>
+                <a16:creationId xmlns:a16="http://schemas.microsoft.com/office/drawing/2014/main" id="{A898D070-DA9C-694C-A643-84E7053EFB42}"/>
               </a:ext>
             </a:extLst>
           </p:cNvPr>
@@ -11986,8 +12690,8 @@
         </p:nvSpPr>
         <p:spPr>
           <a:xfrm>
-            <a:off x="2254685" y="969032"/>
-            <a:ext cx="3339376" cy="369332"/>
+            <a:off x="1113971" y="926525"/>
+            <a:ext cx="6916060" cy="430887"/>
           </a:xfrm>
           <a:prstGeom prst="rect">
             <a:avLst/>
@@ -11999,80 +12703,53 @@
           </a:bodyPr>
           <a:lstStyle/>
           <a:p>
-            <a:r>
-              <a:rPr lang="en-US" dirty="0" err="1">
+            <a:pPr algn="ctr">
+              <a:spcBef>
+                <a:spcPts val="660"/>
+              </a:spcBef>
+            </a:pPr>
+            <a:r>
+              <a:rPr lang="en-US" sz="2200" b="1" spc="-1" dirty="0">
                 <a:solidFill>
-                  <a:srgbClr val="000000"/>
+                  <a:srgbClr val="EF181E"/>
                 </a:solidFill>
-                <a:latin typeface="Arial" panose="020B0604020202020204" pitchFamily="34" charset="0"/>
+                <a:latin typeface="Arial"/>
+              </a:rPr>
+              <a:t>Skip-gram Model with </a:t>
+            </a:r>
+            <a:r>
+              <a:rPr lang="en-US" sz="2200" b="1" spc="-1" dirty="0" err="1">
+                <a:solidFill>
+                  <a:srgbClr val="EF181E"/>
+                </a:solidFill>
+                <a:latin typeface="Arial"/>
               </a:rPr>
               <a:t>Subword</a:t>
             </a:r>
             <a:r>
-              <a:rPr lang="en-US" dirty="0">
+              <a:rPr lang="en-US" sz="2200" b="1" spc="-1" dirty="0">
                 <a:solidFill>
-                  <a:srgbClr val="000000"/>
+                  <a:srgbClr val="EF181E"/>
                 </a:solidFill>
-                <a:latin typeface="Arial" panose="020B0604020202020204" pitchFamily="34" charset="0"/>
-              </a:rPr>
-              <a:t> information </a:t>
-            </a:r>
-            <a:r>
-              <a:rPr lang="en-US" dirty="0" err="1">
-                <a:solidFill>
-                  <a:srgbClr val="000000"/>
-                </a:solidFill>
-                <a:latin typeface="Arial" panose="020B0604020202020204" pitchFamily="34" charset="0"/>
-              </a:rPr>
-              <a:t>Skipgram</a:t>
-            </a:r>
-            <a:endParaRPr lang="en-CO" dirty="0"/>
-          </a:p>
-        </p:txBody>
-      </p:sp>
-      <p:sp>
-        <p:nvSpPr>
-          <p:cNvPr id="2" name="Rectangle 1">
+                <a:latin typeface="Arial"/>
+              </a:rPr>
+              <a:t> Information (2017)</a:t>
+            </a:r>
+            <a:endParaRPr lang="en-CO" sz="2200" b="1" spc="-1" dirty="0">
+              <a:solidFill>
+                <a:srgbClr val="EF181E"/>
+              </a:solidFill>
+              <a:latin typeface="Arial"/>
+            </a:endParaRPr>
+          </a:p>
+        </p:txBody>
+      </p:sp>
+      <p:pic>
+        <p:nvPicPr>
+          <p:cNvPr id="4" name="Picture 3">
             <a:extLst>
               <a:ext uri="{FF2B5EF4-FFF2-40B4-BE49-F238E27FC236}">
-                <a16:creationId xmlns:a16="http://schemas.microsoft.com/office/drawing/2014/main" id="{6F48851F-0535-4349-9CF1-B2E639A3BF33}"/>
-              </a:ext>
-            </a:extLst>
-          </p:cNvPr>
-          <p:cNvSpPr/>
-          <p:nvPr/>
-        </p:nvSpPr>
-        <p:spPr>
-          <a:xfrm>
-            <a:off x="657616" y="1878284"/>
-            <a:ext cx="4572000" cy="646331"/>
-          </a:xfrm>
-          <a:prstGeom prst="rect">
-            <a:avLst/>
-          </a:prstGeom>
-        </p:spPr>
-        <p:txBody>
-          <a:bodyPr>
-            <a:spAutoFit/>
-          </a:bodyPr>
-          <a:lstStyle/>
-          <a:p>
-            <a:r>
-              <a:rPr lang="en-US" dirty="0">
-                <a:hlinkClick r:id="rId2"/>
-              </a:rPr>
-              <a:t>https://www.mitpressjournals.org/doi/abs/10.1162/tacl_a_00051#authorsTabList</a:t>
-            </a:r>
-            <a:endParaRPr lang="en-CO" dirty="0"/>
-          </a:p>
-        </p:txBody>
-      </p:sp>
-      <p:pic>
-        <p:nvPicPr>
-          <p:cNvPr id="3" name="Picture 2">
-            <a:extLst>
-              <a:ext uri="{FF2B5EF4-FFF2-40B4-BE49-F238E27FC236}">
-                <a16:creationId xmlns:a16="http://schemas.microsoft.com/office/drawing/2014/main" id="{FF6BA833-5506-4D40-A5E2-B463F25B9522}"/>
+                <a16:creationId xmlns:a16="http://schemas.microsoft.com/office/drawing/2014/main" id="{BFD4A4DA-B4CE-AF40-9368-E8899CCE9216}"/>
               </a:ext>
             </a:extLst>
           </p:cNvPr>
@@ -12089,8 +12766,8 @@
         </p:blipFill>
         <p:spPr>
           <a:xfrm>
-            <a:off x="4309364" y="3231714"/>
-            <a:ext cx="2967736" cy="2229285"/>
+            <a:off x="1207717" y="1658417"/>
+            <a:ext cx="6728564" cy="4149281"/>
           </a:xfrm>
           <a:prstGeom prst="rect">
             <a:avLst/>
@@ -12099,10 +12776,83 @@
       </p:pic>
       <p:sp>
         <p:nvSpPr>
-          <p:cNvPr id="4" name="Rectangle 3">
+          <p:cNvPr id="3" name="TextBox 2">
             <a:extLst>
               <a:ext uri="{FF2B5EF4-FFF2-40B4-BE49-F238E27FC236}">
-                <a16:creationId xmlns:a16="http://schemas.microsoft.com/office/drawing/2014/main" id="{D998F222-6039-174B-BDDD-DC105D3A94EB}"/>
+                <a16:creationId xmlns:a16="http://schemas.microsoft.com/office/drawing/2014/main" id="{416E3B53-2C28-4A98-8D6D-D6907B0D845B}"/>
+              </a:ext>
+            </a:extLst>
+          </p:cNvPr>
+          <p:cNvSpPr txBox="1"/>
+          <p:nvPr/>
+        </p:nvSpPr>
+        <p:spPr>
+          <a:xfrm>
+            <a:off x="264693" y="6183740"/>
+            <a:ext cx="8614611" cy="261610"/>
+          </a:xfrm>
+          <a:prstGeom prst="rect">
+            <a:avLst/>
+          </a:prstGeom>
+          <a:noFill/>
+        </p:spPr>
+        <p:txBody>
+          <a:bodyPr wrap="square" rtlCol="0">
+            <a:spAutoFit/>
+          </a:bodyPr>
+          <a:lstStyle/>
+          <a:p>
+            <a:pPr algn="l"/>
+            <a:r>
+              <a:rPr lang="en-US" sz="1050" dirty="0">
+                <a:solidFill>
+                  <a:srgbClr val="FF0000"/>
+                </a:solidFill>
+                <a:latin typeface="ArialNarrow"/>
+              </a:rPr>
+              <a:t>Bojanowski, Grave</a:t>
+            </a:r>
+            <a:r>
+              <a:rPr lang="en-US" sz="1050" b="0" i="0" u="none" strike="noStrike" baseline="0" dirty="0">
+                <a:solidFill>
+                  <a:srgbClr val="FF0000"/>
+                </a:solidFill>
+                <a:latin typeface="ArialNarrow"/>
+              </a:rPr>
+              <a:t> et al., Enriching Word Vectors with </a:t>
+            </a:r>
+            <a:r>
+              <a:rPr lang="en-US" sz="1050" b="0" i="0" u="none" strike="noStrike" baseline="0" dirty="0" err="1">
+                <a:solidFill>
+                  <a:srgbClr val="FF0000"/>
+                </a:solidFill>
+                <a:latin typeface="ArialNarrow"/>
+              </a:rPr>
+              <a:t>Subword</a:t>
+            </a:r>
+            <a:r>
+              <a:rPr lang="en-US" sz="1050" b="0" i="0" u="none" strike="noStrike" baseline="0" dirty="0">
+                <a:solidFill>
+                  <a:srgbClr val="FF0000"/>
+                </a:solidFill>
+                <a:latin typeface="ArialNarrow"/>
+              </a:rPr>
+              <a:t> Information: https://arxiv.org/pdf/1607.04606.pdf</a:t>
+            </a:r>
+            <a:endParaRPr lang="en-US" sz="1050" dirty="0">
+              <a:solidFill>
+                <a:srgbClr val="FF0000"/>
+              </a:solidFill>
+            </a:endParaRPr>
+          </a:p>
+        </p:txBody>
+      </p:sp>
+      <p:sp>
+        <p:nvSpPr>
+          <p:cNvPr id="5" name="Rectangle 4">
+            <a:extLst>
+              <a:ext uri="{FF2B5EF4-FFF2-40B4-BE49-F238E27FC236}">
+                <a16:creationId xmlns:a16="http://schemas.microsoft.com/office/drawing/2014/main" id="{991651AE-5DF0-4D4C-9D76-5BCB1BA739AF}"/>
               </a:ext>
             </a:extLst>
           </p:cNvPr>
@@ -12111,45 +12861,8 @@
         </p:nvSpPr>
         <p:spPr>
           <a:xfrm>
-            <a:off x="523025" y="3682745"/>
-            <a:ext cx="3463320" cy="369332"/>
-          </a:xfrm>
-          <a:prstGeom prst="rect">
-            <a:avLst/>
-          </a:prstGeom>
-        </p:spPr>
-        <p:txBody>
-          <a:bodyPr wrap="none">
-            <a:spAutoFit/>
-          </a:bodyPr>
-          <a:lstStyle/>
-          <a:p>
-            <a:r>
-              <a:rPr lang="en-US" dirty="0">
-                <a:hlinkClick r:id="rId4"/>
-              </a:rPr>
-              <a:t>https://arxiv.org/abs/1607.04606</a:t>
-            </a:r>
-            <a:endParaRPr lang="en-CO" dirty="0"/>
-          </a:p>
-        </p:txBody>
-      </p:sp>
-      <p:sp>
-        <p:nvSpPr>
-          <p:cNvPr id="5" name="Rectangle 4">
-            <a:extLst>
-              <a:ext uri="{FF2B5EF4-FFF2-40B4-BE49-F238E27FC236}">
-                <a16:creationId xmlns:a16="http://schemas.microsoft.com/office/drawing/2014/main" id="{61AA3B81-E730-4AC8-842A-B5C8F5AB862A}"/>
-              </a:ext>
-            </a:extLst>
-          </p:cNvPr>
-          <p:cNvSpPr/>
-          <p:nvPr/>
-        </p:nvSpPr>
-        <p:spPr>
-          <a:xfrm>
-            <a:off x="169365" y="4321743"/>
-            <a:ext cx="2737464" cy="2031325"/>
+            <a:off x="0" y="4762656"/>
+            <a:ext cx="2737464" cy="1200329"/>
           </a:xfrm>
           <a:prstGeom prst="rect">
             <a:avLst/>
@@ -12163,12 +12876,6 @@
           <a:p>
             <a:r>
               <a:rPr lang="en-US" dirty="0"/>
-              <a:t>[Find graphic showing differences in new model]</a:t>
-            </a:r>
-          </a:p>
-          <a:p>
-            <a:r>
-              <a:rPr lang="en-US" dirty="0"/>
               <a:t>[Put </a:t>
             </a:r>
             <a:r>
@@ -12185,7 +12892,7 @@
     </p:spTree>
     <p:extLst>
       <p:ext uri="{BB962C8B-B14F-4D97-AF65-F5344CB8AC3E}">
-        <p14:creationId xmlns:p14="http://schemas.microsoft.com/office/powerpoint/2010/main" val="2794149628"/>
+        <p14:creationId xmlns:p14="http://schemas.microsoft.com/office/powerpoint/2010/main" val="3785320796"/>
       </p:ext>
     </p:extLst>
   </p:cSld>
@@ -12287,10 +12994,10 @@
       </p:grpSp>
       <p:sp>
         <p:nvSpPr>
-          <p:cNvPr id="2" name="Rectangle 1">
+          <p:cNvPr id="7" name="Rectangle 6">
             <a:extLst>
               <a:ext uri="{FF2B5EF4-FFF2-40B4-BE49-F238E27FC236}">
-                <a16:creationId xmlns:a16="http://schemas.microsoft.com/office/drawing/2014/main" id="{A508D742-D411-CF4E-8CD4-0FBBDE41C8A5}"/>
+                <a16:creationId xmlns:a16="http://schemas.microsoft.com/office/drawing/2014/main" id="{6C913999-AADA-3D4A-97B1-146FE5AD9C28}"/>
               </a:ext>
             </a:extLst>
           </p:cNvPr>
@@ -12299,8 +13006,8 @@
         </p:nvSpPr>
         <p:spPr>
           <a:xfrm>
-            <a:off x="3973118" y="901967"/>
-            <a:ext cx="1197764" cy="369332"/>
+            <a:off x="3678807" y="1014752"/>
+            <a:ext cx="1786386" cy="430887"/>
           </a:xfrm>
           <a:prstGeom prst="rect">
             <a:avLst/>
@@ -12313,24 +13020,29 @@
           <a:lstStyle/>
           <a:p>
             <a:r>
-              <a:rPr lang="en-US" dirty="0">
+              <a:rPr lang="en-US" sz="2200" b="1" spc="-1" dirty="0">
                 <a:solidFill>
-                  <a:srgbClr val="000000"/>
+                  <a:srgbClr val="EF181E"/>
                 </a:solidFill>
-                <a:latin typeface="Arial" panose="020B0604020202020204" pitchFamily="34" charset="0"/>
-              </a:rPr>
-              <a:t>Data Sets</a:t>
-            </a:r>
-            <a:endParaRPr lang="en-CO" dirty="0"/>
-          </a:p>
-        </p:txBody>
-      </p:sp>
-      <p:sp>
-        <p:nvSpPr>
-          <p:cNvPr id="7" name="TextBox 6">
+                <a:latin typeface="Arial"/>
+              </a:rPr>
+              <a:t>Advantages</a:t>
+            </a:r>
+            <a:endParaRPr lang="en-CO" sz="2200" b="1" spc="-1" dirty="0">
+              <a:solidFill>
+                <a:srgbClr val="EF181E"/>
+              </a:solidFill>
+              <a:latin typeface="Arial"/>
+            </a:endParaRPr>
+          </a:p>
+        </p:txBody>
+      </p:sp>
+      <p:sp>
+        <p:nvSpPr>
+          <p:cNvPr id="6" name="TextBox 5">
             <a:extLst>
               <a:ext uri="{FF2B5EF4-FFF2-40B4-BE49-F238E27FC236}">
-                <a16:creationId xmlns:a16="http://schemas.microsoft.com/office/drawing/2014/main" id="{73AA65E9-A262-435F-A9EC-9DA95266E49D}"/>
+                <a16:creationId xmlns:a16="http://schemas.microsoft.com/office/drawing/2014/main" id="{F80F748B-234B-4F91-8B33-805F70F1E99C}"/>
               </a:ext>
             </a:extLst>
           </p:cNvPr>
@@ -12339,8 +13051,8 @@
         </p:nvSpPr>
         <p:spPr>
           <a:xfrm>
-            <a:off x="494053" y="1272063"/>
-            <a:ext cx="3858016" cy="3139321"/>
+            <a:off x="338664" y="1666369"/>
+            <a:ext cx="8466671" cy="5078313"/>
           </a:xfrm>
           <a:prstGeom prst="rect">
             <a:avLst/>
@@ -12353,110 +13065,1223 @@
           </a:bodyPr>
           <a:lstStyle/>
           <a:p>
-            <a:pPr marL="342900" indent="-342900">
-              <a:buAutoNum type="arabicPeriod"/>
+            <a:pPr marL="285750" indent="-285750">
+              <a:buFont typeface="Arial" panose="020B0604020202020204" pitchFamily="34" charset="0"/>
+              <a:buChar char="•"/>
             </a:pPr>
             <a:r>
               <a:rPr lang="en-US" dirty="0"/>
-              <a:t>Word Representation</a:t>
-            </a:r>
-          </a:p>
-          <a:p>
-            <a:pPr marL="800100" lvl="1" indent="-342900">
-              <a:buAutoNum type="arabicPeriod"/>
+              <a:t>Grammatical variations in words have similar n-gram vectors</a:t>
+            </a:r>
+          </a:p>
+          <a:p>
+            <a:pPr marL="742950" lvl="1" indent="-285750">
+              <a:buFont typeface="Arial" panose="020B0604020202020204" pitchFamily="34" charset="0"/>
+              <a:buChar char="•"/>
             </a:pPr>
             <a:r>
               <a:rPr lang="en-US" dirty="0"/>
-              <a:t>Dataset</a:t>
-            </a:r>
-          </a:p>
-          <a:p>
-            <a:pPr marL="1257300" lvl="2" indent="-342900">
-              <a:buAutoNum type="arabicPeriod"/>
+              <a:t>Examples: verb conjugation, plurals, declensions (accusative, nominative, etc.) </a:t>
+            </a:r>
+          </a:p>
+          <a:p>
+            <a:endParaRPr lang="en-US" dirty="0"/>
+          </a:p>
+          <a:p>
+            <a:endParaRPr lang="en-US" dirty="0"/>
+          </a:p>
+          <a:p>
+            <a:endParaRPr lang="en-US" dirty="0"/>
+          </a:p>
+          <a:p>
+            <a:endParaRPr lang="en-US" dirty="0"/>
+          </a:p>
+          <a:p>
+            <a:endParaRPr lang="en-US" dirty="0"/>
+          </a:p>
+          <a:p>
+            <a:endParaRPr lang="en-US" dirty="0"/>
+          </a:p>
+          <a:p>
+            <a:endParaRPr lang="en-US" dirty="0"/>
+          </a:p>
+          <a:p>
+            <a:endParaRPr lang="en-US" dirty="0"/>
+          </a:p>
+          <a:p>
+            <a:endParaRPr lang="en-US" dirty="0"/>
+          </a:p>
+          <a:p>
+            <a:pPr marL="285750" indent="-285750">
+              <a:buFont typeface="Arial" panose="020B0604020202020204" pitchFamily="34" charset="0"/>
+              <a:buChar char="•"/>
             </a:pPr>
             <a:r>
               <a:rPr lang="en-US" dirty="0"/>
-              <a:t>Structure</a:t>
-            </a:r>
-          </a:p>
-          <a:p>
-            <a:pPr marL="800100" lvl="1" indent="-342900">
-              <a:buAutoNum type="arabicPeriod"/>
+              <a:t>Out-of-Vocabulary Word encoding</a:t>
+            </a:r>
+          </a:p>
+          <a:p>
+            <a:pPr marL="742950" lvl="1" indent="-285750">
+              <a:buFont typeface="Arial" panose="020B0604020202020204" pitchFamily="34" charset="0"/>
+              <a:buChar char="•"/>
             </a:pPr>
             <a:r>
               <a:rPr lang="en-US" dirty="0"/>
-              <a:t>Dataset 2</a:t>
-            </a:r>
-          </a:p>
-          <a:p>
-            <a:pPr marL="1257300" lvl="2" indent="-342900">
-              <a:buAutoNum type="arabicPeriod"/>
+              <a:t>N-gram vectors can be built for words that were not present in training</a:t>
+            </a:r>
+          </a:p>
+          <a:p>
+            <a:pPr marL="742950" lvl="1" indent="-285750">
+              <a:buFont typeface="Arial" panose="020B0604020202020204" pitchFamily="34" charset="0"/>
+              <a:buChar char="•"/>
             </a:pPr>
             <a:r>
               <a:rPr lang="en-US" dirty="0"/>
-              <a:t>Structure</a:t>
-            </a:r>
-          </a:p>
-          <a:p>
-            <a:pPr marL="342900" indent="-342900">
-              <a:buAutoNum type="arabicPeriod"/>
-            </a:pPr>
+              <a:t>These words will have similar n-gram vectors to similar words used in training</a:t>
+            </a:r>
+            <a:endParaRPr lang="en-CO" dirty="0"/>
+          </a:p>
+          <a:p>
+            <a:endParaRPr lang="en-US" dirty="0"/>
+          </a:p>
+          <a:p>
+            <a:endParaRPr lang="en-US" dirty="0"/>
+          </a:p>
+        </p:txBody>
+      </p:sp>
+      <p:graphicFrame>
+        <p:nvGraphicFramePr>
+          <p:cNvPr id="13" name="Table 12">
+            <a:extLst>
+              <a:ext uri="{FF2B5EF4-FFF2-40B4-BE49-F238E27FC236}">
+                <a16:creationId xmlns:a16="http://schemas.microsoft.com/office/drawing/2014/main" id="{4E58CC31-E2B7-4B5D-8AB0-635543FF07B9}"/>
+              </a:ext>
+            </a:extLst>
+          </p:cNvPr>
+          <p:cNvGraphicFramePr>
+            <a:graphicFrameLocks noGrp="1"/>
+          </p:cNvGraphicFramePr>
+          <p:nvPr>
+            <p:extLst>
+              <p:ext uri="{D42A27DB-BD31-4B8C-83A1-F6EECF244321}">
+                <p14:modId xmlns:p14="http://schemas.microsoft.com/office/powerpoint/2010/main" val="1677461867"/>
+              </p:ext>
+            </p:extLst>
+          </p:nvPr>
+        </p:nvGraphicFramePr>
+        <p:xfrm>
+          <a:off x="984381" y="2672628"/>
+          <a:ext cx="6702798" cy="1931925"/>
+        </p:xfrm>
+        <a:graphic>
+          <a:graphicData uri="http://schemas.openxmlformats.org/drawingml/2006/table">
+            <a:tbl>
+              <a:tblPr/>
+              <a:tblGrid>
+                <a:gridCol w="2234266">
+                  <a:extLst>
+                    <a:ext uri="{9D8B030D-6E8A-4147-A177-3AD203B41FA5}">
+                      <a16:colId xmlns:a16="http://schemas.microsoft.com/office/drawing/2014/main" val="20000"/>
+                    </a:ext>
+                  </a:extLst>
+                </a:gridCol>
+                <a:gridCol w="2234266">
+                  <a:extLst>
+                    <a:ext uri="{9D8B030D-6E8A-4147-A177-3AD203B41FA5}">
+                      <a16:colId xmlns:a16="http://schemas.microsoft.com/office/drawing/2014/main" val="20001"/>
+                    </a:ext>
+                  </a:extLst>
+                </a:gridCol>
+                <a:gridCol w="2234266">
+                  <a:extLst>
+                    <a:ext uri="{9D8B030D-6E8A-4147-A177-3AD203B41FA5}">
+                      <a16:colId xmlns:a16="http://schemas.microsoft.com/office/drawing/2014/main" val="20002"/>
+                    </a:ext>
+                  </a:extLst>
+                </a:gridCol>
+              </a:tblGrid>
+              <a:tr h="251701">
+                <a:tc>
+                  <a:txBody>
+                    <a:bodyPr/>
+                    <a:lstStyle/>
+                    <a:p>
+                      <a:endParaRPr lang="en-US" sz="1400" dirty="0"/>
+                    </a:p>
+                  </a:txBody>
+                  <a:tcPr marL="0" marR="0" marT="0" marB="0" anchor="ctr">
+                    <a:lnL>
+                      <a:noFill/>
+                    </a:lnL>
+                    <a:lnR>
+                      <a:noFill/>
+                    </a:lnR>
+                    <a:lnT>
+                      <a:noFill/>
+                    </a:lnT>
+                    <a:lnB w="12700" cap="flat" cmpd="sng" algn="ctr">
+                      <a:solidFill>
+                        <a:schemeClr val="tx1"/>
+                      </a:solidFill>
+                      <a:prstDash val="solid"/>
+                      <a:round/>
+                      <a:headEnd type="none" w="med" len="med"/>
+                      <a:tailEnd type="none" w="med" len="med"/>
+                    </a:lnB>
+                  </a:tcPr>
+                </a:tc>
+                <a:tc>
+                  <a:txBody>
+                    <a:bodyPr/>
+                    <a:lstStyle/>
+                    <a:p>
+                      <a:r>
+                        <a:rPr lang="en-US" sz="1400" b="1" dirty="0"/>
+                        <a:t>Singular</a:t>
+                      </a:r>
+                      <a:endParaRPr lang="en-US" sz="1400" dirty="0"/>
+                    </a:p>
+                  </a:txBody>
+                  <a:tcPr marL="0" marR="0" marT="0" marB="0" anchor="ctr">
+                    <a:lnL>
+                      <a:noFill/>
+                    </a:lnL>
+                    <a:lnR>
+                      <a:noFill/>
+                    </a:lnR>
+                    <a:lnT>
+                      <a:noFill/>
+                    </a:lnT>
+                    <a:lnB w="12700" cap="flat" cmpd="sng" algn="ctr">
+                      <a:solidFill>
+                        <a:schemeClr val="tx1"/>
+                      </a:solidFill>
+                      <a:prstDash val="solid"/>
+                      <a:round/>
+                      <a:headEnd type="none" w="med" len="med"/>
+                      <a:tailEnd type="none" w="med" len="med"/>
+                    </a:lnB>
+                  </a:tcPr>
+                </a:tc>
+                <a:tc>
+                  <a:txBody>
+                    <a:bodyPr/>
+                    <a:lstStyle/>
+                    <a:p>
+                      <a:r>
+                        <a:rPr lang="en-US" sz="1400" b="1" dirty="0"/>
+                        <a:t>Plural</a:t>
+                      </a:r>
+                      <a:endParaRPr lang="en-US" sz="1400" dirty="0"/>
+                    </a:p>
+                  </a:txBody>
+                  <a:tcPr marL="0" marR="0" marT="0" marB="0" anchor="ctr">
+                    <a:lnL>
+                      <a:noFill/>
+                    </a:lnL>
+                    <a:lnR>
+                      <a:noFill/>
+                    </a:lnR>
+                    <a:lnT>
+                      <a:noFill/>
+                    </a:lnT>
+                    <a:lnB w="12700" cap="flat" cmpd="sng" algn="ctr">
+                      <a:solidFill>
+                        <a:schemeClr val="tx1"/>
+                      </a:solidFill>
+                      <a:prstDash val="solid"/>
+                      <a:round/>
+                      <a:headEnd type="none" w="med" len="med"/>
+                      <a:tailEnd type="none" w="med" len="med"/>
+                    </a:lnB>
+                  </a:tcPr>
+                </a:tc>
+                <a:extLst>
+                  <a:ext uri="{0D108BD9-81ED-4DB2-BD59-A6C34878D82A}">
+                    <a16:rowId xmlns:a16="http://schemas.microsoft.com/office/drawing/2014/main" val="10000"/>
+                  </a:ext>
+                </a:extLst>
+              </a:tr>
+              <a:tr h="240032">
+                <a:tc>
+                  <a:txBody>
+                    <a:bodyPr/>
+                    <a:lstStyle/>
+                    <a:p>
+                      <a:r>
+                        <a:rPr lang="en-US" sz="1400" dirty="0"/>
+                        <a:t>Nominative</a:t>
+                      </a:r>
+                    </a:p>
+                  </a:txBody>
+                  <a:tcPr marL="0" marR="0" marT="0" marB="0" anchor="ctr">
+                    <a:lnL>
+                      <a:noFill/>
+                    </a:lnL>
+                    <a:lnR>
+                      <a:noFill/>
+                    </a:lnR>
+                    <a:lnT w="12700" cap="flat" cmpd="sng" algn="ctr">
+                      <a:solidFill>
+                        <a:schemeClr val="tx1"/>
+                      </a:solidFill>
+                      <a:prstDash val="solid"/>
+                      <a:round/>
+                      <a:headEnd type="none" w="med" len="med"/>
+                      <a:tailEnd type="none" w="med" len="med"/>
+                    </a:lnT>
+                    <a:lnB w="12700" cap="flat" cmpd="sng" algn="ctr">
+                      <a:solidFill>
+                        <a:schemeClr val="tx1"/>
+                      </a:solidFill>
+                      <a:prstDash val="solid"/>
+                      <a:round/>
+                      <a:headEnd type="none" w="med" len="med"/>
+                      <a:tailEnd type="none" w="med" len="med"/>
+                    </a:lnB>
+                  </a:tcPr>
+                </a:tc>
+                <a:tc>
+                  <a:txBody>
+                    <a:bodyPr/>
+                    <a:lstStyle/>
+                    <a:p>
+                      <a:r>
+                        <a:rPr lang="en-US" sz="1400" dirty="0" err="1"/>
+                        <a:t>uniwersytet</a:t>
+                      </a:r>
+                      <a:endParaRPr lang="en-US" sz="1400" dirty="0"/>
+                    </a:p>
+                  </a:txBody>
+                  <a:tcPr marL="0" marR="0" marT="0" marB="0" anchor="ctr">
+                    <a:lnL>
+                      <a:noFill/>
+                    </a:lnL>
+                    <a:lnR>
+                      <a:noFill/>
+                    </a:lnR>
+                    <a:lnT w="12700" cap="flat" cmpd="sng" algn="ctr">
+                      <a:solidFill>
+                        <a:schemeClr val="tx1"/>
+                      </a:solidFill>
+                      <a:prstDash val="solid"/>
+                      <a:round/>
+                      <a:headEnd type="none" w="med" len="med"/>
+                      <a:tailEnd type="none" w="med" len="med"/>
+                    </a:lnT>
+                    <a:lnB w="12700" cap="flat" cmpd="sng" algn="ctr">
+                      <a:solidFill>
+                        <a:schemeClr val="tx1"/>
+                      </a:solidFill>
+                      <a:prstDash val="solid"/>
+                      <a:round/>
+                      <a:headEnd type="none" w="med" len="med"/>
+                      <a:tailEnd type="none" w="med" len="med"/>
+                    </a:lnB>
+                  </a:tcPr>
+                </a:tc>
+                <a:tc>
+                  <a:txBody>
+                    <a:bodyPr/>
+                    <a:lstStyle/>
+                    <a:p>
+                      <a:r>
+                        <a:rPr lang="en-US" sz="1400" dirty="0" err="1"/>
+                        <a:t>uniwersytety</a:t>
+                      </a:r>
+                      <a:endParaRPr lang="en-US" sz="1400" dirty="0"/>
+                    </a:p>
+                  </a:txBody>
+                  <a:tcPr marL="0" marR="0" marT="0" marB="0" anchor="ctr">
+                    <a:lnL>
+                      <a:noFill/>
+                    </a:lnL>
+                    <a:lnR>
+                      <a:noFill/>
+                    </a:lnR>
+                    <a:lnT w="12700" cap="flat" cmpd="sng" algn="ctr">
+                      <a:solidFill>
+                        <a:schemeClr val="tx1"/>
+                      </a:solidFill>
+                      <a:prstDash val="solid"/>
+                      <a:round/>
+                      <a:headEnd type="none" w="med" len="med"/>
+                      <a:tailEnd type="none" w="med" len="med"/>
+                    </a:lnT>
+                    <a:lnB w="12700" cap="flat" cmpd="sng" algn="ctr">
+                      <a:solidFill>
+                        <a:schemeClr val="tx1"/>
+                      </a:solidFill>
+                      <a:prstDash val="solid"/>
+                      <a:round/>
+                      <a:headEnd type="none" w="med" len="med"/>
+                      <a:tailEnd type="none" w="med" len="med"/>
+                    </a:lnB>
+                  </a:tcPr>
+                </a:tc>
+                <a:extLst>
+                  <a:ext uri="{0D108BD9-81ED-4DB2-BD59-A6C34878D82A}">
+                    <a16:rowId xmlns:a16="http://schemas.microsoft.com/office/drawing/2014/main" val="10001"/>
+                  </a:ext>
+                </a:extLst>
+              </a:tr>
+              <a:tr h="240032">
+                <a:tc>
+                  <a:txBody>
+                    <a:bodyPr/>
+                    <a:lstStyle/>
+                    <a:p>
+                      <a:r>
+                        <a:rPr lang="en-US" sz="1400" dirty="0" err="1"/>
+                        <a:t>Genetive</a:t>
+                      </a:r>
+                      <a:endParaRPr lang="en-US" sz="1400" dirty="0"/>
+                    </a:p>
+                  </a:txBody>
+                  <a:tcPr marL="0" marR="0" marT="0" marB="0" anchor="ctr">
+                    <a:lnL>
+                      <a:noFill/>
+                    </a:lnL>
+                    <a:lnR>
+                      <a:noFill/>
+                    </a:lnR>
+                    <a:lnT w="12700" cap="flat" cmpd="sng" algn="ctr">
+                      <a:solidFill>
+                        <a:schemeClr val="tx1"/>
+                      </a:solidFill>
+                      <a:prstDash val="solid"/>
+                      <a:round/>
+                      <a:headEnd type="none" w="med" len="med"/>
+                      <a:tailEnd type="none" w="med" len="med"/>
+                    </a:lnT>
+                    <a:lnB w="12700" cap="flat" cmpd="sng" algn="ctr">
+                      <a:solidFill>
+                        <a:schemeClr val="tx1"/>
+                      </a:solidFill>
+                      <a:prstDash val="solid"/>
+                      <a:round/>
+                      <a:headEnd type="none" w="med" len="med"/>
+                      <a:tailEnd type="none" w="med" len="med"/>
+                    </a:lnB>
+                  </a:tcPr>
+                </a:tc>
+                <a:tc>
+                  <a:txBody>
+                    <a:bodyPr/>
+                    <a:lstStyle/>
+                    <a:p>
+                      <a:r>
+                        <a:rPr lang="en-US" sz="1400" dirty="0" err="1"/>
+                        <a:t>uniwersytetu</a:t>
+                      </a:r>
+                      <a:endParaRPr lang="en-US" sz="1400" dirty="0"/>
+                    </a:p>
+                  </a:txBody>
+                  <a:tcPr marL="0" marR="0" marT="0" marB="0" anchor="ctr">
+                    <a:lnL>
+                      <a:noFill/>
+                    </a:lnL>
+                    <a:lnR>
+                      <a:noFill/>
+                    </a:lnR>
+                    <a:lnT w="12700" cap="flat" cmpd="sng" algn="ctr">
+                      <a:solidFill>
+                        <a:schemeClr val="tx1"/>
+                      </a:solidFill>
+                      <a:prstDash val="solid"/>
+                      <a:round/>
+                      <a:headEnd type="none" w="med" len="med"/>
+                      <a:tailEnd type="none" w="med" len="med"/>
+                    </a:lnT>
+                    <a:lnB w="12700" cap="flat" cmpd="sng" algn="ctr">
+                      <a:solidFill>
+                        <a:schemeClr val="tx1"/>
+                      </a:solidFill>
+                      <a:prstDash val="solid"/>
+                      <a:round/>
+                      <a:headEnd type="none" w="med" len="med"/>
+                      <a:tailEnd type="none" w="med" len="med"/>
+                    </a:lnB>
+                  </a:tcPr>
+                </a:tc>
+                <a:tc>
+                  <a:txBody>
+                    <a:bodyPr/>
+                    <a:lstStyle/>
+                    <a:p>
+                      <a:r>
+                        <a:rPr lang="en-US" sz="1400" dirty="0" err="1"/>
+                        <a:t>uniwersytetów</a:t>
+                      </a:r>
+                      <a:endParaRPr lang="en-US" sz="1400" dirty="0"/>
+                    </a:p>
+                  </a:txBody>
+                  <a:tcPr marL="0" marR="0" marT="0" marB="0" anchor="ctr">
+                    <a:lnL>
+                      <a:noFill/>
+                    </a:lnL>
+                    <a:lnR>
+                      <a:noFill/>
+                    </a:lnR>
+                    <a:lnT w="12700" cap="flat" cmpd="sng" algn="ctr">
+                      <a:solidFill>
+                        <a:schemeClr val="tx1"/>
+                      </a:solidFill>
+                      <a:prstDash val="solid"/>
+                      <a:round/>
+                      <a:headEnd type="none" w="med" len="med"/>
+                      <a:tailEnd type="none" w="med" len="med"/>
+                    </a:lnT>
+                    <a:lnB w="12700" cap="flat" cmpd="sng" algn="ctr">
+                      <a:solidFill>
+                        <a:schemeClr val="tx1"/>
+                      </a:solidFill>
+                      <a:prstDash val="solid"/>
+                      <a:round/>
+                      <a:headEnd type="none" w="med" len="med"/>
+                      <a:tailEnd type="none" w="med" len="med"/>
+                    </a:lnB>
+                  </a:tcPr>
+                </a:tc>
+                <a:extLst>
+                  <a:ext uri="{0D108BD9-81ED-4DB2-BD59-A6C34878D82A}">
+                    <a16:rowId xmlns:a16="http://schemas.microsoft.com/office/drawing/2014/main" val="10002"/>
+                  </a:ext>
+                </a:extLst>
+              </a:tr>
+              <a:tr h="240032">
+                <a:tc>
+                  <a:txBody>
+                    <a:bodyPr/>
+                    <a:lstStyle/>
+                    <a:p>
+                      <a:r>
+                        <a:rPr lang="en-US" sz="1400" dirty="0"/>
+                        <a:t>Dative</a:t>
+                      </a:r>
+                    </a:p>
+                  </a:txBody>
+                  <a:tcPr marL="0" marR="0" marT="0" marB="0" anchor="ctr">
+                    <a:lnL>
+                      <a:noFill/>
+                    </a:lnL>
+                    <a:lnR>
+                      <a:noFill/>
+                    </a:lnR>
+                    <a:lnT w="12700" cap="flat" cmpd="sng" algn="ctr">
+                      <a:solidFill>
+                        <a:schemeClr val="tx1"/>
+                      </a:solidFill>
+                      <a:prstDash val="solid"/>
+                      <a:round/>
+                      <a:headEnd type="none" w="med" len="med"/>
+                      <a:tailEnd type="none" w="med" len="med"/>
+                    </a:lnT>
+                    <a:lnB w="12700" cap="flat" cmpd="sng" algn="ctr">
+                      <a:solidFill>
+                        <a:schemeClr val="tx1"/>
+                      </a:solidFill>
+                      <a:prstDash val="solid"/>
+                      <a:round/>
+                      <a:headEnd type="none" w="med" len="med"/>
+                      <a:tailEnd type="none" w="med" len="med"/>
+                    </a:lnB>
+                  </a:tcPr>
+                </a:tc>
+                <a:tc>
+                  <a:txBody>
+                    <a:bodyPr/>
+                    <a:lstStyle/>
+                    <a:p>
+                      <a:r>
+                        <a:rPr lang="en-US" sz="1400" dirty="0" err="1"/>
+                        <a:t>uniwersytetowi</a:t>
+                      </a:r>
+                      <a:endParaRPr lang="en-US" sz="1400" dirty="0"/>
+                    </a:p>
+                  </a:txBody>
+                  <a:tcPr marL="0" marR="0" marT="0" marB="0" anchor="ctr">
+                    <a:lnL>
+                      <a:noFill/>
+                    </a:lnL>
+                    <a:lnR>
+                      <a:noFill/>
+                    </a:lnR>
+                    <a:lnT w="12700" cap="flat" cmpd="sng" algn="ctr">
+                      <a:solidFill>
+                        <a:schemeClr val="tx1"/>
+                      </a:solidFill>
+                      <a:prstDash val="solid"/>
+                      <a:round/>
+                      <a:headEnd type="none" w="med" len="med"/>
+                      <a:tailEnd type="none" w="med" len="med"/>
+                    </a:lnT>
+                    <a:lnB w="12700" cap="flat" cmpd="sng" algn="ctr">
+                      <a:solidFill>
+                        <a:schemeClr val="tx1"/>
+                      </a:solidFill>
+                      <a:prstDash val="solid"/>
+                      <a:round/>
+                      <a:headEnd type="none" w="med" len="med"/>
+                      <a:tailEnd type="none" w="med" len="med"/>
+                    </a:lnB>
+                  </a:tcPr>
+                </a:tc>
+                <a:tc>
+                  <a:txBody>
+                    <a:bodyPr/>
+                    <a:lstStyle/>
+                    <a:p>
+                      <a:r>
+                        <a:rPr lang="en-US" sz="1400" dirty="0" err="1"/>
+                        <a:t>uniwersytetom</a:t>
+                      </a:r>
+                      <a:endParaRPr lang="en-US" sz="1400" dirty="0"/>
+                    </a:p>
+                  </a:txBody>
+                  <a:tcPr marL="0" marR="0" marT="0" marB="0" anchor="ctr">
+                    <a:lnL>
+                      <a:noFill/>
+                    </a:lnL>
+                    <a:lnR>
+                      <a:noFill/>
+                    </a:lnR>
+                    <a:lnT w="12700" cap="flat" cmpd="sng" algn="ctr">
+                      <a:solidFill>
+                        <a:schemeClr val="tx1"/>
+                      </a:solidFill>
+                      <a:prstDash val="solid"/>
+                      <a:round/>
+                      <a:headEnd type="none" w="med" len="med"/>
+                      <a:tailEnd type="none" w="med" len="med"/>
+                    </a:lnT>
+                    <a:lnB w="12700" cap="flat" cmpd="sng" algn="ctr">
+                      <a:solidFill>
+                        <a:schemeClr val="tx1"/>
+                      </a:solidFill>
+                      <a:prstDash val="solid"/>
+                      <a:round/>
+                      <a:headEnd type="none" w="med" len="med"/>
+                      <a:tailEnd type="none" w="med" len="med"/>
+                    </a:lnB>
+                  </a:tcPr>
+                </a:tc>
+                <a:extLst>
+                  <a:ext uri="{0D108BD9-81ED-4DB2-BD59-A6C34878D82A}">
+                    <a16:rowId xmlns:a16="http://schemas.microsoft.com/office/drawing/2014/main" val="10003"/>
+                  </a:ext>
+                </a:extLst>
+              </a:tr>
+              <a:tr h="240032">
+                <a:tc>
+                  <a:txBody>
+                    <a:bodyPr/>
+                    <a:lstStyle/>
+                    <a:p>
+                      <a:r>
+                        <a:rPr lang="en-US" sz="1400" dirty="0"/>
+                        <a:t>Accusative</a:t>
+                      </a:r>
+                    </a:p>
+                  </a:txBody>
+                  <a:tcPr marL="0" marR="0" marT="0" marB="0" anchor="ctr">
+                    <a:lnL>
+                      <a:noFill/>
+                    </a:lnL>
+                    <a:lnR>
+                      <a:noFill/>
+                    </a:lnR>
+                    <a:lnT w="12700" cap="flat" cmpd="sng" algn="ctr">
+                      <a:solidFill>
+                        <a:schemeClr val="tx1"/>
+                      </a:solidFill>
+                      <a:prstDash val="solid"/>
+                      <a:round/>
+                      <a:headEnd type="none" w="med" len="med"/>
+                      <a:tailEnd type="none" w="med" len="med"/>
+                    </a:lnT>
+                    <a:lnB w="12700" cap="flat" cmpd="sng" algn="ctr">
+                      <a:solidFill>
+                        <a:schemeClr val="tx1"/>
+                      </a:solidFill>
+                      <a:prstDash val="solid"/>
+                      <a:round/>
+                      <a:headEnd type="none" w="med" len="med"/>
+                      <a:tailEnd type="none" w="med" len="med"/>
+                    </a:lnB>
+                  </a:tcPr>
+                </a:tc>
+                <a:tc>
+                  <a:txBody>
+                    <a:bodyPr/>
+                    <a:lstStyle/>
+                    <a:p>
+                      <a:r>
+                        <a:rPr lang="en-US" sz="1400" dirty="0" err="1"/>
+                        <a:t>uniwersytet</a:t>
+                      </a:r>
+                      <a:endParaRPr lang="en-US" sz="1400" dirty="0"/>
+                    </a:p>
+                  </a:txBody>
+                  <a:tcPr marL="0" marR="0" marT="0" marB="0" anchor="ctr">
+                    <a:lnL>
+                      <a:noFill/>
+                    </a:lnL>
+                    <a:lnR>
+                      <a:noFill/>
+                    </a:lnR>
+                    <a:lnT w="12700" cap="flat" cmpd="sng" algn="ctr">
+                      <a:solidFill>
+                        <a:schemeClr val="tx1"/>
+                      </a:solidFill>
+                      <a:prstDash val="solid"/>
+                      <a:round/>
+                      <a:headEnd type="none" w="med" len="med"/>
+                      <a:tailEnd type="none" w="med" len="med"/>
+                    </a:lnT>
+                    <a:lnB w="12700" cap="flat" cmpd="sng" algn="ctr">
+                      <a:solidFill>
+                        <a:schemeClr val="tx1"/>
+                      </a:solidFill>
+                      <a:prstDash val="solid"/>
+                      <a:round/>
+                      <a:headEnd type="none" w="med" len="med"/>
+                      <a:tailEnd type="none" w="med" len="med"/>
+                    </a:lnB>
+                  </a:tcPr>
+                </a:tc>
+                <a:tc>
+                  <a:txBody>
+                    <a:bodyPr/>
+                    <a:lstStyle/>
+                    <a:p>
+                      <a:r>
+                        <a:rPr lang="en-US" sz="1400" dirty="0" err="1"/>
+                        <a:t>uniwersytety</a:t>
+                      </a:r>
+                      <a:endParaRPr lang="en-US" sz="1400" dirty="0"/>
+                    </a:p>
+                  </a:txBody>
+                  <a:tcPr marL="0" marR="0" marT="0" marB="0" anchor="ctr">
+                    <a:lnL>
+                      <a:noFill/>
+                    </a:lnL>
+                    <a:lnR>
+                      <a:noFill/>
+                    </a:lnR>
+                    <a:lnT w="12700" cap="flat" cmpd="sng" algn="ctr">
+                      <a:solidFill>
+                        <a:schemeClr val="tx1"/>
+                      </a:solidFill>
+                      <a:prstDash val="solid"/>
+                      <a:round/>
+                      <a:headEnd type="none" w="med" len="med"/>
+                      <a:tailEnd type="none" w="med" len="med"/>
+                    </a:lnT>
+                    <a:lnB w="12700" cap="flat" cmpd="sng" algn="ctr">
+                      <a:solidFill>
+                        <a:schemeClr val="tx1"/>
+                      </a:solidFill>
+                      <a:prstDash val="solid"/>
+                      <a:round/>
+                      <a:headEnd type="none" w="med" len="med"/>
+                      <a:tailEnd type="none" w="med" len="med"/>
+                    </a:lnB>
+                  </a:tcPr>
+                </a:tc>
+                <a:extLst>
+                  <a:ext uri="{0D108BD9-81ED-4DB2-BD59-A6C34878D82A}">
+                    <a16:rowId xmlns:a16="http://schemas.microsoft.com/office/drawing/2014/main" val="10004"/>
+                  </a:ext>
+                </a:extLst>
+              </a:tr>
+              <a:tr h="240032">
+                <a:tc>
+                  <a:txBody>
+                    <a:bodyPr/>
+                    <a:lstStyle/>
+                    <a:p>
+                      <a:r>
+                        <a:rPr lang="en-US" sz="1400" dirty="0"/>
+                        <a:t>Instrumental</a:t>
+                      </a:r>
+                    </a:p>
+                  </a:txBody>
+                  <a:tcPr marL="0" marR="0" marT="0" marB="0" anchor="ctr">
+                    <a:lnL>
+                      <a:noFill/>
+                    </a:lnL>
+                    <a:lnR>
+                      <a:noFill/>
+                    </a:lnR>
+                    <a:lnT w="12700" cap="flat" cmpd="sng" algn="ctr">
+                      <a:solidFill>
+                        <a:schemeClr val="tx1"/>
+                      </a:solidFill>
+                      <a:prstDash val="solid"/>
+                      <a:round/>
+                      <a:headEnd type="none" w="med" len="med"/>
+                      <a:tailEnd type="none" w="med" len="med"/>
+                    </a:lnT>
+                    <a:lnB w="12700" cap="flat" cmpd="sng" algn="ctr">
+                      <a:solidFill>
+                        <a:schemeClr val="tx1"/>
+                      </a:solidFill>
+                      <a:prstDash val="solid"/>
+                      <a:round/>
+                      <a:headEnd type="none" w="med" len="med"/>
+                      <a:tailEnd type="none" w="med" len="med"/>
+                    </a:lnB>
+                  </a:tcPr>
+                </a:tc>
+                <a:tc>
+                  <a:txBody>
+                    <a:bodyPr/>
+                    <a:lstStyle/>
+                    <a:p>
+                      <a:r>
+                        <a:rPr lang="en-US" sz="1400" dirty="0" err="1"/>
+                        <a:t>uniwersytetem</a:t>
+                      </a:r>
+                      <a:endParaRPr lang="en-US" sz="1400" dirty="0"/>
+                    </a:p>
+                  </a:txBody>
+                  <a:tcPr marL="0" marR="0" marT="0" marB="0" anchor="ctr">
+                    <a:lnL>
+                      <a:noFill/>
+                    </a:lnL>
+                    <a:lnR>
+                      <a:noFill/>
+                    </a:lnR>
+                    <a:lnT w="12700" cap="flat" cmpd="sng" algn="ctr">
+                      <a:solidFill>
+                        <a:schemeClr val="tx1"/>
+                      </a:solidFill>
+                      <a:prstDash val="solid"/>
+                      <a:round/>
+                      <a:headEnd type="none" w="med" len="med"/>
+                      <a:tailEnd type="none" w="med" len="med"/>
+                    </a:lnT>
+                    <a:lnB w="12700" cap="flat" cmpd="sng" algn="ctr">
+                      <a:solidFill>
+                        <a:schemeClr val="tx1"/>
+                      </a:solidFill>
+                      <a:prstDash val="solid"/>
+                      <a:round/>
+                      <a:headEnd type="none" w="med" len="med"/>
+                      <a:tailEnd type="none" w="med" len="med"/>
+                    </a:lnB>
+                  </a:tcPr>
+                </a:tc>
+                <a:tc>
+                  <a:txBody>
+                    <a:bodyPr/>
+                    <a:lstStyle/>
+                    <a:p>
+                      <a:r>
+                        <a:rPr lang="en-US" sz="1400" dirty="0" err="1"/>
+                        <a:t>uniwersytetami</a:t>
+                      </a:r>
+                      <a:endParaRPr lang="en-US" sz="1400" dirty="0"/>
+                    </a:p>
+                  </a:txBody>
+                  <a:tcPr marL="0" marR="0" marT="0" marB="0" anchor="ctr">
+                    <a:lnL>
+                      <a:noFill/>
+                    </a:lnL>
+                    <a:lnR>
+                      <a:noFill/>
+                    </a:lnR>
+                    <a:lnT w="12700" cap="flat" cmpd="sng" algn="ctr">
+                      <a:solidFill>
+                        <a:schemeClr val="tx1"/>
+                      </a:solidFill>
+                      <a:prstDash val="solid"/>
+                      <a:round/>
+                      <a:headEnd type="none" w="med" len="med"/>
+                      <a:tailEnd type="none" w="med" len="med"/>
+                    </a:lnT>
+                    <a:lnB w="12700" cap="flat" cmpd="sng" algn="ctr">
+                      <a:solidFill>
+                        <a:schemeClr val="tx1"/>
+                      </a:solidFill>
+                      <a:prstDash val="solid"/>
+                      <a:round/>
+                      <a:headEnd type="none" w="med" len="med"/>
+                      <a:tailEnd type="none" w="med" len="med"/>
+                    </a:lnB>
+                  </a:tcPr>
+                </a:tc>
+                <a:extLst>
+                  <a:ext uri="{0D108BD9-81ED-4DB2-BD59-A6C34878D82A}">
+                    <a16:rowId xmlns:a16="http://schemas.microsoft.com/office/drawing/2014/main" val="10005"/>
+                  </a:ext>
+                </a:extLst>
+              </a:tr>
+              <a:tr h="240032">
+                <a:tc>
+                  <a:txBody>
+                    <a:bodyPr/>
+                    <a:lstStyle/>
+                    <a:p>
+                      <a:r>
+                        <a:rPr lang="en-US" sz="1400" dirty="0"/>
+                        <a:t>Locative</a:t>
+                      </a:r>
+                    </a:p>
+                  </a:txBody>
+                  <a:tcPr marL="0" marR="0" marT="0" marB="0" anchor="ctr">
+                    <a:lnL>
+                      <a:noFill/>
+                    </a:lnL>
+                    <a:lnR>
+                      <a:noFill/>
+                    </a:lnR>
+                    <a:lnT w="12700" cap="flat" cmpd="sng" algn="ctr">
+                      <a:solidFill>
+                        <a:schemeClr val="tx1"/>
+                      </a:solidFill>
+                      <a:prstDash val="solid"/>
+                      <a:round/>
+                      <a:headEnd type="none" w="med" len="med"/>
+                      <a:tailEnd type="none" w="med" len="med"/>
+                    </a:lnT>
+                    <a:lnB w="12700" cap="flat" cmpd="sng" algn="ctr">
+                      <a:solidFill>
+                        <a:schemeClr val="tx1"/>
+                      </a:solidFill>
+                      <a:prstDash val="solid"/>
+                      <a:round/>
+                      <a:headEnd type="none" w="med" len="med"/>
+                      <a:tailEnd type="none" w="med" len="med"/>
+                    </a:lnB>
+                  </a:tcPr>
+                </a:tc>
+                <a:tc>
+                  <a:txBody>
+                    <a:bodyPr/>
+                    <a:lstStyle/>
+                    <a:p>
+                      <a:r>
+                        <a:rPr lang="en-US" sz="1400" dirty="0" err="1"/>
+                        <a:t>uniwersytecie</a:t>
+                      </a:r>
+                      <a:endParaRPr lang="en-US" sz="1400" dirty="0"/>
+                    </a:p>
+                  </a:txBody>
+                  <a:tcPr marL="0" marR="0" marT="0" marB="0" anchor="ctr">
+                    <a:lnL>
+                      <a:noFill/>
+                    </a:lnL>
+                    <a:lnR>
+                      <a:noFill/>
+                    </a:lnR>
+                    <a:lnT w="12700" cap="flat" cmpd="sng" algn="ctr">
+                      <a:solidFill>
+                        <a:schemeClr val="tx1"/>
+                      </a:solidFill>
+                      <a:prstDash val="solid"/>
+                      <a:round/>
+                      <a:headEnd type="none" w="med" len="med"/>
+                      <a:tailEnd type="none" w="med" len="med"/>
+                    </a:lnT>
+                    <a:lnB w="12700" cap="flat" cmpd="sng" algn="ctr">
+                      <a:solidFill>
+                        <a:schemeClr val="tx1"/>
+                      </a:solidFill>
+                      <a:prstDash val="solid"/>
+                      <a:round/>
+                      <a:headEnd type="none" w="med" len="med"/>
+                      <a:tailEnd type="none" w="med" len="med"/>
+                    </a:lnB>
+                  </a:tcPr>
+                </a:tc>
+                <a:tc>
+                  <a:txBody>
+                    <a:bodyPr/>
+                    <a:lstStyle/>
+                    <a:p>
+                      <a:r>
+                        <a:rPr lang="en-US" sz="1400" dirty="0" err="1"/>
+                        <a:t>uniwersytetach</a:t>
+                      </a:r>
+                      <a:endParaRPr lang="en-US" sz="1400" dirty="0"/>
+                    </a:p>
+                  </a:txBody>
+                  <a:tcPr marL="0" marR="0" marT="0" marB="0" anchor="ctr">
+                    <a:lnL>
+                      <a:noFill/>
+                    </a:lnL>
+                    <a:lnR>
+                      <a:noFill/>
+                    </a:lnR>
+                    <a:lnT w="12700" cap="flat" cmpd="sng" algn="ctr">
+                      <a:solidFill>
+                        <a:schemeClr val="tx1"/>
+                      </a:solidFill>
+                      <a:prstDash val="solid"/>
+                      <a:round/>
+                      <a:headEnd type="none" w="med" len="med"/>
+                      <a:tailEnd type="none" w="med" len="med"/>
+                    </a:lnT>
+                    <a:lnB w="12700" cap="flat" cmpd="sng" algn="ctr">
+                      <a:solidFill>
+                        <a:schemeClr val="tx1"/>
+                      </a:solidFill>
+                      <a:prstDash val="solid"/>
+                      <a:round/>
+                      <a:headEnd type="none" w="med" len="med"/>
+                      <a:tailEnd type="none" w="med" len="med"/>
+                    </a:lnB>
+                  </a:tcPr>
+                </a:tc>
+                <a:extLst>
+                  <a:ext uri="{0D108BD9-81ED-4DB2-BD59-A6C34878D82A}">
+                    <a16:rowId xmlns:a16="http://schemas.microsoft.com/office/drawing/2014/main" val="10006"/>
+                  </a:ext>
+                </a:extLst>
+              </a:tr>
+              <a:tr h="240032">
+                <a:tc>
+                  <a:txBody>
+                    <a:bodyPr/>
+                    <a:lstStyle/>
+                    <a:p>
+                      <a:r>
+                        <a:rPr lang="en-US" sz="1400" dirty="0"/>
+                        <a:t>Vocative</a:t>
+                      </a:r>
+                    </a:p>
+                  </a:txBody>
+                  <a:tcPr marL="0" marR="0" marT="0" marB="0" anchor="ctr">
+                    <a:lnL>
+                      <a:noFill/>
+                    </a:lnL>
+                    <a:lnR>
+                      <a:noFill/>
+                    </a:lnR>
+                    <a:lnT w="12700" cap="flat" cmpd="sng" algn="ctr">
+                      <a:solidFill>
+                        <a:schemeClr val="tx1"/>
+                      </a:solidFill>
+                      <a:prstDash val="solid"/>
+                      <a:round/>
+                      <a:headEnd type="none" w="med" len="med"/>
+                      <a:tailEnd type="none" w="med" len="med"/>
+                    </a:lnT>
+                    <a:lnB w="12700" cap="flat" cmpd="sng" algn="ctr">
+                      <a:solidFill>
+                        <a:schemeClr val="tx1"/>
+                      </a:solidFill>
+                      <a:prstDash val="solid"/>
+                      <a:round/>
+                      <a:headEnd type="none" w="med" len="med"/>
+                      <a:tailEnd type="none" w="med" len="med"/>
+                    </a:lnB>
+                  </a:tcPr>
+                </a:tc>
+                <a:tc>
+                  <a:txBody>
+                    <a:bodyPr/>
+                    <a:lstStyle/>
+                    <a:p>
+                      <a:r>
+                        <a:rPr lang="en-US" sz="1400" dirty="0" err="1"/>
+                        <a:t>uniwersytecie</a:t>
+                      </a:r>
+                      <a:endParaRPr lang="en-US" sz="1400" dirty="0"/>
+                    </a:p>
+                  </a:txBody>
+                  <a:tcPr marL="0" marR="0" marT="0" marB="0" anchor="ctr">
+                    <a:lnL>
+                      <a:noFill/>
+                    </a:lnL>
+                    <a:lnR>
+                      <a:noFill/>
+                    </a:lnR>
+                    <a:lnT w="12700" cap="flat" cmpd="sng" algn="ctr">
+                      <a:solidFill>
+                        <a:schemeClr val="tx1"/>
+                      </a:solidFill>
+                      <a:prstDash val="solid"/>
+                      <a:round/>
+                      <a:headEnd type="none" w="med" len="med"/>
+                      <a:tailEnd type="none" w="med" len="med"/>
+                    </a:lnT>
+                    <a:lnB w="12700" cap="flat" cmpd="sng" algn="ctr">
+                      <a:solidFill>
+                        <a:schemeClr val="tx1"/>
+                      </a:solidFill>
+                      <a:prstDash val="solid"/>
+                      <a:round/>
+                      <a:headEnd type="none" w="med" len="med"/>
+                      <a:tailEnd type="none" w="med" len="med"/>
+                    </a:lnB>
+                  </a:tcPr>
+                </a:tc>
+                <a:tc>
+                  <a:txBody>
+                    <a:bodyPr/>
+                    <a:lstStyle/>
+                    <a:p>
+                      <a:r>
+                        <a:rPr lang="en-US" sz="1400" dirty="0" err="1"/>
+                        <a:t>uniwersytety</a:t>
+                      </a:r>
+                      <a:endParaRPr lang="en-US" sz="1400" dirty="0"/>
+                    </a:p>
+                  </a:txBody>
+                  <a:tcPr marL="0" marR="0" marT="0" marB="0" anchor="ctr">
+                    <a:lnL>
+                      <a:noFill/>
+                    </a:lnL>
+                    <a:lnR>
+                      <a:noFill/>
+                    </a:lnR>
+                    <a:lnT w="12700" cap="flat" cmpd="sng" algn="ctr">
+                      <a:solidFill>
+                        <a:schemeClr val="tx1"/>
+                      </a:solidFill>
+                      <a:prstDash val="solid"/>
+                      <a:round/>
+                      <a:headEnd type="none" w="med" len="med"/>
+                      <a:tailEnd type="none" w="med" len="med"/>
+                    </a:lnT>
+                    <a:lnB w="12700" cap="flat" cmpd="sng" algn="ctr">
+                      <a:solidFill>
+                        <a:schemeClr val="tx1"/>
+                      </a:solidFill>
+                      <a:prstDash val="solid"/>
+                      <a:round/>
+                      <a:headEnd type="none" w="med" len="med"/>
+                      <a:tailEnd type="none" w="med" len="med"/>
+                    </a:lnB>
+                  </a:tcPr>
+                </a:tc>
+                <a:extLst>
+                  <a:ext uri="{0D108BD9-81ED-4DB2-BD59-A6C34878D82A}">
+                    <a16:rowId xmlns:a16="http://schemas.microsoft.com/office/drawing/2014/main" val="10007"/>
+                  </a:ext>
+                </a:extLst>
+              </a:tr>
+            </a:tbl>
+          </a:graphicData>
+        </a:graphic>
+      </p:graphicFrame>
+      <p:sp>
+        <p:nvSpPr>
+          <p:cNvPr id="14" name="TextBox 13">
+            <a:extLst>
+              <a:ext uri="{FF2B5EF4-FFF2-40B4-BE49-F238E27FC236}">
+                <a16:creationId xmlns:a16="http://schemas.microsoft.com/office/drawing/2014/main" id="{F1F2C764-FE09-4B0E-9D7B-D40F3AC4C8C1}"/>
+              </a:ext>
+            </a:extLst>
+          </p:cNvPr>
+          <p:cNvSpPr txBox="1"/>
+          <p:nvPr/>
+        </p:nvSpPr>
+        <p:spPr>
+          <a:xfrm rot="3010699">
+            <a:off x="6525820" y="3213560"/>
+            <a:ext cx="1968057" cy="369332"/>
+          </a:xfrm>
+          <a:prstGeom prst="rect">
+            <a:avLst/>
+          </a:prstGeom>
+          <a:solidFill>
+            <a:schemeClr val="accent1">
+              <a:lumMod val="20000"/>
+              <a:lumOff val="80000"/>
+            </a:schemeClr>
+          </a:solidFill>
+          <a:ln>
+            <a:solidFill>
+              <a:schemeClr val="tx1"/>
+            </a:solidFill>
+          </a:ln>
+        </p:spPr>
+        <p:txBody>
+          <a:bodyPr wrap="square" rtlCol="0">
+            <a:spAutoFit/>
+          </a:bodyPr>
+          <a:lstStyle/>
+          <a:p>
             <a:r>
               <a:rPr lang="en-US" dirty="0"/>
-              <a:t>Text Classification (hate speech </a:t>
-            </a:r>
-            <a:r>
-              <a:rPr lang="en-US" dirty="0" err="1"/>
-              <a:t>detection,etc</a:t>
-            </a:r>
-            <a:r>
-              <a:rPr lang="en-US" dirty="0"/>
-              <a:t>)</a:t>
-            </a:r>
-          </a:p>
-          <a:p>
-            <a:pPr marL="800100" lvl="1" indent="-342900">
-              <a:buAutoNum type="arabicPeriod"/>
-            </a:pPr>
-            <a:r>
-              <a:rPr lang="en-US" dirty="0"/>
-              <a:t>Dataset</a:t>
-            </a:r>
-          </a:p>
-          <a:p>
-            <a:pPr marL="1257300" lvl="2" indent="-342900">
-              <a:buAutoNum type="arabicPeriod"/>
-            </a:pPr>
-            <a:r>
-              <a:rPr lang="en-US" dirty="0"/>
-              <a:t>Structure</a:t>
-            </a:r>
-          </a:p>
-          <a:p>
-            <a:pPr marL="800100" lvl="1" indent="-342900">
-              <a:buAutoNum type="arabicPeriod"/>
-            </a:pPr>
-            <a:r>
-              <a:rPr lang="en-US" dirty="0"/>
-              <a:t>Dataset 2</a:t>
-            </a:r>
-          </a:p>
-          <a:p>
-            <a:pPr marL="1257300" lvl="2" indent="-342900">
-              <a:buAutoNum type="arabicPeriod"/>
-            </a:pPr>
-            <a:r>
-              <a:rPr lang="en-US" dirty="0"/>
-              <a:t>Structure</a:t>
-            </a:r>
-            <a:endParaRPr lang="en-CO" dirty="0"/>
+              <a:t>Polish declension</a:t>
+            </a:r>
+          </a:p>
+        </p:txBody>
+      </p:sp>
+      <p:sp>
+        <p:nvSpPr>
+          <p:cNvPr id="8" name="TextBox 7">
+            <a:extLst>
+              <a:ext uri="{FF2B5EF4-FFF2-40B4-BE49-F238E27FC236}">
+                <a16:creationId xmlns:a16="http://schemas.microsoft.com/office/drawing/2014/main" id="{0D4410A8-8E71-4167-9DCD-E339E054C6F7}"/>
+              </a:ext>
+            </a:extLst>
+          </p:cNvPr>
+          <p:cNvSpPr txBox="1"/>
+          <p:nvPr/>
+        </p:nvSpPr>
+        <p:spPr>
+          <a:xfrm>
+            <a:off x="132345" y="6109953"/>
+            <a:ext cx="8879307" cy="430887"/>
+          </a:xfrm>
+          <a:prstGeom prst="rect">
+            <a:avLst/>
+          </a:prstGeom>
+          <a:noFill/>
+        </p:spPr>
+        <p:txBody>
+          <a:bodyPr wrap="square" rtlCol="0">
+            <a:spAutoFit/>
+          </a:bodyPr>
+          <a:lstStyle/>
+          <a:p>
+            <a:pPr algn="l"/>
+            <a:r>
+              <a:rPr lang="en-US" sz="1050" b="0" i="0" u="none" strike="noStrike" baseline="0" dirty="0">
+                <a:solidFill>
+                  <a:srgbClr val="FF0000"/>
+                </a:solidFill>
+                <a:latin typeface="ArialNarrow"/>
+              </a:rPr>
+              <a:t>Piotr Bojanowski, </a:t>
+            </a:r>
+            <a:r>
+              <a:rPr lang="en-US" sz="1050" b="0" i="0" u="none" strike="noStrike" baseline="0" dirty="0" err="1">
+                <a:solidFill>
+                  <a:srgbClr val="FF0000"/>
+                </a:solidFill>
+                <a:latin typeface="ArialNarrow"/>
+              </a:rPr>
+              <a:t>fastText</a:t>
+            </a:r>
+            <a:r>
+              <a:rPr lang="en-US" sz="1050" b="0" i="0" u="none" strike="noStrike" baseline="0" dirty="0">
+                <a:solidFill>
+                  <a:srgbClr val="FF0000"/>
+                </a:solidFill>
+                <a:latin typeface="ArialNarrow"/>
+              </a:rPr>
+              <a:t> - a library for efficient text classification and word representation: https://nlpparis.files.wordpress.com/2016/11/fasttext-nlpmeetup-23112016.pptx</a:t>
+            </a:r>
+            <a:endParaRPr lang="en-US" sz="600" dirty="0">
+              <a:solidFill>
+                <a:srgbClr val="FF0000"/>
+              </a:solidFill>
+            </a:endParaRPr>
           </a:p>
         </p:txBody>
       </p:sp>
     </p:spTree>
     <p:extLst>
       <p:ext uri="{BB962C8B-B14F-4D97-AF65-F5344CB8AC3E}">
-        <p14:creationId xmlns:p14="http://schemas.microsoft.com/office/powerpoint/2010/main" val="8368034"/>
+        <p14:creationId xmlns:p14="http://schemas.microsoft.com/office/powerpoint/2010/main" val="2794149628"/>
       </p:ext>
     </p:extLst>
   </p:cSld>
@@ -12467,7 +14292,7 @@
 </file>
 
 <file path=ppt/slides/slide9.xml><?xml version="1.0" encoding="utf-8"?>
-<p:sld xmlns:a="http://schemas.openxmlformats.org/drawingml/2006/main" xmlns:r="http://schemas.openxmlformats.org/officeDocument/2006/relationships" xmlns:p="http://schemas.openxmlformats.org/presentationml/2006/main" show="0">
+<p:sld xmlns:a="http://schemas.openxmlformats.org/drawingml/2006/main" xmlns:r="http://schemas.openxmlformats.org/officeDocument/2006/relationships" xmlns:p="http://schemas.openxmlformats.org/presentationml/2006/main">
   <p:cSld>
     <p:spTree>
       <p:nvGrpSpPr>
@@ -12596,130 +14421,138 @@
           </a:p>
         </p:txBody>
       </p:sp>
-      <p:pic>
-        <p:nvPicPr>
-          <p:cNvPr id="3" name="Picture 2">
+      <p:sp>
+        <p:nvSpPr>
+          <p:cNvPr id="7" name="TextBox 6">
             <a:extLst>
               <a:ext uri="{FF2B5EF4-FFF2-40B4-BE49-F238E27FC236}">
-                <a16:creationId xmlns:a16="http://schemas.microsoft.com/office/drawing/2014/main" id="{FB76B419-07C5-1F48-9515-D01454DBE0CC}"/>
+                <a16:creationId xmlns:a16="http://schemas.microsoft.com/office/drawing/2014/main" id="{73AA65E9-A262-435F-A9EC-9DA95266E49D}"/>
               </a:ext>
             </a:extLst>
           </p:cNvPr>
-          <p:cNvPicPr>
-            <a:picLocks noChangeAspect="1"/>
-          </p:cNvPicPr>
+          <p:cNvSpPr txBox="1"/>
           <p:nvPr/>
-        </p:nvPicPr>
-        <p:blipFill>
-          <a:blip r:embed="rId2"/>
-          <a:stretch>
-            <a:fillRect/>
-          </a:stretch>
-        </p:blipFill>
-        <p:spPr>
-          <a:xfrm>
-            <a:off x="212943" y="1440186"/>
-            <a:ext cx="3562350" cy="3502550"/>
-          </a:xfrm>
-          <a:prstGeom prst="rect">
-            <a:avLst/>
-          </a:prstGeom>
-        </p:spPr>
-      </p:pic>
-      <p:pic>
-        <p:nvPicPr>
-          <p:cNvPr id="4" name="Picture 3">
-            <a:extLst>
-              <a:ext uri="{FF2B5EF4-FFF2-40B4-BE49-F238E27FC236}">
-                <a16:creationId xmlns:a16="http://schemas.microsoft.com/office/drawing/2014/main" id="{62CFCE26-9C66-2848-982A-854886F6ACF9}"/>
-              </a:ext>
-            </a:extLst>
-          </p:cNvPr>
-          <p:cNvPicPr>
-            <a:picLocks noChangeAspect="1"/>
-          </p:cNvPicPr>
-          <p:nvPr/>
-        </p:nvPicPr>
-        <p:blipFill>
-          <a:blip r:embed="rId3"/>
-          <a:stretch>
-            <a:fillRect/>
-          </a:stretch>
-        </p:blipFill>
-        <p:spPr>
-          <a:xfrm>
-            <a:off x="5813305" y="901967"/>
-            <a:ext cx="3117752" cy="2938571"/>
-          </a:xfrm>
-          <a:prstGeom prst="rect">
-            <a:avLst/>
-          </a:prstGeom>
-        </p:spPr>
-      </p:pic>
-      <p:pic>
-        <p:nvPicPr>
-          <p:cNvPr id="5" name="Picture 4">
-            <a:extLst>
-              <a:ext uri="{FF2B5EF4-FFF2-40B4-BE49-F238E27FC236}">
-                <a16:creationId xmlns:a16="http://schemas.microsoft.com/office/drawing/2014/main" id="{C469FE2E-1E4C-604E-AEF0-1E8899201F80}"/>
-              </a:ext>
-            </a:extLst>
-          </p:cNvPr>
-          <p:cNvPicPr>
-            <a:picLocks noChangeAspect="1"/>
-          </p:cNvPicPr>
-          <p:nvPr/>
-        </p:nvPicPr>
-        <p:blipFill>
-          <a:blip r:embed="rId4"/>
-          <a:stretch>
-            <a:fillRect/>
-          </a:stretch>
-        </p:blipFill>
-        <p:spPr>
-          <a:xfrm>
-            <a:off x="1453720" y="3473450"/>
-            <a:ext cx="2895983" cy="2938571"/>
-          </a:xfrm>
-          <a:prstGeom prst="rect">
-            <a:avLst/>
-          </a:prstGeom>
-        </p:spPr>
-      </p:pic>
-      <p:pic>
-        <p:nvPicPr>
-          <p:cNvPr id="6" name="Picture 5">
-            <a:extLst>
-              <a:ext uri="{FF2B5EF4-FFF2-40B4-BE49-F238E27FC236}">
-                <a16:creationId xmlns:a16="http://schemas.microsoft.com/office/drawing/2014/main" id="{638340C5-893C-7D4D-80B7-7393B8CB1B1E}"/>
-              </a:ext>
-            </a:extLst>
-          </p:cNvPr>
-          <p:cNvPicPr>
-            <a:picLocks noChangeAspect="1"/>
-          </p:cNvPicPr>
-          <p:nvPr/>
-        </p:nvPicPr>
-        <p:blipFill>
-          <a:blip r:embed="rId5"/>
-          <a:stretch>
-            <a:fillRect/>
-          </a:stretch>
-        </p:blipFill>
-        <p:spPr>
-          <a:xfrm>
-            <a:off x="3693139" y="2619258"/>
-            <a:ext cx="3679042" cy="3670112"/>
-          </a:xfrm>
-          <a:prstGeom prst="rect">
-            <a:avLst/>
-          </a:prstGeom>
-        </p:spPr>
-      </p:pic>
+        </p:nvSpPr>
+        <p:spPr>
+          <a:xfrm>
+            <a:off x="494053" y="1272063"/>
+            <a:ext cx="3858016" cy="3139321"/>
+          </a:xfrm>
+          <a:prstGeom prst="rect">
+            <a:avLst/>
+          </a:prstGeom>
+          <a:noFill/>
+        </p:spPr>
+        <p:txBody>
+          <a:bodyPr wrap="square" rtlCol="0">
+            <a:spAutoFit/>
+          </a:bodyPr>
+          <a:lstStyle/>
+          <a:p>
+            <a:pPr marL="342900" indent="-342900">
+              <a:buAutoNum type="arabicPeriod"/>
+            </a:pPr>
+            <a:r>
+              <a:rPr lang="en-US" dirty="0"/>
+              <a:t>Word Representation</a:t>
+            </a:r>
+          </a:p>
+          <a:p>
+            <a:pPr marL="800100" lvl="1" indent="-342900">
+              <a:buAutoNum type="arabicPeriod"/>
+            </a:pPr>
+            <a:r>
+              <a:rPr lang="en-US" dirty="0"/>
+              <a:t>Dataset</a:t>
+            </a:r>
+          </a:p>
+          <a:p>
+            <a:pPr marL="1257300" lvl="2" indent="-342900">
+              <a:buAutoNum type="arabicPeriod"/>
+            </a:pPr>
+            <a:r>
+              <a:rPr lang="en-US" dirty="0"/>
+              <a:t>Structure</a:t>
+            </a:r>
+          </a:p>
+          <a:p>
+            <a:pPr marL="800100" lvl="1" indent="-342900">
+              <a:buAutoNum type="arabicPeriod"/>
+            </a:pPr>
+            <a:r>
+              <a:rPr lang="en-US" dirty="0"/>
+              <a:t>Dataset 2</a:t>
+            </a:r>
+          </a:p>
+          <a:p>
+            <a:pPr marL="1257300" lvl="2" indent="-342900">
+              <a:buAutoNum type="arabicPeriod"/>
+            </a:pPr>
+            <a:r>
+              <a:rPr lang="en-US" dirty="0"/>
+              <a:t>Structure</a:t>
+            </a:r>
+          </a:p>
+          <a:p>
+            <a:pPr marL="342900" indent="-342900">
+              <a:buAutoNum type="arabicPeriod"/>
+            </a:pPr>
+            <a:r>
+              <a:rPr lang="en-US" dirty="0"/>
+              <a:t>Text Classification (hate speech </a:t>
+            </a:r>
+            <a:r>
+              <a:rPr lang="en-US" dirty="0" err="1"/>
+              <a:t>detection,etc</a:t>
+            </a:r>
+            <a:r>
+              <a:rPr lang="en-US" dirty="0"/>
+              <a:t>)</a:t>
+            </a:r>
+          </a:p>
+          <a:p>
+            <a:pPr marL="800100" lvl="1" indent="-342900">
+              <a:buAutoNum type="arabicPeriod"/>
+            </a:pPr>
+            <a:r>
+              <a:rPr lang="en-US" dirty="0"/>
+              <a:t>Dataset</a:t>
+            </a:r>
+          </a:p>
+          <a:p>
+            <a:pPr marL="1257300" lvl="2" indent="-342900">
+              <a:buAutoNum type="arabicPeriod"/>
+            </a:pPr>
+            <a:r>
+              <a:rPr lang="en-US" dirty="0"/>
+              <a:t>Structure</a:t>
+            </a:r>
+          </a:p>
+          <a:p>
+            <a:pPr marL="800100" lvl="1" indent="-342900">
+              <a:buAutoNum type="arabicPeriod"/>
+            </a:pPr>
+            <a:r>
+              <a:rPr lang="en-US" dirty="0"/>
+              <a:t>Dataset 2</a:t>
+            </a:r>
+          </a:p>
+          <a:p>
+            <a:pPr marL="1257300" lvl="2" indent="-342900">
+              <a:buAutoNum type="arabicPeriod"/>
+            </a:pPr>
+            <a:r>
+              <a:rPr lang="en-US" dirty="0"/>
+              <a:t>Structure</a:t>
+            </a:r>
+            <a:endParaRPr lang="en-CO" dirty="0"/>
+          </a:p>
+        </p:txBody>
+      </p:sp>
     </p:spTree>
     <p:extLst>
       <p:ext uri="{BB962C8B-B14F-4D97-AF65-F5344CB8AC3E}">
-        <p14:creationId xmlns:p14="http://schemas.microsoft.com/office/powerpoint/2010/main" val="2025707338"/>
+        <p14:creationId xmlns:p14="http://schemas.microsoft.com/office/powerpoint/2010/main" val="8368034"/>
       </p:ext>
     </p:extLst>
   </p:cSld>

--- a/Presentation_Subword.pptx
+++ b/Presentation_Subword.pptx
@@ -191,34 +191,6 @@
 
 <file path=ppt/comments/comment4.xml><?xml version="1.0" encoding="utf-8"?>
 <p:cmLst xmlns:a="http://schemas.openxmlformats.org/drawingml/2006/main" xmlns:r="http://schemas.openxmlformats.org/officeDocument/2006/relationships" xmlns:p="http://schemas.openxmlformats.org/presentationml/2006/main">
-  <p:cm authorId="1" dt="2020-06-29T09:57:35.797" idx="1">
-    <p:pos x="10" y="10"/>
-    <p:text>Split up CBOW and Skip-gram and give them their own slides, add Skip-gram equation to its slide.</p:text>
-    <p:extLst>
-      <p:ext uri="{C676402C-5697-4E1C-873F-D02D1690AC5C}">
-        <p15:threadingInfo xmlns:p15="http://schemas.microsoft.com/office/powerpoint/2012/main" timeZoneBias="-120"/>
-      </p:ext>
-    </p:extLst>
-  </p:cm>
-</p:cmLst>
-</file>
-
-<file path=ppt/comments/comment5.xml><?xml version="1.0" encoding="utf-8"?>
-<p:cmLst xmlns:a="http://schemas.openxmlformats.org/drawingml/2006/main" xmlns:r="http://schemas.openxmlformats.org/officeDocument/2006/relationships" xmlns:p="http://schemas.openxmlformats.org/presentationml/2006/main">
-  <p:cm authorId="1" dt="2020-06-29T10:24:06.196" idx="4">
-    <p:pos x="10" y="10"/>
-    <p:text>Make our own diagram that makes sense with the n-grams and its word.</p:text>
-    <p:extLst>
-      <p:ext uri="{C676402C-5697-4E1C-873F-D02D1690AC5C}">
-        <p15:threadingInfo xmlns:p15="http://schemas.microsoft.com/office/powerpoint/2012/main" timeZoneBias="-120"/>
-      </p:ext>
-    </p:extLst>
-  </p:cm>
-</p:cmLst>
-</file>
-
-<file path=ppt/comments/comment6.xml><?xml version="1.0" encoding="utf-8"?>
-<p:cmLst xmlns:a="http://schemas.openxmlformats.org/drawingml/2006/main" xmlns:r="http://schemas.openxmlformats.org/officeDocument/2006/relationships" xmlns:p="http://schemas.openxmlformats.org/presentationml/2006/main">
   <p:cm authorId="1" dt="2020-06-29T10:19:38.586" idx="2">
     <p:pos x="10" y="10"/>
     <p:text>Need to add either discussion of Spearman Rank to notes, or put eqn on slide?</p:text>
@@ -240,7 +212,7 @@
 </p:cmLst>
 </file>
 
-<file path=ppt/comments/comment7.xml><?xml version="1.0" encoding="utf-8"?>
+<file path=ppt/comments/comment5.xml><?xml version="1.0" encoding="utf-8"?>
 <p:cmLst xmlns:a="http://schemas.openxmlformats.org/drawingml/2006/main" xmlns:r="http://schemas.openxmlformats.org/officeDocument/2006/relationships" xmlns:p="http://schemas.openxmlformats.org/presentationml/2006/main">
   <p:cm authorId="1" dt="2020-06-29T10:24:53.529" idx="5">
     <p:pos x="10" y="10"/>
@@ -254,7 +226,7 @@
 </p:cmLst>
 </file>
 
-<file path=ppt/comments/comment8.xml><?xml version="1.0" encoding="utf-8"?>
+<file path=ppt/comments/comment6.xml><?xml version="1.0" encoding="utf-8"?>
 <p:cmLst xmlns:a="http://schemas.openxmlformats.org/drawingml/2006/main" xmlns:r="http://schemas.openxmlformats.org/officeDocument/2006/relationships" xmlns:p="http://schemas.openxmlformats.org/presentationml/2006/main">
   <p:cm authorId="1" dt="2020-06-29T10:24:53.529" idx="5">
     <p:pos x="10" y="10"/>
@@ -784,6 +756,282 @@
               <a:rPr lang="en-US" dirty="0"/>
               <a:t> code and show the results]</a:t>
             </a:r>
+          </a:p>
+          <a:p>
+            <a:endParaRPr lang="en-US" dirty="0"/>
+          </a:p>
+          <a:p>
+            <a:r>
+              <a:rPr lang="en-US" sz="1200" b="0" i="0" kern="1200" dirty="0">
+                <a:solidFill>
+                  <a:schemeClr val="tx1"/>
+                </a:solidFill>
+                <a:effectLst/>
+                <a:latin typeface="+mn-lt"/>
+                <a:ea typeface="+mn-ea"/>
+                <a:cs typeface="+mn-cs"/>
+              </a:rPr>
+              <a:t>The </a:t>
+            </a:r>
+            <a:r>
+              <a:rPr lang="en-US" dirty="0" err="1"/>
+              <a:t>window_size</a:t>
+            </a:r>
+            <a:r>
+              <a:rPr lang="en-US" sz="1200" b="0" i="0" kern="1200" dirty="0">
+                <a:solidFill>
+                  <a:schemeClr val="tx1"/>
+                </a:solidFill>
+                <a:effectLst/>
+                <a:latin typeface="+mn-lt"/>
+                <a:ea typeface="+mn-ea"/>
+                <a:cs typeface="+mn-cs"/>
+              </a:rPr>
+              <a:t> is the size of the number of words occurring before and after the word based on which the word representations will be learned for the word. </a:t>
+            </a:r>
+          </a:p>
+          <a:p>
+            <a:endParaRPr lang="en-US" sz="1200" b="0" i="0" kern="1200" dirty="0">
+              <a:solidFill>
+                <a:schemeClr val="tx1"/>
+              </a:solidFill>
+              <a:effectLst/>
+              <a:latin typeface="+mn-lt"/>
+              <a:ea typeface="+mn-ea"/>
+              <a:cs typeface="+mn-cs"/>
+            </a:endParaRPr>
+          </a:p>
+          <a:p>
+            <a:r>
+              <a:rPr lang="en-US" sz="1200" b="0" i="0" kern="1200" dirty="0">
+                <a:solidFill>
+                  <a:schemeClr val="tx1"/>
+                </a:solidFill>
+                <a:effectLst/>
+                <a:latin typeface="+mn-lt"/>
+                <a:ea typeface="+mn-ea"/>
+                <a:cs typeface="+mn-cs"/>
+              </a:rPr>
+              <a:t>The next hyper-parameter is the </a:t>
+            </a:r>
+            <a:r>
+              <a:rPr lang="en-US" dirty="0" err="1"/>
+              <a:t>min_word</a:t>
+            </a:r>
+            <a:r>
+              <a:rPr lang="en-US" sz="1200" b="0" i="0" kern="1200" dirty="0">
+                <a:solidFill>
+                  <a:schemeClr val="tx1"/>
+                </a:solidFill>
+                <a:effectLst/>
+                <a:latin typeface="+mn-lt"/>
+                <a:ea typeface="+mn-ea"/>
+                <a:cs typeface="+mn-cs"/>
+              </a:rPr>
+              <a:t>, which specifies the minimum frequency of a word in the corpus for which the word representations will be generated. Finally, the most frequently occurring word will be down-sampled by a number specified by the </a:t>
+            </a:r>
+            <a:r>
+              <a:rPr lang="en-US" dirty="0" err="1"/>
+              <a:t>down_sampling</a:t>
+            </a:r>
+            <a:r>
+              <a:rPr lang="en-US" sz="1200" b="0" i="0" kern="1200" dirty="0">
+                <a:solidFill>
+                  <a:schemeClr val="tx1"/>
+                </a:solidFill>
+                <a:effectLst/>
+                <a:latin typeface="+mn-lt"/>
+                <a:ea typeface="+mn-ea"/>
+                <a:cs typeface="+mn-cs"/>
+              </a:rPr>
+              <a:t> attribute.</a:t>
+            </a:r>
+          </a:p>
+          <a:p>
+            <a:endParaRPr lang="en-US" sz="1200" b="0" i="0" kern="1200" dirty="0">
+              <a:solidFill>
+                <a:schemeClr val="tx1"/>
+              </a:solidFill>
+              <a:effectLst/>
+              <a:latin typeface="+mn-lt"/>
+              <a:ea typeface="+mn-ea"/>
+              <a:cs typeface="+mn-cs"/>
+            </a:endParaRPr>
+          </a:p>
+          <a:p>
+            <a:r>
+              <a:rPr lang="en-US" dirty="0"/>
+              <a:t>Preprocessing:</a:t>
+            </a:r>
+          </a:p>
+          <a:p>
+            <a:pPr marL="285750" indent="-285750">
+              <a:buFontTx/>
+              <a:buChar char="-"/>
+            </a:pPr>
+            <a:r>
+              <a:rPr lang="en-US" dirty="0"/>
+              <a:t>All to lower case</a:t>
+            </a:r>
+          </a:p>
+          <a:p>
+            <a:pPr marL="285750" indent="-285750">
+              <a:buFontTx/>
+              <a:buChar char="-"/>
+            </a:pPr>
+            <a:r>
+              <a:rPr lang="en-US" dirty="0"/>
+              <a:t>All to root form</a:t>
+            </a:r>
+          </a:p>
+          <a:p>
+            <a:pPr marL="285750" indent="-285750">
+              <a:buFontTx/>
+              <a:buChar char="-"/>
+            </a:pPr>
+            <a:r>
+              <a:rPr lang="en-US" dirty="0"/>
+              <a:t>Remove stop words</a:t>
+            </a:r>
+          </a:p>
+          <a:p>
+            <a:endParaRPr lang="en-US" dirty="0"/>
+          </a:p>
+          <a:p>
+            <a:endParaRPr lang="en-US" dirty="0"/>
+          </a:p>
+          <a:p>
+            <a:r>
+              <a:rPr lang="en-US" dirty="0" err="1"/>
+              <a:t>Embedding_size</a:t>
+            </a:r>
+            <a:r>
+              <a:rPr lang="en-US" dirty="0"/>
+              <a:t> is the size of the embedding vector.</a:t>
+            </a:r>
+          </a:p>
+          <a:p>
+            <a:endParaRPr lang="en-US" dirty="0"/>
+          </a:p>
+          <a:p>
+            <a:r>
+              <a:rPr lang="en-US" dirty="0"/>
+              <a:t>In other words, each word in our corpus will be represented as a 60-dimensional vector.</a:t>
+            </a:r>
+          </a:p>
+          <a:p>
+            <a:endParaRPr lang="en-CO" dirty="0"/>
+          </a:p>
+          <a:p>
+            <a:endParaRPr lang="en-CO" dirty="0"/>
+          </a:p>
+        </p:txBody>
+      </p:sp>
+      <p:sp>
+        <p:nvSpPr>
+          <p:cNvPr id="4" name="Slide Number Placeholder 3"/>
+          <p:cNvSpPr>
+            <a:spLocks noGrp="1"/>
+          </p:cNvSpPr>
+          <p:nvPr>
+            <p:ph type="sldNum"/>
+          </p:nvPr>
+        </p:nvSpPr>
+        <p:spPr/>
+        <p:txBody>
+          <a:bodyPr/>
+          <a:lstStyle/>
+          <a:p>
+            <a:pPr algn="r"/>
+            <a:fld id="{D10B2105-225F-4FE3-849A-7975E719A850}" type="slidenum">
+              <a:rPr lang="en-GB" sz="1400" b="0" strike="noStrike" spc="-1" smtClean="0">
+                <a:latin typeface="Times New Roman"/>
+              </a:rPr>
+              <a:t>17</a:t>
+            </a:fld>
+            <a:endParaRPr lang="en-GB" sz="1400" b="0" strike="noStrike" spc="-1">
+              <a:latin typeface="Times New Roman"/>
+            </a:endParaRPr>
+          </a:p>
+        </p:txBody>
+      </p:sp>
+    </p:spTree>
+    <p:extLst>
+      <p:ext uri="{BB962C8B-B14F-4D97-AF65-F5344CB8AC3E}">
+        <p14:creationId xmlns:p14="http://schemas.microsoft.com/office/powerpoint/2010/main" val="2738393251"/>
+      </p:ext>
+    </p:extLst>
+  </p:cSld>
+  <p:clrMapOvr>
+    <a:masterClrMapping/>
+  </p:clrMapOvr>
+</p:notes>
+</file>
+
+<file path=ppt/notesSlides/notesSlide11.xml><?xml version="1.0" encoding="utf-8"?>
+<p:notes xmlns:a="http://schemas.openxmlformats.org/drawingml/2006/main" xmlns:r="http://schemas.openxmlformats.org/officeDocument/2006/relationships" xmlns:p="http://schemas.openxmlformats.org/presentationml/2006/main">
+  <p:cSld>
+    <p:spTree>
+      <p:nvGrpSpPr>
+        <p:cNvPr id="1" name=""/>
+        <p:cNvGrpSpPr/>
+        <p:nvPr/>
+      </p:nvGrpSpPr>
+      <p:grpSpPr>
+        <a:xfrm>
+          <a:off x="0" y="0"/>
+          <a:ext cx="0" cy="0"/>
+          <a:chOff x="0" y="0"/>
+          <a:chExt cx="0" cy="0"/>
+        </a:xfrm>
+      </p:grpSpPr>
+      <p:sp>
+        <p:nvSpPr>
+          <p:cNvPr id="2" name="Slide Image Placeholder 1"/>
+          <p:cNvSpPr>
+            <a:spLocks noGrp="1" noRot="1" noChangeAspect="1"/>
+          </p:cNvSpPr>
+          <p:nvPr>
+            <p:ph type="sldImg"/>
+          </p:nvPr>
+        </p:nvSpPr>
+        <p:spPr>
+          <a:xfrm>
+            <a:off x="1370013" y="763588"/>
+            <a:ext cx="5030787" cy="3771900"/>
+          </a:xfrm>
+        </p:spPr>
+      </p:sp>
+      <p:sp>
+        <p:nvSpPr>
+          <p:cNvPr id="3" name="Notes Placeholder 2"/>
+          <p:cNvSpPr>
+            <a:spLocks noGrp="1"/>
+          </p:cNvSpPr>
+          <p:nvPr>
+            <p:ph type="body" idx="1"/>
+          </p:nvPr>
+        </p:nvSpPr>
+        <p:spPr/>
+        <p:txBody>
+          <a:bodyPr/>
+          <a:lstStyle/>
+          <a:p>
+            <a:endParaRPr lang="en-US" dirty="0"/>
+          </a:p>
+          <a:p>
+            <a:r>
+              <a:rPr lang="en-US" dirty="0"/>
+              <a:t>[Potentially download and run some simple </a:t>
+            </a:r>
+            <a:r>
+              <a:rPr lang="en-US" dirty="0" err="1"/>
+              <a:t>fasttext</a:t>
+            </a:r>
+            <a:r>
+              <a:rPr lang="en-US" dirty="0"/>
+              <a:t> code and show the results]</a:t>
+            </a:r>
             <a:endParaRPr lang="en-CO" dirty="0"/>
           </a:p>
           <a:p>
@@ -832,7 +1080,7 @@
 </p:notes>
 </file>
 
-<file path=ppt/notesSlides/notesSlide11.xml><?xml version="1.0" encoding="utf-8"?>
+<file path=ppt/notesSlides/notesSlide12.xml><?xml version="1.0" encoding="utf-8"?>
 <p:notes xmlns:a="http://schemas.openxmlformats.org/drawingml/2006/main" xmlns:r="http://schemas.openxmlformats.org/officeDocument/2006/relationships" xmlns:p="http://schemas.openxmlformats.org/presentationml/2006/main">
   <p:cSld>
     <p:spTree>
@@ -1238,22 +1486,7 @@
               <a:tabLst/>
               <a:defRPr/>
             </a:pPr>
-            <a:r>
-              <a:rPr lang="en-US" sz="1200" b="1" kern="1200" dirty="0">
-                <a:solidFill>
-                  <a:schemeClr val="tx1"/>
-                </a:solidFill>
-                <a:effectLst/>
-                <a:latin typeface="+mn-lt"/>
-                <a:ea typeface="+mn-ea"/>
-                <a:cs typeface="+mn-cs"/>
-              </a:rPr>
-              <a:t>Skip-gram</a:t>
-            </a:r>
-            <a:r>
-              <a:rPr lang="en-US" dirty="0"/>
-              <a:t> model the context is predicted based on the source word</a:t>
-            </a:r>
+            <a:endParaRPr lang="en-US" dirty="0"/>
           </a:p>
           <a:p>
             <a:pPr marL="0" marR="0" lvl="0" indent="0" algn="l" defTabSz="914400" rtl="0" eaLnBrk="1" fontAlgn="auto" latinLnBrk="0" hangingPunct="1">
@@ -1273,180 +1506,10 @@
               <a:tabLst/>
               <a:defRPr/>
             </a:pPr>
-            <a:endParaRPr lang="en-US" dirty="0"/>
-          </a:p>
-          <a:p>
-            <a:pPr marL="0" marR="0" lvl="0" indent="0" algn="l" defTabSz="914400" rtl="0" eaLnBrk="1" fontAlgn="auto" latinLnBrk="0" hangingPunct="1">
-              <a:lnSpc>
-                <a:spcPct val="100000"/>
-              </a:lnSpc>
-              <a:spcBef>
-                <a:spcPts val="0"/>
-              </a:spcBef>
-              <a:spcAft>
-                <a:spcPts val="0"/>
-              </a:spcAft>
-              <a:buClrTx/>
-              <a:buSzTx/>
-              <a:buFontTx/>
-              <a:buNone/>
-              <a:tabLst/>
-              <a:defRPr/>
-            </a:pPr>
-            <a:endParaRPr lang="en-US" dirty="0"/>
-          </a:p>
-          <a:p>
-            <a:pPr marL="0" marR="0" lvl="0" indent="0" algn="l" defTabSz="914400" rtl="0" eaLnBrk="1" fontAlgn="auto" latinLnBrk="0" hangingPunct="1">
-              <a:lnSpc>
-                <a:spcPct val="100000"/>
-              </a:lnSpc>
-              <a:spcBef>
-                <a:spcPts val="0"/>
-              </a:spcBef>
-              <a:spcAft>
-                <a:spcPts val="0"/>
-              </a:spcAft>
-              <a:buClrTx/>
-              <a:buSzTx/>
-              <a:buFontTx/>
-              <a:buNone/>
-              <a:tabLst/>
-              <a:defRPr/>
-            </a:pPr>
             <a:r>
               <a:rPr lang="en-US" dirty="0"/>
               <a:t>In both architectures, after training, the output layer is “thrown away” and the hidden layer is used as the vector representation of the words.</a:t>
             </a:r>
-          </a:p>
-          <a:p>
-            <a:pPr marL="0" marR="0" lvl="0" indent="0" algn="l" defTabSz="914400" rtl="0" eaLnBrk="1" fontAlgn="auto" latinLnBrk="0" hangingPunct="1">
-              <a:lnSpc>
-                <a:spcPct val="100000"/>
-              </a:lnSpc>
-              <a:spcBef>
-                <a:spcPts val="0"/>
-              </a:spcBef>
-              <a:spcAft>
-                <a:spcPts val="0"/>
-              </a:spcAft>
-              <a:buClrTx/>
-              <a:buSzTx/>
-              <a:buFontTx/>
-              <a:buNone/>
-              <a:tabLst/>
-              <a:defRPr/>
-            </a:pPr>
-            <a:endParaRPr lang="en-US" dirty="0"/>
-          </a:p>
-          <a:p>
-            <a:pPr marL="0" marR="0" lvl="0" indent="0" algn="l" defTabSz="914400" rtl="0" eaLnBrk="1" fontAlgn="auto" latinLnBrk="0" hangingPunct="1">
-              <a:lnSpc>
-                <a:spcPct val="100000"/>
-              </a:lnSpc>
-              <a:spcBef>
-                <a:spcPts val="0"/>
-              </a:spcBef>
-              <a:spcAft>
-                <a:spcPts val="0"/>
-              </a:spcAft>
-              <a:buClrTx/>
-              <a:buSzTx/>
-              <a:buFontTx/>
-              <a:buNone/>
-              <a:tabLst/>
-              <a:defRPr/>
-            </a:pPr>
-            <a:r>
-              <a:rPr lang="en-US" dirty="0"/>
-              <a:t>Additional Note: Later this same year, “Distributed Representations of Words and Phrases and their Compositionality” was published which introduced improvements to the Skip-gram model such as Negative Sampling and Subsampling of Frequent Words.</a:t>
-            </a:r>
-          </a:p>
-          <a:p>
-            <a:pPr marL="0" marR="0" lvl="0" indent="0" algn="l" defTabSz="914400" rtl="0" eaLnBrk="1" fontAlgn="auto" latinLnBrk="0" hangingPunct="1">
-              <a:lnSpc>
-                <a:spcPct val="100000"/>
-              </a:lnSpc>
-              <a:spcBef>
-                <a:spcPts val="0"/>
-              </a:spcBef>
-              <a:spcAft>
-                <a:spcPts val="0"/>
-              </a:spcAft>
-              <a:buClrTx/>
-              <a:buSzTx/>
-              <a:buFontTx/>
-              <a:buNone/>
-              <a:tabLst/>
-              <a:defRPr/>
-            </a:pPr>
-            <a:r>
-              <a:rPr lang="en-US" dirty="0"/>
-              <a:t>[</a:t>
-            </a:r>
-            <a:r>
-              <a:rPr lang="en-US" dirty="0" err="1"/>
-              <a:t>Mikolov</a:t>
-            </a:r>
-            <a:r>
-              <a:rPr lang="en-US" dirty="0"/>
-              <a:t> et al., Distributed Representations of Words and Phrases and their Compositionality: https://arxiv.org/abs/1310.4546]</a:t>
-            </a:r>
-          </a:p>
-          <a:p>
-            <a:pPr marL="0" marR="0" lvl="0" indent="0" algn="l" defTabSz="914400" rtl="0" eaLnBrk="1" fontAlgn="auto" latinLnBrk="0" hangingPunct="1">
-              <a:lnSpc>
-                <a:spcPct val="100000"/>
-              </a:lnSpc>
-              <a:spcBef>
-                <a:spcPts val="0"/>
-              </a:spcBef>
-              <a:spcAft>
-                <a:spcPts val="0"/>
-              </a:spcAft>
-              <a:buClrTx/>
-              <a:buSzTx/>
-              <a:buFontTx/>
-              <a:buNone/>
-              <a:tabLst/>
-              <a:defRPr/>
-            </a:pPr>
-            <a:endParaRPr lang="en-US" sz="1200" b="0" i="0" kern="1200" dirty="0">
-              <a:solidFill>
-                <a:schemeClr val="tx1"/>
-              </a:solidFill>
-              <a:effectLst/>
-              <a:latin typeface="+mn-lt"/>
-              <a:ea typeface="+mn-ea"/>
-              <a:cs typeface="+mn-cs"/>
-            </a:endParaRPr>
-          </a:p>
-          <a:p>
-            <a:pPr marL="0" marR="0" lvl="0" indent="0" algn="l" defTabSz="914400" rtl="0" eaLnBrk="1" fontAlgn="auto" latinLnBrk="0" hangingPunct="1">
-              <a:lnSpc>
-                <a:spcPct val="100000"/>
-              </a:lnSpc>
-              <a:spcBef>
-                <a:spcPts val="0"/>
-              </a:spcBef>
-              <a:spcAft>
-                <a:spcPts val="0"/>
-              </a:spcAft>
-              <a:buClrTx/>
-              <a:buSzTx/>
-              <a:buFontTx/>
-              <a:buNone/>
-              <a:tabLst/>
-              <a:defRPr/>
-            </a:pPr>
-            <a:endParaRPr lang="en-US" sz="1200" b="0" i="0" kern="1200" dirty="0">
-              <a:solidFill>
-                <a:schemeClr val="tx1"/>
-              </a:solidFill>
-              <a:effectLst/>
-              <a:latin typeface="+mn-lt"/>
-              <a:ea typeface="+mn-ea"/>
-              <a:cs typeface="+mn-cs"/>
-            </a:endParaRPr>
           </a:p>
           <a:p>
             <a:pPr marL="0" marR="0" lvl="0" indent="0" algn="l" defTabSz="914400" rtl="0" eaLnBrk="1" fontAlgn="auto" latinLnBrk="0" hangingPunct="1">
@@ -1611,18 +1674,15 @@
               <a:tabLst/>
               <a:defRPr/>
             </a:pPr>
-            <a:r>
-              <a:rPr lang="en-US" sz="1200" b="0" i="0" kern="1200" dirty="0">
-                <a:solidFill>
-                  <a:schemeClr val="tx1"/>
-                </a:solidFill>
-                <a:effectLst/>
-                <a:latin typeface="+mn-lt"/>
-                <a:ea typeface="+mn-ea"/>
-                <a:cs typeface="+mn-cs"/>
-              </a:rPr>
-              <a:t>The CBOW model architecture predict the target word (the center word) based on the source context words (surrounding words).</a:t>
-            </a:r>
+            <a:endParaRPr lang="en-US" sz="1200" b="0" i="0" kern="1200" dirty="0">
+              <a:solidFill>
+                <a:schemeClr val="tx1"/>
+              </a:solidFill>
+              <a:effectLst/>
+              <a:latin typeface="+mn-lt"/>
+              <a:ea typeface="+mn-ea"/>
+              <a:cs typeface="+mn-cs"/>
+            </a:endParaRPr>
           </a:p>
           <a:p>
             <a:pPr marL="0" marR="0" lvl="0" indent="0" algn="l" defTabSz="914400" rtl="0" eaLnBrk="1" fontAlgn="auto" latinLnBrk="0" hangingPunct="1">
@@ -1762,7 +1822,7 @@
             </a:pPr>
             <a:r>
               <a:rPr lang="en-US" dirty="0"/>
-              <a:t>Additional Note: Later this same year, “Distributed Representations of Words and Phrases and their Compositionality” was published which introduced improvements to the Skip-gram model such as Negative Sampling and Subsampling of Frequent Words.</a:t>
+              <a:t>Additional Note: Later this same year, “Distributed Representations of Words and Phrases and their Compositionality” was published which introduced improvements to the Skip-gram model such as Negative Sampling and Subsampling of Frequent Words and </a:t>
             </a:r>
           </a:p>
           <a:p>
@@ -2495,102 +2555,80 @@
           <a:bodyPr/>
           <a:lstStyle/>
           <a:p>
+            <a:r>
+              <a:rPr lang="en-US" dirty="0"/>
+              <a:t>"The task consists of analogies such as "Germany" : "Berlin" :: "France" : ?, which are solved by finding a vector x such that </a:t>
+            </a:r>
+            <a:r>
+              <a:rPr lang="en-US" dirty="0" err="1"/>
+              <a:t>vec</a:t>
+            </a:r>
+            <a:r>
+              <a:rPr lang="en-US" dirty="0"/>
+              <a:t>(x) is closest to </a:t>
+            </a:r>
+            <a:r>
+              <a:rPr lang="en-US" dirty="0" err="1"/>
+              <a:t>vec</a:t>
+            </a:r>
+            <a:r>
+              <a:rPr lang="en-US" dirty="0"/>
+              <a:t>("Berlin") - </a:t>
+            </a:r>
+            <a:r>
+              <a:rPr lang="en-US" dirty="0" err="1"/>
+              <a:t>vec</a:t>
+            </a:r>
+            <a:r>
+              <a:rPr lang="en-US" dirty="0"/>
+              <a:t>("Germany") + </a:t>
+            </a:r>
+            <a:r>
+              <a:rPr lang="en-US" dirty="0" err="1"/>
+              <a:t>vec</a:t>
+            </a:r>
+            <a:r>
+              <a:rPr lang="en-US" dirty="0"/>
+              <a:t>("France") according to the cosine distance (we discard the input words from the search). This specific example is considered to have been answered correctly if x is "Paris". The task has two broad categories: the syntactic analogies (such as "quick" : "quickly" :: "slow" : "slowly") and the semantic analogies, such as the country to capital city relationship.“</a:t>
+            </a:r>
+          </a:p>
+          <a:p>
             <a:endParaRPr lang="en-US" dirty="0"/>
           </a:p>
           <a:p>
             <a:r>
               <a:rPr lang="en-US" dirty="0"/>
-              <a:t>[Potentially download and run some simple </a:t>
+              <a:t>[</a:t>
             </a:r>
             <a:r>
               <a:rPr lang="en-US" dirty="0" err="1"/>
-              <a:t>fasttext</a:t>
+              <a:t>Mikolov</a:t>
             </a:r>
             <a:r>
               <a:rPr lang="en-US" dirty="0"/>
-              <a:t> code and show the results]</a:t>
+              <a:t> et al., Distributed Representations of Words and Phrases and their Compositionality: https://arxiv.org/abs/1310.4546]</a:t>
             </a:r>
           </a:p>
           <a:p>
             <a:endParaRPr lang="en-US" dirty="0"/>
           </a:p>
           <a:p>
-            <a:r>
+            <a:endParaRPr lang="en-US" dirty="0"/>
+          </a:p>
+          <a:p>
+            <a:endParaRPr lang="en-US" dirty="0"/>
+          </a:p>
+          <a:p>
+            <a:endParaRPr lang="en-US" dirty="0"/>
+          </a:p>
+          <a:p>
+            <a:br>
               <a:rPr lang="en-US" dirty="0"/>
-              <a:t>G</a:t>
-            </a:r>
-            <a:r>
-              <a:rPr lang="en-CO" dirty="0"/>
-              <a:t>ensim.models.fastext </a:t>
-            </a:r>
-          </a:p>
-          <a:p>
-            <a:r>
-              <a:rPr lang="en-US" dirty="0"/>
-              <a:t>N</a:t>
-            </a:r>
-            <a:r>
-              <a:rPr lang="en-CO" dirty="0"/>
-              <a:t>ltk </a:t>
-            </a:r>
-            <a:r>
-              <a:rPr lang="en-CO" dirty="0">
-                <a:sym typeface="Wingdings" pitchFamily="2" charset="2"/>
-              </a:rPr>
-              <a:t> natural language toolkit</a:t>
-            </a:r>
-          </a:p>
-          <a:p>
-            <a:r>
-              <a:rPr lang="en-US" dirty="0"/>
-              <a:t>W</a:t>
-            </a:r>
-            <a:r>
-              <a:rPr lang="en-CO" dirty="0"/>
-              <a:t>ikipedia</a:t>
-            </a:r>
-          </a:p>
-          <a:p>
+            </a:br>
             <a:endParaRPr lang="en-US" dirty="0"/>
           </a:p>
           <a:p>
             <a:endParaRPr lang="en-US" dirty="0"/>
-          </a:p>
-          <a:p>
-            <a:pPr marL="285750" indent="-285750">
-              <a:lnSpc>
-                <a:spcPct val="90000"/>
-              </a:lnSpc>
-              <a:spcBef>
-                <a:spcPts val="1000"/>
-              </a:spcBef>
-              <a:buFont typeface="Arial" panose="020B0604020202020204" pitchFamily="34" charset="0"/>
-              <a:buChar char="•"/>
-            </a:pPr>
-            <a:r>
-              <a:rPr lang="en-US" dirty="0"/>
-              <a:t>Text Classification (hate speech detection, etc.)</a:t>
-            </a:r>
-          </a:p>
-          <a:p>
-            <a:pPr marL="0" lvl="1">
-              <a:lnSpc>
-                <a:spcPct val="90000"/>
-              </a:lnSpc>
-              <a:spcBef>
-                <a:spcPts val="1000"/>
-              </a:spcBef>
-            </a:pPr>
-            <a:r>
-              <a:rPr lang="en-US" dirty="0"/>
-              <a:t>	Assigning a set of predefined categories to free-text. Text classifiers can 	be used to organize, structure, and categorize</a:t>
-            </a:r>
-          </a:p>
-          <a:p>
-            <a:endParaRPr lang="en-CO" dirty="0"/>
-          </a:p>
-          <a:p>
-            <a:endParaRPr lang="en-CO" dirty="0"/>
           </a:p>
         </p:txBody>
       </p:sp>
@@ -2614,7 +2652,7 @@
               <a:rPr lang="en-GB" sz="1400" b="0" strike="noStrike" spc="-1" smtClean="0">
                 <a:latin typeface="Times New Roman"/>
               </a:rPr>
-              <a:t>16</a:t>
+              <a:t>11</a:t>
             </a:fld>
             <a:endParaRPr lang="en-GB" sz="1400" b="0" strike="noStrike" spc="-1">
               <a:latin typeface="Times New Roman"/>
@@ -2625,7 +2663,7 @@
     </p:spTree>
     <p:extLst>
       <p:ext uri="{BB962C8B-B14F-4D97-AF65-F5344CB8AC3E}">
-        <p14:creationId xmlns:p14="http://schemas.microsoft.com/office/powerpoint/2010/main" val="970338645"/>
+        <p14:creationId xmlns:p14="http://schemas.microsoft.com/office/powerpoint/2010/main" val="2411557342"/>
       </p:ext>
     </p:extLst>
   </p:cSld>
@@ -2705,161 +2743,74 @@
           </a:p>
           <a:p>
             <a:r>
-              <a:rPr lang="en-US" sz="1200" b="0" i="0" kern="1200" dirty="0">
-                <a:solidFill>
-                  <a:schemeClr val="tx1"/>
-                </a:solidFill>
-                <a:effectLst/>
-                <a:latin typeface="+mn-lt"/>
-                <a:ea typeface="+mn-ea"/>
-                <a:cs typeface="+mn-cs"/>
+              <a:rPr lang="en-US" dirty="0"/>
+              <a:t>G</a:t>
+            </a:r>
+            <a:r>
+              <a:rPr lang="en-CO" dirty="0"/>
+              <a:t>ensim.models.fastext </a:t>
+            </a:r>
+          </a:p>
+          <a:p>
+            <a:r>
+              <a:rPr lang="en-US" dirty="0"/>
+              <a:t>N</a:t>
+            </a:r>
+            <a:r>
+              <a:rPr lang="en-CO" dirty="0"/>
+              <a:t>ltk </a:t>
+            </a:r>
+            <a:r>
+              <a:rPr lang="en-CO" dirty="0">
+                <a:sym typeface="Wingdings" pitchFamily="2" charset="2"/>
               </a:rPr>
-              <a:t>The </a:t>
-            </a:r>
-            <a:r>
-              <a:rPr lang="en-US" dirty="0" err="1"/>
-              <a:t>window_size</a:t>
-            </a:r>
-            <a:r>
-              <a:rPr lang="en-US" sz="1200" b="0" i="0" kern="1200" dirty="0">
-                <a:solidFill>
-                  <a:schemeClr val="tx1"/>
-                </a:solidFill>
-                <a:effectLst/>
-                <a:latin typeface="+mn-lt"/>
-                <a:ea typeface="+mn-ea"/>
-                <a:cs typeface="+mn-cs"/>
-              </a:rPr>
-              <a:t> is the size of the number of words occurring before and after the word based on which the word representations will be learned for the word. </a:t>
-            </a:r>
-          </a:p>
-          <a:p>
-            <a:endParaRPr lang="en-US" sz="1200" b="0" i="0" kern="1200" dirty="0">
-              <a:solidFill>
-                <a:schemeClr val="tx1"/>
-              </a:solidFill>
-              <a:effectLst/>
-              <a:latin typeface="+mn-lt"/>
-              <a:ea typeface="+mn-ea"/>
-              <a:cs typeface="+mn-cs"/>
-            </a:endParaRPr>
-          </a:p>
-          <a:p>
-            <a:r>
-              <a:rPr lang="en-US" sz="1200" b="0" i="0" kern="1200" dirty="0">
-                <a:solidFill>
-                  <a:schemeClr val="tx1"/>
-                </a:solidFill>
-                <a:effectLst/>
-                <a:latin typeface="+mn-lt"/>
-                <a:ea typeface="+mn-ea"/>
-                <a:cs typeface="+mn-cs"/>
-              </a:rPr>
-              <a:t>The next hyper-parameter is the </a:t>
-            </a:r>
-            <a:r>
-              <a:rPr lang="en-US" dirty="0" err="1"/>
-              <a:t>min_word</a:t>
-            </a:r>
-            <a:r>
-              <a:rPr lang="en-US" sz="1200" b="0" i="0" kern="1200" dirty="0">
-                <a:solidFill>
-                  <a:schemeClr val="tx1"/>
-                </a:solidFill>
-                <a:effectLst/>
-                <a:latin typeface="+mn-lt"/>
-                <a:ea typeface="+mn-ea"/>
-                <a:cs typeface="+mn-cs"/>
-              </a:rPr>
-              <a:t>, which specifies the minimum frequency of a word in the corpus for which the word representations will be generated. Finally, the most frequently occurring word will be down-sampled by a number specified by the </a:t>
-            </a:r>
-            <a:r>
-              <a:rPr lang="en-US" dirty="0" err="1"/>
-              <a:t>down_sampling</a:t>
-            </a:r>
-            <a:r>
-              <a:rPr lang="en-US" sz="1200" b="0" i="0" kern="1200" dirty="0">
-                <a:solidFill>
-                  <a:schemeClr val="tx1"/>
-                </a:solidFill>
-                <a:effectLst/>
-                <a:latin typeface="+mn-lt"/>
-                <a:ea typeface="+mn-ea"/>
-                <a:cs typeface="+mn-cs"/>
-              </a:rPr>
-              <a:t> attribute.</a:t>
-            </a:r>
-          </a:p>
-          <a:p>
-            <a:endParaRPr lang="en-US" sz="1200" b="0" i="0" kern="1200" dirty="0">
-              <a:solidFill>
-                <a:schemeClr val="tx1"/>
-              </a:solidFill>
-              <a:effectLst/>
-              <a:latin typeface="+mn-lt"/>
-              <a:ea typeface="+mn-ea"/>
-              <a:cs typeface="+mn-cs"/>
-            </a:endParaRPr>
+              <a:t> natural language toolkit</a:t>
+            </a:r>
           </a:p>
           <a:p>
             <a:r>
               <a:rPr lang="en-US" dirty="0"/>
-              <a:t>Preprocessing:</a:t>
-            </a:r>
+              <a:t>W</a:t>
+            </a:r>
+            <a:r>
+              <a:rPr lang="en-CO" dirty="0"/>
+              <a:t>ikipedia</a:t>
+            </a:r>
+          </a:p>
+          <a:p>
+            <a:endParaRPr lang="en-US" dirty="0"/>
+          </a:p>
+          <a:p>
+            <a:endParaRPr lang="en-US" dirty="0"/>
           </a:p>
           <a:p>
             <a:pPr marL="285750" indent="-285750">
-              <a:buFontTx/>
-              <a:buChar char="-"/>
+              <a:lnSpc>
+                <a:spcPct val="90000"/>
+              </a:lnSpc>
+              <a:spcBef>
+                <a:spcPts val="1000"/>
+              </a:spcBef>
+              <a:buFont typeface="Arial" panose="020B0604020202020204" pitchFamily="34" charset="0"/>
+              <a:buChar char="•"/>
             </a:pPr>
             <a:r>
               <a:rPr lang="en-US" dirty="0"/>
-              <a:t>All to lower case</a:t>
-            </a:r>
-          </a:p>
-          <a:p>
-            <a:pPr marL="285750" indent="-285750">
-              <a:buFontTx/>
-              <a:buChar char="-"/>
+              <a:t>Text Classification (hate speech detection, etc.)</a:t>
+            </a:r>
+          </a:p>
+          <a:p>
+            <a:pPr marL="0" lvl="1">
+              <a:lnSpc>
+                <a:spcPct val="90000"/>
+              </a:lnSpc>
+              <a:spcBef>
+                <a:spcPts val="1000"/>
+              </a:spcBef>
             </a:pPr>
             <a:r>
               <a:rPr lang="en-US" dirty="0"/>
-              <a:t>All to root form</a:t>
-            </a:r>
-          </a:p>
-          <a:p>
-            <a:pPr marL="285750" indent="-285750">
-              <a:buFontTx/>
-              <a:buChar char="-"/>
-            </a:pPr>
-            <a:r>
-              <a:rPr lang="en-US" dirty="0"/>
-              <a:t>Remove stop words</a:t>
-            </a:r>
-          </a:p>
-          <a:p>
-            <a:endParaRPr lang="en-US" dirty="0"/>
-          </a:p>
-          <a:p>
-            <a:endParaRPr lang="en-US" dirty="0"/>
-          </a:p>
-          <a:p>
-            <a:r>
-              <a:rPr lang="en-US" dirty="0" err="1"/>
-              <a:t>Embedding_size</a:t>
-            </a:r>
-            <a:r>
-              <a:rPr lang="en-US" dirty="0"/>
-              <a:t> is the size of the embedding vector.</a:t>
-            </a:r>
-          </a:p>
-          <a:p>
-            <a:endParaRPr lang="en-US" dirty="0"/>
-          </a:p>
-          <a:p>
-            <a:r>
-              <a:rPr lang="en-US" dirty="0"/>
-              <a:t>In other words, each word in our corpus will be represented as a 60-dimensional vector.</a:t>
+              <a:t>	Assigning a set of predefined categories to free-text. Text classifiers can 	be used to organize, structure, and categorize</a:t>
             </a:r>
           </a:p>
           <a:p>
@@ -2890,7 +2841,7 @@
               <a:rPr lang="en-GB" sz="1400" b="0" strike="noStrike" spc="-1" smtClean="0">
                 <a:latin typeface="Times New Roman"/>
               </a:rPr>
-              <a:t>17</a:t>
+              <a:t>16</a:t>
             </a:fld>
             <a:endParaRPr lang="en-GB" sz="1400" b="0" strike="noStrike" spc="-1">
               <a:latin typeface="Times New Roman"/>
@@ -2901,7 +2852,7 @@
     </p:spTree>
     <p:extLst>
       <p:ext uri="{BB962C8B-B14F-4D97-AF65-F5344CB8AC3E}">
-        <p14:creationId xmlns:p14="http://schemas.microsoft.com/office/powerpoint/2010/main" val="2738393251"/>
+        <p14:creationId xmlns:p14="http://schemas.microsoft.com/office/powerpoint/2010/main" val="970338645"/>
       </p:ext>
     </p:extLst>
   </p:cSld>
@@ -9251,7 +9202,7 @@
           <p:nvPr/>
         </p:nvPicPr>
         <p:blipFill>
-          <a:blip r:embed="rId2"/>
+          <a:blip r:embed="rId3"/>
           <a:stretch>
             <a:fillRect/>
           </a:stretch>
@@ -9623,7 +9574,7 @@
                 </a:solidFill>
                 <a:latin typeface="Arial"/>
               </a:rPr>
-              <a:t>Main Contribution</a:t>
+              <a:t>Main Contributions</a:t>
             </a:r>
           </a:p>
         </p:txBody>
@@ -9643,7 +9594,7 @@
         <p:spPr>
           <a:xfrm>
             <a:off x="338664" y="1666369"/>
-            <a:ext cx="8466671" cy="2308324"/>
+            <a:ext cx="8466671" cy="2585323"/>
           </a:xfrm>
           <a:prstGeom prst="rect">
             <a:avLst/>
@@ -9675,7 +9626,7 @@
             </a:pPr>
             <a:r>
               <a:rPr lang="en-US" dirty="0"/>
-              <a:t>Works well for syntactic analogies and does not degrade semantic much.</a:t>
+              <a:t>Works well for syntactic analogies and does not degrade semantic analogies much.</a:t>
             </a:r>
           </a:p>
           <a:p>
@@ -13086,15 +13037,15 @@
         </p:nvSpPr>
         <p:spPr>
           <a:xfrm>
-            <a:off x="2450297" y="1035553"/>
-            <a:ext cx="4243406" cy="430887"/>
-          </a:xfrm>
-          <a:prstGeom prst="rect">
-            <a:avLst/>
-          </a:prstGeom>
-        </p:spPr>
-        <p:txBody>
-          <a:bodyPr wrap="none">
+            <a:off x="1513905" y="1005643"/>
+            <a:ext cx="6116187" cy="430887"/>
+          </a:xfrm>
+          <a:prstGeom prst="rect">
+            <a:avLst/>
+          </a:prstGeom>
+        </p:spPr>
+        <p:txBody>
+          <a:bodyPr wrap="square">
             <a:spAutoFit/>
           </a:bodyPr>
           <a:lstStyle/>
@@ -13111,7 +13062,7 @@
                 </a:solidFill>
                 <a:latin typeface="Arial"/>
               </a:rPr>
-              <a:t>Background (Word2Vec, 2013)</a:t>
+              <a:t>Background (Word2Vec, 2013) - CBOW</a:t>
             </a:r>
             <a:endParaRPr lang="en-CO" sz="2200" b="1" spc="-1" dirty="0">
               <a:solidFill>
@@ -13122,12 +13073,67 @@
           </a:p>
         </p:txBody>
       </p:sp>
+      <p:sp>
+        <p:nvSpPr>
+          <p:cNvPr id="7" name="TextBox 6">
+            <a:extLst>
+              <a:ext uri="{FF2B5EF4-FFF2-40B4-BE49-F238E27FC236}">
+                <a16:creationId xmlns:a16="http://schemas.microsoft.com/office/drawing/2014/main" id="{78A0EA90-EDED-4D14-A2DC-5A8023193046}"/>
+              </a:ext>
+            </a:extLst>
+          </p:cNvPr>
+          <p:cNvSpPr txBox="1"/>
+          <p:nvPr/>
+        </p:nvSpPr>
+        <p:spPr>
+          <a:xfrm>
+            <a:off x="264694" y="6279230"/>
+            <a:ext cx="8614611" cy="261610"/>
+          </a:xfrm>
+          <a:prstGeom prst="rect">
+            <a:avLst/>
+          </a:prstGeom>
+          <a:noFill/>
+        </p:spPr>
+        <p:txBody>
+          <a:bodyPr wrap="square" rtlCol="0">
+            <a:spAutoFit/>
+          </a:bodyPr>
+          <a:lstStyle/>
+          <a:p>
+            <a:pPr algn="l"/>
+            <a:r>
+              <a:rPr lang="en-US" sz="1050" b="0" i="0" u="none" strike="noStrike" baseline="0" dirty="0" err="1">
+                <a:solidFill>
+                  <a:srgbClr val="FF0000"/>
+                </a:solidFill>
+                <a:latin typeface="ArialNarrow"/>
+              </a:rPr>
+              <a:t>Mikolov</a:t>
+            </a:r>
+            <a:r>
+              <a:rPr lang="en-US" sz="1050" b="0" i="0" u="none" strike="noStrike" baseline="0" dirty="0">
+                <a:solidFill>
+                  <a:srgbClr val="FF0000"/>
+                </a:solidFill>
+                <a:latin typeface="ArialNarrow"/>
+              </a:rPr>
+              <a:t> et al., Word2Vec: Efficient Estimation of Word Representations in Vector Space: https://arxiv.org/pdf/1301.3781.pdf</a:t>
+            </a:r>
+            <a:endParaRPr lang="en-US" sz="1050" dirty="0">
+              <a:solidFill>
+                <a:srgbClr val="FF0000"/>
+              </a:solidFill>
+            </a:endParaRPr>
+          </a:p>
+        </p:txBody>
+      </p:sp>
       <p:pic>
         <p:nvPicPr>
-          <p:cNvPr id="6" name="Picture 5">
+          <p:cNvPr id="4" name="Picture 3">
             <a:extLst>
               <a:ext uri="{FF2B5EF4-FFF2-40B4-BE49-F238E27FC236}">
-                <a16:creationId xmlns:a16="http://schemas.microsoft.com/office/drawing/2014/main" id="{AF6E55E1-DF8B-429B-845C-89C3796F5BFE}"/>
+                <a16:creationId xmlns:a16="http://schemas.microsoft.com/office/drawing/2014/main" id="{69C30D97-9A2C-4046-9C44-29177467BE08}"/>
               </a:ext>
             </a:extLst>
           </p:cNvPr>
@@ -13144,20 +13150,50 @@
         </p:blipFill>
         <p:spPr>
           <a:xfrm>
-            <a:off x="643007" y="1466440"/>
-            <a:ext cx="7857985" cy="4573750"/>
+            <a:off x="2702690" y="1516973"/>
+            <a:ext cx="3038828" cy="3503252"/>
           </a:xfrm>
           <a:prstGeom prst="rect">
             <a:avLst/>
           </a:prstGeom>
         </p:spPr>
       </p:pic>
-      <p:sp>
-        <p:nvSpPr>
-          <p:cNvPr id="7" name="TextBox 6">
+      <p:pic>
+        <p:nvPicPr>
+          <p:cNvPr id="8" name="Picture 7">
             <a:extLst>
               <a:ext uri="{FF2B5EF4-FFF2-40B4-BE49-F238E27FC236}">
-                <a16:creationId xmlns:a16="http://schemas.microsoft.com/office/drawing/2014/main" id="{78A0EA90-EDED-4D14-A2DC-5A8023193046}"/>
+                <a16:creationId xmlns:a16="http://schemas.microsoft.com/office/drawing/2014/main" id="{3F0FBC75-15E7-427F-8BB8-C1BFC5AD630C}"/>
+              </a:ext>
+            </a:extLst>
+          </p:cNvPr>
+          <p:cNvPicPr>
+            <a:picLocks noChangeAspect="1"/>
+          </p:cNvPicPr>
+          <p:nvPr/>
+        </p:nvPicPr>
+        <p:blipFill>
+          <a:blip r:embed="rId4"/>
+          <a:stretch>
+            <a:fillRect/>
+          </a:stretch>
+        </p:blipFill>
+        <p:spPr>
+          <a:xfrm>
+            <a:off x="3557288" y="5736396"/>
+            <a:ext cx="251861" cy="195506"/>
+          </a:xfrm>
+          <a:prstGeom prst="rect">
+            <a:avLst/>
+          </a:prstGeom>
+        </p:spPr>
+      </p:pic>
+      <p:sp>
+        <p:nvSpPr>
+          <p:cNvPr id="10" name="TextBox 9">
+            <a:extLst>
+              <a:ext uri="{FF2B5EF4-FFF2-40B4-BE49-F238E27FC236}">
+                <a16:creationId xmlns:a16="http://schemas.microsoft.com/office/drawing/2014/main" id="{17305CC4-C7D4-4F2E-95C5-9C20BC933C06}"/>
               </a:ext>
             </a:extLst>
           </p:cNvPr>
@@ -13166,8 +13202,8 @@
         </p:nvSpPr>
         <p:spPr>
           <a:xfrm>
-            <a:off x="264694" y="6279230"/>
-            <a:ext cx="8614611" cy="261610"/>
+            <a:off x="1370619" y="5237548"/>
+            <a:ext cx="651140" cy="461665"/>
           </a:xfrm>
           <a:prstGeom prst="rect">
             <a:avLst/>
@@ -13175,38 +13211,437 @@
           <a:noFill/>
         </p:spPr>
         <p:txBody>
-          <a:bodyPr wrap="square" rtlCol="0">
+          <a:bodyPr wrap="none" rtlCol="0">
             <a:spAutoFit/>
           </a:bodyPr>
           <a:lstStyle/>
           <a:p>
-            <a:pPr algn="l"/>
-            <a:r>
-              <a:rPr lang="en-US" sz="1050" b="0" i="0" u="none" strike="noStrike" baseline="0" dirty="0" err="1">
+            <a:r>
+              <a:rPr lang="en-US" sz="2400" dirty="0"/>
+              <a:t>The</a:t>
+            </a:r>
+          </a:p>
+        </p:txBody>
+      </p:sp>
+      <p:sp>
+        <p:nvSpPr>
+          <p:cNvPr id="12" name="TextBox 11">
+            <a:extLst>
+              <a:ext uri="{FF2B5EF4-FFF2-40B4-BE49-F238E27FC236}">
+                <a16:creationId xmlns:a16="http://schemas.microsoft.com/office/drawing/2014/main" id="{6EA7F764-DA90-4E07-B2AD-35B409295A71}"/>
+              </a:ext>
+            </a:extLst>
+          </p:cNvPr>
+          <p:cNvSpPr txBox="1"/>
+          <p:nvPr/>
+        </p:nvSpPr>
+        <p:spPr>
+          <a:xfrm>
+            <a:off x="2085708" y="5237548"/>
+            <a:ext cx="1045927" cy="461665"/>
+          </a:xfrm>
+          <a:prstGeom prst="rect">
+            <a:avLst/>
+          </a:prstGeom>
+          <a:noFill/>
+        </p:spPr>
+        <p:txBody>
+          <a:bodyPr wrap="none" rtlCol="0">
+            <a:spAutoFit/>
+          </a:bodyPr>
+          <a:lstStyle/>
+          <a:p>
+            <a:r>
+              <a:rPr lang="en-US" sz="2400" dirty="0"/>
+              <a:t>mighty</a:t>
+            </a:r>
+          </a:p>
+        </p:txBody>
+      </p:sp>
+      <p:sp>
+        <p:nvSpPr>
+          <p:cNvPr id="14" name="TextBox 13">
+            <a:extLst>
+              <a:ext uri="{FF2B5EF4-FFF2-40B4-BE49-F238E27FC236}">
+                <a16:creationId xmlns:a16="http://schemas.microsoft.com/office/drawing/2014/main" id="{29D3AFB2-71BE-4BC3-AB62-034F8525986E}"/>
+              </a:ext>
+            </a:extLst>
+          </p:cNvPr>
+          <p:cNvSpPr txBox="1"/>
+          <p:nvPr/>
+        </p:nvSpPr>
+        <p:spPr>
+          <a:xfrm>
+            <a:off x="3195584" y="5237548"/>
+            <a:ext cx="962571" cy="461665"/>
+          </a:xfrm>
+          <a:prstGeom prst="rect">
+            <a:avLst/>
+          </a:prstGeom>
+          <a:noFill/>
+        </p:spPr>
+        <p:txBody>
+          <a:bodyPr wrap="none" rtlCol="0">
+            <a:spAutoFit/>
+          </a:bodyPr>
+          <a:lstStyle/>
+          <a:p>
+            <a:r>
+              <a:rPr lang="en-US" sz="2400" dirty="0">
                 <a:solidFill>
-                  <a:srgbClr val="FF0000"/>
+                  <a:srgbClr val="6D84B4"/>
                 </a:solidFill>
-                <a:latin typeface="ArialNarrow"/>
               </a:rPr>
-              <a:t>Mikolov</a:t>
-            </a:r>
-            <a:r>
-              <a:rPr lang="en-US" sz="1050" b="0" i="0" u="none" strike="noStrike" baseline="0" dirty="0">
-                <a:solidFill>
-                  <a:srgbClr val="FF0000"/>
-                </a:solidFill>
-                <a:latin typeface="ArialNarrow"/>
-              </a:rPr>
-              <a:t> et al., Word2Vec: Efficient Estimation of Word Representations in Vector Space: https://arxiv.org/pdf/1301.3781.pdf</a:t>
-            </a:r>
-            <a:endParaRPr lang="en-US" sz="1050" dirty="0">
-              <a:solidFill>
-                <a:srgbClr val="FF0000"/>
-              </a:solidFill>
-            </a:endParaRPr>
-          </a:p>
-        </p:txBody>
-      </p:sp>
+              <a:t>knight</a:t>
+            </a:r>
+          </a:p>
+        </p:txBody>
+      </p:sp>
+      <p:sp>
+        <p:nvSpPr>
+          <p:cNvPr id="16" name="TextBox 15">
+            <a:extLst>
+              <a:ext uri="{FF2B5EF4-FFF2-40B4-BE49-F238E27FC236}">
+                <a16:creationId xmlns:a16="http://schemas.microsoft.com/office/drawing/2014/main" id="{724597A0-5F0D-4C62-8142-1C4D73577337}"/>
+              </a:ext>
+            </a:extLst>
+          </p:cNvPr>
+          <p:cNvSpPr txBox="1"/>
+          <p:nvPr/>
+        </p:nvSpPr>
+        <p:spPr>
+          <a:xfrm>
+            <a:off x="4222104" y="5237548"/>
+            <a:ext cx="1242648" cy="461665"/>
+          </a:xfrm>
+          <a:prstGeom prst="rect">
+            <a:avLst/>
+          </a:prstGeom>
+          <a:noFill/>
+        </p:spPr>
+        <p:txBody>
+          <a:bodyPr wrap="none" rtlCol="0">
+            <a:spAutoFit/>
+          </a:bodyPr>
+          <a:lstStyle/>
+          <a:p>
+            <a:r>
+              <a:rPr lang="en-US" sz="2400" dirty="0"/>
+              <a:t>Lancelot</a:t>
+            </a:r>
+          </a:p>
+        </p:txBody>
+      </p:sp>
+      <p:sp>
+        <p:nvSpPr>
+          <p:cNvPr id="18" name="TextBox 17">
+            <a:extLst>
+              <a:ext uri="{FF2B5EF4-FFF2-40B4-BE49-F238E27FC236}">
+                <a16:creationId xmlns:a16="http://schemas.microsoft.com/office/drawing/2014/main" id="{0C05CC24-4C69-4FB5-85D6-20193295BBE3}"/>
+              </a:ext>
+            </a:extLst>
+          </p:cNvPr>
+          <p:cNvSpPr txBox="1"/>
+          <p:nvPr/>
+        </p:nvSpPr>
+        <p:spPr>
+          <a:xfrm>
+            <a:off x="5528701" y="5237548"/>
+            <a:ext cx="1002903" cy="461665"/>
+          </a:xfrm>
+          <a:prstGeom prst="rect">
+            <a:avLst/>
+          </a:prstGeom>
+          <a:noFill/>
+        </p:spPr>
+        <p:txBody>
+          <a:bodyPr wrap="none" rtlCol="0">
+            <a:spAutoFit/>
+          </a:bodyPr>
+          <a:lstStyle/>
+          <a:p>
+            <a:r>
+              <a:rPr lang="en-US" sz="2400" dirty="0"/>
+              <a:t>fought</a:t>
+            </a:r>
+          </a:p>
+        </p:txBody>
+      </p:sp>
+      <p:sp>
+        <p:nvSpPr>
+          <p:cNvPr id="20" name="TextBox 19">
+            <a:extLst>
+              <a:ext uri="{FF2B5EF4-FFF2-40B4-BE49-F238E27FC236}">
+                <a16:creationId xmlns:a16="http://schemas.microsoft.com/office/drawing/2014/main" id="{ECBD03D8-AF44-430F-BAA4-70248B0EF27B}"/>
+              </a:ext>
+            </a:extLst>
+          </p:cNvPr>
+          <p:cNvSpPr txBox="1"/>
+          <p:nvPr/>
+        </p:nvSpPr>
+        <p:spPr>
+          <a:xfrm>
+            <a:off x="6595555" y="5237548"/>
+            <a:ext cx="1147878" cy="461665"/>
+          </a:xfrm>
+          <a:prstGeom prst="rect">
+            <a:avLst/>
+          </a:prstGeom>
+          <a:noFill/>
+        </p:spPr>
+        <p:txBody>
+          <a:bodyPr wrap="none" rtlCol="0">
+            <a:spAutoFit/>
+          </a:bodyPr>
+          <a:lstStyle/>
+          <a:p>
+            <a:r>
+              <a:rPr lang="en-US" sz="2400" dirty="0"/>
+              <a:t>bravely.</a:t>
+            </a:r>
+          </a:p>
+        </p:txBody>
+      </p:sp>
+      <p:cxnSp>
+        <p:nvCxnSpPr>
+          <p:cNvPr id="22" name="Curved Connector 27">
+            <a:extLst>
+              <a:ext uri="{FF2B5EF4-FFF2-40B4-BE49-F238E27FC236}">
+                <a16:creationId xmlns:a16="http://schemas.microsoft.com/office/drawing/2014/main" id="{0E6240A0-2193-48F6-A4E8-A32115722DB3}"/>
+              </a:ext>
+            </a:extLst>
+          </p:cNvPr>
+          <p:cNvCxnSpPr>
+            <a:cxnSpLocks/>
+            <a:stCxn id="10" idx="0"/>
+            <a:endCxn id="14" idx="0"/>
+          </p:cNvCxnSpPr>
+          <p:nvPr/>
+        </p:nvCxnSpPr>
+        <p:spPr>
+          <a:xfrm rot="5400000" flipH="1" flipV="1">
+            <a:off x="2686529" y="4247208"/>
+            <a:ext cx="12700" cy="1980681"/>
+          </a:xfrm>
+          <a:prstGeom prst="curvedConnector3">
+            <a:avLst>
+              <a:gd name="adj1" fmla="val 1800000"/>
+            </a:avLst>
+          </a:prstGeom>
+          <a:ln w="12700">
+            <a:solidFill>
+              <a:srgbClr val="6D84B4"/>
+            </a:solidFill>
+            <a:tailEnd type="triangle"/>
+          </a:ln>
+        </p:spPr>
+        <p:style>
+          <a:lnRef idx="1">
+            <a:schemeClr val="accent1"/>
+          </a:lnRef>
+          <a:fillRef idx="0">
+            <a:schemeClr val="accent1"/>
+          </a:fillRef>
+          <a:effectRef idx="0">
+            <a:schemeClr val="accent1"/>
+          </a:effectRef>
+          <a:fontRef idx="minor">
+            <a:schemeClr val="tx1"/>
+          </a:fontRef>
+        </p:style>
+      </p:cxnSp>
+      <p:cxnSp>
+        <p:nvCxnSpPr>
+          <p:cNvPr id="24" name="Curved Connector 28">
+            <a:extLst>
+              <a:ext uri="{FF2B5EF4-FFF2-40B4-BE49-F238E27FC236}">
+                <a16:creationId xmlns:a16="http://schemas.microsoft.com/office/drawing/2014/main" id="{06538F7F-73D1-41C8-9B54-19E185E3A29C}"/>
+              </a:ext>
+            </a:extLst>
+          </p:cNvPr>
+          <p:cNvCxnSpPr>
+            <a:cxnSpLocks/>
+            <a:stCxn id="12" idx="0"/>
+            <a:endCxn id="14" idx="0"/>
+          </p:cNvCxnSpPr>
+          <p:nvPr/>
+        </p:nvCxnSpPr>
+        <p:spPr>
+          <a:xfrm rot="5400000" flipH="1" flipV="1">
+            <a:off x="3142771" y="4703449"/>
+            <a:ext cx="12700" cy="1068198"/>
+          </a:xfrm>
+          <a:prstGeom prst="curvedConnector3">
+            <a:avLst>
+              <a:gd name="adj1" fmla="val 1800000"/>
+            </a:avLst>
+          </a:prstGeom>
+          <a:ln w="12700">
+            <a:solidFill>
+              <a:srgbClr val="6D84B4"/>
+            </a:solidFill>
+            <a:tailEnd type="triangle"/>
+          </a:ln>
+        </p:spPr>
+        <p:style>
+          <a:lnRef idx="1">
+            <a:schemeClr val="accent1"/>
+          </a:lnRef>
+          <a:fillRef idx="0">
+            <a:schemeClr val="accent1"/>
+          </a:fillRef>
+          <a:effectRef idx="0">
+            <a:schemeClr val="accent1"/>
+          </a:effectRef>
+          <a:fontRef idx="minor">
+            <a:schemeClr val="tx1"/>
+          </a:fontRef>
+        </p:style>
+      </p:cxnSp>
+      <p:cxnSp>
+        <p:nvCxnSpPr>
+          <p:cNvPr id="26" name="Curved Connector 29">
+            <a:extLst>
+              <a:ext uri="{FF2B5EF4-FFF2-40B4-BE49-F238E27FC236}">
+                <a16:creationId xmlns:a16="http://schemas.microsoft.com/office/drawing/2014/main" id="{D6676576-5465-49B8-88A9-B3D63A7A7337}"/>
+              </a:ext>
+            </a:extLst>
+          </p:cNvPr>
+          <p:cNvCxnSpPr>
+            <a:cxnSpLocks/>
+            <a:stCxn id="16" idx="0"/>
+            <a:endCxn id="14" idx="0"/>
+          </p:cNvCxnSpPr>
+          <p:nvPr/>
+        </p:nvCxnSpPr>
+        <p:spPr>
+          <a:xfrm rot="16200000" flipV="1">
+            <a:off x="4260149" y="4654269"/>
+            <a:ext cx="12700" cy="1166558"/>
+          </a:xfrm>
+          <a:prstGeom prst="curvedConnector3">
+            <a:avLst>
+              <a:gd name="adj1" fmla="val 1800000"/>
+            </a:avLst>
+          </a:prstGeom>
+          <a:ln w="12700">
+            <a:solidFill>
+              <a:srgbClr val="6D84B4"/>
+            </a:solidFill>
+            <a:tailEnd type="triangle"/>
+          </a:ln>
+        </p:spPr>
+        <p:style>
+          <a:lnRef idx="1">
+            <a:schemeClr val="accent1"/>
+          </a:lnRef>
+          <a:fillRef idx="0">
+            <a:schemeClr val="accent1"/>
+          </a:fillRef>
+          <a:effectRef idx="0">
+            <a:schemeClr val="accent1"/>
+          </a:effectRef>
+          <a:fontRef idx="minor">
+            <a:schemeClr val="tx1"/>
+          </a:fontRef>
+        </p:style>
+      </p:cxnSp>
+      <p:cxnSp>
+        <p:nvCxnSpPr>
+          <p:cNvPr id="28" name="Curved Connector 30">
+            <a:extLst>
+              <a:ext uri="{FF2B5EF4-FFF2-40B4-BE49-F238E27FC236}">
+                <a16:creationId xmlns:a16="http://schemas.microsoft.com/office/drawing/2014/main" id="{DEE80D01-36CE-4ABE-B1E3-CEFB862FFF58}"/>
+              </a:ext>
+            </a:extLst>
+          </p:cNvPr>
+          <p:cNvCxnSpPr>
+            <a:cxnSpLocks/>
+            <a:stCxn id="18" idx="0"/>
+            <a:endCxn id="14" idx="0"/>
+          </p:cNvCxnSpPr>
+          <p:nvPr/>
+        </p:nvCxnSpPr>
+        <p:spPr>
+          <a:xfrm rot="16200000" flipV="1">
+            <a:off x="4853512" y="4060906"/>
+            <a:ext cx="12700" cy="2353283"/>
+          </a:xfrm>
+          <a:prstGeom prst="curvedConnector3">
+            <a:avLst>
+              <a:gd name="adj1" fmla="val 1800000"/>
+            </a:avLst>
+          </a:prstGeom>
+          <a:ln w="12700">
+            <a:solidFill>
+              <a:srgbClr val="6D84B4"/>
+            </a:solidFill>
+            <a:tailEnd type="triangle"/>
+          </a:ln>
+        </p:spPr>
+        <p:style>
+          <a:lnRef idx="1">
+            <a:schemeClr val="accent1"/>
+          </a:lnRef>
+          <a:fillRef idx="0">
+            <a:schemeClr val="accent1"/>
+          </a:fillRef>
+          <a:effectRef idx="0">
+            <a:schemeClr val="accent1"/>
+          </a:effectRef>
+          <a:fontRef idx="minor">
+            <a:schemeClr val="tx1"/>
+          </a:fontRef>
+        </p:style>
+      </p:cxnSp>
+      <p:cxnSp>
+        <p:nvCxnSpPr>
+          <p:cNvPr id="30" name="Curved Connector 31">
+            <a:extLst>
+              <a:ext uri="{FF2B5EF4-FFF2-40B4-BE49-F238E27FC236}">
+                <a16:creationId xmlns:a16="http://schemas.microsoft.com/office/drawing/2014/main" id="{BC27F54A-3E8F-452D-A222-D6BBF72E82C1}"/>
+              </a:ext>
+            </a:extLst>
+          </p:cNvPr>
+          <p:cNvCxnSpPr>
+            <a:cxnSpLocks/>
+            <a:stCxn id="20" idx="0"/>
+            <a:endCxn id="14" idx="0"/>
+          </p:cNvCxnSpPr>
+          <p:nvPr/>
+        </p:nvCxnSpPr>
+        <p:spPr>
+          <a:xfrm rot="16200000" flipV="1">
+            <a:off x="5423182" y="3491236"/>
+            <a:ext cx="12700" cy="3492624"/>
+          </a:xfrm>
+          <a:prstGeom prst="curvedConnector3">
+            <a:avLst>
+              <a:gd name="adj1" fmla="val 1800000"/>
+            </a:avLst>
+          </a:prstGeom>
+          <a:ln w="12700">
+            <a:solidFill>
+              <a:srgbClr val="6D84B4"/>
+            </a:solidFill>
+            <a:tailEnd type="triangle"/>
+          </a:ln>
+        </p:spPr>
+        <p:style>
+          <a:lnRef idx="1">
+            <a:schemeClr val="accent1"/>
+          </a:lnRef>
+          <a:fillRef idx="0">
+            <a:schemeClr val="accent1"/>
+          </a:fillRef>
+          <a:effectRef idx="0">
+            <a:schemeClr val="accent1"/>
+          </a:effectRef>
+          <a:fontRef idx="minor">
+            <a:schemeClr val="tx1"/>
+          </a:fontRef>
+        </p:style>
+      </p:cxnSp>
     </p:spTree>
     <p:extLst>
       <p:ext uri="{BB962C8B-B14F-4D97-AF65-F5344CB8AC3E}">
@@ -13312,56 +13747,6 @@
       </p:grpSp>
       <p:sp>
         <p:nvSpPr>
-          <p:cNvPr id="2" name="Rectangle 1">
-            <a:extLst>
-              <a:ext uri="{FF2B5EF4-FFF2-40B4-BE49-F238E27FC236}">
-                <a16:creationId xmlns:a16="http://schemas.microsoft.com/office/drawing/2014/main" id="{A898D070-DA9C-694C-A643-84E7053EFB42}"/>
-              </a:ext>
-            </a:extLst>
-          </p:cNvPr>
-          <p:cNvSpPr/>
-          <p:nvPr/>
-        </p:nvSpPr>
-        <p:spPr>
-          <a:xfrm>
-            <a:off x="3633924" y="1035553"/>
-            <a:ext cx="1876155" cy="430887"/>
-          </a:xfrm>
-          <a:prstGeom prst="rect">
-            <a:avLst/>
-          </a:prstGeom>
-        </p:spPr>
-        <p:txBody>
-          <a:bodyPr wrap="none">
-            <a:spAutoFit/>
-          </a:bodyPr>
-          <a:lstStyle/>
-          <a:p>
-            <a:pPr algn="ctr">
-              <a:spcBef>
-                <a:spcPts val="660"/>
-              </a:spcBef>
-            </a:pPr>
-            <a:r>
-              <a:rPr lang="en-US" sz="2200" b="1" spc="-1" dirty="0">
-                <a:solidFill>
-                  <a:srgbClr val="EF181E"/>
-                </a:solidFill>
-                <a:latin typeface="Arial"/>
-              </a:rPr>
-              <a:t>SKIP-GRAM </a:t>
-            </a:r>
-            <a:endParaRPr lang="en-CO" sz="2200" b="1" spc="-1" dirty="0">
-              <a:solidFill>
-                <a:srgbClr val="EF181E"/>
-              </a:solidFill>
-              <a:latin typeface="Arial"/>
-            </a:endParaRPr>
-          </a:p>
-        </p:txBody>
-      </p:sp>
-      <p:sp>
-        <p:nvSpPr>
           <p:cNvPr id="7" name="TextBox 6">
             <a:extLst>
               <a:ext uri="{FF2B5EF4-FFF2-40B4-BE49-F238E27FC236}">
@@ -13437,7 +13822,7 @@
         </p:blipFill>
         <p:spPr>
           <a:xfrm>
-            <a:off x="3329146" y="3064509"/>
+            <a:off x="3507993" y="6040190"/>
             <a:ext cx="251861" cy="195506"/>
           </a:xfrm>
           <a:prstGeom prst="rect">
@@ -13459,7 +13844,7 @@
         </p:nvSpPr>
         <p:spPr>
           <a:xfrm>
-            <a:off x="1142477" y="2565661"/>
+            <a:off x="1321324" y="5541342"/>
             <a:ext cx="651140" cy="461665"/>
           </a:xfrm>
           <a:prstGeom prst="rect">
@@ -13494,7 +13879,7 @@
         </p:nvSpPr>
         <p:spPr>
           <a:xfrm>
-            <a:off x="1857566" y="2565661"/>
+            <a:off x="2036413" y="5541342"/>
             <a:ext cx="1045927" cy="461665"/>
           </a:xfrm>
           <a:prstGeom prst="rect">
@@ -13529,7 +13914,7 @@
         </p:nvSpPr>
         <p:spPr>
           <a:xfrm>
-            <a:off x="2967442" y="2565661"/>
+            <a:off x="3146289" y="5541342"/>
             <a:ext cx="962571" cy="461665"/>
           </a:xfrm>
           <a:prstGeom prst="rect">
@@ -13568,7 +13953,7 @@
         </p:nvSpPr>
         <p:spPr>
           <a:xfrm>
-            <a:off x="3993962" y="2565661"/>
+            <a:off x="4172809" y="5541342"/>
             <a:ext cx="1242648" cy="461665"/>
           </a:xfrm>
           <a:prstGeom prst="rect">
@@ -13603,7 +13988,7 @@
         </p:nvSpPr>
         <p:spPr>
           <a:xfrm>
-            <a:off x="5300559" y="2565661"/>
+            <a:off x="5479406" y="5541342"/>
             <a:ext cx="1002903" cy="461665"/>
           </a:xfrm>
           <a:prstGeom prst="rect">
@@ -13638,7 +14023,7 @@
         </p:nvSpPr>
         <p:spPr>
           <a:xfrm>
-            <a:off x="6367413" y="2565661"/>
+            <a:off x="6546260" y="5541342"/>
             <a:ext cx="1147878" cy="461665"/>
           </a:xfrm>
           <a:prstGeom prst="rect">
@@ -13676,7 +14061,7 @@
         </p:nvCxnSpPr>
         <p:spPr>
           <a:xfrm rot="5400000" flipH="1" flipV="1">
-            <a:off x="4032007" y="1982382"/>
+            <a:off x="4210854" y="4958063"/>
             <a:ext cx="12700" cy="1166558"/>
           </a:xfrm>
           <a:prstGeom prst="curvedConnector3">
@@ -13723,7 +14108,7 @@
         </p:nvCxnSpPr>
         <p:spPr>
           <a:xfrm rot="5400000" flipH="1" flipV="1">
-            <a:off x="4625369" y="1389020"/>
+            <a:off x="4804216" y="4364701"/>
             <a:ext cx="12700" cy="2353283"/>
           </a:xfrm>
           <a:prstGeom prst="curvedConnector3">
@@ -13770,7 +14155,7 @@
         </p:nvCxnSpPr>
         <p:spPr>
           <a:xfrm rot="5400000" flipH="1" flipV="1">
-            <a:off x="5195040" y="819349"/>
+            <a:off x="5373887" y="3795030"/>
             <a:ext cx="12700" cy="3492624"/>
           </a:xfrm>
           <a:prstGeom prst="curvedConnector3">
@@ -13817,7 +14202,7 @@
         </p:nvCxnSpPr>
         <p:spPr>
           <a:xfrm rot="16200000" flipV="1">
-            <a:off x="2914629" y="2031562"/>
+            <a:off x="3093476" y="5007243"/>
             <a:ext cx="12700" cy="1068198"/>
           </a:xfrm>
           <a:prstGeom prst="curvedConnector3">
@@ -13864,7 +14249,7 @@
         </p:nvCxnSpPr>
         <p:spPr>
           <a:xfrm rot="16200000" flipV="1">
-            <a:off x="2458388" y="1575320"/>
+            <a:off x="2637235" y="4551001"/>
             <a:ext cx="12700" cy="1980681"/>
           </a:xfrm>
           <a:prstGeom prst="curvedConnector3">
@@ -13894,62 +14279,12 @@
           </a:fontRef>
         </p:style>
       </p:cxnSp>
-      <p:sp>
-        <p:nvSpPr>
-          <p:cNvPr id="20" name="Rectangle 19">
+      <p:pic>
+        <p:nvPicPr>
+          <p:cNvPr id="36" name="Picture 35">
             <a:extLst>
               <a:ext uri="{FF2B5EF4-FFF2-40B4-BE49-F238E27FC236}">
-                <a16:creationId xmlns:a16="http://schemas.microsoft.com/office/drawing/2014/main" id="{E29F6C4D-1DC3-EE4D-A771-759EF6C80BC6}"/>
-              </a:ext>
-            </a:extLst>
-          </p:cNvPr>
-          <p:cNvSpPr/>
-          <p:nvPr/>
-        </p:nvSpPr>
-        <p:spPr>
-          <a:xfrm>
-            <a:off x="4093206" y="3551632"/>
-            <a:ext cx="1077026" cy="430887"/>
-          </a:xfrm>
-          <a:prstGeom prst="rect">
-            <a:avLst/>
-          </a:prstGeom>
-        </p:spPr>
-        <p:txBody>
-          <a:bodyPr wrap="none">
-            <a:spAutoFit/>
-          </a:bodyPr>
-          <a:lstStyle/>
-          <a:p>
-            <a:pPr algn="ctr">
-              <a:spcBef>
-                <a:spcPts val="660"/>
-              </a:spcBef>
-            </a:pPr>
-            <a:r>
-              <a:rPr lang="en-US" sz="2200" b="1" spc="-1" dirty="0">
-                <a:solidFill>
-                  <a:srgbClr val="EF181E"/>
-                </a:solidFill>
-                <a:latin typeface="Arial"/>
-              </a:rPr>
-              <a:t>CBOW</a:t>
-            </a:r>
-            <a:endParaRPr lang="en-CO" sz="2200" b="1" spc="-1" dirty="0">
-              <a:solidFill>
-                <a:srgbClr val="EF181E"/>
-              </a:solidFill>
-              <a:latin typeface="Arial"/>
-            </a:endParaRPr>
-          </a:p>
-        </p:txBody>
-      </p:sp>
-      <p:pic>
-        <p:nvPicPr>
-          <p:cNvPr id="21" name="Picture 20">
-            <a:extLst>
-              <a:ext uri="{FF2B5EF4-FFF2-40B4-BE49-F238E27FC236}">
-                <a16:creationId xmlns:a16="http://schemas.microsoft.com/office/drawing/2014/main" id="{C6775865-5D14-9049-85B5-7BBD16DFA235}"/>
+                <a16:creationId xmlns:a16="http://schemas.microsoft.com/office/drawing/2014/main" id="{EC1ACE83-1F5D-47AD-B0F2-7E6610EEC6EB}"/>
               </a:ext>
             </a:extLst>
           </p:cNvPr>
@@ -13959,15 +14294,15 @@
           <p:nvPr/>
         </p:nvPicPr>
         <p:blipFill>
-          <a:blip r:embed="rId3"/>
+          <a:blip r:embed="rId4"/>
           <a:stretch>
             <a:fillRect/>
           </a:stretch>
         </p:blipFill>
         <p:spPr>
           <a:xfrm>
-            <a:off x="3661066" y="5367570"/>
-            <a:ext cx="251861" cy="195506"/>
+            <a:off x="3263531" y="1450724"/>
+            <a:ext cx="2616936" cy="3126930"/>
           </a:xfrm>
           <a:prstGeom prst="rect">
             <a:avLst/>
@@ -13976,453 +14311,54 @@
       </p:pic>
       <p:sp>
         <p:nvSpPr>
-          <p:cNvPr id="22" name="TextBox 21">
+          <p:cNvPr id="37" name="Rectangle 36">
             <a:extLst>
               <a:ext uri="{FF2B5EF4-FFF2-40B4-BE49-F238E27FC236}">
-                <a16:creationId xmlns:a16="http://schemas.microsoft.com/office/drawing/2014/main" id="{63C2B589-CCF4-7747-9FAA-F4DE1DEF247A}"/>
+                <a16:creationId xmlns:a16="http://schemas.microsoft.com/office/drawing/2014/main" id="{E8E3B3C9-AACA-45C7-A339-17970D2261FF}"/>
               </a:ext>
             </a:extLst>
           </p:cNvPr>
-          <p:cNvSpPr txBox="1"/>
+          <p:cNvSpPr/>
           <p:nvPr/>
         </p:nvSpPr>
         <p:spPr>
           <a:xfrm>
-            <a:off x="1474397" y="4868722"/>
-            <a:ext cx="651140" cy="461665"/>
-          </a:xfrm>
-          <a:prstGeom prst="rect">
-            <a:avLst/>
-          </a:prstGeom>
-          <a:noFill/>
-        </p:spPr>
-        <p:txBody>
-          <a:bodyPr wrap="none" rtlCol="0">
+            <a:off x="1513905" y="1005643"/>
+            <a:ext cx="6116187" cy="430887"/>
+          </a:xfrm>
+          <a:prstGeom prst="rect">
+            <a:avLst/>
+          </a:prstGeom>
+        </p:spPr>
+        <p:txBody>
+          <a:bodyPr wrap="square">
             <a:spAutoFit/>
           </a:bodyPr>
           <a:lstStyle/>
           <a:p>
-            <a:r>
-              <a:rPr lang="en-US" sz="2400" dirty="0"/>
-              <a:t>The</a:t>
-            </a:r>
-          </a:p>
-        </p:txBody>
-      </p:sp>
-      <p:sp>
-        <p:nvSpPr>
-          <p:cNvPr id="23" name="TextBox 22">
-            <a:extLst>
-              <a:ext uri="{FF2B5EF4-FFF2-40B4-BE49-F238E27FC236}">
-                <a16:creationId xmlns:a16="http://schemas.microsoft.com/office/drawing/2014/main" id="{F3762CA8-6AF1-244A-A984-8377AA8765BF}"/>
-              </a:ext>
-            </a:extLst>
-          </p:cNvPr>
-          <p:cNvSpPr txBox="1"/>
-          <p:nvPr/>
-        </p:nvSpPr>
-        <p:spPr>
-          <a:xfrm>
-            <a:off x="2189486" y="4868722"/>
-            <a:ext cx="1045927" cy="461665"/>
-          </a:xfrm>
-          <a:prstGeom prst="rect">
-            <a:avLst/>
-          </a:prstGeom>
-          <a:noFill/>
-        </p:spPr>
-        <p:txBody>
-          <a:bodyPr wrap="none" rtlCol="0">
-            <a:spAutoFit/>
-          </a:bodyPr>
-          <a:lstStyle/>
-          <a:p>
-            <a:r>
-              <a:rPr lang="en-US" sz="2400" dirty="0"/>
-              <a:t>mighty</a:t>
-            </a:r>
-          </a:p>
-        </p:txBody>
-      </p:sp>
-      <p:sp>
-        <p:nvSpPr>
-          <p:cNvPr id="24" name="TextBox 23">
-            <a:extLst>
-              <a:ext uri="{FF2B5EF4-FFF2-40B4-BE49-F238E27FC236}">
-                <a16:creationId xmlns:a16="http://schemas.microsoft.com/office/drawing/2014/main" id="{8DA58A78-82DD-3247-AB5B-78AED463B74D}"/>
-              </a:ext>
-            </a:extLst>
-          </p:cNvPr>
-          <p:cNvSpPr txBox="1"/>
-          <p:nvPr/>
-        </p:nvSpPr>
-        <p:spPr>
-          <a:xfrm>
-            <a:off x="3299362" y="4868722"/>
-            <a:ext cx="962571" cy="461665"/>
-          </a:xfrm>
-          <a:prstGeom prst="rect">
-            <a:avLst/>
-          </a:prstGeom>
-          <a:noFill/>
-        </p:spPr>
-        <p:txBody>
-          <a:bodyPr wrap="none" rtlCol="0">
-            <a:spAutoFit/>
-          </a:bodyPr>
-          <a:lstStyle/>
-          <a:p>
-            <a:r>
-              <a:rPr lang="en-US" sz="2400" dirty="0">
+            <a:pPr algn="ctr">
+              <a:spcBef>
+                <a:spcPts val="660"/>
+              </a:spcBef>
+            </a:pPr>
+            <a:r>
+              <a:rPr lang="en-US" sz="2200" b="1" spc="-1" dirty="0">
                 <a:solidFill>
-                  <a:srgbClr val="6D84B4"/>
+                  <a:srgbClr val="EF181E"/>
                 </a:solidFill>
+                <a:latin typeface="Arial"/>
               </a:rPr>
-              <a:t>knight</a:t>
-            </a:r>
-          </a:p>
-        </p:txBody>
-      </p:sp>
-      <p:sp>
-        <p:nvSpPr>
-          <p:cNvPr id="25" name="TextBox 24">
-            <a:extLst>
-              <a:ext uri="{FF2B5EF4-FFF2-40B4-BE49-F238E27FC236}">
-                <a16:creationId xmlns:a16="http://schemas.microsoft.com/office/drawing/2014/main" id="{F673FBB8-0D31-D34E-8784-A09F9D42DCE3}"/>
-              </a:ext>
-            </a:extLst>
-          </p:cNvPr>
-          <p:cNvSpPr txBox="1"/>
-          <p:nvPr/>
-        </p:nvSpPr>
-        <p:spPr>
-          <a:xfrm>
-            <a:off x="4325882" y="4868722"/>
-            <a:ext cx="1242648" cy="461665"/>
-          </a:xfrm>
-          <a:prstGeom prst="rect">
-            <a:avLst/>
-          </a:prstGeom>
-          <a:noFill/>
-        </p:spPr>
-        <p:txBody>
-          <a:bodyPr wrap="none" rtlCol="0">
-            <a:spAutoFit/>
-          </a:bodyPr>
-          <a:lstStyle/>
-          <a:p>
-            <a:r>
-              <a:rPr lang="en-US" sz="2400" dirty="0"/>
-              <a:t>Lancelot</a:t>
-            </a:r>
-          </a:p>
-        </p:txBody>
-      </p:sp>
-      <p:sp>
-        <p:nvSpPr>
-          <p:cNvPr id="26" name="TextBox 25">
-            <a:extLst>
-              <a:ext uri="{FF2B5EF4-FFF2-40B4-BE49-F238E27FC236}">
-                <a16:creationId xmlns:a16="http://schemas.microsoft.com/office/drawing/2014/main" id="{2BD1FFCE-73FE-0247-AB50-C9C7D0B77849}"/>
-              </a:ext>
-            </a:extLst>
-          </p:cNvPr>
-          <p:cNvSpPr txBox="1"/>
-          <p:nvPr/>
-        </p:nvSpPr>
-        <p:spPr>
-          <a:xfrm>
-            <a:off x="5632479" y="4868722"/>
-            <a:ext cx="1002903" cy="461665"/>
-          </a:xfrm>
-          <a:prstGeom prst="rect">
-            <a:avLst/>
-          </a:prstGeom>
-          <a:noFill/>
-        </p:spPr>
-        <p:txBody>
-          <a:bodyPr wrap="none" rtlCol="0">
-            <a:spAutoFit/>
-          </a:bodyPr>
-          <a:lstStyle/>
-          <a:p>
-            <a:r>
-              <a:rPr lang="en-US" sz="2400" dirty="0"/>
-              <a:t>fought</a:t>
-            </a:r>
-          </a:p>
-        </p:txBody>
-      </p:sp>
-      <p:sp>
-        <p:nvSpPr>
-          <p:cNvPr id="27" name="TextBox 26">
-            <a:extLst>
-              <a:ext uri="{FF2B5EF4-FFF2-40B4-BE49-F238E27FC236}">
-                <a16:creationId xmlns:a16="http://schemas.microsoft.com/office/drawing/2014/main" id="{D947DD49-3429-D445-AD96-CD2AC15E6C78}"/>
-              </a:ext>
-            </a:extLst>
-          </p:cNvPr>
-          <p:cNvSpPr txBox="1"/>
-          <p:nvPr/>
-        </p:nvSpPr>
-        <p:spPr>
-          <a:xfrm>
-            <a:off x="6699333" y="4868722"/>
-            <a:ext cx="1147878" cy="461665"/>
-          </a:xfrm>
-          <a:prstGeom prst="rect">
-            <a:avLst/>
-          </a:prstGeom>
-          <a:noFill/>
-        </p:spPr>
-        <p:txBody>
-          <a:bodyPr wrap="none" rtlCol="0">
-            <a:spAutoFit/>
-          </a:bodyPr>
-          <a:lstStyle/>
-          <a:p>
-            <a:r>
-              <a:rPr lang="en-US" sz="2400" dirty="0"/>
-              <a:t>bravely.</a:t>
-            </a:r>
-          </a:p>
-        </p:txBody>
-      </p:sp>
-      <p:cxnSp>
-        <p:nvCxnSpPr>
-          <p:cNvPr id="28" name="Curved Connector 27">
-            <a:extLst>
-              <a:ext uri="{FF2B5EF4-FFF2-40B4-BE49-F238E27FC236}">
-                <a16:creationId xmlns:a16="http://schemas.microsoft.com/office/drawing/2014/main" id="{602BD45B-FE50-CC4A-80DD-C22067A66450}"/>
-              </a:ext>
-            </a:extLst>
-          </p:cNvPr>
-          <p:cNvCxnSpPr>
-            <a:stCxn id="22" idx="0"/>
-            <a:endCxn id="24" idx="0"/>
-          </p:cNvCxnSpPr>
-          <p:nvPr/>
-        </p:nvCxnSpPr>
-        <p:spPr>
-          <a:xfrm rot="5400000" flipH="1" flipV="1">
-            <a:off x="2790307" y="3878382"/>
-            <a:ext cx="12700" cy="1980681"/>
-          </a:xfrm>
-          <a:prstGeom prst="curvedConnector3">
-            <a:avLst>
-              <a:gd name="adj1" fmla="val 4499984"/>
-            </a:avLst>
-          </a:prstGeom>
-          <a:ln w="12700">
-            <a:solidFill>
-              <a:srgbClr val="6D84B4"/>
-            </a:solidFill>
-            <a:tailEnd type="triangle"/>
-          </a:ln>
-        </p:spPr>
-        <p:style>
-          <a:lnRef idx="1">
-            <a:schemeClr val="accent1"/>
-          </a:lnRef>
-          <a:fillRef idx="0">
-            <a:schemeClr val="accent1"/>
-          </a:fillRef>
-          <a:effectRef idx="0">
-            <a:schemeClr val="accent1"/>
-          </a:effectRef>
-          <a:fontRef idx="minor">
-            <a:schemeClr val="tx1"/>
-          </a:fontRef>
-        </p:style>
-      </p:cxnSp>
-      <p:cxnSp>
-        <p:nvCxnSpPr>
-          <p:cNvPr id="29" name="Curved Connector 28">
-            <a:extLst>
-              <a:ext uri="{FF2B5EF4-FFF2-40B4-BE49-F238E27FC236}">
-                <a16:creationId xmlns:a16="http://schemas.microsoft.com/office/drawing/2014/main" id="{1ED1D1C7-DD43-E543-AE33-0DCEFB293026}"/>
-              </a:ext>
-            </a:extLst>
-          </p:cNvPr>
-          <p:cNvCxnSpPr>
-            <a:stCxn id="23" idx="0"/>
-            <a:endCxn id="24" idx="0"/>
-          </p:cNvCxnSpPr>
-          <p:nvPr/>
-        </p:nvCxnSpPr>
-        <p:spPr>
-          <a:xfrm rot="5400000" flipH="1" flipV="1">
-            <a:off x="3246549" y="4334623"/>
-            <a:ext cx="12700" cy="1068198"/>
-          </a:xfrm>
-          <a:prstGeom prst="curvedConnector3">
-            <a:avLst>
-              <a:gd name="adj1" fmla="val 2430000"/>
-            </a:avLst>
-          </a:prstGeom>
-          <a:ln w="12700">
-            <a:solidFill>
-              <a:srgbClr val="6D84B4"/>
-            </a:solidFill>
-            <a:tailEnd type="triangle"/>
-          </a:ln>
-        </p:spPr>
-        <p:style>
-          <a:lnRef idx="1">
-            <a:schemeClr val="accent1"/>
-          </a:lnRef>
-          <a:fillRef idx="0">
-            <a:schemeClr val="accent1"/>
-          </a:fillRef>
-          <a:effectRef idx="0">
-            <a:schemeClr val="accent1"/>
-          </a:effectRef>
-          <a:fontRef idx="minor">
-            <a:schemeClr val="tx1"/>
-          </a:fontRef>
-        </p:style>
-      </p:cxnSp>
-      <p:cxnSp>
-        <p:nvCxnSpPr>
-          <p:cNvPr id="30" name="Curved Connector 29">
-            <a:extLst>
-              <a:ext uri="{FF2B5EF4-FFF2-40B4-BE49-F238E27FC236}">
-                <a16:creationId xmlns:a16="http://schemas.microsoft.com/office/drawing/2014/main" id="{F38F1A95-C1D1-1747-88A0-545A0B959AAF}"/>
-              </a:ext>
-            </a:extLst>
-          </p:cNvPr>
-          <p:cNvCxnSpPr>
-            <a:stCxn id="25" idx="0"/>
-            <a:endCxn id="24" idx="0"/>
-          </p:cNvCxnSpPr>
-          <p:nvPr/>
-        </p:nvCxnSpPr>
-        <p:spPr>
-          <a:xfrm rot="16200000" flipV="1">
-            <a:off x="4363927" y="4285443"/>
-            <a:ext cx="12700" cy="1166558"/>
-          </a:xfrm>
-          <a:prstGeom prst="curvedConnector3">
-            <a:avLst>
-              <a:gd name="adj1" fmla="val 2700000"/>
-            </a:avLst>
-          </a:prstGeom>
-          <a:ln w="12700">
-            <a:solidFill>
-              <a:srgbClr val="6D84B4"/>
-            </a:solidFill>
-            <a:tailEnd type="triangle"/>
-          </a:ln>
-        </p:spPr>
-        <p:style>
-          <a:lnRef idx="1">
-            <a:schemeClr val="accent1"/>
-          </a:lnRef>
-          <a:fillRef idx="0">
-            <a:schemeClr val="accent1"/>
-          </a:fillRef>
-          <a:effectRef idx="0">
-            <a:schemeClr val="accent1"/>
-          </a:effectRef>
-          <a:fontRef idx="minor">
-            <a:schemeClr val="tx1"/>
-          </a:fontRef>
-        </p:style>
-      </p:cxnSp>
-      <p:cxnSp>
-        <p:nvCxnSpPr>
-          <p:cNvPr id="31" name="Curved Connector 30">
-            <a:extLst>
-              <a:ext uri="{FF2B5EF4-FFF2-40B4-BE49-F238E27FC236}">
-                <a16:creationId xmlns:a16="http://schemas.microsoft.com/office/drawing/2014/main" id="{882A1D6C-8E83-474D-B1C0-41659FFF6897}"/>
-              </a:ext>
-            </a:extLst>
-          </p:cNvPr>
-          <p:cNvCxnSpPr>
-            <a:stCxn id="26" idx="0"/>
-            <a:endCxn id="24" idx="0"/>
-          </p:cNvCxnSpPr>
-          <p:nvPr/>
-        </p:nvCxnSpPr>
-        <p:spPr>
-          <a:xfrm rot="16200000" flipV="1">
-            <a:off x="4957290" y="3692080"/>
-            <a:ext cx="12700" cy="2353283"/>
-          </a:xfrm>
-          <a:prstGeom prst="curvedConnector3">
-            <a:avLst>
-              <a:gd name="adj1" fmla="val 4409984"/>
-            </a:avLst>
-          </a:prstGeom>
-          <a:ln w="12700">
-            <a:solidFill>
-              <a:srgbClr val="6D84B4"/>
-            </a:solidFill>
-            <a:tailEnd type="triangle"/>
-          </a:ln>
-        </p:spPr>
-        <p:style>
-          <a:lnRef idx="1">
-            <a:schemeClr val="accent1"/>
-          </a:lnRef>
-          <a:fillRef idx="0">
-            <a:schemeClr val="accent1"/>
-          </a:fillRef>
-          <a:effectRef idx="0">
-            <a:schemeClr val="accent1"/>
-          </a:effectRef>
-          <a:fontRef idx="minor">
-            <a:schemeClr val="tx1"/>
-          </a:fontRef>
-        </p:style>
-      </p:cxnSp>
-      <p:cxnSp>
-        <p:nvCxnSpPr>
-          <p:cNvPr id="32" name="Curved Connector 31">
-            <a:extLst>
-              <a:ext uri="{FF2B5EF4-FFF2-40B4-BE49-F238E27FC236}">
-                <a16:creationId xmlns:a16="http://schemas.microsoft.com/office/drawing/2014/main" id="{657F5B9D-FADC-754B-9896-EDEADDA11970}"/>
-              </a:ext>
-            </a:extLst>
-          </p:cNvPr>
-          <p:cNvCxnSpPr>
-            <a:stCxn id="27" idx="0"/>
-            <a:endCxn id="24" idx="0"/>
-          </p:cNvCxnSpPr>
-          <p:nvPr/>
-        </p:nvCxnSpPr>
-        <p:spPr>
-          <a:xfrm rot="16200000" flipV="1">
-            <a:off x="5526960" y="3122410"/>
-            <a:ext cx="12700" cy="3492624"/>
-          </a:xfrm>
-          <a:prstGeom prst="curvedConnector3">
-            <a:avLst>
-              <a:gd name="adj1" fmla="val 6570000"/>
-            </a:avLst>
-          </a:prstGeom>
-          <a:ln w="12700">
-            <a:solidFill>
-              <a:srgbClr val="6D84B4"/>
-            </a:solidFill>
-            <a:tailEnd type="triangle"/>
-          </a:ln>
-        </p:spPr>
-        <p:style>
-          <a:lnRef idx="1">
-            <a:schemeClr val="accent1"/>
-          </a:lnRef>
-          <a:fillRef idx="0">
-            <a:schemeClr val="accent1"/>
-          </a:fillRef>
-          <a:effectRef idx="0">
-            <a:schemeClr val="accent1"/>
-          </a:effectRef>
-          <a:fontRef idx="minor">
-            <a:schemeClr val="tx1"/>
-          </a:fontRef>
-        </p:style>
-      </p:cxnSp>
+              <a:t>Background (Word2Vec, 2013) – Skip-gram</a:t>
+            </a:r>
+            <a:endParaRPr lang="en-CO" sz="2200" b="1" spc="-1" dirty="0">
+              <a:solidFill>
+                <a:srgbClr val="EF181E"/>
+              </a:solidFill>
+              <a:latin typeface="Arial"/>
+            </a:endParaRPr>
+          </a:p>
+        </p:txBody>
+      </p:sp>
     </p:spTree>
     <p:extLst>
       <p:ext uri="{BB962C8B-B14F-4D97-AF65-F5344CB8AC3E}">
@@ -14594,36 +14530,6 @@
           </a:p>
         </p:txBody>
       </p:sp>
-      <p:pic>
-        <p:nvPicPr>
-          <p:cNvPr id="4" name="Picture 3">
-            <a:extLst>
-              <a:ext uri="{FF2B5EF4-FFF2-40B4-BE49-F238E27FC236}">
-                <a16:creationId xmlns:a16="http://schemas.microsoft.com/office/drawing/2014/main" id="{BFD4A4DA-B4CE-AF40-9368-E8899CCE9216}"/>
-              </a:ext>
-            </a:extLst>
-          </p:cNvPr>
-          <p:cNvPicPr>
-            <a:picLocks noChangeAspect="1"/>
-          </p:cNvPicPr>
-          <p:nvPr/>
-        </p:nvPicPr>
-        <p:blipFill>
-          <a:blip r:embed="rId3"/>
-          <a:stretch>
-            <a:fillRect/>
-          </a:stretch>
-        </p:blipFill>
-        <p:spPr>
-          <a:xfrm>
-            <a:off x="2101456" y="1490581"/>
-            <a:ext cx="4933201" cy="3042141"/>
-          </a:xfrm>
-          <a:prstGeom prst="rect">
-            <a:avLst/>
-          </a:prstGeom>
-        </p:spPr>
-      </p:pic>
       <p:sp>
         <p:nvSpPr>
           <p:cNvPr id="3" name="TextBox 2">
@@ -14697,658 +14603,1584 @@
           </a:p>
         </p:txBody>
       </p:sp>
-      <p:grpSp>
-        <p:nvGrpSpPr>
-          <p:cNvPr id="8" name="Group 7">
+      <p:sp>
+        <p:nvSpPr>
+          <p:cNvPr id="5" name="Rectangle 4">
             <a:extLst>
               <a:ext uri="{FF2B5EF4-FFF2-40B4-BE49-F238E27FC236}">
-                <a16:creationId xmlns:a16="http://schemas.microsoft.com/office/drawing/2014/main" id="{0B6D9066-9288-42BE-BC92-88FD4E697D3E}"/>
+                <a16:creationId xmlns:a16="http://schemas.microsoft.com/office/drawing/2014/main" id="{7A067BB0-B744-4AB9-8198-C821F1D61C89}"/>
               </a:ext>
             </a:extLst>
           </p:cNvPr>
-          <p:cNvGrpSpPr/>
+          <p:cNvSpPr/>
           <p:nvPr/>
-        </p:nvGrpSpPr>
-        <p:grpSpPr>
-          <a:xfrm>
-            <a:off x="2470321" y="4634326"/>
-            <a:ext cx="3816455" cy="1297149"/>
-            <a:chOff x="5994696" y="5012173"/>
-            <a:chExt cx="5169685" cy="1757089"/>
-          </a:xfrm>
-        </p:grpSpPr>
-        <p:sp>
-          <p:nvSpPr>
-            <p:cNvPr id="9" name="TextBox 8">
-              <a:extLst>
-                <a:ext uri="{FF2B5EF4-FFF2-40B4-BE49-F238E27FC236}">
-                  <a16:creationId xmlns:a16="http://schemas.microsoft.com/office/drawing/2014/main" id="{00DE3A4E-5E4C-436B-B4BB-BD34A818CE65}"/>
-                </a:ext>
-              </a:extLst>
-            </p:cNvPr>
-            <p:cNvSpPr txBox="1"/>
-            <p:nvPr/>
-          </p:nvSpPr>
-          <p:spPr>
-            <a:xfrm>
-              <a:off x="5994696" y="5433386"/>
-              <a:ext cx="553357" cy="338554"/>
-            </a:xfrm>
-            <a:prstGeom prst="rect">
-              <a:avLst/>
-            </a:prstGeom>
-            <a:noFill/>
-          </p:spPr>
-          <p:txBody>
-            <a:bodyPr wrap="none" rtlCol="0">
-              <a:spAutoFit/>
-            </a:bodyPr>
-            <a:lstStyle/>
-            <a:p>
-              <a:r>
-                <a:rPr lang="en-US" sz="1600" dirty="0">
-                  <a:solidFill>
-                    <a:srgbClr val="6D84B4"/>
-                  </a:solidFill>
-                </a:rPr>
-                <a:t>man</a:t>
-              </a:r>
-            </a:p>
-          </p:txBody>
-        </p:sp>
-        <p:sp>
-          <p:nvSpPr>
-            <p:cNvPr id="10" name="TextBox 9">
-              <a:extLst>
-                <a:ext uri="{FF2B5EF4-FFF2-40B4-BE49-F238E27FC236}">
-                  <a16:creationId xmlns:a16="http://schemas.microsoft.com/office/drawing/2014/main" id="{5DDDE5A3-BA5D-4CBF-87AB-D5352BFBB3D3}"/>
-                </a:ext>
-              </a:extLst>
-            </p:cNvPr>
-            <p:cNvSpPr txBox="1"/>
-            <p:nvPr/>
-          </p:nvSpPr>
-          <p:spPr>
-            <a:xfrm>
-              <a:off x="6554070" y="5382540"/>
-              <a:ext cx="486030" cy="338554"/>
-            </a:xfrm>
-            <a:prstGeom prst="rect">
-              <a:avLst/>
-            </a:prstGeom>
-            <a:noFill/>
-          </p:spPr>
-          <p:txBody>
-            <a:bodyPr wrap="none" rtlCol="0">
-              <a:spAutoFit/>
-            </a:bodyPr>
-            <a:lstStyle/>
-            <a:p>
-              <a:r>
-                <a:rPr lang="en-US" sz="1600" dirty="0" err="1">
-                  <a:solidFill>
-                    <a:srgbClr val="6D84B4"/>
-                  </a:solidFill>
-                </a:rPr>
-                <a:t>ang</a:t>
-              </a:r>
-              <a:endParaRPr lang="en-US" sz="1600" dirty="0">
-                <a:solidFill>
-                  <a:srgbClr val="6D84B4"/>
-                </a:solidFill>
-              </a:endParaRPr>
-            </a:p>
-          </p:txBody>
-        </p:sp>
-        <p:sp>
-          <p:nvSpPr>
-            <p:cNvPr id="11" name="TextBox 10">
-              <a:extLst>
-                <a:ext uri="{FF2B5EF4-FFF2-40B4-BE49-F238E27FC236}">
-                  <a16:creationId xmlns:a16="http://schemas.microsoft.com/office/drawing/2014/main" id="{C900EA39-76E5-41A9-95F0-8293C311A2EA}"/>
-                </a:ext>
-              </a:extLst>
-            </p:cNvPr>
-            <p:cNvSpPr txBox="1"/>
-            <p:nvPr/>
-          </p:nvSpPr>
-          <p:spPr>
-            <a:xfrm>
-              <a:off x="6261693" y="5876153"/>
-              <a:ext cx="489173" cy="338554"/>
-            </a:xfrm>
-            <a:prstGeom prst="rect">
-              <a:avLst/>
-            </a:prstGeom>
-            <a:noFill/>
-          </p:spPr>
-          <p:txBody>
-            <a:bodyPr wrap="none" rtlCol="0">
-              <a:spAutoFit/>
-            </a:bodyPr>
-            <a:lstStyle/>
-            <a:p>
-              <a:r>
-                <a:rPr lang="en-US" sz="1600" dirty="0" err="1">
-                  <a:solidFill>
-                    <a:srgbClr val="6D84B4"/>
-                  </a:solidFill>
-                </a:rPr>
-                <a:t>nge</a:t>
-              </a:r>
-              <a:endParaRPr lang="en-US" sz="1600" dirty="0">
-                <a:solidFill>
-                  <a:srgbClr val="6D84B4"/>
-                </a:solidFill>
-              </a:endParaRPr>
-            </a:p>
-          </p:txBody>
-        </p:sp>
-        <p:sp>
-          <p:nvSpPr>
-            <p:cNvPr id="12" name="TextBox 11">
-              <a:extLst>
-                <a:ext uri="{FF2B5EF4-FFF2-40B4-BE49-F238E27FC236}">
-                  <a16:creationId xmlns:a16="http://schemas.microsoft.com/office/drawing/2014/main" id="{18F4ABA8-18EA-45C2-AB00-4D4A759E39C7}"/>
-                </a:ext>
-              </a:extLst>
-            </p:cNvPr>
-            <p:cNvSpPr txBox="1"/>
-            <p:nvPr/>
-          </p:nvSpPr>
-          <p:spPr>
-            <a:xfrm>
-              <a:off x="6871842" y="5855407"/>
-              <a:ext cx="453907" cy="338554"/>
-            </a:xfrm>
-            <a:prstGeom prst="rect">
-              <a:avLst/>
-            </a:prstGeom>
-            <a:noFill/>
-          </p:spPr>
-          <p:txBody>
-            <a:bodyPr wrap="none" rtlCol="0">
-              <a:spAutoFit/>
-            </a:bodyPr>
-            <a:lstStyle/>
-            <a:p>
-              <a:r>
-                <a:rPr lang="en-US" sz="1600" dirty="0" err="1">
-                  <a:solidFill>
-                    <a:srgbClr val="6D84B4"/>
-                  </a:solidFill>
-                </a:rPr>
-                <a:t>ger</a:t>
-              </a:r>
-              <a:endParaRPr lang="en-US" sz="1600" dirty="0">
-                <a:solidFill>
-                  <a:srgbClr val="6D84B4"/>
-                </a:solidFill>
-              </a:endParaRPr>
-            </a:p>
-          </p:txBody>
-        </p:sp>
-        <p:sp>
-          <p:nvSpPr>
-            <p:cNvPr id="13" name="TextBox 12">
-              <a:extLst>
-                <a:ext uri="{FF2B5EF4-FFF2-40B4-BE49-F238E27FC236}">
-                  <a16:creationId xmlns:a16="http://schemas.microsoft.com/office/drawing/2014/main" id="{A95DACAA-539E-44A5-95EF-FD30CAF6E8FE}"/>
-                </a:ext>
-              </a:extLst>
-            </p:cNvPr>
-            <p:cNvSpPr txBox="1"/>
-            <p:nvPr/>
-          </p:nvSpPr>
-          <p:spPr>
-            <a:xfrm>
-              <a:off x="7210298" y="5603745"/>
-              <a:ext cx="453073" cy="338554"/>
-            </a:xfrm>
-            <a:prstGeom prst="rect">
-              <a:avLst/>
-            </a:prstGeom>
-            <a:noFill/>
-          </p:spPr>
-          <p:txBody>
-            <a:bodyPr wrap="none" rtlCol="0">
-              <a:spAutoFit/>
-            </a:bodyPr>
-            <a:lstStyle/>
-            <a:p>
-              <a:r>
-                <a:rPr lang="en-US" sz="1600" dirty="0">
-                  <a:solidFill>
-                    <a:srgbClr val="6D84B4"/>
-                  </a:solidFill>
-                </a:rPr>
-                <a:t>era</a:t>
-              </a:r>
-            </a:p>
-          </p:txBody>
-        </p:sp>
-        <p:sp>
-          <p:nvSpPr>
-            <p:cNvPr id="14" name="TextBox 13">
-              <a:extLst>
-                <a:ext uri="{FF2B5EF4-FFF2-40B4-BE49-F238E27FC236}">
-                  <a16:creationId xmlns:a16="http://schemas.microsoft.com/office/drawing/2014/main" id="{414B26F5-165D-4D46-B4EB-6E9A585BA4F1}"/>
-                </a:ext>
-              </a:extLst>
-            </p:cNvPr>
-            <p:cNvSpPr txBox="1"/>
-            <p:nvPr/>
-          </p:nvSpPr>
-          <p:spPr>
-            <a:xfrm>
-              <a:off x="7547919" y="5906692"/>
-              <a:ext cx="396968" cy="338554"/>
-            </a:xfrm>
-            <a:prstGeom prst="rect">
-              <a:avLst/>
-            </a:prstGeom>
-            <a:noFill/>
-          </p:spPr>
-          <p:txBody>
-            <a:bodyPr wrap="none" rtlCol="0">
-              <a:spAutoFit/>
-            </a:bodyPr>
-            <a:lstStyle/>
-            <a:p>
-              <a:r>
-                <a:rPr lang="en-US" sz="1600" dirty="0">
-                  <a:solidFill>
-                    <a:srgbClr val="6D84B4"/>
-                  </a:solidFill>
-                </a:rPr>
-                <a:t>rai</a:t>
-              </a:r>
-            </a:p>
-          </p:txBody>
-        </p:sp>
-        <p:sp>
-          <p:nvSpPr>
-            <p:cNvPr id="15" name="TextBox 14">
-              <a:extLst>
-                <a:ext uri="{FF2B5EF4-FFF2-40B4-BE49-F238E27FC236}">
-                  <a16:creationId xmlns:a16="http://schemas.microsoft.com/office/drawing/2014/main" id="{DC506F7E-FA8D-4EBA-BB0B-AB9A867C9570}"/>
-                </a:ext>
-              </a:extLst>
-            </p:cNvPr>
-            <p:cNvSpPr txBox="1"/>
-            <p:nvPr/>
-          </p:nvSpPr>
-          <p:spPr>
-            <a:xfrm>
-              <a:off x="6350145" y="5012173"/>
-              <a:ext cx="649537" cy="338554"/>
-            </a:xfrm>
-            <a:prstGeom prst="rect">
-              <a:avLst/>
-            </a:prstGeom>
-            <a:noFill/>
-          </p:spPr>
-          <p:txBody>
-            <a:bodyPr wrap="none" rtlCol="0">
-              <a:spAutoFit/>
-            </a:bodyPr>
-            <a:lstStyle/>
-            <a:p>
-              <a:r>
-                <a:rPr lang="en-US" sz="1600" dirty="0" err="1">
-                  <a:solidFill>
-                    <a:srgbClr val="6D84B4"/>
-                  </a:solidFill>
-                </a:rPr>
-                <a:t>mang</a:t>
-              </a:r>
-              <a:endParaRPr lang="en-US" sz="1600" dirty="0">
-                <a:solidFill>
-                  <a:srgbClr val="6D84B4"/>
-                </a:solidFill>
-              </a:endParaRPr>
-            </a:p>
-          </p:txBody>
-        </p:sp>
-        <p:sp>
-          <p:nvSpPr>
-            <p:cNvPr id="16" name="TextBox 15">
-              <a:extLst>
-                <a:ext uri="{FF2B5EF4-FFF2-40B4-BE49-F238E27FC236}">
-                  <a16:creationId xmlns:a16="http://schemas.microsoft.com/office/drawing/2014/main" id="{E2B506E5-F83C-44B6-9C73-B0605C340B6C}"/>
-                </a:ext>
-              </a:extLst>
-            </p:cNvPr>
-            <p:cNvSpPr txBox="1"/>
-            <p:nvPr/>
-          </p:nvSpPr>
-          <p:spPr>
-            <a:xfrm>
-              <a:off x="7746403" y="5033658"/>
-              <a:ext cx="586956" cy="338554"/>
-            </a:xfrm>
-            <a:prstGeom prst="rect">
-              <a:avLst/>
-            </a:prstGeom>
-            <a:noFill/>
-          </p:spPr>
-          <p:txBody>
-            <a:bodyPr wrap="none" rtlCol="0">
-              <a:spAutoFit/>
-            </a:bodyPr>
-            <a:lstStyle/>
-            <a:p>
-              <a:r>
-                <a:rPr lang="en-US" sz="1600" dirty="0" err="1">
-                  <a:solidFill>
-                    <a:srgbClr val="6D84B4"/>
-                  </a:solidFill>
-                </a:rPr>
-                <a:t>ange</a:t>
-              </a:r>
-              <a:endParaRPr lang="en-US" sz="1600" dirty="0">
-                <a:solidFill>
-                  <a:srgbClr val="6D84B4"/>
-                </a:solidFill>
-              </a:endParaRPr>
-            </a:p>
-          </p:txBody>
-        </p:sp>
-        <p:sp>
-          <p:nvSpPr>
-            <p:cNvPr id="17" name="TextBox 16">
-              <a:extLst>
-                <a:ext uri="{FF2B5EF4-FFF2-40B4-BE49-F238E27FC236}">
-                  <a16:creationId xmlns:a16="http://schemas.microsoft.com/office/drawing/2014/main" id="{9878041C-4AED-4847-84C4-3A3D1D929044}"/>
-                </a:ext>
-              </a:extLst>
-            </p:cNvPr>
-            <p:cNvSpPr txBox="1"/>
-            <p:nvPr/>
-          </p:nvSpPr>
-          <p:spPr>
-            <a:xfrm>
-              <a:off x="8020911" y="5906692"/>
-              <a:ext cx="561308" cy="338554"/>
-            </a:xfrm>
-            <a:prstGeom prst="rect">
-              <a:avLst/>
-            </a:prstGeom>
-            <a:noFill/>
-          </p:spPr>
-          <p:txBody>
-            <a:bodyPr wrap="none" rtlCol="0">
-              <a:spAutoFit/>
-            </a:bodyPr>
-            <a:lstStyle/>
-            <a:p>
-              <a:r>
-                <a:rPr lang="en-US" sz="1600" dirty="0" err="1">
-                  <a:solidFill>
-                    <a:srgbClr val="6D84B4"/>
-                  </a:solidFill>
-                </a:rPr>
-                <a:t>nger</a:t>
-              </a:r>
-              <a:endParaRPr lang="en-US" sz="1600" dirty="0">
-                <a:solidFill>
-                  <a:srgbClr val="6D84B4"/>
-                </a:solidFill>
-              </a:endParaRPr>
-            </a:p>
-          </p:txBody>
-        </p:sp>
-        <p:sp>
-          <p:nvSpPr>
-            <p:cNvPr id="18" name="TextBox 17">
-              <a:extLst>
-                <a:ext uri="{FF2B5EF4-FFF2-40B4-BE49-F238E27FC236}">
-                  <a16:creationId xmlns:a16="http://schemas.microsoft.com/office/drawing/2014/main" id="{68640461-C624-44CF-9292-C58EAF990A1C}"/>
-                </a:ext>
-              </a:extLst>
-            </p:cNvPr>
-            <p:cNvSpPr txBox="1"/>
-            <p:nvPr/>
-          </p:nvSpPr>
-          <p:spPr>
-            <a:xfrm>
-              <a:off x="7707879" y="5439680"/>
-              <a:ext cx="547586" cy="338554"/>
-            </a:xfrm>
-            <a:prstGeom prst="rect">
-              <a:avLst/>
-            </a:prstGeom>
-            <a:noFill/>
-          </p:spPr>
-          <p:txBody>
-            <a:bodyPr wrap="none" rtlCol="0">
-              <a:spAutoFit/>
-            </a:bodyPr>
-            <a:lstStyle/>
-            <a:p>
-              <a:r>
-                <a:rPr lang="en-US" sz="1600" dirty="0" err="1">
-                  <a:solidFill>
-                    <a:srgbClr val="6D84B4"/>
-                  </a:solidFill>
-                </a:rPr>
-                <a:t>gera</a:t>
-              </a:r>
-              <a:endParaRPr lang="en-US" sz="1600" dirty="0">
-                <a:solidFill>
-                  <a:srgbClr val="6D84B4"/>
-                </a:solidFill>
-              </a:endParaRPr>
-            </a:p>
-          </p:txBody>
-        </p:sp>
-        <p:sp>
-          <p:nvSpPr>
-            <p:cNvPr id="19" name="TextBox 18">
-              <a:extLst>
-                <a:ext uri="{FF2B5EF4-FFF2-40B4-BE49-F238E27FC236}">
-                  <a16:creationId xmlns:a16="http://schemas.microsoft.com/office/drawing/2014/main" id="{AA48B034-F355-4BBD-8921-20A93FA68549}"/>
-                </a:ext>
-              </a:extLst>
-            </p:cNvPr>
-            <p:cNvSpPr txBox="1"/>
-            <p:nvPr/>
-          </p:nvSpPr>
-          <p:spPr>
-            <a:xfrm>
-              <a:off x="7082069" y="5163334"/>
-              <a:ext cx="499560" cy="338554"/>
-            </a:xfrm>
-            <a:prstGeom prst="rect">
-              <a:avLst/>
-            </a:prstGeom>
-            <a:noFill/>
-          </p:spPr>
-          <p:txBody>
-            <a:bodyPr wrap="none" rtlCol="0">
-              <a:spAutoFit/>
-            </a:bodyPr>
-            <a:lstStyle/>
-            <a:p>
-              <a:r>
-                <a:rPr lang="en-US" sz="1600" dirty="0" err="1">
-                  <a:solidFill>
-                    <a:srgbClr val="6D84B4"/>
-                  </a:solidFill>
-                </a:rPr>
-                <a:t>erai</a:t>
-              </a:r>
-              <a:endParaRPr lang="en-US" sz="1600" dirty="0">
-                <a:solidFill>
-                  <a:srgbClr val="6D84B4"/>
-                </a:solidFill>
-              </a:endParaRPr>
-            </a:p>
-          </p:txBody>
-        </p:sp>
-        <p:sp>
-          <p:nvSpPr>
-            <p:cNvPr id="20" name="TextBox 19">
-              <a:extLst>
-                <a:ext uri="{FF2B5EF4-FFF2-40B4-BE49-F238E27FC236}">
-                  <a16:creationId xmlns:a16="http://schemas.microsoft.com/office/drawing/2014/main" id="{BEF3F869-149D-47AF-AECB-B02DE35834EC}"/>
-                </a:ext>
-              </a:extLst>
-            </p:cNvPr>
-            <p:cNvSpPr txBox="1"/>
-            <p:nvPr/>
-          </p:nvSpPr>
-          <p:spPr>
-            <a:xfrm>
-              <a:off x="10026601" y="5587274"/>
-              <a:ext cx="1063048" cy="369332"/>
-            </a:xfrm>
-            <a:prstGeom prst="rect">
-              <a:avLst/>
-            </a:prstGeom>
-            <a:noFill/>
-          </p:spPr>
-          <p:txBody>
-            <a:bodyPr wrap="none" rtlCol="0">
-              <a:spAutoFit/>
-            </a:bodyPr>
-            <a:lstStyle/>
-            <a:p>
-              <a:r>
-                <a:rPr lang="en-US" dirty="0" err="1">
-                  <a:solidFill>
-                    <a:srgbClr val="6D84B4"/>
-                  </a:solidFill>
-                </a:rPr>
-                <a:t>mangerai</a:t>
-              </a:r>
-              <a:endParaRPr lang="en-US" dirty="0">
-                <a:solidFill>
-                  <a:srgbClr val="6D84B4"/>
-                </a:solidFill>
-              </a:endParaRPr>
-            </a:p>
-          </p:txBody>
-        </p:sp>
-        <p:sp>
-          <p:nvSpPr>
-            <p:cNvPr id="21" name="TextBox 20">
-              <a:extLst>
-                <a:ext uri="{FF2B5EF4-FFF2-40B4-BE49-F238E27FC236}">
-                  <a16:creationId xmlns:a16="http://schemas.microsoft.com/office/drawing/2014/main" id="{D7A6F303-12D5-4CE3-A04A-D646CDEA3CF5}"/>
-                </a:ext>
-              </a:extLst>
-            </p:cNvPr>
-            <p:cNvSpPr txBox="1"/>
-            <p:nvPr/>
-          </p:nvSpPr>
-          <p:spPr>
-            <a:xfrm>
-              <a:off x="6424182" y="6399930"/>
-              <a:ext cx="1909177" cy="369332"/>
-            </a:xfrm>
-            <a:prstGeom prst="rect">
-              <a:avLst/>
-            </a:prstGeom>
-            <a:noFill/>
-          </p:spPr>
-          <p:txBody>
-            <a:bodyPr wrap="none" rtlCol="0">
-              <a:spAutoFit/>
-            </a:bodyPr>
-            <a:lstStyle/>
-            <a:p>
-              <a:r>
-                <a:rPr lang="en-US" dirty="0"/>
-                <a:t>Character n-grams</a:t>
-              </a:r>
-            </a:p>
-          </p:txBody>
-        </p:sp>
-        <p:sp>
-          <p:nvSpPr>
-            <p:cNvPr id="22" name="TextBox 21">
-              <a:extLst>
-                <a:ext uri="{FF2B5EF4-FFF2-40B4-BE49-F238E27FC236}">
-                  <a16:creationId xmlns:a16="http://schemas.microsoft.com/office/drawing/2014/main" id="{305E722F-D78D-4241-BC73-EB8310979E64}"/>
-                </a:ext>
-              </a:extLst>
-            </p:cNvPr>
-            <p:cNvSpPr txBox="1"/>
-            <p:nvPr/>
-          </p:nvSpPr>
-          <p:spPr>
-            <a:xfrm>
-              <a:off x="9951870" y="6399930"/>
-              <a:ext cx="1212511" cy="369332"/>
-            </a:xfrm>
-            <a:prstGeom prst="rect">
-              <a:avLst/>
-            </a:prstGeom>
-            <a:noFill/>
-          </p:spPr>
-          <p:txBody>
-            <a:bodyPr wrap="none" rtlCol="0">
-              <a:spAutoFit/>
-            </a:bodyPr>
-            <a:lstStyle/>
-            <a:p>
-              <a:r>
-                <a:rPr lang="en-US"/>
-                <a:t>Word itself</a:t>
-              </a:r>
-            </a:p>
-          </p:txBody>
-        </p:sp>
-        <p:sp>
-          <p:nvSpPr>
-            <p:cNvPr id="23" name="Cross 22">
-              <a:extLst>
-                <a:ext uri="{FF2B5EF4-FFF2-40B4-BE49-F238E27FC236}">
-                  <a16:creationId xmlns:a16="http://schemas.microsoft.com/office/drawing/2014/main" id="{FF046467-D3B7-4A55-B063-C1503B130BE9}"/>
-                </a:ext>
-              </a:extLst>
-            </p:cNvPr>
-            <p:cNvSpPr/>
-            <p:nvPr/>
-          </p:nvSpPr>
-          <p:spPr>
-            <a:xfrm>
-              <a:off x="9056597" y="5501888"/>
-              <a:ext cx="465850" cy="465850"/>
-            </a:xfrm>
-            <a:prstGeom prst="plus">
-              <a:avLst>
-                <a:gd name="adj" fmla="val 42793"/>
-              </a:avLst>
-            </a:prstGeom>
-          </p:spPr>
-          <p:style>
-            <a:lnRef idx="2">
-              <a:schemeClr val="accent1">
-                <a:shade val="50000"/>
-              </a:schemeClr>
-            </a:lnRef>
-            <a:fillRef idx="1">
-              <a:schemeClr val="accent1"/>
-            </a:fillRef>
-            <a:effectRef idx="0">
-              <a:schemeClr val="accent1"/>
-            </a:effectRef>
-            <a:fontRef idx="minor">
-              <a:schemeClr val="lt1"/>
-            </a:fontRef>
-          </p:style>
-          <p:txBody>
-            <a:bodyPr rtlCol="0" anchor="ctr"/>
-            <a:lstStyle/>
-            <a:p>
-              <a:pPr algn="ctr"/>
-              <a:endParaRPr lang="en-US"/>
-            </a:p>
-          </p:txBody>
-        </p:sp>
-      </p:grpSp>
+        </p:nvSpPr>
+        <p:spPr>
+          <a:xfrm>
+            <a:off x="2167355" y="2948566"/>
+            <a:ext cx="628240" cy="249933"/>
+          </a:xfrm>
+          <a:prstGeom prst="rect">
+            <a:avLst/>
+          </a:prstGeom>
+        </p:spPr>
+        <p:style>
+          <a:lnRef idx="2">
+            <a:schemeClr val="accent1">
+              <a:shade val="50000"/>
+            </a:schemeClr>
+          </a:lnRef>
+          <a:fillRef idx="1">
+            <a:schemeClr val="accent1"/>
+          </a:fillRef>
+          <a:effectRef idx="0">
+            <a:schemeClr val="accent1"/>
+          </a:effectRef>
+          <a:fontRef idx="minor">
+            <a:schemeClr val="lt1"/>
+          </a:fontRef>
+        </p:style>
+        <p:txBody>
+          <a:bodyPr rtlCol="0" anchor="ctr"/>
+          <a:lstStyle/>
+          <a:p>
+            <a:pPr algn="ctr"/>
+            <a:r>
+              <a:rPr lang="en-US" dirty="0"/>
+              <a:t>&lt;vi</a:t>
+            </a:r>
+          </a:p>
+        </p:txBody>
+      </p:sp>
+      <p:sp>
+        <p:nvSpPr>
+          <p:cNvPr id="6" name="Rectangle 5">
+            <a:extLst>
+              <a:ext uri="{FF2B5EF4-FFF2-40B4-BE49-F238E27FC236}">
+                <a16:creationId xmlns:a16="http://schemas.microsoft.com/office/drawing/2014/main" id="{C64E57EB-B527-4686-89FC-B093B001214D}"/>
+              </a:ext>
+            </a:extLst>
+          </p:cNvPr>
+          <p:cNvSpPr/>
+          <p:nvPr/>
+        </p:nvSpPr>
+        <p:spPr>
+          <a:xfrm>
+            <a:off x="3003565" y="2948565"/>
+            <a:ext cx="628240" cy="249933"/>
+          </a:xfrm>
+          <a:prstGeom prst="rect">
+            <a:avLst/>
+          </a:prstGeom>
+        </p:spPr>
+        <p:style>
+          <a:lnRef idx="2">
+            <a:schemeClr val="accent1">
+              <a:shade val="50000"/>
+            </a:schemeClr>
+          </a:lnRef>
+          <a:fillRef idx="1">
+            <a:schemeClr val="accent1"/>
+          </a:fillRef>
+          <a:effectRef idx="0">
+            <a:schemeClr val="accent1"/>
+          </a:effectRef>
+          <a:fontRef idx="minor">
+            <a:schemeClr val="lt1"/>
+          </a:fontRef>
+        </p:style>
+        <p:txBody>
+          <a:bodyPr rtlCol="0" anchor="ctr"/>
+          <a:lstStyle/>
+          <a:p>
+            <a:pPr algn="ctr"/>
+            <a:r>
+              <a:rPr lang="en-US" dirty="0"/>
+              <a:t>vis</a:t>
+            </a:r>
+          </a:p>
+        </p:txBody>
+      </p:sp>
+      <p:sp>
+        <p:nvSpPr>
+          <p:cNvPr id="7" name="Rectangle 6">
+            <a:extLst>
+              <a:ext uri="{FF2B5EF4-FFF2-40B4-BE49-F238E27FC236}">
+                <a16:creationId xmlns:a16="http://schemas.microsoft.com/office/drawing/2014/main" id="{2C9EEB89-CBC2-4A2C-8455-0DE42AE9D60C}"/>
+              </a:ext>
+            </a:extLst>
+          </p:cNvPr>
+          <p:cNvSpPr/>
+          <p:nvPr/>
+        </p:nvSpPr>
+        <p:spPr>
+          <a:xfrm>
+            <a:off x="3839775" y="2948564"/>
+            <a:ext cx="628240" cy="249933"/>
+          </a:xfrm>
+          <a:prstGeom prst="rect">
+            <a:avLst/>
+          </a:prstGeom>
+        </p:spPr>
+        <p:style>
+          <a:lnRef idx="2">
+            <a:schemeClr val="accent1">
+              <a:shade val="50000"/>
+            </a:schemeClr>
+          </a:lnRef>
+          <a:fillRef idx="1">
+            <a:schemeClr val="accent1"/>
+          </a:fillRef>
+          <a:effectRef idx="0">
+            <a:schemeClr val="accent1"/>
+          </a:effectRef>
+          <a:fontRef idx="minor">
+            <a:schemeClr val="lt1"/>
+          </a:fontRef>
+        </p:style>
+        <p:txBody>
+          <a:bodyPr rtlCol="0" anchor="ctr"/>
+          <a:lstStyle/>
+          <a:p>
+            <a:pPr algn="ctr"/>
+            <a:r>
+              <a:rPr lang="en-US" dirty="0" err="1"/>
+              <a:t>isu</a:t>
+            </a:r>
+            <a:endParaRPr lang="en-US" dirty="0"/>
+          </a:p>
+        </p:txBody>
+      </p:sp>
+      <p:sp>
+        <p:nvSpPr>
+          <p:cNvPr id="25" name="Rectangle 24">
+            <a:extLst>
+              <a:ext uri="{FF2B5EF4-FFF2-40B4-BE49-F238E27FC236}">
+                <a16:creationId xmlns:a16="http://schemas.microsoft.com/office/drawing/2014/main" id="{9D23D18D-7233-41ED-9604-726D4FE658B3}"/>
+              </a:ext>
+            </a:extLst>
+          </p:cNvPr>
+          <p:cNvSpPr/>
+          <p:nvPr/>
+        </p:nvSpPr>
+        <p:spPr>
+          <a:xfrm>
+            <a:off x="4675985" y="2948563"/>
+            <a:ext cx="628240" cy="249933"/>
+          </a:xfrm>
+          <a:prstGeom prst="rect">
+            <a:avLst/>
+          </a:prstGeom>
+        </p:spPr>
+        <p:style>
+          <a:lnRef idx="2">
+            <a:schemeClr val="accent1">
+              <a:shade val="50000"/>
+            </a:schemeClr>
+          </a:lnRef>
+          <a:fillRef idx="1">
+            <a:schemeClr val="accent1"/>
+          </a:fillRef>
+          <a:effectRef idx="0">
+            <a:schemeClr val="accent1"/>
+          </a:effectRef>
+          <a:fontRef idx="minor">
+            <a:schemeClr val="lt1"/>
+          </a:fontRef>
+        </p:style>
+        <p:txBody>
+          <a:bodyPr rtlCol="0" anchor="ctr"/>
+          <a:lstStyle/>
+          <a:p>
+            <a:pPr algn="ctr"/>
+            <a:r>
+              <a:rPr lang="en-US" dirty="0" err="1"/>
+              <a:t>sua</a:t>
+            </a:r>
+            <a:endParaRPr lang="en-US" dirty="0"/>
+          </a:p>
+        </p:txBody>
+      </p:sp>
+      <p:sp>
+        <p:nvSpPr>
+          <p:cNvPr id="27" name="Rectangle 26">
+            <a:extLst>
+              <a:ext uri="{FF2B5EF4-FFF2-40B4-BE49-F238E27FC236}">
+                <a16:creationId xmlns:a16="http://schemas.microsoft.com/office/drawing/2014/main" id="{1C31E376-20C9-4C87-8123-BB1A6A34E49C}"/>
+              </a:ext>
+            </a:extLst>
+          </p:cNvPr>
+          <p:cNvSpPr/>
+          <p:nvPr/>
+        </p:nvSpPr>
+        <p:spPr>
+          <a:xfrm>
+            <a:off x="5512195" y="2948017"/>
+            <a:ext cx="628240" cy="249933"/>
+          </a:xfrm>
+          <a:prstGeom prst="rect">
+            <a:avLst/>
+          </a:prstGeom>
+          <a:effectLst>
+            <a:outerShdw blurRad="50800" dist="38100" dir="5400000" algn="t" rotWithShape="0">
+              <a:prstClr val="black">
+                <a:alpha val="40000"/>
+              </a:prstClr>
+            </a:outerShdw>
+          </a:effectLst>
+        </p:spPr>
+        <p:style>
+          <a:lnRef idx="2">
+            <a:schemeClr val="accent1">
+              <a:shade val="50000"/>
+            </a:schemeClr>
+          </a:lnRef>
+          <a:fillRef idx="1">
+            <a:schemeClr val="accent1"/>
+          </a:fillRef>
+          <a:effectRef idx="0">
+            <a:schemeClr val="accent1"/>
+          </a:effectRef>
+          <a:fontRef idx="minor">
+            <a:schemeClr val="lt1"/>
+          </a:fontRef>
+        </p:style>
+        <p:txBody>
+          <a:bodyPr rtlCol="0" anchor="ctr"/>
+          <a:lstStyle/>
+          <a:p>
+            <a:pPr algn="ctr"/>
+            <a:r>
+              <a:rPr lang="en-US" dirty="0" err="1"/>
+              <a:t>ual</a:t>
+            </a:r>
+            <a:endParaRPr lang="en-US" dirty="0"/>
+          </a:p>
+        </p:txBody>
+      </p:sp>
+      <p:sp>
+        <p:nvSpPr>
+          <p:cNvPr id="29" name="Rectangle 28">
+            <a:extLst>
+              <a:ext uri="{FF2B5EF4-FFF2-40B4-BE49-F238E27FC236}">
+                <a16:creationId xmlns:a16="http://schemas.microsoft.com/office/drawing/2014/main" id="{5E6EABB2-A5FA-4328-8176-8812FC388F41}"/>
+              </a:ext>
+            </a:extLst>
+          </p:cNvPr>
+          <p:cNvSpPr/>
+          <p:nvPr/>
+        </p:nvSpPr>
+        <p:spPr>
+          <a:xfrm>
+            <a:off x="6348405" y="2947144"/>
+            <a:ext cx="628240" cy="249933"/>
+          </a:xfrm>
+          <a:prstGeom prst="rect">
+            <a:avLst/>
+          </a:prstGeom>
+          <a:effectLst>
+            <a:outerShdw blurRad="50800" dist="38100" dir="5400000" algn="t" rotWithShape="0">
+              <a:prstClr val="black">
+                <a:alpha val="40000"/>
+              </a:prstClr>
+            </a:outerShdw>
+          </a:effectLst>
+        </p:spPr>
+        <p:style>
+          <a:lnRef idx="2">
+            <a:schemeClr val="accent1">
+              <a:shade val="50000"/>
+            </a:schemeClr>
+          </a:lnRef>
+          <a:fillRef idx="1">
+            <a:schemeClr val="accent1"/>
+          </a:fillRef>
+          <a:effectRef idx="0">
+            <a:schemeClr val="accent1"/>
+          </a:effectRef>
+          <a:fontRef idx="minor">
+            <a:schemeClr val="lt1"/>
+          </a:fontRef>
+        </p:style>
+        <p:txBody>
+          <a:bodyPr rtlCol="0" anchor="ctr"/>
+          <a:lstStyle/>
+          <a:p>
+            <a:pPr algn="ctr"/>
+            <a:r>
+              <a:rPr lang="en-US" dirty="0"/>
+              <a:t>al&gt;</a:t>
+            </a:r>
+          </a:p>
+        </p:txBody>
+      </p:sp>
+      <p:sp>
+        <p:nvSpPr>
+          <p:cNvPr id="35" name="Rectangle 34">
+            <a:extLst>
+              <a:ext uri="{FF2B5EF4-FFF2-40B4-BE49-F238E27FC236}">
+                <a16:creationId xmlns:a16="http://schemas.microsoft.com/office/drawing/2014/main" id="{F69EC6E1-F712-4082-A846-61F84FED67A0}"/>
+              </a:ext>
+            </a:extLst>
+          </p:cNvPr>
+          <p:cNvSpPr/>
+          <p:nvPr/>
+        </p:nvSpPr>
+        <p:spPr>
+          <a:xfrm>
+            <a:off x="2167355" y="2947147"/>
+            <a:ext cx="628240" cy="249933"/>
+          </a:xfrm>
+          <a:prstGeom prst="rect">
+            <a:avLst/>
+          </a:prstGeom>
+          <a:effectLst>
+            <a:outerShdw blurRad="50800" dist="38100" dir="5400000" algn="t" rotWithShape="0">
+              <a:prstClr val="black">
+                <a:alpha val="40000"/>
+              </a:prstClr>
+            </a:outerShdw>
+          </a:effectLst>
+        </p:spPr>
+        <p:style>
+          <a:lnRef idx="2">
+            <a:schemeClr val="accent1">
+              <a:shade val="50000"/>
+            </a:schemeClr>
+          </a:lnRef>
+          <a:fillRef idx="1">
+            <a:schemeClr val="accent1"/>
+          </a:fillRef>
+          <a:effectRef idx="0">
+            <a:schemeClr val="accent1"/>
+          </a:effectRef>
+          <a:fontRef idx="minor">
+            <a:schemeClr val="lt1"/>
+          </a:fontRef>
+        </p:style>
+        <p:txBody>
+          <a:bodyPr rtlCol="0" anchor="ctr"/>
+          <a:lstStyle/>
+          <a:p>
+            <a:pPr algn="ctr"/>
+            <a:r>
+              <a:rPr lang="en-US" dirty="0"/>
+              <a:t>&lt;vi</a:t>
+            </a:r>
+          </a:p>
+        </p:txBody>
+      </p:sp>
+      <p:sp>
+        <p:nvSpPr>
+          <p:cNvPr id="36" name="Rectangle 35">
+            <a:extLst>
+              <a:ext uri="{FF2B5EF4-FFF2-40B4-BE49-F238E27FC236}">
+                <a16:creationId xmlns:a16="http://schemas.microsoft.com/office/drawing/2014/main" id="{2E2C133C-3DB4-482C-972B-D6CCBA5CC84B}"/>
+              </a:ext>
+            </a:extLst>
+          </p:cNvPr>
+          <p:cNvSpPr/>
+          <p:nvPr/>
+        </p:nvSpPr>
+        <p:spPr>
+          <a:xfrm>
+            <a:off x="3003565" y="2947146"/>
+            <a:ext cx="628240" cy="249933"/>
+          </a:xfrm>
+          <a:prstGeom prst="rect">
+            <a:avLst/>
+          </a:prstGeom>
+          <a:effectLst>
+            <a:outerShdw blurRad="50800" dist="38100" dir="5400000" algn="t" rotWithShape="0">
+              <a:prstClr val="black">
+                <a:alpha val="40000"/>
+              </a:prstClr>
+            </a:outerShdw>
+          </a:effectLst>
+        </p:spPr>
+        <p:style>
+          <a:lnRef idx="2">
+            <a:schemeClr val="accent1">
+              <a:shade val="50000"/>
+            </a:schemeClr>
+          </a:lnRef>
+          <a:fillRef idx="1">
+            <a:schemeClr val="accent1"/>
+          </a:fillRef>
+          <a:effectRef idx="0">
+            <a:schemeClr val="accent1"/>
+          </a:effectRef>
+          <a:fontRef idx="minor">
+            <a:schemeClr val="lt1"/>
+          </a:fontRef>
+        </p:style>
+        <p:txBody>
+          <a:bodyPr rtlCol="0" anchor="ctr"/>
+          <a:lstStyle/>
+          <a:p>
+            <a:pPr algn="ctr"/>
+            <a:r>
+              <a:rPr lang="en-US" dirty="0"/>
+              <a:t>vis</a:t>
+            </a:r>
+          </a:p>
+        </p:txBody>
+      </p:sp>
+      <p:sp>
+        <p:nvSpPr>
+          <p:cNvPr id="37" name="Rectangle 36">
+            <a:extLst>
+              <a:ext uri="{FF2B5EF4-FFF2-40B4-BE49-F238E27FC236}">
+                <a16:creationId xmlns:a16="http://schemas.microsoft.com/office/drawing/2014/main" id="{753C0E42-01EE-46B7-9FDB-5DB000E765C4}"/>
+              </a:ext>
+            </a:extLst>
+          </p:cNvPr>
+          <p:cNvSpPr/>
+          <p:nvPr/>
+        </p:nvSpPr>
+        <p:spPr>
+          <a:xfrm>
+            <a:off x="3839775" y="2947145"/>
+            <a:ext cx="628240" cy="249933"/>
+          </a:xfrm>
+          <a:prstGeom prst="rect">
+            <a:avLst/>
+          </a:prstGeom>
+          <a:effectLst>
+            <a:outerShdw blurRad="50800" dist="38100" dir="5400000" algn="t" rotWithShape="0">
+              <a:prstClr val="black">
+                <a:alpha val="40000"/>
+              </a:prstClr>
+            </a:outerShdw>
+          </a:effectLst>
+        </p:spPr>
+        <p:style>
+          <a:lnRef idx="2">
+            <a:schemeClr val="accent1">
+              <a:shade val="50000"/>
+            </a:schemeClr>
+          </a:lnRef>
+          <a:fillRef idx="1">
+            <a:schemeClr val="accent1"/>
+          </a:fillRef>
+          <a:effectRef idx="0">
+            <a:schemeClr val="accent1"/>
+          </a:effectRef>
+          <a:fontRef idx="minor">
+            <a:schemeClr val="lt1"/>
+          </a:fontRef>
+        </p:style>
+        <p:txBody>
+          <a:bodyPr rtlCol="0" anchor="ctr"/>
+          <a:lstStyle/>
+          <a:p>
+            <a:pPr algn="ctr"/>
+            <a:r>
+              <a:rPr lang="en-US" dirty="0" err="1"/>
+              <a:t>isu</a:t>
+            </a:r>
+            <a:endParaRPr lang="en-US" dirty="0"/>
+          </a:p>
+        </p:txBody>
+      </p:sp>
+      <p:sp>
+        <p:nvSpPr>
+          <p:cNvPr id="38" name="Rectangle 37">
+            <a:extLst>
+              <a:ext uri="{FF2B5EF4-FFF2-40B4-BE49-F238E27FC236}">
+                <a16:creationId xmlns:a16="http://schemas.microsoft.com/office/drawing/2014/main" id="{FCD0770B-4D44-4A61-B69A-7A1039E33D6D}"/>
+              </a:ext>
+            </a:extLst>
+          </p:cNvPr>
+          <p:cNvSpPr/>
+          <p:nvPr/>
+        </p:nvSpPr>
+        <p:spPr>
+          <a:xfrm>
+            <a:off x="4675985" y="2947144"/>
+            <a:ext cx="628240" cy="249933"/>
+          </a:xfrm>
+          <a:prstGeom prst="rect">
+            <a:avLst/>
+          </a:prstGeom>
+          <a:effectLst>
+            <a:outerShdw blurRad="50800" dist="38100" dir="5400000" algn="t" rotWithShape="0">
+              <a:prstClr val="black">
+                <a:alpha val="40000"/>
+              </a:prstClr>
+            </a:outerShdw>
+          </a:effectLst>
+        </p:spPr>
+        <p:style>
+          <a:lnRef idx="2">
+            <a:schemeClr val="accent1">
+              <a:shade val="50000"/>
+            </a:schemeClr>
+          </a:lnRef>
+          <a:fillRef idx="1">
+            <a:schemeClr val="accent1"/>
+          </a:fillRef>
+          <a:effectRef idx="0">
+            <a:schemeClr val="accent1"/>
+          </a:effectRef>
+          <a:fontRef idx="minor">
+            <a:schemeClr val="lt1"/>
+          </a:fontRef>
+        </p:style>
+        <p:txBody>
+          <a:bodyPr rtlCol="0" anchor="ctr"/>
+          <a:lstStyle/>
+          <a:p>
+            <a:pPr algn="ctr"/>
+            <a:r>
+              <a:rPr lang="en-US" dirty="0" err="1"/>
+              <a:t>sua</a:t>
+            </a:r>
+            <a:endParaRPr lang="en-US" dirty="0"/>
+          </a:p>
+        </p:txBody>
+      </p:sp>
+      <p:sp>
+        <p:nvSpPr>
+          <p:cNvPr id="33" name="Rectangle 32">
+            <a:extLst>
+              <a:ext uri="{FF2B5EF4-FFF2-40B4-BE49-F238E27FC236}">
+                <a16:creationId xmlns:a16="http://schemas.microsoft.com/office/drawing/2014/main" id="{D18EF8AF-2A15-4782-B553-60DE54EC43E1}"/>
+              </a:ext>
+            </a:extLst>
+          </p:cNvPr>
+          <p:cNvSpPr/>
+          <p:nvPr/>
+        </p:nvSpPr>
+        <p:spPr>
+          <a:xfrm>
+            <a:off x="2167355" y="3651177"/>
+            <a:ext cx="4809290" cy="655253"/>
+          </a:xfrm>
+          <a:prstGeom prst="rect">
+            <a:avLst/>
+          </a:prstGeom>
+          <a:effectLst>
+            <a:outerShdw blurRad="50800" dist="38100" dir="5400000" algn="t" rotWithShape="0">
+              <a:prstClr val="black">
+                <a:alpha val="40000"/>
+              </a:prstClr>
+            </a:outerShdw>
+          </a:effectLst>
+        </p:spPr>
+        <p:style>
+          <a:lnRef idx="2">
+            <a:schemeClr val="accent1">
+              <a:shade val="50000"/>
+            </a:schemeClr>
+          </a:lnRef>
+          <a:fillRef idx="1">
+            <a:schemeClr val="accent1"/>
+          </a:fillRef>
+          <a:effectRef idx="0">
+            <a:schemeClr val="accent1"/>
+          </a:effectRef>
+          <a:fontRef idx="minor">
+            <a:schemeClr val="lt1"/>
+          </a:fontRef>
+        </p:style>
+        <p:txBody>
+          <a:bodyPr rtlCol="0" anchor="ctr"/>
+          <a:lstStyle/>
+          <a:p>
+            <a:pPr algn="ctr"/>
+            <a:r>
+              <a:rPr lang="en-US" dirty="0"/>
+              <a:t>Generate one-hot encoded vectors for n-grams</a:t>
+            </a:r>
+          </a:p>
+        </p:txBody>
+      </p:sp>
+      <p:sp>
+        <p:nvSpPr>
+          <p:cNvPr id="34" name="Rectangle 33">
+            <a:extLst>
+              <a:ext uri="{FF2B5EF4-FFF2-40B4-BE49-F238E27FC236}">
+                <a16:creationId xmlns:a16="http://schemas.microsoft.com/office/drawing/2014/main" id="{5CD5FC06-0767-4429-86AE-05B78FD6413E}"/>
+              </a:ext>
+            </a:extLst>
+          </p:cNvPr>
+          <p:cNvSpPr/>
+          <p:nvPr/>
+        </p:nvSpPr>
+        <p:spPr>
+          <a:xfrm>
+            <a:off x="2640693" y="4786809"/>
+            <a:ext cx="3862612" cy="312968"/>
+          </a:xfrm>
+          <a:prstGeom prst="rect">
+            <a:avLst/>
+          </a:prstGeom>
+          <a:effectLst>
+            <a:outerShdw blurRad="50800" dist="38100" dir="5400000" algn="t" rotWithShape="0">
+              <a:prstClr val="black">
+                <a:alpha val="40000"/>
+              </a:prstClr>
+            </a:outerShdw>
+          </a:effectLst>
+        </p:spPr>
+        <p:style>
+          <a:lnRef idx="2">
+            <a:schemeClr val="accent1">
+              <a:shade val="50000"/>
+            </a:schemeClr>
+          </a:lnRef>
+          <a:fillRef idx="1">
+            <a:schemeClr val="accent1"/>
+          </a:fillRef>
+          <a:effectRef idx="0">
+            <a:schemeClr val="accent1"/>
+          </a:effectRef>
+          <a:fontRef idx="minor">
+            <a:schemeClr val="lt1"/>
+          </a:fontRef>
+        </p:style>
+        <p:txBody>
+          <a:bodyPr rtlCol="0" anchor="ctr"/>
+          <a:lstStyle/>
+          <a:p>
+            <a:pPr algn="ctr"/>
+            <a:r>
+              <a:rPr lang="en-US" dirty="0"/>
+              <a:t>Sum</a:t>
+            </a:r>
+          </a:p>
+        </p:txBody>
+      </p:sp>
+      <p:sp>
+        <p:nvSpPr>
+          <p:cNvPr id="40" name="Rectangle 39">
+            <a:extLst>
+              <a:ext uri="{FF2B5EF4-FFF2-40B4-BE49-F238E27FC236}">
+                <a16:creationId xmlns:a16="http://schemas.microsoft.com/office/drawing/2014/main" id="{7F203DCC-5CC3-4D3E-AAFD-869799274B24}"/>
+              </a:ext>
+            </a:extLst>
+          </p:cNvPr>
+          <p:cNvSpPr/>
+          <p:nvPr/>
+        </p:nvSpPr>
+        <p:spPr>
+          <a:xfrm>
+            <a:off x="3572512" y="1510785"/>
+            <a:ext cx="1998973" cy="298129"/>
+          </a:xfrm>
+          <a:prstGeom prst="rect">
+            <a:avLst/>
+          </a:prstGeom>
+        </p:spPr>
+        <p:style>
+          <a:lnRef idx="2">
+            <a:schemeClr val="accent1">
+              <a:shade val="50000"/>
+            </a:schemeClr>
+          </a:lnRef>
+          <a:fillRef idx="1">
+            <a:schemeClr val="accent1"/>
+          </a:fillRef>
+          <a:effectRef idx="0">
+            <a:schemeClr val="accent1"/>
+          </a:effectRef>
+          <a:fontRef idx="minor">
+            <a:schemeClr val="lt1"/>
+          </a:fontRef>
+        </p:style>
+        <p:txBody>
+          <a:bodyPr rtlCol="0" anchor="ctr"/>
+          <a:lstStyle/>
+          <a:p>
+            <a:pPr algn="ctr"/>
+            <a:r>
+              <a:rPr lang="en-US" dirty="0"/>
+              <a:t>visual</a:t>
+            </a:r>
+          </a:p>
+        </p:txBody>
+      </p:sp>
+      <p:cxnSp>
+        <p:nvCxnSpPr>
+          <p:cNvPr id="42" name="Straight Arrow Connector 41">
+            <a:extLst>
+              <a:ext uri="{FF2B5EF4-FFF2-40B4-BE49-F238E27FC236}">
+                <a16:creationId xmlns:a16="http://schemas.microsoft.com/office/drawing/2014/main" id="{54BDC582-9EB4-40E6-BA18-5D48A9643D0C}"/>
+              </a:ext>
+            </a:extLst>
+          </p:cNvPr>
+          <p:cNvCxnSpPr>
+            <a:cxnSpLocks/>
+            <a:stCxn id="40" idx="2"/>
+            <a:endCxn id="35" idx="0"/>
+          </p:cNvCxnSpPr>
+          <p:nvPr/>
+        </p:nvCxnSpPr>
+        <p:spPr>
+          <a:xfrm flipH="1">
+            <a:off x="2481475" y="1808914"/>
+            <a:ext cx="2090524" cy="1138233"/>
+          </a:xfrm>
+          <a:prstGeom prst="straightConnector1">
+            <a:avLst/>
+          </a:prstGeom>
+          <a:ln>
+            <a:tailEnd type="triangle"/>
+          </a:ln>
+        </p:spPr>
+        <p:style>
+          <a:lnRef idx="2">
+            <a:schemeClr val="accent2"/>
+          </a:lnRef>
+          <a:fillRef idx="0">
+            <a:schemeClr val="accent2"/>
+          </a:fillRef>
+          <a:effectRef idx="1">
+            <a:schemeClr val="accent2"/>
+          </a:effectRef>
+          <a:fontRef idx="minor">
+            <a:schemeClr val="tx1"/>
+          </a:fontRef>
+        </p:style>
+      </p:cxnSp>
+      <p:cxnSp>
+        <p:nvCxnSpPr>
+          <p:cNvPr id="43" name="Straight Arrow Connector 42">
+            <a:extLst>
+              <a:ext uri="{FF2B5EF4-FFF2-40B4-BE49-F238E27FC236}">
+                <a16:creationId xmlns:a16="http://schemas.microsoft.com/office/drawing/2014/main" id="{327FDAFC-8C81-4D5C-B692-05BEF8A6F404}"/>
+              </a:ext>
+            </a:extLst>
+          </p:cNvPr>
+          <p:cNvCxnSpPr>
+            <a:cxnSpLocks/>
+            <a:stCxn id="40" idx="2"/>
+            <a:endCxn id="36" idx="0"/>
+          </p:cNvCxnSpPr>
+          <p:nvPr/>
+        </p:nvCxnSpPr>
+        <p:spPr>
+          <a:xfrm flipH="1">
+            <a:off x="3317685" y="1808914"/>
+            <a:ext cx="1254314" cy="1138232"/>
+          </a:xfrm>
+          <a:prstGeom prst="straightConnector1">
+            <a:avLst/>
+          </a:prstGeom>
+          <a:ln>
+            <a:tailEnd type="triangle"/>
+          </a:ln>
+        </p:spPr>
+        <p:style>
+          <a:lnRef idx="2">
+            <a:schemeClr val="accent2"/>
+          </a:lnRef>
+          <a:fillRef idx="0">
+            <a:schemeClr val="accent2"/>
+          </a:fillRef>
+          <a:effectRef idx="1">
+            <a:schemeClr val="accent2"/>
+          </a:effectRef>
+          <a:fontRef idx="minor">
+            <a:schemeClr val="tx1"/>
+          </a:fontRef>
+        </p:style>
+      </p:cxnSp>
+      <p:cxnSp>
+        <p:nvCxnSpPr>
+          <p:cNvPr id="47" name="Straight Arrow Connector 46">
+            <a:extLst>
+              <a:ext uri="{FF2B5EF4-FFF2-40B4-BE49-F238E27FC236}">
+                <a16:creationId xmlns:a16="http://schemas.microsoft.com/office/drawing/2014/main" id="{49128FF8-982B-4C01-BC03-0D6D4053A1AC}"/>
+              </a:ext>
+            </a:extLst>
+          </p:cNvPr>
+          <p:cNvCxnSpPr>
+            <a:cxnSpLocks/>
+            <a:stCxn id="40" idx="2"/>
+            <a:endCxn id="37" idx="0"/>
+          </p:cNvCxnSpPr>
+          <p:nvPr/>
+        </p:nvCxnSpPr>
+        <p:spPr>
+          <a:xfrm flipH="1">
+            <a:off x="4153895" y="1808914"/>
+            <a:ext cx="418104" cy="1138231"/>
+          </a:xfrm>
+          <a:prstGeom prst="straightConnector1">
+            <a:avLst/>
+          </a:prstGeom>
+          <a:ln>
+            <a:tailEnd type="triangle"/>
+          </a:ln>
+        </p:spPr>
+        <p:style>
+          <a:lnRef idx="2">
+            <a:schemeClr val="accent2"/>
+          </a:lnRef>
+          <a:fillRef idx="0">
+            <a:schemeClr val="accent2"/>
+          </a:fillRef>
+          <a:effectRef idx="1">
+            <a:schemeClr val="accent2"/>
+          </a:effectRef>
+          <a:fontRef idx="minor">
+            <a:schemeClr val="tx1"/>
+          </a:fontRef>
+        </p:style>
+      </p:cxnSp>
+      <p:cxnSp>
+        <p:nvCxnSpPr>
+          <p:cNvPr id="53" name="Straight Arrow Connector 52">
+            <a:extLst>
+              <a:ext uri="{FF2B5EF4-FFF2-40B4-BE49-F238E27FC236}">
+                <a16:creationId xmlns:a16="http://schemas.microsoft.com/office/drawing/2014/main" id="{8D688CFB-942B-4D80-93F0-8190DAD3F519}"/>
+              </a:ext>
+            </a:extLst>
+          </p:cNvPr>
+          <p:cNvCxnSpPr>
+            <a:cxnSpLocks/>
+            <a:stCxn id="40" idx="2"/>
+            <a:endCxn id="38" idx="0"/>
+          </p:cNvCxnSpPr>
+          <p:nvPr/>
+        </p:nvCxnSpPr>
+        <p:spPr>
+          <a:xfrm>
+            <a:off x="4571999" y="1808914"/>
+            <a:ext cx="418106" cy="1138230"/>
+          </a:xfrm>
+          <a:prstGeom prst="straightConnector1">
+            <a:avLst/>
+          </a:prstGeom>
+          <a:ln>
+            <a:tailEnd type="triangle"/>
+          </a:ln>
+        </p:spPr>
+        <p:style>
+          <a:lnRef idx="2">
+            <a:schemeClr val="accent2"/>
+          </a:lnRef>
+          <a:fillRef idx="0">
+            <a:schemeClr val="accent2"/>
+          </a:fillRef>
+          <a:effectRef idx="1">
+            <a:schemeClr val="accent2"/>
+          </a:effectRef>
+          <a:fontRef idx="minor">
+            <a:schemeClr val="tx1"/>
+          </a:fontRef>
+        </p:style>
+      </p:cxnSp>
+      <p:cxnSp>
+        <p:nvCxnSpPr>
+          <p:cNvPr id="57" name="Straight Arrow Connector 56">
+            <a:extLst>
+              <a:ext uri="{FF2B5EF4-FFF2-40B4-BE49-F238E27FC236}">
+                <a16:creationId xmlns:a16="http://schemas.microsoft.com/office/drawing/2014/main" id="{8D140A95-BD10-4702-AD3A-41F99095272F}"/>
+              </a:ext>
+            </a:extLst>
+          </p:cNvPr>
+          <p:cNvCxnSpPr>
+            <a:cxnSpLocks/>
+            <a:stCxn id="40" idx="2"/>
+            <a:endCxn id="27" idx="0"/>
+          </p:cNvCxnSpPr>
+          <p:nvPr/>
+        </p:nvCxnSpPr>
+        <p:spPr>
+          <a:xfrm>
+            <a:off x="4571999" y="1808914"/>
+            <a:ext cx="1254316" cy="1139103"/>
+          </a:xfrm>
+          <a:prstGeom prst="straightConnector1">
+            <a:avLst/>
+          </a:prstGeom>
+          <a:ln>
+            <a:tailEnd type="triangle"/>
+          </a:ln>
+        </p:spPr>
+        <p:style>
+          <a:lnRef idx="2">
+            <a:schemeClr val="accent2"/>
+          </a:lnRef>
+          <a:fillRef idx="0">
+            <a:schemeClr val="accent2"/>
+          </a:fillRef>
+          <a:effectRef idx="1">
+            <a:schemeClr val="accent2"/>
+          </a:effectRef>
+          <a:fontRef idx="minor">
+            <a:schemeClr val="tx1"/>
+          </a:fontRef>
+        </p:style>
+      </p:cxnSp>
+      <p:cxnSp>
+        <p:nvCxnSpPr>
+          <p:cNvPr id="61" name="Straight Arrow Connector 60">
+            <a:extLst>
+              <a:ext uri="{FF2B5EF4-FFF2-40B4-BE49-F238E27FC236}">
+                <a16:creationId xmlns:a16="http://schemas.microsoft.com/office/drawing/2014/main" id="{C4E84F38-A3CA-4AB0-A412-13996E730711}"/>
+              </a:ext>
+            </a:extLst>
+          </p:cNvPr>
+          <p:cNvCxnSpPr>
+            <a:cxnSpLocks/>
+            <a:stCxn id="40" idx="2"/>
+            <a:endCxn id="29" idx="0"/>
+          </p:cNvCxnSpPr>
+          <p:nvPr/>
+        </p:nvCxnSpPr>
+        <p:spPr>
+          <a:xfrm>
+            <a:off x="4571999" y="1808914"/>
+            <a:ext cx="2090526" cy="1138230"/>
+          </a:xfrm>
+          <a:prstGeom prst="straightConnector1">
+            <a:avLst/>
+          </a:prstGeom>
+          <a:ln>
+            <a:tailEnd type="triangle"/>
+          </a:ln>
+        </p:spPr>
+        <p:style>
+          <a:lnRef idx="2">
+            <a:schemeClr val="accent2"/>
+          </a:lnRef>
+          <a:fillRef idx="0">
+            <a:schemeClr val="accent2"/>
+          </a:fillRef>
+          <a:effectRef idx="1">
+            <a:schemeClr val="accent2"/>
+          </a:effectRef>
+          <a:fontRef idx="minor">
+            <a:schemeClr val="tx1"/>
+          </a:fontRef>
+        </p:style>
+      </p:cxnSp>
+      <p:cxnSp>
+        <p:nvCxnSpPr>
+          <p:cNvPr id="259" name="Straight Arrow Connector 258">
+            <a:extLst>
+              <a:ext uri="{FF2B5EF4-FFF2-40B4-BE49-F238E27FC236}">
+                <a16:creationId xmlns:a16="http://schemas.microsoft.com/office/drawing/2014/main" id="{79DA1ADA-0A81-4AC1-B07A-92187AB1A026}"/>
+              </a:ext>
+            </a:extLst>
+          </p:cNvPr>
+          <p:cNvCxnSpPr>
+            <a:cxnSpLocks/>
+            <a:stCxn id="35" idx="2"/>
+          </p:cNvCxnSpPr>
+          <p:nvPr/>
+        </p:nvCxnSpPr>
+        <p:spPr>
+          <a:xfrm>
+            <a:off x="2481475" y="3197080"/>
+            <a:ext cx="12005" cy="472023"/>
+          </a:xfrm>
+          <a:prstGeom prst="straightConnector1">
+            <a:avLst/>
+          </a:prstGeom>
+          <a:ln>
+            <a:tailEnd type="triangle"/>
+          </a:ln>
+        </p:spPr>
+        <p:style>
+          <a:lnRef idx="2">
+            <a:schemeClr val="accent6"/>
+          </a:lnRef>
+          <a:fillRef idx="0">
+            <a:schemeClr val="accent6"/>
+          </a:fillRef>
+          <a:effectRef idx="1">
+            <a:schemeClr val="accent6"/>
+          </a:effectRef>
+          <a:fontRef idx="minor">
+            <a:schemeClr val="tx1"/>
+          </a:fontRef>
+        </p:style>
+      </p:cxnSp>
+      <p:cxnSp>
+        <p:nvCxnSpPr>
+          <p:cNvPr id="260" name="Straight Arrow Connector 259">
+            <a:extLst>
+              <a:ext uri="{FF2B5EF4-FFF2-40B4-BE49-F238E27FC236}">
+                <a16:creationId xmlns:a16="http://schemas.microsoft.com/office/drawing/2014/main" id="{55194994-0D33-4969-98C0-FCD4BCDA6096}"/>
+              </a:ext>
+            </a:extLst>
+          </p:cNvPr>
+          <p:cNvCxnSpPr>
+            <a:cxnSpLocks/>
+          </p:cNvCxnSpPr>
+          <p:nvPr/>
+        </p:nvCxnSpPr>
+        <p:spPr>
+          <a:xfrm>
+            <a:off x="3297805" y="3203552"/>
+            <a:ext cx="11468" cy="450895"/>
+          </a:xfrm>
+          <a:prstGeom prst="straightConnector1">
+            <a:avLst/>
+          </a:prstGeom>
+          <a:ln>
+            <a:tailEnd type="triangle"/>
+          </a:ln>
+        </p:spPr>
+        <p:style>
+          <a:lnRef idx="2">
+            <a:schemeClr val="accent6"/>
+          </a:lnRef>
+          <a:fillRef idx="0">
+            <a:schemeClr val="accent6"/>
+          </a:fillRef>
+          <a:effectRef idx="1">
+            <a:schemeClr val="accent6"/>
+          </a:effectRef>
+          <a:fontRef idx="minor">
+            <a:schemeClr val="tx1"/>
+          </a:fontRef>
+        </p:style>
+      </p:cxnSp>
+      <p:cxnSp>
+        <p:nvCxnSpPr>
+          <p:cNvPr id="261" name="Straight Arrow Connector 260">
+            <a:extLst>
+              <a:ext uri="{FF2B5EF4-FFF2-40B4-BE49-F238E27FC236}">
+                <a16:creationId xmlns:a16="http://schemas.microsoft.com/office/drawing/2014/main" id="{0E51B9A8-0000-496D-87B6-A149F5666024}"/>
+              </a:ext>
+            </a:extLst>
+          </p:cNvPr>
+          <p:cNvCxnSpPr>
+            <a:cxnSpLocks/>
+          </p:cNvCxnSpPr>
+          <p:nvPr/>
+        </p:nvCxnSpPr>
+        <p:spPr>
+          <a:xfrm>
+            <a:off x="4142427" y="3203552"/>
+            <a:ext cx="11468" cy="450895"/>
+          </a:xfrm>
+          <a:prstGeom prst="straightConnector1">
+            <a:avLst/>
+          </a:prstGeom>
+          <a:ln>
+            <a:tailEnd type="triangle"/>
+          </a:ln>
+        </p:spPr>
+        <p:style>
+          <a:lnRef idx="2">
+            <a:schemeClr val="accent6"/>
+          </a:lnRef>
+          <a:fillRef idx="0">
+            <a:schemeClr val="accent6"/>
+          </a:fillRef>
+          <a:effectRef idx="1">
+            <a:schemeClr val="accent6"/>
+          </a:effectRef>
+          <a:fontRef idx="minor">
+            <a:schemeClr val="tx1"/>
+          </a:fontRef>
+        </p:style>
+      </p:cxnSp>
+      <p:cxnSp>
+        <p:nvCxnSpPr>
+          <p:cNvPr id="262" name="Straight Arrow Connector 261">
+            <a:extLst>
+              <a:ext uri="{FF2B5EF4-FFF2-40B4-BE49-F238E27FC236}">
+                <a16:creationId xmlns:a16="http://schemas.microsoft.com/office/drawing/2014/main" id="{F74613EC-175E-4D3F-8F28-CD3D03A0936A}"/>
+              </a:ext>
+            </a:extLst>
+          </p:cNvPr>
+          <p:cNvCxnSpPr>
+            <a:cxnSpLocks/>
+          </p:cNvCxnSpPr>
+          <p:nvPr/>
+        </p:nvCxnSpPr>
+        <p:spPr>
+          <a:xfrm>
+            <a:off x="4981315" y="3211549"/>
+            <a:ext cx="11468" cy="450895"/>
+          </a:xfrm>
+          <a:prstGeom prst="straightConnector1">
+            <a:avLst/>
+          </a:prstGeom>
+          <a:ln>
+            <a:tailEnd type="triangle"/>
+          </a:ln>
+        </p:spPr>
+        <p:style>
+          <a:lnRef idx="2">
+            <a:schemeClr val="accent6"/>
+          </a:lnRef>
+          <a:fillRef idx="0">
+            <a:schemeClr val="accent6"/>
+          </a:fillRef>
+          <a:effectRef idx="1">
+            <a:schemeClr val="accent6"/>
+          </a:effectRef>
+          <a:fontRef idx="minor">
+            <a:schemeClr val="tx1"/>
+          </a:fontRef>
+        </p:style>
+      </p:cxnSp>
+      <p:cxnSp>
+        <p:nvCxnSpPr>
+          <p:cNvPr id="263" name="Straight Arrow Connector 262">
+            <a:extLst>
+              <a:ext uri="{FF2B5EF4-FFF2-40B4-BE49-F238E27FC236}">
+                <a16:creationId xmlns:a16="http://schemas.microsoft.com/office/drawing/2014/main" id="{B29E71F3-B33F-48CA-B154-D3BA3C49A173}"/>
+              </a:ext>
+            </a:extLst>
+          </p:cNvPr>
+          <p:cNvCxnSpPr>
+            <a:cxnSpLocks/>
+          </p:cNvCxnSpPr>
+          <p:nvPr/>
+        </p:nvCxnSpPr>
+        <p:spPr>
+          <a:xfrm>
+            <a:off x="5803379" y="3203552"/>
+            <a:ext cx="11468" cy="450895"/>
+          </a:xfrm>
+          <a:prstGeom prst="straightConnector1">
+            <a:avLst/>
+          </a:prstGeom>
+          <a:ln>
+            <a:tailEnd type="triangle"/>
+          </a:ln>
+        </p:spPr>
+        <p:style>
+          <a:lnRef idx="2">
+            <a:schemeClr val="accent6"/>
+          </a:lnRef>
+          <a:fillRef idx="0">
+            <a:schemeClr val="accent6"/>
+          </a:fillRef>
+          <a:effectRef idx="1">
+            <a:schemeClr val="accent6"/>
+          </a:effectRef>
+          <a:fontRef idx="minor">
+            <a:schemeClr val="tx1"/>
+          </a:fontRef>
+        </p:style>
+      </p:cxnSp>
+      <p:cxnSp>
+        <p:nvCxnSpPr>
+          <p:cNvPr id="264" name="Straight Arrow Connector 263">
+            <a:extLst>
+              <a:ext uri="{FF2B5EF4-FFF2-40B4-BE49-F238E27FC236}">
+                <a16:creationId xmlns:a16="http://schemas.microsoft.com/office/drawing/2014/main" id="{2FEEE5EC-A28C-477E-A7E2-60DA2484CB86}"/>
+              </a:ext>
+            </a:extLst>
+          </p:cNvPr>
+          <p:cNvCxnSpPr>
+            <a:cxnSpLocks/>
+          </p:cNvCxnSpPr>
+          <p:nvPr/>
+        </p:nvCxnSpPr>
+        <p:spPr>
+          <a:xfrm>
+            <a:off x="6647166" y="3218208"/>
+            <a:ext cx="11468" cy="450895"/>
+          </a:xfrm>
+          <a:prstGeom prst="straightConnector1">
+            <a:avLst/>
+          </a:prstGeom>
+          <a:ln>
+            <a:tailEnd type="triangle"/>
+          </a:ln>
+        </p:spPr>
+        <p:style>
+          <a:lnRef idx="2">
+            <a:schemeClr val="accent6"/>
+          </a:lnRef>
+          <a:fillRef idx="0">
+            <a:schemeClr val="accent6"/>
+          </a:fillRef>
+          <a:effectRef idx="1">
+            <a:schemeClr val="accent6"/>
+          </a:effectRef>
+          <a:fontRef idx="minor">
+            <a:schemeClr val="tx1"/>
+          </a:fontRef>
+        </p:style>
+      </p:cxnSp>
+      <p:cxnSp>
+        <p:nvCxnSpPr>
+          <p:cNvPr id="272" name="Straight Arrow Connector 271">
+            <a:extLst>
+              <a:ext uri="{FF2B5EF4-FFF2-40B4-BE49-F238E27FC236}">
+                <a16:creationId xmlns:a16="http://schemas.microsoft.com/office/drawing/2014/main" id="{520A60C2-3686-4050-97C2-5537C7B651F0}"/>
+              </a:ext>
+            </a:extLst>
+          </p:cNvPr>
+          <p:cNvCxnSpPr/>
+          <p:nvPr/>
+        </p:nvCxnSpPr>
+        <p:spPr>
+          <a:xfrm>
+            <a:off x="1424539" y="4475747"/>
+            <a:ext cx="0" cy="0"/>
+          </a:xfrm>
+          <a:prstGeom prst="straightConnector1">
+            <a:avLst/>
+          </a:prstGeom>
+          <a:ln>
+            <a:tailEnd type="triangle"/>
+          </a:ln>
+        </p:spPr>
+        <p:style>
+          <a:lnRef idx="1">
+            <a:schemeClr val="accent1"/>
+          </a:lnRef>
+          <a:fillRef idx="0">
+            <a:schemeClr val="accent1"/>
+          </a:fillRef>
+          <a:effectRef idx="0">
+            <a:schemeClr val="accent1"/>
+          </a:effectRef>
+          <a:fontRef idx="minor">
+            <a:schemeClr val="tx1"/>
+          </a:fontRef>
+        </p:style>
+      </p:cxnSp>
+      <p:cxnSp>
+        <p:nvCxnSpPr>
+          <p:cNvPr id="273" name="Straight Arrow Connector 272">
+            <a:extLst>
+              <a:ext uri="{FF2B5EF4-FFF2-40B4-BE49-F238E27FC236}">
+                <a16:creationId xmlns:a16="http://schemas.microsoft.com/office/drawing/2014/main" id="{D6615C19-7A7F-4C00-9EF0-7E6A5A596356}"/>
+              </a:ext>
+            </a:extLst>
+          </p:cNvPr>
+          <p:cNvCxnSpPr>
+            <a:cxnSpLocks/>
+          </p:cNvCxnSpPr>
+          <p:nvPr/>
+        </p:nvCxnSpPr>
+        <p:spPr>
+          <a:xfrm>
+            <a:off x="3131037" y="4314898"/>
+            <a:ext cx="11468" cy="450895"/>
+          </a:xfrm>
+          <a:prstGeom prst="straightConnector1">
+            <a:avLst/>
+          </a:prstGeom>
+          <a:ln>
+            <a:tailEnd type="triangle"/>
+          </a:ln>
+        </p:spPr>
+        <p:style>
+          <a:lnRef idx="2">
+            <a:schemeClr val="accent6"/>
+          </a:lnRef>
+          <a:fillRef idx="0">
+            <a:schemeClr val="accent6"/>
+          </a:fillRef>
+          <a:effectRef idx="1">
+            <a:schemeClr val="accent6"/>
+          </a:effectRef>
+          <a:fontRef idx="minor">
+            <a:schemeClr val="tx1"/>
+          </a:fontRef>
+        </p:style>
+      </p:cxnSp>
+      <p:cxnSp>
+        <p:nvCxnSpPr>
+          <p:cNvPr id="274" name="Straight Arrow Connector 273">
+            <a:extLst>
+              <a:ext uri="{FF2B5EF4-FFF2-40B4-BE49-F238E27FC236}">
+                <a16:creationId xmlns:a16="http://schemas.microsoft.com/office/drawing/2014/main" id="{E0A37FB7-03D1-4F06-BE09-7C10ED963457}"/>
+              </a:ext>
+            </a:extLst>
+          </p:cNvPr>
+          <p:cNvCxnSpPr>
+            <a:cxnSpLocks/>
+          </p:cNvCxnSpPr>
+          <p:nvPr/>
+        </p:nvCxnSpPr>
+        <p:spPr>
+          <a:xfrm>
+            <a:off x="3667966" y="4314897"/>
+            <a:ext cx="11468" cy="450895"/>
+          </a:xfrm>
+          <a:prstGeom prst="straightConnector1">
+            <a:avLst/>
+          </a:prstGeom>
+          <a:ln>
+            <a:tailEnd type="triangle"/>
+          </a:ln>
+        </p:spPr>
+        <p:style>
+          <a:lnRef idx="2">
+            <a:schemeClr val="accent6"/>
+          </a:lnRef>
+          <a:fillRef idx="0">
+            <a:schemeClr val="accent6"/>
+          </a:fillRef>
+          <a:effectRef idx="1">
+            <a:schemeClr val="accent6"/>
+          </a:effectRef>
+          <a:fontRef idx="minor">
+            <a:schemeClr val="tx1"/>
+          </a:fontRef>
+        </p:style>
+      </p:cxnSp>
+      <p:cxnSp>
+        <p:nvCxnSpPr>
+          <p:cNvPr id="275" name="Straight Arrow Connector 274">
+            <a:extLst>
+              <a:ext uri="{FF2B5EF4-FFF2-40B4-BE49-F238E27FC236}">
+                <a16:creationId xmlns:a16="http://schemas.microsoft.com/office/drawing/2014/main" id="{C22A6BFE-8102-4B30-A5F4-DC1A547E81A4}"/>
+              </a:ext>
+            </a:extLst>
+          </p:cNvPr>
+          <p:cNvCxnSpPr>
+            <a:cxnSpLocks/>
+          </p:cNvCxnSpPr>
+          <p:nvPr/>
+        </p:nvCxnSpPr>
+        <p:spPr>
+          <a:xfrm>
+            <a:off x="4208266" y="4314896"/>
+            <a:ext cx="11468" cy="450895"/>
+          </a:xfrm>
+          <a:prstGeom prst="straightConnector1">
+            <a:avLst/>
+          </a:prstGeom>
+          <a:ln>
+            <a:tailEnd type="triangle"/>
+          </a:ln>
+        </p:spPr>
+        <p:style>
+          <a:lnRef idx="2">
+            <a:schemeClr val="accent6"/>
+          </a:lnRef>
+          <a:fillRef idx="0">
+            <a:schemeClr val="accent6"/>
+          </a:fillRef>
+          <a:effectRef idx="1">
+            <a:schemeClr val="accent6"/>
+          </a:effectRef>
+          <a:fontRef idx="minor">
+            <a:schemeClr val="tx1"/>
+          </a:fontRef>
+        </p:style>
+      </p:cxnSp>
+      <p:cxnSp>
+        <p:nvCxnSpPr>
+          <p:cNvPr id="276" name="Straight Arrow Connector 275">
+            <a:extLst>
+              <a:ext uri="{FF2B5EF4-FFF2-40B4-BE49-F238E27FC236}">
+                <a16:creationId xmlns:a16="http://schemas.microsoft.com/office/drawing/2014/main" id="{C555D77B-5BC2-4D4F-B711-6882FC6E6972}"/>
+              </a:ext>
+            </a:extLst>
+          </p:cNvPr>
+          <p:cNvCxnSpPr>
+            <a:cxnSpLocks/>
+          </p:cNvCxnSpPr>
+          <p:nvPr/>
+        </p:nvCxnSpPr>
+        <p:spPr>
+          <a:xfrm>
+            <a:off x="4746723" y="4314895"/>
+            <a:ext cx="11468" cy="450895"/>
+          </a:xfrm>
+          <a:prstGeom prst="straightConnector1">
+            <a:avLst/>
+          </a:prstGeom>
+          <a:ln>
+            <a:tailEnd type="triangle"/>
+          </a:ln>
+        </p:spPr>
+        <p:style>
+          <a:lnRef idx="2">
+            <a:schemeClr val="accent6"/>
+          </a:lnRef>
+          <a:fillRef idx="0">
+            <a:schemeClr val="accent6"/>
+          </a:fillRef>
+          <a:effectRef idx="1">
+            <a:schemeClr val="accent6"/>
+          </a:effectRef>
+          <a:fontRef idx="minor">
+            <a:schemeClr val="tx1"/>
+          </a:fontRef>
+        </p:style>
+      </p:cxnSp>
+      <p:cxnSp>
+        <p:nvCxnSpPr>
+          <p:cNvPr id="277" name="Straight Arrow Connector 276">
+            <a:extLst>
+              <a:ext uri="{FF2B5EF4-FFF2-40B4-BE49-F238E27FC236}">
+                <a16:creationId xmlns:a16="http://schemas.microsoft.com/office/drawing/2014/main" id="{FFB022C1-3ACE-4585-A749-5B5B44C8BF6C}"/>
+              </a:ext>
+            </a:extLst>
+          </p:cNvPr>
+          <p:cNvCxnSpPr>
+            <a:cxnSpLocks/>
+          </p:cNvCxnSpPr>
+          <p:nvPr/>
+        </p:nvCxnSpPr>
+        <p:spPr>
+          <a:xfrm>
+            <a:off x="5283652" y="4314894"/>
+            <a:ext cx="11468" cy="450895"/>
+          </a:xfrm>
+          <a:prstGeom prst="straightConnector1">
+            <a:avLst/>
+          </a:prstGeom>
+          <a:ln>
+            <a:tailEnd type="triangle"/>
+          </a:ln>
+        </p:spPr>
+        <p:style>
+          <a:lnRef idx="2">
+            <a:schemeClr val="accent6"/>
+          </a:lnRef>
+          <a:fillRef idx="0">
+            <a:schemeClr val="accent6"/>
+          </a:fillRef>
+          <a:effectRef idx="1">
+            <a:schemeClr val="accent6"/>
+          </a:effectRef>
+          <a:fontRef idx="minor">
+            <a:schemeClr val="tx1"/>
+          </a:fontRef>
+        </p:style>
+      </p:cxnSp>
+      <p:cxnSp>
+        <p:nvCxnSpPr>
+          <p:cNvPr id="279" name="Straight Arrow Connector 278">
+            <a:extLst>
+              <a:ext uri="{FF2B5EF4-FFF2-40B4-BE49-F238E27FC236}">
+                <a16:creationId xmlns:a16="http://schemas.microsoft.com/office/drawing/2014/main" id="{BE431524-72F3-43B5-89FF-218AF5213A01}"/>
+              </a:ext>
+            </a:extLst>
+          </p:cNvPr>
+          <p:cNvCxnSpPr>
+            <a:cxnSpLocks/>
+          </p:cNvCxnSpPr>
+          <p:nvPr/>
+        </p:nvCxnSpPr>
+        <p:spPr>
+          <a:xfrm>
+            <a:off x="5820581" y="4314893"/>
+            <a:ext cx="11468" cy="450895"/>
+          </a:xfrm>
+          <a:prstGeom prst="straightConnector1">
+            <a:avLst/>
+          </a:prstGeom>
+          <a:ln>
+            <a:tailEnd type="triangle"/>
+          </a:ln>
+        </p:spPr>
+        <p:style>
+          <a:lnRef idx="2">
+            <a:schemeClr val="accent6"/>
+          </a:lnRef>
+          <a:fillRef idx="0">
+            <a:schemeClr val="accent6"/>
+          </a:fillRef>
+          <a:effectRef idx="1">
+            <a:schemeClr val="accent6"/>
+          </a:effectRef>
+          <a:fontRef idx="minor">
+            <a:schemeClr val="tx1"/>
+          </a:fontRef>
+        </p:style>
+      </p:cxnSp>
+      <p:cxnSp>
+        <p:nvCxnSpPr>
+          <p:cNvPr id="282" name="Straight Arrow Connector 281">
+            <a:extLst>
+              <a:ext uri="{FF2B5EF4-FFF2-40B4-BE49-F238E27FC236}">
+                <a16:creationId xmlns:a16="http://schemas.microsoft.com/office/drawing/2014/main" id="{E837F073-C655-449A-B0B4-2314A89A4303}"/>
+              </a:ext>
+            </a:extLst>
+          </p:cNvPr>
+          <p:cNvCxnSpPr>
+            <a:stCxn id="34" idx="2"/>
+          </p:cNvCxnSpPr>
+          <p:nvPr/>
+        </p:nvCxnSpPr>
+        <p:spPr>
+          <a:xfrm flipH="1">
+            <a:off x="4571998" y="5099777"/>
+            <a:ext cx="1" cy="405874"/>
+          </a:xfrm>
+          <a:prstGeom prst="straightConnector1">
+            <a:avLst/>
+          </a:prstGeom>
+          <a:ln>
+            <a:tailEnd type="triangle"/>
+          </a:ln>
+        </p:spPr>
+        <p:style>
+          <a:lnRef idx="2">
+            <a:schemeClr val="accent2"/>
+          </a:lnRef>
+          <a:fillRef idx="0">
+            <a:schemeClr val="accent2"/>
+          </a:fillRef>
+          <a:effectRef idx="1">
+            <a:schemeClr val="accent2"/>
+          </a:effectRef>
+          <a:fontRef idx="minor">
+            <a:schemeClr val="tx1"/>
+          </a:fontRef>
+        </p:style>
+      </p:cxnSp>
+      <p:sp>
+        <p:nvSpPr>
+          <p:cNvPr id="283" name="Rectangle 282">
+            <a:extLst>
+              <a:ext uri="{FF2B5EF4-FFF2-40B4-BE49-F238E27FC236}">
+                <a16:creationId xmlns:a16="http://schemas.microsoft.com/office/drawing/2014/main" id="{EFD38C7C-31ED-465A-A0D8-94E86225EA0E}"/>
+              </a:ext>
+            </a:extLst>
+          </p:cNvPr>
+          <p:cNvSpPr/>
+          <p:nvPr/>
+        </p:nvSpPr>
+        <p:spPr>
+          <a:xfrm>
+            <a:off x="2314876" y="5515277"/>
+            <a:ext cx="4514243" cy="582599"/>
+          </a:xfrm>
+          <a:prstGeom prst="rect">
+            <a:avLst/>
+          </a:prstGeom>
+        </p:spPr>
+        <p:style>
+          <a:lnRef idx="2">
+            <a:schemeClr val="accent2">
+              <a:shade val="50000"/>
+            </a:schemeClr>
+          </a:lnRef>
+          <a:fillRef idx="1">
+            <a:schemeClr val="accent2"/>
+          </a:fillRef>
+          <a:effectRef idx="0">
+            <a:schemeClr val="accent2"/>
+          </a:effectRef>
+          <a:fontRef idx="minor">
+            <a:schemeClr val="lt1"/>
+          </a:fontRef>
+        </p:style>
+        <p:txBody>
+          <a:bodyPr rtlCol="0" anchor="ctr"/>
+          <a:lstStyle/>
+          <a:p>
+            <a:pPr algn="ctr"/>
+            <a:r>
+              <a:rPr lang="en-US" dirty="0"/>
+              <a:t>Feature Vector for input to Skip-gram model</a:t>
+            </a:r>
+          </a:p>
+        </p:txBody>
+      </p:sp>
     </p:spTree>
     <p:extLst>
       <p:ext uri="{BB962C8B-B14F-4D97-AF65-F5344CB8AC3E}">

--- a/Presentation_Subword.pptx
+++ b/Presentation_Subword.pptx
@@ -649,6 +649,32 @@
           <a:p>
             <a:endParaRPr lang="en-CO" dirty="0"/>
           </a:p>
+          <a:p>
+            <a:pPr marL="0" marR="0" lvl="0" indent="0" algn="l" defTabSz="914400" rtl="0" eaLnBrk="1" fontAlgn="auto" latinLnBrk="0" hangingPunct="1">
+              <a:lnSpc>
+                <a:spcPct val="100000"/>
+              </a:lnSpc>
+              <a:spcBef>
+                <a:spcPts val="0"/>
+              </a:spcBef>
+              <a:spcAft>
+                <a:spcPts val="0"/>
+              </a:spcAft>
+              <a:buClrTx/>
+              <a:buSzTx/>
+              <a:buFontTx/>
+              <a:buNone/>
+              <a:tabLst/>
+              <a:defRPr/>
+            </a:pPr>
+            <a:r>
+              <a:rPr lang="en-US" dirty="0"/>
+              <a:t>Most of popular  techniques represent each word of the vocabulary by a distinct vector, without parameter sharing. In particular, they ignore the internal structure of words, which is an important limitation for morphologically rich languages, such as Turkish or Finnish. </a:t>
+            </a:r>
+          </a:p>
+          <a:p>
+            <a:endParaRPr lang="en-CO" dirty="0"/>
+          </a:p>
         </p:txBody>
       </p:sp>
       <p:sp>
@@ -741,28 +767,25 @@
           <a:bodyPr/>
           <a:lstStyle/>
           <a:p>
-            <a:endParaRPr lang="en-US" dirty="0"/>
-          </a:p>
-          <a:p>
-            <a:r>
-              <a:rPr lang="en-US" dirty="0"/>
-              <a:t>[Potentially download and run some simple </a:t>
-            </a:r>
-            <a:r>
-              <a:rPr lang="en-US" dirty="0" err="1"/>
-              <a:t>fasttext</a:t>
-            </a:r>
-            <a:r>
-              <a:rPr lang="en-US" dirty="0"/>
-              <a:t> code and show the results]</a:t>
-            </a:r>
-          </a:p>
-          <a:p>
-            <a:endParaRPr lang="en-US" dirty="0"/>
-          </a:p>
-          <a:p>
-            <a:r>
-              <a:rPr lang="en-US" sz="1200" b="0" i="0" kern="1200" dirty="0">
+            <a:pPr marL="0" marR="0" lvl="0" indent="0" algn="l" defTabSz="914400" rtl="0" eaLnBrk="1" fontAlgn="auto" latinLnBrk="0" hangingPunct="1">
+              <a:lnSpc>
+                <a:spcPct val="100000"/>
+              </a:lnSpc>
+              <a:spcBef>
+                <a:spcPts val="0"/>
+              </a:spcBef>
+              <a:spcAft>
+                <a:spcPts val="0"/>
+              </a:spcAft>
+              <a:buClrTx/>
+              <a:buSzTx/>
+              <a:buFontTx/>
+              <a:buNone/>
+              <a:tabLst/>
+              <a:defRPr/>
+            </a:pPr>
+            <a:r>
+              <a:rPr lang="en-US" sz="1200" kern="1200" dirty="0">
                 <a:solidFill>
                   <a:schemeClr val="tx1"/>
                 </a:solidFill>
@@ -771,156 +794,9 @@
                 <a:ea typeface="+mn-ea"/>
                 <a:cs typeface="+mn-cs"/>
               </a:rPr>
-              <a:t>The </a:t>
-            </a:r>
-            <a:r>
-              <a:rPr lang="en-US" dirty="0" err="1"/>
-              <a:t>window_size</a:t>
-            </a:r>
-            <a:r>
-              <a:rPr lang="en-US" sz="1200" b="0" i="0" kern="1200" dirty="0">
-                <a:solidFill>
-                  <a:schemeClr val="tx1"/>
-                </a:solidFill>
-                <a:effectLst/>
-                <a:latin typeface="+mn-lt"/>
-                <a:ea typeface="+mn-ea"/>
-                <a:cs typeface="+mn-cs"/>
-              </a:rPr>
-              <a:t> is the size of the number of words occurring before and after the word based on which the word representations will be learned for the word. </a:t>
-            </a:r>
-          </a:p>
-          <a:p>
-            <a:endParaRPr lang="en-US" sz="1200" b="0" i="0" kern="1200" dirty="0">
-              <a:solidFill>
-                <a:schemeClr val="tx1"/>
-              </a:solidFill>
-              <a:effectLst/>
-              <a:latin typeface="+mn-lt"/>
-              <a:ea typeface="+mn-ea"/>
-              <a:cs typeface="+mn-cs"/>
-            </a:endParaRPr>
-          </a:p>
-          <a:p>
-            <a:r>
-              <a:rPr lang="en-US" sz="1200" b="0" i="0" kern="1200" dirty="0">
-                <a:solidFill>
-                  <a:schemeClr val="tx1"/>
-                </a:solidFill>
-                <a:effectLst/>
-                <a:latin typeface="+mn-lt"/>
-                <a:ea typeface="+mn-ea"/>
-                <a:cs typeface="+mn-cs"/>
-              </a:rPr>
-              <a:t>The next hyper-parameter is the </a:t>
-            </a:r>
-            <a:r>
-              <a:rPr lang="en-US" dirty="0" err="1"/>
-              <a:t>min_word</a:t>
-            </a:r>
-            <a:r>
-              <a:rPr lang="en-US" sz="1200" b="0" i="0" kern="1200" dirty="0">
-                <a:solidFill>
-                  <a:schemeClr val="tx1"/>
-                </a:solidFill>
-                <a:effectLst/>
-                <a:latin typeface="+mn-lt"/>
-                <a:ea typeface="+mn-ea"/>
-                <a:cs typeface="+mn-cs"/>
-              </a:rPr>
-              <a:t>, which specifies the minimum frequency of a word in the corpus for which the word representations will be generated. Finally, the most frequently occurring word will be down-sampled by a number specified by the </a:t>
-            </a:r>
-            <a:r>
-              <a:rPr lang="en-US" dirty="0" err="1"/>
-              <a:t>down_sampling</a:t>
-            </a:r>
-            <a:r>
-              <a:rPr lang="en-US" sz="1200" b="0" i="0" kern="1200" dirty="0">
-                <a:solidFill>
-                  <a:schemeClr val="tx1"/>
-                </a:solidFill>
-                <a:effectLst/>
-                <a:latin typeface="+mn-lt"/>
-                <a:ea typeface="+mn-ea"/>
-                <a:cs typeface="+mn-cs"/>
-              </a:rPr>
-              <a:t> attribute.</a:t>
-            </a:r>
-          </a:p>
-          <a:p>
-            <a:endParaRPr lang="en-US" sz="1200" b="0" i="0" kern="1200" dirty="0">
-              <a:solidFill>
-                <a:schemeClr val="tx1"/>
-              </a:solidFill>
-              <a:effectLst/>
-              <a:latin typeface="+mn-lt"/>
-              <a:ea typeface="+mn-ea"/>
-              <a:cs typeface="+mn-cs"/>
-            </a:endParaRPr>
-          </a:p>
-          <a:p>
-            <a:r>
-              <a:rPr lang="en-US" dirty="0"/>
-              <a:t>Preprocessing:</a:t>
-            </a:r>
-          </a:p>
-          <a:p>
-            <a:pPr marL="285750" indent="-285750">
-              <a:buFontTx/>
-              <a:buChar char="-"/>
-            </a:pPr>
-            <a:r>
-              <a:rPr lang="en-US" dirty="0"/>
-              <a:t>All to lower case</a:t>
-            </a:r>
-          </a:p>
-          <a:p>
-            <a:pPr marL="285750" indent="-285750">
-              <a:buFontTx/>
-              <a:buChar char="-"/>
-            </a:pPr>
-            <a:r>
-              <a:rPr lang="en-US" dirty="0"/>
-              <a:t>All to root form</a:t>
-            </a:r>
-          </a:p>
-          <a:p>
-            <a:pPr marL="285750" indent="-285750">
-              <a:buFontTx/>
-              <a:buChar char="-"/>
-            </a:pPr>
-            <a:r>
-              <a:rPr lang="en-US" dirty="0"/>
-              <a:t>Remove stop words</a:t>
-            </a:r>
-          </a:p>
-          <a:p>
+              <a:t>Figure 2: Illustration of the similarity between character n-grams in out-of-vocabulary words. For each pair, only one word is OOV, and is shown on the x axis. Red indicates positive cosine, while blue negative. </a:t>
+            </a:r>
             <a:endParaRPr lang="en-US" dirty="0"/>
-          </a:p>
-          <a:p>
-            <a:endParaRPr lang="en-US" dirty="0"/>
-          </a:p>
-          <a:p>
-            <a:r>
-              <a:rPr lang="en-US" dirty="0" err="1"/>
-              <a:t>Embedding_size</a:t>
-            </a:r>
-            <a:r>
-              <a:rPr lang="en-US" dirty="0"/>
-              <a:t> is the size of the embedding vector.</a:t>
-            </a:r>
-          </a:p>
-          <a:p>
-            <a:endParaRPr lang="en-US" dirty="0"/>
-          </a:p>
-          <a:p>
-            <a:r>
-              <a:rPr lang="en-US" dirty="0"/>
-              <a:t>In other words, each word in our corpus will be represented as a 60-dimensional vector.</a:t>
-            </a:r>
-          </a:p>
-          <a:p>
-            <a:endParaRPr lang="en-CO" dirty="0"/>
           </a:p>
           <a:p>
             <a:endParaRPr lang="en-CO" dirty="0"/>
@@ -947,7 +823,7 @@
               <a:rPr lang="en-GB" sz="1400" b="0" strike="noStrike" spc="-1" smtClean="0">
                 <a:latin typeface="Times New Roman"/>
               </a:rPr>
-              <a:t>17</a:t>
+              <a:t>14</a:t>
             </a:fld>
             <a:endParaRPr lang="en-GB" sz="1400" b="0" strike="noStrike" spc="-1">
               <a:latin typeface="Times New Roman"/>
@@ -958,7 +834,7 @@
     </p:spTree>
     <p:extLst>
       <p:ext uri="{BB962C8B-B14F-4D97-AF65-F5344CB8AC3E}">
-        <p14:creationId xmlns:p14="http://schemas.microsoft.com/office/powerpoint/2010/main" val="2738393251"/>
+        <p14:creationId xmlns:p14="http://schemas.microsoft.com/office/powerpoint/2010/main" val="1945990812"/>
       </p:ext>
     </p:extLst>
   </p:cSld>
@@ -1017,6 +893,660 @@
           <a:bodyPr/>
           <a:lstStyle/>
           <a:p>
+            <a:r>
+              <a:rPr lang="en-US" dirty="0">
+                <a:solidFill>
+                  <a:srgbClr val="000000"/>
+                </a:solidFill>
+                <a:latin typeface="Arial" panose="020B0604020202020204" pitchFamily="34" charset="0"/>
+              </a:rPr>
+              <a:t>[Introduce </a:t>
+            </a:r>
+            <a:r>
+              <a:rPr lang="en-US" dirty="0" err="1">
+                <a:solidFill>
+                  <a:srgbClr val="000000"/>
+                </a:solidFill>
+                <a:latin typeface="Arial" panose="020B0604020202020204" pitchFamily="34" charset="0"/>
+              </a:rPr>
+              <a:t>FastText</a:t>
+            </a:r>
+            <a:r>
+              <a:rPr lang="en-US" dirty="0">
+                <a:solidFill>
+                  <a:srgbClr val="000000"/>
+                </a:solidFill>
+                <a:latin typeface="Arial" panose="020B0604020202020204" pitchFamily="34" charset="0"/>
+              </a:rPr>
+              <a:t> (and other papers which fed into this, see </a:t>
+            </a:r>
+            <a:r>
+              <a:rPr lang="en-US" dirty="0" err="1">
+                <a:solidFill>
+                  <a:srgbClr val="000000"/>
+                </a:solidFill>
+                <a:latin typeface="Arial" panose="020B0604020202020204" pitchFamily="34" charset="0"/>
+              </a:rPr>
+              <a:t>github</a:t>
+            </a:r>
+            <a:r>
+              <a:rPr lang="en-US" dirty="0">
+                <a:solidFill>
+                  <a:srgbClr val="000000"/>
+                </a:solidFill>
+                <a:latin typeface="Arial" panose="020B0604020202020204" pitchFamily="34" charset="0"/>
+              </a:rPr>
+              <a:t>)]</a:t>
+            </a:r>
+          </a:p>
+          <a:p>
+            <a:r>
+              <a:rPr lang="en-US" dirty="0">
+                <a:solidFill>
+                  <a:srgbClr val="000000"/>
+                </a:solidFill>
+                <a:latin typeface="Arial" panose="020B0604020202020204" pitchFamily="34" charset="0"/>
+              </a:rPr>
+              <a:t>	</a:t>
+            </a:r>
+            <a:r>
+              <a:rPr lang="en-US" dirty="0">
+                <a:hlinkClick r:id="rId3"/>
+              </a:rPr>
+              <a:t>https://pypi.org/project/fasttext/</a:t>
+            </a:r>
+            <a:endParaRPr lang="en-US" dirty="0"/>
+          </a:p>
+          <a:p>
+            <a:r>
+              <a:rPr lang="en-US" dirty="0"/>
+              <a:t>	[Add discussion of text classification task here]</a:t>
+            </a:r>
+            <a:endParaRPr lang="en-CO" dirty="0"/>
+          </a:p>
+          <a:p>
+            <a:endParaRPr lang="en-US" dirty="0">
+              <a:solidFill>
+                <a:srgbClr val="000000"/>
+              </a:solidFill>
+              <a:latin typeface="Arial" panose="020B0604020202020204" pitchFamily="34" charset="0"/>
+            </a:endParaRPr>
+          </a:p>
+          <a:p>
+            <a:r>
+              <a:rPr lang="en-US" dirty="0"/>
+              <a:t>[ELMO]</a:t>
+            </a:r>
+          </a:p>
+          <a:p>
+            <a:endParaRPr lang="en-US" dirty="0"/>
+          </a:p>
+          <a:p>
+            <a:r>
+              <a:rPr lang="en-US" dirty="0"/>
+              <a:t>[BERT]</a:t>
+            </a:r>
+          </a:p>
+          <a:p>
+            <a:endParaRPr lang="en-CO" dirty="0"/>
+          </a:p>
+        </p:txBody>
+      </p:sp>
+      <p:sp>
+        <p:nvSpPr>
+          <p:cNvPr id="4" name="Slide Number Placeholder 3"/>
+          <p:cNvSpPr>
+            <a:spLocks noGrp="1"/>
+          </p:cNvSpPr>
+          <p:nvPr>
+            <p:ph type="sldNum"/>
+          </p:nvPr>
+        </p:nvSpPr>
+        <p:spPr/>
+        <p:txBody>
+          <a:bodyPr/>
+          <a:lstStyle/>
+          <a:p>
+            <a:pPr algn="r"/>
+            <a:fld id="{D10B2105-225F-4FE3-849A-7975E719A850}" type="slidenum">
+              <a:rPr lang="en-GB" sz="1400" b="0" strike="noStrike" spc="-1" smtClean="0">
+                <a:latin typeface="Times New Roman"/>
+              </a:rPr>
+              <a:t>15</a:t>
+            </a:fld>
+            <a:endParaRPr lang="en-GB" sz="1400" b="0" strike="noStrike" spc="-1">
+              <a:latin typeface="Times New Roman"/>
+            </a:endParaRPr>
+          </a:p>
+        </p:txBody>
+      </p:sp>
+    </p:spTree>
+    <p:extLst>
+      <p:ext uri="{BB962C8B-B14F-4D97-AF65-F5344CB8AC3E}">
+        <p14:creationId xmlns:p14="http://schemas.microsoft.com/office/powerpoint/2010/main" val="2769906750"/>
+      </p:ext>
+    </p:extLst>
+  </p:cSld>
+  <p:clrMapOvr>
+    <a:masterClrMapping/>
+  </p:clrMapOvr>
+</p:notes>
+</file>
+
+<file path=ppt/notesSlides/notesSlide12.xml><?xml version="1.0" encoding="utf-8"?>
+<p:notes xmlns:a="http://schemas.openxmlformats.org/drawingml/2006/main" xmlns:r="http://schemas.openxmlformats.org/officeDocument/2006/relationships" xmlns:p="http://schemas.openxmlformats.org/presentationml/2006/main">
+  <p:cSld>
+    <p:spTree>
+      <p:nvGrpSpPr>
+        <p:cNvPr id="1" name=""/>
+        <p:cNvGrpSpPr/>
+        <p:nvPr/>
+      </p:nvGrpSpPr>
+      <p:grpSpPr>
+        <a:xfrm>
+          <a:off x="0" y="0"/>
+          <a:ext cx="0" cy="0"/>
+          <a:chOff x="0" y="0"/>
+          <a:chExt cx="0" cy="0"/>
+        </a:xfrm>
+      </p:grpSpPr>
+      <p:sp>
+        <p:nvSpPr>
+          <p:cNvPr id="2" name="Slide Image Placeholder 1"/>
+          <p:cNvSpPr>
+            <a:spLocks noGrp="1" noRot="1" noChangeAspect="1"/>
+          </p:cNvSpPr>
+          <p:nvPr>
+            <p:ph type="sldImg"/>
+          </p:nvPr>
+        </p:nvSpPr>
+        <p:spPr>
+          <a:xfrm>
+            <a:off x="1370013" y="763588"/>
+            <a:ext cx="5030787" cy="3771900"/>
+          </a:xfrm>
+        </p:spPr>
+      </p:sp>
+      <p:sp>
+        <p:nvSpPr>
+          <p:cNvPr id="3" name="Notes Placeholder 2"/>
+          <p:cNvSpPr>
+            <a:spLocks noGrp="1"/>
+          </p:cNvSpPr>
+          <p:nvPr>
+            <p:ph type="body" idx="1"/>
+          </p:nvPr>
+        </p:nvSpPr>
+        <p:spPr/>
+        <p:txBody>
+          <a:bodyPr/>
+          <a:lstStyle/>
+          <a:p>
+            <a:endParaRPr lang="en-US" dirty="0"/>
+          </a:p>
+          <a:p>
+            <a:r>
+              <a:rPr lang="en-US" dirty="0"/>
+              <a:t>[Potentially download and run some simple </a:t>
+            </a:r>
+            <a:r>
+              <a:rPr lang="en-US" dirty="0" err="1"/>
+              <a:t>fasttext</a:t>
+            </a:r>
+            <a:r>
+              <a:rPr lang="en-US" dirty="0"/>
+              <a:t> code and show the results]</a:t>
+            </a:r>
+          </a:p>
+          <a:p>
+            <a:endParaRPr lang="en-US" dirty="0"/>
+          </a:p>
+          <a:p>
+            <a:r>
+              <a:rPr lang="en-US" dirty="0"/>
+              <a:t>G</a:t>
+            </a:r>
+            <a:r>
+              <a:rPr lang="en-CO" dirty="0"/>
+              <a:t>ensim.models.fastext </a:t>
+            </a:r>
+          </a:p>
+          <a:p>
+            <a:r>
+              <a:rPr lang="en-US" dirty="0"/>
+              <a:t>N</a:t>
+            </a:r>
+            <a:r>
+              <a:rPr lang="en-CO" dirty="0"/>
+              <a:t>ltk </a:t>
+            </a:r>
+            <a:r>
+              <a:rPr lang="en-CO" dirty="0">
+                <a:sym typeface="Wingdings" pitchFamily="2" charset="2"/>
+              </a:rPr>
+              <a:t> natural language toolkit</a:t>
+            </a:r>
+          </a:p>
+          <a:p>
+            <a:r>
+              <a:rPr lang="en-US" dirty="0"/>
+              <a:t>W</a:t>
+            </a:r>
+            <a:r>
+              <a:rPr lang="en-CO" dirty="0"/>
+              <a:t>ikipedia</a:t>
+            </a:r>
+          </a:p>
+          <a:p>
+            <a:endParaRPr lang="en-US" dirty="0"/>
+          </a:p>
+          <a:p>
+            <a:endParaRPr lang="en-US" dirty="0"/>
+          </a:p>
+          <a:p>
+            <a:pPr marL="285750" indent="-285750">
+              <a:lnSpc>
+                <a:spcPct val="90000"/>
+              </a:lnSpc>
+              <a:spcBef>
+                <a:spcPts val="1000"/>
+              </a:spcBef>
+              <a:buFont typeface="Arial" panose="020B0604020202020204" pitchFamily="34" charset="0"/>
+              <a:buChar char="•"/>
+            </a:pPr>
+            <a:r>
+              <a:rPr lang="en-US" dirty="0"/>
+              <a:t>Text Classification (hate speech detection, etc.)</a:t>
+            </a:r>
+          </a:p>
+          <a:p>
+            <a:pPr marL="0" lvl="1">
+              <a:lnSpc>
+                <a:spcPct val="90000"/>
+              </a:lnSpc>
+              <a:spcBef>
+                <a:spcPts val="1000"/>
+              </a:spcBef>
+            </a:pPr>
+            <a:r>
+              <a:rPr lang="en-US" dirty="0"/>
+              <a:t>	Assigning a set of predefined categories to free-text. Text classifiers can 	be used to organize, structure, and categorize</a:t>
+            </a:r>
+          </a:p>
+          <a:p>
+            <a:endParaRPr lang="en-CO" dirty="0"/>
+          </a:p>
+          <a:p>
+            <a:endParaRPr lang="en-CO" dirty="0"/>
+          </a:p>
+        </p:txBody>
+      </p:sp>
+      <p:sp>
+        <p:nvSpPr>
+          <p:cNvPr id="4" name="Slide Number Placeholder 3"/>
+          <p:cNvSpPr>
+            <a:spLocks noGrp="1"/>
+          </p:cNvSpPr>
+          <p:nvPr>
+            <p:ph type="sldNum"/>
+          </p:nvPr>
+        </p:nvSpPr>
+        <p:spPr/>
+        <p:txBody>
+          <a:bodyPr/>
+          <a:lstStyle/>
+          <a:p>
+            <a:pPr algn="r"/>
+            <a:fld id="{D10B2105-225F-4FE3-849A-7975E719A850}" type="slidenum">
+              <a:rPr lang="en-GB" sz="1400" b="0" strike="noStrike" spc="-1" smtClean="0">
+                <a:latin typeface="Times New Roman"/>
+              </a:rPr>
+              <a:t>16</a:t>
+            </a:fld>
+            <a:endParaRPr lang="en-GB" sz="1400" b="0" strike="noStrike" spc="-1">
+              <a:latin typeface="Times New Roman"/>
+            </a:endParaRPr>
+          </a:p>
+        </p:txBody>
+      </p:sp>
+    </p:spTree>
+    <p:extLst>
+      <p:ext uri="{BB962C8B-B14F-4D97-AF65-F5344CB8AC3E}">
+        <p14:creationId xmlns:p14="http://schemas.microsoft.com/office/powerpoint/2010/main" val="970338645"/>
+      </p:ext>
+    </p:extLst>
+  </p:cSld>
+  <p:clrMapOvr>
+    <a:masterClrMapping/>
+  </p:clrMapOvr>
+</p:notes>
+</file>
+
+<file path=ppt/notesSlides/notesSlide13.xml><?xml version="1.0" encoding="utf-8"?>
+<p:notes xmlns:a="http://schemas.openxmlformats.org/drawingml/2006/main" xmlns:r="http://schemas.openxmlformats.org/officeDocument/2006/relationships" xmlns:p="http://schemas.openxmlformats.org/presentationml/2006/main">
+  <p:cSld>
+    <p:spTree>
+      <p:nvGrpSpPr>
+        <p:cNvPr id="1" name=""/>
+        <p:cNvGrpSpPr/>
+        <p:nvPr/>
+      </p:nvGrpSpPr>
+      <p:grpSpPr>
+        <a:xfrm>
+          <a:off x="0" y="0"/>
+          <a:ext cx="0" cy="0"/>
+          <a:chOff x="0" y="0"/>
+          <a:chExt cx="0" cy="0"/>
+        </a:xfrm>
+      </p:grpSpPr>
+      <p:sp>
+        <p:nvSpPr>
+          <p:cNvPr id="2" name="Slide Image Placeholder 1"/>
+          <p:cNvSpPr>
+            <a:spLocks noGrp="1" noRot="1" noChangeAspect="1"/>
+          </p:cNvSpPr>
+          <p:nvPr>
+            <p:ph type="sldImg"/>
+          </p:nvPr>
+        </p:nvSpPr>
+        <p:spPr>
+          <a:xfrm>
+            <a:off x="1370013" y="763588"/>
+            <a:ext cx="5030787" cy="3771900"/>
+          </a:xfrm>
+        </p:spPr>
+      </p:sp>
+      <p:sp>
+        <p:nvSpPr>
+          <p:cNvPr id="3" name="Notes Placeholder 2"/>
+          <p:cNvSpPr>
+            <a:spLocks noGrp="1"/>
+          </p:cNvSpPr>
+          <p:nvPr>
+            <p:ph type="body" idx="1"/>
+          </p:nvPr>
+        </p:nvSpPr>
+        <p:spPr/>
+        <p:txBody>
+          <a:bodyPr/>
+          <a:lstStyle/>
+          <a:p>
+            <a:endParaRPr lang="en-US" dirty="0"/>
+          </a:p>
+          <a:p>
+            <a:r>
+              <a:rPr lang="en-US" dirty="0"/>
+              <a:t>[Potentially download and run some simple </a:t>
+            </a:r>
+            <a:r>
+              <a:rPr lang="en-US" dirty="0" err="1"/>
+              <a:t>fasttext</a:t>
+            </a:r>
+            <a:r>
+              <a:rPr lang="en-US" dirty="0"/>
+              <a:t> code and show the results]</a:t>
+            </a:r>
+          </a:p>
+          <a:p>
+            <a:endParaRPr lang="en-US" dirty="0"/>
+          </a:p>
+          <a:p>
+            <a:r>
+              <a:rPr lang="en-US" sz="1200" b="0" i="0" kern="1200" dirty="0">
+                <a:solidFill>
+                  <a:schemeClr val="tx1"/>
+                </a:solidFill>
+                <a:effectLst/>
+                <a:latin typeface="+mn-lt"/>
+                <a:ea typeface="+mn-ea"/>
+                <a:cs typeface="+mn-cs"/>
+              </a:rPr>
+              <a:t>The </a:t>
+            </a:r>
+            <a:r>
+              <a:rPr lang="en-US" dirty="0" err="1"/>
+              <a:t>window_size</a:t>
+            </a:r>
+            <a:r>
+              <a:rPr lang="en-US" sz="1200" b="0" i="0" kern="1200" dirty="0">
+                <a:solidFill>
+                  <a:schemeClr val="tx1"/>
+                </a:solidFill>
+                <a:effectLst/>
+                <a:latin typeface="+mn-lt"/>
+                <a:ea typeface="+mn-ea"/>
+                <a:cs typeface="+mn-cs"/>
+              </a:rPr>
+              <a:t> is the size of the number of words occurring before and after the word based on which the word representations will be learned for the word. </a:t>
+            </a:r>
+          </a:p>
+          <a:p>
+            <a:endParaRPr lang="en-US" sz="1200" b="0" i="0" kern="1200" dirty="0">
+              <a:solidFill>
+                <a:schemeClr val="tx1"/>
+              </a:solidFill>
+              <a:effectLst/>
+              <a:latin typeface="+mn-lt"/>
+              <a:ea typeface="+mn-ea"/>
+              <a:cs typeface="+mn-cs"/>
+            </a:endParaRPr>
+          </a:p>
+          <a:p>
+            <a:r>
+              <a:rPr lang="en-US" sz="1200" b="0" i="0" kern="1200" dirty="0">
+                <a:solidFill>
+                  <a:schemeClr val="tx1"/>
+                </a:solidFill>
+                <a:effectLst/>
+                <a:latin typeface="+mn-lt"/>
+                <a:ea typeface="+mn-ea"/>
+                <a:cs typeface="+mn-cs"/>
+              </a:rPr>
+              <a:t>The next hyper-parameter is the </a:t>
+            </a:r>
+            <a:r>
+              <a:rPr lang="en-US" dirty="0" err="1"/>
+              <a:t>min_word</a:t>
+            </a:r>
+            <a:r>
+              <a:rPr lang="en-US" sz="1200" b="0" i="0" kern="1200" dirty="0">
+                <a:solidFill>
+                  <a:schemeClr val="tx1"/>
+                </a:solidFill>
+                <a:effectLst/>
+                <a:latin typeface="+mn-lt"/>
+                <a:ea typeface="+mn-ea"/>
+                <a:cs typeface="+mn-cs"/>
+              </a:rPr>
+              <a:t>, which specifies the minimum frequency of a word in the corpus for which the word representations will be generated. Finally, the most frequently occurring word will be down-sampled by a number specified by the </a:t>
+            </a:r>
+            <a:r>
+              <a:rPr lang="en-US" dirty="0" err="1"/>
+              <a:t>down_sampling</a:t>
+            </a:r>
+            <a:r>
+              <a:rPr lang="en-US" sz="1200" b="0" i="0" kern="1200" dirty="0">
+                <a:solidFill>
+                  <a:schemeClr val="tx1"/>
+                </a:solidFill>
+                <a:effectLst/>
+                <a:latin typeface="+mn-lt"/>
+                <a:ea typeface="+mn-ea"/>
+                <a:cs typeface="+mn-cs"/>
+              </a:rPr>
+              <a:t> attribute.</a:t>
+            </a:r>
+          </a:p>
+          <a:p>
+            <a:endParaRPr lang="en-US" sz="1200" b="0" i="0" kern="1200" dirty="0">
+              <a:solidFill>
+                <a:schemeClr val="tx1"/>
+              </a:solidFill>
+              <a:effectLst/>
+              <a:latin typeface="+mn-lt"/>
+              <a:ea typeface="+mn-ea"/>
+              <a:cs typeface="+mn-cs"/>
+            </a:endParaRPr>
+          </a:p>
+          <a:p>
+            <a:r>
+              <a:rPr lang="en-US" dirty="0"/>
+              <a:t>Preprocessing:</a:t>
+            </a:r>
+          </a:p>
+          <a:p>
+            <a:pPr marL="285750" indent="-285750">
+              <a:buFontTx/>
+              <a:buChar char="-"/>
+            </a:pPr>
+            <a:r>
+              <a:rPr lang="en-US" dirty="0"/>
+              <a:t>All to lower case</a:t>
+            </a:r>
+          </a:p>
+          <a:p>
+            <a:pPr marL="285750" indent="-285750">
+              <a:buFontTx/>
+              <a:buChar char="-"/>
+            </a:pPr>
+            <a:r>
+              <a:rPr lang="en-US" dirty="0"/>
+              <a:t>All to root form</a:t>
+            </a:r>
+          </a:p>
+          <a:p>
+            <a:pPr marL="285750" indent="-285750">
+              <a:buFontTx/>
+              <a:buChar char="-"/>
+            </a:pPr>
+            <a:r>
+              <a:rPr lang="en-US" dirty="0"/>
+              <a:t>Remove stop words</a:t>
+            </a:r>
+          </a:p>
+          <a:p>
+            <a:endParaRPr lang="en-US" dirty="0"/>
+          </a:p>
+          <a:p>
+            <a:endParaRPr lang="en-US" dirty="0"/>
+          </a:p>
+          <a:p>
+            <a:r>
+              <a:rPr lang="en-US" dirty="0" err="1"/>
+              <a:t>Embedding_size</a:t>
+            </a:r>
+            <a:r>
+              <a:rPr lang="en-US" dirty="0"/>
+              <a:t> is the size of the embedding vector.</a:t>
+            </a:r>
+          </a:p>
+          <a:p>
+            <a:endParaRPr lang="en-US" dirty="0"/>
+          </a:p>
+          <a:p>
+            <a:r>
+              <a:rPr lang="en-US" dirty="0"/>
+              <a:t>In other words, each word in our corpus will be represented as a 60-dimensional vector.</a:t>
+            </a:r>
+          </a:p>
+          <a:p>
+            <a:endParaRPr lang="en-CO" dirty="0"/>
+          </a:p>
+          <a:p>
+            <a:endParaRPr lang="en-CO" dirty="0"/>
+          </a:p>
+        </p:txBody>
+      </p:sp>
+      <p:sp>
+        <p:nvSpPr>
+          <p:cNvPr id="4" name="Slide Number Placeholder 3"/>
+          <p:cNvSpPr>
+            <a:spLocks noGrp="1"/>
+          </p:cNvSpPr>
+          <p:nvPr>
+            <p:ph type="sldNum"/>
+          </p:nvPr>
+        </p:nvSpPr>
+        <p:spPr/>
+        <p:txBody>
+          <a:bodyPr/>
+          <a:lstStyle/>
+          <a:p>
+            <a:pPr algn="r"/>
+            <a:fld id="{D10B2105-225F-4FE3-849A-7975E719A850}" type="slidenum">
+              <a:rPr lang="en-GB" sz="1400" b="0" strike="noStrike" spc="-1" smtClean="0">
+                <a:latin typeface="Times New Roman"/>
+              </a:rPr>
+              <a:t>17</a:t>
+            </a:fld>
+            <a:endParaRPr lang="en-GB" sz="1400" b="0" strike="noStrike" spc="-1">
+              <a:latin typeface="Times New Roman"/>
+            </a:endParaRPr>
+          </a:p>
+        </p:txBody>
+      </p:sp>
+    </p:spTree>
+    <p:extLst>
+      <p:ext uri="{BB962C8B-B14F-4D97-AF65-F5344CB8AC3E}">
+        <p14:creationId xmlns:p14="http://schemas.microsoft.com/office/powerpoint/2010/main" val="2738393251"/>
+      </p:ext>
+    </p:extLst>
+  </p:cSld>
+  <p:clrMapOvr>
+    <a:masterClrMapping/>
+  </p:clrMapOvr>
+</p:notes>
+</file>
+
+<file path=ppt/notesSlides/notesSlide14.xml><?xml version="1.0" encoding="utf-8"?>
+<p:notes xmlns:a="http://schemas.openxmlformats.org/drawingml/2006/main" xmlns:r="http://schemas.openxmlformats.org/officeDocument/2006/relationships" xmlns:p="http://schemas.openxmlformats.org/presentationml/2006/main">
+  <p:cSld>
+    <p:spTree>
+      <p:nvGrpSpPr>
+        <p:cNvPr id="1" name=""/>
+        <p:cNvGrpSpPr/>
+        <p:nvPr/>
+      </p:nvGrpSpPr>
+      <p:grpSpPr>
+        <a:xfrm>
+          <a:off x="0" y="0"/>
+          <a:ext cx="0" cy="0"/>
+          <a:chOff x="0" y="0"/>
+          <a:chExt cx="0" cy="0"/>
+        </a:xfrm>
+      </p:grpSpPr>
+      <p:sp>
+        <p:nvSpPr>
+          <p:cNvPr id="2" name="Slide Image Placeholder 1"/>
+          <p:cNvSpPr>
+            <a:spLocks noGrp="1" noRot="1" noChangeAspect="1"/>
+          </p:cNvSpPr>
+          <p:nvPr>
+            <p:ph type="sldImg"/>
+          </p:nvPr>
+        </p:nvSpPr>
+        <p:spPr>
+          <a:xfrm>
+            <a:off x="1370013" y="763588"/>
+            <a:ext cx="5030787" cy="3771900"/>
+          </a:xfrm>
+        </p:spPr>
+      </p:sp>
+      <p:sp>
+        <p:nvSpPr>
+          <p:cNvPr id="3" name="Notes Placeholder 2"/>
+          <p:cNvSpPr>
+            <a:spLocks noGrp="1"/>
+          </p:cNvSpPr>
+          <p:nvPr>
+            <p:ph type="body" idx="1"/>
+          </p:nvPr>
+        </p:nvSpPr>
+        <p:spPr/>
+        <p:txBody>
+          <a:bodyPr/>
+          <a:lstStyle/>
+          <a:p>
             <a:endParaRPr lang="en-US" dirty="0"/>
           </a:p>
           <a:p>
@@ -1080,7 +1610,7 @@
 </p:notes>
 </file>
 
-<file path=ppt/notesSlides/notesSlide12.xml><?xml version="1.0" encoding="utf-8"?>
+<file path=ppt/notesSlides/notesSlide15.xml><?xml version="1.0" encoding="utf-8"?>
 <p:notes xmlns:a="http://schemas.openxmlformats.org/drawingml/2006/main" xmlns:r="http://schemas.openxmlformats.org/officeDocument/2006/relationships" xmlns:p="http://schemas.openxmlformats.org/presentationml/2006/main">
   <p:cSld>
     <p:spTree>
@@ -2722,99 +3252,117 @@
           <a:bodyPr/>
           <a:lstStyle/>
           <a:p>
-            <a:endParaRPr lang="en-US" dirty="0"/>
-          </a:p>
-          <a:p>
-            <a:r>
-              <a:rPr lang="en-US" dirty="0"/>
-              <a:t>[Potentially download and run some simple </a:t>
-            </a:r>
-            <a:r>
-              <a:rPr lang="en-US" dirty="0" err="1"/>
-              <a:t>fasttext</a:t>
-            </a:r>
-            <a:r>
-              <a:rPr lang="en-US" dirty="0"/>
-              <a:t> code and show the results]</a:t>
-            </a:r>
-          </a:p>
-          <a:p>
-            <a:endParaRPr lang="en-US" dirty="0"/>
-          </a:p>
-          <a:p>
-            <a:r>
-              <a:rPr lang="en-US" dirty="0"/>
-              <a:t>G</a:t>
-            </a:r>
-            <a:r>
-              <a:rPr lang="en-CO" dirty="0"/>
-              <a:t>ensim.models.fastext </a:t>
-            </a:r>
-          </a:p>
-          <a:p>
-            <a:r>
-              <a:rPr lang="en-US" dirty="0"/>
-              <a:t>N</a:t>
-            </a:r>
-            <a:r>
-              <a:rPr lang="en-CO" dirty="0"/>
-              <a:t>ltk </a:t>
-            </a:r>
-            <a:r>
-              <a:rPr lang="en-CO" dirty="0">
-                <a:sym typeface="Wingdings" pitchFamily="2" charset="2"/>
-              </a:rPr>
-              <a:t> natural language toolkit</a:t>
-            </a:r>
-          </a:p>
-          <a:p>
-            <a:r>
-              <a:rPr lang="en-US" dirty="0"/>
-              <a:t>W</a:t>
-            </a:r>
-            <a:r>
-              <a:rPr lang="en-CO" dirty="0"/>
-              <a:t>ikipedia</a:t>
-            </a:r>
-          </a:p>
-          <a:p>
-            <a:endParaRPr lang="en-US" dirty="0"/>
-          </a:p>
-          <a:p>
-            <a:endParaRPr lang="en-US" dirty="0"/>
-          </a:p>
-          <a:p>
-            <a:pPr marL="285750" indent="-285750">
+            <a:pPr marL="0" marR="0" lvl="0" indent="0" algn="l" defTabSz="914400" rtl="0" eaLnBrk="1" fontAlgn="auto" latinLnBrk="0" hangingPunct="1">
               <a:lnSpc>
-                <a:spcPct val="90000"/>
+                <a:spcPct val="100000"/>
               </a:lnSpc>
               <a:spcBef>
-                <a:spcPts val="1000"/>
+                <a:spcPts val="0"/>
               </a:spcBef>
-              <a:buFont typeface="Arial" panose="020B0604020202020204" pitchFamily="34" charset="0"/>
-              <a:buChar char="•"/>
+              <a:spcAft>
+                <a:spcPts val="0"/>
+              </a:spcAft>
+              <a:buClrTx/>
+              <a:buSzTx/>
+              <a:buFontTx/>
+              <a:buNone/>
+              <a:tabLst/>
+              <a:defRPr/>
             </a:pPr>
             <a:r>
-              <a:rPr lang="en-US" dirty="0"/>
-              <a:t>Text Classification (hate speech detection, etc.)</a:t>
-            </a:r>
-          </a:p>
-          <a:p>
-            <a:pPr marL="0" lvl="1">
-              <a:lnSpc>
-                <a:spcPct val="90000"/>
-              </a:lnSpc>
-              <a:spcBef>
-                <a:spcPts val="1000"/>
-              </a:spcBef>
-            </a:pPr>
-            <a:r>
-              <a:rPr lang="en-US" dirty="0"/>
-              <a:t>	Assigning a set of predefined categories to free-text. Text classifiers can 	be used to organize, structure, and categorize</a:t>
-            </a:r>
+              <a:rPr lang="en-US" sz="1200" kern="1200" dirty="0">
+                <a:solidFill>
+                  <a:schemeClr val="tx1"/>
+                </a:solidFill>
+                <a:effectLst/>
+                <a:latin typeface="+mn-lt"/>
+                <a:ea typeface="+mn-ea"/>
+                <a:cs typeface="+mn-cs"/>
+              </a:rPr>
+              <a:t>First, we notice that for all datasets, and all sizes, the proposed approach (</a:t>
+            </a:r>
+            <a:r>
+              <a:rPr lang="en-US" sz="1200" kern="1200" dirty="0" err="1">
+                <a:solidFill>
+                  <a:schemeClr val="tx1"/>
+                </a:solidFill>
+                <a:effectLst/>
+                <a:latin typeface="+mn-lt"/>
+                <a:ea typeface="+mn-ea"/>
+                <a:cs typeface="+mn-cs"/>
+              </a:rPr>
+              <a:t>sisg</a:t>
+            </a:r>
+            <a:r>
+              <a:rPr lang="en-US" sz="1200" kern="1200" dirty="0">
+                <a:solidFill>
+                  <a:schemeClr val="tx1"/>
+                </a:solidFill>
+                <a:effectLst/>
+                <a:latin typeface="+mn-lt"/>
+                <a:ea typeface="+mn-ea"/>
+                <a:cs typeface="+mn-cs"/>
+              </a:rPr>
+              <a:t>) performs better than </a:t>
+            </a:r>
+            <a:endParaRPr lang="en-US" dirty="0"/>
           </a:p>
           <a:p>
             <a:endParaRPr lang="en-CO" dirty="0"/>
+          </a:p>
+          <a:p>
+            <a:r>
+              <a:rPr lang="en-US" sz="1200" kern="1200" dirty="0">
+                <a:solidFill>
+                  <a:schemeClr val="tx1"/>
+                </a:solidFill>
+                <a:effectLst/>
+                <a:latin typeface="+mn-lt"/>
+                <a:ea typeface="+mn-ea"/>
+                <a:cs typeface="+mn-cs"/>
+              </a:rPr>
+              <a:t>the baseline. However, the performance of the base- line </a:t>
+            </a:r>
+            <a:r>
+              <a:rPr lang="en-US" sz="1200" kern="1200" dirty="0" err="1">
+                <a:solidFill>
+                  <a:schemeClr val="tx1"/>
+                </a:solidFill>
+                <a:effectLst/>
+                <a:latin typeface="+mn-lt"/>
+                <a:ea typeface="+mn-ea"/>
+                <a:cs typeface="+mn-cs"/>
+              </a:rPr>
+              <a:t>cbow</a:t>
+            </a:r>
+            <a:r>
+              <a:rPr lang="en-US" sz="1200" kern="1200" dirty="0">
+                <a:solidFill>
+                  <a:schemeClr val="tx1"/>
+                </a:solidFill>
+                <a:effectLst/>
+                <a:latin typeface="+mn-lt"/>
+                <a:ea typeface="+mn-ea"/>
+                <a:cs typeface="+mn-cs"/>
+              </a:rPr>
+              <a:t> model gets better as more and more data is available. Our model, on the other hand, seems to quickly saturate and adding more data does not always lead to improved results. </a:t>
+            </a:r>
+            <a:endParaRPr lang="en-US" dirty="0"/>
+          </a:p>
+          <a:p>
+            <a:r>
+              <a:rPr lang="en-US" sz="1200" kern="1200" dirty="0">
+                <a:solidFill>
+                  <a:schemeClr val="tx1"/>
+                </a:solidFill>
+                <a:effectLst/>
+                <a:latin typeface="+mn-lt"/>
+                <a:ea typeface="+mn-ea"/>
+                <a:cs typeface="+mn-cs"/>
+              </a:rPr>
+              <a:t>Second, and most importantly, we notice that the proposed approach provides very good word vectors even when using very small training datasets </a:t>
+            </a:r>
+            <a:endParaRPr lang="en-US" dirty="0"/>
           </a:p>
           <a:p>
             <a:endParaRPr lang="en-CO" dirty="0"/>
@@ -2841,7 +3389,7 @@
               <a:rPr lang="en-GB" sz="1400" b="0" strike="noStrike" spc="-1" smtClean="0">
                 <a:latin typeface="Times New Roman"/>
               </a:rPr>
-              <a:t>16</a:t>
+              <a:t>12</a:t>
             </a:fld>
             <a:endParaRPr lang="en-GB" sz="1400" b="0" strike="noStrike" spc="-1">
               <a:latin typeface="Times New Roman"/>
@@ -2852,7 +3400,7 @@
     </p:spTree>
     <p:extLst>
       <p:ext uri="{BB962C8B-B14F-4D97-AF65-F5344CB8AC3E}">
-        <p14:creationId xmlns:p14="http://schemas.microsoft.com/office/powerpoint/2010/main" val="970338645"/>
+        <p14:creationId xmlns:p14="http://schemas.microsoft.com/office/powerpoint/2010/main" val="1750913434"/>
       </p:ext>
     </p:extLst>
   </p:cSld>
@@ -9398,7 +9946,7 @@
           <p:nvPr/>
         </p:nvPicPr>
         <p:blipFill>
-          <a:blip r:embed="rId2"/>
+          <a:blip r:embed="rId3"/>
           <a:stretch>
             <a:fillRect/>
           </a:stretch>
@@ -9846,7 +10394,7 @@
         <p:spPr>
           <a:xfrm>
             <a:off x="480960" y="1838611"/>
-            <a:ext cx="8466671" cy="2308324"/>
+            <a:ext cx="8466671" cy="3416320"/>
           </a:xfrm>
           <a:prstGeom prst="rect">
             <a:avLst/>
@@ -9866,25 +10414,6 @@
             <a:r>
               <a:rPr lang="en-US" dirty="0"/>
               <a:t>In the paper there is no error analysis.</a:t>
-            </a:r>
-          </a:p>
-          <a:p>
-            <a:pPr marL="285750" indent="-285750">
-              <a:buFont typeface="Arial" panose="020B0604020202020204" pitchFamily="34" charset="0"/>
-              <a:buChar char="•"/>
-            </a:pPr>
-            <a:r>
-              <a:rPr lang="en-US" dirty="0"/>
-              <a:t>[N-gram heat maps at end of paper are cherry-picked]</a:t>
-            </a:r>
-          </a:p>
-          <a:p>
-            <a:endParaRPr lang="en-US" dirty="0"/>
-          </a:p>
-          <a:p>
-            <a:r>
-              <a:rPr lang="en-US" dirty="0"/>
-              <a:t> </a:t>
             </a:r>
           </a:p>
           <a:p>
@@ -9895,7 +10424,14 @@
             <a:endParaRPr lang="en-US" dirty="0"/>
           </a:p>
           <a:p>
-            <a:endParaRPr lang="en-US" dirty="0"/>
+            <a:pPr marL="285750" indent="-285750">
+              <a:buFont typeface="Arial" panose="020B0604020202020204" pitchFamily="34" charset="0"/>
+              <a:buChar char="•"/>
+            </a:pPr>
+            <a:r>
+              <a:rPr lang="en-US" dirty="0"/>
+              <a:t>They did a hand pick selection of the OOV words. </a:t>
+            </a:r>
           </a:p>
           <a:p>
             <a:pPr marL="285750" indent="-285750">
@@ -9911,8 +10447,87 @@
             </a:pPr>
             <a:endParaRPr lang="en-US" dirty="0"/>
           </a:p>
-        </p:txBody>
-      </p:sp>
+          <a:p>
+            <a:pPr marL="285750" indent="-285750">
+              <a:buFont typeface="Arial" panose="020B0604020202020204" pitchFamily="34" charset="0"/>
+              <a:buChar char="•"/>
+            </a:pPr>
+            <a:endParaRPr lang="en-US" dirty="0"/>
+          </a:p>
+          <a:p>
+            <a:pPr marL="285750" indent="-285750">
+              <a:buFont typeface="Arial" panose="020B0604020202020204" pitchFamily="34" charset="0"/>
+              <a:buChar char="•"/>
+            </a:pPr>
+            <a:endParaRPr lang="en-US" dirty="0"/>
+          </a:p>
+          <a:p>
+            <a:pPr marL="285750" indent="-285750">
+              <a:buFont typeface="Arial" panose="020B0604020202020204" pitchFamily="34" charset="0"/>
+              <a:buChar char="•"/>
+            </a:pPr>
+            <a:endParaRPr lang="en-US" dirty="0"/>
+          </a:p>
+          <a:p>
+            <a:pPr marL="285750" indent="-285750">
+              <a:buFont typeface="Arial" panose="020B0604020202020204" pitchFamily="34" charset="0"/>
+              <a:buChar char="•"/>
+            </a:pPr>
+            <a:endParaRPr lang="en-US" dirty="0"/>
+          </a:p>
+          <a:p>
+            <a:pPr marL="285750" indent="-285750">
+              <a:buFont typeface="Arial" panose="020B0604020202020204" pitchFamily="34" charset="0"/>
+              <a:buChar char="•"/>
+            </a:pPr>
+            <a:endParaRPr lang="en-US" dirty="0"/>
+          </a:p>
+          <a:p>
+            <a:pPr marL="285750" indent="-285750">
+              <a:buFont typeface="Arial" panose="020B0604020202020204" pitchFamily="34" charset="0"/>
+              <a:buChar char="•"/>
+            </a:pPr>
+            <a:endParaRPr lang="en-US" dirty="0"/>
+          </a:p>
+          <a:p>
+            <a:pPr marL="285750" indent="-285750">
+              <a:buFont typeface="Arial" panose="020B0604020202020204" pitchFamily="34" charset="0"/>
+              <a:buChar char="•"/>
+            </a:pPr>
+            <a:endParaRPr lang="en-US" dirty="0"/>
+          </a:p>
+        </p:txBody>
+      </p:sp>
+      <p:pic>
+        <p:nvPicPr>
+          <p:cNvPr id="2" name="Picture 1">
+            <a:extLst>
+              <a:ext uri="{FF2B5EF4-FFF2-40B4-BE49-F238E27FC236}">
+                <a16:creationId xmlns:a16="http://schemas.microsoft.com/office/drawing/2014/main" id="{40FD741A-6EBD-C142-B0BB-BC271EE7DD2F}"/>
+              </a:ext>
+            </a:extLst>
+          </p:cNvPr>
+          <p:cNvPicPr>
+            <a:picLocks noChangeAspect="1"/>
+          </p:cNvPicPr>
+          <p:nvPr/>
+        </p:nvPicPr>
+        <p:blipFill>
+          <a:blip r:embed="rId3"/>
+          <a:stretch>
+            <a:fillRect/>
+          </a:stretch>
+        </p:blipFill>
+        <p:spPr>
+          <a:xfrm>
+            <a:off x="1360639" y="2843407"/>
+            <a:ext cx="5691513" cy="2276605"/>
+          </a:xfrm>
+          <a:prstGeom prst="rect">
+            <a:avLst/>
+          </a:prstGeom>
+        </p:spPr>
+      </p:pic>
     </p:spTree>
     <p:extLst>
       <p:ext uri="{BB962C8B-B14F-4D97-AF65-F5344CB8AC3E}">
@@ -10031,7 +10646,7 @@
         <p:spPr>
           <a:xfrm>
             <a:off x="610503" y="1507371"/>
-            <a:ext cx="7474718" cy="2031325"/>
+            <a:ext cx="7474718" cy="4524315"/>
           </a:xfrm>
           <a:prstGeom prst="rect">
             <a:avLst/>
@@ -10043,98 +10658,106 @@
           </a:bodyPr>
           <a:lstStyle/>
           <a:p>
+            <a:pPr marL="285750" indent="-285750" algn="just">
+              <a:buFont typeface="Wingdings" pitchFamily="2" charset="2"/>
+              <a:buChar char="Ø"/>
+            </a:pPr>
+            <a:r>
+              <a:rPr lang="en-US" dirty="0"/>
+              <a:t>They unified all the research in one library called </a:t>
+            </a:r>
+            <a:r>
+              <a:rPr lang="en-US" dirty="0" err="1"/>
+              <a:t>FastText</a:t>
+            </a:r>
+            <a:r>
+              <a:rPr lang="en-US" dirty="0"/>
+              <a:t>, this is an unified framework for:</a:t>
+            </a:r>
+          </a:p>
+          <a:p>
+            <a:pPr marL="742950" lvl="1" indent="-285750" algn="just">
+              <a:buFont typeface="Arial" panose="020B0604020202020204" pitchFamily="34" charset="0"/>
+              <a:buChar char="•"/>
+            </a:pPr>
+            <a:r>
+              <a:rPr lang="en-US" dirty="0"/>
+              <a:t>Text representation</a:t>
+            </a:r>
+          </a:p>
+          <a:p>
+            <a:pPr marL="742950" lvl="1" indent="-285750" algn="just">
+              <a:buFont typeface="Arial" panose="020B0604020202020204" pitchFamily="34" charset="0"/>
+              <a:buChar char="•"/>
+            </a:pPr>
+            <a:r>
+              <a:rPr lang="en-US" dirty="0"/>
+              <a:t>Text classification</a:t>
+            </a:r>
+          </a:p>
+          <a:p>
+            <a:pPr algn="just"/>
+            <a:endParaRPr lang="en-US" dirty="0"/>
+          </a:p>
+          <a:p>
+            <a:pPr marL="285750" indent="-285750" algn="just">
+              <a:buFont typeface="Wingdings" pitchFamily="2" charset="2"/>
+              <a:buChar char="Ø"/>
+            </a:pPr>
+            <a:r>
+              <a:rPr lang="en-US" dirty="0"/>
+              <a:t>Text Classification is the process of categorizing text into organized groups first automatically analyzing the text and then assigning a set of pre-defined tags or categories based on its content.</a:t>
+            </a:r>
+          </a:p>
+          <a:p>
+            <a:pPr algn="just"/>
+            <a:endParaRPr lang="en-US" dirty="0"/>
+          </a:p>
+          <a:p>
+            <a:pPr algn="just"/>
+            <a:endParaRPr lang="en-US" dirty="0"/>
+          </a:p>
+          <a:p>
+            <a:pPr marL="285750" indent="-285750" algn="just">
+              <a:buFont typeface="Wingdings" pitchFamily="2" charset="2"/>
+              <a:buChar char="Ø"/>
+            </a:pPr>
+            <a:r>
+              <a:rPr lang="en-US" dirty="0"/>
+              <a:t>BERT </a:t>
+            </a:r>
+          </a:p>
+          <a:p>
+            <a:pPr algn="just"/>
             <a:r>
               <a:rPr lang="en-US" dirty="0">
-                <a:solidFill>
-                  <a:srgbClr val="000000"/>
-                </a:solidFill>
-                <a:latin typeface="Arial" panose="020B0604020202020204" pitchFamily="34" charset="0"/>
+                <a:hlinkClick r:id="rId3"/>
               </a:rPr>
-              <a:t>[Introduce </a:t>
-            </a:r>
-            <a:r>
-              <a:rPr lang="en-US" dirty="0" err="1">
-                <a:solidFill>
-                  <a:srgbClr val="000000"/>
-                </a:solidFill>
-                <a:latin typeface="Arial" panose="020B0604020202020204" pitchFamily="34" charset="0"/>
+              <a:t>https://www.analyticsvidhya.com/blog/2019/09/demystifying-bert-groundbreaking-nlp-framework/</a:t>
+            </a:r>
+            <a:endParaRPr lang="en-US" dirty="0"/>
+          </a:p>
+          <a:p>
+            <a:pPr algn="just"/>
+            <a:endParaRPr lang="en-US" dirty="0"/>
+          </a:p>
+          <a:p>
+            <a:pPr marL="285750" indent="-285750" algn="just">
+              <a:buFont typeface="Wingdings" pitchFamily="2" charset="2"/>
+              <a:buChar char="Ø"/>
+            </a:pPr>
+            <a:r>
+              <a:rPr lang="en-US" dirty="0"/>
+              <a:t>ELMO </a:t>
+            </a:r>
+          </a:p>
+          <a:p>
+            <a:pPr algn="just"/>
+            <a:r>
+              <a:rPr lang="en-US" dirty="0">
+                <a:hlinkClick r:id="rId4"/>
               </a:rPr>
-              <a:t>FastText</a:t>
-            </a:r>
-            <a:r>
-              <a:rPr lang="en-US" dirty="0">
-                <a:solidFill>
-                  <a:srgbClr val="000000"/>
-                </a:solidFill>
-                <a:latin typeface="Arial" panose="020B0604020202020204" pitchFamily="34" charset="0"/>
-              </a:rPr>
-              <a:t> (and other papers which fed into this, see </a:t>
-            </a:r>
-            <a:r>
-              <a:rPr lang="en-US" dirty="0" err="1">
-                <a:solidFill>
-                  <a:srgbClr val="000000"/>
-                </a:solidFill>
-                <a:latin typeface="Arial" panose="020B0604020202020204" pitchFamily="34" charset="0"/>
-              </a:rPr>
-              <a:t>github</a:t>
-            </a:r>
-            <a:r>
-              <a:rPr lang="en-US" dirty="0">
-                <a:solidFill>
-                  <a:srgbClr val="000000"/>
-                </a:solidFill>
-                <a:latin typeface="Arial" panose="020B0604020202020204" pitchFamily="34" charset="0"/>
-              </a:rPr>
-              <a:t>)]</a:t>
-            </a:r>
-          </a:p>
-          <a:p>
-            <a:r>
-              <a:rPr lang="en-US" dirty="0">
-                <a:solidFill>
-                  <a:srgbClr val="000000"/>
-                </a:solidFill>
-                <a:latin typeface="Arial" panose="020B0604020202020204" pitchFamily="34" charset="0"/>
-              </a:rPr>
-              <a:t>	</a:t>
-            </a:r>
-            <a:r>
-              <a:rPr lang="en-US" dirty="0">
-                <a:hlinkClick r:id="rId2"/>
-              </a:rPr>
-              <a:t>https://pypi.org/project/fasttext/</a:t>
-            </a:r>
-            <a:endParaRPr lang="en-US" dirty="0"/>
-          </a:p>
-          <a:p>
-            <a:r>
-              <a:rPr lang="en-US" dirty="0"/>
-              <a:t>	[Add discussion of text classification task here]</a:t>
-            </a:r>
-            <a:endParaRPr lang="en-CO" dirty="0"/>
-          </a:p>
-          <a:p>
-            <a:endParaRPr lang="en-US" dirty="0">
-              <a:solidFill>
-                <a:srgbClr val="000000"/>
-              </a:solidFill>
-              <a:latin typeface="Arial" panose="020B0604020202020204" pitchFamily="34" charset="0"/>
-            </a:endParaRPr>
-          </a:p>
-          <a:p>
-            <a:r>
-              <a:rPr lang="en-US" dirty="0"/>
-              <a:t>[ELMO]</a:t>
-            </a:r>
-          </a:p>
-          <a:p>
-            <a:endParaRPr lang="en-US" dirty="0"/>
-          </a:p>
-          <a:p>
-            <a:r>
-              <a:rPr lang="en-US" dirty="0"/>
-              <a:t>[BERT]</a:t>
+              <a:t>https://allennlp.org/elmo</a:t>
             </a:r>
             <a:endParaRPr lang="en-CO" dirty="0"/>
           </a:p>
@@ -12099,7 +12722,7 @@
                   <a:srgbClr val="0098A1"/>
                 </a:solidFill>
               </a:rPr>
-              <a:t>Conclusion</a:t>
+              <a:t>Main Contribution</a:t>
             </a:r>
           </a:p>
           <a:p>
@@ -12113,7 +12736,21 @@
                   <a:srgbClr val="0098A1"/>
                 </a:solidFill>
               </a:rPr>
-              <a:t>Main Contribution</a:t>
+              <a:t>Shortcomings / Cheats</a:t>
+            </a:r>
+          </a:p>
+          <a:p>
+            <a:pPr marL="342900" indent="-342900">
+              <a:buFont typeface="+mj-lt"/>
+              <a:buAutoNum type="arabicPeriod"/>
+            </a:pPr>
+            <a:r>
+              <a:rPr lang="en-US" sz="1600" b="1" spc="-1" dirty="0">
+                <a:solidFill>
+                  <a:srgbClr val="0098A1"/>
+                </a:solidFill>
+              </a:rPr>
+              <a:t>Next Steps</a:t>
             </a:r>
           </a:p>
           <a:p>
@@ -12625,7 +13262,7 @@
         <p:spPr>
           <a:xfrm>
             <a:off x="338664" y="1997839"/>
-            <a:ext cx="8466671" cy="1799467"/>
+            <a:ext cx="8466671" cy="3077702"/>
           </a:xfrm>
           <a:prstGeom prst="rect">
             <a:avLst/>
@@ -12638,25 +13275,9 @@
           </a:bodyPr>
           <a:lstStyle/>
           <a:p>
-            <a:pPr marL="342900" indent="-342900">
+            <a:pPr algn="just">
               <a:lnSpc>
-                <a:spcPct val="90000"/>
-              </a:lnSpc>
-              <a:spcBef>
-                <a:spcPts val="1000"/>
-              </a:spcBef>
-              <a:buFont typeface="Arial" panose="020B0604020202020204" pitchFamily="34" charset="0"/>
-              <a:buChar char="•"/>
-            </a:pPr>
-            <a:r>
-              <a:rPr lang="en-US" dirty="0"/>
-              <a:t>Word Representation</a:t>
-            </a:r>
-          </a:p>
-          <a:p>
-            <a:pPr marL="0" lvl="1">
-              <a:lnSpc>
-                <a:spcPct val="90000"/>
+                <a:spcPct val="150000"/>
               </a:lnSpc>
               <a:spcBef>
                 <a:spcPts val="1000"/>
@@ -12664,21 +13285,51 @@
             </a:pPr>
             <a:r>
               <a:rPr lang="en-US" dirty="0"/>
-              <a:t>	Transforming words into a vector format which can be more easily 	processed by computers.</a:t>
-            </a:r>
-          </a:p>
-          <a:p>
-            <a:pPr lvl="1"/>
-            <a:endParaRPr lang="en-CO" dirty="0"/>
-          </a:p>
-          <a:p>
+              <a:t>In the paper “Enriching Word vectors with </a:t>
+            </a:r>
+            <a:r>
+              <a:rPr lang="en-US" dirty="0" err="1"/>
+              <a:t>subword</a:t>
+            </a:r>
+            <a:r>
+              <a:rPr lang="en-US" dirty="0"/>
+              <a:t> information” presented by Piotr Bojanowski , Edouard Grave , Armand </a:t>
+            </a:r>
+            <a:r>
+              <a:rPr lang="en-US" dirty="0" err="1"/>
+              <a:t>Joulin</a:t>
+            </a:r>
+            <a:r>
+              <a:rPr lang="en-US" dirty="0"/>
+              <a:t> and Tomas </a:t>
+            </a:r>
+            <a:r>
+              <a:rPr lang="en-US" dirty="0" err="1"/>
+              <a:t>Mikolov</a:t>
+            </a:r>
+            <a:r>
+              <a:rPr lang="en-US" dirty="0"/>
+              <a:t> publish on 2017, propose a new approach based on the </a:t>
+            </a:r>
+            <a:r>
+              <a:rPr lang="en-US" dirty="0" err="1"/>
+              <a:t>skipgram</a:t>
+            </a:r>
+            <a:r>
+              <a:rPr lang="en-US" dirty="0"/>
+              <a:t> model, where each word is represented as a bag of character n-grams. A vector representation is associated to each character n-gram; words being represented as the sum of these representations. </a:t>
+            </a:r>
+          </a:p>
+          <a:p>
+            <a:pPr algn="just">
+              <a:lnSpc>
+                <a:spcPct val="150000"/>
+              </a:lnSpc>
+              <a:spcBef>
+                <a:spcPts val="1000"/>
+              </a:spcBef>
+            </a:pPr>
             <a:endParaRPr lang="en-US" dirty="0"/>
-          </a:p>
-          <a:p>
-            <a:r>
-              <a:rPr lang="en-US" dirty="0"/>
-              <a:t>[NEED MORE INTRODUCTION TO THIS TASK]</a:t>
-            </a:r>
           </a:p>
         </p:txBody>
       </p:sp>

--- a/Presentation_Subword.pptx
+++ b/Presentation_Subword.pptx
@@ -149,34 +149,6 @@
 
 <file path=ppt/comments/comment1.xml><?xml version="1.0" encoding="utf-8"?>
 <p:cmLst xmlns:a="http://schemas.openxmlformats.org/drawingml/2006/main" xmlns:r="http://schemas.openxmlformats.org/officeDocument/2006/relationships" xmlns:p="http://schemas.openxmlformats.org/presentationml/2006/main">
-  <p:cm authorId="1" dt="2020-06-29T10:46:14.066" idx="7">
-    <p:pos x="10" y="10"/>
-    <p:text>Update this</p:text>
-    <p:extLst>
-      <p:ext uri="{C676402C-5697-4E1C-873F-D02D1690AC5C}">
-        <p15:threadingInfo xmlns:p15="http://schemas.microsoft.com/office/powerpoint/2012/main" timeZoneBias="-120"/>
-      </p:ext>
-    </p:extLst>
-  </p:cm>
-</p:cmLst>
-</file>
-
-<file path=ppt/comments/comment2.xml><?xml version="1.0" encoding="utf-8"?>
-<p:cmLst xmlns:a="http://schemas.openxmlformats.org/drawingml/2006/main" xmlns:r="http://schemas.openxmlformats.org/officeDocument/2006/relationships" xmlns:p="http://schemas.openxmlformats.org/presentationml/2006/main">
-  <p:cm authorId="1" dt="2020-06-29T10:47:49.692" idx="8">
-    <p:pos x="10" y="10"/>
-    <p:text>Needs meat</p:text>
-    <p:extLst>
-      <p:ext uri="{C676402C-5697-4E1C-873F-D02D1690AC5C}">
-        <p15:threadingInfo xmlns:p15="http://schemas.microsoft.com/office/powerpoint/2012/main" timeZoneBias="-120"/>
-      </p:ext>
-    </p:extLst>
-  </p:cm>
-</p:cmLst>
-</file>
-
-<file path=ppt/comments/comment3.xml><?xml version="1.0" encoding="utf-8"?>
-<p:cmLst xmlns:a="http://schemas.openxmlformats.org/drawingml/2006/main" xmlns:r="http://schemas.openxmlformats.org/officeDocument/2006/relationships" xmlns:p="http://schemas.openxmlformats.org/presentationml/2006/main">
   <p:cm authorId="1" dt="2020-06-29T10:49:40.519" idx="9">
     <p:pos x="10" y="10"/>
     <p:text>Need notes on this model</p:text>
@@ -189,7 +161,7 @@
 </p:cmLst>
 </file>
 
-<file path=ppt/comments/comment4.xml><?xml version="1.0" encoding="utf-8"?>
+<file path=ppt/comments/comment2.xml><?xml version="1.0" encoding="utf-8"?>
 <p:cmLst xmlns:a="http://schemas.openxmlformats.org/drawingml/2006/main" xmlns:r="http://schemas.openxmlformats.org/officeDocument/2006/relationships" xmlns:p="http://schemas.openxmlformats.org/presentationml/2006/main">
   <p:cm authorId="1" dt="2020-06-29T10:19:38.586" idx="2">
     <p:pos x="10" y="10"/>
@@ -200,33 +172,10 @@
       </p:ext>
     </p:extLst>
   </p:cm>
-  <p:cm authorId="1" dt="2020-06-29T10:20:34.690" idx="3">
-    <p:pos x="106" y="106"/>
-    <p:text>Need to be prepared to discuss why the model performs better on some languages than others.</p:text>
-    <p:extLst>
-      <p:ext uri="{C676402C-5697-4E1C-873F-D02D1690AC5C}">
-        <p15:threadingInfo xmlns:p15="http://schemas.microsoft.com/office/powerpoint/2012/main" timeZoneBias="-120"/>
-      </p:ext>
-    </p:extLst>
-  </p:cm>
 </p:cmLst>
 </file>
 
-<file path=ppt/comments/comment5.xml><?xml version="1.0" encoding="utf-8"?>
-<p:cmLst xmlns:a="http://schemas.openxmlformats.org/drawingml/2006/main" xmlns:r="http://schemas.openxmlformats.org/officeDocument/2006/relationships" xmlns:p="http://schemas.openxmlformats.org/presentationml/2006/main">
-  <p:cm authorId="1" dt="2020-06-29T10:24:53.529" idx="5">
-    <p:pos x="10" y="10"/>
-    <p:text>Add notes about what these numbers mean</p:text>
-    <p:extLst>
-      <p:ext uri="{C676402C-5697-4E1C-873F-D02D1690AC5C}">
-        <p15:threadingInfo xmlns:p15="http://schemas.microsoft.com/office/powerpoint/2012/main" timeZoneBias="-120"/>
-      </p:ext>
-    </p:extLst>
-  </p:cm>
-</p:cmLst>
-</file>
-
-<file path=ppt/comments/comment6.xml><?xml version="1.0" encoding="utf-8"?>
+<file path=ppt/comments/comment3.xml><?xml version="1.0" encoding="utf-8"?>
 <p:cmLst xmlns:a="http://schemas.openxmlformats.org/drawingml/2006/main" xmlns:r="http://schemas.openxmlformats.org/officeDocument/2006/relationships" xmlns:p="http://schemas.openxmlformats.org/presentationml/2006/main">
   <p:cm authorId="1" dt="2020-06-29T10:24:53.529" idx="5">
     <p:pos x="10" y="10"/>
@@ -958,11 +907,14 @@
             <a:endParaRPr lang="en-US" dirty="0"/>
           </a:p>
           <a:p>
+            <a:pPr marL="914400" lvl="2" indent="0" algn="just">
+              <a:buFont typeface="Arial" panose="020B0604020202020204" pitchFamily="34" charset="0"/>
+              <a:buNone/>
+            </a:pPr>
             <a:r>
               <a:rPr lang="en-US" dirty="0"/>
-              <a:t>	[Add discussion of text classification task here]</a:t>
-            </a:r>
-            <a:endParaRPr lang="en-CO" dirty="0"/>
+              <a:t>Text Classification is the process of categorizing text into organized groups. first automatically analyzing the text and then assigning a set of pre-defined tags or categories based on its content.</a:t>
+            </a:r>
           </a:p>
           <a:p>
             <a:endParaRPr lang="en-US" dirty="0">
@@ -1087,23 +1039,6 @@
           <a:p>
             <a:r>
               <a:rPr lang="en-US" dirty="0"/>
-              <a:t>[Potentially download and run some simple </a:t>
-            </a:r>
-            <a:r>
-              <a:rPr lang="en-US" dirty="0" err="1"/>
-              <a:t>fasttext</a:t>
-            </a:r>
-            <a:r>
-              <a:rPr lang="en-US" dirty="0"/>
-              <a:t> code and show the results]</a:t>
-            </a:r>
-          </a:p>
-          <a:p>
-            <a:endParaRPr lang="en-US" dirty="0"/>
-          </a:p>
-          <a:p>
-            <a:r>
-              <a:rPr lang="en-US" dirty="0"/>
               <a:t>G</a:t>
             </a:r>
             <a:r>
@@ -1819,6 +1754,10 @@
           <a:bodyPr/>
           <a:lstStyle/>
           <a:p>
+            <a:r>
+              <a:rPr lang="en-US" dirty="0"/>
+              <a:t>Introduced a model to predict the next word based on ‘n’ previous words.  </a:t>
+            </a:r>
             <a:endParaRPr lang="en-CO" dirty="0"/>
           </a:p>
         </p:txBody>
@@ -2655,37 +2594,6 @@
             </a:endParaRPr>
           </a:p>
           <a:p>
-            <a:pPr marL="0" marR="0" lvl="0" indent="0" algn="l" defTabSz="914400" rtl="0" eaLnBrk="1" fontAlgn="auto" latinLnBrk="0" hangingPunct="1">
-              <a:lnSpc>
-                <a:spcPct val="100000"/>
-              </a:lnSpc>
-              <a:spcBef>
-                <a:spcPts val="0"/>
-              </a:spcBef>
-              <a:spcAft>
-                <a:spcPts val="0"/>
-              </a:spcAft>
-              <a:buClrTx/>
-              <a:buSzTx/>
-              <a:buFontTx/>
-              <a:buNone/>
-              <a:tabLst/>
-              <a:defRPr/>
-            </a:pPr>
-            <a:r>
-              <a:rPr lang="en-US" dirty="0"/>
-              <a:t>[Put </a:t>
-            </a:r>
-            <a:r>
-              <a:rPr lang="en-US" dirty="0" err="1"/>
-              <a:t>skipgram</a:t>
-            </a:r>
-            <a:r>
-              <a:rPr lang="en-US" dirty="0"/>
-              <a:t> eqn. or scoring functions from presentation here, per BW]</a:t>
-            </a:r>
-          </a:p>
-          <a:p>
             <a:endParaRPr lang="en-US" dirty="0"/>
           </a:p>
           <a:p>
@@ -2783,105 +2691,6 @@
           <a:bodyPr/>
           <a:lstStyle/>
           <a:p>
-            <a:pPr marL="342900" indent="-342900">
-              <a:buAutoNum type="arabicPeriod"/>
-            </a:pPr>
-            <a:r>
-              <a:rPr lang="en-US" dirty="0"/>
-              <a:t>Word Representation</a:t>
-            </a:r>
-          </a:p>
-          <a:p>
-            <a:pPr marL="800100" lvl="1" indent="-342900">
-              <a:buAutoNum type="arabicPeriod"/>
-            </a:pPr>
-            <a:r>
-              <a:rPr lang="en-US" dirty="0"/>
-              <a:t>Dataset</a:t>
-            </a:r>
-          </a:p>
-          <a:p>
-            <a:pPr marL="1257300" lvl="2" indent="-342900">
-              <a:buAutoNum type="arabicPeriod"/>
-            </a:pPr>
-            <a:r>
-              <a:rPr lang="en-US" dirty="0"/>
-              <a:t>Structure</a:t>
-            </a:r>
-          </a:p>
-          <a:p>
-            <a:pPr marL="800100" lvl="1" indent="-342900">
-              <a:buAutoNum type="arabicPeriod"/>
-            </a:pPr>
-            <a:r>
-              <a:rPr lang="en-US" dirty="0"/>
-              <a:t>Dataset 2</a:t>
-            </a:r>
-          </a:p>
-          <a:p>
-            <a:pPr marL="1257300" lvl="2" indent="-342900">
-              <a:buAutoNum type="arabicPeriod"/>
-            </a:pPr>
-            <a:r>
-              <a:rPr lang="en-US" dirty="0"/>
-              <a:t>Structure</a:t>
-            </a:r>
-          </a:p>
-          <a:p>
-            <a:pPr marL="342900" indent="-342900">
-              <a:buAutoNum type="arabicPeriod"/>
-            </a:pPr>
-            <a:r>
-              <a:rPr lang="en-US" dirty="0"/>
-              <a:t>Text Classification (hate speech </a:t>
-            </a:r>
-            <a:r>
-              <a:rPr lang="en-US" dirty="0" err="1"/>
-              <a:t>detection,etc</a:t>
-            </a:r>
-            <a:r>
-              <a:rPr lang="en-US" dirty="0"/>
-              <a:t>)</a:t>
-            </a:r>
-          </a:p>
-          <a:p>
-            <a:pPr marL="800100" lvl="1" indent="-342900">
-              <a:buAutoNum type="arabicPeriod"/>
-            </a:pPr>
-            <a:r>
-              <a:rPr lang="en-US" dirty="0"/>
-              <a:t>Dataset</a:t>
-            </a:r>
-          </a:p>
-          <a:p>
-            <a:pPr marL="1257300" lvl="2" indent="-342900">
-              <a:buAutoNum type="arabicPeriod"/>
-            </a:pPr>
-            <a:r>
-              <a:rPr lang="en-US" dirty="0"/>
-              <a:t>Structure</a:t>
-            </a:r>
-          </a:p>
-          <a:p>
-            <a:pPr marL="800100" lvl="1" indent="-342900">
-              <a:buAutoNum type="arabicPeriod"/>
-            </a:pPr>
-            <a:r>
-              <a:rPr lang="en-US" dirty="0"/>
-              <a:t>Dataset 2</a:t>
-            </a:r>
-          </a:p>
-          <a:p>
-            <a:pPr marL="1257300" lvl="2" indent="-342900">
-              <a:buAutoNum type="arabicPeriod"/>
-            </a:pPr>
-            <a:r>
-              <a:rPr lang="en-US" dirty="0"/>
-              <a:t>Structure</a:t>
-            </a:r>
-            <a:endParaRPr lang="en-CO" dirty="0"/>
-          </a:p>
-          <a:p>
             <a:endParaRPr lang="en-CO" dirty="0"/>
           </a:p>
         </p:txBody>
@@ -2992,6 +2801,53 @@
               <a:rPr lang="en-US" dirty="0"/>
               <a:t> creates feature vectors by summing n-gram vectors</a:t>
             </a:r>
+          </a:p>
+          <a:p>
+            <a:endParaRPr lang="en-US" sz="1800" b="0" i="0" u="none" strike="noStrike" baseline="0" dirty="0">
+              <a:latin typeface="NimbusRomNo9L-Regu"/>
+            </a:endParaRPr>
+          </a:p>
+          <a:p>
+            <a:r>
+              <a:rPr lang="en-US" sz="1800" b="0" i="0" u="none" strike="noStrike" baseline="0" dirty="0">
+                <a:latin typeface="NimbusRomNo9L-Regu"/>
+              </a:rPr>
+              <a:t>Poorer performance on WS353: This is due to the fact that words in the English</a:t>
+            </a:r>
+          </a:p>
+          <a:p>
+            <a:pPr algn="l"/>
+            <a:r>
+              <a:rPr lang="en-US" sz="1800" b="0" i="0" u="none" strike="noStrike" baseline="0" dirty="0">
+                <a:latin typeface="NimbusRomNo9L-Regu"/>
+              </a:rPr>
+              <a:t>WS353 dataset are common words for which</a:t>
+            </a:r>
+          </a:p>
+          <a:p>
+            <a:pPr algn="l"/>
+            <a:r>
+              <a:rPr lang="en-US" sz="1800" b="0" i="0" u="none" strike="noStrike" baseline="0" dirty="0">
+                <a:latin typeface="NimbusRomNo9L-Regu"/>
+              </a:rPr>
+              <a:t>good vectors can be obtained without exploiting</a:t>
+            </a:r>
+          </a:p>
+          <a:p>
+            <a:pPr algn="l"/>
+            <a:r>
+              <a:rPr lang="en-US" sz="1800" b="0" i="0" u="none" strike="noStrike" baseline="0" dirty="0" err="1">
+                <a:latin typeface="NimbusRomNo9L-Regu"/>
+              </a:rPr>
+              <a:t>subword</a:t>
+            </a:r>
+            <a:r>
+              <a:rPr lang="en-US" sz="1800" b="0" i="0" u="none" strike="noStrike" baseline="0" dirty="0">
+                <a:latin typeface="NimbusRomNo9L-Regu"/>
+              </a:rPr>
+              <a:t> information.</a:t>
+            </a:r>
+            <a:endParaRPr lang="en-US" dirty="0"/>
           </a:p>
         </p:txBody>
       </p:sp>
@@ -9345,25 +9201,7 @@
                 </a:solidFill>
                 <a:latin typeface="ArialNarrow"/>
               </a:rPr>
-              <a:t> et al., Enriching Word Vectors with </a:t>
-            </a:r>
-            <a:r>
-              <a:rPr lang="en-US" sz="1050" b="0" i="0" u="none" strike="noStrike" baseline="0" dirty="0" err="1">
-                <a:solidFill>
-                  <a:srgbClr val="FF0000"/>
-                </a:solidFill>
-                <a:latin typeface="ArialNarrow"/>
-              </a:rPr>
-              <a:t>Subword</a:t>
-            </a:r>
-            <a:r>
-              <a:rPr lang="en-US" sz="1050" b="0" i="0" u="none" strike="noStrike" baseline="0" dirty="0">
-                <a:solidFill>
-                  <a:srgbClr val="FF0000"/>
-                </a:solidFill>
-                <a:latin typeface="ArialNarrow"/>
-              </a:rPr>
-              <a:t> Information: https://arxiv.org/pdf/1607.04606.pdf</a:t>
+              <a:t> et al., Enriching Word Vectors with Subword Information: https://arxiv.org/pdf/1607.04606.pdf</a:t>
             </a:r>
             <a:endParaRPr lang="en-US" sz="1050" dirty="0">
               <a:solidFill>
@@ -9528,7 +9366,7 @@
               </a:spcBef>
             </a:pPr>
             <a:r>
-              <a:rPr lang="en-US" sz="2000" b="1" spc="-1" dirty="0">
+              <a:rPr lang="en-US" sz="2200" b="1" spc="-1" dirty="0">
                 <a:solidFill>
                   <a:srgbClr val="EF181E"/>
                 </a:solidFill>
@@ -9724,7 +9562,7 @@
               </a:spcBef>
             </a:pPr>
             <a:r>
-              <a:rPr lang="en-US" sz="2000" b="1" spc="-1" dirty="0">
+              <a:rPr lang="en-US" sz="2200" b="1" spc="-1" dirty="0">
                 <a:solidFill>
                   <a:srgbClr val="EF181E"/>
                 </a:solidFill>
@@ -9920,7 +9758,7 @@
               </a:spcBef>
             </a:pPr>
             <a:r>
-              <a:rPr lang="en-US" sz="2000" b="1" spc="-1" dirty="0">
+              <a:rPr lang="en-US" sz="2200" b="1" spc="-1" dirty="0">
                 <a:solidFill>
                   <a:srgbClr val="EF181E"/>
                 </a:solidFill>
@@ -10116,7 +9954,7 @@
               </a:spcBef>
             </a:pPr>
             <a:r>
-              <a:rPr lang="en-US" sz="2000" b="1" spc="-1" dirty="0">
+              <a:rPr lang="en-US" sz="2200" b="1" spc="-1" dirty="0">
                 <a:solidFill>
                   <a:srgbClr val="EF181E"/>
                 </a:solidFill>
@@ -10142,7 +9980,7 @@
         <p:spPr>
           <a:xfrm>
             <a:off x="338664" y="1666369"/>
-            <a:ext cx="8466671" cy="2585323"/>
+            <a:ext cx="8466671" cy="2862322"/>
           </a:xfrm>
           <a:prstGeom prst="rect">
             <a:avLst/>
@@ -10161,7 +9999,7 @@
             </a:pPr>
             <a:r>
               <a:rPr lang="en-US" dirty="0"/>
-              <a:t>Works well for rare words and morphologically rich languages (like German).</a:t>
+              <a:t>Works well for rare/OOV words and for morphologically rich languages (like German).</a:t>
             </a:r>
           </a:p>
           <a:p>
@@ -10187,7 +10025,7 @@
             </a:pPr>
             <a:r>
               <a:rPr lang="en-US" dirty="0"/>
-              <a:t>Good word representation with smaller datasets and with rare/OOV words.</a:t>
+              <a:t>Good word representation with smaller datasets.</a:t>
             </a:r>
           </a:p>
           <a:p>
@@ -10368,7 +10206,7 @@
               </a:spcBef>
             </a:pPr>
             <a:r>
-              <a:rPr lang="en-US" sz="2000" b="1" spc="-1" dirty="0">
+              <a:rPr lang="en-US" sz="2200" b="1" spc="-1" dirty="0">
                 <a:solidFill>
                   <a:srgbClr val="EF181E"/>
                 </a:solidFill>
@@ -10394,7 +10232,7 @@
         <p:spPr>
           <a:xfrm>
             <a:off x="480960" y="1838611"/>
-            <a:ext cx="8466671" cy="3416320"/>
+            <a:ext cx="8466671" cy="4801314"/>
           </a:xfrm>
           <a:prstGeom prst="rect">
             <a:avLst/>
@@ -10413,7 +10251,17 @@
             </a:pPr>
             <a:r>
               <a:rPr lang="en-US" dirty="0"/>
-              <a:t>In the paper there is no error analysis.</a:t>
+              <a:t>The paper lacks an error analysis.</a:t>
+            </a:r>
+          </a:p>
+          <a:p>
+            <a:pPr marL="742950" lvl="1" indent="-285750">
+              <a:buFont typeface="Arial" panose="020B0604020202020204" pitchFamily="34" charset="0"/>
+              <a:buChar char="•"/>
+            </a:pPr>
+            <a:r>
+              <a:rPr lang="en-US" dirty="0"/>
+              <a:t>An investigation into the errors made during the word similarity task would be helpful to identify systemic gaps in the performance of the model. </a:t>
             </a:r>
           </a:p>
           <a:p>
@@ -10430,7 +10278,17 @@
             </a:pPr>
             <a:r>
               <a:rPr lang="en-US" dirty="0"/>
-              <a:t>They did a hand pick selection of the OOV words. </a:t>
+              <a:t>The hand-picked OOV examples presented at the end of the paper seem to be a weak argument for the effectiveness of the new model. </a:t>
+            </a:r>
+          </a:p>
+          <a:p>
+            <a:pPr marL="742950" lvl="1" indent="-285750">
+              <a:buFont typeface="Arial" panose="020B0604020202020204" pitchFamily="34" charset="0"/>
+              <a:buChar char="•"/>
+            </a:pPr>
+            <a:r>
+              <a:rPr lang="en-US" dirty="0"/>
+              <a:t>A more comprehensive analysis of the English Rare Words dataset would be more informative.</a:t>
             </a:r>
           </a:p>
           <a:p>
@@ -10520,7 +10378,7 @@
         </p:blipFill>
         <p:spPr>
           <a:xfrm>
-            <a:off x="1360639" y="2843407"/>
+            <a:off x="1726243" y="4124280"/>
             <a:ext cx="5691513" cy="2276605"/>
           </a:xfrm>
           <a:prstGeom prst="rect">
@@ -10646,7 +10504,7 @@
         <p:spPr>
           <a:xfrm>
             <a:off x="610503" y="1507371"/>
-            <a:ext cx="7474718" cy="4524315"/>
+            <a:ext cx="7474718" cy="3693319"/>
           </a:xfrm>
           <a:prstGeom prst="rect">
             <a:avLst/>
@@ -10659,12 +10517,12 @@
           <a:lstStyle/>
           <a:p>
             <a:pPr marL="285750" indent="-285750" algn="just">
-              <a:buFont typeface="Wingdings" pitchFamily="2" charset="2"/>
-              <a:buChar char="Ø"/>
+              <a:buFont typeface="Arial" panose="020B0604020202020204" pitchFamily="34" charset="0"/>
+              <a:buChar char="•"/>
             </a:pPr>
             <a:r>
               <a:rPr lang="en-US" dirty="0"/>
-              <a:t>They unified all the research in one library called </a:t>
+              <a:t>This paper, as well as the others listed below, were combined into one library called </a:t>
             </a:r>
             <a:r>
               <a:rPr lang="en-US" dirty="0" err="1"/>
@@ -10672,7 +10530,7 @@
             </a:r>
             <a:r>
               <a:rPr lang="en-US" dirty="0"/>
-              <a:t>, this is an unified framework for:</a:t>
+              <a:t>, this is a unified framework for Word Representation and Text Classification.</a:t>
             </a:r>
           </a:p>
           <a:p>
@@ -10682,8 +10540,31 @@
             </a:pPr>
             <a:r>
               <a:rPr lang="en-US" dirty="0"/>
-              <a:t>Text representation</a:t>
-            </a:r>
+              <a:t>A. </a:t>
+            </a:r>
+            <a:r>
+              <a:rPr lang="en-US" dirty="0" err="1"/>
+              <a:t>Joulin</a:t>
+            </a:r>
+            <a:r>
+              <a:rPr lang="en-US" dirty="0"/>
+              <a:t>, E. Grave, P. Bojanowski, T. </a:t>
+            </a:r>
+            <a:r>
+              <a:rPr lang="en-US" dirty="0" err="1"/>
+              <a:t>Mikolov</a:t>
+            </a:r>
+            <a:r>
+              <a:rPr lang="en-US" dirty="0"/>
+              <a:t>, </a:t>
+            </a:r>
+            <a:r>
+              <a:rPr lang="en-US" i="1" dirty="0">
+                <a:hlinkClick r:id="rId3"/>
+              </a:rPr>
+              <a:t>Bag of Tricks for Efficient Text Classification</a:t>
+            </a:r>
+            <a:endParaRPr lang="en-US" i="1" dirty="0"/>
           </a:p>
           <a:p>
             <a:pPr marL="742950" lvl="1" indent="-285750" algn="just">
@@ -10692,74 +10573,82 @@
             </a:pPr>
             <a:r>
               <a:rPr lang="en-US" dirty="0"/>
-              <a:t>Text classification</a:t>
-            </a:r>
+              <a:t>A. </a:t>
+            </a:r>
+            <a:r>
+              <a:rPr lang="en-US" dirty="0" err="1"/>
+              <a:t>Joulin</a:t>
+            </a:r>
+            <a:r>
+              <a:rPr lang="en-US" dirty="0"/>
+              <a:t>, E. Grave, P. Bojanowski, M. </a:t>
+            </a:r>
+            <a:r>
+              <a:rPr lang="en-US" dirty="0" err="1"/>
+              <a:t>Douze</a:t>
+            </a:r>
+            <a:r>
+              <a:rPr lang="en-US" dirty="0"/>
+              <a:t>, H. </a:t>
+            </a:r>
+            <a:r>
+              <a:rPr lang="en-US" dirty="0" err="1"/>
+              <a:t>Jégou</a:t>
+            </a:r>
+            <a:r>
+              <a:rPr lang="en-US" dirty="0"/>
+              <a:t>, T. </a:t>
+            </a:r>
+            <a:r>
+              <a:rPr lang="en-US" dirty="0" err="1"/>
+              <a:t>Mikolov</a:t>
+            </a:r>
+            <a:r>
+              <a:rPr lang="en-US" dirty="0"/>
+              <a:t>, </a:t>
+            </a:r>
+            <a:r>
+              <a:rPr lang="en-US" i="1" dirty="0">
+                <a:hlinkClick r:id="rId4"/>
+              </a:rPr>
+              <a:t>FastText.zip: Compressing text classification models</a:t>
+            </a:r>
+            <a:endParaRPr lang="en-US" dirty="0"/>
+          </a:p>
+          <a:p>
+            <a:pPr marL="742950" lvl="1" indent="-285750" algn="just">
+              <a:buFont typeface="Arial" panose="020B0604020202020204" pitchFamily="34" charset="0"/>
+              <a:buChar char="•"/>
+            </a:pPr>
+            <a:endParaRPr lang="en-US" dirty="0"/>
+          </a:p>
+          <a:p>
+            <a:pPr algn="just"/>
+            <a:r>
+              <a:rPr lang="en-US" dirty="0"/>
+              <a:t> </a:t>
+            </a:r>
+          </a:p>
+          <a:p>
+            <a:pPr marL="285750" indent="-285750">
+              <a:buFont typeface="Arial" panose="020B0604020202020204" pitchFamily="34" charset="0"/>
+              <a:buChar char="•"/>
+            </a:pPr>
+            <a:r>
+              <a:rPr lang="en-US" dirty="0"/>
+              <a:t>Jacob Devlin, Ming-Wei Chang, Kenton Lee, Kristina Toutanova, </a:t>
+            </a:r>
+            <a:r>
+              <a:rPr lang="en-US" i="1" dirty="0">
+                <a:hlinkClick r:id="rId5"/>
+              </a:rPr>
+              <a:t>BERT: Pre-training of Deep Bidirectional Transformers for Language Understanding</a:t>
+            </a:r>
+            <a:endParaRPr lang="en-US" i="1" dirty="0"/>
           </a:p>
           <a:p>
             <a:pPr algn="just"/>
             <a:endParaRPr lang="en-US" dirty="0"/>
-          </a:p>
-          <a:p>
-            <a:pPr marL="285750" indent="-285750" algn="just">
-              <a:buFont typeface="Wingdings" pitchFamily="2" charset="2"/>
-              <a:buChar char="Ø"/>
-            </a:pPr>
-            <a:r>
-              <a:rPr lang="en-US" dirty="0"/>
-              <a:t>Text Classification is the process of categorizing text into organized groups first automatically analyzing the text and then assigning a set of pre-defined tags or categories based on its content.</a:t>
-            </a:r>
-          </a:p>
-          <a:p>
-            <a:pPr algn="just"/>
-            <a:endParaRPr lang="en-US" dirty="0"/>
-          </a:p>
-          <a:p>
-            <a:pPr algn="just"/>
-            <a:endParaRPr lang="en-US" dirty="0"/>
-          </a:p>
-          <a:p>
-            <a:pPr marL="285750" indent="-285750" algn="just">
-              <a:buFont typeface="Wingdings" pitchFamily="2" charset="2"/>
-              <a:buChar char="Ø"/>
-            </a:pPr>
-            <a:r>
-              <a:rPr lang="en-US" dirty="0"/>
-              <a:t>BERT </a:t>
-            </a:r>
-          </a:p>
-          <a:p>
-            <a:pPr algn="just"/>
-            <a:r>
-              <a:rPr lang="en-US" dirty="0">
-                <a:hlinkClick r:id="rId3"/>
-              </a:rPr>
-              <a:t>https://www.analyticsvidhya.com/blog/2019/09/demystifying-bert-groundbreaking-nlp-framework/</a:t>
-            </a:r>
-            <a:endParaRPr lang="en-US" dirty="0"/>
-          </a:p>
-          <a:p>
-            <a:pPr algn="just"/>
-            <a:endParaRPr lang="en-US" dirty="0"/>
-          </a:p>
-          <a:p>
-            <a:pPr marL="285750" indent="-285750" algn="just">
-              <a:buFont typeface="Wingdings" pitchFamily="2" charset="2"/>
-              <a:buChar char="Ø"/>
-            </a:pPr>
-            <a:r>
-              <a:rPr lang="en-US" dirty="0"/>
-              <a:t>ELMO </a:t>
-            </a:r>
-          </a:p>
-          <a:p>
-            <a:pPr algn="just"/>
-            <a:r>
-              <a:rPr lang="en-US" dirty="0">
-                <a:hlinkClick r:id="rId4"/>
-              </a:rPr>
-              <a:t>https://allennlp.org/elmo</a:t>
-            </a:r>
-            <a:endParaRPr lang="en-CO" dirty="0"/>
           </a:p>
         </p:txBody>
       </p:sp>
@@ -10815,7 +10704,7 @@
               </a:spcBef>
             </a:pPr>
             <a:r>
-              <a:rPr lang="en-US" sz="2000" b="1" spc="-1" dirty="0">
+              <a:rPr lang="en-US" sz="2200" b="1" spc="-1" dirty="0">
                 <a:solidFill>
                   <a:srgbClr val="EF181E"/>
                 </a:solidFill>
@@ -11908,7 +11797,7 @@
         <p:spPr>
           <a:xfrm>
             <a:off x="213264" y="4758288"/>
-            <a:ext cx="8717472" cy="646331"/>
+            <a:ext cx="8717472" cy="369332"/>
           </a:xfrm>
           <a:prstGeom prst="rect">
             <a:avLst/>
@@ -11922,7 +11811,7 @@
           <a:p>
             <a:r>
               <a:rPr lang="en-US" dirty="0"/>
-              <a:t>The value can be anywhere between 0 and 1. A higher value means higher similarity.</a:t>
+              <a:t>The value ranges from 0 and 1. A higher value means higher similarity.</a:t>
             </a:r>
             <a:endParaRPr lang="en-CO" dirty="0"/>
           </a:p>
@@ -12278,7 +12167,7 @@
             </a:r>
             <a:r>
               <a:rPr lang="en-US" dirty="0"/>
-              <a:t> module with command lines.</a:t>
+              <a:t> command line utility.</a:t>
             </a:r>
             <a:endParaRPr lang="en-CO" dirty="0"/>
           </a:p>
@@ -12652,7 +12541,7 @@
                   <a:srgbClr val="0098A1"/>
                 </a:solidFill>
               </a:rPr>
-              <a:t>Tasks</a:t>
+              <a:t>Introduction</a:t>
             </a:r>
           </a:p>
           <a:p>
@@ -12680,6 +12569,20 @@
                   <a:srgbClr val="0098A1"/>
                 </a:solidFill>
               </a:rPr>
+              <a:t>New Model with Subword Information</a:t>
+            </a:r>
+          </a:p>
+          <a:p>
+            <a:pPr marL="342900" indent="-342900">
+              <a:buFont typeface="+mj-lt"/>
+              <a:buAutoNum type="arabicPeriod"/>
+            </a:pPr>
+            <a:r>
+              <a:rPr lang="en-US" sz="1600" b="1" spc="-1" dirty="0">
+                <a:solidFill>
+                  <a:srgbClr val="0098A1"/>
+                </a:solidFill>
+              </a:rPr>
               <a:t>Advantages</a:t>
             </a:r>
           </a:p>
@@ -12722,7 +12625,7 @@
                   <a:srgbClr val="0098A1"/>
                 </a:solidFill>
               </a:rPr>
-              <a:t>Main Contribution</a:t>
+              <a:t>Main Contributions</a:t>
             </a:r>
           </a:p>
           <a:p>
@@ -13211,8 +13114,8 @@
         </p:nvSpPr>
         <p:spPr>
           <a:xfrm>
-            <a:off x="4089721" y="927019"/>
-            <a:ext cx="964559" cy="430887"/>
+            <a:off x="3654891" y="927019"/>
+            <a:ext cx="1834221" cy="430887"/>
           </a:xfrm>
           <a:prstGeom prst="rect">
             <a:avLst/>
@@ -13236,7 +13139,7 @@
                 </a:solidFill>
                 <a:latin typeface="Arial"/>
               </a:rPr>
-              <a:t>Tasks</a:t>
+              <a:t>Introduction</a:t>
             </a:r>
             <a:endParaRPr lang="en-CO" sz="2200" b="1" spc="-1" dirty="0">
               <a:solidFill>
@@ -13261,8 +13164,8 @@
         </p:nvSpPr>
         <p:spPr>
           <a:xfrm>
-            <a:off x="338664" y="1997839"/>
-            <a:ext cx="8466671" cy="3077702"/>
+            <a:off x="338664" y="1545452"/>
+            <a:ext cx="8466671" cy="3462486"/>
           </a:xfrm>
           <a:prstGeom prst="rect">
             <a:avLst/>
@@ -13275,7 +13178,7 @@
           </a:bodyPr>
           <a:lstStyle/>
           <a:p>
-            <a:pPr algn="just">
+            <a:pPr algn="ctr">
               <a:lnSpc>
                 <a:spcPct val="150000"/>
               </a:lnSpc>
@@ -13285,15 +13188,23 @@
             </a:pPr>
             <a:r>
               <a:rPr lang="en-US" dirty="0"/>
-              <a:t>In the paper “Enriching Word vectors with </a:t>
-            </a:r>
-            <a:r>
-              <a:rPr lang="en-US" dirty="0" err="1"/>
-              <a:t>subword</a:t>
-            </a:r>
+              <a:t>“Enriching Word Vectors with Subword Information” </a:t>
+            </a:r>
+          </a:p>
+          <a:p>
+            <a:pPr marL="285750" indent="-285750" algn="just">
+              <a:lnSpc>
+                <a:spcPct val="150000"/>
+              </a:lnSpc>
+              <a:spcBef>
+                <a:spcPts val="1000"/>
+              </a:spcBef>
+              <a:buFont typeface="Arial" panose="020B0604020202020204" pitchFamily="34" charset="0"/>
+              <a:buChar char="•"/>
+            </a:pPr>
             <a:r>
               <a:rPr lang="en-US" dirty="0"/>
-              <a:t> information” presented by Piotr Bojanowski , Edouard Grave , Armand </a:t>
+              <a:t>Written by Piotr Bojanowski, Edouard Grave, Armand </a:t>
             </a:r>
             <a:r>
               <a:rPr lang="en-US" dirty="0" err="1"/>
@@ -13301,7 +13212,7 @@
             </a:r>
             <a:r>
               <a:rPr lang="en-US" dirty="0"/>
-              <a:t> and Tomas </a:t>
+              <a:t>, and Tomas </a:t>
             </a:r>
             <a:r>
               <a:rPr lang="en-US" dirty="0" err="1"/>
@@ -13309,15 +13220,39 @@
             </a:r>
             <a:r>
               <a:rPr lang="en-US" dirty="0"/>
-              <a:t> publish on 2017, propose a new approach based on the </a:t>
-            </a:r>
-            <a:r>
-              <a:rPr lang="en-US" dirty="0" err="1"/>
-              <a:t>skipgram</a:t>
-            </a:r>
+              <a:t> (all employees of Facebook at the time of writing)</a:t>
+            </a:r>
+          </a:p>
+          <a:p>
+            <a:pPr marL="285750" indent="-285750" algn="just">
+              <a:lnSpc>
+                <a:spcPct val="150000"/>
+              </a:lnSpc>
+              <a:spcBef>
+                <a:spcPts val="1000"/>
+              </a:spcBef>
+              <a:buFont typeface="Arial" panose="020B0604020202020204" pitchFamily="34" charset="0"/>
+              <a:buChar char="•"/>
+            </a:pPr>
             <a:r>
               <a:rPr lang="en-US" dirty="0"/>
-              <a:t> model, where each word is represented as a bag of character n-grams. A vector representation is associated to each character n-gram; words being represented as the sum of these representations. </a:t>
+              <a:t>Published in 2017</a:t>
+            </a:r>
+          </a:p>
+          <a:p>
+            <a:pPr marL="285750" indent="-285750" algn="just">
+              <a:lnSpc>
+                <a:spcPct val="150000"/>
+              </a:lnSpc>
+              <a:spcBef>
+                <a:spcPts val="1000"/>
+              </a:spcBef>
+              <a:buFont typeface="Arial" panose="020B0604020202020204" pitchFamily="34" charset="0"/>
+              <a:buChar char="•"/>
+            </a:pPr>
+            <a:r>
+              <a:rPr lang="en-US" dirty="0"/>
+              <a:t>Presents a novel approach for word representation based on the Skip-gram model</a:t>
             </a:r>
           </a:p>
           <a:p>
@@ -15152,25 +15087,7 @@
                 </a:solidFill>
                 <a:latin typeface="Arial"/>
               </a:rPr>
-              <a:t>Skip-gram Model with </a:t>
-            </a:r>
-            <a:r>
-              <a:rPr lang="en-US" sz="2200" b="1" spc="-1" dirty="0" err="1">
-                <a:solidFill>
-                  <a:srgbClr val="EF181E"/>
-                </a:solidFill>
-                <a:latin typeface="Arial"/>
-              </a:rPr>
-              <a:t>Subword</a:t>
-            </a:r>
-            <a:r>
-              <a:rPr lang="en-US" sz="2200" b="1" spc="-1" dirty="0">
-                <a:solidFill>
-                  <a:srgbClr val="EF181E"/>
-                </a:solidFill>
-                <a:latin typeface="Arial"/>
-              </a:rPr>
-              <a:t> Information (2017)</a:t>
+              <a:t>Skip-gram Model with Subword Information (2017)</a:t>
             </a:r>
             <a:endParaRPr lang="en-CO" sz="2200" b="1" spc="-1" dirty="0">
               <a:solidFill>
@@ -15226,25 +15143,7 @@
                 </a:solidFill>
                 <a:latin typeface="ArialNarrow"/>
               </a:rPr>
-              <a:t> et al., Enriching Word Vectors with </a:t>
-            </a:r>
-            <a:r>
-              <a:rPr lang="en-US" sz="1050" b="0" i="0" u="none" strike="noStrike" baseline="0" dirty="0" err="1">
-                <a:solidFill>
-                  <a:srgbClr val="FF0000"/>
-                </a:solidFill>
-                <a:latin typeface="ArialNarrow"/>
-              </a:rPr>
-              <a:t>Subword</a:t>
-            </a:r>
-            <a:r>
-              <a:rPr lang="en-US" sz="1050" b="0" i="0" u="none" strike="noStrike" baseline="0" dirty="0">
-                <a:solidFill>
-                  <a:srgbClr val="FF0000"/>
-                </a:solidFill>
-                <a:latin typeface="ArialNarrow"/>
-              </a:rPr>
-              <a:t> Information: https://arxiv.org/pdf/1607.04606.pdf</a:t>
+              <a:t> et al., Enriching Word Vectors with Subword Information: https://arxiv.org/pdf/1607.04606.pdf</a:t>
             </a:r>
             <a:endParaRPr lang="en-US" sz="1050" dirty="0">
               <a:solidFill>
@@ -17373,10 +17272,9 @@
                     <a:lstStyle/>
                     <a:p>
                       <a:r>
-                        <a:rPr lang="en-US" sz="1400" dirty="0" err="1"/>
+                        <a:rPr lang="en-US" sz="1400" dirty="0"/>
                         <a:t>Genetive</a:t>
                       </a:r>
-                      <a:endParaRPr lang="en-US" sz="1400" dirty="0"/>
                     </a:p>
                   </a:txBody>
                   <a:tcPr marL="0" marR="0" marT="0" marB="0" anchor="ctr">
@@ -18373,7 +18271,7 @@
               </a:spcBef>
             </a:pPr>
             <a:r>
-              <a:rPr lang="en-US" sz="2000" b="1" spc="-1" dirty="0">
+              <a:rPr lang="en-US" sz="2200" b="1" spc="-1" dirty="0">
                 <a:solidFill>
                   <a:srgbClr val="EF181E"/>
                 </a:solidFill>

--- a/Presentation_Subword.pptx
+++ b/Presentation_Subword.pptx
@@ -147,48 +147,6 @@
 </p:cmAuthorLst>
 </file>
 
-<file path=ppt/comments/comment1.xml><?xml version="1.0" encoding="utf-8"?>
-<p:cmLst xmlns:a="http://schemas.openxmlformats.org/drawingml/2006/main" xmlns:r="http://schemas.openxmlformats.org/officeDocument/2006/relationships" xmlns:p="http://schemas.openxmlformats.org/presentationml/2006/main">
-  <p:cm authorId="1" dt="2020-06-29T10:49:40.519" idx="9">
-    <p:pos x="10" y="10"/>
-    <p:text>Need notes on this model</p:text>
-    <p:extLst>
-      <p:ext uri="{C676402C-5697-4E1C-873F-D02D1690AC5C}">
-        <p15:threadingInfo xmlns:p15="http://schemas.microsoft.com/office/powerpoint/2012/main" timeZoneBias="-120"/>
-      </p:ext>
-    </p:extLst>
-  </p:cm>
-</p:cmLst>
-</file>
-
-<file path=ppt/comments/comment2.xml><?xml version="1.0" encoding="utf-8"?>
-<p:cmLst xmlns:a="http://schemas.openxmlformats.org/drawingml/2006/main" xmlns:r="http://schemas.openxmlformats.org/officeDocument/2006/relationships" xmlns:p="http://schemas.openxmlformats.org/presentationml/2006/main">
-  <p:cm authorId="1" dt="2020-06-29T10:19:38.586" idx="2">
-    <p:pos x="10" y="10"/>
-    <p:text>Need to add either discussion of Spearman Rank to notes, or put eqn on slide?</p:text>
-    <p:extLst>
-      <p:ext uri="{C676402C-5697-4E1C-873F-D02D1690AC5C}">
-        <p15:threadingInfo xmlns:p15="http://schemas.microsoft.com/office/powerpoint/2012/main" timeZoneBias="-120"/>
-      </p:ext>
-    </p:extLst>
-  </p:cm>
-</p:cmLst>
-</file>
-
-<file path=ppt/comments/comment3.xml><?xml version="1.0" encoding="utf-8"?>
-<p:cmLst xmlns:a="http://schemas.openxmlformats.org/drawingml/2006/main" xmlns:r="http://schemas.openxmlformats.org/officeDocument/2006/relationships" xmlns:p="http://schemas.openxmlformats.org/presentationml/2006/main">
-  <p:cm authorId="1" dt="2020-06-29T10:24:53.529" idx="5">
-    <p:pos x="10" y="10"/>
-    <p:text>Add notes about what these numbers mean</p:text>
-    <p:extLst>
-      <p:ext uri="{C676402C-5697-4E1C-873F-D02D1690AC5C}">
-        <p15:threadingInfo xmlns:p15="http://schemas.microsoft.com/office/powerpoint/2012/main" timeZoneBias="-120"/>
-      </p:ext>
-    </p:extLst>
-  </p:cm>
-</p:cmLst>
-</file>
-
 <file path=ppt/notesMasters/notesMaster1.xml><?xml version="1.0" encoding="utf-8"?>
 <p:notesMaster xmlns:a="http://schemas.openxmlformats.org/drawingml/2006/main" xmlns:r="http://schemas.openxmlformats.org/officeDocument/2006/relationships" xmlns:p="http://schemas.openxmlformats.org/presentationml/2006/main">
   <p:cSld>
@@ -917,26 +875,21 @@
             </a:r>
           </a:p>
           <a:p>
-            <a:endParaRPr lang="en-US" dirty="0">
-              <a:solidFill>
-                <a:srgbClr val="000000"/>
-              </a:solidFill>
-              <a:latin typeface="Arial" panose="020B0604020202020204" pitchFamily="34" charset="0"/>
-            </a:endParaRPr>
-          </a:p>
-          <a:p>
             <a:r>
               <a:rPr lang="en-US" dirty="0"/>
               <a:t>[ELMO]</a:t>
             </a:r>
           </a:p>
           <a:p>
-            <a:endParaRPr lang="en-US" dirty="0"/>
-          </a:p>
-          <a:p>
             <a:r>
               <a:rPr lang="en-US" dirty="0"/>
               <a:t>[BERT]</a:t>
+            </a:r>
+          </a:p>
+          <a:p>
+            <a:r>
+              <a:rPr lang="en-US" dirty="0"/>
+              <a:t>This method uses Subword information for its own tokenization. </a:t>
             </a:r>
           </a:p>
           <a:p>
@@ -1756,7 +1709,7 @@
           <a:p>
             <a:r>
               <a:rPr lang="en-US" dirty="0"/>
-              <a:t>Introduced a model to predict the next word based on ‘n’ previous words.  </a:t>
+              <a:t>Introduced a model to predict the next word based on ‘n’ previous words.  This seems to be the first half of the CBOW type model.</a:t>
             </a:r>
             <a:endParaRPr lang="en-CO" dirty="0"/>
           </a:p>
@@ -1934,7 +1887,38 @@
                 <a:ea typeface="+mn-ea"/>
                 <a:cs typeface="+mn-cs"/>
               </a:rPr>
-              <a:t> model architecture predict the target word (the center word) based on the source context words (surrounding words).</a:t>
+              <a:t> model architecture predict the target word (the center word) based on the source context words (surrounding words). </a:t>
+            </a:r>
+          </a:p>
+          <a:p>
+            <a:pPr marL="0" marR="0" lvl="0" indent="0" algn="l" defTabSz="914400" rtl="0" eaLnBrk="1" fontAlgn="auto" latinLnBrk="0" hangingPunct="1">
+              <a:lnSpc>
+                <a:spcPct val="100000"/>
+              </a:lnSpc>
+              <a:spcBef>
+                <a:spcPts val="0"/>
+              </a:spcBef>
+              <a:spcAft>
+                <a:spcPts val="0"/>
+              </a:spcAft>
+              <a:buClrTx/>
+              <a:buSzTx/>
+              <a:buFontTx/>
+              <a:buNone/>
+              <a:tabLst/>
+              <a:defRPr/>
+            </a:pPr>
+            <a:r>
+              <a:rPr lang="en-US" sz="1200" b="0" i="0" kern="1200" dirty="0">
+                <a:solidFill>
+                  <a:schemeClr val="tx1"/>
+                </a:solidFill>
+                <a:effectLst/>
+                <a:latin typeface="+mn-lt"/>
+                <a:ea typeface="+mn-ea"/>
+                <a:cs typeface="+mn-cs"/>
+              </a:rPr>
+              <a:t>Quicker to train, better accuracy on frequent words.</a:t>
             </a:r>
           </a:p>
           <a:p>
@@ -2185,7 +2169,7 @@
             </a:r>
             <a:r>
               <a:rPr lang="en-US" dirty="0"/>
-              <a:t> model the context is predicted based on the source word</a:t>
+              <a:t> model the context is predicted based on the source word. This method performs better on rare words, but is slower to train than CBOW.</a:t>
             </a:r>
           </a:p>
           <a:p>
@@ -2812,29 +2796,8 @@
               <a:rPr lang="en-US" sz="1800" b="0" i="0" u="none" strike="noStrike" baseline="0" dirty="0">
                 <a:latin typeface="NimbusRomNo9L-Regu"/>
               </a:rPr>
-              <a:t>Poorer performance on WS353: This is due to the fact that words in the English</a:t>
-            </a:r>
-          </a:p>
-          <a:p>
-            <a:pPr algn="l"/>
-            <a:r>
-              <a:rPr lang="en-US" sz="1800" b="0" i="0" u="none" strike="noStrike" baseline="0" dirty="0">
-                <a:latin typeface="NimbusRomNo9L-Regu"/>
-              </a:rPr>
-              <a:t>WS353 dataset are common words for which</a:t>
-            </a:r>
-          </a:p>
-          <a:p>
-            <a:pPr algn="l"/>
-            <a:r>
-              <a:rPr lang="en-US" sz="1800" b="0" i="0" u="none" strike="noStrike" baseline="0" dirty="0">
-                <a:latin typeface="NimbusRomNo9L-Regu"/>
-              </a:rPr>
-              <a:t>good vectors can be obtained without exploiting</a:t>
-            </a:r>
-          </a:p>
-          <a:p>
-            <a:pPr algn="l"/>
+              <a:t>Poorer performance on WS353: This is due to the fact that words in the English WS353 dataset are common words for which good vectors can be obtained without exploiting </a:t>
+            </a:r>
             <a:r>
               <a:rPr lang="en-US" sz="1800" b="0" i="0" u="none" strike="noStrike" baseline="0" dirty="0" err="1">
                 <a:latin typeface="NimbusRomNo9L-Regu"/>
@@ -11906,7 +11869,7 @@
 </file>
 
 <file path=ppt/slides/slide19.xml><?xml version="1.0" encoding="utf-8"?>
-<p:sld xmlns:a="http://schemas.openxmlformats.org/drawingml/2006/main" xmlns:r="http://schemas.openxmlformats.org/officeDocument/2006/relationships" xmlns:p="http://schemas.openxmlformats.org/presentationml/2006/main">
+<p:sld xmlns:a="http://schemas.openxmlformats.org/drawingml/2006/main" xmlns:r="http://schemas.openxmlformats.org/officeDocument/2006/relationships" xmlns:p="http://schemas.openxmlformats.org/presentationml/2006/main" show="0">
   <p:cSld>
     <p:spTree>
       <p:nvGrpSpPr>
@@ -16957,7 +16920,7 @@
             </a:pPr>
             <a:r>
               <a:rPr lang="en-US" dirty="0"/>
-              <a:t>Out-of-Vocabulary Word feature</a:t>
+              <a:t>Out-of-Vocabulary Word features</a:t>
             </a:r>
           </a:p>
           <a:p>
